--- a/Презентация.pptx
+++ b/Презентация.pptx
@@ -5,7 +5,7 @@
     <p:sldMasterId id="2147483789" r:id="rId1"/>
   </p:sldMasterIdLst>
   <p:notesMasterIdLst>
-    <p:notesMasterId r:id="rId29"/>
+    <p:notesMasterId r:id="rId28"/>
   </p:notesMasterIdLst>
   <p:sldIdLst>
     <p:sldId id="256" r:id="rId2"/>
@@ -13,28 +13,27 @@
     <p:sldId id="262" r:id="rId4"/>
     <p:sldId id="258" r:id="rId5"/>
     <p:sldId id="260" r:id="rId6"/>
-    <p:sldId id="269" r:id="rId7"/>
-    <p:sldId id="275" r:id="rId8"/>
-    <p:sldId id="277" r:id="rId9"/>
-    <p:sldId id="278" r:id="rId10"/>
-    <p:sldId id="279" r:id="rId11"/>
-    <p:sldId id="281" r:id="rId12"/>
-    <p:sldId id="280" r:id="rId13"/>
-    <p:sldId id="282" r:id="rId14"/>
-    <p:sldId id="283" r:id="rId15"/>
-    <p:sldId id="292" r:id="rId16"/>
-    <p:sldId id="293" r:id="rId17"/>
-    <p:sldId id="286" r:id="rId18"/>
-    <p:sldId id="287" r:id="rId19"/>
-    <p:sldId id="288" r:id="rId20"/>
-    <p:sldId id="291" r:id="rId21"/>
-    <p:sldId id="289" r:id="rId22"/>
-    <p:sldId id="294" r:id="rId23"/>
-    <p:sldId id="290" r:id="rId24"/>
-    <p:sldId id="270" r:id="rId25"/>
-    <p:sldId id="271" r:id="rId26"/>
-    <p:sldId id="272" r:id="rId27"/>
-    <p:sldId id="273" r:id="rId28"/>
+    <p:sldId id="277" r:id="rId7"/>
+    <p:sldId id="278" r:id="rId8"/>
+    <p:sldId id="281" r:id="rId9"/>
+    <p:sldId id="280" r:id="rId10"/>
+    <p:sldId id="282" r:id="rId11"/>
+    <p:sldId id="292" r:id="rId12"/>
+    <p:sldId id="293" r:id="rId13"/>
+    <p:sldId id="286" r:id="rId14"/>
+    <p:sldId id="287" r:id="rId15"/>
+    <p:sldId id="291" r:id="rId16"/>
+    <p:sldId id="289" r:id="rId17"/>
+    <p:sldId id="294" r:id="rId18"/>
+    <p:sldId id="290" r:id="rId19"/>
+    <p:sldId id="270" r:id="rId20"/>
+    <p:sldId id="271" r:id="rId21"/>
+    <p:sldId id="272" r:id="rId22"/>
+    <p:sldId id="273" r:id="rId23"/>
+    <p:sldId id="295" r:id="rId24"/>
+    <p:sldId id="296" r:id="rId25"/>
+    <p:sldId id="297" r:id="rId26"/>
+    <p:sldId id="298" r:id="rId27"/>
   </p:sldIdLst>
   <p:sldSz cx="12192000" cy="6858000"/>
   <p:notesSz cx="6858000" cy="9144000"/>
@@ -9199,19 +9198,14 @@
             <p:ph type="title"/>
           </p:nvPr>
         </p:nvSpPr>
-        <p:spPr>
-          <a:xfrm>
-            <a:off x="838200" y="365125"/>
-            <a:ext cx="10515600" cy="1006475"/>
-          </a:xfrm>
-        </p:spPr>
+        <p:spPr/>
         <p:txBody>
           <a:bodyPr/>
           <a:lstStyle/>
           <a:p>
             <a:r>
               <a:rPr lang="ru-RU" dirty="0" smtClean="0"/>
-              <a:t>Деревья поведения (определение)</a:t>
+              <a:t>Деревья поведения (выводы)</a:t>
             </a:r>
             <a:endParaRPr lang="ru-RU" dirty="0"/>
           </a:p>
@@ -9224,18 +9218,13 @@
             <a:spLocks noGrp="1"/>
           </p:cNvSpPr>
           <p:nvPr>
-            <p:ph sz="half" idx="1"/>
+            <p:ph idx="1"/>
           </p:nvPr>
         </p:nvSpPr>
-        <p:spPr>
-          <a:xfrm>
-            <a:off x="531224" y="1495425"/>
-            <a:ext cx="5052830" cy="4613419"/>
-          </a:xfrm>
-        </p:spPr>
+        <p:spPr/>
         <p:txBody>
           <a:bodyPr>
-            <a:normAutofit fontScale="92500" lnSpcReduction="10000"/>
+            <a:normAutofit/>
           </a:bodyPr>
           <a:lstStyle/>
           <a:p>
@@ -9244,20 +9233,7 @@
             </a:pPr>
             <a:r>
               <a:rPr lang="ru-RU" dirty="0" smtClean="0"/>
-              <a:t>Деревья, в которых терминальные узлы определяют действия агента, а внутренние – выбор и организацию последовательностей действий</a:t>
-            </a:r>
-          </a:p>
-          <a:p>
-            <a:pPr marL="0" indent="0">
-              <a:buNone/>
-            </a:pPr>
-            <a:r>
-              <a:rPr lang="ru-RU" dirty="0" smtClean="0"/>
-              <a:t>Основные </a:t>
-            </a:r>
-            <a:r>
-              <a:rPr lang="ru-RU" dirty="0" smtClean="0"/>
-              <a:t>узлы:</a:t>
+              <a:t>Преимущества</a:t>
             </a:r>
           </a:p>
           <a:p>
@@ -9267,12 +9243,26 @@
             </a:pPr>
             <a:r>
               <a:rPr lang="ru-RU" dirty="0" smtClean="0"/>
-              <a:t>Последовательность – все дочерние элементы выполняются по </a:t>
+              <a:t>Модульность – узлы не связаны друг с другом и могут быть </a:t>
+            </a:r>
+            <a:r>
+              <a:rPr lang="ru-RU" dirty="0" err="1" smtClean="0"/>
+              <a:t>переиспользованы</a:t>
             </a:r>
             <a:r>
               <a:rPr lang="ru-RU" dirty="0" smtClean="0"/>
-              <a:t>очереди</a:t>
-            </a:r>
+              <a:t> в разных ветвях одного дерева, в разных деревьях и в разных проектах</a:t>
+            </a:r>
+          </a:p>
+          <a:p>
+            <a:pPr marL="0" indent="0">
+              <a:buNone/>
+            </a:pPr>
+            <a:r>
+              <a:rPr lang="ru-RU" dirty="0" smtClean="0"/>
+              <a:t>Недостатки</a:t>
+            </a:r>
+            <a:endParaRPr lang="ru-RU" dirty="0" smtClean="0"/>
           </a:p>
           <a:p>
             <a:pPr lvl="1">
@@ -9281,17 +9271,8 @@
             </a:pPr>
             <a:r>
               <a:rPr lang="ru-RU" dirty="0" smtClean="0"/>
-              <a:t>Селектор </a:t>
-            </a:r>
-            <a:r>
-              <a:rPr lang="ru-RU" dirty="0" smtClean="0"/>
-              <a:t>– </a:t>
-            </a:r>
-            <a:r>
-              <a:rPr lang="ru-RU" dirty="0" smtClean="0"/>
-              <a:t>выбирается первый подходящий дочерний элемент</a:t>
-            </a:r>
-            <a:endParaRPr lang="en-US" dirty="0" smtClean="0"/>
+              <a:t>Поведение полностью определяется разработчиком. Агент может реагировать только на те условия окружающей среды, которые были учтены про проектировании.</a:t>
+            </a:r>
           </a:p>
           <a:p>
             <a:pPr lvl="1">
@@ -9300,7 +9281,31 @@
             </a:pPr>
             <a:r>
               <a:rPr lang="ru-RU" dirty="0" smtClean="0"/>
-              <a:t>Декоратор – узел, имеющий один дочерний элемент и влияющий на его поведение</a:t>
+              <a:t>Быстродействие: </a:t>
+            </a:r>
+            <a:r>
+              <a:rPr lang="en-US" dirty="0" smtClean="0"/>
+              <a:t>O(n)</a:t>
+            </a:r>
+            <a:r>
+              <a:rPr lang="ru-RU" dirty="0" smtClean="0"/>
+              <a:t>, где </a:t>
+            </a:r>
+            <a:r>
+              <a:rPr lang="en-US" dirty="0" smtClean="0"/>
+              <a:t>n – </a:t>
+            </a:r>
+            <a:r>
+              <a:rPr lang="ru-RU" dirty="0" smtClean="0"/>
+              <a:t>количество  узлов в дереве. В общем случае принятие решения – </a:t>
+            </a:r>
+            <a:r>
+              <a:rPr lang="ru-RU" dirty="0" smtClean="0"/>
+              <a:t>это полный </a:t>
+            </a:r>
+            <a:r>
+              <a:rPr lang="ru-RU" dirty="0" smtClean="0"/>
+              <a:t>обход графа в глубину.</a:t>
             </a:r>
             <a:endParaRPr lang="ru-RU" dirty="0"/>
           </a:p>
@@ -9308,137 +9313,7 @@
       </p:sp>
       <p:sp>
         <p:nvSpPr>
-          <p:cNvPr id="8" name="Rectangle 4"/>
-          <p:cNvSpPr>
-            <a:spLocks noChangeArrowheads="1"/>
-          </p:cNvSpPr>
-          <p:nvPr/>
-        </p:nvSpPr>
-        <p:spPr bwMode="auto">
-          <a:xfrm>
-            <a:off x="0" y="0"/>
-            <a:ext cx="12192000" cy="0"/>
-          </a:xfrm>
-          <a:prstGeom prst="rect">
-            <a:avLst/>
-          </a:prstGeom>
-          <a:noFill/>
-          <a:ln>
-            <a:noFill/>
-          </a:ln>
-          <a:effectLst/>
-          <a:extLst>
-            <a:ext uri="{909E8E84-426E-40DD-AFC4-6F175D3DCCD1}">
-              <a14:hiddenFill xmlns:a14="http://schemas.microsoft.com/office/drawing/2010/main">
-                <a:solidFill>
-                  <a:schemeClr val="accent1"/>
-                </a:solidFill>
-              </a14:hiddenFill>
-            </a:ext>
-            <a:ext uri="{91240B29-F687-4F45-9708-019B960494DF}">
-              <a14:hiddenLine xmlns:a14="http://schemas.microsoft.com/office/drawing/2010/main" w="9525">
-                <a:solidFill>
-                  <a:schemeClr val="tx1"/>
-                </a:solidFill>
-                <a:miter lim="800000"/>
-                <a:headEnd/>
-                <a:tailEnd/>
-              </a14:hiddenLine>
-            </a:ext>
-            <a:ext uri="{AF507438-7753-43E0-B8FC-AC1667EBCBE1}">
-              <a14:hiddenEffects xmlns:a14="http://schemas.microsoft.com/office/drawing/2010/main">
-                <a:effectLst>
-                  <a:outerShdw dist="35921" dir="2700000" algn="ctr" rotWithShape="0">
-                    <a:schemeClr val="bg2"/>
-                  </a:outerShdw>
-                </a:effectLst>
-              </a14:hiddenEffects>
-            </a:ext>
-          </a:extLst>
-        </p:spPr>
-        <p:txBody>
-          <a:bodyPr vert="horz" wrap="none" lIns="91440" tIns="45720" rIns="91440" bIns="45720" numCol="1" anchor="ctr" anchorCtr="0" compatLnSpc="1">
-            <a:prstTxWarp prst="textNoShape">
-              <a:avLst/>
-            </a:prstTxWarp>
-            <a:spAutoFit/>
-          </a:bodyPr>
-          <a:lstStyle/>
-          <a:p>
-            <a:endParaRPr lang="ru-RU"/>
-          </a:p>
-        </p:txBody>
-      </p:sp>
-      <p:graphicFrame>
-        <p:nvGraphicFramePr>
-          <p:cNvPr id="9" name="Объект 8"/>
-          <p:cNvGraphicFramePr>
-            <a:graphicFrameLocks noChangeAspect="1"/>
-          </p:cNvGraphicFramePr>
-          <p:nvPr>
-            <p:extLst>
-              <p:ext uri="{D42A27DB-BD31-4B8C-83A1-F6EECF244321}">
-                <p14:modId xmlns:p14="http://schemas.microsoft.com/office/powerpoint/2010/main" val="1178064901"/>
-              </p:ext>
-            </p:extLst>
-          </p:nvPr>
-        </p:nvGraphicFramePr>
-        <p:xfrm>
-          <a:off x="5619681" y="1495425"/>
-          <a:ext cx="6020585" cy="3719584"/>
-        </p:xfrm>
-        <a:graphic>
-          <a:graphicData uri="http://schemas.openxmlformats.org/presentationml/2006/ole">
-            <mc:AlternateContent xmlns:mc="http://schemas.openxmlformats.org/markup-compatibility/2006">
-              <mc:Choice xmlns:v="urn:schemas-microsoft-com:vml" Requires="v">
-                <p:oleObj spid="_x0000_s3107" name="Visio" r:id="rId3" imgW="5133877" imgH="3171960" progId="Visio.Drawing.15">
-                  <p:embed/>
-                </p:oleObj>
-              </mc:Choice>
-              <mc:Fallback>
-                <p:oleObj name="Visio" r:id="rId3" imgW="5133877" imgH="3171960" progId="Visio.Drawing.15">
-                  <p:embed/>
-                  <p:pic>
-                    <p:nvPicPr>
-                      <p:cNvPr id="0" name="Object 3"/>
-                      <p:cNvPicPr>
-                        <a:picLocks noChangeAspect="1" noChangeArrowheads="1"/>
-                      </p:cNvPicPr>
-                      <p:nvPr/>
-                    </p:nvPicPr>
-                    <p:blipFill>
-                      <a:blip r:embed="rId4">
-                        <a:extLst>
-                          <a:ext uri="{28A0092B-C50C-407E-A947-70E740481C1C}">
-                            <a14:useLocalDpi xmlns:a14="http://schemas.microsoft.com/office/drawing/2010/main" val="0"/>
-                          </a:ext>
-                        </a:extLst>
-                      </a:blip>
-                      <a:srcRect/>
-                      <a:stretch>
-                        <a:fillRect/>
-                      </a:stretch>
-                    </p:blipFill>
-                    <p:spPr bwMode="auto">
-                      <a:xfrm>
-                        <a:off x="5619681" y="1495425"/>
-                        <a:ext cx="6020585" cy="3719584"/>
-                      </a:xfrm>
-                      <a:prstGeom prst="rect">
-                        <a:avLst/>
-                      </a:prstGeom>
-                      <a:noFill/>
-                    </p:spPr>
-                  </p:pic>
-                </p:oleObj>
-              </mc:Fallback>
-            </mc:AlternateContent>
-          </a:graphicData>
-        </a:graphic>
-      </p:graphicFrame>
-      <p:sp>
-        <p:nvSpPr>
-          <p:cNvPr id="4" name="Нижний колонтитул 3"/>
+          <p:cNvPr id="5" name="Нижний колонтитул 4"/>
           <p:cNvSpPr>
             <a:spLocks noGrp="1"/>
           </p:cNvSpPr>
@@ -9479,52 +9354,14 @@
               <a:pPr/>
               <a:t>10</a:t>
             </a:fld>
-            <a:endParaRPr lang="ru-RU" dirty="0"/>
-          </a:p>
-        </p:txBody>
-      </p:sp>
-      <p:sp>
-        <p:nvSpPr>
-          <p:cNvPr id="7" name="TextBox 6"/>
-          <p:cNvSpPr txBox="1"/>
-          <p:nvPr/>
-        </p:nvSpPr>
-        <p:spPr>
-          <a:xfrm>
-            <a:off x="6980803" y="5462514"/>
-            <a:ext cx="3298339" cy="646331"/>
-          </a:xfrm>
-          <a:prstGeom prst="rect">
-            <a:avLst/>
-          </a:prstGeom>
-          <a:noFill/>
-        </p:spPr>
-        <p:txBody>
-          <a:bodyPr wrap="none" rtlCol="0">
-            <a:spAutoFit/>
-          </a:bodyPr>
-          <a:lstStyle/>
-          <a:p>
-            <a:pPr algn="ctr"/>
-            <a:r>
-              <a:rPr lang="ru-RU" dirty="0" smtClean="0"/>
-              <a:t>Пример дерева поведения для </a:t>
-            </a:r>
-          </a:p>
-          <a:p>
-            <a:pPr algn="ctr"/>
-            <a:r>
-              <a:rPr lang="ru-RU" dirty="0" smtClean="0"/>
-              <a:t>прохода агента через дверь</a:t>
-            </a:r>
-            <a:endParaRPr lang="ru-RU" dirty="0"/>
+            <a:endParaRPr lang="ru-RU" dirty="0" smtClean="0"/>
           </a:p>
         </p:txBody>
       </p:sp>
     </p:spTree>
     <p:extLst>
       <p:ext uri="{BB962C8B-B14F-4D97-AF65-F5344CB8AC3E}">
-        <p14:creationId xmlns:p14="http://schemas.microsoft.com/office/powerpoint/2010/main" val="1756841589"/>
+        <p14:creationId xmlns:p14="http://schemas.microsoft.com/office/powerpoint/2010/main" val="345715378"/>
       </p:ext>
     </p:extLst>
   </p:cSld>
@@ -9564,1386 +9401,6 @@
         <p:spPr>
           <a:xfrm>
             <a:off x="838200" y="365126"/>
-            <a:ext cx="10515600" cy="909826"/>
-          </a:xfrm>
-        </p:spPr>
-        <p:txBody>
-          <a:bodyPr/>
-          <a:lstStyle/>
-          <a:p>
-            <a:r>
-              <a:rPr lang="ru-RU" dirty="0" smtClean="0"/>
-              <a:t>Деревья поведения (реализация)</a:t>
-            </a:r>
-            <a:endParaRPr lang="ru-RU" dirty="0"/>
-          </a:p>
-        </p:txBody>
-      </p:sp>
-      <p:sp>
-        <p:nvSpPr>
-          <p:cNvPr id="3" name="Объект 2"/>
-          <p:cNvSpPr>
-            <a:spLocks noGrp="1"/>
-          </p:cNvSpPr>
-          <p:nvPr>
-            <p:ph sz="half" idx="1"/>
-          </p:nvPr>
-        </p:nvSpPr>
-        <p:spPr>
-          <a:xfrm>
-            <a:off x="254922" y="1495425"/>
-            <a:ext cx="5945853" cy="2200275"/>
-          </a:xfrm>
-        </p:spPr>
-        <p:txBody>
-          <a:bodyPr>
-            <a:normAutofit/>
-          </a:bodyPr>
-          <a:lstStyle/>
-          <a:p>
-            <a:pPr marL="0" indent="0">
-              <a:buNone/>
-            </a:pPr>
-            <a:r>
-              <a:rPr lang="ru-RU" dirty="0" smtClean="0"/>
-              <a:t>Каждая ветвь дерева отвечает за определенную деятельность агента:</a:t>
-            </a:r>
-          </a:p>
-          <a:p>
-            <a:pPr lvl="1"/>
-            <a:r>
-              <a:rPr lang="ru-RU" dirty="0" smtClean="0"/>
-              <a:t>Стрельба</a:t>
-            </a:r>
-          </a:p>
-          <a:p>
-            <a:pPr lvl="1"/>
-            <a:r>
-              <a:rPr lang="ru-RU" dirty="0" smtClean="0"/>
-              <a:t>Анализ местности</a:t>
-            </a:r>
-          </a:p>
-          <a:p>
-            <a:pPr lvl="1"/>
-            <a:r>
-              <a:rPr lang="ru-RU" dirty="0" smtClean="0"/>
-              <a:t>Движение</a:t>
-            </a:r>
-            <a:endParaRPr lang="ru-RU" dirty="0"/>
-          </a:p>
-        </p:txBody>
-      </p:sp>
-      <p:sp>
-        <p:nvSpPr>
-          <p:cNvPr id="7" name="Rectangle 2"/>
-          <p:cNvSpPr>
-            <a:spLocks noChangeArrowheads="1"/>
-          </p:cNvSpPr>
-          <p:nvPr/>
-        </p:nvSpPr>
-        <p:spPr bwMode="auto">
-          <a:xfrm>
-            <a:off x="6200503" y="3056709"/>
-            <a:ext cx="12192000" cy="0"/>
-          </a:xfrm>
-          <a:prstGeom prst="rect">
-            <a:avLst/>
-          </a:prstGeom>
-          <a:noFill/>
-          <a:ln>
-            <a:noFill/>
-          </a:ln>
-          <a:effectLst/>
-          <a:extLst>
-            <a:ext uri="{909E8E84-426E-40DD-AFC4-6F175D3DCCD1}">
-              <a14:hiddenFill xmlns:a14="http://schemas.microsoft.com/office/drawing/2010/main">
-                <a:solidFill>
-                  <a:schemeClr val="accent1"/>
-                </a:solidFill>
-              </a14:hiddenFill>
-            </a:ext>
-            <a:ext uri="{91240B29-F687-4F45-9708-019B960494DF}">
-              <a14:hiddenLine xmlns:a14="http://schemas.microsoft.com/office/drawing/2010/main" w="9525">
-                <a:solidFill>
-                  <a:schemeClr val="tx1"/>
-                </a:solidFill>
-                <a:miter lim="800000"/>
-                <a:headEnd/>
-                <a:tailEnd/>
-              </a14:hiddenLine>
-            </a:ext>
-            <a:ext uri="{AF507438-7753-43E0-B8FC-AC1667EBCBE1}">
-              <a14:hiddenEffects xmlns:a14="http://schemas.microsoft.com/office/drawing/2010/main">
-                <a:effectLst>
-                  <a:outerShdw dist="35921" dir="2700000" algn="ctr" rotWithShape="0">
-                    <a:schemeClr val="bg2"/>
-                  </a:outerShdw>
-                </a:effectLst>
-              </a14:hiddenEffects>
-            </a:ext>
-          </a:extLst>
-        </p:spPr>
-        <p:txBody>
-          <a:bodyPr vert="horz" wrap="none" lIns="91440" tIns="45720" rIns="91440" bIns="45720" numCol="1" anchor="ctr" anchorCtr="0" compatLnSpc="1">
-            <a:prstTxWarp prst="textNoShape">
-              <a:avLst/>
-            </a:prstTxWarp>
-            <a:spAutoFit/>
-          </a:bodyPr>
-          <a:lstStyle/>
-          <a:p>
-            <a:endParaRPr lang="ru-RU"/>
-          </a:p>
-        </p:txBody>
-      </p:sp>
-      <p:sp>
-        <p:nvSpPr>
-          <p:cNvPr id="4" name="Нижний колонтитул 3"/>
-          <p:cNvSpPr>
-            <a:spLocks noGrp="1"/>
-          </p:cNvSpPr>
-          <p:nvPr>
-            <p:ph type="ftr" sz="quarter" idx="11"/>
-          </p:nvPr>
-        </p:nvSpPr>
-        <p:spPr/>
-        <p:txBody>
-          <a:bodyPr/>
-          <a:lstStyle/>
-          <a:p>
-            <a:r>
-              <a:rPr lang="ru-RU" smtClean="0"/>
-              <a:t>Приходько Е.В. Исследование методов моделирования принятия решений на примере ботов в компьютерной игре</a:t>
-            </a:r>
-            <a:endParaRPr lang="ru-RU"/>
-          </a:p>
-        </p:txBody>
-      </p:sp>
-      <p:sp>
-        <p:nvSpPr>
-          <p:cNvPr id="6" name="Номер слайда 5"/>
-          <p:cNvSpPr>
-            <a:spLocks noGrp="1"/>
-          </p:cNvSpPr>
-          <p:nvPr>
-            <p:ph type="sldNum" sz="quarter" idx="12"/>
-          </p:nvPr>
-        </p:nvSpPr>
-        <p:spPr/>
-        <p:txBody>
-          <a:bodyPr/>
-          <a:lstStyle/>
-          <a:p>
-            <a:fld id="{E58024C2-D31D-4875-8231-7C9AE6162281}" type="slidenum">
-              <a:rPr lang="ru-RU" smtClean="0"/>
-              <a:pPr/>
-              <a:t>11</a:t>
-            </a:fld>
-            <a:endParaRPr lang="ru-RU" dirty="0"/>
-          </a:p>
-        </p:txBody>
-      </p:sp>
-      <p:graphicFrame>
-        <p:nvGraphicFramePr>
-          <p:cNvPr id="9" name="Объект 8"/>
-          <p:cNvGraphicFramePr>
-            <a:graphicFrameLocks noChangeAspect="1"/>
-          </p:cNvGraphicFramePr>
-          <p:nvPr>
-            <p:extLst>
-              <p:ext uri="{D42A27DB-BD31-4B8C-83A1-F6EECF244321}">
-                <p14:modId xmlns:p14="http://schemas.microsoft.com/office/powerpoint/2010/main" val="2661003641"/>
-              </p:ext>
-            </p:extLst>
-          </p:nvPr>
-        </p:nvGraphicFramePr>
-        <p:xfrm>
-          <a:off x="5259728" y="1495426"/>
-          <a:ext cx="6749044" cy="3900550"/>
-        </p:xfrm>
-        <a:graphic>
-          <a:graphicData uri="http://schemas.openxmlformats.org/presentationml/2006/ole">
-            <mc:AlternateContent xmlns:mc="http://schemas.openxmlformats.org/markup-compatibility/2006">
-              <mc:Choice xmlns:v="urn:schemas-microsoft-com:vml" Requires="v">
-                <p:oleObj spid="_x0000_s5168" name="Visio" r:id="rId3" imgW="6562610" imgH="3791070" progId="Visio.Drawing.15">
-                  <p:embed/>
-                </p:oleObj>
-              </mc:Choice>
-              <mc:Fallback>
-                <p:oleObj name="Visio" r:id="rId3" imgW="6562610" imgH="3791070" progId="Visio.Drawing.15">
-                  <p:embed/>
-                  <p:pic>
-                    <p:nvPicPr>
-                      <p:cNvPr id="0" name=""/>
-                      <p:cNvPicPr>
-                        <a:picLocks noChangeAspect="1" noChangeArrowheads="1"/>
-                      </p:cNvPicPr>
-                      <p:nvPr/>
-                    </p:nvPicPr>
-                    <p:blipFill>
-                      <a:blip r:embed="rId4"/>
-                      <a:srcRect/>
-                      <a:stretch>
-                        <a:fillRect/>
-                      </a:stretch>
-                    </p:blipFill>
-                    <p:spPr bwMode="auto">
-                      <a:xfrm>
-                        <a:off x="5259728" y="1495426"/>
-                        <a:ext cx="6749044" cy="3900550"/>
-                      </a:xfrm>
-                      <a:prstGeom prst="rect">
-                        <a:avLst/>
-                      </a:prstGeom>
-                      <a:noFill/>
-                    </p:spPr>
-                  </p:pic>
-                </p:oleObj>
-              </mc:Fallback>
-            </mc:AlternateContent>
-          </a:graphicData>
-        </a:graphic>
-      </p:graphicFrame>
-      <p:sp>
-        <p:nvSpPr>
-          <p:cNvPr id="10" name="Rectangle 17"/>
-          <p:cNvSpPr>
-            <a:spLocks noChangeArrowheads="1"/>
-          </p:cNvSpPr>
-          <p:nvPr/>
-        </p:nvSpPr>
-        <p:spPr bwMode="auto">
-          <a:xfrm>
-            <a:off x="400050" y="4017900"/>
-            <a:ext cx="12192000" cy="0"/>
-          </a:xfrm>
-          <a:prstGeom prst="rect">
-            <a:avLst/>
-          </a:prstGeom>
-          <a:noFill/>
-          <a:ln>
-            <a:noFill/>
-          </a:ln>
-          <a:effectLst/>
-          <a:extLst>
-            <a:ext uri="{909E8E84-426E-40DD-AFC4-6F175D3DCCD1}">
-              <a14:hiddenFill xmlns:a14="http://schemas.microsoft.com/office/drawing/2010/main">
-                <a:solidFill>
-                  <a:schemeClr val="accent1"/>
-                </a:solidFill>
-              </a14:hiddenFill>
-            </a:ext>
-            <a:ext uri="{91240B29-F687-4F45-9708-019B960494DF}">
-              <a14:hiddenLine xmlns:a14="http://schemas.microsoft.com/office/drawing/2010/main" w="9525">
-                <a:solidFill>
-                  <a:schemeClr val="tx1"/>
-                </a:solidFill>
-                <a:miter lim="800000"/>
-                <a:headEnd/>
-                <a:tailEnd/>
-              </a14:hiddenLine>
-            </a:ext>
-            <a:ext uri="{AF507438-7753-43E0-B8FC-AC1667EBCBE1}">
-              <a14:hiddenEffects xmlns:a14="http://schemas.microsoft.com/office/drawing/2010/main">
-                <a:effectLst>
-                  <a:outerShdw dist="35921" dir="2700000" algn="ctr" rotWithShape="0">
-                    <a:schemeClr val="bg2"/>
-                  </a:outerShdw>
-                </a:effectLst>
-              </a14:hiddenEffects>
-            </a:ext>
-          </a:extLst>
-        </p:spPr>
-        <p:txBody>
-          <a:bodyPr vert="horz" wrap="none" lIns="91440" tIns="45720" rIns="91440" bIns="45720" numCol="1" anchor="ctr" anchorCtr="0" compatLnSpc="1">
-            <a:prstTxWarp prst="textNoShape">
-              <a:avLst/>
-            </a:prstTxWarp>
-            <a:spAutoFit/>
-          </a:bodyPr>
-          <a:lstStyle/>
-          <a:p>
-            <a:endParaRPr lang="ru-RU"/>
-          </a:p>
-        </p:txBody>
-      </p:sp>
-      <p:graphicFrame>
-        <p:nvGraphicFramePr>
-          <p:cNvPr id="11" name="Объект 10"/>
-          <p:cNvGraphicFramePr>
-            <a:graphicFrameLocks noChangeAspect="1"/>
-          </p:cNvGraphicFramePr>
-          <p:nvPr>
-            <p:extLst>
-              <p:ext uri="{D42A27DB-BD31-4B8C-83A1-F6EECF244321}">
-                <p14:modId xmlns:p14="http://schemas.microsoft.com/office/powerpoint/2010/main" val="826143304"/>
-              </p:ext>
-            </p:extLst>
-          </p:nvPr>
-        </p:nvGraphicFramePr>
-        <p:xfrm>
-          <a:off x="55686" y="3905250"/>
-          <a:ext cx="5110276" cy="1389000"/>
-        </p:xfrm>
-        <a:graphic>
-          <a:graphicData uri="http://schemas.openxmlformats.org/presentationml/2006/ole">
-            <mc:AlternateContent xmlns:mc="http://schemas.openxmlformats.org/markup-compatibility/2006">
-              <mc:Choice xmlns:v="urn:schemas-microsoft-com:vml" Requires="v">
-                <p:oleObj spid="_x0000_s5169" name="Visio" r:id="rId5" imgW="4695721" imgH="1276290" progId="Visio.Drawing.15">
-                  <p:embed/>
-                </p:oleObj>
-              </mc:Choice>
-              <mc:Fallback>
-                <p:oleObj name="Visio" r:id="rId5" imgW="4695721" imgH="1276290" progId="Visio.Drawing.15">
-                  <p:embed/>
-                  <p:pic>
-                    <p:nvPicPr>
-                      <p:cNvPr id="0" name="Object 16"/>
-                      <p:cNvPicPr>
-                        <a:picLocks noChangeAspect="1" noChangeArrowheads="1"/>
-                      </p:cNvPicPr>
-                      <p:nvPr/>
-                    </p:nvPicPr>
-                    <p:blipFill>
-                      <a:blip r:embed="rId6"/>
-                      <a:srcRect/>
-                      <a:stretch>
-                        <a:fillRect/>
-                      </a:stretch>
-                    </p:blipFill>
-                    <p:spPr bwMode="auto">
-                      <a:xfrm>
-                        <a:off x="55686" y="3905250"/>
-                        <a:ext cx="5110276" cy="1389000"/>
-                      </a:xfrm>
-                      <a:prstGeom prst="rect">
-                        <a:avLst/>
-                      </a:prstGeom>
-                      <a:noFill/>
-                    </p:spPr>
-                  </p:pic>
-                </p:oleObj>
-              </mc:Fallback>
-            </mc:AlternateContent>
-          </a:graphicData>
-        </a:graphic>
-      </p:graphicFrame>
-      <p:sp>
-        <p:nvSpPr>
-          <p:cNvPr id="12" name="TextBox 11"/>
-          <p:cNvSpPr txBox="1"/>
-          <p:nvPr/>
-        </p:nvSpPr>
-        <p:spPr>
-          <a:xfrm>
-            <a:off x="704850" y="5616450"/>
-            <a:ext cx="3804375" cy="369332"/>
-          </a:xfrm>
-          <a:prstGeom prst="rect">
-            <a:avLst/>
-          </a:prstGeom>
-          <a:noFill/>
-        </p:spPr>
-        <p:txBody>
-          <a:bodyPr wrap="none" rtlCol="0">
-            <a:spAutoFit/>
-          </a:bodyPr>
-          <a:lstStyle/>
-          <a:p>
-            <a:r>
-              <a:rPr lang="ru-RU" dirty="0" smtClean="0"/>
-              <a:t>Обобщенный вид дерева поведения</a:t>
-            </a:r>
-            <a:endParaRPr lang="ru-RU" dirty="0"/>
-          </a:p>
-        </p:txBody>
-      </p:sp>
-      <p:sp>
-        <p:nvSpPr>
-          <p:cNvPr id="13" name="TextBox 12"/>
-          <p:cNvSpPr txBox="1"/>
-          <p:nvPr/>
-        </p:nvSpPr>
-        <p:spPr>
-          <a:xfrm>
-            <a:off x="6570704" y="5616450"/>
-            <a:ext cx="4127092" cy="369332"/>
-          </a:xfrm>
-          <a:prstGeom prst="rect">
-            <a:avLst/>
-          </a:prstGeom>
-          <a:noFill/>
-        </p:spPr>
-        <p:txBody>
-          <a:bodyPr wrap="none" rtlCol="0">
-            <a:spAutoFit/>
-          </a:bodyPr>
-          <a:lstStyle/>
-          <a:p>
-            <a:r>
-              <a:rPr lang="ru-RU" dirty="0" smtClean="0"/>
-              <a:t>Ветвь, отвечающая за анализ местности</a:t>
-            </a:r>
-            <a:endParaRPr lang="ru-RU" dirty="0"/>
-          </a:p>
-        </p:txBody>
-      </p:sp>
-    </p:spTree>
-    <p:extLst>
-      <p:ext uri="{BB962C8B-B14F-4D97-AF65-F5344CB8AC3E}">
-        <p14:creationId xmlns:p14="http://schemas.microsoft.com/office/powerpoint/2010/main" val="680956188"/>
-      </p:ext>
-    </p:extLst>
-  </p:cSld>
-  <p:clrMapOvr>
-    <a:masterClrMapping/>
-  </p:clrMapOvr>
-</p:sld>
-</file>
-
-<file path=ppt/slides/slide12.xml><?xml version="1.0" encoding="utf-8"?>
-<p:sld xmlns:a="http://schemas.openxmlformats.org/drawingml/2006/main" xmlns:r="http://schemas.openxmlformats.org/officeDocument/2006/relationships" xmlns:p="http://schemas.openxmlformats.org/presentationml/2006/main">
-  <p:cSld>
-    <p:spTree>
-      <p:nvGrpSpPr>
-        <p:cNvPr id="1" name=""/>
-        <p:cNvGrpSpPr/>
-        <p:nvPr/>
-      </p:nvGrpSpPr>
-      <p:grpSpPr>
-        <a:xfrm>
-          <a:off x="0" y="0"/>
-          <a:ext cx="0" cy="0"/>
-          <a:chOff x="0" y="0"/>
-          <a:chExt cx="0" cy="0"/>
-        </a:xfrm>
-      </p:grpSpPr>
-      <p:sp>
-        <p:nvSpPr>
-          <p:cNvPr id="2" name="Заголовок 1"/>
-          <p:cNvSpPr>
-            <a:spLocks noGrp="1"/>
-          </p:cNvSpPr>
-          <p:nvPr>
-            <p:ph type="title"/>
-          </p:nvPr>
-        </p:nvSpPr>
-        <p:spPr/>
-        <p:txBody>
-          <a:bodyPr/>
-          <a:lstStyle/>
-          <a:p>
-            <a:r>
-              <a:rPr lang="ru-RU" dirty="0"/>
-              <a:t>Деревья поведения (реализация)</a:t>
-            </a:r>
-          </a:p>
-        </p:txBody>
-      </p:sp>
-      <p:sp>
-        <p:nvSpPr>
-          <p:cNvPr id="8" name="Rectangle 4"/>
-          <p:cNvSpPr>
-            <a:spLocks noChangeArrowheads="1"/>
-          </p:cNvSpPr>
-          <p:nvPr/>
-        </p:nvSpPr>
-        <p:spPr bwMode="auto">
-          <a:xfrm>
-            <a:off x="792480" y="3065417"/>
-            <a:ext cx="12192000" cy="0"/>
-          </a:xfrm>
-          <a:prstGeom prst="rect">
-            <a:avLst/>
-          </a:prstGeom>
-          <a:noFill/>
-          <a:ln>
-            <a:noFill/>
-          </a:ln>
-          <a:effectLst/>
-          <a:extLst>
-            <a:ext uri="{909E8E84-426E-40DD-AFC4-6F175D3DCCD1}">
-              <a14:hiddenFill xmlns:a14="http://schemas.microsoft.com/office/drawing/2010/main">
-                <a:solidFill>
-                  <a:schemeClr val="accent1"/>
-                </a:solidFill>
-              </a14:hiddenFill>
-            </a:ext>
-            <a:ext uri="{91240B29-F687-4F45-9708-019B960494DF}">
-              <a14:hiddenLine xmlns:a14="http://schemas.microsoft.com/office/drawing/2010/main" w="9525">
-                <a:solidFill>
-                  <a:schemeClr val="tx1"/>
-                </a:solidFill>
-                <a:miter lim="800000"/>
-                <a:headEnd/>
-                <a:tailEnd/>
-              </a14:hiddenLine>
-            </a:ext>
-            <a:ext uri="{AF507438-7753-43E0-B8FC-AC1667EBCBE1}">
-              <a14:hiddenEffects xmlns:a14="http://schemas.microsoft.com/office/drawing/2010/main">
-                <a:effectLst>
-                  <a:outerShdw dist="35921" dir="2700000" algn="ctr" rotWithShape="0">
-                    <a:schemeClr val="bg2"/>
-                  </a:outerShdw>
-                </a:effectLst>
-              </a14:hiddenEffects>
-            </a:ext>
-          </a:extLst>
-        </p:spPr>
-        <p:txBody>
-          <a:bodyPr vert="horz" wrap="none" lIns="91440" tIns="45720" rIns="91440" bIns="45720" numCol="1" anchor="ctr" anchorCtr="0" compatLnSpc="1">
-            <a:prstTxWarp prst="textNoShape">
-              <a:avLst/>
-            </a:prstTxWarp>
-            <a:spAutoFit/>
-          </a:bodyPr>
-          <a:lstStyle/>
-          <a:p>
-            <a:endParaRPr lang="ru-RU"/>
-          </a:p>
-        </p:txBody>
-      </p:sp>
-      <p:sp>
-        <p:nvSpPr>
-          <p:cNvPr id="10" name="Rectangle 6"/>
-          <p:cNvSpPr>
-            <a:spLocks noChangeArrowheads="1"/>
-          </p:cNvSpPr>
-          <p:nvPr/>
-        </p:nvSpPr>
-        <p:spPr bwMode="auto">
-          <a:xfrm>
-            <a:off x="5135000" y="2077205"/>
-            <a:ext cx="11439968" cy="0"/>
-          </a:xfrm>
-          <a:prstGeom prst="rect">
-            <a:avLst/>
-          </a:prstGeom>
-          <a:noFill/>
-          <a:ln>
-            <a:noFill/>
-          </a:ln>
-          <a:effectLst/>
-          <a:extLst>
-            <a:ext uri="{909E8E84-426E-40DD-AFC4-6F175D3DCCD1}">
-              <a14:hiddenFill xmlns:a14="http://schemas.microsoft.com/office/drawing/2010/main">
-                <a:solidFill>
-                  <a:schemeClr val="accent1"/>
-                </a:solidFill>
-              </a14:hiddenFill>
-            </a:ext>
-            <a:ext uri="{91240B29-F687-4F45-9708-019B960494DF}">
-              <a14:hiddenLine xmlns:a14="http://schemas.microsoft.com/office/drawing/2010/main" w="9525">
-                <a:solidFill>
-                  <a:schemeClr val="tx1"/>
-                </a:solidFill>
-                <a:miter lim="800000"/>
-                <a:headEnd/>
-                <a:tailEnd/>
-              </a14:hiddenLine>
-            </a:ext>
-            <a:ext uri="{AF507438-7753-43E0-B8FC-AC1667EBCBE1}">
-              <a14:hiddenEffects xmlns:a14="http://schemas.microsoft.com/office/drawing/2010/main">
-                <a:effectLst>
-                  <a:outerShdw dist="35921" dir="2700000" algn="ctr" rotWithShape="0">
-                    <a:schemeClr val="bg2"/>
-                  </a:outerShdw>
-                </a:effectLst>
-              </a14:hiddenEffects>
-            </a:ext>
-          </a:extLst>
-        </p:spPr>
-        <p:txBody>
-          <a:bodyPr vert="horz" wrap="square" lIns="91440" tIns="45720" rIns="91440" bIns="45720" numCol="1" anchor="ctr" anchorCtr="0" compatLnSpc="1">
-            <a:prstTxWarp prst="textNoShape">
-              <a:avLst/>
-            </a:prstTxWarp>
-            <a:spAutoFit/>
-          </a:bodyPr>
-          <a:lstStyle/>
-          <a:p>
-            <a:endParaRPr lang="ru-RU"/>
-          </a:p>
-        </p:txBody>
-      </p:sp>
-      <p:sp>
-        <p:nvSpPr>
-          <p:cNvPr id="13" name="Rectangle 8"/>
-          <p:cNvSpPr>
-            <a:spLocks noChangeArrowheads="1"/>
-          </p:cNvSpPr>
-          <p:nvPr/>
-        </p:nvSpPr>
-        <p:spPr bwMode="auto">
-          <a:xfrm>
-            <a:off x="2395379" y="2598450"/>
-            <a:ext cx="7712624" cy="0"/>
-          </a:xfrm>
-          <a:prstGeom prst="rect">
-            <a:avLst/>
-          </a:prstGeom>
-          <a:noFill/>
-          <a:ln>
-            <a:noFill/>
-          </a:ln>
-          <a:effectLst/>
-          <a:extLst>
-            <a:ext uri="{909E8E84-426E-40DD-AFC4-6F175D3DCCD1}">
-              <a14:hiddenFill xmlns:a14="http://schemas.microsoft.com/office/drawing/2010/main">
-                <a:solidFill>
-                  <a:schemeClr val="accent1"/>
-                </a:solidFill>
-              </a14:hiddenFill>
-            </a:ext>
-            <a:ext uri="{91240B29-F687-4F45-9708-019B960494DF}">
-              <a14:hiddenLine xmlns:a14="http://schemas.microsoft.com/office/drawing/2010/main" w="9525">
-                <a:solidFill>
-                  <a:schemeClr val="tx1"/>
-                </a:solidFill>
-                <a:miter lim="800000"/>
-                <a:headEnd/>
-                <a:tailEnd/>
-              </a14:hiddenLine>
-            </a:ext>
-            <a:ext uri="{AF507438-7753-43E0-B8FC-AC1667EBCBE1}">
-              <a14:hiddenEffects xmlns:a14="http://schemas.microsoft.com/office/drawing/2010/main">
-                <a:effectLst>
-                  <a:outerShdw dist="35921" dir="2700000" algn="ctr" rotWithShape="0">
-                    <a:schemeClr val="bg2"/>
-                  </a:outerShdw>
-                </a:effectLst>
-              </a14:hiddenEffects>
-            </a:ext>
-          </a:extLst>
-        </p:spPr>
-        <p:txBody>
-          <a:bodyPr vert="horz" wrap="square" lIns="91440" tIns="45720" rIns="91440" bIns="45720" numCol="1" anchor="ctr" anchorCtr="0" compatLnSpc="1">
-            <a:prstTxWarp prst="textNoShape">
-              <a:avLst/>
-            </a:prstTxWarp>
-            <a:spAutoFit/>
-          </a:bodyPr>
-          <a:lstStyle/>
-          <a:p>
-            <a:endParaRPr lang="ru-RU"/>
-          </a:p>
-        </p:txBody>
-      </p:sp>
-      <p:sp>
-        <p:nvSpPr>
-          <p:cNvPr id="3" name="Нижний колонтитул 2"/>
-          <p:cNvSpPr>
-            <a:spLocks noGrp="1"/>
-          </p:cNvSpPr>
-          <p:nvPr>
-            <p:ph type="ftr" sz="quarter" idx="11"/>
-          </p:nvPr>
-        </p:nvSpPr>
-        <p:spPr/>
-        <p:txBody>
-          <a:bodyPr/>
-          <a:lstStyle/>
-          <a:p>
-            <a:r>
-              <a:rPr lang="ru-RU" smtClean="0"/>
-              <a:t>Приходько Е.В. Исследование методов моделирования принятия решений на примере ботов в компьютерной игре</a:t>
-            </a:r>
-            <a:endParaRPr lang="ru-RU"/>
-          </a:p>
-        </p:txBody>
-      </p:sp>
-      <p:sp>
-        <p:nvSpPr>
-          <p:cNvPr id="4" name="Номер слайда 3"/>
-          <p:cNvSpPr>
-            <a:spLocks noGrp="1"/>
-          </p:cNvSpPr>
-          <p:nvPr>
-            <p:ph type="sldNum" sz="quarter" idx="12"/>
-          </p:nvPr>
-        </p:nvSpPr>
-        <p:spPr/>
-        <p:txBody>
-          <a:bodyPr/>
-          <a:lstStyle/>
-          <a:p>
-            <a:fld id="{E58024C2-D31D-4875-8231-7C9AE6162281}" type="slidenum">
-              <a:rPr lang="ru-RU" smtClean="0"/>
-              <a:pPr/>
-              <a:t>12</a:t>
-            </a:fld>
-            <a:endParaRPr lang="ru-RU" dirty="0"/>
-          </a:p>
-        </p:txBody>
-      </p:sp>
-      <p:sp>
-        <p:nvSpPr>
-          <p:cNvPr id="6" name="Rectangle 42"/>
-          <p:cNvSpPr>
-            <a:spLocks noChangeArrowheads="1"/>
-          </p:cNvSpPr>
-          <p:nvPr/>
-        </p:nvSpPr>
-        <p:spPr bwMode="auto">
-          <a:xfrm>
-            <a:off x="209549" y="2055767"/>
-            <a:ext cx="12887821" cy="0"/>
-          </a:xfrm>
-          <a:prstGeom prst="rect">
-            <a:avLst/>
-          </a:prstGeom>
-          <a:noFill/>
-          <a:ln>
-            <a:noFill/>
-          </a:ln>
-          <a:effectLst/>
-          <a:extLst>
-            <a:ext uri="{909E8E84-426E-40DD-AFC4-6F175D3DCCD1}">
-              <a14:hiddenFill xmlns:a14="http://schemas.microsoft.com/office/drawing/2010/main">
-                <a:solidFill>
-                  <a:schemeClr val="accent1"/>
-                </a:solidFill>
-              </a14:hiddenFill>
-            </a:ext>
-            <a:ext uri="{91240B29-F687-4F45-9708-019B960494DF}">
-              <a14:hiddenLine xmlns:a14="http://schemas.microsoft.com/office/drawing/2010/main" w="9525">
-                <a:solidFill>
-                  <a:schemeClr val="tx1"/>
-                </a:solidFill>
-                <a:miter lim="800000"/>
-                <a:headEnd/>
-                <a:tailEnd/>
-              </a14:hiddenLine>
-            </a:ext>
-            <a:ext uri="{AF507438-7753-43E0-B8FC-AC1667EBCBE1}">
-              <a14:hiddenEffects xmlns:a14="http://schemas.microsoft.com/office/drawing/2010/main">
-                <a:effectLst>
-                  <a:outerShdw dist="35921" dir="2700000" algn="ctr" rotWithShape="0">
-                    <a:schemeClr val="bg2"/>
-                  </a:outerShdw>
-                </a:effectLst>
-              </a14:hiddenEffects>
-            </a:ext>
-          </a:extLst>
-        </p:spPr>
-        <p:txBody>
-          <a:bodyPr vert="horz" wrap="square" lIns="91440" tIns="45720" rIns="91440" bIns="45720" numCol="1" anchor="ctr" anchorCtr="0" compatLnSpc="1">
-            <a:prstTxWarp prst="textNoShape">
-              <a:avLst/>
-            </a:prstTxWarp>
-            <a:spAutoFit/>
-          </a:bodyPr>
-          <a:lstStyle/>
-          <a:p>
-            <a:endParaRPr lang="ru-RU"/>
-          </a:p>
-        </p:txBody>
-      </p:sp>
-      <p:graphicFrame>
-        <p:nvGraphicFramePr>
-          <p:cNvPr id="7" name="Объект 6"/>
-          <p:cNvGraphicFramePr>
-            <a:graphicFrameLocks noChangeAspect="1"/>
-          </p:cNvGraphicFramePr>
-          <p:nvPr>
-            <p:extLst>
-              <p:ext uri="{D42A27DB-BD31-4B8C-83A1-F6EECF244321}">
-                <p14:modId xmlns:p14="http://schemas.microsoft.com/office/powerpoint/2010/main" val="1387982559"/>
-              </p:ext>
-            </p:extLst>
-          </p:nvPr>
-        </p:nvGraphicFramePr>
-        <p:xfrm>
-          <a:off x="209550" y="2055767"/>
-          <a:ext cx="4750880" cy="2499222"/>
-        </p:xfrm>
-        <a:graphic>
-          <a:graphicData uri="http://schemas.openxmlformats.org/presentationml/2006/ole">
-            <mc:AlternateContent xmlns:mc="http://schemas.openxmlformats.org/markup-compatibility/2006">
-              <mc:Choice xmlns:v="urn:schemas-microsoft-com:vml" Requires="v">
-                <p:oleObj spid="_x0000_s4154" name="Visio" r:id="rId3" imgW="3838589" imgH="2019330" progId="Visio.Drawing.15">
-                  <p:embed/>
-                </p:oleObj>
-              </mc:Choice>
-              <mc:Fallback>
-                <p:oleObj name="Visio" r:id="rId3" imgW="3838589" imgH="2019330" progId="Visio.Drawing.15">
-                  <p:embed/>
-                  <p:pic>
-                    <p:nvPicPr>
-                      <p:cNvPr id="0" name="Object 41"/>
-                      <p:cNvPicPr>
-                        <a:picLocks noChangeAspect="1" noChangeArrowheads="1"/>
-                      </p:cNvPicPr>
-                      <p:nvPr/>
-                    </p:nvPicPr>
-                    <p:blipFill>
-                      <a:blip r:embed="rId4"/>
-                      <a:srcRect/>
-                      <a:stretch>
-                        <a:fillRect/>
-                      </a:stretch>
-                    </p:blipFill>
-                    <p:spPr bwMode="auto">
-                      <a:xfrm>
-                        <a:off x="209550" y="2055767"/>
-                        <a:ext cx="4750880" cy="2499222"/>
-                      </a:xfrm>
-                      <a:prstGeom prst="rect">
-                        <a:avLst/>
-                      </a:prstGeom>
-                      <a:noFill/>
-                    </p:spPr>
-                  </p:pic>
-                </p:oleObj>
-              </mc:Fallback>
-            </mc:AlternateContent>
-          </a:graphicData>
-        </a:graphic>
-      </p:graphicFrame>
-      <p:pic>
-        <p:nvPicPr>
-          <p:cNvPr id="9" name="Рисунок 8"/>
-          <p:cNvPicPr>
-            <a:picLocks noChangeAspect="1"/>
-          </p:cNvPicPr>
-          <p:nvPr/>
-        </p:nvPicPr>
-        <p:blipFill>
-          <a:blip r:embed="rId5"/>
-          <a:stretch>
-            <a:fillRect/>
-          </a:stretch>
-        </p:blipFill>
-        <p:spPr>
-          <a:xfrm>
-            <a:off x="5135000" y="1690688"/>
-            <a:ext cx="6923580" cy="3652020"/>
-          </a:xfrm>
-          <a:prstGeom prst="rect">
-            <a:avLst/>
-          </a:prstGeom>
-        </p:spPr>
-      </p:pic>
-      <p:sp>
-        <p:nvSpPr>
-          <p:cNvPr id="12" name="TextBox 11"/>
-          <p:cNvSpPr txBox="1"/>
-          <p:nvPr/>
-        </p:nvSpPr>
-        <p:spPr>
-          <a:xfrm>
-            <a:off x="460131" y="5543200"/>
-            <a:ext cx="4674869" cy="369332"/>
-          </a:xfrm>
-          <a:prstGeom prst="rect">
-            <a:avLst/>
-          </a:prstGeom>
-          <a:noFill/>
-        </p:spPr>
-        <p:txBody>
-          <a:bodyPr wrap="square" rtlCol="0">
-            <a:spAutoFit/>
-          </a:bodyPr>
-          <a:lstStyle/>
-          <a:p>
-            <a:r>
-              <a:rPr lang="ru-RU" dirty="0" smtClean="0"/>
-              <a:t>Ветвь, отвечающая за управление стрельбой </a:t>
-            </a:r>
-            <a:endParaRPr lang="ru-RU" dirty="0"/>
-          </a:p>
-        </p:txBody>
-      </p:sp>
-      <p:sp>
-        <p:nvSpPr>
-          <p:cNvPr id="17" name="TextBox 16"/>
-          <p:cNvSpPr txBox="1"/>
-          <p:nvPr/>
-        </p:nvSpPr>
-        <p:spPr>
-          <a:xfrm>
-            <a:off x="5923965" y="5543200"/>
-            <a:ext cx="4931019" cy="369332"/>
-          </a:xfrm>
-          <a:prstGeom prst="rect">
-            <a:avLst/>
-          </a:prstGeom>
-          <a:noFill/>
-        </p:spPr>
-        <p:txBody>
-          <a:bodyPr wrap="square" rtlCol="0">
-            <a:spAutoFit/>
-          </a:bodyPr>
-          <a:lstStyle/>
-          <a:p>
-            <a:r>
-              <a:rPr lang="ru-RU" dirty="0" smtClean="0"/>
-              <a:t>Ветвь, отвечающая за управление движением</a:t>
-            </a:r>
-            <a:endParaRPr lang="ru-RU" dirty="0"/>
-          </a:p>
-        </p:txBody>
-      </p:sp>
-    </p:spTree>
-    <p:extLst>
-      <p:ext uri="{BB962C8B-B14F-4D97-AF65-F5344CB8AC3E}">
-        <p14:creationId xmlns:p14="http://schemas.microsoft.com/office/powerpoint/2010/main" val="474409693"/>
-      </p:ext>
-    </p:extLst>
-  </p:cSld>
-  <p:clrMapOvr>
-    <a:masterClrMapping/>
-  </p:clrMapOvr>
-</p:sld>
-</file>
-
-<file path=ppt/slides/slide13.xml><?xml version="1.0" encoding="utf-8"?>
-<p:sld xmlns:a="http://schemas.openxmlformats.org/drawingml/2006/main" xmlns:r="http://schemas.openxmlformats.org/officeDocument/2006/relationships" xmlns:p="http://schemas.openxmlformats.org/presentationml/2006/main">
-  <p:cSld>
-    <p:spTree>
-      <p:nvGrpSpPr>
-        <p:cNvPr id="1" name=""/>
-        <p:cNvGrpSpPr/>
-        <p:nvPr/>
-      </p:nvGrpSpPr>
-      <p:grpSpPr>
-        <a:xfrm>
-          <a:off x="0" y="0"/>
-          <a:ext cx="0" cy="0"/>
-          <a:chOff x="0" y="0"/>
-          <a:chExt cx="0" cy="0"/>
-        </a:xfrm>
-      </p:grpSpPr>
-      <p:sp>
-        <p:nvSpPr>
-          <p:cNvPr id="2" name="Заголовок 1"/>
-          <p:cNvSpPr>
-            <a:spLocks noGrp="1"/>
-          </p:cNvSpPr>
-          <p:nvPr>
-            <p:ph type="title"/>
-          </p:nvPr>
-        </p:nvSpPr>
-        <p:spPr/>
-        <p:txBody>
-          <a:bodyPr/>
-          <a:lstStyle/>
-          <a:p>
-            <a:r>
-              <a:rPr lang="ru-RU" dirty="0" smtClean="0"/>
-              <a:t>Деревья поведения (выводы)</a:t>
-            </a:r>
-            <a:endParaRPr lang="ru-RU" dirty="0"/>
-          </a:p>
-        </p:txBody>
-      </p:sp>
-      <p:sp>
-        <p:nvSpPr>
-          <p:cNvPr id="3" name="Объект 2"/>
-          <p:cNvSpPr>
-            <a:spLocks noGrp="1"/>
-          </p:cNvSpPr>
-          <p:nvPr>
-            <p:ph idx="1"/>
-          </p:nvPr>
-        </p:nvSpPr>
-        <p:spPr/>
-        <p:txBody>
-          <a:bodyPr>
-            <a:normAutofit/>
-          </a:bodyPr>
-          <a:lstStyle/>
-          <a:p>
-            <a:pPr marL="0" indent="0">
-              <a:buNone/>
-            </a:pPr>
-            <a:r>
-              <a:rPr lang="ru-RU" dirty="0" smtClean="0"/>
-              <a:t>Преимущества</a:t>
-            </a:r>
-          </a:p>
-          <a:p>
-            <a:pPr lvl="1">
-              <a:buFont typeface="Arial" panose="020B0604020202020204" pitchFamily="34" charset="0"/>
-              <a:buChar char="•"/>
-            </a:pPr>
-            <a:r>
-              <a:rPr lang="ru-RU" dirty="0" smtClean="0"/>
-              <a:t>Модульность – узлы не связаны друг с другом и могут быть </a:t>
-            </a:r>
-            <a:r>
-              <a:rPr lang="ru-RU" dirty="0" err="1" smtClean="0"/>
-              <a:t>переиспользованы</a:t>
-            </a:r>
-            <a:r>
-              <a:rPr lang="ru-RU" dirty="0" smtClean="0"/>
-              <a:t> в разных ветвях одного дерева, в разных деревьях и в разных проектах</a:t>
-            </a:r>
-          </a:p>
-          <a:p>
-            <a:pPr marL="0" indent="0">
-              <a:buNone/>
-            </a:pPr>
-            <a:r>
-              <a:rPr lang="ru-RU" dirty="0" smtClean="0"/>
-              <a:t>Недостатки</a:t>
-            </a:r>
-            <a:endParaRPr lang="ru-RU" dirty="0" smtClean="0"/>
-          </a:p>
-          <a:p>
-            <a:pPr lvl="1">
-              <a:buFont typeface="Arial" panose="020B0604020202020204" pitchFamily="34" charset="0"/>
-              <a:buChar char="•"/>
-            </a:pPr>
-            <a:r>
-              <a:rPr lang="ru-RU" dirty="0" smtClean="0"/>
-              <a:t>Поведение полностью определяется разработчиком. Агент может реагировать только на те условия окружающей среды, которые были учтены про проектировании.</a:t>
-            </a:r>
-          </a:p>
-          <a:p>
-            <a:pPr lvl="1">
-              <a:buFont typeface="Arial" panose="020B0604020202020204" pitchFamily="34" charset="0"/>
-              <a:buChar char="•"/>
-            </a:pPr>
-            <a:r>
-              <a:rPr lang="ru-RU" dirty="0" smtClean="0"/>
-              <a:t>Быстродействие: </a:t>
-            </a:r>
-            <a:r>
-              <a:rPr lang="en-US" dirty="0" smtClean="0"/>
-              <a:t>O(n)</a:t>
-            </a:r>
-            <a:r>
-              <a:rPr lang="ru-RU" dirty="0" smtClean="0"/>
-              <a:t>, где </a:t>
-            </a:r>
-            <a:r>
-              <a:rPr lang="en-US" dirty="0" smtClean="0"/>
-              <a:t>n – </a:t>
-            </a:r>
-            <a:r>
-              <a:rPr lang="ru-RU" dirty="0" smtClean="0"/>
-              <a:t>количество  узлов в дереве. В общем случае принятие решения – </a:t>
-            </a:r>
-            <a:r>
-              <a:rPr lang="ru-RU" dirty="0" smtClean="0"/>
-              <a:t>это полный </a:t>
-            </a:r>
-            <a:r>
-              <a:rPr lang="ru-RU" dirty="0" smtClean="0"/>
-              <a:t>обход графа в глубину.</a:t>
-            </a:r>
-            <a:endParaRPr lang="ru-RU" dirty="0"/>
-          </a:p>
-        </p:txBody>
-      </p:sp>
-      <p:sp>
-        <p:nvSpPr>
-          <p:cNvPr id="5" name="Нижний колонтитул 4"/>
-          <p:cNvSpPr>
-            <a:spLocks noGrp="1"/>
-          </p:cNvSpPr>
-          <p:nvPr>
-            <p:ph type="ftr" sz="quarter" idx="11"/>
-          </p:nvPr>
-        </p:nvSpPr>
-        <p:spPr/>
-        <p:txBody>
-          <a:bodyPr/>
-          <a:lstStyle/>
-          <a:p>
-            <a:r>
-              <a:rPr lang="ru-RU" smtClean="0"/>
-              <a:t>Приходько Е.В. Исследование методов моделирования принятия решений на примере ботов в компьютерной игре</a:t>
-            </a:r>
-            <a:endParaRPr lang="ru-RU"/>
-          </a:p>
-        </p:txBody>
-      </p:sp>
-      <p:sp>
-        <p:nvSpPr>
-          <p:cNvPr id="6" name="Номер слайда 5"/>
-          <p:cNvSpPr>
-            <a:spLocks noGrp="1"/>
-          </p:cNvSpPr>
-          <p:nvPr>
-            <p:ph type="sldNum" sz="quarter" idx="12"/>
-          </p:nvPr>
-        </p:nvSpPr>
-        <p:spPr/>
-        <p:txBody>
-          <a:bodyPr/>
-          <a:lstStyle/>
-          <a:p>
-            <a:fld id="{E58024C2-D31D-4875-8231-7C9AE6162281}" type="slidenum">
-              <a:rPr lang="ru-RU" smtClean="0"/>
-              <a:pPr/>
-              <a:t>13</a:t>
-            </a:fld>
-            <a:endParaRPr lang="ru-RU" dirty="0" smtClean="0"/>
-          </a:p>
-        </p:txBody>
-      </p:sp>
-    </p:spTree>
-    <p:extLst>
-      <p:ext uri="{BB962C8B-B14F-4D97-AF65-F5344CB8AC3E}">
-        <p14:creationId xmlns:p14="http://schemas.microsoft.com/office/powerpoint/2010/main" val="345715378"/>
-      </p:ext>
-    </p:extLst>
-  </p:cSld>
-  <p:clrMapOvr>
-    <a:masterClrMapping/>
-  </p:clrMapOvr>
-</p:sld>
-</file>
-
-<file path=ppt/slides/slide14.xml><?xml version="1.0" encoding="utf-8"?>
-<p:sld xmlns:a="http://schemas.openxmlformats.org/drawingml/2006/main" xmlns:r="http://schemas.openxmlformats.org/officeDocument/2006/relationships" xmlns:p="http://schemas.openxmlformats.org/presentationml/2006/main">
-  <p:cSld>
-    <p:spTree>
-      <p:nvGrpSpPr>
-        <p:cNvPr id="1" name=""/>
-        <p:cNvGrpSpPr/>
-        <p:nvPr/>
-      </p:nvGrpSpPr>
-      <p:grpSpPr>
-        <a:xfrm>
-          <a:off x="0" y="0"/>
-          <a:ext cx="0" cy="0"/>
-          <a:chOff x="0" y="0"/>
-          <a:chExt cx="0" cy="0"/>
-        </a:xfrm>
-      </p:grpSpPr>
-      <p:sp>
-        <p:nvSpPr>
-          <p:cNvPr id="2" name="Заголовок 1"/>
-          <p:cNvSpPr>
-            <a:spLocks noGrp="1"/>
-          </p:cNvSpPr>
-          <p:nvPr>
-            <p:ph type="title"/>
-          </p:nvPr>
-        </p:nvSpPr>
-        <p:spPr>
-          <a:xfrm>
-            <a:off x="838200" y="365125"/>
-            <a:ext cx="10515600" cy="720725"/>
-          </a:xfrm>
-        </p:spPr>
-        <p:txBody>
-          <a:bodyPr/>
-          <a:lstStyle/>
-          <a:p>
-            <a:r>
-              <a:rPr lang="ru-RU" dirty="0" smtClean="0"/>
-              <a:t>Нечеткая логика (определение)</a:t>
-            </a:r>
-            <a:endParaRPr lang="ru-RU" dirty="0"/>
-          </a:p>
-        </p:txBody>
-      </p:sp>
-      <p:sp>
-        <p:nvSpPr>
-          <p:cNvPr id="3" name="Объект 2"/>
-          <p:cNvSpPr>
-            <a:spLocks noGrp="1"/>
-          </p:cNvSpPr>
-          <p:nvPr>
-            <p:ph sz="half" idx="1"/>
-          </p:nvPr>
-        </p:nvSpPr>
-        <p:spPr>
-          <a:xfrm>
-            <a:off x="180975" y="1228725"/>
-            <a:ext cx="11172825" cy="4948238"/>
-          </a:xfrm>
-        </p:spPr>
-        <p:txBody>
-          <a:bodyPr>
-            <a:noAutofit/>
-          </a:bodyPr>
-          <a:lstStyle/>
-          <a:p>
-            <a:pPr marL="0" indent="0">
-              <a:buNone/>
-            </a:pPr>
-            <a:r>
-              <a:rPr lang="ru-RU" sz="4000" dirty="0" smtClean="0"/>
-              <a:t>Лингвистические переменные</a:t>
-            </a:r>
-          </a:p>
-          <a:p>
-            <a:pPr lvl="1"/>
-            <a:r>
-              <a:rPr lang="ru-RU" sz="3200" dirty="0" smtClean="0"/>
-              <a:t>Дистанция = </a:t>
-            </a:r>
-            <a:r>
-              <a:rPr lang="en-US" sz="3200" dirty="0" smtClean="0"/>
-              <a:t>{</a:t>
-            </a:r>
-            <a:r>
-              <a:rPr lang="ru-RU" sz="3200" dirty="0" smtClean="0"/>
-              <a:t> Близкая, Средняя, Дальняя </a:t>
-            </a:r>
-            <a:r>
-              <a:rPr lang="en-US" sz="3200" dirty="0" smtClean="0"/>
-              <a:t>}</a:t>
-            </a:r>
-            <a:endParaRPr lang="ru-RU" sz="3200" dirty="0" smtClean="0"/>
-          </a:p>
-          <a:p>
-            <a:pPr lvl="1"/>
-            <a:r>
-              <a:rPr lang="ru-RU" sz="3200" dirty="0" smtClean="0"/>
-              <a:t>Температура = </a:t>
-            </a:r>
-            <a:r>
-              <a:rPr lang="en-US" sz="3200" dirty="0" smtClean="0"/>
-              <a:t>{</a:t>
-            </a:r>
-            <a:r>
-              <a:rPr lang="ru-RU" sz="3200" dirty="0" smtClean="0"/>
-              <a:t> Холодно, Нормально, Жарко </a:t>
-            </a:r>
-            <a:r>
-              <a:rPr lang="en-US" sz="3200" dirty="0" smtClean="0"/>
-              <a:t>}</a:t>
-            </a:r>
-            <a:endParaRPr lang="ru-RU" sz="3200" dirty="0" smtClean="0"/>
-          </a:p>
-          <a:p>
-            <a:pPr marL="0" indent="0">
-              <a:buNone/>
-            </a:pPr>
-            <a:endParaRPr lang="ru-RU" sz="4000" dirty="0" smtClean="0"/>
-          </a:p>
-          <a:p>
-            <a:pPr marL="0" indent="0">
-              <a:buNone/>
-            </a:pPr>
-            <a:r>
-              <a:rPr lang="ru-RU" sz="4000" dirty="0" smtClean="0"/>
-              <a:t>Нечеткие правила вывода</a:t>
-            </a:r>
-          </a:p>
-          <a:p>
-            <a:pPr lvl="1"/>
-            <a:r>
-              <a:rPr lang="ru-RU" sz="3600" dirty="0" smtClean="0"/>
-              <a:t>ЕСЛИ Холодно ТО увеличить давление Немного</a:t>
-            </a:r>
-          </a:p>
-          <a:p>
-            <a:pPr lvl="1"/>
-            <a:r>
-              <a:rPr lang="ru-RU" sz="3600" dirty="0" smtClean="0"/>
-              <a:t>ЕСЛИ дистанция до цели Близкая ТО </a:t>
-            </a:r>
-            <a:endParaRPr lang="ru-RU" sz="3600" dirty="0" smtClean="0"/>
-          </a:p>
-          <a:p>
-            <a:pPr lvl="1"/>
-            <a:endParaRPr lang="ru-RU" sz="3200" dirty="0"/>
-          </a:p>
-          <a:p>
-            <a:pPr marL="457200" lvl="1" indent="0">
-              <a:buNone/>
-            </a:pPr>
-            <a:endParaRPr lang="ru-RU" sz="3200" dirty="0"/>
-          </a:p>
-        </p:txBody>
-      </p:sp>
-      <p:sp>
-        <p:nvSpPr>
-          <p:cNvPr id="4" name="Нижний колонтитул 3"/>
-          <p:cNvSpPr>
-            <a:spLocks noGrp="1"/>
-          </p:cNvSpPr>
-          <p:nvPr>
-            <p:ph type="ftr" sz="quarter" idx="11"/>
-          </p:nvPr>
-        </p:nvSpPr>
-        <p:spPr/>
-        <p:txBody>
-          <a:bodyPr/>
-          <a:lstStyle/>
-          <a:p>
-            <a:r>
-              <a:rPr lang="ru-RU" smtClean="0"/>
-              <a:t>Приходько Е.В. Исследование методов моделирования принятия решений на примере ботов в компьютерной игре</a:t>
-            </a:r>
-            <a:endParaRPr lang="ru-RU"/>
-          </a:p>
-        </p:txBody>
-      </p:sp>
-      <p:sp>
-        <p:nvSpPr>
-          <p:cNvPr id="6" name="Номер слайда 5"/>
-          <p:cNvSpPr>
-            <a:spLocks noGrp="1"/>
-          </p:cNvSpPr>
-          <p:nvPr>
-            <p:ph type="sldNum" sz="quarter" idx="12"/>
-          </p:nvPr>
-        </p:nvSpPr>
-        <p:spPr/>
-        <p:txBody>
-          <a:bodyPr/>
-          <a:lstStyle/>
-          <a:p>
-            <a:fld id="{E58024C2-D31D-4875-8231-7C9AE6162281}" type="slidenum">
-              <a:rPr lang="ru-RU" smtClean="0"/>
-              <a:pPr/>
-              <a:t>14</a:t>
-            </a:fld>
-            <a:endParaRPr lang="ru-RU" dirty="0"/>
-          </a:p>
-        </p:txBody>
-      </p:sp>
-    </p:spTree>
-    <p:extLst>
-      <p:ext uri="{BB962C8B-B14F-4D97-AF65-F5344CB8AC3E}">
-        <p14:creationId xmlns:p14="http://schemas.microsoft.com/office/powerpoint/2010/main" val="2577682157"/>
-      </p:ext>
-    </p:extLst>
-  </p:cSld>
-  <p:clrMapOvr>
-    <a:masterClrMapping/>
-  </p:clrMapOvr>
-</p:sld>
-</file>
-
-<file path=ppt/slides/slide15.xml><?xml version="1.0" encoding="utf-8"?>
-<p:sld xmlns:a="http://schemas.openxmlformats.org/drawingml/2006/main" xmlns:r="http://schemas.openxmlformats.org/officeDocument/2006/relationships" xmlns:p="http://schemas.openxmlformats.org/presentationml/2006/main">
-  <p:cSld>
-    <p:spTree>
-      <p:nvGrpSpPr>
-        <p:cNvPr id="1" name=""/>
-        <p:cNvGrpSpPr/>
-        <p:nvPr/>
-      </p:nvGrpSpPr>
-      <p:grpSpPr>
-        <a:xfrm>
-          <a:off x="0" y="0"/>
-          <a:ext cx="0" cy="0"/>
-          <a:chOff x="0" y="0"/>
-          <a:chExt cx="0" cy="0"/>
-        </a:xfrm>
-      </p:grpSpPr>
-      <p:sp>
-        <p:nvSpPr>
-          <p:cNvPr id="2" name="Заголовок 1"/>
-          <p:cNvSpPr>
-            <a:spLocks noGrp="1"/>
-          </p:cNvSpPr>
-          <p:nvPr>
-            <p:ph type="title"/>
-          </p:nvPr>
-        </p:nvSpPr>
-        <p:spPr>
-          <a:xfrm>
-            <a:off x="838200" y="365126"/>
             <a:ext cx="10515600" cy="692150"/>
           </a:xfrm>
         </p:spPr>
@@ -10955,7 +9412,11 @@
           <a:p>
             <a:r>
               <a:rPr lang="ru-RU" dirty="0" smtClean="0"/>
-              <a:t>Нечеткая логика (реализация)</a:t>
+              <a:t>Нечеткая </a:t>
+            </a:r>
+            <a:r>
+              <a:rPr lang="ru-RU" dirty="0" smtClean="0"/>
+              <a:t>логика</a:t>
             </a:r>
             <a:endParaRPr lang="ru-RU" dirty="0"/>
           </a:p>
@@ -11123,7 +9584,7 @@
             <a:fld id="{E58024C2-D31D-4875-8231-7C9AE6162281}" type="slidenum">
               <a:rPr lang="ru-RU" smtClean="0"/>
               <a:pPr/>
-              <a:t>15</a:t>
+              <a:t>11</a:t>
             </a:fld>
             <a:endParaRPr lang="ru-RU" dirty="0"/>
           </a:p>
@@ -11284,7 +9745,7 @@
 </p:sld>
 </file>
 
-<file path=ppt/slides/slide16.xml><?xml version="1.0" encoding="utf-8"?>
+<file path=ppt/slides/slide12.xml><?xml version="1.0" encoding="utf-8"?>
 <p:sld xmlns:a="http://schemas.openxmlformats.org/drawingml/2006/main" xmlns:r="http://schemas.openxmlformats.org/officeDocument/2006/relationships" xmlns:p="http://schemas.openxmlformats.org/presentationml/2006/main">
   <p:cSld>
     <p:spTree>
@@ -11325,7 +9786,11 @@
           <a:p>
             <a:r>
               <a:rPr lang="ru-RU" dirty="0" smtClean="0"/>
-              <a:t>Нечеткая логика (реализация)</a:t>
+              <a:t>Нечеткая </a:t>
+            </a:r>
+            <a:r>
+              <a:rPr lang="ru-RU" dirty="0" smtClean="0"/>
+              <a:t>логика</a:t>
             </a:r>
             <a:endParaRPr lang="ru-RU" dirty="0"/>
           </a:p>
@@ -11613,7 +10078,7 @@
             <a:fld id="{E58024C2-D31D-4875-8231-7C9AE6162281}" type="slidenum">
               <a:rPr lang="ru-RU" smtClean="0"/>
               <a:pPr/>
-              <a:t>16</a:t>
+              <a:t>12</a:t>
             </a:fld>
             <a:endParaRPr lang="ru-RU" dirty="0"/>
           </a:p>
@@ -11632,7 +10097,7 @@
 </p:sld>
 </file>
 
-<file path=ppt/slides/slide17.xml><?xml version="1.0" encoding="utf-8"?>
+<file path=ppt/slides/slide13.xml><?xml version="1.0" encoding="utf-8"?>
 <p:sld xmlns:a="http://schemas.openxmlformats.org/drawingml/2006/main" xmlns:r="http://schemas.openxmlformats.org/officeDocument/2006/relationships" xmlns:p="http://schemas.openxmlformats.org/presentationml/2006/main">
   <p:cSld>
     <p:spTree>
@@ -11673,7 +10138,11 @@
           <a:p>
             <a:r>
               <a:rPr lang="ru-RU" dirty="0" smtClean="0"/>
-              <a:t>Нечеткая логика (реализация)</a:t>
+              <a:t>Нечеткая </a:t>
+            </a:r>
+            <a:r>
+              <a:rPr lang="ru-RU" dirty="0" smtClean="0"/>
+              <a:t>логика</a:t>
             </a:r>
             <a:endParaRPr lang="ru-RU" dirty="0"/>
           </a:p>
@@ -13677,12 +12146,12 @@
                         </a:spcAft>
                       </a:pPr>
                       <a:r>
-                        <a:rPr lang="ru-RU" sz="1400">
+                        <a:rPr lang="ru-RU" sz="1400" dirty="0">
                           <a:effectLst/>
                         </a:rPr>
                         <a:t>Средне</a:t>
                       </a:r>
-                      <a:endParaRPr lang="ru-RU" sz="1800">
+                      <a:endParaRPr lang="ru-RU" sz="1800" dirty="0">
                         <a:effectLst/>
                         <a:latin typeface="Times New Roman" panose="02020603050405020304" pitchFamily="18" charset="0"/>
                         <a:ea typeface="Calibri" panose="020F0502020204030204" pitchFamily="34" charset="0"/>
@@ -15397,12 +13866,12 @@
                         </a:spcAft>
                       </a:pPr>
                       <a:r>
-                        <a:rPr lang="ru-RU" sz="1400">
+                        <a:rPr lang="ru-RU" sz="1400" dirty="0">
                           <a:effectLst/>
                         </a:rPr>
                         <a:t>-</a:t>
                       </a:r>
-                      <a:endParaRPr lang="ru-RU" sz="1800">
+                      <a:endParaRPr lang="ru-RU" sz="1800" dirty="0">
                         <a:effectLst/>
                         <a:latin typeface="Times New Roman" panose="02020603050405020304" pitchFamily="18" charset="0"/>
                         <a:ea typeface="Calibri" panose="020F0502020204030204" pitchFamily="34" charset="0"/>
@@ -15741,12 +14210,12 @@
                         </a:spcAft>
                       </a:pPr>
                       <a:r>
-                        <a:rPr lang="ru-RU" sz="1400">
+                        <a:rPr lang="ru-RU" sz="1400" dirty="0">
                           <a:effectLst/>
                         </a:rPr>
                         <a:t>-</a:t>
                       </a:r>
-                      <a:endParaRPr lang="ru-RU" sz="1800">
+                      <a:endParaRPr lang="ru-RU" sz="1800" dirty="0">
                         <a:effectLst/>
                         <a:latin typeface="Times New Roman" panose="02020603050405020304" pitchFamily="18" charset="0"/>
                         <a:ea typeface="Calibri" panose="020F0502020204030204" pitchFamily="34" charset="0"/>
@@ -16085,12 +14554,12 @@
                         </a:spcAft>
                       </a:pPr>
                       <a:r>
-                        <a:rPr lang="ru-RU" sz="1400">
+                        <a:rPr lang="ru-RU" sz="1400" dirty="0">
                           <a:effectLst/>
                         </a:rPr>
                         <a:t>-</a:t>
                       </a:r>
-                      <a:endParaRPr lang="ru-RU" sz="1800">
+                      <a:endParaRPr lang="ru-RU" sz="1800" dirty="0">
                         <a:effectLst/>
                         <a:latin typeface="Times New Roman" panose="02020603050405020304" pitchFamily="18" charset="0"/>
                         <a:ea typeface="Calibri" panose="020F0502020204030204" pitchFamily="34" charset="0"/>
@@ -16407,7 +14876,7 @@
             <a:fld id="{E58024C2-D31D-4875-8231-7C9AE6162281}" type="slidenum">
               <a:rPr lang="ru-RU" smtClean="0"/>
               <a:pPr/>
-              <a:t>17</a:t>
+              <a:t>13</a:t>
             </a:fld>
             <a:endParaRPr lang="ru-RU" dirty="0" smtClean="0"/>
           </a:p>
@@ -16456,7 +14925,7 @@
 </p:sld>
 </file>
 
-<file path=ppt/slides/slide18.xml><?xml version="1.0" encoding="utf-8"?>
+<file path=ppt/slides/slide14.xml><?xml version="1.0" encoding="utf-8"?>
 <p:sld xmlns:a="http://schemas.openxmlformats.org/drawingml/2006/main" xmlns:r="http://schemas.openxmlformats.org/officeDocument/2006/relationships" xmlns:p="http://schemas.openxmlformats.org/presentationml/2006/main">
   <p:cSld>
     <p:spTree>
@@ -16777,7 +15246,7 @@
             <a:fld id="{E58024C2-D31D-4875-8231-7C9AE6162281}" type="slidenum">
               <a:rPr lang="ru-RU" smtClean="0"/>
               <a:pPr/>
-              <a:t>18</a:t>
+              <a:t>14</a:t>
             </a:fld>
             <a:endParaRPr lang="ru-RU" dirty="0" smtClean="0"/>
           </a:p>
@@ -16796,635 +15265,7 @@
 </p:sld>
 </file>
 
-<file path=ppt/slides/slide19.xml><?xml version="1.0" encoding="utf-8"?>
-<p:sld xmlns:a="http://schemas.openxmlformats.org/drawingml/2006/main" xmlns:r="http://schemas.openxmlformats.org/officeDocument/2006/relationships" xmlns:p="http://schemas.openxmlformats.org/presentationml/2006/main">
-  <p:cSld>
-    <p:spTree>
-      <p:nvGrpSpPr>
-        <p:cNvPr id="1" name=""/>
-        <p:cNvGrpSpPr/>
-        <p:nvPr/>
-      </p:nvGrpSpPr>
-      <p:grpSpPr>
-        <a:xfrm>
-          <a:off x="0" y="0"/>
-          <a:ext cx="0" cy="0"/>
-          <a:chOff x="0" y="0"/>
-          <a:chExt cx="0" cy="0"/>
-        </a:xfrm>
-      </p:grpSpPr>
-      <p:sp>
-        <p:nvSpPr>
-          <p:cNvPr id="2" name="Заголовок 1"/>
-          <p:cNvSpPr>
-            <a:spLocks noGrp="1"/>
-          </p:cNvSpPr>
-          <p:nvPr>
-            <p:ph type="title"/>
-          </p:nvPr>
-        </p:nvSpPr>
-        <p:spPr>
-          <a:xfrm>
-            <a:off x="838200" y="365126"/>
-            <a:ext cx="10515600" cy="825500"/>
-          </a:xfrm>
-        </p:spPr>
-        <p:txBody>
-          <a:bodyPr/>
-          <a:lstStyle/>
-          <a:p>
-            <a:r>
-              <a:rPr lang="ru-RU" dirty="0" smtClean="0"/>
-              <a:t>Нейронные сети (определение)</a:t>
-            </a:r>
-            <a:endParaRPr lang="ru-RU" dirty="0"/>
-          </a:p>
-        </p:txBody>
-      </p:sp>
-      <p:sp>
-        <p:nvSpPr>
-          <p:cNvPr id="3" name="Объект 2"/>
-          <p:cNvSpPr>
-            <a:spLocks noGrp="1"/>
-          </p:cNvSpPr>
-          <p:nvPr>
-            <p:ph sz="half" idx="1"/>
-          </p:nvPr>
-        </p:nvSpPr>
-        <p:spPr>
-          <a:xfrm>
-            <a:off x="323849" y="1520852"/>
-            <a:ext cx="7148611" cy="4656111"/>
-          </a:xfrm>
-        </p:spPr>
-        <p:txBody>
-          <a:bodyPr>
-            <a:normAutofit/>
-          </a:bodyPr>
-          <a:lstStyle/>
-          <a:p>
-            <a:pPr marL="0" indent="0">
-              <a:buNone/>
-            </a:pPr>
-            <a:r>
-              <a:rPr lang="ru-RU" sz="3200" dirty="0" smtClean="0"/>
-              <a:t>Основаны на упрощенной модели </a:t>
-            </a:r>
-            <a:r>
-              <a:rPr lang="ru-RU" sz="3200" dirty="0" smtClean="0"/>
-              <a:t>нейрона</a:t>
-            </a:r>
-          </a:p>
-          <a:p>
-            <a:pPr marL="0" indent="0">
-              <a:buNone/>
-            </a:pPr>
-            <a:r>
-              <a:rPr lang="ru-RU" sz="3200" dirty="0" smtClean="0"/>
-              <a:t>Обучение </a:t>
-            </a:r>
-            <a:r>
-              <a:rPr lang="ru-RU" sz="3200" dirty="0"/>
-              <a:t>за счет изменения весов </a:t>
-            </a:r>
-            <a:r>
-              <a:rPr lang="ru-RU" sz="3200" dirty="0" smtClean="0"/>
-              <a:t>входов</a:t>
-            </a:r>
-          </a:p>
-          <a:p>
-            <a:pPr marL="0" indent="0">
-              <a:buNone/>
-            </a:pPr>
-            <a:r>
-              <a:rPr lang="ru-RU" sz="3200" dirty="0" smtClean="0"/>
-              <a:t>Многослойный </a:t>
-            </a:r>
-            <a:r>
-              <a:rPr lang="ru-RU" sz="3200" dirty="0" err="1" smtClean="0"/>
-              <a:t>перцептрон</a:t>
-            </a:r>
-            <a:r>
-              <a:rPr lang="ru-RU" sz="3200" dirty="0" smtClean="0"/>
-              <a:t>:</a:t>
-            </a:r>
-          </a:p>
-          <a:p>
-            <a:pPr lvl="1">
-              <a:buFont typeface="Arial" panose="020B0604020202020204" pitchFamily="34" charset="0"/>
-              <a:buChar char="•"/>
-            </a:pPr>
-            <a:r>
-              <a:rPr lang="ru-RU" sz="2800" dirty="0" smtClean="0"/>
-              <a:t>Входной слой</a:t>
-            </a:r>
-          </a:p>
-          <a:p>
-            <a:pPr lvl="1">
-              <a:buFont typeface="Arial" panose="020B0604020202020204" pitchFamily="34" charset="0"/>
-              <a:buChar char="•"/>
-            </a:pPr>
-            <a:r>
-              <a:rPr lang="en-US" sz="2800" dirty="0" smtClean="0"/>
-              <a:t>N </a:t>
-            </a:r>
-            <a:r>
-              <a:rPr lang="ru-RU" sz="2800" dirty="0" smtClean="0"/>
-              <a:t>скрытых слоев (</a:t>
-            </a:r>
-            <a:r>
-              <a:rPr lang="en-US" sz="2800" dirty="0" smtClean="0"/>
-              <a:t>N &gt;= 0</a:t>
-            </a:r>
-            <a:r>
-              <a:rPr lang="ru-RU" sz="2800" dirty="0" smtClean="0"/>
-              <a:t>)</a:t>
-            </a:r>
-          </a:p>
-          <a:p>
-            <a:pPr lvl="1">
-              <a:buFont typeface="Arial" panose="020B0604020202020204" pitchFamily="34" charset="0"/>
-              <a:buChar char="•"/>
-            </a:pPr>
-            <a:r>
-              <a:rPr lang="ru-RU" sz="2800" dirty="0" smtClean="0"/>
-              <a:t>Выходной слой</a:t>
-            </a:r>
-            <a:endParaRPr lang="ru-RU" sz="2800" dirty="0"/>
-          </a:p>
-        </p:txBody>
-      </p:sp>
-      <p:pic>
-        <p:nvPicPr>
-          <p:cNvPr id="6" name="Рисунок 5"/>
-          <p:cNvPicPr/>
-          <p:nvPr/>
-        </p:nvPicPr>
-        <p:blipFill>
-          <a:blip r:embed="rId2">
-            <a:extLst>
-              <a:ext uri="{28A0092B-C50C-407E-A947-70E740481C1C}">
-                <a14:useLocalDpi xmlns:a14="http://schemas.microsoft.com/office/drawing/2010/main" val="0"/>
-              </a:ext>
-            </a:extLst>
-          </a:blip>
-          <a:stretch>
-            <a:fillRect/>
-          </a:stretch>
-        </p:blipFill>
-        <p:spPr>
-          <a:xfrm>
-            <a:off x="7030788" y="1050109"/>
-            <a:ext cx="4148561" cy="1753274"/>
-          </a:xfrm>
-          <a:prstGeom prst="rect">
-            <a:avLst/>
-          </a:prstGeom>
-        </p:spPr>
-      </p:pic>
-      <p:pic>
-        <p:nvPicPr>
-          <p:cNvPr id="7" name="Рисунок 6"/>
-          <p:cNvPicPr/>
-          <p:nvPr/>
-        </p:nvPicPr>
-        <p:blipFill>
-          <a:blip r:embed="rId3">
-            <a:extLst>
-              <a:ext uri="{28A0092B-C50C-407E-A947-70E740481C1C}">
-                <a14:useLocalDpi xmlns:a14="http://schemas.microsoft.com/office/drawing/2010/main" val="0"/>
-              </a:ext>
-            </a:extLst>
-          </a:blip>
-          <a:stretch>
-            <a:fillRect/>
-          </a:stretch>
-        </p:blipFill>
-        <p:spPr>
-          <a:xfrm>
-            <a:off x="7685670" y="3273877"/>
-            <a:ext cx="2838796" cy="2752247"/>
-          </a:xfrm>
-          <a:prstGeom prst="rect">
-            <a:avLst/>
-          </a:prstGeom>
-        </p:spPr>
-      </p:pic>
-      <p:sp>
-        <p:nvSpPr>
-          <p:cNvPr id="4" name="Нижний колонтитул 3"/>
-          <p:cNvSpPr>
-            <a:spLocks noGrp="1"/>
-          </p:cNvSpPr>
-          <p:nvPr>
-            <p:ph type="ftr" sz="quarter" idx="11"/>
-          </p:nvPr>
-        </p:nvSpPr>
-        <p:spPr/>
-        <p:txBody>
-          <a:bodyPr/>
-          <a:lstStyle/>
-          <a:p>
-            <a:r>
-              <a:rPr lang="ru-RU" dirty="0" smtClean="0"/>
-              <a:t>Приходько Е.В. Исследование методов моделирования принятия решений на примере ботов в компьютерной игре</a:t>
-            </a:r>
-            <a:endParaRPr lang="ru-RU" dirty="0"/>
-          </a:p>
-        </p:txBody>
-      </p:sp>
-      <p:sp>
-        <p:nvSpPr>
-          <p:cNvPr id="8" name="Номер слайда 7"/>
-          <p:cNvSpPr>
-            <a:spLocks noGrp="1"/>
-          </p:cNvSpPr>
-          <p:nvPr>
-            <p:ph type="sldNum" sz="quarter" idx="12"/>
-          </p:nvPr>
-        </p:nvSpPr>
-        <p:spPr/>
-        <p:txBody>
-          <a:bodyPr/>
-          <a:lstStyle/>
-          <a:p>
-            <a:fld id="{E58024C2-D31D-4875-8231-7C9AE6162281}" type="slidenum">
-              <a:rPr lang="ru-RU" smtClean="0"/>
-              <a:pPr/>
-              <a:t>19</a:t>
-            </a:fld>
-            <a:endParaRPr lang="ru-RU" dirty="0"/>
-          </a:p>
-        </p:txBody>
-      </p:sp>
-      <p:sp>
-        <p:nvSpPr>
-          <p:cNvPr id="9" name="TextBox 8"/>
-          <p:cNvSpPr txBox="1"/>
-          <p:nvPr/>
-        </p:nvSpPr>
-        <p:spPr>
-          <a:xfrm>
-            <a:off x="8177346" y="2835940"/>
-            <a:ext cx="1855444" cy="369332"/>
-          </a:xfrm>
-          <a:prstGeom prst="rect">
-            <a:avLst/>
-          </a:prstGeom>
-          <a:noFill/>
-        </p:spPr>
-        <p:txBody>
-          <a:bodyPr wrap="none" rtlCol="0">
-            <a:spAutoFit/>
-          </a:bodyPr>
-          <a:lstStyle/>
-          <a:p>
-            <a:r>
-              <a:rPr lang="ru-RU" dirty="0" smtClean="0"/>
-              <a:t>Модель нейрона</a:t>
-            </a:r>
-            <a:endParaRPr lang="ru-RU" dirty="0"/>
-          </a:p>
-        </p:txBody>
-      </p:sp>
-      <p:sp>
-        <p:nvSpPr>
-          <p:cNvPr id="10" name="TextBox 9"/>
-          <p:cNvSpPr txBox="1"/>
-          <p:nvPr/>
-        </p:nvSpPr>
-        <p:spPr>
-          <a:xfrm>
-            <a:off x="7646912" y="6026124"/>
-            <a:ext cx="2916311" cy="369332"/>
-          </a:xfrm>
-          <a:prstGeom prst="rect">
-            <a:avLst/>
-          </a:prstGeom>
-          <a:noFill/>
-        </p:spPr>
-        <p:txBody>
-          <a:bodyPr wrap="none" rtlCol="0">
-            <a:spAutoFit/>
-          </a:bodyPr>
-          <a:lstStyle/>
-          <a:p>
-            <a:r>
-              <a:rPr lang="ru-RU" dirty="0" smtClean="0"/>
-              <a:t>Многослойный </a:t>
-            </a:r>
-            <a:r>
-              <a:rPr lang="ru-RU" dirty="0" err="1" smtClean="0"/>
-              <a:t>перцептрон</a:t>
-            </a:r>
-            <a:endParaRPr lang="ru-RU" dirty="0"/>
-          </a:p>
-        </p:txBody>
-      </p:sp>
-    </p:spTree>
-    <p:extLst>
-      <p:ext uri="{BB962C8B-B14F-4D97-AF65-F5344CB8AC3E}">
-        <p14:creationId xmlns:p14="http://schemas.microsoft.com/office/powerpoint/2010/main" val="953472113"/>
-      </p:ext>
-    </p:extLst>
-  </p:cSld>
-  <p:clrMapOvr>
-    <a:masterClrMapping/>
-  </p:clrMapOvr>
-</p:sld>
-</file>
-
-<file path=ppt/slides/slide2.xml><?xml version="1.0" encoding="utf-8"?>
-<p:sld xmlns:a="http://schemas.openxmlformats.org/drawingml/2006/main" xmlns:r="http://schemas.openxmlformats.org/officeDocument/2006/relationships" xmlns:p="http://schemas.openxmlformats.org/presentationml/2006/main">
-  <p:cSld>
-    <p:spTree>
-      <p:nvGrpSpPr>
-        <p:cNvPr id="1" name=""/>
-        <p:cNvGrpSpPr/>
-        <p:nvPr/>
-      </p:nvGrpSpPr>
-      <p:grpSpPr>
-        <a:xfrm>
-          <a:off x="0" y="0"/>
-          <a:ext cx="0" cy="0"/>
-          <a:chOff x="0" y="0"/>
-          <a:chExt cx="0" cy="0"/>
-        </a:xfrm>
-      </p:grpSpPr>
-      <p:sp>
-        <p:nvSpPr>
-          <p:cNvPr id="2" name="Заголовок 1"/>
-          <p:cNvSpPr>
-            <a:spLocks noGrp="1"/>
-          </p:cNvSpPr>
-          <p:nvPr>
-            <p:ph type="title"/>
-          </p:nvPr>
-        </p:nvSpPr>
-        <p:spPr>
-          <a:xfrm>
-            <a:off x="838200" y="365126"/>
-            <a:ext cx="10515600" cy="662486"/>
-          </a:xfrm>
-        </p:spPr>
-        <p:txBody>
-          <a:bodyPr>
-            <a:normAutofit/>
-          </a:bodyPr>
-          <a:lstStyle/>
-          <a:p>
-            <a:r>
-              <a:rPr lang="ru-RU" sz="4000" dirty="0"/>
-              <a:t>Принятие решений, интеллектуальные агенты</a:t>
-            </a:r>
-          </a:p>
-        </p:txBody>
-      </p:sp>
-      <p:sp>
-        <p:nvSpPr>
-          <p:cNvPr id="3" name="Объект 2"/>
-          <p:cNvSpPr>
-            <a:spLocks noGrp="1"/>
-          </p:cNvSpPr>
-          <p:nvPr>
-            <p:ph sz="half" idx="1"/>
-          </p:nvPr>
-        </p:nvSpPr>
-        <p:spPr>
-          <a:xfrm>
-            <a:off x="418010" y="1123406"/>
-            <a:ext cx="6069875" cy="5232943"/>
-          </a:xfrm>
-        </p:spPr>
-        <p:txBody>
-          <a:bodyPr>
-            <a:normAutofit/>
-          </a:bodyPr>
-          <a:lstStyle/>
-          <a:p>
-            <a:endParaRPr lang="ru-RU" dirty="0"/>
-          </a:p>
-          <a:p>
-            <a:pPr marL="0" indent="0">
-              <a:buNone/>
-            </a:pPr>
-            <a:r>
-              <a:rPr lang="ru-RU" sz="2800" dirty="0"/>
-              <a:t>Системы, принимающие решения:</a:t>
-            </a:r>
-          </a:p>
-          <a:p>
-            <a:pPr lvl="1">
-              <a:buFont typeface="Arial" panose="020B0604020202020204" pitchFamily="34" charset="0"/>
-              <a:buChar char="•"/>
-            </a:pPr>
-            <a:r>
-              <a:rPr lang="ru-RU" sz="2800" dirty="0"/>
-              <a:t>Распознавание образов</a:t>
-            </a:r>
-          </a:p>
-          <a:p>
-            <a:pPr lvl="1">
-              <a:buFont typeface="Arial" panose="020B0604020202020204" pitchFamily="34" charset="0"/>
-              <a:buChar char="•"/>
-            </a:pPr>
-            <a:r>
-              <a:rPr lang="ru-RU" sz="2800" dirty="0"/>
-              <a:t>Распознавание голоса</a:t>
-            </a:r>
-          </a:p>
-          <a:p>
-            <a:pPr lvl="1">
-              <a:buFont typeface="Arial" panose="020B0604020202020204" pitchFamily="34" charset="0"/>
-              <a:buChar char="•"/>
-            </a:pPr>
-            <a:r>
-              <a:rPr lang="ru-RU" sz="2800" dirty="0"/>
-              <a:t>Экспертные системы</a:t>
-            </a:r>
-          </a:p>
-          <a:p>
-            <a:pPr lvl="1">
-              <a:buFont typeface="Arial" panose="020B0604020202020204" pitchFamily="34" charset="0"/>
-              <a:buChar char="•"/>
-            </a:pPr>
-            <a:r>
-              <a:rPr lang="ru-RU" sz="2800" dirty="0"/>
-              <a:t>Промышленные контроллеры</a:t>
-            </a:r>
-          </a:p>
-          <a:p>
-            <a:pPr lvl="1">
-              <a:buFont typeface="Arial" panose="020B0604020202020204" pitchFamily="34" charset="0"/>
-              <a:buChar char="•"/>
-            </a:pPr>
-            <a:r>
-              <a:rPr lang="ru-RU" sz="2800" dirty="0"/>
-              <a:t>Системы «Умный дом»</a:t>
-            </a:r>
-          </a:p>
-          <a:p>
-            <a:pPr lvl="1">
-              <a:buFont typeface="Arial" panose="020B0604020202020204" pitchFamily="34" charset="0"/>
-              <a:buChar char="•"/>
-            </a:pPr>
-            <a:r>
-              <a:rPr lang="ru-RU" sz="2800" dirty="0"/>
-              <a:t>Робототехника</a:t>
-            </a:r>
-          </a:p>
-          <a:p>
-            <a:pPr lvl="1">
-              <a:buFont typeface="Arial" panose="020B0604020202020204" pitchFamily="34" charset="0"/>
-              <a:buChar char="•"/>
-            </a:pPr>
-            <a:r>
-              <a:rPr lang="ru-RU" sz="2800" dirty="0"/>
-              <a:t>Игровые боты</a:t>
-            </a:r>
-          </a:p>
-          <a:p>
-            <a:pPr lvl="1">
-              <a:buFont typeface="Arial" panose="020B0604020202020204" pitchFamily="34" charset="0"/>
-              <a:buChar char="•"/>
-            </a:pPr>
-            <a:r>
-              <a:rPr lang="ru-RU" sz="2800" dirty="0"/>
-              <a:t>…</a:t>
-            </a:r>
-          </a:p>
-        </p:txBody>
-      </p:sp>
-      <p:pic>
-        <p:nvPicPr>
-          <p:cNvPr id="6" name="Объект 3"/>
-          <p:cNvPicPr>
-            <a:picLocks noGrp="1"/>
-          </p:cNvPicPr>
-          <p:nvPr>
-            <p:ph sz="half" idx="2"/>
-          </p:nvPr>
-        </p:nvPicPr>
-        <p:blipFill>
-          <a:blip r:embed="rId3" cstate="print">
-            <a:extLst>
-              <a:ext uri="{28A0092B-C50C-407E-A947-70E740481C1C}">
-                <a14:useLocalDpi xmlns:a14="http://schemas.microsoft.com/office/drawing/2010/main" val="0"/>
-              </a:ext>
-            </a:extLst>
-          </a:blip>
-          <a:stretch>
-            <a:fillRect/>
-          </a:stretch>
-        </p:blipFill>
-        <p:spPr>
-          <a:xfrm>
-            <a:off x="6122126" y="1578725"/>
-            <a:ext cx="5547359" cy="3704403"/>
-          </a:xfrm>
-          <a:prstGeom prst="rect">
-            <a:avLst/>
-          </a:prstGeom>
-        </p:spPr>
-      </p:pic>
-      <p:sp>
-        <p:nvSpPr>
-          <p:cNvPr id="4" name="Нижний колонтитул 3"/>
-          <p:cNvSpPr>
-            <a:spLocks noGrp="1"/>
-          </p:cNvSpPr>
-          <p:nvPr>
-            <p:ph type="ftr" sz="quarter" idx="11"/>
-          </p:nvPr>
-        </p:nvSpPr>
-        <p:spPr/>
-        <p:txBody>
-          <a:bodyPr/>
-          <a:lstStyle/>
-          <a:p>
-            <a:r>
-              <a:rPr lang="ru-RU" smtClean="0"/>
-              <a:t>Приходько Е.В. Исследование методов моделирования принятия решений на примере ботов в компьютерной игре</a:t>
-            </a:r>
-            <a:endParaRPr lang="ru-RU" dirty="0"/>
-          </a:p>
-        </p:txBody>
-      </p:sp>
-      <p:sp>
-        <p:nvSpPr>
-          <p:cNvPr id="7" name="Номер слайда 6"/>
-          <p:cNvSpPr>
-            <a:spLocks noGrp="1"/>
-          </p:cNvSpPr>
-          <p:nvPr>
-            <p:ph type="sldNum" sz="quarter" idx="12"/>
-          </p:nvPr>
-        </p:nvSpPr>
-        <p:spPr/>
-        <p:txBody>
-          <a:bodyPr/>
-          <a:lstStyle/>
-          <a:p>
-            <a:fld id="{E58024C2-D31D-4875-8231-7C9AE6162281}" type="slidenum">
-              <a:rPr lang="ru-RU" smtClean="0"/>
-              <a:pPr/>
-              <a:t>2</a:t>
-            </a:fld>
-            <a:endParaRPr lang="ru-RU" dirty="0"/>
-          </a:p>
-        </p:txBody>
-      </p:sp>
-      <p:sp>
-        <p:nvSpPr>
-          <p:cNvPr id="8" name="TextBox 7"/>
-          <p:cNvSpPr txBox="1"/>
-          <p:nvPr/>
-        </p:nvSpPr>
-        <p:spPr>
-          <a:xfrm>
-            <a:off x="8131175" y="5464909"/>
-            <a:ext cx="1641475" cy="369332"/>
-          </a:xfrm>
-          <a:prstGeom prst="rect">
-            <a:avLst/>
-          </a:prstGeom>
-          <a:noFill/>
-        </p:spPr>
-        <p:txBody>
-          <a:bodyPr wrap="none" rtlCol="0">
-            <a:spAutoFit/>
-          </a:bodyPr>
-          <a:lstStyle/>
-          <a:p>
-            <a:r>
-              <a:rPr lang="ru-RU" dirty="0" smtClean="0"/>
-              <a:t>Модель агента</a:t>
-            </a:r>
-            <a:endParaRPr lang="ru-RU" dirty="0"/>
-          </a:p>
-        </p:txBody>
-      </p:sp>
-    </p:spTree>
-    <p:extLst>
-      <p:ext uri="{BB962C8B-B14F-4D97-AF65-F5344CB8AC3E}">
-        <p14:creationId xmlns:p14="http://schemas.microsoft.com/office/powerpoint/2010/main" val="2672803544"/>
-      </p:ext>
-    </p:extLst>
-  </p:cSld>
-  <p:clrMapOvr>
-    <a:masterClrMapping/>
-  </p:clrMapOvr>
-  <p:timing>
-    <p:tnLst>
-      <p:par>
-        <p:cTn id="1" dur="indefinite" restart="never" nodeType="tmRoot"/>
-      </p:par>
-    </p:tnLst>
-  </p:timing>
-</p:sld>
-</file>
-
-<file path=ppt/slides/slide20.xml><?xml version="1.0" encoding="utf-8"?>
+<file path=ppt/slides/slide15.xml><?xml version="1.0" encoding="utf-8"?>
 <p:sld xmlns:a="http://schemas.openxmlformats.org/drawingml/2006/main" xmlns:r="http://schemas.openxmlformats.org/officeDocument/2006/relationships" xmlns:p="http://schemas.openxmlformats.org/presentationml/2006/main">
   <p:cSld>
     <p:spTree>
@@ -17458,7 +15299,11 @@
           <a:p>
             <a:r>
               <a:rPr lang="ru-RU" dirty="0" smtClean="0"/>
-              <a:t>Нейронные сети (реализация)</a:t>
+              <a:t>Нейронные </a:t>
+            </a:r>
+            <a:r>
+              <a:rPr lang="ru-RU" dirty="0" smtClean="0"/>
+              <a:t>сети</a:t>
             </a:r>
             <a:endParaRPr lang="ru-RU" dirty="0"/>
           </a:p>
@@ -17484,9 +15329,8 @@
           <a:bodyPr/>
           <a:lstStyle/>
           <a:p>
-            <a:pPr>
-              <a:buFont typeface="Arial" panose="020B0604020202020204" pitchFamily="34" charset="0"/>
-              <a:buChar char="•"/>
+            <a:pPr marL="0" indent="0">
+              <a:buNone/>
             </a:pPr>
             <a:r>
               <a:rPr lang="ru-RU" dirty="0" smtClean="0"/>
@@ -17553,9 +15397,8 @@
             <a:endParaRPr lang="en-US" dirty="0"/>
           </a:p>
           <a:p>
-            <a:pPr>
-              <a:buFont typeface="Arial" panose="020B0604020202020204" pitchFamily="34" charset="0"/>
-              <a:buChar char="•"/>
+            <a:pPr marL="0" indent="0">
+              <a:buNone/>
             </a:pPr>
             <a:r>
               <a:rPr lang="ru-RU" dirty="0" smtClean="0"/>
@@ -17657,7 +15500,7 @@
             <a:fld id="{E58024C2-D31D-4875-8231-7C9AE6162281}" type="slidenum">
               <a:rPr lang="ru-RU" smtClean="0"/>
               <a:pPr/>
-              <a:t>20</a:t>
+              <a:t>15</a:t>
             </a:fld>
             <a:endParaRPr lang="ru-RU" dirty="0"/>
           </a:p>
@@ -17676,7 +15519,7 @@
 </p:sld>
 </file>
 
-<file path=ppt/slides/slide21.xml><?xml version="1.0" encoding="utf-8"?>
+<file path=ppt/slides/slide16.xml><?xml version="1.0" encoding="utf-8"?>
 <p:sld xmlns:a="http://schemas.openxmlformats.org/drawingml/2006/main" xmlns:r="http://schemas.openxmlformats.org/officeDocument/2006/relationships" xmlns:p="http://schemas.openxmlformats.org/presentationml/2006/main">
   <p:cSld>
     <p:spTree>
@@ -17717,7 +15560,11 @@
           <a:p>
             <a:r>
               <a:rPr lang="ru-RU" dirty="0" smtClean="0"/>
-              <a:t>Нейронные сети (реализация)</a:t>
+              <a:t>Нейронные </a:t>
+            </a:r>
+            <a:r>
+              <a:rPr lang="ru-RU" dirty="0" smtClean="0"/>
+              <a:t>сети</a:t>
             </a:r>
             <a:endParaRPr lang="ru-RU" dirty="0"/>
           </a:p>
@@ -17737,13 +15584,13 @@
             </p:nvSpPr>
             <p:spPr>
               <a:xfrm>
-                <a:off x="447675" y="1076325"/>
-                <a:ext cx="11134725" cy="5124450"/>
+                <a:off x="161925" y="1076325"/>
+                <a:ext cx="12030075" cy="5124450"/>
               </a:xfrm>
             </p:spPr>
             <p:txBody>
               <a:bodyPr>
-                <a:normAutofit lnSpcReduction="10000"/>
+                <a:normAutofit/>
               </a:bodyPr>
               <a:lstStyle/>
               <a:p>
@@ -17753,6 +15600,101 @@
                 <a:r>
                   <a:rPr lang="ru-RU" dirty="0" smtClean="0"/>
                   <a:t>Обучающее множество – 200 записей (100 для обучения, 100 для проверки) </a:t>
+                </a:r>
+              </a:p>
+              <a:p>
+                <a:pPr marL="0" indent="0">
+                  <a:buNone/>
+                </a:pPr>
+                <a:r>
+                  <a:rPr lang="ru-RU" dirty="0" smtClean="0"/>
+                  <a:t>Функция обучения</a:t>
+                </a:r>
+              </a:p>
+              <a:p>
+                <a:pPr lvl="1"/>
+                <a:r>
+                  <a:rPr lang="en-US" dirty="0" smtClean="0"/>
+                  <a:t>y = f (x</a:t>
+                </a:r>
+                <a:r>
+                  <a:rPr lang="en-US" baseline="-25000" dirty="0" smtClean="0"/>
+                  <a:t>1</a:t>
+                </a:r>
+                <a:r>
+                  <a:rPr lang="en-US" dirty="0" smtClean="0"/>
+                  <a:t>, x</a:t>
+                </a:r>
+                <a:r>
+                  <a:rPr lang="en-US" baseline="-25000" dirty="0" smtClean="0"/>
+                  <a:t>2</a:t>
+                </a:r>
+                <a:r>
+                  <a:rPr lang="en-US" dirty="0" smtClean="0"/>
+                  <a:t>, …, </a:t>
+                </a:r>
+                <a:r>
+                  <a:rPr lang="en-US" dirty="0" err="1" smtClean="0"/>
+                  <a:t>x</a:t>
+                </a:r>
+                <a:r>
+                  <a:rPr lang="en-US" baseline="-25000" dirty="0" err="1" smtClean="0"/>
+                  <a:t>n</a:t>
+                </a:r>
+                <a:r>
+                  <a:rPr lang="en-US" dirty="0" smtClean="0"/>
+                  <a:t>)</a:t>
+                </a:r>
+                <a:r>
+                  <a:rPr lang="ru-RU" dirty="0" smtClean="0"/>
+                  <a:t>, где </a:t>
+                </a:r>
+                <a:r>
+                  <a:rPr lang="en-US" dirty="0" smtClean="0"/>
+                  <a:t>y – </a:t>
+                </a:r>
+                <a:r>
+                  <a:rPr lang="ru-RU" dirty="0" smtClean="0"/>
+                  <a:t>качество обучения, а </a:t>
+                </a:r>
+                <a:r>
+                  <a:rPr lang="en-US" dirty="0" smtClean="0"/>
+                  <a:t>x</a:t>
+                </a:r>
+                <a:r>
+                  <a:rPr lang="en-US" baseline="-25000" dirty="0" smtClean="0"/>
+                  <a:t>1</a:t>
+                </a:r>
+                <a:r>
+                  <a:rPr lang="en-US" dirty="0" smtClean="0"/>
+                  <a:t>, x</a:t>
+                </a:r>
+                <a:r>
+                  <a:rPr lang="en-US" baseline="-25000" dirty="0" smtClean="0"/>
+                  <a:t>2</a:t>
+                </a:r>
+                <a:r>
+                  <a:rPr lang="en-US" dirty="0" smtClean="0"/>
+                  <a:t>, …, </a:t>
+                </a:r>
+                <a:r>
+                  <a:rPr lang="en-US" dirty="0" err="1" smtClean="0"/>
+                  <a:t>x</a:t>
+                </a:r>
+                <a:r>
+                  <a:rPr lang="en-US" baseline="-25000" dirty="0" err="1" smtClean="0"/>
+                  <a:t>n</a:t>
+                </a:r>
+                <a:r>
+                  <a:rPr lang="ru-RU" dirty="0" smtClean="0"/>
+                  <a:t> – параметры, влияющие на него.</a:t>
+                </a:r>
+              </a:p>
+              <a:p>
+                <a:pPr lvl="1"/>
+                <a:r>
+                  <a:rPr lang="ru-RU" dirty="0" smtClean="0"/>
+                  <a:t>Можно использовать численные методы для поиска оптимальных параметров обучения</a:t>
                 </a:r>
               </a:p>
               <a:p>
@@ -18054,104 +15996,13 @@
                 <a:pPr lvl="1"/>
                 <a:r>
                   <a:rPr lang="ru-RU" dirty="0" smtClean="0"/>
-                  <a:t>Количество повторов обучения</a:t>
-                </a:r>
-              </a:p>
-              <a:p>
-                <a:pPr marL="0" indent="0">
-                  <a:buNone/>
-                </a:pPr>
-                <a:r>
-                  <a:rPr lang="ru-RU" dirty="0" smtClean="0"/>
-                  <a:t>Функция обучения</a:t>
-                </a:r>
-              </a:p>
-              <a:p>
-                <a:pPr lvl="1"/>
-                <a:r>
-                  <a:rPr lang="en-US" dirty="0" smtClean="0"/>
-                  <a:t>y = f (x</a:t>
-                </a:r>
-                <a:r>
-                  <a:rPr lang="en-US" baseline="-25000" dirty="0" smtClean="0"/>
-                  <a:t>1</a:t>
-                </a:r>
-                <a:r>
-                  <a:rPr lang="en-US" dirty="0" smtClean="0"/>
-                  <a:t>, x</a:t>
-                </a:r>
-                <a:r>
-                  <a:rPr lang="en-US" baseline="-25000" dirty="0" smtClean="0"/>
-                  <a:t>2</a:t>
-                </a:r>
-                <a:r>
-                  <a:rPr lang="en-US" dirty="0" smtClean="0"/>
-                  <a:t>, …, </a:t>
-                </a:r>
-                <a:r>
-                  <a:rPr lang="en-US" dirty="0" err="1" smtClean="0"/>
-                  <a:t>x</a:t>
-                </a:r>
-                <a:r>
-                  <a:rPr lang="en-US" baseline="-25000" dirty="0" err="1" smtClean="0"/>
-                  <a:t>n</a:t>
-                </a:r>
-                <a:r>
-                  <a:rPr lang="en-US" dirty="0" smtClean="0"/>
-                  <a:t>)</a:t>
+                  <a:t>Количество повторов </a:t>
                 </a:r>
                 <a:r>
                   <a:rPr lang="ru-RU" dirty="0" smtClean="0"/>
-                  <a:t>, где </a:t>
+                  <a:t>обучения</a:t>
                 </a:r>
-                <a:r>
-                  <a:rPr lang="en-US" dirty="0" smtClean="0"/>
-                  <a:t>y – </a:t>
-                </a:r>
-                <a:r>
-                  <a:rPr lang="ru-RU" dirty="0" smtClean="0"/>
-                  <a:t>качество обучения, а </a:t>
-                </a:r>
-                <a:r>
-                  <a:rPr lang="en-US" dirty="0"/>
-                  <a:t>x</a:t>
-                </a:r>
-                <a:r>
-                  <a:rPr lang="en-US" baseline="-25000" dirty="0"/>
-                  <a:t>1</a:t>
-                </a:r>
-                <a:r>
-                  <a:rPr lang="en-US" dirty="0"/>
-                  <a:t>, x</a:t>
-                </a:r>
-                <a:r>
-                  <a:rPr lang="en-US" baseline="-25000" dirty="0"/>
-                  <a:t>2</a:t>
-                </a:r>
-                <a:r>
-                  <a:rPr lang="en-US" dirty="0"/>
-                  <a:t>, …, </a:t>
-                </a:r>
-                <a:r>
-                  <a:rPr lang="en-US" dirty="0" err="1" smtClean="0"/>
-                  <a:t>x</a:t>
-                </a:r>
-                <a:r>
-                  <a:rPr lang="en-US" baseline="-25000" dirty="0" err="1" smtClean="0"/>
-                  <a:t>n</a:t>
-                </a:r>
-                <a:r>
-                  <a:rPr lang="ru-RU" dirty="0" smtClean="0"/>
-                  <a:t> – параметры, влияющие на него.</a:t>
-                </a:r>
-              </a:p>
-              <a:p>
-                <a:pPr lvl="1"/>
-                <a:r>
-                  <a:rPr lang="ru-RU" dirty="0" smtClean="0"/>
-                  <a:t>Можно использовать численные методы для поиска оптимальных параметров обучения</a:t>
-                </a:r>
-                <a:endParaRPr lang="ru-RU" dirty="0"/>
+                <a:endParaRPr lang="ru-RU" dirty="0" smtClean="0"/>
               </a:p>
             </p:txBody>
           </p:sp>
@@ -18169,13 +16020,13 @@
             </p:nvSpPr>
             <p:spPr>
               <a:xfrm>
-                <a:off x="447675" y="1076325"/>
-                <a:ext cx="11134725" cy="5124450"/>
+                <a:off x="161925" y="1076325"/>
+                <a:ext cx="12030075" cy="5124450"/>
               </a:xfrm>
               <a:blipFill rotWithShape="0">
                 <a:blip r:embed="rId2"/>
                 <a:stretch>
-                  <a:fillRect l="-1095" t="-2738"/>
+                  <a:fillRect l="-1064" t="-2024" b="-1905"/>
                 </a:stretch>
               </a:blipFill>
             </p:spPr>
@@ -18235,7 +16086,7 @@
             <a:fld id="{E58024C2-D31D-4875-8231-7C9AE6162281}" type="slidenum">
               <a:rPr lang="ru-RU" smtClean="0"/>
               <a:pPr/>
-              <a:t>21</a:t>
+              <a:t>16</a:t>
             </a:fld>
             <a:endParaRPr lang="ru-RU" dirty="0" smtClean="0"/>
           </a:p>
@@ -18254,7 +16105,7 @@
 </p:sld>
 </file>
 
-<file path=ppt/slides/slide22.xml><?xml version="1.0" encoding="utf-8"?>
+<file path=ppt/slides/slide17.xml><?xml version="1.0" encoding="utf-8"?>
 <p:sld xmlns:a="http://schemas.openxmlformats.org/drawingml/2006/main" xmlns:r="http://schemas.openxmlformats.org/officeDocument/2006/relationships" xmlns:p="http://schemas.openxmlformats.org/presentationml/2006/main">
   <p:cSld>
     <p:spTree>
@@ -18295,7 +16146,7 @@
           <a:p>
             <a:r>
               <a:rPr lang="ru-RU" dirty="0" smtClean="0"/>
-              <a:t>Нейронные сети (реализация)</a:t>
+              <a:t>Нейронные сети</a:t>
             </a:r>
             <a:endParaRPr lang="ru-RU" dirty="0"/>
           </a:p>
@@ -18342,7 +16193,7 @@
             <a:fld id="{E58024C2-D31D-4875-8231-7C9AE6162281}" type="slidenum">
               <a:rPr lang="ru-RU" smtClean="0"/>
               <a:pPr/>
-              <a:t>22</a:t>
+              <a:t>17</a:t>
             </a:fld>
             <a:endParaRPr lang="ru-RU" dirty="0" smtClean="0"/>
           </a:p>
@@ -18413,7 +16264,7 @@
 </p:sld>
 </file>
 
-<file path=ppt/slides/slide23.xml><?xml version="1.0" encoding="utf-8"?>
+<file path=ppt/slides/slide18.xml><?xml version="1.0" encoding="utf-8"?>
 <p:sld xmlns:a="http://schemas.openxmlformats.org/drawingml/2006/main" xmlns:r="http://schemas.openxmlformats.org/officeDocument/2006/relationships" xmlns:p="http://schemas.openxmlformats.org/presentationml/2006/main">
   <p:cSld>
     <p:spTree>
@@ -18607,7 +16458,7 @@
             <a:fld id="{E58024C2-D31D-4875-8231-7C9AE6162281}" type="slidenum">
               <a:rPr lang="ru-RU" smtClean="0"/>
               <a:pPr/>
-              <a:t>23</a:t>
+              <a:t>18</a:t>
             </a:fld>
             <a:endParaRPr lang="ru-RU" dirty="0" smtClean="0"/>
           </a:p>
@@ -18626,7 +16477,7 @@
 </p:sld>
 </file>
 
-<file path=ppt/slides/slide24.xml><?xml version="1.0" encoding="utf-8"?>
+<file path=ppt/slides/slide19.xml><?xml version="1.0" encoding="utf-8"?>
 <p:sld xmlns:a="http://schemas.openxmlformats.org/drawingml/2006/main" xmlns:r="http://schemas.openxmlformats.org/officeDocument/2006/relationships" xmlns:p="http://schemas.openxmlformats.org/presentationml/2006/main">
   <p:cSld>
     <p:spTree>
@@ -18738,6 +16589,14 @@
               <a:rPr lang="en-US" dirty="0" smtClean="0"/>
               <a:t>SQL</a:t>
             </a:r>
+            <a:r>
+              <a:rPr lang="ru-RU" dirty="0" smtClean="0"/>
+              <a:t> и </a:t>
+            </a:r>
+            <a:r>
+              <a:rPr lang="en-US" dirty="0" smtClean="0"/>
+              <a:t>MATLAB</a:t>
+            </a:r>
             <a:endParaRPr lang="ru-RU" dirty="0" smtClean="0"/>
           </a:p>
           <a:p>
@@ -18847,7 +16706,7 @@
             <a:fld id="{E58024C2-D31D-4875-8231-7C9AE6162281}" type="slidenum">
               <a:rPr lang="ru-RU" smtClean="0"/>
               <a:pPr/>
-              <a:t>24</a:t>
+              <a:t>19</a:t>
             </a:fld>
             <a:endParaRPr lang="ru-RU" dirty="0" smtClean="0"/>
           </a:p>
@@ -18873,7 +16732,297 @@
 </p:sld>
 </file>
 
-<file path=ppt/slides/slide25.xml><?xml version="1.0" encoding="utf-8"?>
+<file path=ppt/slides/slide2.xml><?xml version="1.0" encoding="utf-8"?>
+<p:sld xmlns:a="http://schemas.openxmlformats.org/drawingml/2006/main" xmlns:r="http://schemas.openxmlformats.org/officeDocument/2006/relationships" xmlns:p="http://schemas.openxmlformats.org/presentationml/2006/main">
+  <p:cSld>
+    <p:spTree>
+      <p:nvGrpSpPr>
+        <p:cNvPr id="1" name=""/>
+        <p:cNvGrpSpPr/>
+        <p:nvPr/>
+      </p:nvGrpSpPr>
+      <p:grpSpPr>
+        <a:xfrm>
+          <a:off x="0" y="0"/>
+          <a:ext cx="0" cy="0"/>
+          <a:chOff x="0" y="0"/>
+          <a:chExt cx="0" cy="0"/>
+        </a:xfrm>
+      </p:grpSpPr>
+      <p:sp>
+        <p:nvSpPr>
+          <p:cNvPr id="2" name="Заголовок 1"/>
+          <p:cNvSpPr>
+            <a:spLocks noGrp="1"/>
+          </p:cNvSpPr>
+          <p:nvPr>
+            <p:ph type="title"/>
+          </p:nvPr>
+        </p:nvSpPr>
+        <p:spPr>
+          <a:xfrm>
+            <a:off x="838200" y="365126"/>
+            <a:ext cx="10515600" cy="662486"/>
+          </a:xfrm>
+        </p:spPr>
+        <p:txBody>
+          <a:bodyPr>
+            <a:normAutofit/>
+          </a:bodyPr>
+          <a:lstStyle/>
+          <a:p>
+            <a:r>
+              <a:rPr lang="ru-RU" sz="4000" dirty="0"/>
+              <a:t>Принятие решений, интеллектуальные агенты</a:t>
+            </a:r>
+          </a:p>
+        </p:txBody>
+      </p:sp>
+      <p:sp>
+        <p:nvSpPr>
+          <p:cNvPr id="3" name="Объект 2"/>
+          <p:cNvSpPr>
+            <a:spLocks noGrp="1"/>
+          </p:cNvSpPr>
+          <p:nvPr>
+            <p:ph sz="half" idx="1"/>
+          </p:nvPr>
+        </p:nvSpPr>
+        <p:spPr>
+          <a:xfrm>
+            <a:off x="418010" y="1123406"/>
+            <a:ext cx="6069875" cy="5232943"/>
+          </a:xfrm>
+        </p:spPr>
+        <p:txBody>
+          <a:bodyPr>
+            <a:normAutofit/>
+          </a:bodyPr>
+          <a:lstStyle/>
+          <a:p>
+            <a:endParaRPr lang="ru-RU" dirty="0"/>
+          </a:p>
+          <a:p>
+            <a:pPr marL="0" indent="0">
+              <a:buNone/>
+            </a:pPr>
+            <a:r>
+              <a:rPr lang="ru-RU" sz="2800" dirty="0"/>
+              <a:t>Системы, принимающие решения:</a:t>
+            </a:r>
+          </a:p>
+          <a:p>
+            <a:pPr lvl="1">
+              <a:buFont typeface="Arial" panose="020B0604020202020204" pitchFamily="34" charset="0"/>
+              <a:buChar char="•"/>
+            </a:pPr>
+            <a:r>
+              <a:rPr lang="ru-RU" sz="2800" dirty="0"/>
+              <a:t>Распознавание образов</a:t>
+            </a:r>
+          </a:p>
+          <a:p>
+            <a:pPr lvl="1">
+              <a:buFont typeface="Arial" panose="020B0604020202020204" pitchFamily="34" charset="0"/>
+              <a:buChar char="•"/>
+            </a:pPr>
+            <a:r>
+              <a:rPr lang="ru-RU" sz="2800" dirty="0"/>
+              <a:t>Распознавание голоса</a:t>
+            </a:r>
+          </a:p>
+          <a:p>
+            <a:pPr lvl="1">
+              <a:buFont typeface="Arial" panose="020B0604020202020204" pitchFamily="34" charset="0"/>
+              <a:buChar char="•"/>
+            </a:pPr>
+            <a:r>
+              <a:rPr lang="ru-RU" sz="2800" dirty="0"/>
+              <a:t>Экспертные системы</a:t>
+            </a:r>
+          </a:p>
+          <a:p>
+            <a:pPr lvl="1">
+              <a:buFont typeface="Arial" panose="020B0604020202020204" pitchFamily="34" charset="0"/>
+              <a:buChar char="•"/>
+            </a:pPr>
+            <a:r>
+              <a:rPr lang="ru-RU" sz="2800" dirty="0"/>
+              <a:t>Промышленные контроллеры</a:t>
+            </a:r>
+          </a:p>
+          <a:p>
+            <a:pPr lvl="1">
+              <a:buFont typeface="Arial" panose="020B0604020202020204" pitchFamily="34" charset="0"/>
+              <a:buChar char="•"/>
+            </a:pPr>
+            <a:r>
+              <a:rPr lang="ru-RU" sz="2800" dirty="0"/>
+              <a:t>Системы «Умный дом»</a:t>
+            </a:r>
+          </a:p>
+          <a:p>
+            <a:pPr lvl="1">
+              <a:buFont typeface="Arial" panose="020B0604020202020204" pitchFamily="34" charset="0"/>
+              <a:buChar char="•"/>
+            </a:pPr>
+            <a:r>
+              <a:rPr lang="ru-RU" sz="2800" dirty="0"/>
+              <a:t>Робототехника</a:t>
+            </a:r>
+          </a:p>
+          <a:p>
+            <a:pPr lvl="1">
+              <a:buFont typeface="Arial" panose="020B0604020202020204" pitchFamily="34" charset="0"/>
+              <a:buChar char="•"/>
+            </a:pPr>
+            <a:r>
+              <a:rPr lang="ru-RU" sz="2800" dirty="0"/>
+              <a:t>Игровые боты</a:t>
+            </a:r>
+          </a:p>
+          <a:p>
+            <a:pPr lvl="1">
+              <a:buFont typeface="Arial" panose="020B0604020202020204" pitchFamily="34" charset="0"/>
+              <a:buChar char="•"/>
+            </a:pPr>
+            <a:r>
+              <a:rPr lang="ru-RU" sz="2800" dirty="0"/>
+              <a:t>…</a:t>
+            </a:r>
+          </a:p>
+        </p:txBody>
+      </p:sp>
+      <p:pic>
+        <p:nvPicPr>
+          <p:cNvPr id="6" name="Объект 3"/>
+          <p:cNvPicPr>
+            <a:picLocks noGrp="1"/>
+          </p:cNvPicPr>
+          <p:nvPr>
+            <p:ph sz="half" idx="2"/>
+          </p:nvPr>
+        </p:nvPicPr>
+        <p:blipFill>
+          <a:blip r:embed="rId3" cstate="print">
+            <a:extLst>
+              <a:ext uri="{28A0092B-C50C-407E-A947-70E740481C1C}">
+                <a14:useLocalDpi xmlns:a14="http://schemas.microsoft.com/office/drawing/2010/main" val="0"/>
+              </a:ext>
+            </a:extLst>
+          </a:blip>
+          <a:stretch>
+            <a:fillRect/>
+          </a:stretch>
+        </p:blipFill>
+        <p:spPr>
+          <a:xfrm>
+            <a:off x="6122126" y="1578725"/>
+            <a:ext cx="5547359" cy="3704403"/>
+          </a:xfrm>
+          <a:prstGeom prst="rect">
+            <a:avLst/>
+          </a:prstGeom>
+        </p:spPr>
+      </p:pic>
+      <p:sp>
+        <p:nvSpPr>
+          <p:cNvPr id="4" name="Нижний колонтитул 3"/>
+          <p:cNvSpPr>
+            <a:spLocks noGrp="1"/>
+          </p:cNvSpPr>
+          <p:nvPr>
+            <p:ph type="ftr" sz="quarter" idx="11"/>
+          </p:nvPr>
+        </p:nvSpPr>
+        <p:spPr/>
+        <p:txBody>
+          <a:bodyPr/>
+          <a:lstStyle/>
+          <a:p>
+            <a:r>
+              <a:rPr lang="ru-RU" smtClean="0"/>
+              <a:t>Приходько Е.В. Исследование методов моделирования принятия решений на примере ботов в компьютерной игре</a:t>
+            </a:r>
+            <a:endParaRPr lang="ru-RU" dirty="0"/>
+          </a:p>
+        </p:txBody>
+      </p:sp>
+      <p:sp>
+        <p:nvSpPr>
+          <p:cNvPr id="7" name="Номер слайда 6"/>
+          <p:cNvSpPr>
+            <a:spLocks noGrp="1"/>
+          </p:cNvSpPr>
+          <p:nvPr>
+            <p:ph type="sldNum" sz="quarter" idx="12"/>
+          </p:nvPr>
+        </p:nvSpPr>
+        <p:spPr/>
+        <p:txBody>
+          <a:bodyPr/>
+          <a:lstStyle/>
+          <a:p>
+            <a:fld id="{E58024C2-D31D-4875-8231-7C9AE6162281}" type="slidenum">
+              <a:rPr lang="ru-RU" smtClean="0"/>
+              <a:pPr/>
+              <a:t>2</a:t>
+            </a:fld>
+            <a:endParaRPr lang="ru-RU" dirty="0"/>
+          </a:p>
+        </p:txBody>
+      </p:sp>
+      <p:sp>
+        <p:nvSpPr>
+          <p:cNvPr id="8" name="TextBox 7"/>
+          <p:cNvSpPr txBox="1"/>
+          <p:nvPr/>
+        </p:nvSpPr>
+        <p:spPr>
+          <a:xfrm>
+            <a:off x="8131175" y="5464909"/>
+            <a:ext cx="1641475" cy="369332"/>
+          </a:xfrm>
+          <a:prstGeom prst="rect">
+            <a:avLst/>
+          </a:prstGeom>
+          <a:noFill/>
+        </p:spPr>
+        <p:txBody>
+          <a:bodyPr wrap="none" rtlCol="0">
+            <a:spAutoFit/>
+          </a:bodyPr>
+          <a:lstStyle/>
+          <a:p>
+            <a:r>
+              <a:rPr lang="ru-RU" dirty="0" smtClean="0"/>
+              <a:t>Модель агента</a:t>
+            </a:r>
+            <a:endParaRPr lang="ru-RU" dirty="0"/>
+          </a:p>
+        </p:txBody>
+      </p:sp>
+    </p:spTree>
+    <p:extLst>
+      <p:ext uri="{BB962C8B-B14F-4D97-AF65-F5344CB8AC3E}">
+        <p14:creationId xmlns:p14="http://schemas.microsoft.com/office/powerpoint/2010/main" val="2672803544"/>
+      </p:ext>
+    </p:extLst>
+  </p:cSld>
+  <p:clrMapOvr>
+    <a:masterClrMapping/>
+  </p:clrMapOvr>
+  <p:timing>
+    <p:tnLst>
+      <p:par>
+        <p:cTn id="1" dur="indefinite" restart="never" nodeType="tmRoot"/>
+      </p:par>
+    </p:tnLst>
+  </p:timing>
+</p:sld>
+</file>
+
+<file path=ppt/slides/slide20.xml><?xml version="1.0" encoding="utf-8"?>
 <p:sld xmlns:a="http://schemas.openxmlformats.org/drawingml/2006/main" xmlns:r="http://schemas.openxmlformats.org/officeDocument/2006/relationships" xmlns:p="http://schemas.openxmlformats.org/presentationml/2006/main">
   <p:cSld>
     <p:spTree>
@@ -19011,7 +17160,7 @@
             <a:fld id="{E58024C2-D31D-4875-8231-7C9AE6162281}" type="slidenum">
               <a:rPr lang="ru-RU" smtClean="0"/>
               <a:pPr/>
-              <a:t>25</a:t>
+              <a:t>20</a:t>
             </a:fld>
             <a:endParaRPr lang="ru-RU" dirty="0"/>
           </a:p>
@@ -19037,7 +17186,7 @@
 </p:sld>
 </file>
 
-<file path=ppt/slides/slide26.xml><?xml version="1.0" encoding="utf-8"?>
+<file path=ppt/slides/slide21.xml><?xml version="1.0" encoding="utf-8"?>
 <p:sld xmlns:a="http://schemas.openxmlformats.org/drawingml/2006/main" xmlns:r="http://schemas.openxmlformats.org/officeDocument/2006/relationships" xmlns:p="http://schemas.openxmlformats.org/presentationml/2006/main">
   <p:cSld>
     <p:spTree>
@@ -19175,7 +17324,7 @@
             <a:fld id="{E58024C2-D31D-4875-8231-7C9AE6162281}" type="slidenum">
               <a:rPr lang="ru-RU" smtClean="0"/>
               <a:pPr/>
-              <a:t>26</a:t>
+              <a:t>21</a:t>
             </a:fld>
             <a:endParaRPr lang="ru-RU" dirty="0"/>
           </a:p>
@@ -19201,7 +17350,7 @@
 </p:sld>
 </file>
 
-<file path=ppt/slides/slide27.xml><?xml version="1.0" encoding="utf-8"?>
+<file path=ppt/slides/slide22.xml><?xml version="1.0" encoding="utf-8"?>
 <p:sld xmlns:a="http://schemas.openxmlformats.org/drawingml/2006/main" xmlns:r="http://schemas.openxmlformats.org/officeDocument/2006/relationships" xmlns:p="http://schemas.openxmlformats.org/presentationml/2006/main">
   <p:cSld>
     <p:spTree>
@@ -19422,7 +17571,7 @@
             <a:fld id="{E58024C2-D31D-4875-8231-7C9AE6162281}" type="slidenum">
               <a:rPr lang="ru-RU" smtClean="0"/>
               <a:pPr/>
-              <a:t>27</a:t>
+              <a:t>22</a:t>
             </a:fld>
             <a:endParaRPr lang="ru-RU" dirty="0" smtClean="0"/>
           </a:p>
@@ -19448,809 +17597,7 @@
 </p:sld>
 </file>
 
-<file path=ppt/slides/slide3.xml><?xml version="1.0" encoding="utf-8"?>
-<p:sld xmlns:a="http://schemas.openxmlformats.org/drawingml/2006/main" xmlns:r="http://schemas.openxmlformats.org/officeDocument/2006/relationships" xmlns:p="http://schemas.openxmlformats.org/presentationml/2006/main">
-  <p:cSld>
-    <p:spTree>
-      <p:nvGrpSpPr>
-        <p:cNvPr id="1" name=""/>
-        <p:cNvGrpSpPr/>
-        <p:nvPr/>
-      </p:nvGrpSpPr>
-      <p:grpSpPr>
-        <a:xfrm>
-          <a:off x="0" y="0"/>
-          <a:ext cx="0" cy="0"/>
-          <a:chOff x="0" y="0"/>
-          <a:chExt cx="0" cy="0"/>
-        </a:xfrm>
-      </p:grpSpPr>
-      <p:sp>
-        <p:nvSpPr>
-          <p:cNvPr id="2" name="Заголовок 1"/>
-          <p:cNvSpPr>
-            <a:spLocks noGrp="1"/>
-          </p:cNvSpPr>
-          <p:nvPr>
-            <p:ph type="title"/>
-          </p:nvPr>
-        </p:nvSpPr>
-        <p:spPr>
-          <a:xfrm>
-            <a:off x="838200" y="365126"/>
-            <a:ext cx="10515600" cy="653778"/>
-          </a:xfrm>
-        </p:spPr>
-        <p:txBody>
-          <a:bodyPr>
-            <a:normAutofit/>
-          </a:bodyPr>
-          <a:lstStyle/>
-          <a:p>
-            <a:r>
-              <a:rPr lang="ru-RU" sz="4000" dirty="0" smtClean="0"/>
-              <a:t>Актуальность и научный интерес работы</a:t>
-            </a:r>
-            <a:endParaRPr lang="ru-RU" sz="4000" dirty="0"/>
-          </a:p>
-        </p:txBody>
-      </p:sp>
-      <p:sp>
-        <p:nvSpPr>
-          <p:cNvPr id="3" name="Объект 2"/>
-          <p:cNvSpPr>
-            <a:spLocks noGrp="1"/>
-          </p:cNvSpPr>
-          <p:nvPr>
-            <p:ph idx="1"/>
-          </p:nvPr>
-        </p:nvSpPr>
-        <p:spPr>
-          <a:xfrm>
-            <a:off x="838200" y="1018904"/>
-            <a:ext cx="10515600" cy="5158059"/>
-          </a:xfrm>
-        </p:spPr>
-        <p:txBody>
-          <a:bodyPr>
-            <a:normAutofit/>
-          </a:bodyPr>
-          <a:lstStyle/>
-          <a:p>
-            <a:pPr>
-              <a:buFont typeface="Arial" panose="020B0604020202020204" pitchFamily="34" charset="0"/>
-              <a:buChar char="•"/>
-            </a:pPr>
-            <a:r>
-              <a:rPr lang="ru-RU" sz="3200" dirty="0" smtClean="0"/>
-              <a:t>Есть </a:t>
-            </a:r>
-            <a:r>
-              <a:rPr lang="ru-RU" sz="3200" dirty="0" smtClean="0"/>
-              <a:t>потребность в сравнении методов и алгоритмов принятия решений для обоснования их выбора </a:t>
-            </a:r>
-            <a:r>
-              <a:rPr lang="ru-RU" sz="3200" dirty="0" smtClean="0"/>
-              <a:t>при реализации новых интеллектуальных систем</a:t>
-            </a:r>
-            <a:endParaRPr lang="ru-RU" sz="3200" dirty="0" smtClean="0"/>
-          </a:p>
-          <a:p>
-            <a:pPr>
-              <a:buFont typeface="Arial" panose="020B0604020202020204" pitchFamily="34" charset="0"/>
-              <a:buChar char="•"/>
-            </a:pPr>
-            <a:r>
-              <a:rPr lang="ru-RU" sz="3200" dirty="0" smtClean="0"/>
-              <a:t>Сравнивать методы необходимо на примере конкретной задачи</a:t>
-            </a:r>
-          </a:p>
-          <a:p>
-            <a:pPr>
-              <a:buFont typeface="Arial" panose="020B0604020202020204" pitchFamily="34" charset="0"/>
-              <a:buChar char="•"/>
-            </a:pPr>
-            <a:r>
-              <a:rPr lang="ru-RU" sz="3200" dirty="0" smtClean="0"/>
-              <a:t>Задача, рассматриваемая в данной работе: выбор архитектуры для ботов в компьютерной игре</a:t>
-            </a:r>
-          </a:p>
-          <a:p>
-            <a:pPr>
-              <a:buFont typeface="Arial" panose="020B0604020202020204" pitchFamily="34" charset="0"/>
-              <a:buChar char="•"/>
-            </a:pPr>
-            <a:r>
-              <a:rPr lang="ru-RU" sz="3200" dirty="0" smtClean="0"/>
-              <a:t>Индустрия видеоигр – наукоемкая область, быстро развивающаяся как </a:t>
-            </a:r>
-            <a:r>
-              <a:rPr lang="ru-RU" sz="3200" dirty="0"/>
-              <a:t>в коммерческом </a:t>
-            </a:r>
-            <a:r>
-              <a:rPr lang="ru-RU" sz="3200" dirty="0" smtClean="0"/>
-              <a:t>плане, так и в плане технологий</a:t>
-            </a:r>
-            <a:endParaRPr lang="ru-RU" sz="3200" dirty="0"/>
-          </a:p>
-        </p:txBody>
-      </p:sp>
-      <p:sp>
-        <p:nvSpPr>
-          <p:cNvPr id="5" name="Нижний колонтитул 4"/>
-          <p:cNvSpPr>
-            <a:spLocks noGrp="1"/>
-          </p:cNvSpPr>
-          <p:nvPr>
-            <p:ph type="ftr" sz="quarter" idx="11"/>
-          </p:nvPr>
-        </p:nvSpPr>
-        <p:spPr/>
-        <p:txBody>
-          <a:bodyPr/>
-          <a:lstStyle/>
-          <a:p>
-            <a:r>
-              <a:rPr lang="ru-RU" smtClean="0"/>
-              <a:t>Приходько Е.В. Исследование методов моделирования принятия решений на примере ботов в компьютерной игре</a:t>
-            </a:r>
-            <a:endParaRPr lang="ru-RU"/>
-          </a:p>
-        </p:txBody>
-      </p:sp>
-      <p:sp>
-        <p:nvSpPr>
-          <p:cNvPr id="6" name="Номер слайда 5"/>
-          <p:cNvSpPr>
-            <a:spLocks noGrp="1"/>
-          </p:cNvSpPr>
-          <p:nvPr>
-            <p:ph type="sldNum" sz="quarter" idx="12"/>
-          </p:nvPr>
-        </p:nvSpPr>
-        <p:spPr/>
-        <p:txBody>
-          <a:bodyPr/>
-          <a:lstStyle/>
-          <a:p>
-            <a:fld id="{E58024C2-D31D-4875-8231-7C9AE6162281}" type="slidenum">
-              <a:rPr lang="ru-RU" smtClean="0"/>
-              <a:pPr/>
-              <a:t>3</a:t>
-            </a:fld>
-            <a:endParaRPr lang="ru-RU" dirty="0" smtClean="0"/>
-          </a:p>
-        </p:txBody>
-      </p:sp>
-    </p:spTree>
-    <p:extLst>
-      <p:ext uri="{BB962C8B-B14F-4D97-AF65-F5344CB8AC3E}">
-        <p14:creationId xmlns:p14="http://schemas.microsoft.com/office/powerpoint/2010/main" val="1062487083"/>
-      </p:ext>
-    </p:extLst>
-  </p:cSld>
-  <p:clrMapOvr>
-    <a:masterClrMapping/>
-  </p:clrMapOvr>
-  <p:timing>
-    <p:tnLst>
-      <p:par>
-        <p:cTn id="1" dur="indefinite" restart="never" nodeType="tmRoot"/>
-      </p:par>
-    </p:tnLst>
-  </p:timing>
-</p:sld>
-</file>
-
-<file path=ppt/slides/slide4.xml><?xml version="1.0" encoding="utf-8"?>
-<p:sld xmlns:a="http://schemas.openxmlformats.org/drawingml/2006/main" xmlns:r="http://schemas.openxmlformats.org/officeDocument/2006/relationships" xmlns:p="http://schemas.openxmlformats.org/presentationml/2006/main">
-  <p:cSld>
-    <p:spTree>
-      <p:nvGrpSpPr>
-        <p:cNvPr id="1" name=""/>
-        <p:cNvGrpSpPr/>
-        <p:nvPr/>
-      </p:nvGrpSpPr>
-      <p:grpSpPr>
-        <a:xfrm>
-          <a:off x="0" y="0"/>
-          <a:ext cx="0" cy="0"/>
-          <a:chOff x="0" y="0"/>
-          <a:chExt cx="0" cy="0"/>
-        </a:xfrm>
-      </p:grpSpPr>
-      <p:sp>
-        <p:nvSpPr>
-          <p:cNvPr id="2" name="Заголовок 1"/>
-          <p:cNvSpPr>
-            <a:spLocks noGrp="1"/>
-          </p:cNvSpPr>
-          <p:nvPr>
-            <p:ph type="title"/>
-          </p:nvPr>
-        </p:nvSpPr>
-        <p:spPr>
-          <a:xfrm>
-            <a:off x="838200" y="365126"/>
-            <a:ext cx="10515600" cy="662486"/>
-          </a:xfrm>
-        </p:spPr>
-        <p:txBody>
-          <a:bodyPr>
-            <a:normAutofit fontScale="90000"/>
-          </a:bodyPr>
-          <a:lstStyle/>
-          <a:p>
-            <a:r>
-              <a:rPr lang="ru-RU" dirty="0" smtClean="0"/>
-              <a:t>Цель и задачи</a:t>
-            </a:r>
-            <a:endParaRPr lang="ru-RU" dirty="0"/>
-          </a:p>
-        </p:txBody>
-      </p:sp>
-      <p:sp>
-        <p:nvSpPr>
-          <p:cNvPr id="3" name="Объект 2"/>
-          <p:cNvSpPr>
-            <a:spLocks noGrp="1"/>
-          </p:cNvSpPr>
-          <p:nvPr>
-            <p:ph idx="1"/>
-          </p:nvPr>
-        </p:nvSpPr>
-        <p:spPr>
-          <a:xfrm>
-            <a:off x="838200" y="1027612"/>
-            <a:ext cx="10515600" cy="5149351"/>
-          </a:xfrm>
-        </p:spPr>
-        <p:txBody>
-          <a:bodyPr>
-            <a:normAutofit/>
-          </a:bodyPr>
-          <a:lstStyle/>
-          <a:p>
-            <a:pPr marL="0" indent="0">
-              <a:lnSpc>
-                <a:spcPct val="150000"/>
-              </a:lnSpc>
-              <a:buNone/>
-            </a:pPr>
-            <a:r>
-              <a:rPr lang="ru-RU" dirty="0" smtClean="0"/>
-              <a:t>Цель работы: </a:t>
-            </a:r>
-            <a:r>
-              <a:rPr lang="ru-RU" dirty="0"/>
-              <a:t>исследование методов моделирования принятия решений на примере ботов в компьютерной </a:t>
-            </a:r>
-            <a:r>
-              <a:rPr lang="ru-RU" dirty="0" smtClean="0"/>
-              <a:t>игре.</a:t>
-            </a:r>
-            <a:endParaRPr lang="ru-RU" dirty="0"/>
-          </a:p>
-          <a:p>
-            <a:pPr marL="0" indent="0">
-              <a:buNone/>
-            </a:pPr>
-            <a:r>
-              <a:rPr lang="ru-RU" dirty="0" smtClean="0"/>
-              <a:t>Задачи:</a:t>
-            </a:r>
-          </a:p>
-          <a:p>
-            <a:pPr marL="635508" lvl="1" indent="-342900" algn="just">
-              <a:lnSpc>
-                <a:spcPct val="150000"/>
-              </a:lnSpc>
-              <a:spcAft>
-                <a:spcPts val="0"/>
-              </a:spcAft>
-              <a:buFont typeface="Symbol" panose="05050102010706020507" pitchFamily="18" charset="2"/>
-              <a:buChar char=""/>
-            </a:pPr>
-            <a:r>
-              <a:rPr lang="ru-RU" dirty="0" smtClean="0">
-                <a:ea typeface="Calibri" panose="020F0502020204030204" pitchFamily="34" charset="0"/>
-                <a:cs typeface="Times New Roman" panose="02020603050405020304" pitchFamily="18" charset="0"/>
-              </a:rPr>
-              <a:t>рассмотреть </a:t>
-            </a:r>
-            <a:r>
-              <a:rPr lang="ru-RU" dirty="0">
-                <a:ea typeface="Calibri" panose="020F0502020204030204" pitchFamily="34" charset="0"/>
-                <a:cs typeface="Times New Roman" panose="02020603050405020304" pitchFamily="18" charset="0"/>
-              </a:rPr>
-              <a:t>существующие методы и алгоритмы принятия решений</a:t>
-            </a:r>
-            <a:r>
-              <a:rPr lang="ru-RU" dirty="0" smtClean="0">
-                <a:ea typeface="Calibri" panose="020F0502020204030204" pitchFamily="34" charset="0"/>
-                <a:cs typeface="Times New Roman" panose="02020603050405020304" pitchFamily="18" charset="0"/>
-              </a:rPr>
-              <a:t>; </a:t>
-            </a:r>
-          </a:p>
-          <a:p>
-            <a:pPr marL="635508" lvl="1" indent="-342900" algn="just">
-              <a:lnSpc>
-                <a:spcPct val="150000"/>
-              </a:lnSpc>
-              <a:spcAft>
-                <a:spcPts val="0"/>
-              </a:spcAft>
-              <a:buFont typeface="Symbol" panose="05050102010706020507" pitchFamily="18" charset="2"/>
-              <a:buChar char=""/>
-            </a:pPr>
-            <a:r>
-              <a:rPr lang="ru-RU" dirty="0" smtClean="0">
-                <a:ea typeface="Calibri" panose="020F0502020204030204" pitchFamily="34" charset="0"/>
-                <a:cs typeface="Times New Roman" panose="02020603050405020304" pitchFamily="18" charset="0"/>
-              </a:rPr>
-              <a:t>реализовать игровых ботов, использующих рассмотренные </a:t>
-            </a:r>
-            <a:r>
-              <a:rPr lang="ru-RU" dirty="0">
-                <a:ea typeface="Calibri" panose="020F0502020204030204" pitchFamily="34" charset="0"/>
-                <a:cs typeface="Times New Roman" panose="02020603050405020304" pitchFamily="18" charset="0"/>
-              </a:rPr>
-              <a:t>алгоритмы</a:t>
-            </a:r>
-            <a:r>
-              <a:rPr lang="ru-RU" dirty="0" smtClean="0">
-                <a:ea typeface="Calibri" panose="020F0502020204030204" pitchFamily="34" charset="0"/>
-                <a:cs typeface="Times New Roman" panose="02020603050405020304" pitchFamily="18" charset="0"/>
-              </a:rPr>
-              <a:t>;</a:t>
-            </a:r>
-          </a:p>
-          <a:p>
-            <a:pPr marL="635508" lvl="1" indent="-342900" algn="just">
-              <a:lnSpc>
-                <a:spcPct val="150000"/>
-              </a:lnSpc>
-              <a:spcAft>
-                <a:spcPts val="0"/>
-              </a:spcAft>
-              <a:buFont typeface="Symbol" panose="05050102010706020507" pitchFamily="18" charset="2"/>
-              <a:buChar char=""/>
-            </a:pPr>
-            <a:r>
-              <a:rPr lang="ru-RU" dirty="0" smtClean="0">
-                <a:ea typeface="Calibri" panose="020F0502020204030204" pitchFamily="34" charset="0"/>
-                <a:cs typeface="Times New Roman" panose="02020603050405020304" pitchFamily="18" charset="0"/>
-              </a:rPr>
-              <a:t>сравнить полученные реализации по различным критериям;</a:t>
-            </a:r>
-            <a:endParaRPr lang="ru-RU" dirty="0">
-              <a:ea typeface="Calibri" panose="020F0502020204030204" pitchFamily="34" charset="0"/>
-              <a:cs typeface="Times New Roman" panose="02020603050405020304" pitchFamily="18" charset="0"/>
-            </a:endParaRPr>
-          </a:p>
-          <a:p>
-            <a:pPr marL="635508" lvl="1" indent="-342900" algn="just">
-              <a:lnSpc>
-                <a:spcPct val="150000"/>
-              </a:lnSpc>
-              <a:spcAft>
-                <a:spcPts val="0"/>
-              </a:spcAft>
-              <a:buFont typeface="Symbol" panose="05050102010706020507" pitchFamily="18" charset="2"/>
-              <a:buChar char=""/>
-            </a:pPr>
-            <a:r>
-              <a:rPr lang="ru-RU" dirty="0" smtClean="0">
-                <a:ea typeface="Calibri" panose="020F0502020204030204" pitchFamily="34" charset="0"/>
-                <a:cs typeface="Times New Roman" panose="02020603050405020304" pitchFamily="18" charset="0"/>
-              </a:rPr>
-              <a:t>сделать </a:t>
-            </a:r>
-            <a:r>
-              <a:rPr lang="ru-RU" dirty="0">
-                <a:ea typeface="Calibri" panose="020F0502020204030204" pitchFamily="34" charset="0"/>
-                <a:cs typeface="Times New Roman" panose="02020603050405020304" pitchFamily="18" charset="0"/>
-              </a:rPr>
-              <a:t>выводы об эффективности различных методов и алгоритмов для моделирования процесса принятия решений.</a:t>
-            </a:r>
-          </a:p>
-          <a:p>
-            <a:pPr lvl="1">
-              <a:buFont typeface="Arial" panose="020B0604020202020204" pitchFamily="34" charset="0"/>
-              <a:buChar char="•"/>
-            </a:pPr>
-            <a:endParaRPr lang="ru-RU" dirty="0"/>
-          </a:p>
-        </p:txBody>
-      </p:sp>
-      <p:sp>
-        <p:nvSpPr>
-          <p:cNvPr id="5" name="Нижний колонтитул 4"/>
-          <p:cNvSpPr>
-            <a:spLocks noGrp="1"/>
-          </p:cNvSpPr>
-          <p:nvPr>
-            <p:ph type="ftr" sz="quarter" idx="11"/>
-          </p:nvPr>
-        </p:nvSpPr>
-        <p:spPr/>
-        <p:txBody>
-          <a:bodyPr/>
-          <a:lstStyle/>
-          <a:p>
-            <a:r>
-              <a:rPr lang="ru-RU" smtClean="0"/>
-              <a:t>Приходько Е.В. Исследование методов моделирования принятия решений на примере ботов в компьютерной игре</a:t>
-            </a:r>
-            <a:endParaRPr lang="ru-RU"/>
-          </a:p>
-        </p:txBody>
-      </p:sp>
-      <p:sp>
-        <p:nvSpPr>
-          <p:cNvPr id="6" name="Номер слайда 5"/>
-          <p:cNvSpPr>
-            <a:spLocks noGrp="1"/>
-          </p:cNvSpPr>
-          <p:nvPr>
-            <p:ph type="sldNum" sz="quarter" idx="12"/>
-          </p:nvPr>
-        </p:nvSpPr>
-        <p:spPr/>
-        <p:txBody>
-          <a:bodyPr/>
-          <a:lstStyle/>
-          <a:p>
-            <a:fld id="{E58024C2-D31D-4875-8231-7C9AE6162281}" type="slidenum">
-              <a:rPr lang="ru-RU" smtClean="0"/>
-              <a:pPr/>
-              <a:t>4</a:t>
-            </a:fld>
-            <a:endParaRPr lang="ru-RU" dirty="0" smtClean="0"/>
-          </a:p>
-        </p:txBody>
-      </p:sp>
-    </p:spTree>
-    <p:extLst>
-      <p:ext uri="{BB962C8B-B14F-4D97-AF65-F5344CB8AC3E}">
-        <p14:creationId xmlns:p14="http://schemas.microsoft.com/office/powerpoint/2010/main" val="439179313"/>
-      </p:ext>
-    </p:extLst>
-  </p:cSld>
-  <p:clrMapOvr>
-    <a:masterClrMapping/>
-  </p:clrMapOvr>
-  <p:timing>
-    <p:tnLst>
-      <p:par>
-        <p:cTn id="1" dur="indefinite" restart="never" nodeType="tmRoot"/>
-      </p:par>
-    </p:tnLst>
-  </p:timing>
-</p:sld>
-</file>
-
-<file path=ppt/slides/slide5.xml><?xml version="1.0" encoding="utf-8"?>
-<p:sld xmlns:a="http://schemas.openxmlformats.org/drawingml/2006/main" xmlns:r="http://schemas.openxmlformats.org/officeDocument/2006/relationships" xmlns:p="http://schemas.openxmlformats.org/presentationml/2006/main">
-  <p:cSld>
-    <p:spTree>
-      <p:nvGrpSpPr>
-        <p:cNvPr id="1" name=""/>
-        <p:cNvGrpSpPr/>
-        <p:nvPr/>
-      </p:nvGrpSpPr>
-      <p:grpSpPr>
-        <a:xfrm>
-          <a:off x="0" y="0"/>
-          <a:ext cx="0" cy="0"/>
-          <a:chOff x="0" y="0"/>
-          <a:chExt cx="0" cy="0"/>
-        </a:xfrm>
-      </p:grpSpPr>
-      <p:sp>
-        <p:nvSpPr>
-          <p:cNvPr id="2" name="Заголовок 1"/>
-          <p:cNvSpPr>
-            <a:spLocks noGrp="1"/>
-          </p:cNvSpPr>
-          <p:nvPr>
-            <p:ph type="title"/>
-          </p:nvPr>
-        </p:nvSpPr>
-        <p:spPr>
-          <a:xfrm>
-            <a:off x="838200" y="200297"/>
-            <a:ext cx="10515600" cy="1299063"/>
-          </a:xfrm>
-        </p:spPr>
-        <p:txBody>
-          <a:bodyPr>
-            <a:normAutofit/>
-          </a:bodyPr>
-          <a:lstStyle/>
-          <a:p>
-            <a:r>
-              <a:rPr lang="ru-RU" sz="4000" dirty="0" smtClean="0"/>
-              <a:t>Платформа для исследования методов и алгоритмов принятия решений</a:t>
-            </a:r>
-            <a:endParaRPr lang="ru-RU" sz="4000" dirty="0"/>
-          </a:p>
-        </p:txBody>
-      </p:sp>
-      <p:sp>
-        <p:nvSpPr>
-          <p:cNvPr id="3" name="Объект 2"/>
-          <p:cNvSpPr>
-            <a:spLocks noGrp="1"/>
-          </p:cNvSpPr>
-          <p:nvPr>
-            <p:ph sz="half" idx="1"/>
-          </p:nvPr>
-        </p:nvSpPr>
-        <p:spPr>
-          <a:xfrm>
-            <a:off x="339633" y="1825625"/>
-            <a:ext cx="6505303" cy="4351338"/>
-          </a:xfrm>
-        </p:spPr>
-        <p:txBody>
-          <a:bodyPr>
-            <a:normAutofit fontScale="92500" lnSpcReduction="20000"/>
-          </a:bodyPr>
-          <a:lstStyle/>
-          <a:p>
-            <a:pPr>
-              <a:buFont typeface="Arial" panose="020B0604020202020204" pitchFamily="34" charset="0"/>
-              <a:buChar char="•"/>
-            </a:pPr>
-            <a:r>
-              <a:rPr lang="ru-RU" dirty="0" smtClean="0"/>
-              <a:t>Компьютерная игра</a:t>
-            </a:r>
-            <a:endParaRPr lang="en-US" dirty="0" smtClean="0"/>
-          </a:p>
-          <a:p>
-            <a:pPr>
-              <a:buFont typeface="Arial" panose="020B0604020202020204" pitchFamily="34" charset="0"/>
-              <a:buChar char="•"/>
-            </a:pPr>
-            <a:r>
-              <a:rPr lang="ru-RU" dirty="0" smtClean="0"/>
-              <a:t>Реализация: игровой движок </a:t>
-            </a:r>
-            <a:r>
-              <a:rPr lang="en-US" dirty="0" smtClean="0"/>
-              <a:t>Unity </a:t>
-            </a:r>
-            <a:r>
-              <a:rPr lang="ru-RU" dirty="0" smtClean="0"/>
-              <a:t>(</a:t>
-            </a:r>
-            <a:r>
-              <a:rPr lang="en-US" dirty="0" smtClean="0"/>
-              <a:t>C#</a:t>
-            </a:r>
-            <a:r>
-              <a:rPr lang="ru-RU" dirty="0" smtClean="0"/>
-              <a:t>)</a:t>
-            </a:r>
-          </a:p>
-          <a:p>
-            <a:pPr>
-              <a:buFont typeface="Arial" panose="020B0604020202020204" pitchFamily="34" charset="0"/>
-              <a:buChar char="•"/>
-            </a:pPr>
-            <a:r>
-              <a:rPr lang="ru-RU" dirty="0" smtClean="0"/>
-              <a:t>Жанр: </a:t>
-            </a:r>
-            <a:r>
-              <a:rPr lang="en-US" dirty="0" err="1" smtClean="0"/>
-              <a:t>Topdown</a:t>
-            </a:r>
-            <a:r>
-              <a:rPr lang="en-US" dirty="0" smtClean="0"/>
-              <a:t> shooter</a:t>
-            </a:r>
-            <a:endParaRPr lang="ru-RU" dirty="0" smtClean="0"/>
-          </a:p>
-          <a:p>
-            <a:pPr>
-              <a:buFont typeface="Arial" panose="020B0604020202020204" pitchFamily="34" charset="0"/>
-              <a:buChar char="•"/>
-            </a:pPr>
-            <a:r>
-              <a:rPr lang="ru-RU" dirty="0" smtClean="0"/>
-              <a:t>Правила</a:t>
-            </a:r>
-            <a:r>
-              <a:rPr lang="ru-RU" dirty="0" smtClean="0"/>
-              <a:t>:</a:t>
-            </a:r>
-          </a:p>
-          <a:p>
-            <a:pPr lvl="1">
-              <a:buFont typeface="Arial" panose="020B0604020202020204" pitchFamily="34" charset="0"/>
-              <a:buChar char="•"/>
-            </a:pPr>
-            <a:r>
-              <a:rPr lang="ru-RU" dirty="0" smtClean="0"/>
-              <a:t>У каждого агента 100 очков здоровья. Выстрелы уменьшают очки здоровья на 10. Если очков здоровья </a:t>
-            </a:r>
-            <a:r>
-              <a:rPr lang="en-US" dirty="0" smtClean="0"/>
-              <a:t>&lt;= 0</a:t>
-            </a:r>
-            <a:r>
-              <a:rPr lang="ru-RU" dirty="0" smtClean="0"/>
-              <a:t>, агент считается проигравшим</a:t>
-            </a:r>
-          </a:p>
-          <a:p>
-            <a:pPr lvl="1">
-              <a:buFont typeface="Arial" panose="020B0604020202020204" pitchFamily="34" charset="0"/>
-              <a:buChar char="•"/>
-            </a:pPr>
-            <a:r>
-              <a:rPr lang="ru-RU" dirty="0" smtClean="0"/>
-              <a:t>За стенами не видно противника</a:t>
-            </a:r>
-          </a:p>
-          <a:p>
-            <a:pPr lvl="1">
-              <a:buFont typeface="Arial" panose="020B0604020202020204" pitchFamily="34" charset="0"/>
-              <a:buChar char="•"/>
-            </a:pPr>
-            <a:r>
-              <a:rPr lang="ru-RU" dirty="0" smtClean="0"/>
-              <a:t>Укрытия блокируют половину выстрелов, если стрелок не стоит близко к нему</a:t>
-            </a:r>
-          </a:p>
-          <a:p>
-            <a:pPr lvl="1">
-              <a:buFont typeface="Arial" panose="020B0604020202020204" pitchFamily="34" charset="0"/>
-              <a:buChar char="•"/>
-            </a:pPr>
-            <a:r>
-              <a:rPr lang="ru-RU" dirty="0" smtClean="0"/>
-              <a:t>В углах расположены аптечки, восстанавливающие очки здоровья</a:t>
-            </a:r>
-            <a:endParaRPr lang="ru-RU" dirty="0"/>
-          </a:p>
-        </p:txBody>
-      </p:sp>
-      <p:pic>
-        <p:nvPicPr>
-          <p:cNvPr id="6" name="Объект 5"/>
-          <p:cNvPicPr>
-            <a:picLocks noGrp="1"/>
-          </p:cNvPicPr>
-          <p:nvPr>
-            <p:ph sz="half" idx="2"/>
-          </p:nvPr>
-        </p:nvPicPr>
-        <p:blipFill>
-          <a:blip r:embed="rId3">
-            <a:extLst>
-              <a:ext uri="{28A0092B-C50C-407E-A947-70E740481C1C}">
-                <a14:useLocalDpi xmlns:a14="http://schemas.microsoft.com/office/drawing/2010/main" val="0"/>
-              </a:ext>
-            </a:extLst>
-          </a:blip>
-          <a:stretch>
-            <a:fillRect/>
-          </a:stretch>
-        </p:blipFill>
-        <p:spPr>
-          <a:xfrm>
-            <a:off x="7008224" y="1499360"/>
-            <a:ext cx="4223656" cy="4204460"/>
-          </a:xfrm>
-          <a:prstGeom prst="rect">
-            <a:avLst/>
-          </a:prstGeom>
-        </p:spPr>
-      </p:pic>
-      <p:sp>
-        <p:nvSpPr>
-          <p:cNvPr id="4" name="Нижний колонтитул 3"/>
-          <p:cNvSpPr>
-            <a:spLocks noGrp="1"/>
-          </p:cNvSpPr>
-          <p:nvPr>
-            <p:ph type="ftr" sz="quarter" idx="11"/>
-          </p:nvPr>
-        </p:nvSpPr>
-        <p:spPr/>
-        <p:txBody>
-          <a:bodyPr/>
-          <a:lstStyle/>
-          <a:p>
-            <a:r>
-              <a:rPr lang="ru-RU" smtClean="0"/>
-              <a:t>Приходько Е.В. Исследование методов моделирования принятия решений на примере ботов в компьютерной игре</a:t>
-            </a:r>
-            <a:endParaRPr lang="ru-RU"/>
-          </a:p>
-        </p:txBody>
-      </p:sp>
-      <p:sp>
-        <p:nvSpPr>
-          <p:cNvPr id="7" name="Номер слайда 6"/>
-          <p:cNvSpPr>
-            <a:spLocks noGrp="1"/>
-          </p:cNvSpPr>
-          <p:nvPr>
-            <p:ph type="sldNum" sz="quarter" idx="12"/>
-          </p:nvPr>
-        </p:nvSpPr>
-        <p:spPr/>
-        <p:txBody>
-          <a:bodyPr/>
-          <a:lstStyle/>
-          <a:p>
-            <a:fld id="{E58024C2-D31D-4875-8231-7C9AE6162281}" type="slidenum">
-              <a:rPr lang="ru-RU" smtClean="0"/>
-              <a:pPr/>
-              <a:t>5</a:t>
-            </a:fld>
-            <a:endParaRPr lang="ru-RU" dirty="0"/>
-          </a:p>
-        </p:txBody>
-      </p:sp>
-      <p:sp>
-        <p:nvSpPr>
-          <p:cNvPr id="8" name="TextBox 7"/>
-          <p:cNvSpPr txBox="1"/>
-          <p:nvPr/>
-        </p:nvSpPr>
-        <p:spPr>
-          <a:xfrm>
-            <a:off x="8069924" y="5845419"/>
-            <a:ext cx="2100255" cy="369332"/>
-          </a:xfrm>
-          <a:prstGeom prst="rect">
-            <a:avLst/>
-          </a:prstGeom>
-          <a:noFill/>
-        </p:spPr>
-        <p:txBody>
-          <a:bodyPr wrap="none" rtlCol="0">
-            <a:spAutoFit/>
-          </a:bodyPr>
-          <a:lstStyle/>
-          <a:p>
-            <a:r>
-              <a:rPr lang="ru-RU" dirty="0" smtClean="0"/>
-              <a:t>Вид игровой арены</a:t>
-            </a:r>
-            <a:endParaRPr lang="ru-RU" dirty="0"/>
-          </a:p>
-        </p:txBody>
-      </p:sp>
-    </p:spTree>
-    <p:extLst>
-      <p:ext uri="{BB962C8B-B14F-4D97-AF65-F5344CB8AC3E}">
-        <p14:creationId xmlns:p14="http://schemas.microsoft.com/office/powerpoint/2010/main" val="230434280"/>
-      </p:ext>
-    </p:extLst>
-  </p:cSld>
-  <p:clrMapOvr>
-    <a:masterClrMapping/>
-  </p:clrMapOvr>
-  <p:timing>
-    <p:tnLst>
-      <p:par>
-        <p:cTn id="1" dur="indefinite" restart="never" nodeType="tmRoot"/>
-      </p:par>
-    </p:tnLst>
-  </p:timing>
-</p:sld>
-</file>
-
-<file path=ppt/slides/slide6.xml><?xml version="1.0" encoding="utf-8"?>
+<file path=ppt/slides/slide23.xml><?xml version="1.0" encoding="utf-8"?>
 <p:sld xmlns:a="http://schemas.openxmlformats.org/drawingml/2006/main" xmlns:r="http://schemas.openxmlformats.org/officeDocument/2006/relationships" xmlns:p="http://schemas.openxmlformats.org/presentationml/2006/main">
   <p:cSld>
     <p:spTree>
@@ -20369,7 +17716,7 @@
             <a:fld id="{E58024C2-D31D-4875-8231-7C9AE6162281}" type="slidenum">
               <a:rPr lang="ru-RU" smtClean="0"/>
               <a:pPr/>
-              <a:t>6</a:t>
+              <a:t>23</a:t>
             </a:fld>
             <a:endParaRPr lang="ru-RU" dirty="0"/>
           </a:p>
@@ -20382,11 +17729,7 @@
             <a:graphicFrameLocks noChangeAspect="1"/>
           </p:cNvGraphicFramePr>
           <p:nvPr>
-            <p:extLst>
-              <p:ext uri="{D42A27DB-BD31-4B8C-83A1-F6EECF244321}">
-                <p14:modId xmlns:p14="http://schemas.microsoft.com/office/powerpoint/2010/main" val="80113580"/>
-              </p:ext>
-            </p:extLst>
+            <p:extLst/>
           </p:nvPr>
         </p:nvGraphicFramePr>
         <p:xfrm>
@@ -20397,7 +17740,7 @@
           <a:graphicData uri="http://schemas.openxmlformats.org/presentationml/2006/ole">
             <mc:AlternateContent xmlns:mc="http://schemas.openxmlformats.org/markup-compatibility/2006">
               <mc:Choice xmlns:v="urn:schemas-microsoft-com:vml" Requires="v">
-                <p:oleObj spid="_x0000_s6164" name="Visio" r:id="rId4" imgW="3190810" imgH="1952640" progId="Visio.Drawing.15">
+                <p:oleObj spid="_x0000_s7173" name="Visio" r:id="rId4" imgW="3190810" imgH="1952640" progId="Visio.Drawing.15">
                   <p:embed/>
                 </p:oleObj>
               </mc:Choice>
@@ -20673,7 +18016,7 @@
     </p:spTree>
     <p:extLst>
       <p:ext uri="{BB962C8B-B14F-4D97-AF65-F5344CB8AC3E}">
-        <p14:creationId xmlns:p14="http://schemas.microsoft.com/office/powerpoint/2010/main" val="146351640"/>
+        <p14:creationId xmlns:p14="http://schemas.microsoft.com/office/powerpoint/2010/main" val="2607901797"/>
       </p:ext>
     </p:extLst>
   </p:cSld>
@@ -20690,7 +18033,7 @@
 </p:sld>
 </file>
 
-<file path=ppt/slides/slide7.xml><?xml version="1.0" encoding="utf-8"?>
+<file path=ppt/slides/slide24.xml><?xml version="1.0" encoding="utf-8"?>
 <p:sld xmlns:a="http://schemas.openxmlformats.org/drawingml/2006/main" xmlns:r="http://schemas.openxmlformats.org/officeDocument/2006/relationships" xmlns:p="http://schemas.openxmlformats.org/presentationml/2006/main">
   <p:cSld>
     <p:spTree>
@@ -20845,7 +18188,7 @@
             <a:fld id="{E58024C2-D31D-4875-8231-7C9AE6162281}" type="slidenum">
               <a:rPr lang="ru-RU" smtClean="0"/>
               <a:pPr/>
-              <a:t>7</a:t>
+              <a:t>24</a:t>
             </a:fld>
             <a:endParaRPr lang="ru-RU" dirty="0"/>
           </a:p>
@@ -20883,7 +18226,7 @@
     </p:spTree>
     <p:extLst>
       <p:ext uri="{BB962C8B-B14F-4D97-AF65-F5344CB8AC3E}">
-        <p14:creationId xmlns:p14="http://schemas.microsoft.com/office/powerpoint/2010/main" val="4152098690"/>
+        <p14:creationId xmlns:p14="http://schemas.microsoft.com/office/powerpoint/2010/main" val="826559513"/>
       </p:ext>
     </p:extLst>
   </p:cSld>
@@ -20900,7 +18243,1505 @@
 </p:sld>
 </file>
 
-<file path=ppt/slides/slide8.xml><?xml version="1.0" encoding="utf-8"?>
+<file path=ppt/slides/slide25.xml><?xml version="1.0" encoding="utf-8"?>
+<p:sld xmlns:a="http://schemas.openxmlformats.org/drawingml/2006/main" xmlns:r="http://schemas.openxmlformats.org/officeDocument/2006/relationships" xmlns:p="http://schemas.openxmlformats.org/presentationml/2006/main">
+  <p:cSld>
+    <p:spTree>
+      <p:nvGrpSpPr>
+        <p:cNvPr id="1" name=""/>
+        <p:cNvGrpSpPr/>
+        <p:nvPr/>
+      </p:nvGrpSpPr>
+      <p:grpSpPr>
+        <a:xfrm>
+          <a:off x="0" y="0"/>
+          <a:ext cx="0" cy="0"/>
+          <a:chOff x="0" y="0"/>
+          <a:chExt cx="0" cy="0"/>
+        </a:xfrm>
+      </p:grpSpPr>
+      <p:sp>
+        <p:nvSpPr>
+          <p:cNvPr id="2" name="Заголовок 1"/>
+          <p:cNvSpPr>
+            <a:spLocks noGrp="1"/>
+          </p:cNvSpPr>
+          <p:nvPr>
+            <p:ph type="title"/>
+          </p:nvPr>
+        </p:nvSpPr>
+        <p:spPr>
+          <a:xfrm>
+            <a:off x="838200" y="365125"/>
+            <a:ext cx="10515600" cy="1006475"/>
+          </a:xfrm>
+        </p:spPr>
+        <p:txBody>
+          <a:bodyPr/>
+          <a:lstStyle/>
+          <a:p>
+            <a:r>
+              <a:rPr lang="ru-RU" dirty="0" smtClean="0"/>
+              <a:t>Деревья поведения (определение)</a:t>
+            </a:r>
+            <a:endParaRPr lang="ru-RU" dirty="0"/>
+          </a:p>
+        </p:txBody>
+      </p:sp>
+      <p:sp>
+        <p:nvSpPr>
+          <p:cNvPr id="3" name="Объект 2"/>
+          <p:cNvSpPr>
+            <a:spLocks noGrp="1"/>
+          </p:cNvSpPr>
+          <p:nvPr>
+            <p:ph sz="half" idx="1"/>
+          </p:nvPr>
+        </p:nvSpPr>
+        <p:spPr>
+          <a:xfrm>
+            <a:off x="531224" y="1495425"/>
+            <a:ext cx="5052830" cy="4613419"/>
+          </a:xfrm>
+        </p:spPr>
+        <p:txBody>
+          <a:bodyPr>
+            <a:normAutofit fontScale="92500" lnSpcReduction="10000"/>
+          </a:bodyPr>
+          <a:lstStyle/>
+          <a:p>
+            <a:pPr marL="0" indent="0">
+              <a:buNone/>
+            </a:pPr>
+            <a:r>
+              <a:rPr lang="ru-RU" dirty="0" smtClean="0"/>
+              <a:t>Деревья, в которых терминальные узлы определяют действия агента, а внутренние – выбор и организацию последовательностей действий</a:t>
+            </a:r>
+          </a:p>
+          <a:p>
+            <a:pPr marL="0" indent="0">
+              <a:buNone/>
+            </a:pPr>
+            <a:r>
+              <a:rPr lang="ru-RU" dirty="0" smtClean="0"/>
+              <a:t>Основные </a:t>
+            </a:r>
+            <a:r>
+              <a:rPr lang="ru-RU" dirty="0" smtClean="0"/>
+              <a:t>узлы:</a:t>
+            </a:r>
+          </a:p>
+          <a:p>
+            <a:pPr lvl="1">
+              <a:buFont typeface="Arial" panose="020B0604020202020204" pitchFamily="34" charset="0"/>
+              <a:buChar char="•"/>
+            </a:pPr>
+            <a:r>
+              <a:rPr lang="ru-RU" dirty="0" smtClean="0"/>
+              <a:t>Последовательность – все дочерние элементы выполняются по </a:t>
+            </a:r>
+            <a:r>
+              <a:rPr lang="ru-RU" dirty="0" smtClean="0"/>
+              <a:t>очереди</a:t>
+            </a:r>
+          </a:p>
+          <a:p>
+            <a:pPr lvl="1">
+              <a:buFont typeface="Arial" panose="020B0604020202020204" pitchFamily="34" charset="0"/>
+              <a:buChar char="•"/>
+            </a:pPr>
+            <a:r>
+              <a:rPr lang="ru-RU" dirty="0" smtClean="0"/>
+              <a:t>Селектор </a:t>
+            </a:r>
+            <a:r>
+              <a:rPr lang="ru-RU" dirty="0" smtClean="0"/>
+              <a:t>– </a:t>
+            </a:r>
+            <a:r>
+              <a:rPr lang="ru-RU" dirty="0" smtClean="0"/>
+              <a:t>выбирается первый подходящий дочерний элемент</a:t>
+            </a:r>
+            <a:endParaRPr lang="en-US" dirty="0" smtClean="0"/>
+          </a:p>
+          <a:p>
+            <a:pPr lvl="1">
+              <a:buFont typeface="Arial" panose="020B0604020202020204" pitchFamily="34" charset="0"/>
+              <a:buChar char="•"/>
+            </a:pPr>
+            <a:r>
+              <a:rPr lang="ru-RU" dirty="0" smtClean="0"/>
+              <a:t>Декоратор – узел, имеющий один дочерний элемент и влияющий на его поведение</a:t>
+            </a:r>
+            <a:endParaRPr lang="ru-RU" dirty="0"/>
+          </a:p>
+        </p:txBody>
+      </p:sp>
+      <p:sp>
+        <p:nvSpPr>
+          <p:cNvPr id="8" name="Rectangle 4"/>
+          <p:cNvSpPr>
+            <a:spLocks noChangeArrowheads="1"/>
+          </p:cNvSpPr>
+          <p:nvPr/>
+        </p:nvSpPr>
+        <p:spPr bwMode="auto">
+          <a:xfrm>
+            <a:off x="0" y="0"/>
+            <a:ext cx="12192000" cy="0"/>
+          </a:xfrm>
+          <a:prstGeom prst="rect">
+            <a:avLst/>
+          </a:prstGeom>
+          <a:noFill/>
+          <a:ln>
+            <a:noFill/>
+          </a:ln>
+          <a:effectLst/>
+          <a:extLst>
+            <a:ext uri="{909E8E84-426E-40DD-AFC4-6F175D3DCCD1}">
+              <a14:hiddenFill xmlns:a14="http://schemas.microsoft.com/office/drawing/2010/main">
+                <a:solidFill>
+                  <a:schemeClr val="accent1"/>
+                </a:solidFill>
+              </a14:hiddenFill>
+            </a:ext>
+            <a:ext uri="{91240B29-F687-4F45-9708-019B960494DF}">
+              <a14:hiddenLine xmlns:a14="http://schemas.microsoft.com/office/drawing/2010/main" w="9525">
+                <a:solidFill>
+                  <a:schemeClr val="tx1"/>
+                </a:solidFill>
+                <a:miter lim="800000"/>
+                <a:headEnd/>
+                <a:tailEnd/>
+              </a14:hiddenLine>
+            </a:ext>
+            <a:ext uri="{AF507438-7753-43E0-B8FC-AC1667EBCBE1}">
+              <a14:hiddenEffects xmlns:a14="http://schemas.microsoft.com/office/drawing/2010/main">
+                <a:effectLst>
+                  <a:outerShdw dist="35921" dir="2700000" algn="ctr" rotWithShape="0">
+                    <a:schemeClr val="bg2"/>
+                  </a:outerShdw>
+                </a:effectLst>
+              </a14:hiddenEffects>
+            </a:ext>
+          </a:extLst>
+        </p:spPr>
+        <p:txBody>
+          <a:bodyPr vert="horz" wrap="none" lIns="91440" tIns="45720" rIns="91440" bIns="45720" numCol="1" anchor="ctr" anchorCtr="0" compatLnSpc="1">
+            <a:prstTxWarp prst="textNoShape">
+              <a:avLst/>
+            </a:prstTxWarp>
+            <a:spAutoFit/>
+          </a:bodyPr>
+          <a:lstStyle/>
+          <a:p>
+            <a:endParaRPr lang="ru-RU"/>
+          </a:p>
+        </p:txBody>
+      </p:sp>
+      <p:graphicFrame>
+        <p:nvGraphicFramePr>
+          <p:cNvPr id="9" name="Объект 8"/>
+          <p:cNvGraphicFramePr>
+            <a:graphicFrameLocks noChangeAspect="1"/>
+          </p:cNvGraphicFramePr>
+          <p:nvPr>
+            <p:extLst/>
+          </p:nvPr>
+        </p:nvGraphicFramePr>
+        <p:xfrm>
+          <a:off x="5619681" y="1495425"/>
+          <a:ext cx="6020585" cy="3719584"/>
+        </p:xfrm>
+        <a:graphic>
+          <a:graphicData uri="http://schemas.openxmlformats.org/presentationml/2006/ole">
+            <mc:AlternateContent xmlns:mc="http://schemas.openxmlformats.org/markup-compatibility/2006">
+              <mc:Choice xmlns:v="urn:schemas-microsoft-com:vml" Requires="v">
+                <p:oleObj spid="_x0000_s8197" name="Visio" r:id="rId3" imgW="5133877" imgH="3171960" progId="Visio.Drawing.15">
+                  <p:embed/>
+                </p:oleObj>
+              </mc:Choice>
+              <mc:Fallback>
+                <p:oleObj name="Visio" r:id="rId3" imgW="5133877" imgH="3171960" progId="Visio.Drawing.15">
+                  <p:embed/>
+                  <p:pic>
+                    <p:nvPicPr>
+                      <p:cNvPr id="0" name=""/>
+                      <p:cNvPicPr>
+                        <a:picLocks noChangeAspect="1" noChangeArrowheads="1"/>
+                      </p:cNvPicPr>
+                      <p:nvPr/>
+                    </p:nvPicPr>
+                    <p:blipFill>
+                      <a:blip r:embed="rId4">
+                        <a:extLst>
+                          <a:ext uri="{28A0092B-C50C-407E-A947-70E740481C1C}">
+                            <a14:useLocalDpi xmlns:a14="http://schemas.microsoft.com/office/drawing/2010/main" val="0"/>
+                          </a:ext>
+                        </a:extLst>
+                      </a:blip>
+                      <a:srcRect/>
+                      <a:stretch>
+                        <a:fillRect/>
+                      </a:stretch>
+                    </p:blipFill>
+                    <p:spPr bwMode="auto">
+                      <a:xfrm>
+                        <a:off x="5619681" y="1495425"/>
+                        <a:ext cx="6020585" cy="3719584"/>
+                      </a:xfrm>
+                      <a:prstGeom prst="rect">
+                        <a:avLst/>
+                      </a:prstGeom>
+                      <a:noFill/>
+                    </p:spPr>
+                  </p:pic>
+                </p:oleObj>
+              </mc:Fallback>
+            </mc:AlternateContent>
+          </a:graphicData>
+        </a:graphic>
+      </p:graphicFrame>
+      <p:sp>
+        <p:nvSpPr>
+          <p:cNvPr id="4" name="Нижний колонтитул 3"/>
+          <p:cNvSpPr>
+            <a:spLocks noGrp="1"/>
+          </p:cNvSpPr>
+          <p:nvPr>
+            <p:ph type="ftr" sz="quarter" idx="11"/>
+          </p:nvPr>
+        </p:nvSpPr>
+        <p:spPr/>
+        <p:txBody>
+          <a:bodyPr/>
+          <a:lstStyle/>
+          <a:p>
+            <a:r>
+              <a:rPr lang="ru-RU" smtClean="0"/>
+              <a:t>Приходько Е.В. Исследование методов моделирования принятия решений на примере ботов в компьютерной игре</a:t>
+            </a:r>
+            <a:endParaRPr lang="ru-RU"/>
+          </a:p>
+        </p:txBody>
+      </p:sp>
+      <p:sp>
+        <p:nvSpPr>
+          <p:cNvPr id="6" name="Номер слайда 5"/>
+          <p:cNvSpPr>
+            <a:spLocks noGrp="1"/>
+          </p:cNvSpPr>
+          <p:nvPr>
+            <p:ph type="sldNum" sz="quarter" idx="12"/>
+          </p:nvPr>
+        </p:nvSpPr>
+        <p:spPr/>
+        <p:txBody>
+          <a:bodyPr/>
+          <a:lstStyle/>
+          <a:p>
+            <a:fld id="{E58024C2-D31D-4875-8231-7C9AE6162281}" type="slidenum">
+              <a:rPr lang="ru-RU" smtClean="0"/>
+              <a:pPr/>
+              <a:t>25</a:t>
+            </a:fld>
+            <a:endParaRPr lang="ru-RU" dirty="0"/>
+          </a:p>
+        </p:txBody>
+      </p:sp>
+      <p:sp>
+        <p:nvSpPr>
+          <p:cNvPr id="7" name="TextBox 6"/>
+          <p:cNvSpPr txBox="1"/>
+          <p:nvPr/>
+        </p:nvSpPr>
+        <p:spPr>
+          <a:xfrm>
+            <a:off x="6980803" y="5462514"/>
+            <a:ext cx="3298339" cy="646331"/>
+          </a:xfrm>
+          <a:prstGeom prst="rect">
+            <a:avLst/>
+          </a:prstGeom>
+          <a:noFill/>
+        </p:spPr>
+        <p:txBody>
+          <a:bodyPr wrap="none" rtlCol="0">
+            <a:spAutoFit/>
+          </a:bodyPr>
+          <a:lstStyle/>
+          <a:p>
+            <a:pPr algn="ctr"/>
+            <a:r>
+              <a:rPr lang="ru-RU" dirty="0" smtClean="0"/>
+              <a:t>Пример дерева поведения для </a:t>
+            </a:r>
+          </a:p>
+          <a:p>
+            <a:pPr algn="ctr"/>
+            <a:r>
+              <a:rPr lang="ru-RU" dirty="0" smtClean="0"/>
+              <a:t>прохода агента через дверь</a:t>
+            </a:r>
+            <a:endParaRPr lang="ru-RU" dirty="0"/>
+          </a:p>
+        </p:txBody>
+      </p:sp>
+    </p:spTree>
+    <p:extLst>
+      <p:ext uri="{BB962C8B-B14F-4D97-AF65-F5344CB8AC3E}">
+        <p14:creationId xmlns:p14="http://schemas.microsoft.com/office/powerpoint/2010/main" val="4069530524"/>
+      </p:ext>
+    </p:extLst>
+  </p:cSld>
+  <p:clrMapOvr>
+    <a:masterClrMapping/>
+  </p:clrMapOvr>
+</p:sld>
+</file>
+
+<file path=ppt/slides/slide26.xml><?xml version="1.0" encoding="utf-8"?>
+<p:sld xmlns:a="http://schemas.openxmlformats.org/drawingml/2006/main" xmlns:r="http://schemas.openxmlformats.org/officeDocument/2006/relationships" xmlns:p="http://schemas.openxmlformats.org/presentationml/2006/main">
+  <p:cSld>
+    <p:spTree>
+      <p:nvGrpSpPr>
+        <p:cNvPr id="1" name=""/>
+        <p:cNvGrpSpPr/>
+        <p:nvPr/>
+      </p:nvGrpSpPr>
+      <p:grpSpPr>
+        <a:xfrm>
+          <a:off x="0" y="0"/>
+          <a:ext cx="0" cy="0"/>
+          <a:chOff x="0" y="0"/>
+          <a:chExt cx="0" cy="0"/>
+        </a:xfrm>
+      </p:grpSpPr>
+      <p:sp>
+        <p:nvSpPr>
+          <p:cNvPr id="2" name="Заголовок 1"/>
+          <p:cNvSpPr>
+            <a:spLocks noGrp="1"/>
+          </p:cNvSpPr>
+          <p:nvPr>
+            <p:ph type="title"/>
+          </p:nvPr>
+        </p:nvSpPr>
+        <p:spPr>
+          <a:xfrm>
+            <a:off x="838200" y="365126"/>
+            <a:ext cx="10515600" cy="825500"/>
+          </a:xfrm>
+        </p:spPr>
+        <p:txBody>
+          <a:bodyPr/>
+          <a:lstStyle/>
+          <a:p>
+            <a:r>
+              <a:rPr lang="ru-RU" dirty="0" smtClean="0"/>
+              <a:t>Нейронные сети (определение)</a:t>
+            </a:r>
+            <a:endParaRPr lang="ru-RU" dirty="0"/>
+          </a:p>
+        </p:txBody>
+      </p:sp>
+      <p:sp>
+        <p:nvSpPr>
+          <p:cNvPr id="3" name="Объект 2"/>
+          <p:cNvSpPr>
+            <a:spLocks noGrp="1"/>
+          </p:cNvSpPr>
+          <p:nvPr>
+            <p:ph sz="half" idx="1"/>
+          </p:nvPr>
+        </p:nvSpPr>
+        <p:spPr>
+          <a:xfrm>
+            <a:off x="323849" y="1520852"/>
+            <a:ext cx="7148611" cy="4656111"/>
+          </a:xfrm>
+        </p:spPr>
+        <p:txBody>
+          <a:bodyPr>
+            <a:normAutofit/>
+          </a:bodyPr>
+          <a:lstStyle/>
+          <a:p>
+            <a:pPr marL="0" indent="0">
+              <a:buNone/>
+            </a:pPr>
+            <a:r>
+              <a:rPr lang="ru-RU" sz="3200" dirty="0" smtClean="0"/>
+              <a:t>Основаны на упрощенной модели </a:t>
+            </a:r>
+            <a:r>
+              <a:rPr lang="ru-RU" sz="3200" dirty="0" smtClean="0"/>
+              <a:t>нейрона</a:t>
+            </a:r>
+          </a:p>
+          <a:p>
+            <a:pPr marL="0" indent="0">
+              <a:buNone/>
+            </a:pPr>
+            <a:r>
+              <a:rPr lang="ru-RU" sz="3200" dirty="0" smtClean="0"/>
+              <a:t>Обучение </a:t>
+            </a:r>
+            <a:r>
+              <a:rPr lang="ru-RU" sz="3200" dirty="0"/>
+              <a:t>за счет изменения весов </a:t>
+            </a:r>
+            <a:r>
+              <a:rPr lang="ru-RU" sz="3200" dirty="0" smtClean="0"/>
+              <a:t>входов</a:t>
+            </a:r>
+          </a:p>
+          <a:p>
+            <a:pPr marL="0" indent="0">
+              <a:buNone/>
+            </a:pPr>
+            <a:r>
+              <a:rPr lang="ru-RU" sz="3200" dirty="0" smtClean="0"/>
+              <a:t>Многослойный </a:t>
+            </a:r>
+            <a:r>
+              <a:rPr lang="ru-RU" sz="3200" dirty="0" err="1" smtClean="0"/>
+              <a:t>перцептрон</a:t>
+            </a:r>
+            <a:r>
+              <a:rPr lang="ru-RU" sz="3200" dirty="0" smtClean="0"/>
+              <a:t>:</a:t>
+            </a:r>
+          </a:p>
+          <a:p>
+            <a:pPr lvl="1">
+              <a:buFont typeface="Arial" panose="020B0604020202020204" pitchFamily="34" charset="0"/>
+              <a:buChar char="•"/>
+            </a:pPr>
+            <a:r>
+              <a:rPr lang="ru-RU" sz="2800" dirty="0" smtClean="0"/>
+              <a:t>Входной слой</a:t>
+            </a:r>
+          </a:p>
+          <a:p>
+            <a:pPr lvl="1">
+              <a:buFont typeface="Arial" panose="020B0604020202020204" pitchFamily="34" charset="0"/>
+              <a:buChar char="•"/>
+            </a:pPr>
+            <a:r>
+              <a:rPr lang="en-US" sz="2800" dirty="0" smtClean="0"/>
+              <a:t>N </a:t>
+            </a:r>
+            <a:r>
+              <a:rPr lang="ru-RU" sz="2800" dirty="0" smtClean="0"/>
+              <a:t>скрытых слоев (</a:t>
+            </a:r>
+            <a:r>
+              <a:rPr lang="en-US" sz="2800" dirty="0" smtClean="0"/>
+              <a:t>N &gt;= 0</a:t>
+            </a:r>
+            <a:r>
+              <a:rPr lang="ru-RU" sz="2800" dirty="0" smtClean="0"/>
+              <a:t>)</a:t>
+            </a:r>
+          </a:p>
+          <a:p>
+            <a:pPr lvl="1">
+              <a:buFont typeface="Arial" panose="020B0604020202020204" pitchFamily="34" charset="0"/>
+              <a:buChar char="•"/>
+            </a:pPr>
+            <a:r>
+              <a:rPr lang="ru-RU" sz="2800" dirty="0" smtClean="0"/>
+              <a:t>Выходной слой</a:t>
+            </a:r>
+            <a:endParaRPr lang="ru-RU" sz="2800" dirty="0"/>
+          </a:p>
+        </p:txBody>
+      </p:sp>
+      <p:pic>
+        <p:nvPicPr>
+          <p:cNvPr id="6" name="Рисунок 5"/>
+          <p:cNvPicPr/>
+          <p:nvPr/>
+        </p:nvPicPr>
+        <p:blipFill>
+          <a:blip r:embed="rId2">
+            <a:extLst>
+              <a:ext uri="{28A0092B-C50C-407E-A947-70E740481C1C}">
+                <a14:useLocalDpi xmlns:a14="http://schemas.microsoft.com/office/drawing/2010/main" val="0"/>
+              </a:ext>
+            </a:extLst>
+          </a:blip>
+          <a:stretch>
+            <a:fillRect/>
+          </a:stretch>
+        </p:blipFill>
+        <p:spPr>
+          <a:xfrm>
+            <a:off x="7030788" y="1050109"/>
+            <a:ext cx="4148561" cy="1753274"/>
+          </a:xfrm>
+          <a:prstGeom prst="rect">
+            <a:avLst/>
+          </a:prstGeom>
+        </p:spPr>
+      </p:pic>
+      <p:pic>
+        <p:nvPicPr>
+          <p:cNvPr id="7" name="Рисунок 6"/>
+          <p:cNvPicPr/>
+          <p:nvPr/>
+        </p:nvPicPr>
+        <p:blipFill>
+          <a:blip r:embed="rId3">
+            <a:extLst>
+              <a:ext uri="{28A0092B-C50C-407E-A947-70E740481C1C}">
+                <a14:useLocalDpi xmlns:a14="http://schemas.microsoft.com/office/drawing/2010/main" val="0"/>
+              </a:ext>
+            </a:extLst>
+          </a:blip>
+          <a:stretch>
+            <a:fillRect/>
+          </a:stretch>
+        </p:blipFill>
+        <p:spPr>
+          <a:xfrm>
+            <a:off x="7685670" y="3273877"/>
+            <a:ext cx="2838796" cy="2752247"/>
+          </a:xfrm>
+          <a:prstGeom prst="rect">
+            <a:avLst/>
+          </a:prstGeom>
+        </p:spPr>
+      </p:pic>
+      <p:sp>
+        <p:nvSpPr>
+          <p:cNvPr id="4" name="Нижний колонтитул 3"/>
+          <p:cNvSpPr>
+            <a:spLocks noGrp="1"/>
+          </p:cNvSpPr>
+          <p:nvPr>
+            <p:ph type="ftr" sz="quarter" idx="11"/>
+          </p:nvPr>
+        </p:nvSpPr>
+        <p:spPr/>
+        <p:txBody>
+          <a:bodyPr/>
+          <a:lstStyle/>
+          <a:p>
+            <a:r>
+              <a:rPr lang="ru-RU" dirty="0" smtClean="0"/>
+              <a:t>Приходько Е.В. Исследование методов моделирования принятия решений на примере ботов в компьютерной игре</a:t>
+            </a:r>
+            <a:endParaRPr lang="ru-RU" dirty="0"/>
+          </a:p>
+        </p:txBody>
+      </p:sp>
+      <p:sp>
+        <p:nvSpPr>
+          <p:cNvPr id="8" name="Номер слайда 7"/>
+          <p:cNvSpPr>
+            <a:spLocks noGrp="1"/>
+          </p:cNvSpPr>
+          <p:nvPr>
+            <p:ph type="sldNum" sz="quarter" idx="12"/>
+          </p:nvPr>
+        </p:nvSpPr>
+        <p:spPr/>
+        <p:txBody>
+          <a:bodyPr/>
+          <a:lstStyle/>
+          <a:p>
+            <a:fld id="{E58024C2-D31D-4875-8231-7C9AE6162281}" type="slidenum">
+              <a:rPr lang="ru-RU" smtClean="0"/>
+              <a:pPr/>
+              <a:t>26</a:t>
+            </a:fld>
+            <a:endParaRPr lang="ru-RU" dirty="0"/>
+          </a:p>
+        </p:txBody>
+      </p:sp>
+      <p:sp>
+        <p:nvSpPr>
+          <p:cNvPr id="9" name="TextBox 8"/>
+          <p:cNvSpPr txBox="1"/>
+          <p:nvPr/>
+        </p:nvSpPr>
+        <p:spPr>
+          <a:xfrm>
+            <a:off x="8177346" y="2835940"/>
+            <a:ext cx="1855444" cy="369332"/>
+          </a:xfrm>
+          <a:prstGeom prst="rect">
+            <a:avLst/>
+          </a:prstGeom>
+          <a:noFill/>
+        </p:spPr>
+        <p:txBody>
+          <a:bodyPr wrap="none" rtlCol="0">
+            <a:spAutoFit/>
+          </a:bodyPr>
+          <a:lstStyle/>
+          <a:p>
+            <a:r>
+              <a:rPr lang="ru-RU" dirty="0" smtClean="0"/>
+              <a:t>Модель нейрона</a:t>
+            </a:r>
+            <a:endParaRPr lang="ru-RU" dirty="0"/>
+          </a:p>
+        </p:txBody>
+      </p:sp>
+      <p:sp>
+        <p:nvSpPr>
+          <p:cNvPr id="10" name="TextBox 9"/>
+          <p:cNvSpPr txBox="1"/>
+          <p:nvPr/>
+        </p:nvSpPr>
+        <p:spPr>
+          <a:xfrm>
+            <a:off x="7646912" y="6026124"/>
+            <a:ext cx="2916311" cy="369332"/>
+          </a:xfrm>
+          <a:prstGeom prst="rect">
+            <a:avLst/>
+          </a:prstGeom>
+          <a:noFill/>
+        </p:spPr>
+        <p:txBody>
+          <a:bodyPr wrap="none" rtlCol="0">
+            <a:spAutoFit/>
+          </a:bodyPr>
+          <a:lstStyle/>
+          <a:p>
+            <a:r>
+              <a:rPr lang="ru-RU" dirty="0" smtClean="0"/>
+              <a:t>Многослойный </a:t>
+            </a:r>
+            <a:r>
+              <a:rPr lang="ru-RU" dirty="0" err="1" smtClean="0"/>
+              <a:t>перцептрон</a:t>
+            </a:r>
+            <a:endParaRPr lang="ru-RU" dirty="0"/>
+          </a:p>
+        </p:txBody>
+      </p:sp>
+    </p:spTree>
+    <p:extLst>
+      <p:ext uri="{BB962C8B-B14F-4D97-AF65-F5344CB8AC3E}">
+        <p14:creationId xmlns:p14="http://schemas.microsoft.com/office/powerpoint/2010/main" val="148765932"/>
+      </p:ext>
+    </p:extLst>
+  </p:cSld>
+  <p:clrMapOvr>
+    <a:masterClrMapping/>
+  </p:clrMapOvr>
+</p:sld>
+</file>
+
+<file path=ppt/slides/slide3.xml><?xml version="1.0" encoding="utf-8"?>
+<p:sld xmlns:a="http://schemas.openxmlformats.org/drawingml/2006/main" xmlns:r="http://schemas.openxmlformats.org/officeDocument/2006/relationships" xmlns:p="http://schemas.openxmlformats.org/presentationml/2006/main">
+  <p:cSld>
+    <p:spTree>
+      <p:nvGrpSpPr>
+        <p:cNvPr id="1" name=""/>
+        <p:cNvGrpSpPr/>
+        <p:nvPr/>
+      </p:nvGrpSpPr>
+      <p:grpSpPr>
+        <a:xfrm>
+          <a:off x="0" y="0"/>
+          <a:ext cx="0" cy="0"/>
+          <a:chOff x="0" y="0"/>
+          <a:chExt cx="0" cy="0"/>
+        </a:xfrm>
+      </p:grpSpPr>
+      <p:sp>
+        <p:nvSpPr>
+          <p:cNvPr id="2" name="Заголовок 1"/>
+          <p:cNvSpPr>
+            <a:spLocks noGrp="1"/>
+          </p:cNvSpPr>
+          <p:nvPr>
+            <p:ph type="title"/>
+          </p:nvPr>
+        </p:nvSpPr>
+        <p:spPr>
+          <a:xfrm>
+            <a:off x="838200" y="365126"/>
+            <a:ext cx="10515600" cy="653778"/>
+          </a:xfrm>
+        </p:spPr>
+        <p:txBody>
+          <a:bodyPr>
+            <a:normAutofit/>
+          </a:bodyPr>
+          <a:lstStyle/>
+          <a:p>
+            <a:r>
+              <a:rPr lang="ru-RU" sz="4000" dirty="0" smtClean="0"/>
+              <a:t>Актуальность и научный интерес работы</a:t>
+            </a:r>
+            <a:endParaRPr lang="ru-RU" sz="4000" dirty="0"/>
+          </a:p>
+        </p:txBody>
+      </p:sp>
+      <p:sp>
+        <p:nvSpPr>
+          <p:cNvPr id="3" name="Объект 2"/>
+          <p:cNvSpPr>
+            <a:spLocks noGrp="1"/>
+          </p:cNvSpPr>
+          <p:nvPr>
+            <p:ph idx="1"/>
+          </p:nvPr>
+        </p:nvSpPr>
+        <p:spPr>
+          <a:xfrm>
+            <a:off x="838200" y="1018904"/>
+            <a:ext cx="10515600" cy="5158059"/>
+          </a:xfrm>
+        </p:spPr>
+        <p:txBody>
+          <a:bodyPr>
+            <a:normAutofit/>
+          </a:bodyPr>
+          <a:lstStyle/>
+          <a:p>
+            <a:pPr>
+              <a:buFont typeface="Arial" panose="020B0604020202020204" pitchFamily="34" charset="0"/>
+              <a:buChar char="•"/>
+            </a:pPr>
+            <a:r>
+              <a:rPr lang="ru-RU" sz="3200" dirty="0" smtClean="0"/>
+              <a:t>Есть </a:t>
+            </a:r>
+            <a:r>
+              <a:rPr lang="ru-RU" sz="3200" dirty="0" smtClean="0"/>
+              <a:t>потребность в сравнении методов и алгоритмов принятия решений для обоснования их выбора </a:t>
+            </a:r>
+            <a:r>
+              <a:rPr lang="ru-RU" sz="3200" dirty="0" smtClean="0"/>
+              <a:t>при реализации новых интеллектуальных систем</a:t>
+            </a:r>
+            <a:endParaRPr lang="ru-RU" sz="3200" dirty="0" smtClean="0"/>
+          </a:p>
+          <a:p>
+            <a:pPr>
+              <a:buFont typeface="Arial" panose="020B0604020202020204" pitchFamily="34" charset="0"/>
+              <a:buChar char="•"/>
+            </a:pPr>
+            <a:r>
+              <a:rPr lang="ru-RU" sz="3200" dirty="0" smtClean="0"/>
+              <a:t>Сравнивать методы необходимо на примере конкретной задачи</a:t>
+            </a:r>
+          </a:p>
+          <a:p>
+            <a:pPr>
+              <a:buFont typeface="Arial" panose="020B0604020202020204" pitchFamily="34" charset="0"/>
+              <a:buChar char="•"/>
+            </a:pPr>
+            <a:r>
+              <a:rPr lang="ru-RU" sz="3200" dirty="0" smtClean="0"/>
+              <a:t>Задача, рассматриваемая в данной работе: выбор архитектуры для ботов в компьютерной игре</a:t>
+            </a:r>
+          </a:p>
+          <a:p>
+            <a:pPr>
+              <a:buFont typeface="Arial" panose="020B0604020202020204" pitchFamily="34" charset="0"/>
+              <a:buChar char="•"/>
+            </a:pPr>
+            <a:r>
+              <a:rPr lang="ru-RU" sz="3200" dirty="0" smtClean="0"/>
+              <a:t>Индустрия видеоигр – наукоемкая область, быстро развивающаяся как </a:t>
+            </a:r>
+            <a:r>
+              <a:rPr lang="ru-RU" sz="3200" dirty="0"/>
+              <a:t>в коммерческом </a:t>
+            </a:r>
+            <a:r>
+              <a:rPr lang="ru-RU" sz="3200" dirty="0" smtClean="0"/>
+              <a:t>плане, так и в плане технологий</a:t>
+            </a:r>
+            <a:endParaRPr lang="ru-RU" sz="3200" dirty="0"/>
+          </a:p>
+        </p:txBody>
+      </p:sp>
+      <p:sp>
+        <p:nvSpPr>
+          <p:cNvPr id="5" name="Нижний колонтитул 4"/>
+          <p:cNvSpPr>
+            <a:spLocks noGrp="1"/>
+          </p:cNvSpPr>
+          <p:nvPr>
+            <p:ph type="ftr" sz="quarter" idx="11"/>
+          </p:nvPr>
+        </p:nvSpPr>
+        <p:spPr/>
+        <p:txBody>
+          <a:bodyPr/>
+          <a:lstStyle/>
+          <a:p>
+            <a:r>
+              <a:rPr lang="ru-RU" smtClean="0"/>
+              <a:t>Приходько Е.В. Исследование методов моделирования принятия решений на примере ботов в компьютерной игре</a:t>
+            </a:r>
+            <a:endParaRPr lang="ru-RU"/>
+          </a:p>
+        </p:txBody>
+      </p:sp>
+      <p:sp>
+        <p:nvSpPr>
+          <p:cNvPr id="6" name="Номер слайда 5"/>
+          <p:cNvSpPr>
+            <a:spLocks noGrp="1"/>
+          </p:cNvSpPr>
+          <p:nvPr>
+            <p:ph type="sldNum" sz="quarter" idx="12"/>
+          </p:nvPr>
+        </p:nvSpPr>
+        <p:spPr/>
+        <p:txBody>
+          <a:bodyPr/>
+          <a:lstStyle/>
+          <a:p>
+            <a:fld id="{E58024C2-D31D-4875-8231-7C9AE6162281}" type="slidenum">
+              <a:rPr lang="ru-RU" smtClean="0"/>
+              <a:pPr/>
+              <a:t>3</a:t>
+            </a:fld>
+            <a:endParaRPr lang="ru-RU" dirty="0" smtClean="0"/>
+          </a:p>
+        </p:txBody>
+      </p:sp>
+    </p:spTree>
+    <p:extLst>
+      <p:ext uri="{BB962C8B-B14F-4D97-AF65-F5344CB8AC3E}">
+        <p14:creationId xmlns:p14="http://schemas.microsoft.com/office/powerpoint/2010/main" val="1062487083"/>
+      </p:ext>
+    </p:extLst>
+  </p:cSld>
+  <p:clrMapOvr>
+    <a:masterClrMapping/>
+  </p:clrMapOvr>
+  <p:timing>
+    <p:tnLst>
+      <p:par>
+        <p:cTn id="1" dur="indefinite" restart="never" nodeType="tmRoot"/>
+      </p:par>
+    </p:tnLst>
+  </p:timing>
+</p:sld>
+</file>
+
+<file path=ppt/slides/slide4.xml><?xml version="1.0" encoding="utf-8"?>
+<p:sld xmlns:a="http://schemas.openxmlformats.org/drawingml/2006/main" xmlns:r="http://schemas.openxmlformats.org/officeDocument/2006/relationships" xmlns:p="http://schemas.openxmlformats.org/presentationml/2006/main">
+  <p:cSld>
+    <p:spTree>
+      <p:nvGrpSpPr>
+        <p:cNvPr id="1" name=""/>
+        <p:cNvGrpSpPr/>
+        <p:nvPr/>
+      </p:nvGrpSpPr>
+      <p:grpSpPr>
+        <a:xfrm>
+          <a:off x="0" y="0"/>
+          <a:ext cx="0" cy="0"/>
+          <a:chOff x="0" y="0"/>
+          <a:chExt cx="0" cy="0"/>
+        </a:xfrm>
+      </p:grpSpPr>
+      <p:sp>
+        <p:nvSpPr>
+          <p:cNvPr id="2" name="Заголовок 1"/>
+          <p:cNvSpPr>
+            <a:spLocks noGrp="1"/>
+          </p:cNvSpPr>
+          <p:nvPr>
+            <p:ph type="title"/>
+          </p:nvPr>
+        </p:nvSpPr>
+        <p:spPr>
+          <a:xfrm>
+            <a:off x="838200" y="365126"/>
+            <a:ext cx="10515600" cy="662486"/>
+          </a:xfrm>
+        </p:spPr>
+        <p:txBody>
+          <a:bodyPr>
+            <a:normAutofit fontScale="90000"/>
+          </a:bodyPr>
+          <a:lstStyle/>
+          <a:p>
+            <a:r>
+              <a:rPr lang="ru-RU" dirty="0" smtClean="0"/>
+              <a:t>Цель и задачи</a:t>
+            </a:r>
+            <a:endParaRPr lang="ru-RU" dirty="0"/>
+          </a:p>
+        </p:txBody>
+      </p:sp>
+      <p:sp>
+        <p:nvSpPr>
+          <p:cNvPr id="3" name="Объект 2"/>
+          <p:cNvSpPr>
+            <a:spLocks noGrp="1"/>
+          </p:cNvSpPr>
+          <p:nvPr>
+            <p:ph idx="1"/>
+          </p:nvPr>
+        </p:nvSpPr>
+        <p:spPr>
+          <a:xfrm>
+            <a:off x="838200" y="1027612"/>
+            <a:ext cx="10515600" cy="5149351"/>
+          </a:xfrm>
+        </p:spPr>
+        <p:txBody>
+          <a:bodyPr>
+            <a:normAutofit/>
+          </a:bodyPr>
+          <a:lstStyle/>
+          <a:p>
+            <a:pPr marL="0" indent="0">
+              <a:lnSpc>
+                <a:spcPct val="150000"/>
+              </a:lnSpc>
+              <a:buNone/>
+            </a:pPr>
+            <a:r>
+              <a:rPr lang="ru-RU" dirty="0" smtClean="0"/>
+              <a:t>Цель работы: </a:t>
+            </a:r>
+            <a:r>
+              <a:rPr lang="ru-RU" dirty="0"/>
+              <a:t>исследование методов моделирования принятия решений на примере ботов в компьютерной </a:t>
+            </a:r>
+            <a:r>
+              <a:rPr lang="ru-RU" dirty="0" smtClean="0"/>
+              <a:t>игре.</a:t>
+            </a:r>
+            <a:endParaRPr lang="ru-RU" dirty="0"/>
+          </a:p>
+          <a:p>
+            <a:pPr marL="0" indent="0">
+              <a:buNone/>
+            </a:pPr>
+            <a:r>
+              <a:rPr lang="ru-RU" dirty="0" smtClean="0"/>
+              <a:t>Задачи:</a:t>
+            </a:r>
+          </a:p>
+          <a:p>
+            <a:pPr marL="635508" lvl="1" indent="-342900" algn="just">
+              <a:lnSpc>
+                <a:spcPct val="150000"/>
+              </a:lnSpc>
+              <a:spcAft>
+                <a:spcPts val="0"/>
+              </a:spcAft>
+              <a:buFont typeface="Symbol" panose="05050102010706020507" pitchFamily="18" charset="2"/>
+              <a:buChar char=""/>
+            </a:pPr>
+            <a:r>
+              <a:rPr lang="ru-RU" dirty="0" smtClean="0">
+                <a:ea typeface="Calibri" panose="020F0502020204030204" pitchFamily="34" charset="0"/>
+                <a:cs typeface="Times New Roman" panose="02020603050405020304" pitchFamily="18" charset="0"/>
+              </a:rPr>
+              <a:t>рассмотреть </a:t>
+            </a:r>
+            <a:r>
+              <a:rPr lang="ru-RU" dirty="0">
+                <a:ea typeface="Calibri" panose="020F0502020204030204" pitchFamily="34" charset="0"/>
+                <a:cs typeface="Times New Roman" panose="02020603050405020304" pitchFamily="18" charset="0"/>
+              </a:rPr>
+              <a:t>существующие методы и алгоритмы принятия решений</a:t>
+            </a:r>
+            <a:r>
+              <a:rPr lang="ru-RU" dirty="0" smtClean="0">
+                <a:ea typeface="Calibri" panose="020F0502020204030204" pitchFamily="34" charset="0"/>
+                <a:cs typeface="Times New Roman" panose="02020603050405020304" pitchFamily="18" charset="0"/>
+              </a:rPr>
+              <a:t>; </a:t>
+            </a:r>
+          </a:p>
+          <a:p>
+            <a:pPr marL="635508" lvl="1" indent="-342900" algn="just">
+              <a:lnSpc>
+                <a:spcPct val="150000"/>
+              </a:lnSpc>
+              <a:spcAft>
+                <a:spcPts val="0"/>
+              </a:spcAft>
+              <a:buFont typeface="Symbol" panose="05050102010706020507" pitchFamily="18" charset="2"/>
+              <a:buChar char=""/>
+            </a:pPr>
+            <a:r>
+              <a:rPr lang="ru-RU" dirty="0" smtClean="0">
+                <a:ea typeface="Calibri" panose="020F0502020204030204" pitchFamily="34" charset="0"/>
+                <a:cs typeface="Times New Roman" panose="02020603050405020304" pitchFamily="18" charset="0"/>
+              </a:rPr>
+              <a:t>реализовать игровых ботов, использующих рассмотренные </a:t>
+            </a:r>
+            <a:r>
+              <a:rPr lang="ru-RU" dirty="0">
+                <a:ea typeface="Calibri" panose="020F0502020204030204" pitchFamily="34" charset="0"/>
+                <a:cs typeface="Times New Roman" panose="02020603050405020304" pitchFamily="18" charset="0"/>
+              </a:rPr>
+              <a:t>алгоритмы</a:t>
+            </a:r>
+            <a:r>
+              <a:rPr lang="ru-RU" dirty="0" smtClean="0">
+                <a:ea typeface="Calibri" panose="020F0502020204030204" pitchFamily="34" charset="0"/>
+                <a:cs typeface="Times New Roman" panose="02020603050405020304" pitchFamily="18" charset="0"/>
+              </a:rPr>
+              <a:t>;</a:t>
+            </a:r>
+          </a:p>
+          <a:p>
+            <a:pPr marL="635508" lvl="1" indent="-342900" algn="just">
+              <a:lnSpc>
+                <a:spcPct val="150000"/>
+              </a:lnSpc>
+              <a:spcAft>
+                <a:spcPts val="0"/>
+              </a:spcAft>
+              <a:buFont typeface="Symbol" panose="05050102010706020507" pitchFamily="18" charset="2"/>
+              <a:buChar char=""/>
+            </a:pPr>
+            <a:r>
+              <a:rPr lang="ru-RU" dirty="0" smtClean="0">
+                <a:ea typeface="Calibri" panose="020F0502020204030204" pitchFamily="34" charset="0"/>
+                <a:cs typeface="Times New Roman" panose="02020603050405020304" pitchFamily="18" charset="0"/>
+              </a:rPr>
+              <a:t>сравнить полученные реализации по различным критериям;</a:t>
+            </a:r>
+            <a:endParaRPr lang="ru-RU" dirty="0">
+              <a:ea typeface="Calibri" panose="020F0502020204030204" pitchFamily="34" charset="0"/>
+              <a:cs typeface="Times New Roman" panose="02020603050405020304" pitchFamily="18" charset="0"/>
+            </a:endParaRPr>
+          </a:p>
+          <a:p>
+            <a:pPr marL="635508" lvl="1" indent="-342900" algn="just">
+              <a:lnSpc>
+                <a:spcPct val="150000"/>
+              </a:lnSpc>
+              <a:spcAft>
+                <a:spcPts val="0"/>
+              </a:spcAft>
+              <a:buFont typeface="Symbol" panose="05050102010706020507" pitchFamily="18" charset="2"/>
+              <a:buChar char=""/>
+            </a:pPr>
+            <a:r>
+              <a:rPr lang="ru-RU" dirty="0" smtClean="0">
+                <a:ea typeface="Calibri" panose="020F0502020204030204" pitchFamily="34" charset="0"/>
+                <a:cs typeface="Times New Roman" panose="02020603050405020304" pitchFamily="18" charset="0"/>
+              </a:rPr>
+              <a:t>сделать </a:t>
+            </a:r>
+            <a:r>
+              <a:rPr lang="ru-RU" dirty="0">
+                <a:ea typeface="Calibri" panose="020F0502020204030204" pitchFamily="34" charset="0"/>
+                <a:cs typeface="Times New Roman" panose="02020603050405020304" pitchFamily="18" charset="0"/>
+              </a:rPr>
+              <a:t>выводы об эффективности различных методов и алгоритмов для моделирования процесса принятия решений.</a:t>
+            </a:r>
+          </a:p>
+          <a:p>
+            <a:pPr lvl="1">
+              <a:buFont typeface="Arial" panose="020B0604020202020204" pitchFamily="34" charset="0"/>
+              <a:buChar char="•"/>
+            </a:pPr>
+            <a:endParaRPr lang="ru-RU" dirty="0"/>
+          </a:p>
+        </p:txBody>
+      </p:sp>
+      <p:sp>
+        <p:nvSpPr>
+          <p:cNvPr id="5" name="Нижний колонтитул 4"/>
+          <p:cNvSpPr>
+            <a:spLocks noGrp="1"/>
+          </p:cNvSpPr>
+          <p:nvPr>
+            <p:ph type="ftr" sz="quarter" idx="11"/>
+          </p:nvPr>
+        </p:nvSpPr>
+        <p:spPr/>
+        <p:txBody>
+          <a:bodyPr/>
+          <a:lstStyle/>
+          <a:p>
+            <a:r>
+              <a:rPr lang="ru-RU" smtClean="0"/>
+              <a:t>Приходько Е.В. Исследование методов моделирования принятия решений на примере ботов в компьютерной игре</a:t>
+            </a:r>
+            <a:endParaRPr lang="ru-RU"/>
+          </a:p>
+        </p:txBody>
+      </p:sp>
+      <p:sp>
+        <p:nvSpPr>
+          <p:cNvPr id="6" name="Номер слайда 5"/>
+          <p:cNvSpPr>
+            <a:spLocks noGrp="1"/>
+          </p:cNvSpPr>
+          <p:nvPr>
+            <p:ph type="sldNum" sz="quarter" idx="12"/>
+          </p:nvPr>
+        </p:nvSpPr>
+        <p:spPr/>
+        <p:txBody>
+          <a:bodyPr/>
+          <a:lstStyle/>
+          <a:p>
+            <a:fld id="{E58024C2-D31D-4875-8231-7C9AE6162281}" type="slidenum">
+              <a:rPr lang="ru-RU" smtClean="0"/>
+              <a:pPr/>
+              <a:t>4</a:t>
+            </a:fld>
+            <a:endParaRPr lang="ru-RU" dirty="0" smtClean="0"/>
+          </a:p>
+        </p:txBody>
+      </p:sp>
+    </p:spTree>
+    <p:extLst>
+      <p:ext uri="{BB962C8B-B14F-4D97-AF65-F5344CB8AC3E}">
+        <p14:creationId xmlns:p14="http://schemas.microsoft.com/office/powerpoint/2010/main" val="439179313"/>
+      </p:ext>
+    </p:extLst>
+  </p:cSld>
+  <p:clrMapOvr>
+    <a:masterClrMapping/>
+  </p:clrMapOvr>
+  <p:timing>
+    <p:tnLst>
+      <p:par>
+        <p:cTn id="1" dur="indefinite" restart="never" nodeType="tmRoot"/>
+      </p:par>
+    </p:tnLst>
+  </p:timing>
+</p:sld>
+</file>
+
+<file path=ppt/slides/slide5.xml><?xml version="1.0" encoding="utf-8"?>
+<p:sld xmlns:a="http://schemas.openxmlformats.org/drawingml/2006/main" xmlns:r="http://schemas.openxmlformats.org/officeDocument/2006/relationships" xmlns:p="http://schemas.openxmlformats.org/presentationml/2006/main">
+  <p:cSld>
+    <p:spTree>
+      <p:nvGrpSpPr>
+        <p:cNvPr id="1" name=""/>
+        <p:cNvGrpSpPr/>
+        <p:nvPr/>
+      </p:nvGrpSpPr>
+      <p:grpSpPr>
+        <a:xfrm>
+          <a:off x="0" y="0"/>
+          <a:ext cx="0" cy="0"/>
+          <a:chOff x="0" y="0"/>
+          <a:chExt cx="0" cy="0"/>
+        </a:xfrm>
+      </p:grpSpPr>
+      <p:sp>
+        <p:nvSpPr>
+          <p:cNvPr id="2" name="Заголовок 1"/>
+          <p:cNvSpPr>
+            <a:spLocks noGrp="1"/>
+          </p:cNvSpPr>
+          <p:nvPr>
+            <p:ph type="title"/>
+          </p:nvPr>
+        </p:nvSpPr>
+        <p:spPr>
+          <a:xfrm>
+            <a:off x="838200" y="200297"/>
+            <a:ext cx="10515600" cy="1299063"/>
+          </a:xfrm>
+        </p:spPr>
+        <p:txBody>
+          <a:bodyPr>
+            <a:normAutofit/>
+          </a:bodyPr>
+          <a:lstStyle/>
+          <a:p>
+            <a:r>
+              <a:rPr lang="ru-RU" sz="4000" dirty="0" smtClean="0"/>
+              <a:t>Платформа для исследования методов и алгоритмов принятия решений</a:t>
+            </a:r>
+            <a:endParaRPr lang="ru-RU" sz="4000" dirty="0"/>
+          </a:p>
+        </p:txBody>
+      </p:sp>
+      <p:sp>
+        <p:nvSpPr>
+          <p:cNvPr id="3" name="Объект 2"/>
+          <p:cNvSpPr>
+            <a:spLocks noGrp="1"/>
+          </p:cNvSpPr>
+          <p:nvPr>
+            <p:ph sz="half" idx="1"/>
+          </p:nvPr>
+        </p:nvSpPr>
+        <p:spPr>
+          <a:xfrm>
+            <a:off x="339633" y="1825625"/>
+            <a:ext cx="6505303" cy="4351338"/>
+          </a:xfrm>
+        </p:spPr>
+        <p:txBody>
+          <a:bodyPr>
+            <a:normAutofit fontScale="92500" lnSpcReduction="20000"/>
+          </a:bodyPr>
+          <a:lstStyle/>
+          <a:p>
+            <a:pPr>
+              <a:buFont typeface="Arial" panose="020B0604020202020204" pitchFamily="34" charset="0"/>
+              <a:buChar char="•"/>
+            </a:pPr>
+            <a:r>
+              <a:rPr lang="ru-RU" dirty="0" smtClean="0"/>
+              <a:t>Компьютерная игра</a:t>
+            </a:r>
+            <a:endParaRPr lang="en-US" dirty="0" smtClean="0"/>
+          </a:p>
+          <a:p>
+            <a:pPr>
+              <a:buFont typeface="Arial" panose="020B0604020202020204" pitchFamily="34" charset="0"/>
+              <a:buChar char="•"/>
+            </a:pPr>
+            <a:r>
+              <a:rPr lang="ru-RU" dirty="0" smtClean="0"/>
+              <a:t>Реализация: игровой движок </a:t>
+            </a:r>
+            <a:r>
+              <a:rPr lang="en-US" dirty="0" smtClean="0"/>
+              <a:t>Unity </a:t>
+            </a:r>
+            <a:r>
+              <a:rPr lang="ru-RU" dirty="0" smtClean="0"/>
+              <a:t>(</a:t>
+            </a:r>
+            <a:r>
+              <a:rPr lang="en-US" dirty="0" smtClean="0"/>
+              <a:t>C#</a:t>
+            </a:r>
+            <a:r>
+              <a:rPr lang="ru-RU" dirty="0" smtClean="0"/>
+              <a:t>)</a:t>
+            </a:r>
+          </a:p>
+          <a:p>
+            <a:pPr>
+              <a:buFont typeface="Arial" panose="020B0604020202020204" pitchFamily="34" charset="0"/>
+              <a:buChar char="•"/>
+            </a:pPr>
+            <a:r>
+              <a:rPr lang="ru-RU" dirty="0" smtClean="0"/>
+              <a:t>Жанр: </a:t>
+            </a:r>
+            <a:r>
+              <a:rPr lang="en-US" dirty="0" err="1" smtClean="0"/>
+              <a:t>Topdown</a:t>
+            </a:r>
+            <a:r>
+              <a:rPr lang="en-US" dirty="0" smtClean="0"/>
+              <a:t> shooter</a:t>
+            </a:r>
+            <a:endParaRPr lang="ru-RU" dirty="0" smtClean="0"/>
+          </a:p>
+          <a:p>
+            <a:pPr>
+              <a:buFont typeface="Arial" panose="020B0604020202020204" pitchFamily="34" charset="0"/>
+              <a:buChar char="•"/>
+            </a:pPr>
+            <a:r>
+              <a:rPr lang="ru-RU" dirty="0" smtClean="0"/>
+              <a:t>Правила</a:t>
+            </a:r>
+            <a:r>
+              <a:rPr lang="ru-RU" dirty="0" smtClean="0"/>
+              <a:t>:</a:t>
+            </a:r>
+          </a:p>
+          <a:p>
+            <a:pPr lvl="1">
+              <a:buFont typeface="Arial" panose="020B0604020202020204" pitchFamily="34" charset="0"/>
+              <a:buChar char="•"/>
+            </a:pPr>
+            <a:r>
+              <a:rPr lang="ru-RU" dirty="0" smtClean="0"/>
+              <a:t>У каждого агента 100 очков здоровья. Выстрелы уменьшают очки здоровья на 10. Если очков здоровья </a:t>
+            </a:r>
+            <a:r>
+              <a:rPr lang="en-US" dirty="0" smtClean="0"/>
+              <a:t>&lt;= 0</a:t>
+            </a:r>
+            <a:r>
+              <a:rPr lang="ru-RU" dirty="0" smtClean="0"/>
+              <a:t>, агент считается проигравшим</a:t>
+            </a:r>
+          </a:p>
+          <a:p>
+            <a:pPr lvl="1">
+              <a:buFont typeface="Arial" panose="020B0604020202020204" pitchFamily="34" charset="0"/>
+              <a:buChar char="•"/>
+            </a:pPr>
+            <a:r>
+              <a:rPr lang="ru-RU" dirty="0" smtClean="0"/>
+              <a:t>За стенами не видно противника</a:t>
+            </a:r>
+          </a:p>
+          <a:p>
+            <a:pPr lvl="1">
+              <a:buFont typeface="Arial" panose="020B0604020202020204" pitchFamily="34" charset="0"/>
+              <a:buChar char="•"/>
+            </a:pPr>
+            <a:r>
+              <a:rPr lang="ru-RU" dirty="0" smtClean="0"/>
+              <a:t>Укрытия блокируют половину выстрелов, если стрелок не стоит близко к нему</a:t>
+            </a:r>
+          </a:p>
+          <a:p>
+            <a:pPr lvl="1">
+              <a:buFont typeface="Arial" panose="020B0604020202020204" pitchFamily="34" charset="0"/>
+              <a:buChar char="•"/>
+            </a:pPr>
+            <a:r>
+              <a:rPr lang="ru-RU" dirty="0" smtClean="0"/>
+              <a:t>В углах расположены аптечки, восстанавливающие очки здоровья</a:t>
+            </a:r>
+            <a:endParaRPr lang="ru-RU" dirty="0"/>
+          </a:p>
+        </p:txBody>
+      </p:sp>
+      <p:pic>
+        <p:nvPicPr>
+          <p:cNvPr id="6" name="Объект 5"/>
+          <p:cNvPicPr>
+            <a:picLocks noGrp="1"/>
+          </p:cNvPicPr>
+          <p:nvPr>
+            <p:ph sz="half" idx="2"/>
+          </p:nvPr>
+        </p:nvPicPr>
+        <p:blipFill>
+          <a:blip r:embed="rId3">
+            <a:extLst>
+              <a:ext uri="{28A0092B-C50C-407E-A947-70E740481C1C}">
+                <a14:useLocalDpi xmlns:a14="http://schemas.microsoft.com/office/drawing/2010/main" val="0"/>
+              </a:ext>
+            </a:extLst>
+          </a:blip>
+          <a:stretch>
+            <a:fillRect/>
+          </a:stretch>
+        </p:blipFill>
+        <p:spPr>
+          <a:xfrm>
+            <a:off x="7008224" y="1499360"/>
+            <a:ext cx="4223656" cy="4204460"/>
+          </a:xfrm>
+          <a:prstGeom prst="rect">
+            <a:avLst/>
+          </a:prstGeom>
+        </p:spPr>
+      </p:pic>
+      <p:sp>
+        <p:nvSpPr>
+          <p:cNvPr id="4" name="Нижний колонтитул 3"/>
+          <p:cNvSpPr>
+            <a:spLocks noGrp="1"/>
+          </p:cNvSpPr>
+          <p:nvPr>
+            <p:ph type="ftr" sz="quarter" idx="11"/>
+          </p:nvPr>
+        </p:nvSpPr>
+        <p:spPr/>
+        <p:txBody>
+          <a:bodyPr/>
+          <a:lstStyle/>
+          <a:p>
+            <a:r>
+              <a:rPr lang="ru-RU" smtClean="0"/>
+              <a:t>Приходько Е.В. Исследование методов моделирования принятия решений на примере ботов в компьютерной игре</a:t>
+            </a:r>
+            <a:endParaRPr lang="ru-RU"/>
+          </a:p>
+        </p:txBody>
+      </p:sp>
+      <p:sp>
+        <p:nvSpPr>
+          <p:cNvPr id="7" name="Номер слайда 6"/>
+          <p:cNvSpPr>
+            <a:spLocks noGrp="1"/>
+          </p:cNvSpPr>
+          <p:nvPr>
+            <p:ph type="sldNum" sz="quarter" idx="12"/>
+          </p:nvPr>
+        </p:nvSpPr>
+        <p:spPr/>
+        <p:txBody>
+          <a:bodyPr/>
+          <a:lstStyle/>
+          <a:p>
+            <a:fld id="{E58024C2-D31D-4875-8231-7C9AE6162281}" type="slidenum">
+              <a:rPr lang="ru-RU" smtClean="0"/>
+              <a:pPr/>
+              <a:t>5</a:t>
+            </a:fld>
+            <a:endParaRPr lang="ru-RU" dirty="0"/>
+          </a:p>
+        </p:txBody>
+      </p:sp>
+      <p:sp>
+        <p:nvSpPr>
+          <p:cNvPr id="8" name="TextBox 7"/>
+          <p:cNvSpPr txBox="1"/>
+          <p:nvPr/>
+        </p:nvSpPr>
+        <p:spPr>
+          <a:xfrm>
+            <a:off x="8069924" y="5845419"/>
+            <a:ext cx="2100255" cy="369332"/>
+          </a:xfrm>
+          <a:prstGeom prst="rect">
+            <a:avLst/>
+          </a:prstGeom>
+          <a:noFill/>
+        </p:spPr>
+        <p:txBody>
+          <a:bodyPr wrap="none" rtlCol="0">
+            <a:spAutoFit/>
+          </a:bodyPr>
+          <a:lstStyle/>
+          <a:p>
+            <a:r>
+              <a:rPr lang="ru-RU" dirty="0" smtClean="0"/>
+              <a:t>Вид игровой арены</a:t>
+            </a:r>
+            <a:endParaRPr lang="ru-RU" dirty="0"/>
+          </a:p>
+        </p:txBody>
+      </p:sp>
+    </p:spTree>
+    <p:extLst>
+      <p:ext uri="{BB962C8B-B14F-4D97-AF65-F5344CB8AC3E}">
+        <p14:creationId xmlns:p14="http://schemas.microsoft.com/office/powerpoint/2010/main" val="230434280"/>
+      </p:ext>
+    </p:extLst>
+  </p:cSld>
+  <p:clrMapOvr>
+    <a:masterClrMapping/>
+  </p:clrMapOvr>
+  <p:timing>
+    <p:tnLst>
+      <p:par>
+        <p:cTn id="1" dur="indefinite" restart="never" nodeType="tmRoot"/>
+      </p:par>
+    </p:tnLst>
+  </p:timing>
+</p:sld>
+</file>
+
+<file path=ppt/slides/slide6.xml><?xml version="1.0" encoding="utf-8"?>
 <p:sld xmlns:a="http://schemas.openxmlformats.org/drawingml/2006/main" xmlns:r="http://schemas.openxmlformats.org/officeDocument/2006/relationships" xmlns:p="http://schemas.openxmlformats.org/presentationml/2006/main">
   <p:cSld>
     <p:spTree>
@@ -20939,7 +19780,11 @@
           <a:p>
             <a:r>
               <a:rPr lang="ru-RU" dirty="0" smtClean="0"/>
-              <a:t>Конечные автоматы (реализация)</a:t>
+              <a:t>Конечные </a:t>
+            </a:r>
+            <a:r>
+              <a:rPr lang="ru-RU" dirty="0" smtClean="0"/>
+              <a:t>автоматы</a:t>
             </a:r>
             <a:endParaRPr lang="ru-RU" dirty="0"/>
           </a:p>
@@ -21112,7 +19957,7 @@
           <a:graphicData uri="http://schemas.openxmlformats.org/presentationml/2006/ole">
             <mc:AlternateContent xmlns:mc="http://schemas.openxmlformats.org/markup-compatibility/2006">
               <mc:Choice xmlns:v="urn:schemas-microsoft-com:vml" Requires="v">
-                <p:oleObj spid="_x0000_s2084" name="Visio" r:id="rId3" imgW="5467221" imgH="3314790" progId="Visio.Drawing.15">
+                <p:oleObj spid="_x0000_s2088" name="Visio" r:id="rId3" imgW="5467221" imgH="3314790" progId="Visio.Drawing.15">
                   <p:embed/>
                 </p:oleObj>
               </mc:Choice>
@@ -21198,7 +20043,7 @@
             <a:fld id="{E58024C2-D31D-4875-8231-7C9AE6162281}" type="slidenum">
               <a:rPr lang="ru-RU" smtClean="0"/>
               <a:pPr/>
-              <a:t>8</a:t>
+              <a:t>6</a:t>
             </a:fld>
             <a:endParaRPr lang="ru-RU" dirty="0"/>
           </a:p>
@@ -21238,6 +20083,690 @@
     <p:extLst>
       <p:ext uri="{BB962C8B-B14F-4D97-AF65-F5344CB8AC3E}">
         <p14:creationId xmlns:p14="http://schemas.microsoft.com/office/powerpoint/2010/main" val="932785340"/>
+      </p:ext>
+    </p:extLst>
+  </p:cSld>
+  <p:clrMapOvr>
+    <a:masterClrMapping/>
+  </p:clrMapOvr>
+</p:sld>
+</file>
+
+<file path=ppt/slides/slide7.xml><?xml version="1.0" encoding="utf-8"?>
+<p:sld xmlns:a="http://schemas.openxmlformats.org/drawingml/2006/main" xmlns:r="http://schemas.openxmlformats.org/officeDocument/2006/relationships" xmlns:p="http://schemas.openxmlformats.org/presentationml/2006/main">
+  <p:cSld>
+    <p:spTree>
+      <p:nvGrpSpPr>
+        <p:cNvPr id="1" name=""/>
+        <p:cNvGrpSpPr/>
+        <p:nvPr/>
+      </p:nvGrpSpPr>
+      <p:grpSpPr>
+        <a:xfrm>
+          <a:off x="0" y="0"/>
+          <a:ext cx="0" cy="0"/>
+          <a:chOff x="0" y="0"/>
+          <a:chExt cx="0" cy="0"/>
+        </a:xfrm>
+      </p:grpSpPr>
+      <p:sp>
+        <p:nvSpPr>
+          <p:cNvPr id="2" name="Заголовок 1"/>
+          <p:cNvSpPr>
+            <a:spLocks noGrp="1"/>
+          </p:cNvSpPr>
+          <p:nvPr>
+            <p:ph type="title"/>
+          </p:nvPr>
+        </p:nvSpPr>
+        <p:spPr>
+          <a:xfrm>
+            <a:off x="838200" y="365125"/>
+            <a:ext cx="10515600" cy="1333045"/>
+          </a:xfrm>
+        </p:spPr>
+        <p:txBody>
+          <a:bodyPr/>
+          <a:lstStyle/>
+          <a:p>
+            <a:r>
+              <a:rPr lang="ru-RU" dirty="0" smtClean="0"/>
+              <a:t>Конечные автоматы (выводы)</a:t>
+            </a:r>
+            <a:endParaRPr lang="ru-RU" dirty="0"/>
+          </a:p>
+        </p:txBody>
+      </p:sp>
+      <p:sp>
+        <p:nvSpPr>
+          <p:cNvPr id="3" name="Объект 2"/>
+          <p:cNvSpPr>
+            <a:spLocks noGrp="1"/>
+          </p:cNvSpPr>
+          <p:nvPr>
+            <p:ph idx="1"/>
+          </p:nvPr>
+        </p:nvSpPr>
+        <p:spPr>
+          <a:xfrm>
+            <a:off x="487680" y="1976845"/>
+            <a:ext cx="11094720" cy="4200117"/>
+          </a:xfrm>
+        </p:spPr>
+        <p:txBody>
+          <a:bodyPr>
+            <a:normAutofit/>
+          </a:bodyPr>
+          <a:lstStyle/>
+          <a:p>
+            <a:pPr marL="0" indent="0">
+              <a:buNone/>
+            </a:pPr>
+            <a:r>
+              <a:rPr lang="ru-RU" dirty="0" smtClean="0"/>
+              <a:t>Преимущества</a:t>
+            </a:r>
+          </a:p>
+          <a:p>
+            <a:pPr lvl="1">
+              <a:buFont typeface="Arial" panose="020B0604020202020204" pitchFamily="34" charset="0"/>
+              <a:buChar char="•"/>
+            </a:pPr>
+            <a:r>
+              <a:rPr lang="ru-RU" dirty="0" smtClean="0"/>
+              <a:t>Просты в разработке для агентов с небольшим количеством стратегий</a:t>
+            </a:r>
+          </a:p>
+          <a:p>
+            <a:pPr lvl="1">
+              <a:buFont typeface="Arial" panose="020B0604020202020204" pitchFamily="34" charset="0"/>
+              <a:buChar char="•"/>
+            </a:pPr>
+            <a:r>
+              <a:rPr lang="ru-RU" dirty="0" smtClean="0"/>
+              <a:t>Быстродействие: </a:t>
+            </a:r>
+            <a:r>
+              <a:rPr lang="en-US" dirty="0" smtClean="0"/>
+              <a:t>O(n)</a:t>
+            </a:r>
+            <a:r>
+              <a:rPr lang="ru-RU" dirty="0" smtClean="0"/>
+              <a:t>, где </a:t>
+            </a:r>
+            <a:r>
+              <a:rPr lang="en-US" dirty="0" smtClean="0"/>
+              <a:t>n – </a:t>
+            </a:r>
+            <a:r>
+              <a:rPr lang="ru-RU" dirty="0" smtClean="0"/>
+              <a:t>среднее количество исходящих переходов</a:t>
+            </a:r>
+          </a:p>
+          <a:p>
+            <a:pPr marL="0" indent="0">
+              <a:buNone/>
+            </a:pPr>
+            <a:r>
+              <a:rPr lang="ru-RU" dirty="0" smtClean="0"/>
+              <a:t>Недостатки</a:t>
+            </a:r>
+          </a:p>
+          <a:p>
+            <a:pPr lvl="1">
+              <a:buFont typeface="Arial" panose="020B0604020202020204" pitchFamily="34" charset="0"/>
+              <a:buChar char="•"/>
+            </a:pPr>
+            <a:r>
+              <a:rPr lang="ru-RU" dirty="0" smtClean="0"/>
+              <a:t>Не подходят для реализации сложных моделей поведения</a:t>
+            </a:r>
+          </a:p>
+          <a:p>
+            <a:pPr lvl="1">
+              <a:buFont typeface="Arial" panose="020B0604020202020204" pitchFamily="34" charset="0"/>
+              <a:buChar char="•"/>
+            </a:pPr>
+            <a:r>
+              <a:rPr lang="ru-RU" dirty="0" smtClean="0"/>
+              <a:t>Поведение </a:t>
+            </a:r>
+            <a:r>
+              <a:rPr lang="ru-RU" dirty="0"/>
+              <a:t>полностью определяется разработчиком. Агент может реагировать только на те условия окружающей среды, которые были учтены про проектировании.</a:t>
+            </a:r>
+          </a:p>
+          <a:p>
+            <a:pPr lvl="1">
+              <a:buFont typeface="Arial" panose="020B0604020202020204" pitchFamily="34" charset="0"/>
+              <a:buChar char="•"/>
+            </a:pPr>
+            <a:endParaRPr lang="ru-RU" dirty="0" smtClean="0"/>
+          </a:p>
+        </p:txBody>
+      </p:sp>
+      <p:sp>
+        <p:nvSpPr>
+          <p:cNvPr id="5" name="Нижний колонтитул 4"/>
+          <p:cNvSpPr>
+            <a:spLocks noGrp="1"/>
+          </p:cNvSpPr>
+          <p:nvPr>
+            <p:ph type="ftr" sz="quarter" idx="11"/>
+          </p:nvPr>
+        </p:nvSpPr>
+        <p:spPr/>
+        <p:txBody>
+          <a:bodyPr/>
+          <a:lstStyle/>
+          <a:p>
+            <a:r>
+              <a:rPr lang="ru-RU" smtClean="0"/>
+              <a:t>Приходько Е.В. Исследование методов моделирования принятия решений на примере ботов в компьютерной игре</a:t>
+            </a:r>
+            <a:endParaRPr lang="ru-RU"/>
+          </a:p>
+        </p:txBody>
+      </p:sp>
+      <p:sp>
+        <p:nvSpPr>
+          <p:cNvPr id="6" name="Номер слайда 5"/>
+          <p:cNvSpPr>
+            <a:spLocks noGrp="1"/>
+          </p:cNvSpPr>
+          <p:nvPr>
+            <p:ph type="sldNum" sz="quarter" idx="12"/>
+          </p:nvPr>
+        </p:nvSpPr>
+        <p:spPr/>
+        <p:txBody>
+          <a:bodyPr/>
+          <a:lstStyle/>
+          <a:p>
+            <a:fld id="{E58024C2-D31D-4875-8231-7C9AE6162281}" type="slidenum">
+              <a:rPr lang="ru-RU" smtClean="0"/>
+              <a:pPr/>
+              <a:t>7</a:t>
+            </a:fld>
+            <a:endParaRPr lang="ru-RU" dirty="0" smtClean="0"/>
+          </a:p>
+        </p:txBody>
+      </p:sp>
+    </p:spTree>
+    <p:extLst>
+      <p:ext uri="{BB962C8B-B14F-4D97-AF65-F5344CB8AC3E}">
+        <p14:creationId xmlns:p14="http://schemas.microsoft.com/office/powerpoint/2010/main" val="4245630726"/>
+      </p:ext>
+    </p:extLst>
+  </p:cSld>
+  <p:clrMapOvr>
+    <a:masterClrMapping/>
+  </p:clrMapOvr>
+</p:sld>
+</file>
+
+<file path=ppt/slides/slide8.xml><?xml version="1.0" encoding="utf-8"?>
+<p:sld xmlns:a="http://schemas.openxmlformats.org/drawingml/2006/main" xmlns:r="http://schemas.openxmlformats.org/officeDocument/2006/relationships" xmlns:p="http://schemas.openxmlformats.org/presentationml/2006/main">
+  <p:cSld>
+    <p:spTree>
+      <p:nvGrpSpPr>
+        <p:cNvPr id="1" name=""/>
+        <p:cNvGrpSpPr/>
+        <p:nvPr/>
+      </p:nvGrpSpPr>
+      <p:grpSpPr>
+        <a:xfrm>
+          <a:off x="0" y="0"/>
+          <a:ext cx="0" cy="0"/>
+          <a:chOff x="0" y="0"/>
+          <a:chExt cx="0" cy="0"/>
+        </a:xfrm>
+      </p:grpSpPr>
+      <p:sp>
+        <p:nvSpPr>
+          <p:cNvPr id="2" name="Заголовок 1"/>
+          <p:cNvSpPr>
+            <a:spLocks noGrp="1"/>
+          </p:cNvSpPr>
+          <p:nvPr>
+            <p:ph type="title"/>
+          </p:nvPr>
+        </p:nvSpPr>
+        <p:spPr>
+          <a:xfrm>
+            <a:off x="838200" y="365126"/>
+            <a:ext cx="10515600" cy="909826"/>
+          </a:xfrm>
+        </p:spPr>
+        <p:txBody>
+          <a:bodyPr/>
+          <a:lstStyle/>
+          <a:p>
+            <a:r>
+              <a:rPr lang="ru-RU" dirty="0" smtClean="0"/>
+              <a:t>Деревья </a:t>
+            </a:r>
+            <a:r>
+              <a:rPr lang="ru-RU" dirty="0" smtClean="0"/>
+              <a:t>поведения</a:t>
+            </a:r>
+            <a:endParaRPr lang="ru-RU" dirty="0"/>
+          </a:p>
+        </p:txBody>
+      </p:sp>
+      <p:sp>
+        <p:nvSpPr>
+          <p:cNvPr id="3" name="Объект 2"/>
+          <p:cNvSpPr>
+            <a:spLocks noGrp="1"/>
+          </p:cNvSpPr>
+          <p:nvPr>
+            <p:ph sz="half" idx="1"/>
+          </p:nvPr>
+        </p:nvSpPr>
+        <p:spPr>
+          <a:xfrm>
+            <a:off x="400050" y="1286575"/>
+            <a:ext cx="5945853" cy="2200275"/>
+          </a:xfrm>
+        </p:spPr>
+        <p:txBody>
+          <a:bodyPr>
+            <a:normAutofit/>
+          </a:bodyPr>
+          <a:lstStyle/>
+          <a:p>
+            <a:pPr marL="0" indent="0">
+              <a:buNone/>
+            </a:pPr>
+            <a:r>
+              <a:rPr lang="ru-RU" dirty="0" smtClean="0"/>
+              <a:t>Каждая ветвь дерева отвечает за определенную деятельность агента:</a:t>
+            </a:r>
+          </a:p>
+          <a:p>
+            <a:pPr lvl="1"/>
+            <a:r>
+              <a:rPr lang="ru-RU" dirty="0" smtClean="0"/>
+              <a:t>Стрельба</a:t>
+            </a:r>
+          </a:p>
+          <a:p>
+            <a:pPr lvl="1"/>
+            <a:r>
+              <a:rPr lang="ru-RU" dirty="0" smtClean="0"/>
+              <a:t>Анализ местности</a:t>
+            </a:r>
+          </a:p>
+          <a:p>
+            <a:pPr lvl="1"/>
+            <a:r>
+              <a:rPr lang="ru-RU" dirty="0" smtClean="0"/>
+              <a:t>Движение</a:t>
+            </a:r>
+            <a:endParaRPr lang="ru-RU" dirty="0"/>
+          </a:p>
+        </p:txBody>
+      </p:sp>
+      <p:sp>
+        <p:nvSpPr>
+          <p:cNvPr id="7" name="Rectangle 2"/>
+          <p:cNvSpPr>
+            <a:spLocks noChangeArrowheads="1"/>
+          </p:cNvSpPr>
+          <p:nvPr/>
+        </p:nvSpPr>
+        <p:spPr bwMode="auto">
+          <a:xfrm>
+            <a:off x="6200503" y="3056709"/>
+            <a:ext cx="12192000" cy="0"/>
+          </a:xfrm>
+          <a:prstGeom prst="rect">
+            <a:avLst/>
+          </a:prstGeom>
+          <a:noFill/>
+          <a:ln>
+            <a:noFill/>
+          </a:ln>
+          <a:effectLst/>
+          <a:extLst>
+            <a:ext uri="{909E8E84-426E-40DD-AFC4-6F175D3DCCD1}">
+              <a14:hiddenFill xmlns:a14="http://schemas.microsoft.com/office/drawing/2010/main">
+                <a:solidFill>
+                  <a:schemeClr val="accent1"/>
+                </a:solidFill>
+              </a14:hiddenFill>
+            </a:ext>
+            <a:ext uri="{91240B29-F687-4F45-9708-019B960494DF}">
+              <a14:hiddenLine xmlns:a14="http://schemas.microsoft.com/office/drawing/2010/main" w="9525">
+                <a:solidFill>
+                  <a:schemeClr val="tx1"/>
+                </a:solidFill>
+                <a:miter lim="800000"/>
+                <a:headEnd/>
+                <a:tailEnd/>
+              </a14:hiddenLine>
+            </a:ext>
+            <a:ext uri="{AF507438-7753-43E0-B8FC-AC1667EBCBE1}">
+              <a14:hiddenEffects xmlns:a14="http://schemas.microsoft.com/office/drawing/2010/main">
+                <a:effectLst>
+                  <a:outerShdw dist="35921" dir="2700000" algn="ctr" rotWithShape="0">
+                    <a:schemeClr val="bg2"/>
+                  </a:outerShdw>
+                </a:effectLst>
+              </a14:hiddenEffects>
+            </a:ext>
+          </a:extLst>
+        </p:spPr>
+        <p:txBody>
+          <a:bodyPr vert="horz" wrap="none" lIns="91440" tIns="45720" rIns="91440" bIns="45720" numCol="1" anchor="ctr" anchorCtr="0" compatLnSpc="1">
+            <a:prstTxWarp prst="textNoShape">
+              <a:avLst/>
+            </a:prstTxWarp>
+            <a:spAutoFit/>
+          </a:bodyPr>
+          <a:lstStyle/>
+          <a:p>
+            <a:endParaRPr lang="ru-RU"/>
+          </a:p>
+        </p:txBody>
+      </p:sp>
+      <p:sp>
+        <p:nvSpPr>
+          <p:cNvPr id="4" name="Нижний колонтитул 3"/>
+          <p:cNvSpPr>
+            <a:spLocks noGrp="1"/>
+          </p:cNvSpPr>
+          <p:nvPr>
+            <p:ph type="ftr" sz="quarter" idx="11"/>
+          </p:nvPr>
+        </p:nvSpPr>
+        <p:spPr/>
+        <p:txBody>
+          <a:bodyPr/>
+          <a:lstStyle/>
+          <a:p>
+            <a:r>
+              <a:rPr lang="ru-RU" smtClean="0"/>
+              <a:t>Приходько Е.В. Исследование методов моделирования принятия решений на примере ботов в компьютерной игре</a:t>
+            </a:r>
+            <a:endParaRPr lang="ru-RU"/>
+          </a:p>
+        </p:txBody>
+      </p:sp>
+      <p:sp>
+        <p:nvSpPr>
+          <p:cNvPr id="6" name="Номер слайда 5"/>
+          <p:cNvSpPr>
+            <a:spLocks noGrp="1"/>
+          </p:cNvSpPr>
+          <p:nvPr>
+            <p:ph type="sldNum" sz="quarter" idx="12"/>
+          </p:nvPr>
+        </p:nvSpPr>
+        <p:spPr/>
+        <p:txBody>
+          <a:bodyPr/>
+          <a:lstStyle/>
+          <a:p>
+            <a:fld id="{E58024C2-D31D-4875-8231-7C9AE6162281}" type="slidenum">
+              <a:rPr lang="ru-RU" smtClean="0"/>
+              <a:pPr/>
+              <a:t>8</a:t>
+            </a:fld>
+            <a:endParaRPr lang="ru-RU" dirty="0"/>
+          </a:p>
+        </p:txBody>
+      </p:sp>
+      <p:graphicFrame>
+        <p:nvGraphicFramePr>
+          <p:cNvPr id="9" name="Объект 8"/>
+          <p:cNvGraphicFramePr>
+            <a:graphicFrameLocks noChangeAspect="1"/>
+          </p:cNvGraphicFramePr>
+          <p:nvPr>
+            <p:extLst>
+              <p:ext uri="{D42A27DB-BD31-4B8C-83A1-F6EECF244321}">
+                <p14:modId xmlns:p14="http://schemas.microsoft.com/office/powerpoint/2010/main" val="2661003641"/>
+              </p:ext>
+            </p:extLst>
+          </p:nvPr>
+        </p:nvGraphicFramePr>
+        <p:xfrm>
+          <a:off x="5259728" y="1495426"/>
+          <a:ext cx="6749044" cy="3900550"/>
+        </p:xfrm>
+        <a:graphic>
+          <a:graphicData uri="http://schemas.openxmlformats.org/presentationml/2006/ole">
+            <mc:AlternateContent xmlns:mc="http://schemas.openxmlformats.org/markup-compatibility/2006">
+              <mc:Choice xmlns:v="urn:schemas-microsoft-com:vml" Requires="v">
+                <p:oleObj spid="_x0000_s5176" name="Visio" r:id="rId3" imgW="6562610" imgH="3791070" progId="Visio.Drawing.15">
+                  <p:embed/>
+                </p:oleObj>
+              </mc:Choice>
+              <mc:Fallback>
+                <p:oleObj name="Visio" r:id="rId3" imgW="6562610" imgH="3791070" progId="Visio.Drawing.15">
+                  <p:embed/>
+                  <p:pic>
+                    <p:nvPicPr>
+                      <p:cNvPr id="0" name=""/>
+                      <p:cNvPicPr>
+                        <a:picLocks noChangeAspect="1" noChangeArrowheads="1"/>
+                      </p:cNvPicPr>
+                      <p:nvPr/>
+                    </p:nvPicPr>
+                    <p:blipFill>
+                      <a:blip r:embed="rId4"/>
+                      <a:srcRect/>
+                      <a:stretch>
+                        <a:fillRect/>
+                      </a:stretch>
+                    </p:blipFill>
+                    <p:spPr bwMode="auto">
+                      <a:xfrm>
+                        <a:off x="5259728" y="1495426"/>
+                        <a:ext cx="6749044" cy="3900550"/>
+                      </a:xfrm>
+                      <a:prstGeom prst="rect">
+                        <a:avLst/>
+                      </a:prstGeom>
+                      <a:noFill/>
+                    </p:spPr>
+                  </p:pic>
+                </p:oleObj>
+              </mc:Fallback>
+            </mc:AlternateContent>
+          </a:graphicData>
+        </a:graphic>
+      </p:graphicFrame>
+      <p:sp>
+        <p:nvSpPr>
+          <p:cNvPr id="10" name="Rectangle 17"/>
+          <p:cNvSpPr>
+            <a:spLocks noChangeArrowheads="1"/>
+          </p:cNvSpPr>
+          <p:nvPr/>
+        </p:nvSpPr>
+        <p:spPr bwMode="auto">
+          <a:xfrm>
+            <a:off x="400050" y="4017900"/>
+            <a:ext cx="12192000" cy="0"/>
+          </a:xfrm>
+          <a:prstGeom prst="rect">
+            <a:avLst/>
+          </a:prstGeom>
+          <a:noFill/>
+          <a:ln>
+            <a:noFill/>
+          </a:ln>
+          <a:effectLst/>
+          <a:extLst>
+            <a:ext uri="{909E8E84-426E-40DD-AFC4-6F175D3DCCD1}">
+              <a14:hiddenFill xmlns:a14="http://schemas.microsoft.com/office/drawing/2010/main">
+                <a:solidFill>
+                  <a:schemeClr val="accent1"/>
+                </a:solidFill>
+              </a14:hiddenFill>
+            </a:ext>
+            <a:ext uri="{91240B29-F687-4F45-9708-019B960494DF}">
+              <a14:hiddenLine xmlns:a14="http://schemas.microsoft.com/office/drawing/2010/main" w="9525">
+                <a:solidFill>
+                  <a:schemeClr val="tx1"/>
+                </a:solidFill>
+                <a:miter lim="800000"/>
+                <a:headEnd/>
+                <a:tailEnd/>
+              </a14:hiddenLine>
+            </a:ext>
+            <a:ext uri="{AF507438-7753-43E0-B8FC-AC1667EBCBE1}">
+              <a14:hiddenEffects xmlns:a14="http://schemas.microsoft.com/office/drawing/2010/main">
+                <a:effectLst>
+                  <a:outerShdw dist="35921" dir="2700000" algn="ctr" rotWithShape="0">
+                    <a:schemeClr val="bg2"/>
+                  </a:outerShdw>
+                </a:effectLst>
+              </a14:hiddenEffects>
+            </a:ext>
+          </a:extLst>
+        </p:spPr>
+        <p:txBody>
+          <a:bodyPr vert="horz" wrap="none" lIns="91440" tIns="45720" rIns="91440" bIns="45720" numCol="1" anchor="ctr" anchorCtr="0" compatLnSpc="1">
+            <a:prstTxWarp prst="textNoShape">
+              <a:avLst/>
+            </a:prstTxWarp>
+            <a:spAutoFit/>
+          </a:bodyPr>
+          <a:lstStyle/>
+          <a:p>
+            <a:endParaRPr lang="ru-RU"/>
+          </a:p>
+        </p:txBody>
+      </p:sp>
+      <p:graphicFrame>
+        <p:nvGraphicFramePr>
+          <p:cNvPr id="11" name="Объект 10"/>
+          <p:cNvGraphicFramePr>
+            <a:graphicFrameLocks noChangeAspect="1"/>
+          </p:cNvGraphicFramePr>
+          <p:nvPr>
+            <p:extLst>
+              <p:ext uri="{D42A27DB-BD31-4B8C-83A1-F6EECF244321}">
+                <p14:modId xmlns:p14="http://schemas.microsoft.com/office/powerpoint/2010/main" val="2105840015"/>
+              </p:ext>
+            </p:extLst>
+          </p:nvPr>
+        </p:nvGraphicFramePr>
+        <p:xfrm>
+          <a:off x="51899" y="3798126"/>
+          <a:ext cx="5110276" cy="1389000"/>
+        </p:xfrm>
+        <a:graphic>
+          <a:graphicData uri="http://schemas.openxmlformats.org/presentationml/2006/ole">
+            <mc:AlternateContent xmlns:mc="http://schemas.openxmlformats.org/markup-compatibility/2006">
+              <mc:Choice xmlns:v="urn:schemas-microsoft-com:vml" Requires="v">
+                <p:oleObj spid="_x0000_s5177" name="Visio" r:id="rId5" imgW="4695721" imgH="1276290" progId="Visio.Drawing.15">
+                  <p:embed/>
+                </p:oleObj>
+              </mc:Choice>
+              <mc:Fallback>
+                <p:oleObj name="Visio" r:id="rId5" imgW="4695721" imgH="1276290" progId="Visio.Drawing.15">
+                  <p:embed/>
+                  <p:pic>
+                    <p:nvPicPr>
+                      <p:cNvPr id="0" name="Object 16"/>
+                      <p:cNvPicPr>
+                        <a:picLocks noChangeAspect="1" noChangeArrowheads="1"/>
+                      </p:cNvPicPr>
+                      <p:nvPr/>
+                    </p:nvPicPr>
+                    <p:blipFill>
+                      <a:blip r:embed="rId6"/>
+                      <a:srcRect/>
+                      <a:stretch>
+                        <a:fillRect/>
+                      </a:stretch>
+                    </p:blipFill>
+                    <p:spPr bwMode="auto">
+                      <a:xfrm>
+                        <a:off x="51899" y="3798126"/>
+                        <a:ext cx="5110276" cy="1389000"/>
+                      </a:xfrm>
+                      <a:prstGeom prst="rect">
+                        <a:avLst/>
+                      </a:prstGeom>
+                      <a:noFill/>
+                    </p:spPr>
+                  </p:pic>
+                </p:oleObj>
+              </mc:Fallback>
+            </mc:AlternateContent>
+          </a:graphicData>
+        </a:graphic>
+      </p:graphicFrame>
+      <p:sp>
+        <p:nvSpPr>
+          <p:cNvPr id="12" name="TextBox 11"/>
+          <p:cNvSpPr txBox="1"/>
+          <p:nvPr/>
+        </p:nvSpPr>
+        <p:spPr>
+          <a:xfrm>
+            <a:off x="704850" y="5616450"/>
+            <a:ext cx="3804375" cy="369332"/>
+          </a:xfrm>
+          <a:prstGeom prst="rect">
+            <a:avLst/>
+          </a:prstGeom>
+          <a:noFill/>
+        </p:spPr>
+        <p:txBody>
+          <a:bodyPr wrap="none" rtlCol="0">
+            <a:spAutoFit/>
+          </a:bodyPr>
+          <a:lstStyle/>
+          <a:p>
+            <a:r>
+              <a:rPr lang="ru-RU" dirty="0" smtClean="0"/>
+              <a:t>Обобщенный вид дерева поведения</a:t>
+            </a:r>
+            <a:endParaRPr lang="ru-RU" dirty="0"/>
+          </a:p>
+        </p:txBody>
+      </p:sp>
+      <p:sp>
+        <p:nvSpPr>
+          <p:cNvPr id="13" name="TextBox 12"/>
+          <p:cNvSpPr txBox="1"/>
+          <p:nvPr/>
+        </p:nvSpPr>
+        <p:spPr>
+          <a:xfrm>
+            <a:off x="6570704" y="5616450"/>
+            <a:ext cx="4127092" cy="369332"/>
+          </a:xfrm>
+          <a:prstGeom prst="rect">
+            <a:avLst/>
+          </a:prstGeom>
+          <a:noFill/>
+        </p:spPr>
+        <p:txBody>
+          <a:bodyPr wrap="none" rtlCol="0">
+            <a:spAutoFit/>
+          </a:bodyPr>
+          <a:lstStyle/>
+          <a:p>
+            <a:r>
+              <a:rPr lang="ru-RU" dirty="0" smtClean="0"/>
+              <a:t>Ветвь, отвечающая за анализ местности</a:t>
+            </a:r>
+            <a:endParaRPr lang="ru-RU" dirty="0"/>
+          </a:p>
+        </p:txBody>
+      </p:sp>
+    </p:spTree>
+    <p:extLst>
+      <p:ext uri="{BB962C8B-B14F-4D97-AF65-F5344CB8AC3E}">
+        <p14:creationId xmlns:p14="http://schemas.microsoft.com/office/powerpoint/2010/main" val="680956188"/>
       </p:ext>
     </p:extLst>
   </p:cSld>
@@ -21277,7 +20806,7 @@
         <p:spPr>
           <a:xfrm>
             <a:off x="838200" y="365125"/>
-            <a:ext cx="10515600" cy="1333045"/>
+            <a:ext cx="10515600" cy="804319"/>
           </a:xfrm>
         </p:spPr>
         <p:txBody>
@@ -21285,8 +20814,12 @@
           <a:lstStyle/>
           <a:p>
             <a:r>
+              <a:rPr lang="ru-RU" dirty="0"/>
+              <a:t>Деревья </a:t>
+            </a:r>
+            <a:r>
               <a:rPr lang="ru-RU" dirty="0" smtClean="0"/>
-              <a:t>Конечные автоматы (выводы)</a:t>
+              <a:t>поведения</a:t>
             </a:r>
             <a:endParaRPr lang="ru-RU" dirty="0"/>
           </a:p>
@@ -21294,115 +20827,196 @@
       </p:sp>
       <p:sp>
         <p:nvSpPr>
-          <p:cNvPr id="3" name="Объект 2"/>
+          <p:cNvPr id="8" name="Rectangle 4"/>
           <p:cNvSpPr>
-            <a:spLocks noGrp="1"/>
+            <a:spLocks noChangeArrowheads="1"/>
           </p:cNvSpPr>
-          <p:nvPr>
-            <p:ph idx="1"/>
-          </p:nvPr>
+          <p:nvPr/>
         </p:nvSpPr>
-        <p:spPr>
+        <p:spPr bwMode="auto">
           <a:xfrm>
-            <a:off x="487680" y="1976845"/>
-            <a:ext cx="11094720" cy="4200117"/>
+            <a:off x="792480" y="3065417"/>
+            <a:ext cx="12192000" cy="0"/>
           </a:xfrm>
+          <a:prstGeom prst="rect">
+            <a:avLst/>
+          </a:prstGeom>
+          <a:noFill/>
+          <a:ln>
+            <a:noFill/>
+          </a:ln>
+          <a:effectLst/>
+          <a:extLst>
+            <a:ext uri="{909E8E84-426E-40DD-AFC4-6F175D3DCCD1}">
+              <a14:hiddenFill xmlns:a14="http://schemas.microsoft.com/office/drawing/2010/main">
+                <a:solidFill>
+                  <a:schemeClr val="accent1"/>
+                </a:solidFill>
+              </a14:hiddenFill>
+            </a:ext>
+            <a:ext uri="{91240B29-F687-4F45-9708-019B960494DF}">
+              <a14:hiddenLine xmlns:a14="http://schemas.microsoft.com/office/drawing/2010/main" w="9525">
+                <a:solidFill>
+                  <a:schemeClr val="tx1"/>
+                </a:solidFill>
+                <a:miter lim="800000"/>
+                <a:headEnd/>
+                <a:tailEnd/>
+              </a14:hiddenLine>
+            </a:ext>
+            <a:ext uri="{AF507438-7753-43E0-B8FC-AC1667EBCBE1}">
+              <a14:hiddenEffects xmlns:a14="http://schemas.microsoft.com/office/drawing/2010/main">
+                <a:effectLst>
+                  <a:outerShdw dist="35921" dir="2700000" algn="ctr" rotWithShape="0">
+                    <a:schemeClr val="bg2"/>
+                  </a:outerShdw>
+                </a:effectLst>
+              </a14:hiddenEffects>
+            </a:ext>
+          </a:extLst>
         </p:spPr>
         <p:txBody>
-          <a:bodyPr>
-            <a:normAutofit/>
+          <a:bodyPr vert="horz" wrap="none" lIns="91440" tIns="45720" rIns="91440" bIns="45720" numCol="1" anchor="ctr" anchorCtr="0" compatLnSpc="1">
+            <a:prstTxWarp prst="textNoShape">
+              <a:avLst/>
+            </a:prstTxWarp>
+            <a:spAutoFit/>
           </a:bodyPr>
           <a:lstStyle/>
           <a:p>
-            <a:pPr marL="0" indent="0">
-              <a:buNone/>
-            </a:pPr>
-            <a:r>
-              <a:rPr lang="ru-RU" dirty="0" smtClean="0"/>
-              <a:t>Преимущества</a:t>
-            </a:r>
-          </a:p>
-          <a:p>
-            <a:pPr lvl="1">
-              <a:buFont typeface="Arial" panose="020B0604020202020204" pitchFamily="34" charset="0"/>
-              <a:buChar char="•"/>
-            </a:pPr>
-            <a:r>
-              <a:rPr lang="ru-RU" dirty="0" smtClean="0"/>
-              <a:t>Просты в разработке для агентов с небольшим количеством стратегий</a:t>
-            </a:r>
-          </a:p>
-          <a:p>
-            <a:pPr lvl="1">
-              <a:buFont typeface="Arial" panose="020B0604020202020204" pitchFamily="34" charset="0"/>
-              <a:buChar char="•"/>
-            </a:pPr>
-            <a:r>
-              <a:rPr lang="ru-RU" dirty="0" smtClean="0"/>
-              <a:t>Быстродействие: </a:t>
-            </a:r>
-            <a:r>
-              <a:rPr lang="en-US" dirty="0" smtClean="0"/>
-              <a:t>O(n)</a:t>
-            </a:r>
-            <a:r>
-              <a:rPr lang="ru-RU" dirty="0" smtClean="0"/>
-              <a:t>, где </a:t>
-            </a:r>
-            <a:r>
-              <a:rPr lang="en-US" dirty="0" smtClean="0"/>
-              <a:t>n – </a:t>
-            </a:r>
-            <a:r>
-              <a:rPr lang="ru-RU" dirty="0" smtClean="0"/>
-              <a:t>среднее количество исходящих переходов</a:t>
-            </a:r>
-          </a:p>
-          <a:p>
-            <a:pPr marL="0" indent="0">
-              <a:buNone/>
-            </a:pPr>
-            <a:r>
-              <a:rPr lang="ru-RU" dirty="0" smtClean="0"/>
-              <a:t>Недостатки</a:t>
-            </a:r>
-          </a:p>
-          <a:p>
-            <a:pPr lvl="1">
-              <a:buFont typeface="Arial" panose="020B0604020202020204" pitchFamily="34" charset="0"/>
-              <a:buChar char="•"/>
-            </a:pPr>
-            <a:r>
-              <a:rPr lang="ru-RU" dirty="0" smtClean="0"/>
-              <a:t>Не подходят для реализации сложных моделей поведения</a:t>
-            </a:r>
-          </a:p>
-          <a:p>
-            <a:pPr lvl="1">
-              <a:buFont typeface="Arial" panose="020B0604020202020204" pitchFamily="34" charset="0"/>
-              <a:buChar char="•"/>
-            </a:pPr>
-            <a:r>
-              <a:rPr lang="ru-RU" dirty="0" smtClean="0"/>
-              <a:t>Поведение </a:t>
-            </a:r>
-            <a:r>
-              <a:rPr lang="ru-RU" dirty="0"/>
-              <a:t>полностью определяется разработчиком. Агент может реагировать только на те условия окружающей среды, которые были учтены про проектировании.</a:t>
-            </a:r>
-          </a:p>
-          <a:p>
-            <a:pPr lvl="1">
-              <a:buFont typeface="Arial" panose="020B0604020202020204" pitchFamily="34" charset="0"/>
-              <a:buChar char="•"/>
-            </a:pPr>
-            <a:endParaRPr lang="ru-RU" dirty="0" smtClean="0"/>
+            <a:endParaRPr lang="ru-RU"/>
           </a:p>
         </p:txBody>
       </p:sp>
       <p:sp>
         <p:nvSpPr>
-          <p:cNvPr id="5" name="Нижний колонтитул 4"/>
+          <p:cNvPr id="10" name="Rectangle 6"/>
+          <p:cNvSpPr>
+            <a:spLocks noChangeArrowheads="1"/>
+          </p:cNvSpPr>
+          <p:nvPr/>
+        </p:nvSpPr>
+        <p:spPr bwMode="auto">
+          <a:xfrm>
+            <a:off x="5135000" y="2077205"/>
+            <a:ext cx="11439968" cy="0"/>
+          </a:xfrm>
+          <a:prstGeom prst="rect">
+            <a:avLst/>
+          </a:prstGeom>
+          <a:noFill/>
+          <a:ln>
+            <a:noFill/>
+          </a:ln>
+          <a:effectLst/>
+          <a:extLst>
+            <a:ext uri="{909E8E84-426E-40DD-AFC4-6F175D3DCCD1}">
+              <a14:hiddenFill xmlns:a14="http://schemas.microsoft.com/office/drawing/2010/main">
+                <a:solidFill>
+                  <a:schemeClr val="accent1"/>
+                </a:solidFill>
+              </a14:hiddenFill>
+            </a:ext>
+            <a:ext uri="{91240B29-F687-4F45-9708-019B960494DF}">
+              <a14:hiddenLine xmlns:a14="http://schemas.microsoft.com/office/drawing/2010/main" w="9525">
+                <a:solidFill>
+                  <a:schemeClr val="tx1"/>
+                </a:solidFill>
+                <a:miter lim="800000"/>
+                <a:headEnd/>
+                <a:tailEnd/>
+              </a14:hiddenLine>
+            </a:ext>
+            <a:ext uri="{AF507438-7753-43E0-B8FC-AC1667EBCBE1}">
+              <a14:hiddenEffects xmlns:a14="http://schemas.microsoft.com/office/drawing/2010/main">
+                <a:effectLst>
+                  <a:outerShdw dist="35921" dir="2700000" algn="ctr" rotWithShape="0">
+                    <a:schemeClr val="bg2"/>
+                  </a:outerShdw>
+                </a:effectLst>
+              </a14:hiddenEffects>
+            </a:ext>
+          </a:extLst>
+        </p:spPr>
+        <p:txBody>
+          <a:bodyPr vert="horz" wrap="square" lIns="91440" tIns="45720" rIns="91440" bIns="45720" numCol="1" anchor="ctr" anchorCtr="0" compatLnSpc="1">
+            <a:prstTxWarp prst="textNoShape">
+              <a:avLst/>
+            </a:prstTxWarp>
+            <a:spAutoFit/>
+          </a:bodyPr>
+          <a:lstStyle/>
+          <a:p>
+            <a:endParaRPr lang="ru-RU"/>
+          </a:p>
+        </p:txBody>
+      </p:sp>
+      <p:sp>
+        <p:nvSpPr>
+          <p:cNvPr id="13" name="Rectangle 8"/>
+          <p:cNvSpPr>
+            <a:spLocks noChangeArrowheads="1"/>
+          </p:cNvSpPr>
+          <p:nvPr/>
+        </p:nvSpPr>
+        <p:spPr bwMode="auto">
+          <a:xfrm>
+            <a:off x="2395379" y="2598450"/>
+            <a:ext cx="7712624" cy="0"/>
+          </a:xfrm>
+          <a:prstGeom prst="rect">
+            <a:avLst/>
+          </a:prstGeom>
+          <a:noFill/>
+          <a:ln>
+            <a:noFill/>
+          </a:ln>
+          <a:effectLst/>
+          <a:extLst>
+            <a:ext uri="{909E8E84-426E-40DD-AFC4-6F175D3DCCD1}">
+              <a14:hiddenFill xmlns:a14="http://schemas.microsoft.com/office/drawing/2010/main">
+                <a:solidFill>
+                  <a:schemeClr val="accent1"/>
+                </a:solidFill>
+              </a14:hiddenFill>
+            </a:ext>
+            <a:ext uri="{91240B29-F687-4F45-9708-019B960494DF}">
+              <a14:hiddenLine xmlns:a14="http://schemas.microsoft.com/office/drawing/2010/main" w="9525">
+                <a:solidFill>
+                  <a:schemeClr val="tx1"/>
+                </a:solidFill>
+                <a:miter lim="800000"/>
+                <a:headEnd/>
+                <a:tailEnd/>
+              </a14:hiddenLine>
+            </a:ext>
+            <a:ext uri="{AF507438-7753-43E0-B8FC-AC1667EBCBE1}">
+              <a14:hiddenEffects xmlns:a14="http://schemas.microsoft.com/office/drawing/2010/main">
+                <a:effectLst>
+                  <a:outerShdw dist="35921" dir="2700000" algn="ctr" rotWithShape="0">
+                    <a:schemeClr val="bg2"/>
+                  </a:outerShdw>
+                </a:effectLst>
+              </a14:hiddenEffects>
+            </a:ext>
+          </a:extLst>
+        </p:spPr>
+        <p:txBody>
+          <a:bodyPr vert="horz" wrap="square" lIns="91440" tIns="45720" rIns="91440" bIns="45720" numCol="1" anchor="ctr" anchorCtr="0" compatLnSpc="1">
+            <a:prstTxWarp prst="textNoShape">
+              <a:avLst/>
+            </a:prstTxWarp>
+            <a:spAutoFit/>
+          </a:bodyPr>
+          <a:lstStyle/>
+          <a:p>
+            <a:endParaRPr lang="ru-RU"/>
+          </a:p>
+        </p:txBody>
+      </p:sp>
+      <p:sp>
+        <p:nvSpPr>
+          <p:cNvPr id="3" name="Нижний колонтитул 2"/>
           <p:cNvSpPr>
             <a:spLocks noGrp="1"/>
           </p:cNvSpPr>
@@ -21425,7 +21039,7 @@
       </p:sp>
       <p:sp>
         <p:nvSpPr>
-          <p:cNvPr id="6" name="Номер слайда 5"/>
+          <p:cNvPr id="4" name="Номер слайда 3"/>
           <p:cNvSpPr>
             <a:spLocks noGrp="1"/>
           </p:cNvSpPr>
@@ -21443,14 +21057,222 @@
               <a:pPr/>
               <a:t>9</a:t>
             </a:fld>
-            <a:endParaRPr lang="ru-RU" dirty="0" smtClean="0"/>
+            <a:endParaRPr lang="ru-RU" dirty="0"/>
+          </a:p>
+        </p:txBody>
+      </p:sp>
+      <p:sp>
+        <p:nvSpPr>
+          <p:cNvPr id="6" name="Rectangle 42"/>
+          <p:cNvSpPr>
+            <a:spLocks noChangeArrowheads="1"/>
+          </p:cNvSpPr>
+          <p:nvPr/>
+        </p:nvSpPr>
+        <p:spPr bwMode="auto">
+          <a:xfrm>
+            <a:off x="209549" y="2055767"/>
+            <a:ext cx="12887821" cy="0"/>
+          </a:xfrm>
+          <a:prstGeom prst="rect">
+            <a:avLst/>
+          </a:prstGeom>
+          <a:noFill/>
+          <a:ln>
+            <a:noFill/>
+          </a:ln>
+          <a:effectLst/>
+          <a:extLst>
+            <a:ext uri="{909E8E84-426E-40DD-AFC4-6F175D3DCCD1}">
+              <a14:hiddenFill xmlns:a14="http://schemas.microsoft.com/office/drawing/2010/main">
+                <a:solidFill>
+                  <a:schemeClr val="accent1"/>
+                </a:solidFill>
+              </a14:hiddenFill>
+            </a:ext>
+            <a:ext uri="{91240B29-F687-4F45-9708-019B960494DF}">
+              <a14:hiddenLine xmlns:a14="http://schemas.microsoft.com/office/drawing/2010/main" w="9525">
+                <a:solidFill>
+                  <a:schemeClr val="tx1"/>
+                </a:solidFill>
+                <a:miter lim="800000"/>
+                <a:headEnd/>
+                <a:tailEnd/>
+              </a14:hiddenLine>
+            </a:ext>
+            <a:ext uri="{AF507438-7753-43E0-B8FC-AC1667EBCBE1}">
+              <a14:hiddenEffects xmlns:a14="http://schemas.microsoft.com/office/drawing/2010/main">
+                <a:effectLst>
+                  <a:outerShdw dist="35921" dir="2700000" algn="ctr" rotWithShape="0">
+                    <a:schemeClr val="bg2"/>
+                  </a:outerShdw>
+                </a:effectLst>
+              </a14:hiddenEffects>
+            </a:ext>
+          </a:extLst>
+        </p:spPr>
+        <p:txBody>
+          <a:bodyPr vert="horz" wrap="square" lIns="91440" tIns="45720" rIns="91440" bIns="45720" numCol="1" anchor="ctr" anchorCtr="0" compatLnSpc="1">
+            <a:prstTxWarp prst="textNoShape">
+              <a:avLst/>
+            </a:prstTxWarp>
+            <a:spAutoFit/>
+          </a:bodyPr>
+          <a:lstStyle/>
+          <a:p>
+            <a:endParaRPr lang="ru-RU"/>
+          </a:p>
+        </p:txBody>
+      </p:sp>
+      <p:graphicFrame>
+        <p:nvGraphicFramePr>
+          <p:cNvPr id="7" name="Объект 6"/>
+          <p:cNvGraphicFramePr>
+            <a:graphicFrameLocks noChangeAspect="1"/>
+          </p:cNvGraphicFramePr>
+          <p:nvPr>
+            <p:extLst>
+              <p:ext uri="{D42A27DB-BD31-4B8C-83A1-F6EECF244321}">
+                <p14:modId xmlns:p14="http://schemas.microsoft.com/office/powerpoint/2010/main" val="1387982559"/>
+              </p:ext>
+            </p:extLst>
+          </p:nvPr>
+        </p:nvGraphicFramePr>
+        <p:xfrm>
+          <a:off x="209550" y="2055767"/>
+          <a:ext cx="4750880" cy="2499222"/>
+        </p:xfrm>
+        <a:graphic>
+          <a:graphicData uri="http://schemas.openxmlformats.org/presentationml/2006/ole">
+            <mc:AlternateContent xmlns:mc="http://schemas.openxmlformats.org/markup-compatibility/2006">
+              <mc:Choice xmlns:v="urn:schemas-microsoft-com:vml" Requires="v">
+                <p:oleObj spid="_x0000_s4158" name="Visio" r:id="rId3" imgW="3838589" imgH="2019330" progId="Visio.Drawing.15">
+                  <p:embed/>
+                </p:oleObj>
+              </mc:Choice>
+              <mc:Fallback>
+                <p:oleObj name="Visio" r:id="rId3" imgW="3838589" imgH="2019330" progId="Visio.Drawing.15">
+                  <p:embed/>
+                  <p:pic>
+                    <p:nvPicPr>
+                      <p:cNvPr id="0" name="Object 41"/>
+                      <p:cNvPicPr>
+                        <a:picLocks noChangeAspect="1" noChangeArrowheads="1"/>
+                      </p:cNvPicPr>
+                      <p:nvPr/>
+                    </p:nvPicPr>
+                    <p:blipFill>
+                      <a:blip r:embed="rId4"/>
+                      <a:srcRect/>
+                      <a:stretch>
+                        <a:fillRect/>
+                      </a:stretch>
+                    </p:blipFill>
+                    <p:spPr bwMode="auto">
+                      <a:xfrm>
+                        <a:off x="209550" y="2055767"/>
+                        <a:ext cx="4750880" cy="2499222"/>
+                      </a:xfrm>
+                      <a:prstGeom prst="rect">
+                        <a:avLst/>
+                      </a:prstGeom>
+                      <a:noFill/>
+                    </p:spPr>
+                  </p:pic>
+                </p:oleObj>
+              </mc:Fallback>
+            </mc:AlternateContent>
+          </a:graphicData>
+        </a:graphic>
+      </p:graphicFrame>
+      <p:pic>
+        <p:nvPicPr>
+          <p:cNvPr id="9" name="Рисунок 8"/>
+          <p:cNvPicPr>
+            <a:picLocks noChangeAspect="1"/>
+          </p:cNvPicPr>
+          <p:nvPr/>
+        </p:nvPicPr>
+        <p:blipFill>
+          <a:blip r:embed="rId5"/>
+          <a:stretch>
+            <a:fillRect/>
+          </a:stretch>
+        </p:blipFill>
+        <p:spPr>
+          <a:xfrm>
+            <a:off x="5135000" y="1690688"/>
+            <a:ext cx="6923580" cy="3652020"/>
+          </a:xfrm>
+          <a:prstGeom prst="rect">
+            <a:avLst/>
+          </a:prstGeom>
+        </p:spPr>
+      </p:pic>
+      <p:sp>
+        <p:nvSpPr>
+          <p:cNvPr id="12" name="TextBox 11"/>
+          <p:cNvSpPr txBox="1"/>
+          <p:nvPr/>
+        </p:nvSpPr>
+        <p:spPr>
+          <a:xfrm>
+            <a:off x="460131" y="5543200"/>
+            <a:ext cx="4674869" cy="369332"/>
+          </a:xfrm>
+          <a:prstGeom prst="rect">
+            <a:avLst/>
+          </a:prstGeom>
+          <a:noFill/>
+        </p:spPr>
+        <p:txBody>
+          <a:bodyPr wrap="square" rtlCol="0">
+            <a:spAutoFit/>
+          </a:bodyPr>
+          <a:lstStyle/>
+          <a:p>
+            <a:r>
+              <a:rPr lang="ru-RU" dirty="0" smtClean="0"/>
+              <a:t>Ветвь, отвечающая за управление стрельбой </a:t>
+            </a:r>
+            <a:endParaRPr lang="ru-RU" dirty="0"/>
+          </a:p>
+        </p:txBody>
+      </p:sp>
+      <p:sp>
+        <p:nvSpPr>
+          <p:cNvPr id="17" name="TextBox 16"/>
+          <p:cNvSpPr txBox="1"/>
+          <p:nvPr/>
+        </p:nvSpPr>
+        <p:spPr>
+          <a:xfrm>
+            <a:off x="5923965" y="5543200"/>
+            <a:ext cx="4931019" cy="369332"/>
+          </a:xfrm>
+          <a:prstGeom prst="rect">
+            <a:avLst/>
+          </a:prstGeom>
+          <a:noFill/>
+        </p:spPr>
+        <p:txBody>
+          <a:bodyPr wrap="square" rtlCol="0">
+            <a:spAutoFit/>
+          </a:bodyPr>
+          <a:lstStyle/>
+          <a:p>
+            <a:r>
+              <a:rPr lang="ru-RU" dirty="0" smtClean="0"/>
+              <a:t>Ветвь, отвечающая за управление движением</a:t>
+            </a:r>
+            <a:endParaRPr lang="ru-RU" dirty="0"/>
           </a:p>
         </p:txBody>
       </p:sp>
     </p:spTree>
     <p:extLst>
       <p:ext uri="{BB962C8B-B14F-4D97-AF65-F5344CB8AC3E}">
-        <p14:creationId xmlns:p14="http://schemas.microsoft.com/office/powerpoint/2010/main" val="4245630726"/>
+        <p14:creationId xmlns:p14="http://schemas.microsoft.com/office/powerpoint/2010/main" val="474409693"/>
       </p:ext>
     </p:extLst>
   </p:cSld>

--- a/Презентация.pptx
+++ b/Презентация.pptx
@@ -384,11 +384,11 @@
           <c:showBubbleSize val="0"/>
         </c:dLbls>
         <c:smooth val="0"/>
-        <c:axId val="301361456"/>
-        <c:axId val="301362576"/>
+        <c:axId val="180942640"/>
+        <c:axId val="180943200"/>
       </c:lineChart>
       <c:catAx>
-        <c:axId val="301361456"/>
+        <c:axId val="180942640"/>
         <c:scaling>
           <c:orientation val="minMax"/>
         </c:scaling>
@@ -420,7 +420,6 @@
               </a:p>
             </c:rich>
           </c:tx>
-          <c:layout/>
           <c:overlay val="0"/>
           <c:spPr>
             <a:noFill/>
@@ -487,7 +486,7 @@
             <a:endParaRPr lang="ru-RU"/>
           </a:p>
         </c:txPr>
-        <c:crossAx val="301362576"/>
+        <c:crossAx val="180943200"/>
         <c:crosses val="autoZero"/>
         <c:auto val="1"/>
         <c:lblAlgn val="ctr"/>
@@ -495,7 +494,7 @@
         <c:noMultiLvlLbl val="0"/>
       </c:catAx>
       <c:valAx>
-        <c:axId val="301362576"/>
+        <c:axId val="180943200"/>
         <c:scaling>
           <c:orientation val="minMax"/>
         </c:scaling>
@@ -541,7 +540,6 @@
               </a:p>
             </c:rich>
           </c:tx>
-          <c:layout/>
           <c:overlay val="0"/>
           <c:spPr>
             <a:noFill/>
@@ -602,7 +600,7 @@
             <a:endParaRPr lang="ru-RU"/>
           </a:p>
         </c:txPr>
-        <c:crossAx val="301361456"/>
+        <c:crossAx val="180942640"/>
         <c:crosses val="autoZero"/>
         <c:crossBetween val="between"/>
       </c:valAx>
@@ -616,7 +614,6 @@
     </c:plotArea>
     <c:legend>
       <c:legendPos val="b"/>
-      <c:layout/>
       <c:overlay val="0"/>
       <c:spPr>
         <a:noFill/>
@@ -708,7 +705,11 @@
             </a:pPr>
             <a:r>
               <a:rPr lang="ru-RU" dirty="0" smtClean="0"/>
-              <a:t>Исходы игр</a:t>
+              <a:t>Исходы</a:t>
+            </a:r>
+            <a:r>
+              <a:rPr lang="ru-RU" baseline="0" dirty="0" smtClean="0"/>
+              <a:t> игр</a:t>
             </a:r>
             <a:endParaRPr lang="ru-RU" dirty="0"/>
           </a:p>
@@ -746,17 +747,7 @@
     </c:title>
     <c:autoTitleDeleted val="0"/>
     <c:plotArea>
-      <c:layout>
-        <c:manualLayout>
-          <c:layoutTarget val="inner"/>
-          <c:xMode val="edge"/>
-          <c:yMode val="edge"/>
-          <c:x val="0.10827003242241777"/>
-          <c:y val="0.10825245016590301"/>
-          <c:w val="0.86231820287169991"/>
-          <c:h val="0.75727580803881478"/>
-        </c:manualLayout>
-      </c:layout>
+      <c:layout/>
       <c:barChart>
         <c:barDir val="col"/>
         <c:grouping val="clustered"/>
@@ -844,6 +835,66 @@
               </c:ext>
             </c:extLst>
           </c:dLbls>
+          <c:errBars>
+            <c:errBarType val="both"/>
+            <c:errValType val="cust"/>
+            <c:noEndCap val="0"/>
+            <c:plus>
+              <c:numRef>
+                <c:f>Лист1!$I$2:$I$5</c:f>
+                <c:numCache>
+                  <c:formatCode>General</c:formatCode>
+                  <c:ptCount val="4"/>
+                  <c:pt idx="0">
+                    <c:v>4.2699999999999996</c:v>
+                  </c:pt>
+                  <c:pt idx="1">
+                    <c:v>4.3</c:v>
+                  </c:pt>
+                  <c:pt idx="2">
+                    <c:v>4.25</c:v>
+                  </c:pt>
+                  <c:pt idx="3">
+                    <c:v>4.22</c:v>
+                  </c:pt>
+                </c:numCache>
+              </c:numRef>
+            </c:plus>
+            <c:minus>
+              <c:numRef>
+                <c:f>Лист1!$I$2:$I$5</c:f>
+                <c:numCache>
+                  <c:formatCode>General</c:formatCode>
+                  <c:ptCount val="4"/>
+                  <c:pt idx="0">
+                    <c:v>4.2699999999999996</c:v>
+                  </c:pt>
+                  <c:pt idx="1">
+                    <c:v>4.3</c:v>
+                  </c:pt>
+                  <c:pt idx="2">
+                    <c:v>4.25</c:v>
+                  </c:pt>
+                  <c:pt idx="3">
+                    <c:v>4.22</c:v>
+                  </c:pt>
+                </c:numCache>
+              </c:numRef>
+            </c:minus>
+            <c:spPr>
+              <a:noFill/>
+              <a:ln w="9525" cap="flat" cmpd="sng" algn="ctr">
+                <a:solidFill>
+                  <a:schemeClr val="tx1">
+                    <a:lumMod val="65000"/>
+                    <a:lumOff val="35000"/>
+                  </a:schemeClr>
+                </a:solidFill>
+                <a:round/>
+              </a:ln>
+              <a:effectLst/>
+            </c:spPr>
+          </c:errBars>
           <c:cat>
             <c:strRef>
               <c:f>Лист1!$A$2:$A$5</c:f>
@@ -969,6 +1020,66 @@
               </c:ext>
             </c:extLst>
           </c:dLbls>
+          <c:errBars>
+            <c:errBarType val="both"/>
+            <c:errValType val="cust"/>
+            <c:noEndCap val="0"/>
+            <c:plus>
+              <c:numRef>
+                <c:f>Лист1!$K$2:$K$5</c:f>
+                <c:numCache>
+                  <c:formatCode>General</c:formatCode>
+                  <c:ptCount val="4"/>
+                  <c:pt idx="0">
+                    <c:v>4.26</c:v>
+                  </c:pt>
+                  <c:pt idx="1">
+                    <c:v>4.2</c:v>
+                  </c:pt>
+                  <c:pt idx="2">
+                    <c:v>4.28</c:v>
+                  </c:pt>
+                  <c:pt idx="3">
+                    <c:v>4.29</c:v>
+                  </c:pt>
+                </c:numCache>
+              </c:numRef>
+            </c:plus>
+            <c:minus>
+              <c:numRef>
+                <c:f>Лист1!$K$2:$K$5</c:f>
+                <c:numCache>
+                  <c:formatCode>General</c:formatCode>
+                  <c:ptCount val="4"/>
+                  <c:pt idx="0">
+                    <c:v>4.26</c:v>
+                  </c:pt>
+                  <c:pt idx="1">
+                    <c:v>4.2</c:v>
+                  </c:pt>
+                  <c:pt idx="2">
+                    <c:v>4.28</c:v>
+                  </c:pt>
+                  <c:pt idx="3">
+                    <c:v>4.29</c:v>
+                  </c:pt>
+                </c:numCache>
+              </c:numRef>
+            </c:minus>
+            <c:spPr>
+              <a:noFill/>
+              <a:ln w="9525" cap="flat" cmpd="sng" algn="ctr">
+                <a:solidFill>
+                  <a:schemeClr val="tx1">
+                    <a:lumMod val="65000"/>
+                    <a:lumOff val="35000"/>
+                  </a:schemeClr>
+                </a:solidFill>
+                <a:round/>
+              </a:ln>
+              <a:effectLst/>
+            </c:spPr>
+          </c:errBars>
           <c:cat>
             <c:strRef>
               <c:f>Лист1!$A$2:$A$5</c:f>
@@ -1094,6 +1205,66 @@
               </c:ext>
             </c:extLst>
           </c:dLbls>
+          <c:errBars>
+            <c:errBarType val="both"/>
+            <c:errValType val="cust"/>
+            <c:noEndCap val="0"/>
+            <c:plus>
+              <c:numRef>
+                <c:f>Лист1!$M$2:$M$5</c:f>
+                <c:numCache>
+                  <c:formatCode>General</c:formatCode>
+                  <c:ptCount val="4"/>
+                  <c:pt idx="0">
+                    <c:v>3.32</c:v>
+                  </c:pt>
+                  <c:pt idx="1">
+                    <c:v>3.36</c:v>
+                  </c:pt>
+                  <c:pt idx="2">
+                    <c:v>3.27</c:v>
+                  </c:pt>
+                  <c:pt idx="3">
+                    <c:v>3.33</c:v>
+                  </c:pt>
+                </c:numCache>
+              </c:numRef>
+            </c:plus>
+            <c:minus>
+              <c:numRef>
+                <c:f>Лист1!$M$2:$M$5</c:f>
+                <c:numCache>
+                  <c:formatCode>General</c:formatCode>
+                  <c:ptCount val="4"/>
+                  <c:pt idx="0">
+                    <c:v>3.32</c:v>
+                  </c:pt>
+                  <c:pt idx="1">
+                    <c:v>3.36</c:v>
+                  </c:pt>
+                  <c:pt idx="2">
+                    <c:v>3.27</c:v>
+                  </c:pt>
+                  <c:pt idx="3">
+                    <c:v>3.33</c:v>
+                  </c:pt>
+                </c:numCache>
+              </c:numRef>
+            </c:minus>
+            <c:spPr>
+              <a:noFill/>
+              <a:ln w="9525" cap="flat" cmpd="sng" algn="ctr">
+                <a:solidFill>
+                  <a:schemeClr val="tx1">
+                    <a:lumMod val="65000"/>
+                    <a:lumOff val="35000"/>
+                  </a:schemeClr>
+                </a:solidFill>
+                <a:round/>
+              </a:ln>
+              <a:effectLst/>
+            </c:spPr>
+          </c:errBars>
           <c:cat>
             <c:strRef>
               <c:f>Лист1!$A$2:$A$5</c:f>
@@ -1147,11 +1318,11 @@
         </c:dLbls>
         <c:gapWidth val="219"/>
         <c:overlap val="-27"/>
-        <c:axId val="205935472"/>
-        <c:axId val="205936032"/>
+        <c:axId val="285887616"/>
+        <c:axId val="285888176"/>
       </c:barChart>
       <c:catAx>
-        <c:axId val="205935472"/>
+        <c:axId val="285887616"/>
         <c:scaling>
           <c:orientation val="minMax"/>
         </c:scaling>
@@ -1194,7 +1365,7 @@
             <a:endParaRPr lang="ru-RU"/>
           </a:p>
         </c:txPr>
-        <c:crossAx val="205936032"/>
+        <c:crossAx val="285888176"/>
         <c:crosses val="autoZero"/>
         <c:auto val="1"/>
         <c:lblAlgn val="ctr"/>
@@ -1202,7 +1373,7 @@
         <c:noMultiLvlLbl val="0"/>
       </c:catAx>
       <c:valAx>
-        <c:axId val="205936032"/>
+        <c:axId val="285888176"/>
         <c:scaling>
           <c:orientation val="minMax"/>
         </c:scaling>
@@ -1243,7 +1414,11 @@
                 </a:pPr>
                 <a:r>
                   <a:rPr lang="ru-RU"/>
-                  <a:t>Доля, %</a:t>
+                  <a:t>Доля,</a:t>
+                </a:r>
+                <a:r>
+                  <a:rPr lang="ru-RU" baseline="0"/>
+                  <a:t> %</a:t>
                 </a:r>
               </a:p>
             </c:rich>
@@ -1309,7 +1484,7 @@
             <a:endParaRPr lang="ru-RU"/>
           </a:p>
         </c:txPr>
-        <c:crossAx val="205935472"/>
+        <c:crossAx val="285887616"/>
         <c:crosses val="autoZero"/>
         <c:crossBetween val="between"/>
       </c:valAx>
@@ -1395,32 +1570,6 @@
   </mc:AlternateContent>
   <c:chart>
     <c:title>
-      <c:tx>
-        <c:rich>
-          <a:bodyPr rot="0" spcFirstLastPara="1" vertOverflow="ellipsis" vert="horz" wrap="square" anchor="ctr" anchorCtr="1"/>
-          <a:lstStyle/>
-          <a:p>
-            <a:pPr>
-              <a:defRPr sz="1400" b="0" i="0" u="none" strike="noStrike" kern="1200" spc="0" baseline="0">
-                <a:solidFill>
-                  <a:schemeClr val="tx1">
-                    <a:lumMod val="65000"/>
-                    <a:lumOff val="35000"/>
-                  </a:schemeClr>
-                </a:solidFill>
-                <a:latin typeface="+mn-lt"/>
-                <a:ea typeface="+mn-ea"/>
-                <a:cs typeface="+mn-cs"/>
-              </a:defRPr>
-            </a:pPr>
-            <a:r>
-              <a:rPr lang="ru-RU" dirty="0" smtClean="0"/>
-              <a:t>Среднее время принятия решения</a:t>
-            </a:r>
-            <a:endParaRPr lang="ru-RU" dirty="0"/>
-          </a:p>
-        </c:rich>
-      </c:tx>
       <c:layout/>
       <c:overlay val="0"/>
       <c:spPr>
@@ -1463,7 +1612,7 @@
           <c:order val="0"/>
           <c:tx>
             <c:strRef>
-              <c:f>Лист1!$B$13</c:f>
+              <c:f>Лист1!$B$8</c:f>
               <c:strCache>
                 <c:ptCount val="1"/>
                 <c:pt idx="0">
@@ -1541,9 +1690,69 @@
               </c:ext>
             </c:extLst>
           </c:dLbls>
+          <c:errBars>
+            <c:errBarType val="both"/>
+            <c:errValType val="cust"/>
+            <c:noEndCap val="0"/>
+            <c:plus>
+              <c:numRef>
+                <c:f>Лист1!$F$9:$F$12</c:f>
+                <c:numCache>
+                  <c:formatCode>General</c:formatCode>
+                  <c:ptCount val="4"/>
+                  <c:pt idx="0">
+                    <c:v>0.34</c:v>
+                  </c:pt>
+                  <c:pt idx="1">
+                    <c:v>0.6</c:v>
+                  </c:pt>
+                  <c:pt idx="2">
+                    <c:v>3.11</c:v>
+                  </c:pt>
+                  <c:pt idx="3">
+                    <c:v>0.67</c:v>
+                  </c:pt>
+                </c:numCache>
+              </c:numRef>
+            </c:plus>
+            <c:minus>
+              <c:numRef>
+                <c:f>Лист1!$F$9:$F$12</c:f>
+                <c:numCache>
+                  <c:formatCode>General</c:formatCode>
+                  <c:ptCount val="4"/>
+                  <c:pt idx="0">
+                    <c:v>0.34</c:v>
+                  </c:pt>
+                  <c:pt idx="1">
+                    <c:v>0.6</c:v>
+                  </c:pt>
+                  <c:pt idx="2">
+                    <c:v>3.11</c:v>
+                  </c:pt>
+                  <c:pt idx="3">
+                    <c:v>0.67</c:v>
+                  </c:pt>
+                </c:numCache>
+              </c:numRef>
+            </c:minus>
+            <c:spPr>
+              <a:noFill/>
+              <a:ln w="9525" cap="flat" cmpd="sng" algn="ctr">
+                <a:solidFill>
+                  <a:schemeClr val="tx1">
+                    <a:lumMod val="65000"/>
+                    <a:lumOff val="35000"/>
+                  </a:schemeClr>
+                </a:solidFill>
+                <a:round/>
+              </a:ln>
+              <a:effectLst/>
+            </c:spPr>
+          </c:errBars>
           <c:cat>
             <c:strRef>
-              <c:f>Лист1!$A$14:$A$17</c:f>
+              <c:f>Лист1!$A$9:$A$12</c:f>
               <c:strCache>
                 <c:ptCount val="4"/>
                 <c:pt idx="0">
@@ -1563,21 +1772,21 @@
           </c:cat>
           <c:val>
             <c:numRef>
-              <c:f>Лист1!$B$14:$B$17</c:f>
+              <c:f>Лист1!$B$9:$B$12</c:f>
               <c:numCache>
                 <c:formatCode>General</c:formatCode>
                 <c:ptCount val="4"/>
                 <c:pt idx="0">
-                  <c:v>6</c:v>
+                  <c:v>6.47</c:v>
                 </c:pt>
                 <c:pt idx="1">
-                  <c:v>16</c:v>
+                  <c:v>16.010000000000002</c:v>
                 </c:pt>
                 <c:pt idx="2">
-                  <c:v>671</c:v>
+                  <c:v>670.57</c:v>
                 </c:pt>
                 <c:pt idx="3">
-                  <c:v>14</c:v>
+                  <c:v>14.34</c:v>
                 </c:pt>
               </c:numCache>
             </c:numRef>
@@ -1594,11 +1803,11 @@
         </c:dLbls>
         <c:gapWidth val="219"/>
         <c:overlap val="-27"/>
-        <c:axId val="205938272"/>
-        <c:axId val="205938832"/>
+        <c:axId val="343806272"/>
+        <c:axId val="292016912"/>
       </c:barChart>
       <c:catAx>
-        <c:axId val="205938272"/>
+        <c:axId val="343806272"/>
         <c:scaling>
           <c:orientation val="minMax"/>
         </c:scaling>
@@ -1641,7 +1850,7 @@
             <a:endParaRPr lang="ru-RU"/>
           </a:p>
         </c:txPr>
-        <c:crossAx val="205938832"/>
+        <c:crossAx val="292016912"/>
         <c:crosses val="autoZero"/>
         <c:auto val="1"/>
         <c:lblAlgn val="ctr"/>
@@ -1649,7 +1858,7 @@
         <c:noMultiLvlLbl val="0"/>
       </c:catAx>
       <c:valAx>
-        <c:axId val="205938832"/>
+        <c:axId val="292016912"/>
         <c:scaling>
           <c:orientation val="minMax"/>
         </c:scaling>
@@ -1690,7 +1899,7 @@
                 </a:pPr>
                 <a:r>
                   <a:rPr lang="ru-RU"/>
-                  <a:t>Время, мкс</a:t>
+                  <a:t>Среднее время, мкс</a:t>
                 </a:r>
               </a:p>
             </c:rich>
@@ -1756,7 +1965,7 @@
             <a:endParaRPr lang="ru-RU"/>
           </a:p>
         </c:txPr>
-        <c:crossAx val="205938272"/>
+        <c:crossAx val="343806272"/>
         <c:crosses val="autoZero"/>
         <c:crossBetween val="between"/>
       </c:valAx>
@@ -1768,6 +1977,38 @@
         <a:effectLst/>
       </c:spPr>
     </c:plotArea>
+    <c:legend>
+      <c:legendPos val="b"/>
+      <c:layout/>
+      <c:overlay val="0"/>
+      <c:spPr>
+        <a:noFill/>
+        <a:ln>
+          <a:noFill/>
+        </a:ln>
+        <a:effectLst/>
+      </c:spPr>
+      <c:txPr>
+        <a:bodyPr rot="0" spcFirstLastPara="1" vertOverflow="ellipsis" vert="horz" wrap="square" anchor="ctr" anchorCtr="1"/>
+        <a:lstStyle/>
+        <a:p>
+          <a:pPr>
+            <a:defRPr sz="900" b="0" i="0" u="none" strike="noStrike" kern="1200" baseline="0">
+              <a:solidFill>
+                <a:schemeClr val="tx1">
+                  <a:lumMod val="65000"/>
+                  <a:lumOff val="35000"/>
+                </a:schemeClr>
+              </a:solidFill>
+              <a:latin typeface="+mn-lt"/>
+              <a:ea typeface="+mn-ea"/>
+              <a:cs typeface="+mn-cs"/>
+            </a:defRPr>
+          </a:pPr>
+          <a:endParaRPr lang="ru-RU"/>
+        </a:p>
+      </c:txPr>
+    </c:legend>
     <c:plotVisOnly val="1"/>
     <c:dispBlanksAs val="gap"/>
     <c:showDLblsOverMax val="0"/>
@@ -1830,7 +2071,11 @@
             </a:pPr>
             <a:r>
               <a:rPr lang="ru-RU" dirty="0" smtClean="0"/>
-              <a:t>Нанесенный и полученный урона</a:t>
+              <a:t>Нанесенный</a:t>
+            </a:r>
+            <a:r>
+              <a:rPr lang="ru-RU" baseline="0" dirty="0" smtClean="0"/>
+              <a:t> и полученный урон</a:t>
             </a:r>
             <a:endParaRPr lang="ru-RU" dirty="0"/>
           </a:p>
@@ -1878,7 +2123,7 @@
           <c:order val="0"/>
           <c:tx>
             <c:strRef>
-              <c:f>Лист1!$B$22</c:f>
+              <c:f>Лист1!$B$15</c:f>
               <c:strCache>
                 <c:ptCount val="1"/>
                 <c:pt idx="0">
@@ -1897,9 +2142,128 @@
             <a:effectLst/>
           </c:spPr>
           <c:invertIfNegative val="0"/>
+          <c:dLbls>
+            <c:spPr>
+              <a:noFill/>
+              <a:ln>
+                <a:noFill/>
+              </a:ln>
+              <a:effectLst/>
+            </c:spPr>
+            <c:txPr>
+              <a:bodyPr rot="0" spcFirstLastPara="1" vertOverflow="ellipsis" vert="horz" wrap="square" lIns="38100" tIns="19050" rIns="38100" bIns="19050" anchor="ctr" anchorCtr="1">
+                <a:spAutoFit/>
+              </a:bodyPr>
+              <a:lstStyle/>
+              <a:p>
+                <a:pPr>
+                  <a:defRPr sz="900" b="0" i="0" u="none" strike="noStrike" kern="1200" baseline="0">
+                    <a:solidFill>
+                      <a:schemeClr val="tx1">
+                        <a:lumMod val="75000"/>
+                        <a:lumOff val="25000"/>
+                      </a:schemeClr>
+                    </a:solidFill>
+                    <a:latin typeface="+mn-lt"/>
+                    <a:ea typeface="+mn-ea"/>
+                    <a:cs typeface="+mn-cs"/>
+                  </a:defRPr>
+                </a:pPr>
+                <a:endParaRPr lang="ru-RU"/>
+              </a:p>
+            </c:txPr>
+            <c:dLblPos val="outEnd"/>
+            <c:showLegendKey val="0"/>
+            <c:showVal val="1"/>
+            <c:showCatName val="0"/>
+            <c:showSerName val="0"/>
+            <c:showPercent val="0"/>
+            <c:showBubbleSize val="0"/>
+            <c:showLeaderLines val="0"/>
+            <c:extLst>
+              <c:ext xmlns:c15="http://schemas.microsoft.com/office/drawing/2012/chart" uri="{CE6537A1-D6FC-4f65-9D91-7224C49458BB}">
+                <c15:layout/>
+                <c15:showLeaderLines val="1"/>
+                <c15:leaderLines>
+                  <c:spPr>
+                    <a:ln w="9525" cap="flat" cmpd="sng" algn="ctr">
+                      <a:solidFill>
+                        <a:schemeClr val="tx1">
+                          <a:lumMod val="35000"/>
+                          <a:lumOff val="65000"/>
+                        </a:schemeClr>
+                      </a:solidFill>
+                      <a:round/>
+                    </a:ln>
+                    <a:effectLst/>
+                  </c:spPr>
+                </c15:leaderLines>
+              </c:ext>
+            </c:extLst>
+          </c:dLbls>
+          <c:errBars>
+            <c:errBarType val="both"/>
+            <c:errValType val="cust"/>
+            <c:noEndCap val="0"/>
+            <c:plus>
+              <c:numRef>
+                <c:f>Лист1!$F$16:$F$19</c:f>
+                <c:numCache>
+                  <c:formatCode>General</c:formatCode>
+                  <c:ptCount val="4"/>
+                  <c:pt idx="0">
+                    <c:v>2.87</c:v>
+                  </c:pt>
+                  <c:pt idx="1">
+                    <c:v>2.75</c:v>
+                  </c:pt>
+                  <c:pt idx="2">
+                    <c:v>2.7</c:v>
+                  </c:pt>
+                  <c:pt idx="3">
+                    <c:v>2.68</c:v>
+                  </c:pt>
+                </c:numCache>
+              </c:numRef>
+            </c:plus>
+            <c:minus>
+              <c:numRef>
+                <c:f>Лист1!$F$16:$F$19</c:f>
+                <c:numCache>
+                  <c:formatCode>General</c:formatCode>
+                  <c:ptCount val="4"/>
+                  <c:pt idx="0">
+                    <c:v>2.87</c:v>
+                  </c:pt>
+                  <c:pt idx="1">
+                    <c:v>2.75</c:v>
+                  </c:pt>
+                  <c:pt idx="2">
+                    <c:v>2.7</c:v>
+                  </c:pt>
+                  <c:pt idx="3">
+                    <c:v>2.68</c:v>
+                  </c:pt>
+                </c:numCache>
+              </c:numRef>
+            </c:minus>
+            <c:spPr>
+              <a:noFill/>
+              <a:ln w="9525" cap="flat" cmpd="sng" algn="ctr">
+                <a:solidFill>
+                  <a:schemeClr val="tx1">
+                    <a:lumMod val="65000"/>
+                    <a:lumOff val="35000"/>
+                  </a:schemeClr>
+                </a:solidFill>
+                <a:round/>
+              </a:ln>
+              <a:effectLst/>
+            </c:spPr>
+          </c:errBars>
           <c:cat>
             <c:strRef>
-              <c:f>Лист1!$A$23:$A$26</c:f>
+              <c:f>Лист1!$A$16:$A$19</c:f>
               <c:strCache>
                 <c:ptCount val="4"/>
                 <c:pt idx="0">
@@ -1919,7 +2283,7 @@
           </c:cat>
           <c:val>
             <c:numRef>
-              <c:f>Лист1!$B$23:$B$26</c:f>
+              <c:f>Лист1!$B$16:$B$19</c:f>
               <c:numCache>
                 <c:formatCode>General</c:formatCode>
                 <c:ptCount val="4"/>
@@ -1944,7 +2308,7 @@
           <c:order val="1"/>
           <c:tx>
             <c:strRef>
-              <c:f>Лист1!$C$22</c:f>
+              <c:f>Лист1!$C$15</c:f>
               <c:strCache>
                 <c:ptCount val="1"/>
                 <c:pt idx="0">
@@ -1963,9 +2327,128 @@
             <a:effectLst/>
           </c:spPr>
           <c:invertIfNegative val="0"/>
+          <c:dLbls>
+            <c:spPr>
+              <a:noFill/>
+              <a:ln>
+                <a:noFill/>
+              </a:ln>
+              <a:effectLst/>
+            </c:spPr>
+            <c:txPr>
+              <a:bodyPr rot="0" spcFirstLastPara="1" vertOverflow="ellipsis" vert="horz" wrap="square" lIns="38100" tIns="19050" rIns="38100" bIns="19050" anchor="ctr" anchorCtr="1">
+                <a:spAutoFit/>
+              </a:bodyPr>
+              <a:lstStyle/>
+              <a:p>
+                <a:pPr>
+                  <a:defRPr sz="900" b="0" i="0" u="none" strike="noStrike" kern="1200" baseline="0">
+                    <a:solidFill>
+                      <a:schemeClr val="tx1">
+                        <a:lumMod val="75000"/>
+                        <a:lumOff val="25000"/>
+                      </a:schemeClr>
+                    </a:solidFill>
+                    <a:latin typeface="+mn-lt"/>
+                    <a:ea typeface="+mn-ea"/>
+                    <a:cs typeface="+mn-cs"/>
+                  </a:defRPr>
+                </a:pPr>
+                <a:endParaRPr lang="ru-RU"/>
+              </a:p>
+            </c:txPr>
+            <c:dLblPos val="outEnd"/>
+            <c:showLegendKey val="0"/>
+            <c:showVal val="1"/>
+            <c:showCatName val="0"/>
+            <c:showSerName val="0"/>
+            <c:showPercent val="0"/>
+            <c:showBubbleSize val="0"/>
+            <c:showLeaderLines val="0"/>
+            <c:extLst>
+              <c:ext xmlns:c15="http://schemas.microsoft.com/office/drawing/2012/chart" uri="{CE6537A1-D6FC-4f65-9D91-7224C49458BB}">
+                <c15:layout/>
+                <c15:showLeaderLines val="1"/>
+                <c15:leaderLines>
+                  <c:spPr>
+                    <a:ln w="9525" cap="flat" cmpd="sng" algn="ctr">
+                      <a:solidFill>
+                        <a:schemeClr val="tx1">
+                          <a:lumMod val="35000"/>
+                          <a:lumOff val="65000"/>
+                        </a:schemeClr>
+                      </a:solidFill>
+                      <a:round/>
+                    </a:ln>
+                    <a:effectLst/>
+                  </c:spPr>
+                </c15:leaderLines>
+              </c:ext>
+            </c:extLst>
+          </c:dLbls>
+          <c:errBars>
+            <c:errBarType val="both"/>
+            <c:errValType val="cust"/>
+            <c:noEndCap val="0"/>
+            <c:plus>
+              <c:numRef>
+                <c:f>Лист1!$G$16:$G$19</c:f>
+                <c:numCache>
+                  <c:formatCode>General</c:formatCode>
+                  <c:ptCount val="4"/>
+                  <c:pt idx="0">
+                    <c:v>2.4</c:v>
+                  </c:pt>
+                  <c:pt idx="1">
+                    <c:v>3.09</c:v>
+                  </c:pt>
+                  <c:pt idx="2">
+                    <c:v>2.59</c:v>
+                  </c:pt>
+                  <c:pt idx="3">
+                    <c:v>2.85</c:v>
+                  </c:pt>
+                </c:numCache>
+              </c:numRef>
+            </c:plus>
+            <c:minus>
+              <c:numRef>
+                <c:f>Лист1!$G$16:$G$19</c:f>
+                <c:numCache>
+                  <c:formatCode>General</c:formatCode>
+                  <c:ptCount val="4"/>
+                  <c:pt idx="0">
+                    <c:v>2.4</c:v>
+                  </c:pt>
+                  <c:pt idx="1">
+                    <c:v>3.09</c:v>
+                  </c:pt>
+                  <c:pt idx="2">
+                    <c:v>2.59</c:v>
+                  </c:pt>
+                  <c:pt idx="3">
+                    <c:v>2.85</c:v>
+                  </c:pt>
+                </c:numCache>
+              </c:numRef>
+            </c:minus>
+            <c:spPr>
+              <a:noFill/>
+              <a:ln w="9525" cap="flat" cmpd="sng" algn="ctr">
+                <a:solidFill>
+                  <a:schemeClr val="tx1">
+                    <a:lumMod val="65000"/>
+                    <a:lumOff val="35000"/>
+                  </a:schemeClr>
+                </a:solidFill>
+                <a:round/>
+              </a:ln>
+              <a:effectLst/>
+            </c:spPr>
+          </c:errBars>
           <c:cat>
             <c:strRef>
-              <c:f>Лист1!$A$23:$A$26</c:f>
+              <c:f>Лист1!$A$16:$A$19</c:f>
               <c:strCache>
                 <c:ptCount val="4"/>
                 <c:pt idx="0">
@@ -1985,7 +2468,7 @@
           </c:cat>
           <c:val>
             <c:numRef>
-              <c:f>Лист1!$C$23:$C$26</c:f>
+              <c:f>Лист1!$C$16:$C$19</c:f>
               <c:numCache>
                 <c:formatCode>General</c:formatCode>
                 <c:ptCount val="4"/>
@@ -2006,8 +2489,9 @@
           </c:val>
         </c:ser>
         <c:dLbls>
+          <c:dLblPos val="outEnd"/>
           <c:showLegendKey val="0"/>
-          <c:showVal val="0"/>
+          <c:showVal val="1"/>
           <c:showCatName val="0"/>
           <c:showSerName val="0"/>
           <c:showPercent val="0"/>
@@ -2015,11 +2499,11 @@
         </c:dLbls>
         <c:gapWidth val="219"/>
         <c:overlap val="-27"/>
-        <c:axId val="206915280"/>
-        <c:axId val="206915840"/>
+        <c:axId val="359194000"/>
+        <c:axId val="359194560"/>
       </c:barChart>
       <c:catAx>
-        <c:axId val="206915280"/>
+        <c:axId val="359194000"/>
         <c:scaling>
           <c:orientation val="minMax"/>
         </c:scaling>
@@ -2062,7 +2546,7 @@
             <a:endParaRPr lang="ru-RU"/>
           </a:p>
         </c:txPr>
-        <c:crossAx val="206915840"/>
+        <c:crossAx val="359194560"/>
         <c:crosses val="autoZero"/>
         <c:auto val="1"/>
         <c:lblAlgn val="ctr"/>
@@ -2070,7 +2554,7 @@
         <c:noMultiLvlLbl val="0"/>
       </c:catAx>
       <c:valAx>
-        <c:axId val="206915840"/>
+        <c:axId val="359194560"/>
         <c:scaling>
           <c:orientation val="minMax"/>
         </c:scaling>
@@ -2186,7 +2670,7 @@
             <a:endParaRPr lang="ru-RU"/>
           </a:p>
         </c:txPr>
-        <c:crossAx val="206915280"/>
+        <c:crossAx val="359194000"/>
         <c:crosses val="autoZero"/>
         <c:crossBetween val="between"/>
       </c:valAx>
@@ -2292,7 +2776,7 @@
             </a:pPr>
             <a:r>
               <a:rPr lang="ru-RU" dirty="0" smtClean="0"/>
-              <a:t>Доля игр, когда была взята аптечка</a:t>
+              <a:t>Доля игр, в которых была взята аптечка</a:t>
             </a:r>
             <a:endParaRPr lang="ru-RU" dirty="0"/>
           </a:p>
@@ -2340,7 +2824,7 @@
           <c:order val="0"/>
           <c:tx>
             <c:strRef>
-              <c:f>Лист1!$B$29</c:f>
+              <c:f>Лист1!$B$22</c:f>
               <c:strCache>
                 <c:ptCount val="1"/>
                 <c:pt idx="0">
@@ -2418,9 +2902,69 @@
               </c:ext>
             </c:extLst>
           </c:dLbls>
+          <c:errBars>
+            <c:errBarType val="both"/>
+            <c:errValType val="cust"/>
+            <c:noEndCap val="0"/>
+            <c:plus>
+              <c:numRef>
+                <c:f>Лист1!$E$23:$E$26</c:f>
+                <c:numCache>
+                  <c:formatCode>General</c:formatCode>
+                  <c:ptCount val="4"/>
+                  <c:pt idx="0">
+                    <c:v>2.66</c:v>
+                  </c:pt>
+                  <c:pt idx="1">
+                    <c:v>3.37</c:v>
+                  </c:pt>
+                  <c:pt idx="2">
+                    <c:v>3.39</c:v>
+                  </c:pt>
+                  <c:pt idx="3">
+                    <c:v>3.49</c:v>
+                  </c:pt>
+                </c:numCache>
+              </c:numRef>
+            </c:plus>
+            <c:minus>
+              <c:numRef>
+                <c:f>Лист1!$E$23:$E$26</c:f>
+                <c:numCache>
+                  <c:formatCode>General</c:formatCode>
+                  <c:ptCount val="4"/>
+                  <c:pt idx="0">
+                    <c:v>2.66</c:v>
+                  </c:pt>
+                  <c:pt idx="1">
+                    <c:v>3.37</c:v>
+                  </c:pt>
+                  <c:pt idx="2">
+                    <c:v>3.39</c:v>
+                  </c:pt>
+                  <c:pt idx="3">
+                    <c:v>3.49</c:v>
+                  </c:pt>
+                </c:numCache>
+              </c:numRef>
+            </c:minus>
+            <c:spPr>
+              <a:noFill/>
+              <a:ln w="9525" cap="flat" cmpd="sng" algn="ctr">
+                <a:solidFill>
+                  <a:schemeClr val="tx1">
+                    <a:lumMod val="65000"/>
+                    <a:lumOff val="35000"/>
+                  </a:schemeClr>
+                </a:solidFill>
+                <a:round/>
+              </a:ln>
+              <a:effectLst/>
+            </c:spPr>
+          </c:errBars>
           <c:cat>
             <c:strRef>
-              <c:f>Лист1!$A$30:$A$33</c:f>
+              <c:f>Лист1!$A$23:$A$26</c:f>
               <c:strCache>
                 <c:ptCount val="4"/>
                 <c:pt idx="0">
@@ -2440,7 +2984,7 @@
           </c:cat>
           <c:val>
             <c:numRef>
-              <c:f>Лист1!$B$30:$B$33</c:f>
+              <c:f>Лист1!$B$23:$B$26</c:f>
               <c:numCache>
                 <c:formatCode>General</c:formatCode>
                 <c:ptCount val="4"/>
@@ -2471,11 +3015,11 @@
         </c:dLbls>
         <c:gapWidth val="219"/>
         <c:overlap val="-27"/>
-        <c:axId val="206918080"/>
-        <c:axId val="206918640"/>
+        <c:axId val="351876016"/>
+        <c:axId val="351874896"/>
       </c:barChart>
       <c:catAx>
-        <c:axId val="206918080"/>
+        <c:axId val="351876016"/>
         <c:scaling>
           <c:orientation val="minMax"/>
         </c:scaling>
@@ -2518,7 +3062,7 @@
             <a:endParaRPr lang="ru-RU"/>
           </a:p>
         </c:txPr>
-        <c:crossAx val="206918640"/>
+        <c:crossAx val="351874896"/>
         <c:crosses val="autoZero"/>
         <c:auto val="1"/>
         <c:lblAlgn val="ctr"/>
@@ -2526,7 +3070,7 @@
         <c:noMultiLvlLbl val="0"/>
       </c:catAx>
       <c:valAx>
-        <c:axId val="206918640"/>
+        <c:axId val="351874896"/>
         <c:scaling>
           <c:orientation val="minMax"/>
         </c:scaling>
@@ -2638,7 +3182,7 @@
             <a:endParaRPr lang="ru-RU"/>
           </a:p>
         </c:txPr>
-        <c:crossAx val="206918080"/>
+        <c:crossAx val="351876016"/>
         <c:crosses val="autoZero"/>
         <c:crossBetween val="between"/>
       </c:valAx>
@@ -5487,7 +6031,7 @@
           <a:p>
             <a:fld id="{AC251218-8D5F-4B44-930F-C0F788373CCB}" type="datetimeFigureOut">
               <a:rPr lang="ru-RU" smtClean="0"/>
-              <a:t>31.05.2017</a:t>
+              <a:t>01.06.2017</a:t>
             </a:fld>
             <a:endParaRPr lang="ru-RU"/>
           </a:p>
@@ -6146,7 +6690,7 @@
           <a:p>
             <a:fld id="{A4042B24-E289-4B03-B2D9-A46BE38FF6BB}" type="datetime1">
               <a:rPr lang="ru-RU" smtClean="0"/>
-              <a:t>31.05.2017</a:t>
+              <a:t>01.06.2017</a:t>
             </a:fld>
             <a:endParaRPr lang="ru-RU"/>
           </a:p>
@@ -6329,7 +6873,7 @@
           <a:p>
             <a:fld id="{81DDB41D-67F0-4914-9A46-989AFA64781D}" type="datetime1">
               <a:rPr lang="ru-RU" smtClean="0"/>
-              <a:t>31.05.2017</a:t>
+              <a:t>01.06.2017</a:t>
             </a:fld>
             <a:endParaRPr lang="ru-RU"/>
           </a:p>
@@ -6522,7 +7066,7 @@
           <a:p>
             <a:fld id="{03730833-C397-4618-A2E9-B0F1E843D526}" type="datetime1">
               <a:rPr lang="ru-RU" smtClean="0"/>
-              <a:t>31.05.2017</a:t>
+              <a:t>01.06.2017</a:t>
             </a:fld>
             <a:endParaRPr lang="ru-RU"/>
           </a:p>
@@ -6705,7 +7249,7 @@
           <a:p>
             <a:fld id="{BDE52A37-6815-412C-ABBB-9342FEC0109E}" type="datetime1">
               <a:rPr lang="ru-RU" smtClean="0"/>
-              <a:t>31.05.2017</a:t>
+              <a:t>01.06.2017</a:t>
             </a:fld>
             <a:endParaRPr lang="ru-RU"/>
           </a:p>
@@ -6964,7 +7508,7 @@
           <a:p>
             <a:fld id="{EB642820-EA47-4517-8B3F-F5999DC4B6C2}" type="datetime1">
               <a:rPr lang="ru-RU" smtClean="0"/>
-              <a:t>31.05.2017</a:t>
+              <a:t>01.06.2017</a:t>
             </a:fld>
             <a:endParaRPr lang="ru-RU"/>
           </a:p>
@@ -7209,7 +7753,7 @@
           <a:p>
             <a:fld id="{E31FF725-8E94-4B76-8CED-7D9DDD7A584F}" type="datetime1">
               <a:rPr lang="ru-RU" smtClean="0"/>
-              <a:t>31.05.2017</a:t>
+              <a:t>01.06.2017</a:t>
             </a:fld>
             <a:endParaRPr lang="ru-RU"/>
           </a:p>
@@ -7589,7 +8133,7 @@
           <a:p>
             <a:fld id="{AB72BB7B-AD67-4E21-ABB7-C19EFFFAFCFF}" type="datetime1">
               <a:rPr lang="ru-RU" smtClean="0"/>
-              <a:t>31.05.2017</a:t>
+              <a:t>01.06.2017</a:t>
             </a:fld>
             <a:endParaRPr lang="ru-RU"/>
           </a:p>
@@ -7720,7 +8264,7 @@
           <a:p>
             <a:fld id="{F2BA468E-7959-44C2-A5C6-26BFBF4902AC}" type="datetime1">
               <a:rPr lang="ru-RU" smtClean="0"/>
-              <a:t>31.05.2017</a:t>
+              <a:t>01.06.2017</a:t>
             </a:fld>
             <a:endParaRPr lang="ru-RU"/>
           </a:p>
@@ -7828,7 +8372,7 @@
           <a:p>
             <a:fld id="{56F3E22B-9012-4275-8DB1-B70C16EABBC3}" type="datetime1">
               <a:rPr lang="ru-RU" smtClean="0"/>
-              <a:t>31.05.2017</a:t>
+              <a:t>01.06.2017</a:t>
             </a:fld>
             <a:endParaRPr lang="ru-RU"/>
           </a:p>
@@ -8118,7 +8662,7 @@
           <a:p>
             <a:fld id="{57ECFAF3-56F0-4E0D-A0BC-CB72FFF50CD2}" type="datetime1">
               <a:rPr lang="ru-RU" smtClean="0"/>
-              <a:t>31.05.2017</a:t>
+              <a:t>01.06.2017</a:t>
             </a:fld>
             <a:endParaRPr lang="ru-RU"/>
           </a:p>
@@ -8384,7 +8928,7 @@
           <a:p>
             <a:fld id="{798FFA72-D039-4D6D-AFFF-62A023C7D550}" type="datetime1">
               <a:rPr lang="ru-RU" smtClean="0"/>
-              <a:t>31.05.2017</a:t>
+              <a:t>01.06.2017</a:t>
             </a:fld>
             <a:endParaRPr lang="ru-RU"/>
           </a:p>
@@ -8654,7 +9198,6 @@
               <a:rPr lang="ru-RU" dirty="0" smtClean="0"/>
               <a:t>из 30</a:t>
             </a:r>
-            <a:endParaRPr lang="ru-RU" dirty="0" smtClean="0"/>
           </a:p>
         </p:txBody>
       </p:sp>
@@ -9041,16 +9584,11 @@
               <a:rPr lang="ru-RU" dirty="0" smtClean="0"/>
               <a:t>риходько Евгений Владимирович</a:t>
             </a:r>
-            <a:endParaRPr lang="ru-RU" dirty="0" smtClean="0"/>
           </a:p>
           <a:p>
             <a:r>
               <a:rPr lang="ru-RU" dirty="0" smtClean="0"/>
-              <a:t>Руководитель: доцент, к.т.н., </a:t>
-            </a:r>
-            <a:r>
-              <a:rPr lang="ru-RU" dirty="0" smtClean="0"/>
-              <a:t>Пак Вадим </a:t>
+              <a:t>Руководитель: доцент, к.т.н., Пак Вадим </a:t>
             </a:r>
             <a:r>
               <a:rPr lang="ru-RU" dirty="0"/>
@@ -9262,7 +9800,6 @@
               <a:rPr lang="ru-RU" dirty="0" smtClean="0"/>
               <a:t>Недостатки</a:t>
             </a:r>
-            <a:endParaRPr lang="ru-RU" dirty="0" smtClean="0"/>
           </a:p>
           <a:p>
             <a:pPr lvl="1">
@@ -9297,15 +9834,7 @@
             </a:r>
             <a:r>
               <a:rPr lang="ru-RU" dirty="0" smtClean="0"/>
-              <a:t>количество  узлов в дереве. В общем случае принятие решения – </a:t>
-            </a:r>
-            <a:r>
-              <a:rPr lang="ru-RU" dirty="0" smtClean="0"/>
-              <a:t>это полный </a:t>
-            </a:r>
-            <a:r>
-              <a:rPr lang="ru-RU" dirty="0" smtClean="0"/>
-              <a:t>обход графа в глубину.</a:t>
+              <a:t>количество  узлов в дереве. В общем случае принятие решения – это полный обход графа в глубину.</a:t>
             </a:r>
             <a:endParaRPr lang="ru-RU" dirty="0"/>
           </a:p>
@@ -9412,11 +9941,7 @@
           <a:p>
             <a:r>
               <a:rPr lang="ru-RU" dirty="0" smtClean="0"/>
-              <a:t>Нечеткая </a:t>
-            </a:r>
-            <a:r>
-              <a:rPr lang="ru-RU" dirty="0" smtClean="0"/>
-              <a:t>логика</a:t>
+              <a:t>Нечеткая логика</a:t>
             </a:r>
             <a:endParaRPr lang="ru-RU" dirty="0"/>
           </a:p>
@@ -9477,7 +10002,6 @@
               <a:rPr lang="en-US" sz="2800" dirty="0" smtClean="0"/>
               <a:t>}</a:t>
             </a:r>
-            <a:endParaRPr lang="en-US" sz="2800" dirty="0" smtClean="0"/>
           </a:p>
           <a:p>
             <a:pPr lvl="1"/>
@@ -9505,7 +10029,6 @@
               <a:rPr lang="en-US" sz="2800" dirty="0" smtClean="0"/>
               <a:t>}</a:t>
             </a:r>
-            <a:endParaRPr lang="en-US" sz="2800" dirty="0" smtClean="0"/>
           </a:p>
           <a:p>
             <a:pPr lvl="1">
@@ -9514,11 +10037,7 @@
             </a:pPr>
             <a:r>
               <a:rPr lang="ru-RU" sz="2800" dirty="0" smtClean="0"/>
-              <a:t>Видимость противника </a:t>
-            </a:r>
-            <a:r>
-              <a:rPr lang="ru-RU" sz="2800" dirty="0" smtClean="0"/>
-              <a:t>= </a:t>
+              <a:t>Видимость противника = </a:t>
             </a:r>
             <a:r>
               <a:rPr lang="en-US" sz="2800" dirty="0" smtClean="0"/>
@@ -9532,7 +10051,6 @@
               <a:rPr lang="en-US" sz="2800" dirty="0" smtClean="0"/>
               <a:t>}</a:t>
             </a:r>
-            <a:endParaRPr lang="en-US" sz="2800" dirty="0" smtClean="0"/>
           </a:p>
           <a:p>
             <a:pPr>
@@ -9786,11 +10304,7 @@
           <a:p>
             <a:r>
               <a:rPr lang="ru-RU" dirty="0" smtClean="0"/>
-              <a:t>Нечеткая </a:t>
-            </a:r>
-            <a:r>
-              <a:rPr lang="ru-RU" dirty="0" smtClean="0"/>
-              <a:t>логика</a:t>
+              <a:t>Нечеткая логика</a:t>
             </a:r>
             <a:endParaRPr lang="ru-RU" dirty="0"/>
           </a:p>
@@ -9823,22 +10337,14 @@
             </a:pPr>
             <a:r>
               <a:rPr lang="ru-RU" sz="3200" dirty="0" smtClean="0"/>
-              <a:t>Выходные </a:t>
-            </a:r>
-            <a:r>
-              <a:rPr lang="ru-RU" sz="3200" dirty="0" smtClean="0"/>
-              <a:t>переменные</a:t>
+              <a:t>Выходные переменные</a:t>
             </a:r>
           </a:p>
           <a:p>
             <a:pPr lvl="1"/>
             <a:r>
               <a:rPr lang="ru-RU" sz="2800" dirty="0" smtClean="0"/>
-              <a:t>Дистанция до </a:t>
-            </a:r>
-            <a:r>
-              <a:rPr lang="ru-RU" sz="2800" dirty="0" smtClean="0"/>
-              <a:t>противника = </a:t>
+              <a:t>Дистанция до противника = </a:t>
             </a:r>
             <a:r>
               <a:rPr lang="en-US" sz="2800" dirty="0" smtClean="0"/>
@@ -9881,11 +10387,7 @@
             </a:pPr>
             <a:r>
               <a:rPr lang="ru-RU" sz="2800" dirty="0" smtClean="0"/>
-              <a:t>Вес дистанции до </a:t>
-            </a:r>
-            <a:r>
-              <a:rPr lang="ru-RU" sz="2800" dirty="0" smtClean="0"/>
-              <a:t>противника = </a:t>
+              <a:t>Вес дистанции до противника = </a:t>
             </a:r>
             <a:r>
               <a:rPr lang="en-US" sz="2800" dirty="0" smtClean="0"/>
@@ -9905,11 +10407,7 @@
             <a:pPr lvl="1"/>
             <a:r>
               <a:rPr lang="ru-RU" sz="2800" dirty="0" smtClean="0"/>
-              <a:t>Вес точек в </a:t>
-            </a:r>
-            <a:r>
-              <a:rPr lang="ru-RU" sz="2800" dirty="0" smtClean="0"/>
-              <a:t>укрытии = </a:t>
+              <a:t>Вес точек в укрытии = </a:t>
             </a:r>
             <a:r>
               <a:rPr lang="en-US" sz="2800" dirty="0" smtClean="0"/>
@@ -9929,11 +10427,7 @@
             <a:pPr lvl="1"/>
             <a:r>
               <a:rPr lang="ru-RU" sz="2800" dirty="0" smtClean="0"/>
-              <a:t>Вес точек за </a:t>
-            </a:r>
-            <a:r>
-              <a:rPr lang="ru-RU" sz="2800" dirty="0" smtClean="0"/>
-              <a:t>укрытием = </a:t>
+              <a:t>Вес точек за укрытием = </a:t>
             </a:r>
             <a:r>
               <a:rPr lang="en-US" sz="2800" dirty="0" smtClean="0"/>
@@ -9953,11 +10447,7 @@
             <a:pPr lvl="1"/>
             <a:r>
               <a:rPr lang="ru-RU" sz="2800" dirty="0" smtClean="0"/>
-              <a:t>Вес точек за </a:t>
-            </a:r>
-            <a:r>
-              <a:rPr lang="ru-RU" sz="2800" dirty="0" smtClean="0"/>
-              <a:t>стенами = </a:t>
+              <a:t>Вес точек за стенами = </a:t>
             </a:r>
             <a:r>
               <a:rPr lang="en-US" sz="2800" dirty="0" smtClean="0"/>
@@ -9977,11 +10467,7 @@
             <a:pPr lvl="1"/>
             <a:r>
               <a:rPr lang="ru-RU" sz="2800" dirty="0" smtClean="0"/>
-              <a:t>Вес точек, содержащих </a:t>
-            </a:r>
-            <a:r>
-              <a:rPr lang="ru-RU" sz="2800" dirty="0" smtClean="0"/>
-              <a:t>аптечки = </a:t>
+              <a:t>Вес точек, содержащих аптечки = </a:t>
             </a:r>
             <a:r>
               <a:rPr lang="en-US" sz="2800" dirty="0" smtClean="0"/>
@@ -10001,11 +10487,7 @@
             <a:pPr lvl="1"/>
             <a:r>
               <a:rPr lang="ru-RU" sz="2800" dirty="0" smtClean="0"/>
-              <a:t>Вес точек с прямой </a:t>
-            </a:r>
-            <a:r>
-              <a:rPr lang="ru-RU" sz="2800" dirty="0" smtClean="0"/>
-              <a:t>видимостью = </a:t>
+              <a:t>Вес точек с прямой видимостью = </a:t>
             </a:r>
             <a:r>
               <a:rPr lang="en-US" sz="2800" dirty="0" smtClean="0"/>
@@ -10138,11 +10620,7 @@
           <a:p>
             <a:r>
               <a:rPr lang="ru-RU" dirty="0" smtClean="0"/>
-              <a:t>Нечеткая </a:t>
-            </a:r>
-            <a:r>
-              <a:rPr lang="ru-RU" dirty="0" smtClean="0"/>
-              <a:t>логика</a:t>
+              <a:t>Нечеткая логика</a:t>
             </a:r>
             <a:endParaRPr lang="ru-RU" dirty="0"/>
           </a:p>
@@ -14970,8 +15448,8 @@
           </a:p>
         </p:txBody>
       </p:sp>
-      <mc:AlternateContent xmlns:mc="http://schemas.openxmlformats.org/markup-compatibility/2006">
-        <mc:Choice xmlns:a14="http://schemas.microsoft.com/office/drawing/2010/main" Requires="a14">
+      <mc:AlternateContent xmlns:mc="http://schemas.openxmlformats.org/markup-compatibility/2006" xmlns:a14="http://schemas.microsoft.com/office/drawing/2010/main">
+        <mc:Choice Requires="a14">
           <p:sp>
             <p:nvSpPr>
               <p:cNvPr id="3" name="Объект 2"/>
@@ -15021,7 +15499,6 @@
                   <a:rPr lang="ru-RU" dirty="0" smtClean="0"/>
                   <a:t>Плавное изменение выходных переменных</a:t>
                 </a:r>
-                <a:endParaRPr lang="ru-RU" dirty="0" smtClean="0"/>
               </a:p>
               <a:p>
                 <a:pPr marL="0" indent="0">
@@ -15044,11 +15521,15 @@
                       <m:rPr>
                         <m:sty m:val="p"/>
                       </m:rPr>
-                      <a:rPr lang="en-US"/>
+                      <a:rPr lang="en-US">
+                        <a:latin typeface="Cambria Math" panose="02040503050406030204" pitchFamily="18" charset="0"/>
+                      </a:rPr>
                       <m:t>N</m:t>
                     </m:r>
                     <m:r>
-                      <a:rPr lang="ru-RU"/>
+                      <a:rPr lang="ru-RU">
+                        <a:latin typeface="Cambria Math" panose="02040503050406030204" pitchFamily="18" charset="0"/>
+                      </a:rPr>
                       <m:t>=</m:t>
                     </m:r>
                     <m:nary>
@@ -15057,7 +15538,9 @@
                         <m:limLoc m:val="undOvr"/>
                         <m:supHide m:val="on"/>
                         <m:ctrlPr>
-                          <a:rPr lang="ru-RU" i="1"/>
+                          <a:rPr lang="ru-RU" i="1">
+                            <a:latin typeface="Cambria Math" panose="02040503050406030204" pitchFamily="18" charset="0"/>
+                          </a:rPr>
                         </m:ctrlPr>
                       </m:naryPr>
                       <m:sub>
@@ -15065,18 +15548,24 @@
                           <m:rPr>
                             <m:sty m:val="p"/>
                           </m:rPr>
-                          <a:rPr lang="en-US"/>
+                          <a:rPr lang="en-US">
+                            <a:latin typeface="Cambria Math" panose="02040503050406030204" pitchFamily="18" charset="0"/>
+                          </a:rPr>
                           <m:t>i</m:t>
                         </m:r>
                         <m:r>
-                          <a:rPr lang="ru-RU"/>
+                          <a:rPr lang="ru-RU">
+                            <a:latin typeface="Cambria Math" panose="02040503050406030204" pitchFamily="18" charset="0"/>
+                          </a:rPr>
                           <m:t>=1..</m:t>
                         </m:r>
                         <m:r>
                           <m:rPr>
                             <m:sty m:val="p"/>
                           </m:rPr>
-                          <a:rPr lang="en-US"/>
+                          <a:rPr lang="en-US">
+                            <a:latin typeface="Cambria Math" panose="02040503050406030204" pitchFamily="18" charset="0"/>
+                          </a:rPr>
                           <m:t>n</m:t>
                         </m:r>
                       </m:sub>
@@ -15085,7 +15574,9 @@
                         <m:sSub>
                           <m:sSubPr>
                             <m:ctrlPr>
-                              <a:rPr lang="ru-RU" i="1"/>
+                              <a:rPr lang="ru-RU" i="1">
+                                <a:latin typeface="Cambria Math" panose="02040503050406030204" pitchFamily="18" charset="0"/>
+                              </a:rPr>
                             </m:ctrlPr>
                           </m:sSubPr>
                           <m:e>
@@ -15093,7 +15584,9 @@
                               <m:rPr>
                                 <m:sty m:val="p"/>
                               </m:rPr>
-                              <a:rPr lang="en-US"/>
+                              <a:rPr lang="en-US">
+                                <a:latin typeface="Cambria Math" panose="02040503050406030204" pitchFamily="18" charset="0"/>
+                              </a:rPr>
                               <m:t>m</m:t>
                             </m:r>
                           </m:e>
@@ -15102,7 +15595,9 @@
                               <m:rPr>
                                 <m:sty m:val="p"/>
                               </m:rPr>
-                              <a:rPr lang="en-US"/>
+                              <a:rPr lang="en-US">
+                                <a:latin typeface="Cambria Math" panose="02040503050406030204" pitchFamily="18" charset="0"/>
+                              </a:rPr>
                               <m:t>i</m:t>
                             </m:r>
                           </m:sub>
@@ -15156,18 +15651,14 @@
                 </a:pPr>
                 <a:r>
                   <a:rPr lang="ru-RU" dirty="0" smtClean="0"/>
-                  <a:t>Быстродействие</a:t>
-                </a:r>
-                <a:r>
-                  <a:rPr lang="ru-RU" dirty="0" smtClean="0"/>
-                  <a:t>: требуется перевести обычные значения в нечеткие, произвести нечеткий вывод, затем перевести нечеткие значения в обычные с использованием численного интегрирования </a:t>
+                  <a:t>Быстродействие: требуется перевести обычные значения в нечеткие, произвести нечеткий вывод, затем перевести нечеткие значения в обычные с использованием численного интегрирования </a:t>
                 </a:r>
                 <a:endParaRPr lang="ru-RU" dirty="0"/>
               </a:p>
             </p:txBody>
           </p:sp>
         </mc:Choice>
-        <mc:Fallback>
+        <mc:Fallback xmlns="">
           <p:sp>
             <p:nvSpPr>
               <p:cNvPr id="3" name="Объект 2"/>
@@ -15299,11 +15790,7 @@
           <a:p>
             <a:r>
               <a:rPr lang="ru-RU" dirty="0" smtClean="0"/>
-              <a:t>Нейронные </a:t>
-            </a:r>
-            <a:r>
-              <a:rPr lang="ru-RU" dirty="0" smtClean="0"/>
-              <a:t>сети</a:t>
+              <a:t>Нейронные сети</a:t>
             </a:r>
             <a:endParaRPr lang="ru-RU" dirty="0"/>
           </a:p>
@@ -15560,18 +16047,14 @@
           <a:p>
             <a:r>
               <a:rPr lang="ru-RU" dirty="0" smtClean="0"/>
-              <a:t>Нейронные </a:t>
-            </a:r>
-            <a:r>
-              <a:rPr lang="ru-RU" dirty="0" smtClean="0"/>
-              <a:t>сети</a:t>
+              <a:t>Нейронные сети</a:t>
             </a:r>
             <a:endParaRPr lang="ru-RU" dirty="0"/>
           </a:p>
         </p:txBody>
       </p:sp>
-      <mc:AlternateContent xmlns:mc="http://schemas.openxmlformats.org/markup-compatibility/2006">
-        <mc:Choice xmlns:a14="http://schemas.microsoft.com/office/drawing/2010/main" Requires="a14">
+      <mc:AlternateContent xmlns:mc="http://schemas.openxmlformats.org/markup-compatibility/2006" xmlns:a14="http://schemas.microsoft.com/office/drawing/2010/main">
+        <mc:Choice Requires="a14">
           <p:sp>
             <p:nvSpPr>
               <p:cNvPr id="3" name="Объект 2"/>
@@ -15703,22 +16186,14 @@
                 </a:pPr>
                 <a:r>
                   <a:rPr lang="ru-RU" dirty="0" smtClean="0"/>
-                  <a:t>Параметры</a:t>
-                </a:r>
-                <a:r>
-                  <a:rPr lang="ru-RU" dirty="0" smtClean="0"/>
-                  <a:t>, влияющие на обучение</a:t>
+                  <a:t>Параметры, влияющие на обучение</a:t>
                 </a:r>
               </a:p>
               <a:p>
                 <a:pPr lvl="1"/>
                 <a:r>
                   <a:rPr lang="ru-RU" dirty="0" smtClean="0"/>
-                  <a:t>Количество </a:t>
-                </a:r>
-                <a:r>
-                  <a:rPr lang="ru-RU" dirty="0" smtClean="0"/>
-                  <a:t>скрытых слоев (1 или 2)</a:t>
+                  <a:t>Количество скрытых слоев (1 или 2)</a:t>
                 </a:r>
               </a:p>
               <a:p>
@@ -15996,18 +16471,13 @@
                 <a:pPr lvl="1"/>
                 <a:r>
                   <a:rPr lang="ru-RU" dirty="0" smtClean="0"/>
-                  <a:t>Количество повторов </a:t>
+                  <a:t>Количество повторов обучения</a:t>
                 </a:r>
-                <a:r>
-                  <a:rPr lang="ru-RU" dirty="0" smtClean="0"/>
-                  <a:t>обучения</a:t>
-                </a:r>
-                <a:endParaRPr lang="ru-RU" dirty="0" smtClean="0"/>
               </a:p>
             </p:txBody>
           </p:sp>
         </mc:Choice>
-        <mc:Fallback>
+        <mc:Fallback xmlns="">
           <p:sp>
             <p:nvSpPr>
               <p:cNvPr id="3" name="Объект 2"/>
@@ -16395,23 +16865,7 @@
             </a:pPr>
             <a:r>
               <a:rPr lang="ru-RU" dirty="0" smtClean="0"/>
-              <a:t>Сложно </a:t>
-            </a:r>
-            <a:r>
-              <a:rPr lang="ru-RU" dirty="0" smtClean="0"/>
-              <a:t>реализовать </a:t>
-            </a:r>
-            <a:r>
-              <a:rPr lang="ru-RU" dirty="0" smtClean="0"/>
-              <a:t>реакцию на </a:t>
-            </a:r>
-            <a:r>
-              <a:rPr lang="ru-RU" dirty="0" smtClean="0"/>
-              <a:t>редкую </a:t>
-            </a:r>
-            <a:r>
-              <a:rPr lang="ru-RU" dirty="0" smtClean="0"/>
-              <a:t>ситуацию, т.к. для нее будет мало записей в обучающем множестве</a:t>
+              <a:t>Сложно реализовать реакцию на редкую ситуацию, т.к. для нее будет мало записей в обучающем множестве</a:t>
             </a:r>
             <a:endParaRPr lang="ru-RU" dirty="0"/>
           </a:p>
@@ -16518,11 +16972,7 @@
           <a:p>
             <a:r>
               <a:rPr lang="ru-RU" sz="4000" dirty="0" smtClean="0"/>
-              <a:t>Сравнение </a:t>
-            </a:r>
-            <a:r>
-              <a:rPr lang="ru-RU" sz="4000" dirty="0" smtClean="0"/>
-              <a:t>методов</a:t>
+              <a:t>Сравнение методов</a:t>
             </a:r>
             <a:endParaRPr lang="ru-RU" sz="4000" dirty="0"/>
           </a:p>
@@ -16554,11 +17004,7 @@
             </a:pPr>
             <a:r>
               <a:rPr lang="ru-RU" dirty="0" smtClean="0"/>
-              <a:t>Игра реализованных </a:t>
-            </a:r>
-            <a:r>
-              <a:rPr lang="ru-RU" dirty="0" smtClean="0"/>
-              <a:t>ботов друг против друга</a:t>
+              <a:t>Игра реализованных ботов друг против друга</a:t>
             </a:r>
           </a:p>
           <a:p>
@@ -17069,56 +17515,6 @@
           </a:p>
         </p:txBody>
       </p:sp>
-      <p:graphicFrame>
-        <p:nvGraphicFramePr>
-          <p:cNvPr id="6" name="Объект 5"/>
-          <p:cNvGraphicFramePr>
-            <a:graphicFrameLocks noGrp="1"/>
-          </p:cNvGraphicFramePr>
-          <p:nvPr>
-            <p:ph sz="half" idx="1"/>
-            <p:extLst>
-              <p:ext uri="{D42A27DB-BD31-4B8C-83A1-F6EECF244321}">
-                <p14:modId xmlns:p14="http://schemas.microsoft.com/office/powerpoint/2010/main" val="2823281010"/>
-              </p:ext>
-            </p:extLst>
-          </p:nvPr>
-        </p:nvGraphicFramePr>
-        <p:xfrm>
-          <a:off x="428625" y="1085850"/>
-          <a:ext cx="5695950" cy="5091113"/>
-        </p:xfrm>
-        <a:graphic>
-          <a:graphicData uri="http://schemas.openxmlformats.org/drawingml/2006/chart">
-            <c:chart xmlns:c="http://schemas.openxmlformats.org/drawingml/2006/chart" xmlns:r="http://schemas.openxmlformats.org/officeDocument/2006/relationships" r:id="rId2"/>
-          </a:graphicData>
-        </a:graphic>
-      </p:graphicFrame>
-      <p:graphicFrame>
-        <p:nvGraphicFramePr>
-          <p:cNvPr id="7" name="Объект 6"/>
-          <p:cNvGraphicFramePr>
-            <a:graphicFrameLocks noGrp="1"/>
-          </p:cNvGraphicFramePr>
-          <p:nvPr>
-            <p:ph sz="half" idx="2"/>
-            <p:extLst>
-              <p:ext uri="{D42A27DB-BD31-4B8C-83A1-F6EECF244321}">
-                <p14:modId xmlns:p14="http://schemas.microsoft.com/office/powerpoint/2010/main" val="2202072673"/>
-              </p:ext>
-            </p:extLst>
-          </p:nvPr>
-        </p:nvGraphicFramePr>
-        <p:xfrm>
-          <a:off x="6172200" y="1085850"/>
-          <a:ext cx="5581650" cy="5091113"/>
-        </p:xfrm>
-        <a:graphic>
-          <a:graphicData uri="http://schemas.openxmlformats.org/drawingml/2006/chart">
-            <c:chart xmlns:c="http://schemas.openxmlformats.org/drawingml/2006/chart" xmlns:r="http://schemas.openxmlformats.org/officeDocument/2006/relationships" r:id="rId3"/>
-          </a:graphicData>
-        </a:graphic>
-      </p:graphicFrame>
       <p:sp>
         <p:nvSpPr>
           <p:cNvPr id="3" name="Нижний колонтитул 2"/>
@@ -17166,6 +17562,56 @@
           </a:p>
         </p:txBody>
       </p:sp>
+      <p:graphicFrame>
+        <p:nvGraphicFramePr>
+          <p:cNvPr id="8" name="Объект 7"/>
+          <p:cNvGraphicFramePr>
+            <a:graphicFrameLocks noGrp="1"/>
+          </p:cNvGraphicFramePr>
+          <p:nvPr>
+            <p:ph sz="half" idx="1"/>
+            <p:extLst>
+              <p:ext uri="{D42A27DB-BD31-4B8C-83A1-F6EECF244321}">
+                <p14:modId xmlns:p14="http://schemas.microsoft.com/office/powerpoint/2010/main" val="2424277557"/>
+              </p:ext>
+            </p:extLst>
+          </p:nvPr>
+        </p:nvGraphicFramePr>
+        <p:xfrm>
+          <a:off x="400594" y="1019174"/>
+          <a:ext cx="5619206" cy="5157789"/>
+        </p:xfrm>
+        <a:graphic>
+          <a:graphicData uri="http://schemas.openxmlformats.org/drawingml/2006/chart">
+            <c:chart xmlns:c="http://schemas.openxmlformats.org/drawingml/2006/chart" xmlns:r="http://schemas.openxmlformats.org/officeDocument/2006/relationships" r:id="rId2"/>
+          </a:graphicData>
+        </a:graphic>
+      </p:graphicFrame>
+      <p:graphicFrame>
+        <p:nvGraphicFramePr>
+          <p:cNvPr id="10" name="Объект 9"/>
+          <p:cNvGraphicFramePr>
+            <a:graphicFrameLocks noGrp="1"/>
+          </p:cNvGraphicFramePr>
+          <p:nvPr>
+            <p:ph sz="half" idx="2"/>
+            <p:extLst>
+              <p:ext uri="{D42A27DB-BD31-4B8C-83A1-F6EECF244321}">
+                <p14:modId xmlns:p14="http://schemas.microsoft.com/office/powerpoint/2010/main" val="3921714113"/>
+              </p:ext>
+            </p:extLst>
+          </p:nvPr>
+        </p:nvGraphicFramePr>
+        <p:xfrm>
+          <a:off x="6172199" y="957943"/>
+          <a:ext cx="5584371" cy="5219020"/>
+        </p:xfrm>
+        <a:graphic>
+          <a:graphicData uri="http://schemas.openxmlformats.org/drawingml/2006/chart">
+            <c:chart xmlns:c="http://schemas.openxmlformats.org/drawingml/2006/chart" xmlns:r="http://schemas.openxmlformats.org/officeDocument/2006/relationships" r:id="rId3"/>
+          </a:graphicData>
+        </a:graphic>
+      </p:graphicFrame>
     </p:spTree>
     <p:extLst>
       <p:ext uri="{BB962C8B-B14F-4D97-AF65-F5344CB8AC3E}">
@@ -17233,56 +17679,6 @@
           </a:p>
         </p:txBody>
       </p:sp>
-      <p:graphicFrame>
-        <p:nvGraphicFramePr>
-          <p:cNvPr id="6" name="Объект 5"/>
-          <p:cNvGraphicFramePr>
-            <a:graphicFrameLocks noGrp="1"/>
-          </p:cNvGraphicFramePr>
-          <p:nvPr>
-            <p:ph sz="half" idx="1"/>
-            <p:extLst>
-              <p:ext uri="{D42A27DB-BD31-4B8C-83A1-F6EECF244321}">
-                <p14:modId xmlns:p14="http://schemas.microsoft.com/office/powerpoint/2010/main" val="3803250674"/>
-              </p:ext>
-            </p:extLst>
-          </p:nvPr>
-        </p:nvGraphicFramePr>
-        <p:xfrm>
-          <a:off x="466725" y="933450"/>
-          <a:ext cx="5553075" cy="5243513"/>
-        </p:xfrm>
-        <a:graphic>
-          <a:graphicData uri="http://schemas.openxmlformats.org/drawingml/2006/chart">
-            <c:chart xmlns:c="http://schemas.openxmlformats.org/drawingml/2006/chart" xmlns:r="http://schemas.openxmlformats.org/officeDocument/2006/relationships" r:id="rId2"/>
-          </a:graphicData>
-        </a:graphic>
-      </p:graphicFrame>
-      <p:graphicFrame>
-        <p:nvGraphicFramePr>
-          <p:cNvPr id="7" name="Объект 6"/>
-          <p:cNvGraphicFramePr>
-            <a:graphicFrameLocks noGrp="1"/>
-          </p:cNvGraphicFramePr>
-          <p:nvPr>
-            <p:ph sz="half" idx="2"/>
-            <p:extLst>
-              <p:ext uri="{D42A27DB-BD31-4B8C-83A1-F6EECF244321}">
-                <p14:modId xmlns:p14="http://schemas.microsoft.com/office/powerpoint/2010/main" val="4080922912"/>
-              </p:ext>
-            </p:extLst>
-          </p:nvPr>
-        </p:nvGraphicFramePr>
-        <p:xfrm>
-          <a:off x="6172199" y="933450"/>
-          <a:ext cx="5562601" cy="5243513"/>
-        </p:xfrm>
-        <a:graphic>
-          <a:graphicData uri="http://schemas.openxmlformats.org/drawingml/2006/chart">
-            <c:chart xmlns:c="http://schemas.openxmlformats.org/drawingml/2006/chart" xmlns:r="http://schemas.openxmlformats.org/officeDocument/2006/relationships" r:id="rId3"/>
-          </a:graphicData>
-        </a:graphic>
-      </p:graphicFrame>
       <p:sp>
         <p:nvSpPr>
           <p:cNvPr id="3" name="Нижний колонтитул 2"/>
@@ -17330,6 +17726,56 @@
           </a:p>
         </p:txBody>
       </p:sp>
+      <p:graphicFrame>
+        <p:nvGraphicFramePr>
+          <p:cNvPr id="8" name="Объект 7"/>
+          <p:cNvGraphicFramePr>
+            <a:graphicFrameLocks noGrp="1"/>
+          </p:cNvGraphicFramePr>
+          <p:nvPr>
+            <p:ph sz="half" idx="1"/>
+            <p:extLst>
+              <p:ext uri="{D42A27DB-BD31-4B8C-83A1-F6EECF244321}">
+                <p14:modId xmlns:p14="http://schemas.microsoft.com/office/powerpoint/2010/main" val="3919256543"/>
+              </p:ext>
+            </p:extLst>
+          </p:nvPr>
+        </p:nvGraphicFramePr>
+        <p:xfrm>
+          <a:off x="383177" y="933450"/>
+          <a:ext cx="5636623" cy="5243513"/>
+        </p:xfrm>
+        <a:graphic>
+          <a:graphicData uri="http://schemas.openxmlformats.org/drawingml/2006/chart">
+            <c:chart xmlns:c="http://schemas.openxmlformats.org/drawingml/2006/chart" xmlns:r="http://schemas.openxmlformats.org/officeDocument/2006/relationships" r:id="rId2"/>
+          </a:graphicData>
+        </a:graphic>
+      </p:graphicFrame>
+      <p:graphicFrame>
+        <p:nvGraphicFramePr>
+          <p:cNvPr id="10" name="Объект 9"/>
+          <p:cNvGraphicFramePr>
+            <a:graphicFrameLocks noGrp="1"/>
+          </p:cNvGraphicFramePr>
+          <p:nvPr>
+            <p:ph sz="half" idx="2"/>
+            <p:extLst>
+              <p:ext uri="{D42A27DB-BD31-4B8C-83A1-F6EECF244321}">
+                <p14:modId xmlns:p14="http://schemas.microsoft.com/office/powerpoint/2010/main" val="2559050455"/>
+              </p:ext>
+            </p:extLst>
+          </p:nvPr>
+        </p:nvGraphicFramePr>
+        <p:xfrm>
+          <a:off x="6172200" y="933450"/>
+          <a:ext cx="5610498" cy="5243513"/>
+        </p:xfrm>
+        <a:graphic>
+          <a:graphicData uri="http://schemas.openxmlformats.org/drawingml/2006/chart">
+            <c:chart xmlns:c="http://schemas.openxmlformats.org/drawingml/2006/chart" xmlns:r="http://schemas.openxmlformats.org/officeDocument/2006/relationships" r:id="rId3"/>
+          </a:graphicData>
+        </a:graphic>
+      </p:graphicFrame>
     </p:spTree>
     <p:extLst>
       <p:ext uri="{BB962C8B-B14F-4D97-AF65-F5344CB8AC3E}">
@@ -17423,11 +17869,7 @@
             </a:pPr>
             <a:r>
               <a:rPr lang="ru-RU" dirty="0" smtClean="0"/>
-              <a:t>Рассмотрены </a:t>
-            </a:r>
-            <a:r>
-              <a:rPr lang="ru-RU" dirty="0" smtClean="0"/>
-              <a:t>конечные автоматы и реализован агент</a:t>
+              <a:t>Рассмотрены конечные автоматы и реализован агент</a:t>
             </a:r>
             <a:r>
               <a:rPr lang="ru-RU" dirty="0"/>
@@ -17510,11 +17952,7 @@
             </a:pPr>
             <a:r>
               <a:rPr lang="ru-RU" dirty="0" smtClean="0"/>
-              <a:t>Произведено </a:t>
-            </a:r>
-            <a:r>
-              <a:rPr lang="ru-RU" dirty="0" smtClean="0"/>
-              <a:t>сравнение методов и алгоритмов принятия решений.</a:t>
+              <a:t>Произведено сравнение методов и алгоритмов принятия решений.</a:t>
             </a:r>
           </a:p>
           <a:p>
@@ -17740,7 +18178,7 @@
           <a:graphicData uri="http://schemas.openxmlformats.org/presentationml/2006/ole">
             <mc:AlternateContent xmlns:mc="http://schemas.openxmlformats.org/markup-compatibility/2006">
               <mc:Choice xmlns:v="urn:schemas-microsoft-com:vml" Requires="v">
-                <p:oleObj spid="_x0000_s7173" name="Visio" r:id="rId4" imgW="3190810" imgH="1952640" progId="Visio.Drawing.15">
+                <p:oleObj spid="_x0000_s7175" name="Visio" r:id="rId4" imgW="3190810" imgH="1952640" progId="Visio.Drawing.15">
                   <p:embed/>
                 </p:oleObj>
               </mc:Choice>
@@ -18105,13 +18543,8 @@
             </a:pPr>
             <a:r>
               <a:rPr lang="ru-RU" sz="3200" dirty="0" smtClean="0"/>
-              <a:t>Математическая </a:t>
-            </a:r>
-            <a:r>
-              <a:rPr lang="ru-RU" sz="3200" dirty="0" smtClean="0"/>
-              <a:t>модель устройства, которое может находится в одном состоянии из конечного множества возможных</a:t>
-            </a:r>
-            <a:endParaRPr lang="ru-RU" sz="3200" dirty="0" smtClean="0"/>
+              <a:t>Математическая модель устройства, которое может находится в одном состоянии из конечного множества возможных</a:t>
+            </a:r>
           </a:p>
         </p:txBody>
       </p:sp>
@@ -18219,7 +18652,6 @@
               <a:rPr lang="ru-RU" dirty="0"/>
               <a:t>Изображение конечного автомата в виде графа</a:t>
             </a:r>
-            <a:endParaRPr lang="ru-RU" dirty="0"/>
           </a:p>
         </p:txBody>
       </p:sp>
@@ -18324,11 +18756,7 @@
             </a:pPr>
             <a:r>
               <a:rPr lang="ru-RU" dirty="0" smtClean="0"/>
-              <a:t>Основные </a:t>
-            </a:r>
-            <a:r>
-              <a:rPr lang="ru-RU" dirty="0" smtClean="0"/>
-              <a:t>узлы:</a:t>
+              <a:t>Основные узлы:</a:t>
             </a:r>
           </a:p>
           <a:p>
@@ -18338,11 +18766,7 @@
             </a:pPr>
             <a:r>
               <a:rPr lang="ru-RU" dirty="0" smtClean="0"/>
-              <a:t>Последовательность – все дочерние элементы выполняются по </a:t>
-            </a:r>
-            <a:r>
-              <a:rPr lang="ru-RU" dirty="0" smtClean="0"/>
-              <a:t>очереди</a:t>
+              <a:t>Последовательность – все дочерние элементы выполняются по очереди</a:t>
             </a:r>
           </a:p>
           <a:p>
@@ -18352,15 +18776,7 @@
             </a:pPr>
             <a:r>
               <a:rPr lang="ru-RU" dirty="0" smtClean="0"/>
-              <a:t>Селектор </a:t>
-            </a:r>
-            <a:r>
-              <a:rPr lang="ru-RU" dirty="0" smtClean="0"/>
-              <a:t>– </a:t>
-            </a:r>
-            <a:r>
-              <a:rPr lang="ru-RU" dirty="0" smtClean="0"/>
-              <a:t>выбирается первый подходящий дочерний элемент</a:t>
+              <a:t>Селектор – выбирается первый подходящий дочерний элемент</a:t>
             </a:r>
             <a:endParaRPr lang="en-US" dirty="0" smtClean="0"/>
           </a:p>
@@ -18458,7 +18874,7 @@
           <a:graphicData uri="http://schemas.openxmlformats.org/presentationml/2006/ole">
             <mc:AlternateContent xmlns:mc="http://schemas.openxmlformats.org/markup-compatibility/2006">
               <mc:Choice xmlns:v="urn:schemas-microsoft-com:vml" Requires="v">
-                <p:oleObj spid="_x0000_s8197" name="Visio" r:id="rId3" imgW="5133877" imgH="3171960" progId="Visio.Drawing.15">
+                <p:oleObj spid="_x0000_s8199" name="Visio" r:id="rId3" imgW="5133877" imgH="3171960" progId="Visio.Drawing.15">
                   <p:embed/>
                 </p:oleObj>
               </mc:Choice>
@@ -18673,11 +19089,7 @@
             </a:pPr>
             <a:r>
               <a:rPr lang="ru-RU" sz="3200" dirty="0" smtClean="0"/>
-              <a:t>Основаны на упрощенной модели </a:t>
-            </a:r>
-            <a:r>
-              <a:rPr lang="ru-RU" sz="3200" dirty="0" smtClean="0"/>
-              <a:t>нейрона</a:t>
+              <a:t>Основаны на упрощенной модели нейрона</a:t>
             </a:r>
           </a:p>
           <a:p>
@@ -19014,17 +19426,8 @@
             </a:pPr>
             <a:r>
               <a:rPr lang="ru-RU" sz="3200" dirty="0" smtClean="0"/>
-              <a:t>Есть </a:t>
-            </a:r>
-            <a:r>
-              <a:rPr lang="ru-RU" sz="3200" dirty="0" smtClean="0"/>
-              <a:t>потребность в сравнении методов и алгоритмов принятия решений для обоснования их выбора </a:t>
-            </a:r>
-            <a:r>
-              <a:rPr lang="ru-RU" sz="3200" dirty="0" smtClean="0"/>
-              <a:t>при реализации новых интеллектуальных систем</a:t>
-            </a:r>
-            <a:endParaRPr lang="ru-RU" sz="3200" dirty="0" smtClean="0"/>
+              <a:t>Есть потребность в сравнении методов и алгоритмов принятия решений для обоснования их выбора при реализации новых интеллектуальных систем</a:t>
+            </a:r>
           </a:p>
           <a:p>
             <a:pPr>
@@ -19554,11 +19957,7 @@
             </a:pPr>
             <a:r>
               <a:rPr lang="ru-RU" dirty="0" smtClean="0"/>
-              <a:t>Правила</a:t>
-            </a:r>
-            <a:r>
-              <a:rPr lang="ru-RU" dirty="0" smtClean="0"/>
-              <a:t>:</a:t>
+              <a:t>Правила:</a:t>
             </a:r>
           </a:p>
           <a:p>
@@ -19780,11 +20179,7 @@
           <a:p>
             <a:r>
               <a:rPr lang="ru-RU" dirty="0" smtClean="0"/>
-              <a:t>Конечные </a:t>
-            </a:r>
-            <a:r>
-              <a:rPr lang="ru-RU" dirty="0" smtClean="0"/>
-              <a:t>автоматы</a:t>
+              <a:t>Конечные автоматы</a:t>
             </a:r>
             <a:endParaRPr lang="ru-RU" dirty="0"/>
           </a:p>
@@ -19957,7 +20352,7 @@
           <a:graphicData uri="http://schemas.openxmlformats.org/presentationml/2006/ole">
             <mc:AlternateContent xmlns:mc="http://schemas.openxmlformats.org/markup-compatibility/2006">
               <mc:Choice xmlns:v="urn:schemas-microsoft-com:vml" Requires="v">
-                <p:oleObj spid="_x0000_s2088" name="Visio" r:id="rId3" imgW="5467221" imgH="3314790" progId="Visio.Drawing.15">
+                <p:oleObj spid="_x0000_s2090" name="Visio" r:id="rId3" imgW="5467221" imgH="3314790" progId="Visio.Drawing.15">
                   <p:embed/>
                 </p:oleObj>
               </mc:Choice>
@@ -20344,11 +20739,7 @@
           <a:p>
             <a:r>
               <a:rPr lang="ru-RU" dirty="0" smtClean="0"/>
-              <a:t>Деревья </a:t>
-            </a:r>
-            <a:r>
-              <a:rPr lang="ru-RU" dirty="0" smtClean="0"/>
-              <a:t>поведения</a:t>
+              <a:t>Деревья поведения</a:t>
             </a:r>
             <a:endParaRPr lang="ru-RU" dirty="0"/>
           </a:p>
@@ -20540,7 +20931,7 @@
           <a:graphicData uri="http://schemas.openxmlformats.org/presentationml/2006/ole">
             <mc:AlternateContent xmlns:mc="http://schemas.openxmlformats.org/markup-compatibility/2006">
               <mc:Choice xmlns:v="urn:schemas-microsoft-com:vml" Requires="v">
-                <p:oleObj spid="_x0000_s5176" name="Visio" r:id="rId3" imgW="6562610" imgH="3791070" progId="Visio.Drawing.15">
+                <p:oleObj spid="_x0000_s5180" name="Visio" r:id="rId3" imgW="6562610" imgH="3791070" progId="Visio.Drawing.15">
                   <p:embed/>
                 </p:oleObj>
               </mc:Choice>
@@ -20664,7 +21055,7 @@
           <a:graphicData uri="http://schemas.openxmlformats.org/presentationml/2006/ole">
             <mc:AlternateContent xmlns:mc="http://schemas.openxmlformats.org/markup-compatibility/2006">
               <mc:Choice xmlns:v="urn:schemas-microsoft-com:vml" Requires="v">
-                <p:oleObj spid="_x0000_s5177" name="Visio" r:id="rId5" imgW="4695721" imgH="1276290" progId="Visio.Drawing.15">
+                <p:oleObj spid="_x0000_s5181" name="Visio" r:id="rId5" imgW="4695721" imgH="1276290" progId="Visio.Drawing.15">
                   <p:embed/>
                 </p:oleObj>
               </mc:Choice>
@@ -21146,7 +21537,7 @@
           <a:graphicData uri="http://schemas.openxmlformats.org/presentationml/2006/ole">
             <mc:AlternateContent xmlns:mc="http://schemas.openxmlformats.org/markup-compatibility/2006">
               <mc:Choice xmlns:v="urn:schemas-microsoft-com:vml" Requires="v">
-                <p:oleObj spid="_x0000_s4158" name="Visio" r:id="rId3" imgW="3838589" imgH="2019330" progId="Visio.Drawing.15">
+                <p:oleObj spid="_x0000_s4160" name="Visio" r:id="rId3" imgW="3838589" imgH="2019330" progId="Visio.Drawing.15">
                   <p:embed/>
                 </p:oleObj>
               </mc:Choice>

--- a/Презентация.pptx
+++ b/Презентация.pptx
@@ -10,29 +10,29 @@
   <p:sldIdLst>
     <p:sldId id="256" r:id="rId2"/>
     <p:sldId id="261" r:id="rId3"/>
-    <p:sldId id="262" r:id="rId4"/>
-    <p:sldId id="258" r:id="rId5"/>
-    <p:sldId id="260" r:id="rId6"/>
-    <p:sldId id="277" r:id="rId7"/>
-    <p:sldId id="278" r:id="rId8"/>
-    <p:sldId id="281" r:id="rId9"/>
-    <p:sldId id="280" r:id="rId10"/>
-    <p:sldId id="282" r:id="rId11"/>
-    <p:sldId id="292" r:id="rId12"/>
-    <p:sldId id="293" r:id="rId13"/>
-    <p:sldId id="286" r:id="rId14"/>
-    <p:sldId id="287" r:id="rId15"/>
-    <p:sldId id="291" r:id="rId16"/>
-    <p:sldId id="289" r:id="rId17"/>
-    <p:sldId id="294" r:id="rId18"/>
-    <p:sldId id="290" r:id="rId19"/>
-    <p:sldId id="270" r:id="rId20"/>
-    <p:sldId id="271" r:id="rId21"/>
-    <p:sldId id="272" r:id="rId22"/>
-    <p:sldId id="273" r:id="rId23"/>
-    <p:sldId id="295" r:id="rId24"/>
-    <p:sldId id="296" r:id="rId25"/>
-    <p:sldId id="297" r:id="rId26"/>
+    <p:sldId id="258" r:id="rId4"/>
+    <p:sldId id="260" r:id="rId5"/>
+    <p:sldId id="277" r:id="rId6"/>
+    <p:sldId id="302" r:id="rId7"/>
+    <p:sldId id="282" r:id="rId8"/>
+    <p:sldId id="292" r:id="rId9"/>
+    <p:sldId id="293" r:id="rId10"/>
+    <p:sldId id="286" r:id="rId11"/>
+    <p:sldId id="287" r:id="rId12"/>
+    <p:sldId id="291" r:id="rId13"/>
+    <p:sldId id="289" r:id="rId14"/>
+    <p:sldId id="294" r:id="rId15"/>
+    <p:sldId id="290" r:id="rId16"/>
+    <p:sldId id="303" r:id="rId17"/>
+    <p:sldId id="270" r:id="rId18"/>
+    <p:sldId id="271" r:id="rId19"/>
+    <p:sldId id="272" r:id="rId20"/>
+    <p:sldId id="273" r:id="rId21"/>
+    <p:sldId id="295" r:id="rId22"/>
+    <p:sldId id="296" r:id="rId23"/>
+    <p:sldId id="297" r:id="rId24"/>
+    <p:sldId id="299" r:id="rId25"/>
+    <p:sldId id="300" r:id="rId26"/>
     <p:sldId id="298" r:id="rId27"/>
   </p:sldIdLst>
   <p:sldSz cx="12192000" cy="6858000"/>
@@ -144,7 +144,7 @@
 </file>
 
 <file path=ppt/charts/chart1.xml><?xml version="1.0" encoding="utf-8"?>
-<c:chartSpace xmlns:c="http://schemas.openxmlformats.org/drawingml/2006/chart" xmlns:a="http://schemas.openxmlformats.org/drawingml/2006/main" xmlns:r="http://schemas.openxmlformats.org/officeDocument/2006/relationships">
+<c:chartSpace xmlns:c="http://schemas.openxmlformats.org/drawingml/2006/chart" xmlns:a="http://schemas.openxmlformats.org/drawingml/2006/main" xmlns:r="http://schemas.openxmlformats.org/officeDocument/2006/relationships" xmlns:c16r2="http://schemas.microsoft.com/office/drawing/2015/06/chart">
   <c:date1904 val="0"/>
   <c:lang val="ru-RU"/>
   <c:roundedCorners val="0"/>
@@ -159,7 +159,17 @@
   <c:chart>
     <c:autoTitleDeleted val="0"/>
     <c:plotArea>
-      <c:layout/>
+      <c:layout>
+        <c:manualLayout>
+          <c:layoutTarget val="inner"/>
+          <c:xMode val="edge"/>
+          <c:yMode val="edge"/>
+          <c:x val="4.9154704523442526E-2"/>
+          <c:y val="2.8726727392404835E-2"/>
+          <c:w val="0.93888001175801106"/>
+          <c:h val="0.77820745632334498"/>
+        </c:manualLayout>
+      </c:layout>
       <c:lineChart>
         <c:grouping val="standard"/>
         <c:varyColors val="0"/>
@@ -290,7 +300,7 @@
             </c:numRef>
           </c:val>
           <c:smooth val="0"/>
-          <c:extLst xmlns:c16r2="http://schemas.microsoft.com/office/drawing/2015/06/chart">
+          <c:extLst>
             <c:ext xmlns:c16="http://schemas.microsoft.com/office/drawing/2014/chart" uri="{C3380CC4-5D6E-409C-BE32-E72D297353CC}">
               <c16:uniqueId val="{00000000-198E-4D60-A70F-DB8295D8A8D4}"/>
             </c:ext>
@@ -369,7 +379,7 @@
             </c:numRef>
           </c:val>
           <c:smooth val="0"/>
-          <c:extLst xmlns:c16r2="http://schemas.microsoft.com/office/drawing/2015/06/chart">
+          <c:extLst>
             <c:ext xmlns:c16="http://schemas.microsoft.com/office/drawing/2014/chart" uri="{C3380CC4-5D6E-409C-BE32-E72D297353CC}">
               <c16:uniqueId val="{00000001-198E-4D60-A70F-DB8295D8A8D4}"/>
             </c:ext>
@@ -401,7 +411,7 @@
               <a:lstStyle/>
               <a:p>
                 <a:pPr>
-                  <a:defRPr sz="1000" b="0" i="0" u="none" strike="noStrike" kern="1200" baseline="0">
+                  <a:defRPr sz="1800" b="0" i="0" u="none" strike="noStrike" kern="1200" baseline="0">
                     <a:solidFill>
                       <a:schemeClr val="tx1">
                         <a:lumMod val="65000"/>
@@ -414,12 +424,13 @@
                   </a:defRPr>
                 </a:pPr>
                 <a:r>
-                  <a:rPr lang="ru-RU"/>
+                  <a:rPr lang="ru-RU" sz="1800"/>
                   <a:t>Количество повторов обучения</a:t>
                 </a:r>
               </a:p>
             </c:rich>
           </c:tx>
+          <c:layout/>
           <c:overlay val="0"/>
           <c:spPr>
             <a:noFill/>
@@ -433,7 +444,7 @@
             <a:lstStyle/>
             <a:p>
               <a:pPr>
-                <a:defRPr sz="1000" b="0" i="0" u="none" strike="noStrike" kern="1200" baseline="0">
+                <a:defRPr sz="1800" b="0" i="0" u="none" strike="noStrike" kern="1200" baseline="0">
                   <a:solidFill>
                     <a:schemeClr val="tx1">
                       <a:lumMod val="65000"/>
@@ -521,7 +532,7 @@
               <a:lstStyle/>
               <a:p>
                 <a:pPr>
-                  <a:defRPr sz="1000" b="0" i="0" u="none" strike="noStrike" kern="1200" baseline="0">
+                  <a:defRPr sz="1800" b="0" i="0" u="none" strike="noStrike" kern="1200" baseline="0">
                     <a:solidFill>
                       <a:schemeClr val="tx1">
                         <a:lumMod val="65000"/>
@@ -534,12 +545,13 @@
                   </a:defRPr>
                 </a:pPr>
                 <a:r>
-                  <a:rPr lang="ru-RU"/>
+                  <a:rPr lang="ru-RU" sz="1800"/>
                   <a:t>Максимальное качество обучения</a:t>
                 </a:r>
               </a:p>
             </c:rich>
           </c:tx>
+          <c:layout/>
           <c:overlay val="0"/>
           <c:spPr>
             <a:noFill/>
@@ -553,7 +565,7 @@
             <a:lstStyle/>
             <a:p>
               <a:pPr>
-                <a:defRPr sz="1000" b="0" i="0" u="none" strike="noStrike" kern="1200" baseline="0">
+                <a:defRPr sz="1800" b="0" i="0" u="none" strike="noStrike" kern="1200" baseline="0">
                   <a:solidFill>
                     <a:schemeClr val="tx1">
                       <a:lumMod val="65000"/>
@@ -614,6 +626,16 @@
     </c:plotArea>
     <c:legend>
       <c:legendPos val="b"/>
+      <c:layout>
+        <c:manualLayout>
+          <c:xMode val="edge"/>
+          <c:yMode val="edge"/>
+          <c:x val="0.23725538831756635"/>
+          <c:y val="0.91968216765263566"/>
+          <c:w val="0.52548913771501971"/>
+          <c:h val="6.4648708315143508E-2"/>
+        </c:manualLayout>
+      </c:layout>
       <c:overlay val="0"/>
       <c:spPr>
         <a:noFill/>
@@ -627,7 +649,7 @@
         <a:lstStyle/>
         <a:p>
           <a:pPr>
-            <a:defRPr sz="900" b="0" i="0" u="none" strike="noStrike" kern="1200" baseline="0">
+            <a:defRPr sz="1800" b="0" i="0" u="none" strike="noStrike" kern="1200" baseline="0">
               <a:solidFill>
                 <a:schemeClr val="tx1">
                   <a:lumMod val="65000"/>
@@ -671,7 +693,7 @@
 </file>
 
 <file path=ppt/charts/chart2.xml><?xml version="1.0" encoding="utf-8"?>
-<c:chartSpace xmlns:c="http://schemas.openxmlformats.org/drawingml/2006/chart" xmlns:a="http://schemas.openxmlformats.org/drawingml/2006/main" xmlns:r="http://schemas.openxmlformats.org/officeDocument/2006/relationships">
+<c:chartSpace xmlns:c="http://schemas.openxmlformats.org/drawingml/2006/chart" xmlns:a="http://schemas.openxmlformats.org/drawingml/2006/main" xmlns:r="http://schemas.openxmlformats.org/officeDocument/2006/relationships" xmlns:c16r2="http://schemas.microsoft.com/office/drawing/2015/06/chart">
   <c:date1904 val="0"/>
   <c:lang val="ru-RU"/>
   <c:roundedCorners val="0"/>
@@ -691,7 +713,7 @@
           <a:lstStyle/>
           <a:p>
             <a:pPr>
-              <a:defRPr sz="1400" b="0" i="0" u="none" strike="noStrike" kern="1200" spc="0" baseline="0">
+              <a:defRPr sz="1800" b="0" i="0" u="none" strike="noStrike" kern="1200" spc="0" baseline="0">
                 <a:solidFill>
                   <a:schemeClr val="tx1">
                     <a:lumMod val="65000"/>
@@ -704,14 +726,14 @@
               </a:defRPr>
             </a:pPr>
             <a:r>
-              <a:rPr lang="ru-RU" dirty="0" smtClean="0"/>
+              <a:rPr lang="ru-RU" sz="1800" dirty="0" smtClean="0"/>
               <a:t>Исходы</a:t>
             </a:r>
             <a:r>
-              <a:rPr lang="ru-RU" baseline="0" dirty="0" smtClean="0"/>
+              <a:rPr lang="ru-RU" sz="1800" baseline="0" dirty="0" smtClean="0"/>
               <a:t> игр</a:t>
             </a:r>
-            <a:endParaRPr lang="ru-RU" dirty="0"/>
+            <a:endParaRPr lang="ru-RU" sz="1800" dirty="0"/>
           </a:p>
         </c:rich>
       </c:tx>
@@ -729,7 +751,7 @@
         <a:lstStyle/>
         <a:p>
           <a:pPr>
-            <a:defRPr sz="1400" b="0" i="0" u="none" strike="noStrike" kern="1200" spc="0" baseline="0">
+            <a:defRPr sz="1800" b="0" i="0" u="none" strike="noStrike" kern="1200" spc="0" baseline="0">
               <a:solidFill>
                 <a:schemeClr val="tx1">
                   <a:lumMod val="65000"/>
@@ -791,7 +813,7 @@
               <a:lstStyle/>
               <a:p>
                 <a:pPr>
-                  <a:defRPr sz="900" b="0" i="0" u="none" strike="noStrike" kern="1200" baseline="0">
+                  <a:defRPr sz="1200" b="0" i="0" u="none" strike="noStrike" kern="1200" baseline="0">
                     <a:solidFill>
                       <a:schemeClr val="tx1">
                         <a:lumMod val="75000"/>
@@ -936,6 +958,11 @@
               </c:numCache>
             </c:numRef>
           </c:val>
+          <c:extLst>
+            <c:ext xmlns:c16="http://schemas.microsoft.com/office/drawing/2014/chart" uri="{C3380CC4-5D6E-409C-BE32-E72D297353CC}">
+              <c16:uniqueId val="{00000000-496E-48DA-B721-115979DA631D}"/>
+            </c:ext>
+          </c:extLst>
         </c:ser>
         <c:ser>
           <c:idx val="1"/>
@@ -976,7 +1003,7 @@
               <a:lstStyle/>
               <a:p>
                 <a:pPr>
-                  <a:defRPr sz="900" b="0" i="0" u="none" strike="noStrike" kern="1200" baseline="0">
+                  <a:defRPr sz="1200" b="0" i="0" u="none" strike="noStrike" kern="1200" baseline="0">
                     <a:solidFill>
                       <a:schemeClr val="tx1">
                         <a:lumMod val="75000"/>
@@ -1121,6 +1148,11 @@
               </c:numCache>
             </c:numRef>
           </c:val>
+          <c:extLst>
+            <c:ext xmlns:c16="http://schemas.microsoft.com/office/drawing/2014/chart" uri="{C3380CC4-5D6E-409C-BE32-E72D297353CC}">
+              <c16:uniqueId val="{00000001-496E-48DA-B721-115979DA631D}"/>
+            </c:ext>
+          </c:extLst>
         </c:ser>
         <c:ser>
           <c:idx val="2"/>
@@ -1161,7 +1193,7 @@
               <a:lstStyle/>
               <a:p>
                 <a:pPr>
-                  <a:defRPr sz="900" b="0" i="0" u="none" strike="noStrike" kern="1200" baseline="0">
+                  <a:defRPr sz="1200" b="0" i="0" u="none" strike="noStrike" kern="1200" baseline="0">
                     <a:solidFill>
                       <a:schemeClr val="tx1">
                         <a:lumMod val="75000"/>
@@ -1306,6 +1338,11 @@
               </c:numCache>
             </c:numRef>
           </c:val>
+          <c:extLst>
+            <c:ext xmlns:c16="http://schemas.microsoft.com/office/drawing/2014/chart" uri="{C3380CC4-5D6E-409C-BE32-E72D297353CC}">
+              <c16:uniqueId val="{00000002-496E-48DA-B721-115979DA631D}"/>
+            </c:ext>
+          </c:extLst>
         </c:ser>
         <c:dLbls>
           <c:dLblPos val="outEnd"/>
@@ -1350,7 +1387,7 @@
           <a:lstStyle/>
           <a:p>
             <a:pPr>
-              <a:defRPr sz="900" b="0" i="0" u="none" strike="noStrike" kern="1200" baseline="0">
+              <a:defRPr sz="1400" b="0" i="0" u="none" strike="noStrike" kern="1200" baseline="0">
                 <a:solidFill>
                   <a:schemeClr val="tx1">
                     <a:lumMod val="65000"/>
@@ -1400,7 +1437,7 @@
               <a:lstStyle/>
               <a:p>
                 <a:pPr>
-                  <a:defRPr sz="1000" b="0" i="0" u="none" strike="noStrike" kern="1200" baseline="0">
+                  <a:defRPr sz="1400" b="0" i="0" u="none" strike="noStrike" kern="1200" baseline="0">
                     <a:solidFill>
                       <a:schemeClr val="tx1">
                         <a:lumMod val="65000"/>
@@ -1413,11 +1450,11 @@
                   </a:defRPr>
                 </a:pPr>
                 <a:r>
-                  <a:rPr lang="ru-RU"/>
+                  <a:rPr lang="ru-RU" sz="1400"/>
                   <a:t>Доля,</a:t>
                 </a:r>
                 <a:r>
-                  <a:rPr lang="ru-RU" baseline="0"/>
+                  <a:rPr lang="ru-RU" sz="1400" baseline="0"/>
                   <a:t> %</a:t>
                 </a:r>
               </a:p>
@@ -1437,7 +1474,7 @@
             <a:lstStyle/>
             <a:p>
               <a:pPr>
-                <a:defRPr sz="1000" b="0" i="0" u="none" strike="noStrike" kern="1200" baseline="0">
+                <a:defRPr sz="1400" b="0" i="0" u="none" strike="noStrike" kern="1200" baseline="0">
                   <a:solidFill>
                     <a:schemeClr val="tx1">
                       <a:lumMod val="65000"/>
@@ -1488,6 +1525,45 @@
         <c:crosses val="autoZero"/>
         <c:crossBetween val="between"/>
       </c:valAx>
+      <c:dTable>
+        <c:showHorzBorder val="1"/>
+        <c:showVertBorder val="1"/>
+        <c:showOutline val="1"/>
+        <c:showKeys val="1"/>
+        <c:spPr>
+          <a:noFill/>
+          <a:ln w="9525" cap="flat" cmpd="sng" algn="ctr">
+            <a:solidFill>
+              <a:schemeClr val="tx1">
+                <a:lumMod val="15000"/>
+                <a:lumOff val="85000"/>
+              </a:schemeClr>
+            </a:solidFill>
+            <a:round/>
+          </a:ln>
+          <a:effectLst/>
+        </c:spPr>
+        <c:txPr>
+          <a:bodyPr rot="0" spcFirstLastPara="1" vertOverflow="ellipsis" vert="horz" wrap="square" anchor="ctr" anchorCtr="1"/>
+          <a:lstStyle/>
+          <a:p>
+            <a:pPr rtl="0">
+              <a:defRPr sz="1200" b="0" i="0" u="none" strike="noStrike" kern="1200" baseline="0">
+                <a:solidFill>
+                  <a:schemeClr val="tx1">
+                    <a:lumMod val="65000"/>
+                    <a:lumOff val="35000"/>
+                  </a:schemeClr>
+                </a:solidFill>
+                <a:latin typeface="+mn-lt"/>
+                <a:ea typeface="+mn-ea"/>
+                <a:cs typeface="+mn-cs"/>
+              </a:defRPr>
+            </a:pPr>
+            <a:endParaRPr lang="ru-RU"/>
+          </a:p>
+        </c:txPr>
+      </c:dTable>
       <c:spPr>
         <a:noFill/>
         <a:ln>
@@ -1496,38 +1572,6 @@
         <a:effectLst/>
       </c:spPr>
     </c:plotArea>
-    <c:legend>
-      <c:legendPos val="b"/>
-      <c:layout/>
-      <c:overlay val="0"/>
-      <c:spPr>
-        <a:noFill/>
-        <a:ln>
-          <a:noFill/>
-        </a:ln>
-        <a:effectLst/>
-      </c:spPr>
-      <c:txPr>
-        <a:bodyPr rot="0" spcFirstLastPara="1" vertOverflow="ellipsis" vert="horz" wrap="square" anchor="ctr" anchorCtr="1"/>
-        <a:lstStyle/>
-        <a:p>
-          <a:pPr>
-            <a:defRPr sz="900" b="0" i="0" u="none" strike="noStrike" kern="1200" baseline="0">
-              <a:solidFill>
-                <a:schemeClr val="tx1">
-                  <a:lumMod val="65000"/>
-                  <a:lumOff val="35000"/>
-                </a:schemeClr>
-              </a:solidFill>
-              <a:latin typeface="+mn-lt"/>
-              <a:ea typeface="+mn-ea"/>
-              <a:cs typeface="+mn-cs"/>
-            </a:defRPr>
-          </a:pPr>
-          <a:endParaRPr lang="ru-RU"/>
-        </a:p>
-      </c:txPr>
-    </c:legend>
     <c:plotVisOnly val="1"/>
     <c:dispBlanksAs val="gap"/>
     <c:showDLblsOverMax val="0"/>
@@ -1556,7 +1600,7 @@
 </file>
 
 <file path=ppt/charts/chart3.xml><?xml version="1.0" encoding="utf-8"?>
-<c:chartSpace xmlns:c="http://schemas.openxmlformats.org/drawingml/2006/chart" xmlns:a="http://schemas.openxmlformats.org/drawingml/2006/main" xmlns:r="http://schemas.openxmlformats.org/officeDocument/2006/relationships">
+<c:chartSpace xmlns:c="http://schemas.openxmlformats.org/drawingml/2006/chart" xmlns:a="http://schemas.openxmlformats.org/drawingml/2006/main" xmlns:r="http://schemas.openxmlformats.org/officeDocument/2006/relationships" xmlns:c16r2="http://schemas.microsoft.com/office/drawing/2015/06/chart">
   <c:date1904 val="0"/>
   <c:lang val="ru-RU"/>
   <c:roundedCorners val="0"/>
@@ -1584,7 +1628,7 @@
         <a:lstStyle/>
         <a:p>
           <a:pPr>
-            <a:defRPr sz="1400" b="0" i="0" u="none" strike="noStrike" kern="1200" spc="0" baseline="0">
+            <a:defRPr sz="1800" b="0" i="0" u="none" strike="noStrike" kern="1200" spc="0" baseline="0">
               <a:solidFill>
                 <a:schemeClr val="tx1">
                   <a:lumMod val="65000"/>
@@ -1646,7 +1690,7 @@
               <a:lstStyle/>
               <a:p>
                 <a:pPr>
-                  <a:defRPr sz="900" b="0" i="0" u="none" strike="noStrike" kern="1200" baseline="0">
+                  <a:defRPr sz="1600" b="0" i="0" u="none" strike="noStrike" kern="1200" baseline="0">
                     <a:solidFill>
                       <a:schemeClr val="tx1">
                         <a:lumMod val="75000"/>
@@ -1791,6 +1835,11 @@
               </c:numCache>
             </c:numRef>
           </c:val>
+          <c:extLst>
+            <c:ext xmlns:c16="http://schemas.microsoft.com/office/drawing/2014/chart" uri="{C3380CC4-5D6E-409C-BE32-E72D297353CC}">
+              <c16:uniqueId val="{00000000-E534-4BEB-8E24-0E180E181355}"/>
+            </c:ext>
+          </c:extLst>
         </c:ser>
         <c:dLbls>
           <c:dLblPos val="outEnd"/>
@@ -1835,7 +1884,7 @@
           <a:lstStyle/>
           <a:p>
             <a:pPr>
-              <a:defRPr sz="900" b="0" i="0" u="none" strike="noStrike" kern="1200" baseline="0">
+              <a:defRPr sz="1400" b="0" i="0" u="none" strike="noStrike" kern="1200" baseline="0">
                 <a:solidFill>
                   <a:schemeClr val="tx1">
                     <a:lumMod val="65000"/>
@@ -1885,7 +1934,7 @@
               <a:lstStyle/>
               <a:p>
                 <a:pPr>
-                  <a:defRPr sz="1000" b="0" i="0" u="none" strike="noStrike" kern="1200" baseline="0">
+                  <a:defRPr sz="1400" b="0" i="0" u="none" strike="noStrike" kern="1200" baseline="0">
                     <a:solidFill>
                       <a:schemeClr val="tx1">
                         <a:lumMod val="65000"/>
@@ -1898,7 +1947,7 @@
                   </a:defRPr>
                 </a:pPr>
                 <a:r>
-                  <a:rPr lang="ru-RU"/>
+                  <a:rPr lang="ru-RU" sz="1400"/>
                   <a:t>Среднее время, мкс</a:t>
                 </a:r>
               </a:p>
@@ -1918,7 +1967,7 @@
             <a:lstStyle/>
             <a:p>
               <a:pPr>
-                <a:defRPr sz="1000" b="0" i="0" u="none" strike="noStrike" kern="1200" baseline="0">
+                <a:defRPr sz="1400" b="0" i="0" u="none" strike="noStrike" kern="1200" baseline="0">
                   <a:solidFill>
                     <a:schemeClr val="tx1">
                       <a:lumMod val="65000"/>
@@ -1977,38 +2026,6 @@
         <a:effectLst/>
       </c:spPr>
     </c:plotArea>
-    <c:legend>
-      <c:legendPos val="b"/>
-      <c:layout/>
-      <c:overlay val="0"/>
-      <c:spPr>
-        <a:noFill/>
-        <a:ln>
-          <a:noFill/>
-        </a:ln>
-        <a:effectLst/>
-      </c:spPr>
-      <c:txPr>
-        <a:bodyPr rot="0" spcFirstLastPara="1" vertOverflow="ellipsis" vert="horz" wrap="square" anchor="ctr" anchorCtr="1"/>
-        <a:lstStyle/>
-        <a:p>
-          <a:pPr>
-            <a:defRPr sz="900" b="0" i="0" u="none" strike="noStrike" kern="1200" baseline="0">
-              <a:solidFill>
-                <a:schemeClr val="tx1">
-                  <a:lumMod val="65000"/>
-                  <a:lumOff val="35000"/>
-                </a:schemeClr>
-              </a:solidFill>
-              <a:latin typeface="+mn-lt"/>
-              <a:ea typeface="+mn-ea"/>
-              <a:cs typeface="+mn-cs"/>
-            </a:defRPr>
-          </a:pPr>
-          <a:endParaRPr lang="ru-RU"/>
-        </a:p>
-      </c:txPr>
-    </c:legend>
     <c:plotVisOnly val="1"/>
     <c:dispBlanksAs val="gap"/>
     <c:showDLblsOverMax val="0"/>
@@ -2037,7 +2054,7 @@
 </file>
 
 <file path=ppt/charts/chart4.xml><?xml version="1.0" encoding="utf-8"?>
-<c:chartSpace xmlns:c="http://schemas.openxmlformats.org/drawingml/2006/chart" xmlns:a="http://schemas.openxmlformats.org/drawingml/2006/main" xmlns:r="http://schemas.openxmlformats.org/officeDocument/2006/relationships">
+<c:chartSpace xmlns:c="http://schemas.openxmlformats.org/drawingml/2006/chart" xmlns:a="http://schemas.openxmlformats.org/drawingml/2006/main" xmlns:r="http://schemas.openxmlformats.org/officeDocument/2006/relationships" xmlns:c16r2="http://schemas.microsoft.com/office/drawing/2015/06/chart">
   <c:date1904 val="0"/>
   <c:lang val="ru-RU"/>
   <c:roundedCorners val="0"/>
@@ -2057,7 +2074,7 @@
           <a:lstStyle/>
           <a:p>
             <a:pPr>
-              <a:defRPr sz="1400" b="0" i="0" u="none" strike="noStrike" kern="1200" spc="0" baseline="0">
+              <a:defRPr sz="1800" b="0" i="0" u="none" strike="noStrike" kern="1200" spc="0" baseline="0">
                 <a:solidFill>
                   <a:schemeClr val="tx1">
                     <a:lumMod val="65000"/>
@@ -2070,14 +2087,14 @@
               </a:defRPr>
             </a:pPr>
             <a:r>
-              <a:rPr lang="ru-RU" dirty="0" smtClean="0"/>
+              <a:rPr lang="ru-RU" sz="1800" dirty="0" smtClean="0"/>
               <a:t>Нанесенный</a:t>
             </a:r>
             <a:r>
-              <a:rPr lang="ru-RU" baseline="0" dirty="0" smtClean="0"/>
+              <a:rPr lang="ru-RU" sz="1800" baseline="0" dirty="0" smtClean="0"/>
               <a:t> и полученный урон</a:t>
             </a:r>
-            <a:endParaRPr lang="ru-RU" dirty="0"/>
+            <a:endParaRPr lang="ru-RU" sz="1800" dirty="0"/>
           </a:p>
         </c:rich>
       </c:tx>
@@ -2095,7 +2112,7 @@
         <a:lstStyle/>
         <a:p>
           <a:pPr>
-            <a:defRPr sz="1400" b="0" i="0" u="none" strike="noStrike" kern="1200" spc="0" baseline="0">
+            <a:defRPr sz="1800" b="0" i="0" u="none" strike="noStrike" kern="1200" spc="0" baseline="0">
               <a:solidFill>
                 <a:schemeClr val="tx1">
                   <a:lumMod val="65000"/>
@@ -2157,7 +2174,7 @@
               <a:lstStyle/>
               <a:p>
                 <a:pPr>
-                  <a:defRPr sz="900" b="0" i="0" u="none" strike="noStrike" kern="1200" baseline="0">
+                  <a:defRPr sz="1200" b="0" i="0" u="none" strike="noStrike" kern="1200" baseline="0">
                     <a:solidFill>
                       <a:schemeClr val="tx1">
                         <a:lumMod val="75000"/>
@@ -2302,6 +2319,11 @@
               </c:numCache>
             </c:numRef>
           </c:val>
+          <c:extLst>
+            <c:ext xmlns:c16="http://schemas.microsoft.com/office/drawing/2014/chart" uri="{C3380CC4-5D6E-409C-BE32-E72D297353CC}">
+              <c16:uniqueId val="{00000000-5D1D-4A65-B4F0-1694F2F958DF}"/>
+            </c:ext>
+          </c:extLst>
         </c:ser>
         <c:ser>
           <c:idx val="1"/>
@@ -2342,7 +2364,7 @@
               <a:lstStyle/>
               <a:p>
                 <a:pPr>
-                  <a:defRPr sz="900" b="0" i="0" u="none" strike="noStrike" kern="1200" baseline="0">
+                  <a:defRPr sz="1200" b="0" i="0" u="none" strike="noStrike" kern="1200" baseline="0">
                     <a:solidFill>
                       <a:schemeClr val="tx1">
                         <a:lumMod val="75000"/>
@@ -2487,6 +2509,11 @@
               </c:numCache>
             </c:numRef>
           </c:val>
+          <c:extLst>
+            <c:ext xmlns:c16="http://schemas.microsoft.com/office/drawing/2014/chart" uri="{C3380CC4-5D6E-409C-BE32-E72D297353CC}">
+              <c16:uniqueId val="{00000001-5D1D-4A65-B4F0-1694F2F958DF}"/>
+            </c:ext>
+          </c:extLst>
         </c:ser>
         <c:dLbls>
           <c:dLblPos val="outEnd"/>
@@ -2531,7 +2558,7 @@
           <a:lstStyle/>
           <a:p>
             <a:pPr>
-              <a:defRPr sz="900" b="0" i="0" u="none" strike="noStrike" kern="1200" baseline="0">
+              <a:defRPr sz="1400" b="0" i="0" u="none" strike="noStrike" kern="1200" baseline="0">
                 <a:solidFill>
                   <a:schemeClr val="tx1">
                     <a:lumMod val="65000"/>
@@ -2581,7 +2608,7 @@
               <a:lstStyle/>
               <a:p>
                 <a:pPr>
-                  <a:defRPr sz="1000" b="0" i="0" u="none" strike="noStrike" kern="1200" baseline="0">
+                  <a:defRPr sz="1400" b="0" i="0" u="none" strike="noStrike" kern="1200" baseline="0">
                     <a:solidFill>
                       <a:schemeClr val="tx1">
                         <a:lumMod val="65000"/>
@@ -2594,18 +2621,18 @@
                   </a:defRPr>
                 </a:pPr>
                 <a:r>
-                  <a:rPr lang="ru-RU"/>
+                  <a:rPr lang="ru-RU" sz="1400"/>
                   <a:t>Количество</a:t>
                 </a:r>
                 <a:r>
-                  <a:rPr lang="ru-RU" baseline="0"/>
+                  <a:rPr lang="ru-RU" sz="1400" baseline="0"/>
                   <a:t> урона, </a:t>
                 </a:r>
                 <a:r>
-                  <a:rPr lang="en-US" baseline="0"/>
+                  <a:rPr lang="en-US" sz="1400" baseline="0"/>
                   <a:t>HP</a:t>
                 </a:r>
-                <a:endParaRPr lang="ru-RU"/>
+                <a:endParaRPr lang="ru-RU" sz="1400"/>
               </a:p>
             </c:rich>
           </c:tx>
@@ -2623,7 +2650,7 @@
             <a:lstStyle/>
             <a:p>
               <a:pPr>
-                <a:defRPr sz="1000" b="0" i="0" u="none" strike="noStrike" kern="1200" baseline="0">
+                <a:defRPr sz="1400" b="0" i="0" u="none" strike="noStrike" kern="1200" baseline="0">
                   <a:solidFill>
                     <a:schemeClr val="tx1">
                       <a:lumMod val="65000"/>
@@ -2674,6 +2701,45 @@
         <c:crosses val="autoZero"/>
         <c:crossBetween val="between"/>
       </c:valAx>
+      <c:dTable>
+        <c:showHorzBorder val="1"/>
+        <c:showVertBorder val="1"/>
+        <c:showOutline val="1"/>
+        <c:showKeys val="1"/>
+        <c:spPr>
+          <a:noFill/>
+          <a:ln w="9525" cap="flat" cmpd="sng" algn="ctr">
+            <a:solidFill>
+              <a:schemeClr val="tx1">
+                <a:lumMod val="15000"/>
+                <a:lumOff val="85000"/>
+              </a:schemeClr>
+            </a:solidFill>
+            <a:round/>
+          </a:ln>
+          <a:effectLst/>
+        </c:spPr>
+        <c:txPr>
+          <a:bodyPr rot="0" spcFirstLastPara="1" vertOverflow="ellipsis" vert="horz" wrap="square" anchor="ctr" anchorCtr="1"/>
+          <a:lstStyle/>
+          <a:p>
+            <a:pPr rtl="0">
+              <a:defRPr sz="1200" b="0" i="0" u="none" strike="noStrike" kern="1200" baseline="0">
+                <a:solidFill>
+                  <a:schemeClr val="tx1">
+                    <a:lumMod val="65000"/>
+                    <a:lumOff val="35000"/>
+                  </a:schemeClr>
+                </a:solidFill>
+                <a:latin typeface="+mn-lt"/>
+                <a:ea typeface="+mn-ea"/>
+                <a:cs typeface="+mn-cs"/>
+              </a:defRPr>
+            </a:pPr>
+            <a:endParaRPr lang="ru-RU"/>
+          </a:p>
+        </c:txPr>
+      </c:dTable>
       <c:spPr>
         <a:noFill/>
         <a:ln>
@@ -2682,38 +2748,6 @@
         <a:effectLst/>
       </c:spPr>
     </c:plotArea>
-    <c:legend>
-      <c:legendPos val="b"/>
-      <c:layout/>
-      <c:overlay val="0"/>
-      <c:spPr>
-        <a:noFill/>
-        <a:ln>
-          <a:noFill/>
-        </a:ln>
-        <a:effectLst/>
-      </c:spPr>
-      <c:txPr>
-        <a:bodyPr rot="0" spcFirstLastPara="1" vertOverflow="ellipsis" vert="horz" wrap="square" anchor="ctr" anchorCtr="1"/>
-        <a:lstStyle/>
-        <a:p>
-          <a:pPr>
-            <a:defRPr sz="900" b="0" i="0" u="none" strike="noStrike" kern="1200" baseline="0">
-              <a:solidFill>
-                <a:schemeClr val="tx1">
-                  <a:lumMod val="65000"/>
-                  <a:lumOff val="35000"/>
-                </a:schemeClr>
-              </a:solidFill>
-              <a:latin typeface="+mn-lt"/>
-              <a:ea typeface="+mn-ea"/>
-              <a:cs typeface="+mn-cs"/>
-            </a:defRPr>
-          </a:pPr>
-          <a:endParaRPr lang="ru-RU"/>
-        </a:p>
-      </c:txPr>
-    </c:legend>
     <c:plotVisOnly val="1"/>
     <c:dispBlanksAs val="gap"/>
     <c:showDLblsOverMax val="0"/>
@@ -2742,7 +2776,7 @@
 </file>
 
 <file path=ppt/charts/chart5.xml><?xml version="1.0" encoding="utf-8"?>
-<c:chartSpace xmlns:c="http://schemas.openxmlformats.org/drawingml/2006/chart" xmlns:a="http://schemas.openxmlformats.org/drawingml/2006/main" xmlns:r="http://schemas.openxmlformats.org/officeDocument/2006/relationships">
+<c:chartSpace xmlns:c="http://schemas.openxmlformats.org/drawingml/2006/chart" xmlns:a="http://schemas.openxmlformats.org/drawingml/2006/main" xmlns:r="http://schemas.openxmlformats.org/officeDocument/2006/relationships" xmlns:c16r2="http://schemas.microsoft.com/office/drawing/2015/06/chart">
   <c:date1904 val="0"/>
   <c:lang val="ru-RU"/>
   <c:roundedCorners val="0"/>
@@ -2762,7 +2796,7 @@
           <a:lstStyle/>
           <a:p>
             <a:pPr>
-              <a:defRPr sz="1400" b="0" i="0" u="none" strike="noStrike" kern="1200" spc="0" baseline="0">
+              <a:defRPr sz="1800" b="0" i="0" u="none" strike="noStrike" kern="1200" spc="0" baseline="0">
                 <a:solidFill>
                   <a:schemeClr val="tx1">
                     <a:lumMod val="65000"/>
@@ -2775,10 +2809,10 @@
               </a:defRPr>
             </a:pPr>
             <a:r>
-              <a:rPr lang="ru-RU" dirty="0" smtClean="0"/>
+              <a:rPr lang="ru-RU" sz="1800" dirty="0" smtClean="0"/>
               <a:t>Доля игр, в которых была взята аптечка</a:t>
             </a:r>
-            <a:endParaRPr lang="ru-RU" dirty="0"/>
+            <a:endParaRPr lang="ru-RU" sz="1800" dirty="0"/>
           </a:p>
         </c:rich>
       </c:tx>
@@ -2796,7 +2830,7 @@
         <a:lstStyle/>
         <a:p>
           <a:pPr>
-            <a:defRPr sz="1400" b="0" i="0" u="none" strike="noStrike" kern="1200" spc="0" baseline="0">
+            <a:defRPr sz="1800" b="0" i="0" u="none" strike="noStrike" kern="1200" spc="0" baseline="0">
               <a:solidFill>
                 <a:schemeClr val="tx1">
                   <a:lumMod val="65000"/>
@@ -2858,7 +2892,7 @@
               <a:lstStyle/>
               <a:p>
                 <a:pPr>
-                  <a:defRPr sz="900" b="0" i="0" u="none" strike="noStrike" kern="1200" baseline="0">
+                  <a:defRPr sz="1400" b="0" i="0" u="none" strike="noStrike" kern="1200" baseline="0">
                     <a:solidFill>
                       <a:schemeClr val="tx1">
                         <a:lumMod val="75000"/>
@@ -3003,6 +3037,11 @@
               </c:numCache>
             </c:numRef>
           </c:val>
+          <c:extLst>
+            <c:ext xmlns:c16="http://schemas.microsoft.com/office/drawing/2014/chart" uri="{C3380CC4-5D6E-409C-BE32-E72D297353CC}">
+              <c16:uniqueId val="{00000000-F86D-40B4-A7A4-2F97391B4CB7}"/>
+            </c:ext>
+          </c:extLst>
         </c:ser>
         <c:dLbls>
           <c:dLblPos val="outEnd"/>
@@ -3047,7 +3086,7 @@
           <a:lstStyle/>
           <a:p>
             <a:pPr>
-              <a:defRPr sz="900" b="0" i="0" u="none" strike="noStrike" kern="1200" baseline="0">
+              <a:defRPr sz="1400" b="0" i="0" u="none" strike="noStrike" kern="1200" baseline="0">
                 <a:solidFill>
                   <a:schemeClr val="tx1">
                     <a:lumMod val="65000"/>
@@ -3097,7 +3136,7 @@
               <a:lstStyle/>
               <a:p>
                 <a:pPr>
-                  <a:defRPr sz="1000" b="0" i="0" u="none" strike="noStrike" kern="1200" baseline="0">
+                  <a:defRPr sz="1400" b="0" i="0" u="none" strike="noStrike" kern="1200" baseline="0">
                     <a:solidFill>
                       <a:schemeClr val="tx1">
                         <a:lumMod val="65000"/>
@@ -3110,14 +3149,14 @@
                   </a:defRPr>
                 </a:pPr>
                 <a:r>
-                  <a:rPr lang="ru-RU"/>
+                  <a:rPr lang="ru-RU" sz="1400"/>
                   <a:t>Доля</a:t>
                 </a:r>
                 <a:r>
-                  <a:rPr lang="ru-RU" baseline="0"/>
+                  <a:rPr lang="ru-RU" sz="1400" baseline="0"/>
                   <a:t> игр, %</a:t>
                 </a:r>
-                <a:endParaRPr lang="ru-RU"/>
+                <a:endParaRPr lang="ru-RU" sz="1400"/>
               </a:p>
             </c:rich>
           </c:tx>
@@ -3135,7 +3174,7 @@
             <a:lstStyle/>
             <a:p>
               <a:pPr>
-                <a:defRPr sz="1000" b="0" i="0" u="none" strike="noStrike" kern="1200" baseline="0">
+                <a:defRPr sz="1400" b="0" i="0" u="none" strike="noStrike" kern="1200" baseline="0">
                   <a:solidFill>
                     <a:schemeClr val="tx1">
                       <a:lumMod val="65000"/>
@@ -6031,7 +6070,7 @@
           <a:p>
             <a:fld id="{AC251218-8D5F-4B44-930F-C0F788373CCB}" type="datetimeFigureOut">
               <a:rPr lang="ru-RU" smtClean="0"/>
-              <a:t>01.06.2017</a:t>
+              <a:t>11.06.2017</a:t>
             </a:fld>
             <a:endParaRPr lang="ru-RU"/>
           </a:p>
@@ -6511,7 +6550,7 @@
           <a:bodyPr/>
           <a:lstStyle/>
           <a:p>
-            <a:endParaRPr lang="ru-RU"/>
+            <a:endParaRPr lang="ru-RU" dirty="0"/>
           </a:p>
         </p:txBody>
       </p:sp>
@@ -6532,7 +6571,7 @@
           <a:p>
             <a:fld id="{134FD2AE-B88E-4455-A7BB-460061C00E7A}" type="slidenum">
               <a:rPr lang="ru-RU" smtClean="0"/>
-              <a:t>5</a:t>
+              <a:t>4</a:t>
             </a:fld>
             <a:endParaRPr lang="ru-RU"/>
           </a:p>
@@ -6542,6 +6581,258 @@
     <p:extLst>
       <p:ext uri="{BB962C8B-B14F-4D97-AF65-F5344CB8AC3E}">
         <p14:creationId xmlns:p14="http://schemas.microsoft.com/office/powerpoint/2010/main" val="1491440795"/>
+      </p:ext>
+    </p:extLst>
+  </p:cSld>
+  <p:clrMapOvr>
+    <a:masterClrMapping/>
+  </p:clrMapOvr>
+</p:notes>
+</file>
+
+<file path=ppt/notesSlides/notesSlide4.xml><?xml version="1.0" encoding="utf-8"?>
+<p:notes xmlns:a="http://schemas.openxmlformats.org/drawingml/2006/main" xmlns:r="http://schemas.openxmlformats.org/officeDocument/2006/relationships" xmlns:p="http://schemas.openxmlformats.org/presentationml/2006/main">
+  <p:cSld>
+    <p:spTree>
+      <p:nvGrpSpPr>
+        <p:cNvPr id="1" name=""/>
+        <p:cNvGrpSpPr/>
+        <p:nvPr/>
+      </p:nvGrpSpPr>
+      <p:grpSpPr>
+        <a:xfrm>
+          <a:off x="0" y="0"/>
+          <a:ext cx="0" cy="0"/>
+          <a:chOff x="0" y="0"/>
+          <a:chExt cx="0" cy="0"/>
+        </a:xfrm>
+      </p:grpSpPr>
+      <p:sp>
+        <p:nvSpPr>
+          <p:cNvPr id="2" name="Образ слайда 1"/>
+          <p:cNvSpPr>
+            <a:spLocks noGrp="1" noRot="1" noChangeAspect="1"/>
+          </p:cNvSpPr>
+          <p:nvPr>
+            <p:ph type="sldImg"/>
+          </p:nvPr>
+        </p:nvSpPr>
+        <p:spPr/>
+      </p:sp>
+      <p:sp>
+        <p:nvSpPr>
+          <p:cNvPr id="3" name="Заметки 2"/>
+          <p:cNvSpPr>
+            <a:spLocks noGrp="1"/>
+          </p:cNvSpPr>
+          <p:nvPr>
+            <p:ph type="body" idx="1"/>
+          </p:nvPr>
+        </p:nvSpPr>
+        <p:spPr/>
+        <p:txBody>
+          <a:bodyPr/>
+          <a:lstStyle/>
+          <a:p>
+            <a:endParaRPr lang="ru-RU" dirty="0"/>
+          </a:p>
+        </p:txBody>
+      </p:sp>
+      <p:sp>
+        <p:nvSpPr>
+          <p:cNvPr id="4" name="Номер слайда 3"/>
+          <p:cNvSpPr>
+            <a:spLocks noGrp="1"/>
+          </p:cNvSpPr>
+          <p:nvPr>
+            <p:ph type="sldNum" sz="quarter" idx="10"/>
+          </p:nvPr>
+        </p:nvSpPr>
+        <p:spPr/>
+        <p:txBody>
+          <a:bodyPr/>
+          <a:lstStyle/>
+          <a:p>
+            <a:fld id="{134FD2AE-B88E-4455-A7BB-460061C00E7A}" type="slidenum">
+              <a:rPr lang="ru-RU" smtClean="0"/>
+              <a:t>17</a:t>
+            </a:fld>
+            <a:endParaRPr lang="ru-RU"/>
+          </a:p>
+        </p:txBody>
+      </p:sp>
+    </p:spTree>
+    <p:extLst>
+      <p:ext uri="{BB962C8B-B14F-4D97-AF65-F5344CB8AC3E}">
+        <p14:creationId xmlns:p14="http://schemas.microsoft.com/office/powerpoint/2010/main" val="736156866"/>
+      </p:ext>
+    </p:extLst>
+  </p:cSld>
+  <p:clrMapOvr>
+    <a:masterClrMapping/>
+  </p:clrMapOvr>
+</p:notes>
+</file>
+
+<file path=ppt/notesSlides/notesSlide5.xml><?xml version="1.0" encoding="utf-8"?>
+<p:notes xmlns:a="http://schemas.openxmlformats.org/drawingml/2006/main" xmlns:r="http://schemas.openxmlformats.org/officeDocument/2006/relationships" xmlns:p="http://schemas.openxmlformats.org/presentationml/2006/main">
+  <p:cSld>
+    <p:spTree>
+      <p:nvGrpSpPr>
+        <p:cNvPr id="1" name=""/>
+        <p:cNvGrpSpPr/>
+        <p:nvPr/>
+      </p:nvGrpSpPr>
+      <p:grpSpPr>
+        <a:xfrm>
+          <a:off x="0" y="0"/>
+          <a:ext cx="0" cy="0"/>
+          <a:chOff x="0" y="0"/>
+          <a:chExt cx="0" cy="0"/>
+        </a:xfrm>
+      </p:grpSpPr>
+      <p:sp>
+        <p:nvSpPr>
+          <p:cNvPr id="2" name="Образ слайда 1"/>
+          <p:cNvSpPr>
+            <a:spLocks noGrp="1" noRot="1" noChangeAspect="1"/>
+          </p:cNvSpPr>
+          <p:nvPr>
+            <p:ph type="sldImg"/>
+          </p:nvPr>
+        </p:nvSpPr>
+        <p:spPr/>
+      </p:sp>
+      <p:sp>
+        <p:nvSpPr>
+          <p:cNvPr id="3" name="Заметки 2"/>
+          <p:cNvSpPr>
+            <a:spLocks noGrp="1"/>
+          </p:cNvSpPr>
+          <p:nvPr>
+            <p:ph type="body" idx="1"/>
+          </p:nvPr>
+        </p:nvSpPr>
+        <p:spPr/>
+        <p:txBody>
+          <a:bodyPr/>
+          <a:lstStyle/>
+          <a:p>
+            <a:endParaRPr lang="ru-RU" dirty="0"/>
+          </a:p>
+        </p:txBody>
+      </p:sp>
+      <p:sp>
+        <p:nvSpPr>
+          <p:cNvPr id="4" name="Номер слайда 3"/>
+          <p:cNvSpPr>
+            <a:spLocks noGrp="1"/>
+          </p:cNvSpPr>
+          <p:nvPr>
+            <p:ph type="sldNum" sz="quarter" idx="10"/>
+          </p:nvPr>
+        </p:nvSpPr>
+        <p:spPr/>
+        <p:txBody>
+          <a:bodyPr/>
+          <a:lstStyle/>
+          <a:p>
+            <a:fld id="{134FD2AE-B88E-4455-A7BB-460061C00E7A}" type="slidenum">
+              <a:rPr lang="ru-RU" smtClean="0"/>
+              <a:t>18</a:t>
+            </a:fld>
+            <a:endParaRPr lang="ru-RU"/>
+          </a:p>
+        </p:txBody>
+      </p:sp>
+    </p:spTree>
+    <p:extLst>
+      <p:ext uri="{BB962C8B-B14F-4D97-AF65-F5344CB8AC3E}">
+        <p14:creationId xmlns:p14="http://schemas.microsoft.com/office/powerpoint/2010/main" val="2551201552"/>
+      </p:ext>
+    </p:extLst>
+  </p:cSld>
+  <p:clrMapOvr>
+    <a:masterClrMapping/>
+  </p:clrMapOvr>
+</p:notes>
+</file>
+
+<file path=ppt/notesSlides/notesSlide6.xml><?xml version="1.0" encoding="utf-8"?>
+<p:notes xmlns:a="http://schemas.openxmlformats.org/drawingml/2006/main" xmlns:r="http://schemas.openxmlformats.org/officeDocument/2006/relationships" xmlns:p="http://schemas.openxmlformats.org/presentationml/2006/main">
+  <p:cSld>
+    <p:spTree>
+      <p:nvGrpSpPr>
+        <p:cNvPr id="1" name=""/>
+        <p:cNvGrpSpPr/>
+        <p:nvPr/>
+      </p:nvGrpSpPr>
+      <p:grpSpPr>
+        <a:xfrm>
+          <a:off x="0" y="0"/>
+          <a:ext cx="0" cy="0"/>
+          <a:chOff x="0" y="0"/>
+          <a:chExt cx="0" cy="0"/>
+        </a:xfrm>
+      </p:grpSpPr>
+      <p:sp>
+        <p:nvSpPr>
+          <p:cNvPr id="2" name="Образ слайда 1"/>
+          <p:cNvSpPr>
+            <a:spLocks noGrp="1" noRot="1" noChangeAspect="1"/>
+          </p:cNvSpPr>
+          <p:nvPr>
+            <p:ph type="sldImg"/>
+          </p:nvPr>
+        </p:nvSpPr>
+        <p:spPr/>
+      </p:sp>
+      <p:sp>
+        <p:nvSpPr>
+          <p:cNvPr id="3" name="Заметки 2"/>
+          <p:cNvSpPr>
+            <a:spLocks noGrp="1"/>
+          </p:cNvSpPr>
+          <p:nvPr>
+            <p:ph type="body" idx="1"/>
+          </p:nvPr>
+        </p:nvSpPr>
+        <p:spPr/>
+        <p:txBody>
+          <a:bodyPr/>
+          <a:lstStyle/>
+          <a:p>
+            <a:endParaRPr lang="ru-RU" dirty="0"/>
+          </a:p>
+        </p:txBody>
+      </p:sp>
+      <p:sp>
+        <p:nvSpPr>
+          <p:cNvPr id="4" name="Номер слайда 3"/>
+          <p:cNvSpPr>
+            <a:spLocks noGrp="1"/>
+          </p:cNvSpPr>
+          <p:nvPr>
+            <p:ph type="sldNum" sz="quarter" idx="10"/>
+          </p:nvPr>
+        </p:nvSpPr>
+        <p:spPr/>
+        <p:txBody>
+          <a:bodyPr/>
+          <a:lstStyle/>
+          <a:p>
+            <a:fld id="{134FD2AE-B88E-4455-A7BB-460061C00E7A}" type="slidenum">
+              <a:rPr lang="ru-RU" smtClean="0"/>
+              <a:t>19</a:t>
+            </a:fld>
+            <a:endParaRPr lang="ru-RU"/>
+          </a:p>
+        </p:txBody>
+      </p:sp>
+    </p:spTree>
+    <p:extLst>
+      <p:ext uri="{BB962C8B-B14F-4D97-AF65-F5344CB8AC3E}">
+        <p14:creationId xmlns:p14="http://schemas.microsoft.com/office/powerpoint/2010/main" val="841358980"/>
       </p:ext>
     </p:extLst>
   </p:cSld>
@@ -6690,7 +6981,7 @@
           <a:p>
             <a:fld id="{A4042B24-E289-4B03-B2D9-A46BE38FF6BB}" type="datetime1">
               <a:rPr lang="ru-RU" smtClean="0"/>
-              <a:t>01.06.2017</a:t>
+              <a:t>11.06.2017</a:t>
             </a:fld>
             <a:endParaRPr lang="ru-RU"/>
           </a:p>
@@ -6873,7 +7164,7 @@
           <a:p>
             <a:fld id="{81DDB41D-67F0-4914-9A46-989AFA64781D}" type="datetime1">
               <a:rPr lang="ru-RU" smtClean="0"/>
-              <a:t>01.06.2017</a:t>
+              <a:t>11.06.2017</a:t>
             </a:fld>
             <a:endParaRPr lang="ru-RU"/>
           </a:p>
@@ -7066,7 +7357,7 @@
           <a:p>
             <a:fld id="{03730833-C397-4618-A2E9-B0F1E843D526}" type="datetime1">
               <a:rPr lang="ru-RU" smtClean="0"/>
-              <a:t>01.06.2017</a:t>
+              <a:t>11.06.2017</a:t>
             </a:fld>
             <a:endParaRPr lang="ru-RU"/>
           </a:p>
@@ -7249,7 +7540,7 @@
           <a:p>
             <a:fld id="{BDE52A37-6815-412C-ABBB-9342FEC0109E}" type="datetime1">
               <a:rPr lang="ru-RU" smtClean="0"/>
-              <a:t>01.06.2017</a:t>
+              <a:t>11.06.2017</a:t>
             </a:fld>
             <a:endParaRPr lang="ru-RU"/>
           </a:p>
@@ -7508,7 +7799,7 @@
           <a:p>
             <a:fld id="{EB642820-EA47-4517-8B3F-F5999DC4B6C2}" type="datetime1">
               <a:rPr lang="ru-RU" smtClean="0"/>
-              <a:t>01.06.2017</a:t>
+              <a:t>11.06.2017</a:t>
             </a:fld>
             <a:endParaRPr lang="ru-RU"/>
           </a:p>
@@ -7753,7 +8044,7 @@
           <a:p>
             <a:fld id="{E31FF725-8E94-4B76-8CED-7D9DDD7A584F}" type="datetime1">
               <a:rPr lang="ru-RU" smtClean="0"/>
-              <a:t>01.06.2017</a:t>
+              <a:t>11.06.2017</a:t>
             </a:fld>
             <a:endParaRPr lang="ru-RU"/>
           </a:p>
@@ -8133,7 +8424,7 @@
           <a:p>
             <a:fld id="{AB72BB7B-AD67-4E21-ABB7-C19EFFFAFCFF}" type="datetime1">
               <a:rPr lang="ru-RU" smtClean="0"/>
-              <a:t>01.06.2017</a:t>
+              <a:t>11.06.2017</a:t>
             </a:fld>
             <a:endParaRPr lang="ru-RU"/>
           </a:p>
@@ -8264,7 +8555,7 @@
           <a:p>
             <a:fld id="{F2BA468E-7959-44C2-A5C6-26BFBF4902AC}" type="datetime1">
               <a:rPr lang="ru-RU" smtClean="0"/>
-              <a:t>01.06.2017</a:t>
+              <a:t>11.06.2017</a:t>
             </a:fld>
             <a:endParaRPr lang="ru-RU"/>
           </a:p>
@@ -8372,7 +8663,7 @@
           <a:p>
             <a:fld id="{56F3E22B-9012-4275-8DB1-B70C16EABBC3}" type="datetime1">
               <a:rPr lang="ru-RU" smtClean="0"/>
-              <a:t>01.06.2017</a:t>
+              <a:t>11.06.2017</a:t>
             </a:fld>
             <a:endParaRPr lang="ru-RU"/>
           </a:p>
@@ -8662,7 +8953,7 @@
           <a:p>
             <a:fld id="{57ECFAF3-56F0-4E0D-A0BC-CB72FFF50CD2}" type="datetime1">
               <a:rPr lang="ru-RU" smtClean="0"/>
-              <a:t>01.06.2017</a:t>
+              <a:t>11.06.2017</a:t>
             </a:fld>
             <a:endParaRPr lang="ru-RU"/>
           </a:p>
@@ -8928,7 +9219,7 @@
           <a:p>
             <a:fld id="{798FFA72-D039-4D6D-AFFF-62A023C7D550}" type="datetime1">
               <a:rPr lang="ru-RU" smtClean="0"/>
-              <a:t>01.06.2017</a:t>
+              <a:t>11.06.2017</a:t>
             </a:fld>
             <a:endParaRPr lang="ru-RU"/>
           </a:p>
@@ -9736,880 +10027,10 @@
             <p:ph type="title"/>
           </p:nvPr>
         </p:nvSpPr>
-        <p:spPr/>
-        <p:txBody>
-          <a:bodyPr/>
-          <a:lstStyle/>
-          <a:p>
-            <a:r>
-              <a:rPr lang="ru-RU" dirty="0" smtClean="0"/>
-              <a:t>Деревья поведения (выводы)</a:t>
-            </a:r>
-            <a:endParaRPr lang="ru-RU" dirty="0"/>
-          </a:p>
-        </p:txBody>
-      </p:sp>
-      <p:sp>
-        <p:nvSpPr>
-          <p:cNvPr id="3" name="Объект 2"/>
-          <p:cNvSpPr>
-            <a:spLocks noGrp="1"/>
-          </p:cNvSpPr>
-          <p:nvPr>
-            <p:ph idx="1"/>
-          </p:nvPr>
-        </p:nvSpPr>
-        <p:spPr/>
-        <p:txBody>
-          <a:bodyPr>
-            <a:normAutofit/>
-          </a:bodyPr>
-          <a:lstStyle/>
-          <a:p>
-            <a:pPr marL="0" indent="0">
-              <a:buNone/>
-            </a:pPr>
-            <a:r>
-              <a:rPr lang="ru-RU" dirty="0" smtClean="0"/>
-              <a:t>Преимущества</a:t>
-            </a:r>
-          </a:p>
-          <a:p>
-            <a:pPr lvl="1">
-              <a:buFont typeface="Arial" panose="020B0604020202020204" pitchFamily="34" charset="0"/>
-              <a:buChar char="•"/>
-            </a:pPr>
-            <a:r>
-              <a:rPr lang="ru-RU" dirty="0" smtClean="0"/>
-              <a:t>Модульность – узлы не связаны друг с другом и могут быть </a:t>
-            </a:r>
-            <a:r>
-              <a:rPr lang="ru-RU" dirty="0" err="1" smtClean="0"/>
-              <a:t>переиспользованы</a:t>
-            </a:r>
-            <a:r>
-              <a:rPr lang="ru-RU" dirty="0" smtClean="0"/>
-              <a:t> в разных ветвях одного дерева, в разных деревьях и в разных проектах</a:t>
-            </a:r>
-          </a:p>
-          <a:p>
-            <a:pPr marL="0" indent="0">
-              <a:buNone/>
-            </a:pPr>
-            <a:r>
-              <a:rPr lang="ru-RU" dirty="0" smtClean="0"/>
-              <a:t>Недостатки</a:t>
-            </a:r>
-          </a:p>
-          <a:p>
-            <a:pPr lvl="1">
-              <a:buFont typeface="Arial" panose="020B0604020202020204" pitchFamily="34" charset="0"/>
-              <a:buChar char="•"/>
-            </a:pPr>
-            <a:r>
-              <a:rPr lang="ru-RU" dirty="0" smtClean="0"/>
-              <a:t>Поведение полностью определяется разработчиком. Агент может реагировать только на те условия окружающей среды, которые были учтены про проектировании.</a:t>
-            </a:r>
-          </a:p>
-          <a:p>
-            <a:pPr lvl="1">
-              <a:buFont typeface="Arial" panose="020B0604020202020204" pitchFamily="34" charset="0"/>
-              <a:buChar char="•"/>
-            </a:pPr>
-            <a:r>
-              <a:rPr lang="ru-RU" dirty="0" smtClean="0"/>
-              <a:t>Быстродействие: </a:t>
-            </a:r>
-            <a:r>
-              <a:rPr lang="en-US" dirty="0" smtClean="0"/>
-              <a:t>O(n)</a:t>
-            </a:r>
-            <a:r>
-              <a:rPr lang="ru-RU" dirty="0" smtClean="0"/>
-              <a:t>, где </a:t>
-            </a:r>
-            <a:r>
-              <a:rPr lang="en-US" dirty="0" smtClean="0"/>
-              <a:t>n – </a:t>
-            </a:r>
-            <a:r>
-              <a:rPr lang="ru-RU" dirty="0" smtClean="0"/>
-              <a:t>количество  узлов в дереве. В общем случае принятие решения – это полный обход графа в глубину.</a:t>
-            </a:r>
-            <a:endParaRPr lang="ru-RU" dirty="0"/>
-          </a:p>
-        </p:txBody>
-      </p:sp>
-      <p:sp>
-        <p:nvSpPr>
-          <p:cNvPr id="5" name="Нижний колонтитул 4"/>
-          <p:cNvSpPr>
-            <a:spLocks noGrp="1"/>
-          </p:cNvSpPr>
-          <p:nvPr>
-            <p:ph type="ftr" sz="quarter" idx="11"/>
-          </p:nvPr>
-        </p:nvSpPr>
-        <p:spPr/>
-        <p:txBody>
-          <a:bodyPr/>
-          <a:lstStyle/>
-          <a:p>
-            <a:r>
-              <a:rPr lang="ru-RU" smtClean="0"/>
-              <a:t>Приходько Е.В. Исследование методов моделирования принятия решений на примере ботов в компьютерной игре</a:t>
-            </a:r>
-            <a:endParaRPr lang="ru-RU"/>
-          </a:p>
-        </p:txBody>
-      </p:sp>
-      <p:sp>
-        <p:nvSpPr>
-          <p:cNvPr id="6" name="Номер слайда 5"/>
-          <p:cNvSpPr>
-            <a:spLocks noGrp="1"/>
-          </p:cNvSpPr>
-          <p:nvPr>
-            <p:ph type="sldNum" sz="quarter" idx="12"/>
-          </p:nvPr>
-        </p:nvSpPr>
-        <p:spPr/>
-        <p:txBody>
-          <a:bodyPr/>
-          <a:lstStyle/>
-          <a:p>
-            <a:fld id="{E58024C2-D31D-4875-8231-7C9AE6162281}" type="slidenum">
-              <a:rPr lang="ru-RU" smtClean="0"/>
-              <a:pPr/>
-              <a:t>10</a:t>
-            </a:fld>
-            <a:endParaRPr lang="ru-RU" dirty="0" smtClean="0"/>
-          </a:p>
-        </p:txBody>
-      </p:sp>
-    </p:spTree>
-    <p:extLst>
-      <p:ext uri="{BB962C8B-B14F-4D97-AF65-F5344CB8AC3E}">
-        <p14:creationId xmlns:p14="http://schemas.microsoft.com/office/powerpoint/2010/main" val="345715378"/>
-      </p:ext>
-    </p:extLst>
-  </p:cSld>
-  <p:clrMapOvr>
-    <a:masterClrMapping/>
-  </p:clrMapOvr>
-</p:sld>
-</file>
-
-<file path=ppt/slides/slide11.xml><?xml version="1.0" encoding="utf-8"?>
-<p:sld xmlns:a="http://schemas.openxmlformats.org/drawingml/2006/main" xmlns:r="http://schemas.openxmlformats.org/officeDocument/2006/relationships" xmlns:p="http://schemas.openxmlformats.org/presentationml/2006/main">
-  <p:cSld>
-    <p:spTree>
-      <p:nvGrpSpPr>
-        <p:cNvPr id="1" name=""/>
-        <p:cNvGrpSpPr/>
-        <p:nvPr/>
-      </p:nvGrpSpPr>
-      <p:grpSpPr>
-        <a:xfrm>
-          <a:off x="0" y="0"/>
-          <a:ext cx="0" cy="0"/>
-          <a:chOff x="0" y="0"/>
-          <a:chExt cx="0" cy="0"/>
-        </a:xfrm>
-      </p:grpSpPr>
-      <p:sp>
-        <p:nvSpPr>
-          <p:cNvPr id="2" name="Заголовок 1"/>
-          <p:cNvSpPr>
-            <a:spLocks noGrp="1"/>
-          </p:cNvSpPr>
-          <p:nvPr>
-            <p:ph type="title"/>
-          </p:nvPr>
-        </p:nvSpPr>
         <p:spPr>
           <a:xfrm>
-            <a:off x="838200" y="365126"/>
-            <a:ext cx="10515600" cy="692150"/>
-          </a:xfrm>
-        </p:spPr>
-        <p:txBody>
-          <a:bodyPr>
-            <a:normAutofit fontScale="90000"/>
-          </a:bodyPr>
-          <a:lstStyle/>
-          <a:p>
-            <a:r>
-              <a:rPr lang="ru-RU" dirty="0" smtClean="0"/>
-              <a:t>Нечеткая логика</a:t>
-            </a:r>
-            <a:endParaRPr lang="ru-RU" dirty="0"/>
-          </a:p>
-        </p:txBody>
-      </p:sp>
-      <p:sp>
-        <p:nvSpPr>
-          <p:cNvPr id="3" name="Объект 2"/>
-          <p:cNvSpPr>
-            <a:spLocks noGrp="1"/>
-          </p:cNvSpPr>
-          <p:nvPr>
-            <p:ph sz="half" idx="1"/>
-          </p:nvPr>
-        </p:nvSpPr>
-        <p:spPr>
-          <a:xfrm>
-            <a:off x="838200" y="1057277"/>
-            <a:ext cx="9906000" cy="1589126"/>
-          </a:xfrm>
-        </p:spPr>
-        <p:txBody>
-          <a:bodyPr>
-            <a:normAutofit fontScale="85000" lnSpcReduction="10000"/>
-          </a:bodyPr>
-          <a:lstStyle/>
-          <a:p>
-            <a:pPr marL="0" indent="0">
-              <a:buNone/>
-            </a:pPr>
-            <a:r>
-              <a:rPr lang="ru-RU" sz="3200" dirty="0"/>
-              <a:t>Входные переменные</a:t>
-            </a:r>
-          </a:p>
-          <a:p>
-            <a:pPr lvl="1">
-              <a:buFont typeface="Arial" panose="020B0604020202020204" pitchFamily="34" charset="0"/>
-              <a:buChar char="•"/>
-            </a:pPr>
-            <a:r>
-              <a:rPr lang="ru-RU" sz="2800" dirty="0"/>
-              <a:t>Количество очков здоровья </a:t>
-            </a:r>
-            <a:r>
-              <a:rPr lang="ru-RU" sz="2800" dirty="0" smtClean="0"/>
-              <a:t>агента = </a:t>
-            </a:r>
-            <a:r>
-              <a:rPr lang="en-US" sz="2800" dirty="0" smtClean="0"/>
-              <a:t>{</a:t>
-            </a:r>
-            <a:r>
-              <a:rPr lang="ru-RU" sz="2800" dirty="0" smtClean="0"/>
-              <a:t> Мало, Средне, Много </a:t>
-            </a:r>
-            <a:r>
-              <a:rPr lang="en-US" sz="2800" dirty="0" smtClean="0"/>
-              <a:t>}</a:t>
-            </a:r>
-          </a:p>
-          <a:p>
-            <a:pPr lvl="1"/>
-            <a:r>
-              <a:rPr lang="ru-RU" sz="2800" dirty="0" smtClean="0"/>
-              <a:t>Количество </a:t>
-            </a:r>
-            <a:r>
-              <a:rPr lang="ru-RU" sz="2800" dirty="0"/>
-              <a:t>очков здоровья </a:t>
-            </a:r>
-            <a:r>
-              <a:rPr lang="ru-RU" sz="2800" dirty="0" smtClean="0"/>
-              <a:t>противника = </a:t>
-            </a:r>
-            <a:r>
-              <a:rPr lang="en-US" sz="2800" dirty="0" smtClean="0"/>
-              <a:t>{</a:t>
-            </a:r>
-            <a:r>
-              <a:rPr lang="ru-RU" sz="2800" dirty="0" smtClean="0"/>
-              <a:t> Мало, Средне, Много </a:t>
-            </a:r>
-            <a:r>
-              <a:rPr lang="en-US" sz="2800" dirty="0" smtClean="0"/>
-              <a:t>}</a:t>
-            </a:r>
-          </a:p>
-          <a:p>
-            <a:pPr lvl="1">
-              <a:buFont typeface="Arial" panose="020B0604020202020204" pitchFamily="34" charset="0"/>
-              <a:buChar char="•"/>
-            </a:pPr>
-            <a:r>
-              <a:rPr lang="ru-RU" sz="2800" dirty="0" smtClean="0"/>
-              <a:t>Видимость противника = </a:t>
-            </a:r>
-            <a:r>
-              <a:rPr lang="en-US" sz="2800" dirty="0" smtClean="0"/>
-              <a:t>{</a:t>
-            </a:r>
-            <a:r>
-              <a:rPr lang="ru-RU" sz="2800" dirty="0" smtClean="0"/>
-              <a:t> Нет, Есть </a:t>
-            </a:r>
-            <a:r>
-              <a:rPr lang="en-US" sz="2800" dirty="0" smtClean="0"/>
-              <a:t>}</a:t>
-            </a:r>
-          </a:p>
-          <a:p>
-            <a:pPr>
-              <a:buFont typeface="Arial" panose="020B0604020202020204" pitchFamily="34" charset="0"/>
-              <a:buChar char="•"/>
-            </a:pPr>
-            <a:endParaRPr lang="ru-RU" dirty="0"/>
-          </a:p>
-        </p:txBody>
-      </p:sp>
-      <p:sp>
-        <p:nvSpPr>
-          <p:cNvPr id="4" name="Нижний колонтитул 3"/>
-          <p:cNvSpPr>
-            <a:spLocks noGrp="1"/>
-          </p:cNvSpPr>
-          <p:nvPr>
-            <p:ph type="ftr" sz="quarter" idx="11"/>
-          </p:nvPr>
-        </p:nvSpPr>
-        <p:spPr/>
-        <p:txBody>
-          <a:bodyPr/>
-          <a:lstStyle/>
-          <a:p>
-            <a:r>
-              <a:rPr lang="ru-RU" smtClean="0"/>
-              <a:t>Приходько Е.В. Исследование методов моделирования принятия решений на примере ботов в компьютерной игре</a:t>
-            </a:r>
-            <a:endParaRPr lang="ru-RU"/>
-          </a:p>
-        </p:txBody>
-      </p:sp>
-      <p:sp>
-        <p:nvSpPr>
-          <p:cNvPr id="8" name="Номер слайда 7"/>
-          <p:cNvSpPr>
-            <a:spLocks noGrp="1"/>
-          </p:cNvSpPr>
-          <p:nvPr>
-            <p:ph type="sldNum" sz="quarter" idx="12"/>
-          </p:nvPr>
-        </p:nvSpPr>
-        <p:spPr/>
-        <p:txBody>
-          <a:bodyPr/>
-          <a:lstStyle/>
-          <a:p>
-            <a:fld id="{E58024C2-D31D-4875-8231-7C9AE6162281}" type="slidenum">
-              <a:rPr lang="ru-RU" smtClean="0"/>
-              <a:pPr/>
-              <a:t>11</a:t>
-            </a:fld>
-            <a:endParaRPr lang="ru-RU" dirty="0"/>
-          </a:p>
-        </p:txBody>
-      </p:sp>
-      <p:pic>
-        <p:nvPicPr>
-          <p:cNvPr id="6" name="Рисунок 5"/>
-          <p:cNvPicPr/>
-          <p:nvPr/>
-        </p:nvPicPr>
-        <p:blipFill>
-          <a:blip r:embed="rId2">
-            <a:extLst>
-              <a:ext uri="{28A0092B-C50C-407E-A947-70E740481C1C}">
-                <a14:useLocalDpi xmlns:a14="http://schemas.microsoft.com/office/drawing/2010/main" val="0"/>
-              </a:ext>
-            </a:extLst>
-          </a:blip>
-          <a:srcRect/>
-          <a:stretch>
-            <a:fillRect/>
-          </a:stretch>
-        </p:blipFill>
-        <p:spPr bwMode="auto">
-          <a:xfrm>
-            <a:off x="0" y="2646402"/>
-            <a:ext cx="5828663" cy="3161357"/>
-          </a:xfrm>
-          <a:prstGeom prst="rect">
-            <a:avLst/>
-          </a:prstGeom>
-          <a:noFill/>
-          <a:ln>
-            <a:noFill/>
-          </a:ln>
-        </p:spPr>
-      </p:pic>
-      <p:pic>
-        <p:nvPicPr>
-          <p:cNvPr id="7" name="Рисунок 6"/>
-          <p:cNvPicPr/>
-          <p:nvPr/>
-        </p:nvPicPr>
-        <p:blipFill>
-          <a:blip r:embed="rId3">
-            <a:extLst>
-              <a:ext uri="{28A0092B-C50C-407E-A947-70E740481C1C}">
-                <a14:useLocalDpi xmlns:a14="http://schemas.microsoft.com/office/drawing/2010/main" val="0"/>
-              </a:ext>
-            </a:extLst>
-          </a:blip>
-          <a:srcRect/>
-          <a:stretch>
-            <a:fillRect/>
-          </a:stretch>
-        </p:blipFill>
-        <p:spPr bwMode="auto">
-          <a:xfrm>
-            <a:off x="5753738" y="2646402"/>
-            <a:ext cx="5828662" cy="3161357"/>
-          </a:xfrm>
-          <a:prstGeom prst="rect">
-            <a:avLst/>
-          </a:prstGeom>
-          <a:noFill/>
-          <a:ln>
-            <a:noFill/>
-          </a:ln>
-        </p:spPr>
-      </p:pic>
-      <p:sp>
-        <p:nvSpPr>
-          <p:cNvPr id="5" name="TextBox 4"/>
-          <p:cNvSpPr txBox="1"/>
-          <p:nvPr/>
-        </p:nvSpPr>
-        <p:spPr>
-          <a:xfrm>
-            <a:off x="1040411" y="5710018"/>
-            <a:ext cx="4265014" cy="646331"/>
-          </a:xfrm>
-          <a:prstGeom prst="rect">
-            <a:avLst/>
-          </a:prstGeom>
-          <a:noFill/>
-        </p:spPr>
-        <p:txBody>
-          <a:bodyPr wrap="none" rtlCol="0">
-            <a:spAutoFit/>
-          </a:bodyPr>
-          <a:lstStyle/>
-          <a:p>
-            <a:pPr algn="ctr"/>
-            <a:r>
-              <a:rPr lang="ru-RU" dirty="0" smtClean="0"/>
-              <a:t>Графическое представление переменных</a:t>
-            </a:r>
-          </a:p>
-          <a:p>
-            <a:pPr algn="ctr"/>
-            <a:r>
-              <a:rPr lang="ru-RU" dirty="0" smtClean="0"/>
-              <a:t>«Количество очков здоровья»</a:t>
-            </a:r>
-            <a:endParaRPr lang="ru-RU" dirty="0"/>
-          </a:p>
-        </p:txBody>
-      </p:sp>
-      <p:sp>
-        <p:nvSpPr>
-          <p:cNvPr id="9" name="TextBox 8"/>
-          <p:cNvSpPr txBox="1"/>
-          <p:nvPr/>
-        </p:nvSpPr>
-        <p:spPr>
-          <a:xfrm>
-            <a:off x="6604661" y="5710018"/>
-            <a:ext cx="4258602" cy="646331"/>
-          </a:xfrm>
-          <a:prstGeom prst="rect">
-            <a:avLst/>
-          </a:prstGeom>
-          <a:noFill/>
-        </p:spPr>
-        <p:txBody>
-          <a:bodyPr wrap="none" rtlCol="0">
-            <a:spAutoFit/>
-          </a:bodyPr>
-          <a:lstStyle/>
-          <a:p>
-            <a:pPr algn="ctr"/>
-            <a:r>
-              <a:rPr lang="ru-RU" dirty="0" smtClean="0"/>
-              <a:t>Графическое представление переменной</a:t>
-            </a:r>
-          </a:p>
-          <a:p>
-            <a:pPr algn="ctr"/>
-            <a:r>
-              <a:rPr lang="ru-RU" dirty="0" smtClean="0"/>
-              <a:t>«Видимость противника»</a:t>
-            </a:r>
-            <a:endParaRPr lang="ru-RU" dirty="0"/>
-          </a:p>
-        </p:txBody>
-      </p:sp>
-    </p:spTree>
-    <p:extLst>
-      <p:ext uri="{BB962C8B-B14F-4D97-AF65-F5344CB8AC3E}">
-        <p14:creationId xmlns:p14="http://schemas.microsoft.com/office/powerpoint/2010/main" val="2618081646"/>
-      </p:ext>
-    </p:extLst>
-  </p:cSld>
-  <p:clrMapOvr>
-    <a:masterClrMapping/>
-  </p:clrMapOvr>
-</p:sld>
-</file>
-
-<file path=ppt/slides/slide12.xml><?xml version="1.0" encoding="utf-8"?>
-<p:sld xmlns:a="http://schemas.openxmlformats.org/drawingml/2006/main" xmlns:r="http://schemas.openxmlformats.org/officeDocument/2006/relationships" xmlns:p="http://schemas.openxmlformats.org/presentationml/2006/main">
-  <p:cSld>
-    <p:spTree>
-      <p:nvGrpSpPr>
-        <p:cNvPr id="1" name=""/>
-        <p:cNvGrpSpPr/>
-        <p:nvPr/>
-      </p:nvGrpSpPr>
-      <p:grpSpPr>
-        <a:xfrm>
-          <a:off x="0" y="0"/>
-          <a:ext cx="0" cy="0"/>
-          <a:chOff x="0" y="0"/>
-          <a:chExt cx="0" cy="0"/>
-        </a:xfrm>
-      </p:grpSpPr>
-      <p:sp>
-        <p:nvSpPr>
-          <p:cNvPr id="2" name="Заголовок 1"/>
-          <p:cNvSpPr>
-            <a:spLocks noGrp="1"/>
-          </p:cNvSpPr>
-          <p:nvPr>
-            <p:ph type="title"/>
-          </p:nvPr>
-        </p:nvSpPr>
-        <p:spPr>
-          <a:xfrm>
-            <a:off x="838200" y="365126"/>
-            <a:ext cx="10515600" cy="635000"/>
-          </a:xfrm>
-        </p:spPr>
-        <p:txBody>
-          <a:bodyPr>
-            <a:normAutofit fontScale="90000"/>
-          </a:bodyPr>
-          <a:lstStyle/>
-          <a:p>
-            <a:r>
-              <a:rPr lang="ru-RU" dirty="0" smtClean="0"/>
-              <a:t>Нечеткая логика</a:t>
-            </a:r>
-            <a:endParaRPr lang="ru-RU" dirty="0"/>
-          </a:p>
-        </p:txBody>
-      </p:sp>
-      <p:sp>
-        <p:nvSpPr>
-          <p:cNvPr id="3" name="Объект 2"/>
-          <p:cNvSpPr>
-            <a:spLocks noGrp="1"/>
-          </p:cNvSpPr>
-          <p:nvPr>
-            <p:ph sz="half" idx="1"/>
-          </p:nvPr>
-        </p:nvSpPr>
-        <p:spPr>
-          <a:xfrm>
-            <a:off x="371475" y="1533525"/>
-            <a:ext cx="11344275" cy="4822825"/>
-          </a:xfrm>
-        </p:spPr>
-        <p:txBody>
-          <a:bodyPr>
-            <a:normAutofit/>
-          </a:bodyPr>
-          <a:lstStyle/>
-          <a:p>
-            <a:pPr marL="0" indent="0">
-              <a:buNone/>
-            </a:pPr>
-            <a:r>
-              <a:rPr lang="ru-RU" sz="3200" dirty="0" smtClean="0"/>
-              <a:t>Выходные переменные</a:t>
-            </a:r>
-          </a:p>
-          <a:p>
-            <a:pPr lvl="1"/>
-            <a:r>
-              <a:rPr lang="ru-RU" sz="2800" dirty="0" smtClean="0"/>
-              <a:t>Дистанция до противника = </a:t>
-            </a:r>
-            <a:r>
-              <a:rPr lang="en-US" sz="2800" dirty="0" smtClean="0"/>
-              <a:t>{</a:t>
-            </a:r>
-            <a:r>
-              <a:rPr lang="ru-RU" sz="2800" dirty="0" smtClean="0"/>
-              <a:t> Близкая, Средняя, Дальняя </a:t>
-            </a:r>
-            <a:r>
-              <a:rPr lang="en-US" sz="2800" dirty="0" smtClean="0"/>
-              <a:t>}</a:t>
-            </a:r>
-            <a:endParaRPr lang="ru-RU" sz="2800" dirty="0" smtClean="0"/>
-          </a:p>
-          <a:p>
-            <a:pPr lvl="1"/>
-            <a:r>
-              <a:rPr lang="ru-RU" sz="2800" dirty="0" smtClean="0"/>
-              <a:t>Радиус поиска точки для движения = </a:t>
-            </a:r>
-            <a:r>
-              <a:rPr lang="en-US" sz="2800" dirty="0" smtClean="0"/>
-              <a:t>{</a:t>
-            </a:r>
-            <a:r>
-              <a:rPr lang="ru-RU" sz="2800" dirty="0" smtClean="0"/>
-              <a:t> Малый, Средний, Большой </a:t>
-            </a:r>
-            <a:r>
-              <a:rPr lang="en-US" sz="2800" dirty="0" smtClean="0"/>
-              <a:t>}</a:t>
-            </a:r>
-            <a:endParaRPr lang="ru-RU" sz="2800" dirty="0" smtClean="0"/>
-          </a:p>
-          <a:p>
-            <a:pPr lvl="1">
-              <a:buFont typeface="Arial" panose="020B0604020202020204" pitchFamily="34" charset="0"/>
-              <a:buChar char="•"/>
-            </a:pPr>
-            <a:r>
-              <a:rPr lang="ru-RU" sz="2800" dirty="0" smtClean="0"/>
-              <a:t>Вес дистанции до противника = </a:t>
-            </a:r>
-            <a:r>
-              <a:rPr lang="en-US" sz="2800" dirty="0" smtClean="0"/>
-              <a:t>{</a:t>
-            </a:r>
-            <a:r>
-              <a:rPr lang="ru-RU" sz="2800" dirty="0" smtClean="0"/>
-              <a:t> Низкий, Средний, Высокий </a:t>
-            </a:r>
-            <a:r>
-              <a:rPr lang="en-US" sz="2800" dirty="0" smtClean="0"/>
-              <a:t>}</a:t>
-            </a:r>
-            <a:endParaRPr lang="ru-RU" sz="2800" dirty="0" smtClean="0"/>
-          </a:p>
-          <a:p>
-            <a:pPr lvl="1"/>
-            <a:r>
-              <a:rPr lang="ru-RU" sz="2800" dirty="0" smtClean="0"/>
-              <a:t>Вес точек в укрытии = </a:t>
-            </a:r>
-            <a:r>
-              <a:rPr lang="en-US" sz="2800" dirty="0" smtClean="0"/>
-              <a:t>{</a:t>
-            </a:r>
-            <a:r>
-              <a:rPr lang="ru-RU" sz="2800" dirty="0" smtClean="0"/>
-              <a:t> Низкий, Средний, Высокий </a:t>
-            </a:r>
-            <a:r>
-              <a:rPr lang="en-US" sz="2800" dirty="0" smtClean="0"/>
-              <a:t>}</a:t>
-            </a:r>
-            <a:endParaRPr lang="ru-RU" sz="2800" dirty="0" smtClean="0"/>
-          </a:p>
-          <a:p>
-            <a:pPr lvl="1"/>
-            <a:r>
-              <a:rPr lang="ru-RU" sz="2800" dirty="0" smtClean="0"/>
-              <a:t>Вес точек за укрытием = </a:t>
-            </a:r>
-            <a:r>
-              <a:rPr lang="en-US" sz="2800" dirty="0" smtClean="0"/>
-              <a:t>{</a:t>
-            </a:r>
-            <a:r>
-              <a:rPr lang="ru-RU" sz="2800" dirty="0" smtClean="0"/>
-              <a:t> Низкий, Средний, Высокий </a:t>
-            </a:r>
-            <a:r>
-              <a:rPr lang="en-US" sz="2800" dirty="0" smtClean="0"/>
-              <a:t>}</a:t>
-            </a:r>
-            <a:endParaRPr lang="ru-RU" sz="2800" dirty="0" smtClean="0"/>
-          </a:p>
-          <a:p>
-            <a:pPr lvl="1"/>
-            <a:r>
-              <a:rPr lang="ru-RU" sz="2800" dirty="0" smtClean="0"/>
-              <a:t>Вес точек за стенами = </a:t>
-            </a:r>
-            <a:r>
-              <a:rPr lang="en-US" sz="2800" dirty="0" smtClean="0"/>
-              <a:t>{</a:t>
-            </a:r>
-            <a:r>
-              <a:rPr lang="ru-RU" sz="2800" dirty="0" smtClean="0"/>
-              <a:t> Низкий, Средний, Высокий </a:t>
-            </a:r>
-            <a:r>
-              <a:rPr lang="en-US" sz="2800" dirty="0" smtClean="0"/>
-              <a:t>}</a:t>
-            </a:r>
-            <a:endParaRPr lang="ru-RU" sz="2800" dirty="0" smtClean="0"/>
-          </a:p>
-          <a:p>
-            <a:pPr lvl="1"/>
-            <a:r>
-              <a:rPr lang="ru-RU" sz="2800" dirty="0" smtClean="0"/>
-              <a:t>Вес точек, содержащих аптечки = </a:t>
-            </a:r>
-            <a:r>
-              <a:rPr lang="en-US" sz="2800" dirty="0" smtClean="0"/>
-              <a:t>{</a:t>
-            </a:r>
-            <a:r>
-              <a:rPr lang="ru-RU" sz="2800" dirty="0" smtClean="0"/>
-              <a:t> Низкий, Средний, Высокий </a:t>
-            </a:r>
-            <a:r>
-              <a:rPr lang="en-US" sz="2800" dirty="0" smtClean="0"/>
-              <a:t>}</a:t>
-            </a:r>
-            <a:endParaRPr lang="ru-RU" sz="2800" dirty="0" smtClean="0"/>
-          </a:p>
-          <a:p>
-            <a:pPr lvl="1"/>
-            <a:r>
-              <a:rPr lang="ru-RU" sz="2800" dirty="0" smtClean="0"/>
-              <a:t>Вес точек с прямой видимостью = </a:t>
-            </a:r>
-            <a:r>
-              <a:rPr lang="en-US" sz="2800" dirty="0" smtClean="0"/>
-              <a:t>{</a:t>
-            </a:r>
-            <a:r>
-              <a:rPr lang="ru-RU" sz="2800" dirty="0" smtClean="0"/>
-              <a:t> Низкий, Средний, Высокий </a:t>
-            </a:r>
-            <a:r>
-              <a:rPr lang="en-US" sz="2800" dirty="0" smtClean="0"/>
-              <a:t>}</a:t>
-            </a:r>
-            <a:endParaRPr lang="ru-RU" sz="2800" dirty="0" smtClean="0"/>
-          </a:p>
-          <a:p>
-            <a:pPr lvl="1">
-              <a:buFont typeface="Arial" panose="020B0604020202020204" pitchFamily="34" charset="0"/>
-              <a:buChar char="•"/>
-            </a:pPr>
-            <a:endParaRPr lang="ru-RU" dirty="0" smtClean="0"/>
-          </a:p>
-          <a:p>
-            <a:pPr>
-              <a:buFont typeface="Arial" panose="020B0604020202020204" pitchFamily="34" charset="0"/>
-              <a:buChar char="•"/>
-            </a:pPr>
-            <a:endParaRPr lang="ru-RU" dirty="0"/>
-          </a:p>
-        </p:txBody>
-      </p:sp>
-      <p:sp>
-        <p:nvSpPr>
-          <p:cNvPr id="4" name="Нижний колонтитул 3"/>
-          <p:cNvSpPr>
-            <a:spLocks noGrp="1"/>
-          </p:cNvSpPr>
-          <p:nvPr>
-            <p:ph type="ftr" sz="quarter" idx="11"/>
-          </p:nvPr>
-        </p:nvSpPr>
-        <p:spPr/>
-        <p:txBody>
-          <a:bodyPr/>
-          <a:lstStyle/>
-          <a:p>
-            <a:r>
-              <a:rPr lang="ru-RU" smtClean="0"/>
-              <a:t>Приходько Е.В. Исследование методов моделирования принятия решений на примере ботов в компьютерной игре</a:t>
-            </a:r>
-            <a:endParaRPr lang="ru-RU"/>
-          </a:p>
-        </p:txBody>
-      </p:sp>
-      <p:sp>
-        <p:nvSpPr>
-          <p:cNvPr id="8" name="Номер слайда 7"/>
-          <p:cNvSpPr>
-            <a:spLocks noGrp="1"/>
-          </p:cNvSpPr>
-          <p:nvPr>
-            <p:ph type="sldNum" sz="quarter" idx="12"/>
-          </p:nvPr>
-        </p:nvSpPr>
-        <p:spPr/>
-        <p:txBody>
-          <a:bodyPr/>
-          <a:lstStyle/>
-          <a:p>
-            <a:fld id="{E58024C2-D31D-4875-8231-7C9AE6162281}" type="slidenum">
-              <a:rPr lang="ru-RU" smtClean="0"/>
-              <a:pPr/>
-              <a:t>12</a:t>
-            </a:fld>
-            <a:endParaRPr lang="ru-RU" dirty="0"/>
-          </a:p>
-        </p:txBody>
-      </p:sp>
-    </p:spTree>
-    <p:extLst>
-      <p:ext uri="{BB962C8B-B14F-4D97-AF65-F5344CB8AC3E}">
-        <p14:creationId xmlns:p14="http://schemas.microsoft.com/office/powerpoint/2010/main" val="1646148939"/>
-      </p:ext>
-    </p:extLst>
-  </p:cSld>
-  <p:clrMapOvr>
-    <a:masterClrMapping/>
-  </p:clrMapOvr>
-</p:sld>
-</file>
-
-<file path=ppt/slides/slide13.xml><?xml version="1.0" encoding="utf-8"?>
-<p:sld xmlns:a="http://schemas.openxmlformats.org/drawingml/2006/main" xmlns:r="http://schemas.openxmlformats.org/officeDocument/2006/relationships" xmlns:p="http://schemas.openxmlformats.org/presentationml/2006/main">
-  <p:cSld>
-    <p:spTree>
-      <p:nvGrpSpPr>
-        <p:cNvPr id="1" name=""/>
-        <p:cNvGrpSpPr/>
-        <p:nvPr/>
-      </p:nvGrpSpPr>
-      <p:grpSpPr>
-        <a:xfrm>
-          <a:off x="0" y="0"/>
-          <a:ext cx="0" cy="0"/>
-          <a:chOff x="0" y="0"/>
-          <a:chExt cx="0" cy="0"/>
-        </a:xfrm>
-      </p:grpSpPr>
-      <p:sp>
-        <p:nvSpPr>
-          <p:cNvPr id="2" name="Заголовок 1"/>
-          <p:cNvSpPr>
-            <a:spLocks noGrp="1"/>
-          </p:cNvSpPr>
-          <p:nvPr>
-            <p:ph type="title"/>
-          </p:nvPr>
-        </p:nvSpPr>
-        <p:spPr>
-          <a:xfrm>
-            <a:off x="838200" y="365125"/>
-            <a:ext cx="10515600" cy="606425"/>
+            <a:off x="838197" y="229324"/>
+            <a:ext cx="10515600" cy="488647"/>
           </a:xfrm>
         </p:spPr>
         <p:txBody>
@@ -10635,13 +10056,13 @@
           <p:nvPr>
             <p:extLst>
               <p:ext uri="{D42A27DB-BD31-4B8C-83A1-F6EECF244321}">
-                <p14:modId xmlns:p14="http://schemas.microsoft.com/office/powerpoint/2010/main" val="1479206386"/>
+                <p14:modId xmlns:p14="http://schemas.microsoft.com/office/powerpoint/2010/main" val="2119381383"/>
               </p:ext>
             </p:extLst>
           </p:nvPr>
         </p:nvGraphicFramePr>
         <p:xfrm>
-          <a:off x="383171" y="1371585"/>
+          <a:off x="383170" y="2046052"/>
           <a:ext cx="11425656" cy="4033297"/>
         </p:xfrm>
         <a:graphic>
@@ -10651,18 +10072,90 @@
                 <a:tableStyleId>{5C22544A-7EE6-4342-B048-85BDC9FD1C3A}</a:tableStyleId>
               </a:tblPr>
               <a:tblGrid>
-                <a:gridCol w="117876"/>
-                <a:gridCol w="1027980"/>
-                <a:gridCol w="1027980"/>
-                <a:gridCol w="1027980"/>
-                <a:gridCol w="1027980"/>
-                <a:gridCol w="1027980"/>
-                <a:gridCol w="1027980"/>
-                <a:gridCol w="1027980"/>
-                <a:gridCol w="1027980"/>
-                <a:gridCol w="1027980"/>
-                <a:gridCol w="1027980"/>
-                <a:gridCol w="1027980"/>
+                <a:gridCol w="117876">
+                  <a:extLst>
+                    <a:ext uri="{9D8B030D-6E8A-4147-A177-3AD203B41FA5}">
+                      <a16:colId xmlns:a16="http://schemas.microsoft.com/office/drawing/2014/main" val="20000"/>
+                    </a:ext>
+                  </a:extLst>
+                </a:gridCol>
+                <a:gridCol w="1027980">
+                  <a:extLst>
+                    <a:ext uri="{9D8B030D-6E8A-4147-A177-3AD203B41FA5}">
+                      <a16:colId xmlns:a16="http://schemas.microsoft.com/office/drawing/2014/main" val="20001"/>
+                    </a:ext>
+                  </a:extLst>
+                </a:gridCol>
+                <a:gridCol w="1027980">
+                  <a:extLst>
+                    <a:ext uri="{9D8B030D-6E8A-4147-A177-3AD203B41FA5}">
+                      <a16:colId xmlns:a16="http://schemas.microsoft.com/office/drawing/2014/main" val="20002"/>
+                    </a:ext>
+                  </a:extLst>
+                </a:gridCol>
+                <a:gridCol w="1027980">
+                  <a:extLst>
+                    <a:ext uri="{9D8B030D-6E8A-4147-A177-3AD203B41FA5}">
+                      <a16:colId xmlns:a16="http://schemas.microsoft.com/office/drawing/2014/main" val="20003"/>
+                    </a:ext>
+                  </a:extLst>
+                </a:gridCol>
+                <a:gridCol w="1027980">
+                  <a:extLst>
+                    <a:ext uri="{9D8B030D-6E8A-4147-A177-3AD203B41FA5}">
+                      <a16:colId xmlns:a16="http://schemas.microsoft.com/office/drawing/2014/main" val="20004"/>
+                    </a:ext>
+                  </a:extLst>
+                </a:gridCol>
+                <a:gridCol w="1027980">
+                  <a:extLst>
+                    <a:ext uri="{9D8B030D-6E8A-4147-A177-3AD203B41FA5}">
+                      <a16:colId xmlns:a16="http://schemas.microsoft.com/office/drawing/2014/main" val="20005"/>
+                    </a:ext>
+                  </a:extLst>
+                </a:gridCol>
+                <a:gridCol w="1027980">
+                  <a:extLst>
+                    <a:ext uri="{9D8B030D-6E8A-4147-A177-3AD203B41FA5}">
+                      <a16:colId xmlns:a16="http://schemas.microsoft.com/office/drawing/2014/main" val="20006"/>
+                    </a:ext>
+                  </a:extLst>
+                </a:gridCol>
+                <a:gridCol w="1027980">
+                  <a:extLst>
+                    <a:ext uri="{9D8B030D-6E8A-4147-A177-3AD203B41FA5}">
+                      <a16:colId xmlns:a16="http://schemas.microsoft.com/office/drawing/2014/main" val="20007"/>
+                    </a:ext>
+                  </a:extLst>
+                </a:gridCol>
+                <a:gridCol w="1027980">
+                  <a:extLst>
+                    <a:ext uri="{9D8B030D-6E8A-4147-A177-3AD203B41FA5}">
+                      <a16:colId xmlns:a16="http://schemas.microsoft.com/office/drawing/2014/main" val="20008"/>
+                    </a:ext>
+                  </a:extLst>
+                </a:gridCol>
+                <a:gridCol w="1027980">
+                  <a:extLst>
+                    <a:ext uri="{9D8B030D-6E8A-4147-A177-3AD203B41FA5}">
+                      <a16:colId xmlns:a16="http://schemas.microsoft.com/office/drawing/2014/main" val="20009"/>
+                    </a:ext>
+                  </a:extLst>
+                </a:gridCol>
+                <a:gridCol w="1027980">
+                  <a:extLst>
+                    <a:ext uri="{9D8B030D-6E8A-4147-A177-3AD203B41FA5}">
+                      <a16:colId xmlns:a16="http://schemas.microsoft.com/office/drawing/2014/main" val="20010"/>
+                    </a:ext>
+                  </a:extLst>
+                </a:gridCol>
+                <a:gridCol w="1027980">
+                  <a:extLst>
+                    <a:ext uri="{9D8B030D-6E8A-4147-A177-3AD203B41FA5}">
+                      <a16:colId xmlns:a16="http://schemas.microsoft.com/office/drawing/2014/main" val="20011"/>
+                    </a:ext>
+                  </a:extLst>
+                </a:gridCol>
               </a:tblGrid>
               <a:tr h="277429">
                 <a:tc>
@@ -10836,6 +10329,11 @@
                   </a:txBody>
                   <a:tcPr/>
                 </a:tc>
+                <a:extLst>
+                  <a:ext uri="{0D108BD9-81ED-4DB2-BD59-A6C34878D82A}">
+                    <a16:rowId xmlns:a16="http://schemas.microsoft.com/office/drawing/2014/main" val="10000"/>
+                  </a:ext>
+                </a:extLst>
               </a:tr>
               <a:tr h="416144">
                 <a:tc rowSpan="13">
@@ -11180,6 +10678,11 @@
                   </a:txBody>
                   <a:tcPr marL="46238" marR="46238" marT="0" marB="0" anchor="b"/>
                 </a:tc>
+                <a:extLst>
+                  <a:ext uri="{0D108BD9-81ED-4DB2-BD59-A6C34878D82A}">
+                    <a16:rowId xmlns:a16="http://schemas.microsoft.com/office/drawing/2014/main" val="10001"/>
+                  </a:ext>
+                </a:extLst>
               </a:tr>
               <a:tr h="277429">
                 <a:tc vMerge="1">
@@ -11524,6 +11027,11 @@
                   </a:txBody>
                   <a:tcPr marL="46238" marR="46238" marT="0" marB="0" anchor="b"/>
                 </a:tc>
+                <a:extLst>
+                  <a:ext uri="{0D108BD9-81ED-4DB2-BD59-A6C34878D82A}">
+                    <a16:rowId xmlns:a16="http://schemas.microsoft.com/office/drawing/2014/main" val="10002"/>
+                  </a:ext>
+                </a:extLst>
               </a:tr>
               <a:tr h="277429">
                 <a:tc vMerge="1">
@@ -11868,6 +11376,11 @@
                   </a:txBody>
                   <a:tcPr marL="46238" marR="46238" marT="0" marB="0" anchor="b"/>
                 </a:tc>
+                <a:extLst>
+                  <a:ext uri="{0D108BD9-81ED-4DB2-BD59-A6C34878D82A}">
+                    <a16:rowId xmlns:a16="http://schemas.microsoft.com/office/drawing/2014/main" val="10003"/>
+                  </a:ext>
+                </a:extLst>
               </a:tr>
               <a:tr h="277429">
                 <a:tc vMerge="1">
@@ -12212,6 +11725,11 @@
                   </a:txBody>
                   <a:tcPr marL="46238" marR="46238" marT="0" marB="0" anchor="b"/>
                 </a:tc>
+                <a:extLst>
+                  <a:ext uri="{0D108BD9-81ED-4DB2-BD59-A6C34878D82A}">
+                    <a16:rowId xmlns:a16="http://schemas.microsoft.com/office/drawing/2014/main" val="10004"/>
+                  </a:ext>
+                </a:extLst>
               </a:tr>
               <a:tr h="277429">
                 <a:tc vMerge="1">
@@ -12556,6 +12074,11 @@
                   </a:txBody>
                   <a:tcPr marL="46238" marR="46238" marT="0" marB="0" anchor="b"/>
                 </a:tc>
+                <a:extLst>
+                  <a:ext uri="{0D108BD9-81ED-4DB2-BD59-A6C34878D82A}">
+                    <a16:rowId xmlns:a16="http://schemas.microsoft.com/office/drawing/2014/main" val="10005"/>
+                  </a:ext>
+                </a:extLst>
               </a:tr>
               <a:tr h="277429">
                 <a:tc vMerge="1">
@@ -12900,6 +12423,11 @@
                   </a:txBody>
                   <a:tcPr marL="46238" marR="46238" marT="0" marB="0" anchor="b"/>
                 </a:tc>
+                <a:extLst>
+                  <a:ext uri="{0D108BD9-81ED-4DB2-BD59-A6C34878D82A}">
+                    <a16:rowId xmlns:a16="http://schemas.microsoft.com/office/drawing/2014/main" val="10006"/>
+                  </a:ext>
+                </a:extLst>
               </a:tr>
               <a:tr h="277429">
                 <a:tc vMerge="1">
@@ -13244,6 +12772,11 @@
                   </a:txBody>
                   <a:tcPr marL="46238" marR="46238" marT="0" marB="0" anchor="b"/>
                 </a:tc>
+                <a:extLst>
+                  <a:ext uri="{0D108BD9-81ED-4DB2-BD59-A6C34878D82A}">
+                    <a16:rowId xmlns:a16="http://schemas.microsoft.com/office/drawing/2014/main" val="10007"/>
+                  </a:ext>
+                </a:extLst>
               </a:tr>
               <a:tr h="277429">
                 <a:tc vMerge="1">
@@ -13588,6 +13121,11 @@
                   </a:txBody>
                   <a:tcPr marL="46238" marR="46238" marT="0" marB="0" anchor="b"/>
                 </a:tc>
+                <a:extLst>
+                  <a:ext uri="{0D108BD9-81ED-4DB2-BD59-A6C34878D82A}">
+                    <a16:rowId xmlns:a16="http://schemas.microsoft.com/office/drawing/2014/main" val="10008"/>
+                  </a:ext>
+                </a:extLst>
               </a:tr>
               <a:tr h="277429">
                 <a:tc vMerge="1">
@@ -13932,6 +13470,11 @@
                   </a:txBody>
                   <a:tcPr marL="46238" marR="46238" marT="0" marB="0" anchor="b"/>
                 </a:tc>
+                <a:extLst>
+                  <a:ext uri="{0D108BD9-81ED-4DB2-BD59-A6C34878D82A}">
+                    <a16:rowId xmlns:a16="http://schemas.microsoft.com/office/drawing/2014/main" val="10009"/>
+                  </a:ext>
+                </a:extLst>
               </a:tr>
               <a:tr h="277429">
                 <a:tc vMerge="1">
@@ -14276,6 +13819,11 @@
                   </a:txBody>
                   <a:tcPr marL="46238" marR="46238" marT="0" marB="0" anchor="b"/>
                 </a:tc>
+                <a:extLst>
+                  <a:ext uri="{0D108BD9-81ED-4DB2-BD59-A6C34878D82A}">
+                    <a16:rowId xmlns:a16="http://schemas.microsoft.com/office/drawing/2014/main" val="10010"/>
+                  </a:ext>
+                </a:extLst>
               </a:tr>
               <a:tr h="277429">
                 <a:tc vMerge="1">
@@ -14620,6 +14168,11 @@
                   </a:txBody>
                   <a:tcPr marL="46238" marR="46238" marT="0" marB="0" anchor="b"/>
                 </a:tc>
+                <a:extLst>
+                  <a:ext uri="{0D108BD9-81ED-4DB2-BD59-A6C34878D82A}">
+                    <a16:rowId xmlns:a16="http://schemas.microsoft.com/office/drawing/2014/main" val="10011"/>
+                  </a:ext>
+                </a:extLst>
               </a:tr>
               <a:tr h="277429">
                 <a:tc vMerge="1">
@@ -14862,12 +14415,12 @@
                         </a:spcAft>
                       </a:pPr>
                       <a:r>
-                        <a:rPr lang="ru-RU" sz="1400">
+                        <a:rPr lang="ru-RU" sz="1400" dirty="0">
                           <a:effectLst/>
                         </a:rPr>
                         <a:t>Низкий</a:t>
                       </a:r>
-                      <a:endParaRPr lang="ru-RU" sz="1800">
+                      <a:endParaRPr lang="ru-RU" sz="1800" dirty="0">
                         <a:effectLst/>
                         <a:latin typeface="Times New Roman" panose="02020603050405020304" pitchFamily="18" charset="0"/>
                         <a:ea typeface="Calibri" panose="020F0502020204030204" pitchFamily="34" charset="0"/>
@@ -14964,6 +14517,11 @@
                   </a:txBody>
                   <a:tcPr marL="46238" marR="46238" marT="0" marB="0" anchor="b"/>
                 </a:tc>
+                <a:extLst>
+                  <a:ext uri="{0D108BD9-81ED-4DB2-BD59-A6C34878D82A}">
+                    <a16:rowId xmlns:a16="http://schemas.microsoft.com/office/drawing/2014/main" val="10012"/>
+                  </a:ext>
+                </a:extLst>
               </a:tr>
               <a:tr h="277429">
                 <a:tc vMerge="1">
@@ -15308,6 +14866,11 @@
                   </a:txBody>
                   <a:tcPr marL="46238" marR="46238" marT="0" marB="0" anchor="b"/>
                 </a:tc>
+                <a:extLst>
+                  <a:ext uri="{0D108BD9-81ED-4DB2-BD59-A6C34878D82A}">
+                    <a16:rowId xmlns:a16="http://schemas.microsoft.com/office/drawing/2014/main" val="10013"/>
+                  </a:ext>
+                </a:extLst>
               </a:tr>
             </a:tbl>
           </a:graphicData>
@@ -15354,7 +14917,7 @@
             <a:fld id="{E58024C2-D31D-4875-8231-7C9AE6162281}" type="slidenum">
               <a:rPr lang="ru-RU" smtClean="0"/>
               <a:pPr/>
-              <a:t>13</a:t>
+              <a:t>10</a:t>
             </a:fld>
             <a:endParaRPr lang="ru-RU" dirty="0" smtClean="0"/>
           </a:p>
@@ -15368,7 +14931,7 @@
         </p:nvSpPr>
         <p:spPr>
           <a:xfrm>
-            <a:off x="3946725" y="5724525"/>
+            <a:off x="3946724" y="6079349"/>
             <a:ext cx="4298549" cy="369332"/>
           </a:xfrm>
           <a:prstGeom prst="rect">
@@ -15387,6 +14950,84 @@
               <a:t>Табличное представление правил вывода</a:t>
             </a:r>
             <a:endParaRPr lang="ru-RU" dirty="0"/>
+          </a:p>
+        </p:txBody>
+      </p:sp>
+      <p:sp>
+        <p:nvSpPr>
+          <p:cNvPr id="4" name="TextBox 3"/>
+          <p:cNvSpPr txBox="1"/>
+          <p:nvPr/>
+        </p:nvSpPr>
+        <p:spPr>
+          <a:xfrm>
+            <a:off x="416410" y="717971"/>
+            <a:ext cx="11359175" cy="1200329"/>
+          </a:xfrm>
+          <a:prstGeom prst="rect">
+            <a:avLst/>
+          </a:prstGeom>
+          <a:noFill/>
+        </p:spPr>
+        <p:txBody>
+          <a:bodyPr wrap="square" rtlCol="0">
+            <a:spAutoFit/>
+          </a:bodyPr>
+          <a:lstStyle/>
+          <a:p>
+            <a:r>
+              <a:rPr lang="ru-RU" sz="2400" dirty="0" smtClean="0"/>
+              <a:t>Общий вид правила вывода:</a:t>
+            </a:r>
+          </a:p>
+          <a:p>
+            <a:r>
+              <a:rPr lang="ru-RU" sz="2400" dirty="0"/>
+              <a:t>	</a:t>
+            </a:r>
+            <a:r>
+              <a:rPr lang="ru-RU" sz="2400" dirty="0" smtClean="0"/>
+              <a:t>ЕСЛИ </a:t>
+            </a:r>
+            <a:r>
+              <a:rPr lang="en-US" sz="2400" dirty="0" smtClean="0"/>
+              <a:t>HP</a:t>
+            </a:r>
+            <a:r>
+              <a:rPr lang="ru-RU" sz="2400" baseline="-25000" dirty="0" smtClean="0"/>
+              <a:t>а</a:t>
+            </a:r>
+            <a:r>
+              <a:rPr lang="en-US" sz="2400" dirty="0" smtClean="0"/>
+              <a:t> = … </a:t>
+            </a:r>
+            <a:r>
+              <a:rPr lang="ru-RU" sz="2400" dirty="0" smtClean="0"/>
+              <a:t>И </a:t>
+            </a:r>
+            <a:r>
+              <a:rPr lang="en-US" sz="2400" dirty="0" smtClean="0"/>
+              <a:t>HP</a:t>
+            </a:r>
+            <a:r>
+              <a:rPr lang="ru-RU" sz="2400" baseline="-25000" dirty="0"/>
+              <a:t>п</a:t>
+            </a:r>
+            <a:r>
+              <a:rPr lang="ru-RU" sz="2400" dirty="0" smtClean="0"/>
+              <a:t> = … И Видимость противника = …</a:t>
+            </a:r>
+          </a:p>
+          <a:p>
+            <a:r>
+              <a:rPr lang="ru-RU" sz="2400" dirty="0"/>
+              <a:t>	</a:t>
+            </a:r>
+            <a:r>
+              <a:rPr lang="ru-RU" sz="2400" dirty="0" smtClean="0"/>
+              <a:t>ТО Дистанция до противника = …, Вес дистанции до противника = …, ….</a:t>
+            </a:r>
+            <a:endParaRPr lang="ru-RU" sz="2400" dirty="0"/>
           </a:p>
         </p:txBody>
       </p:sp>
@@ -15403,7 +15044,7 @@
 </p:sld>
 </file>
 
-<file path=ppt/slides/slide14.xml><?xml version="1.0" encoding="utf-8"?>
+<file path=ppt/slides/slide11.xml><?xml version="1.0" encoding="utf-8"?>
 <p:sld xmlns:a="http://schemas.openxmlformats.org/drawingml/2006/main" xmlns:r="http://schemas.openxmlformats.org/officeDocument/2006/relationships" xmlns:p="http://schemas.openxmlformats.org/presentationml/2006/main">
   <p:cSld>
     <p:spTree>
@@ -15448,8 +15089,8 @@
           </a:p>
         </p:txBody>
       </p:sp>
-      <mc:AlternateContent xmlns:mc="http://schemas.openxmlformats.org/markup-compatibility/2006" xmlns:a14="http://schemas.microsoft.com/office/drawing/2010/main">
-        <mc:Choice Requires="a14">
+      <mc:AlternateContent xmlns:mc="http://schemas.openxmlformats.org/markup-compatibility/2006">
+        <mc:Choice xmlns:a14="http://schemas.microsoft.com/office/drawing/2010/main" Requires="a14">
           <p:sp>
             <p:nvSpPr>
               <p:cNvPr id="3" name="Объект 2"/>
@@ -15477,8 +15118,9 @@
                 </a:pPr>
                 <a:r>
                   <a:rPr lang="ru-RU" dirty="0" smtClean="0"/>
-                  <a:t>Преимущества</a:t>
+                  <a:t>Преимущества:</a:t>
                 </a:r>
+                <a:endParaRPr lang="ru-RU" dirty="0" smtClean="0"/>
               </a:p>
               <a:p>
                 <a:pPr lvl="1">
@@ -15486,9 +15128,22 @@
                   <a:buChar char="•"/>
                 </a:pPr>
                 <a:r>
+                  <a:rPr lang="ru-RU" dirty="0"/>
+                  <a:t>О</a:t>
+                </a:r>
+                <a:r>
                   <a:rPr lang="ru-RU" dirty="0" smtClean="0"/>
-                  <a:t>Описание поведения агента предложениями естественного языка</a:t>
+                  <a:t>писание </a:t>
                 </a:r>
+                <a:r>
+                  <a:rPr lang="ru-RU" dirty="0" smtClean="0"/>
+                  <a:t>поведения агента предложениями естественного </a:t>
+                </a:r>
+                <a:r>
+                  <a:rPr lang="ru-RU" dirty="0" smtClean="0"/>
+                  <a:t>языка.</a:t>
+                </a:r>
+                <a:endParaRPr lang="ru-RU" dirty="0" smtClean="0"/>
               </a:p>
               <a:p>
                 <a:pPr lvl="1">
@@ -15496,9 +15151,22 @@
                   <a:buChar char="•"/>
                 </a:pPr>
                 <a:r>
+                  <a:rPr lang="ru-RU" dirty="0"/>
+                  <a:t>П</a:t>
+                </a:r>
+                <a:r>
                   <a:rPr lang="ru-RU" dirty="0" smtClean="0"/>
-                  <a:t>Плавное изменение выходных переменных</a:t>
+                  <a:t>лавное </a:t>
                 </a:r>
+                <a:r>
+                  <a:rPr lang="ru-RU" dirty="0" smtClean="0"/>
+                  <a:t>изменение выходных </a:t>
+                </a:r>
+                <a:r>
+                  <a:rPr lang="ru-RU" dirty="0" smtClean="0"/>
+                  <a:t>переменных.</a:t>
+                </a:r>
+                <a:endParaRPr lang="ru-RU" dirty="0" smtClean="0"/>
               </a:p>
               <a:p>
                 <a:pPr marL="0" indent="0">
@@ -15506,8 +15174,9 @@
                 </a:pPr>
                 <a:r>
                   <a:rPr lang="ru-RU" dirty="0" smtClean="0"/>
-                  <a:t>Недостатки</a:t>
+                  <a:t>Недостатки:</a:t>
                 </a:r>
+                <a:endParaRPr lang="ru-RU" dirty="0" smtClean="0"/>
               </a:p>
               <a:p>
                 <a:pPr lvl="1"/>
@@ -15642,7 +15311,10 @@
                   <a:rPr lang="en-US" baseline="-25000" dirty="0" smtClean="0"/>
                   <a:t>i</a:t>
                 </a:r>
-                <a:endParaRPr lang="ru-RU" dirty="0" smtClean="0"/>
+                <a:r>
+                  <a:rPr lang="ru-RU" dirty="0" smtClean="0"/>
+                  <a:t>.</a:t>
+                </a:r>
               </a:p>
               <a:p>
                 <a:pPr lvl="1">
@@ -15651,14 +15323,14 @@
                 </a:pPr>
                 <a:r>
                   <a:rPr lang="ru-RU" dirty="0" smtClean="0"/>
-                  <a:t>Быстродействие: требуется перевести обычные значения в нечеткие, произвести нечеткий вывод, затем перевести нечеткие значения в обычные с использованием численного интегрирования </a:t>
+                  <a:t>Быстродействие: требуется перевести обычные значения в нечеткие, произвести нечеткий вывод, затем перевести нечеткие значения в обычные с использованием численного интегрирования. </a:t>
                 </a:r>
                 <a:endParaRPr lang="ru-RU" dirty="0"/>
               </a:p>
             </p:txBody>
           </p:sp>
         </mc:Choice>
-        <mc:Fallback xmlns="">
+        <mc:Fallback>
           <p:sp>
             <p:nvSpPr>
               <p:cNvPr id="3" name="Объект 2"/>
@@ -15674,7 +15346,7 @@
                 <a:off x="838200" y="1485900"/>
                 <a:ext cx="10515600" cy="4691063"/>
               </a:xfrm>
-              <a:blipFill rotWithShape="0">
+              <a:blipFill>
                 <a:blip r:embed="rId2"/>
                 <a:stretch>
                   <a:fillRect l="-1217" t="-2211"/>
@@ -15737,7 +15409,7 @@
             <a:fld id="{E58024C2-D31D-4875-8231-7C9AE6162281}" type="slidenum">
               <a:rPr lang="ru-RU" smtClean="0"/>
               <a:pPr/>
-              <a:t>14</a:t>
+              <a:t>11</a:t>
             </a:fld>
             <a:endParaRPr lang="ru-RU" dirty="0" smtClean="0"/>
           </a:p>
@@ -15756,7 +15428,7 @@
 </p:sld>
 </file>
 
-<file path=ppt/slides/slide15.xml><?xml version="1.0" encoding="utf-8"?>
+<file path=ppt/slides/slide12.xml><?xml version="1.0" encoding="utf-8"?>
 <p:sld xmlns:a="http://schemas.openxmlformats.org/drawingml/2006/main" xmlns:r="http://schemas.openxmlformats.org/officeDocument/2006/relationships" xmlns:p="http://schemas.openxmlformats.org/presentationml/2006/main">
   <p:cSld>
     <p:spTree>
@@ -15808,8 +15480,8 @@
         </p:nvSpPr>
         <p:spPr>
           <a:xfrm>
-            <a:off x="1097278" y="1690688"/>
-            <a:ext cx="10058401" cy="4178406"/>
+            <a:off x="362140" y="1690688"/>
+            <a:ext cx="7441947" cy="4178406"/>
           </a:xfrm>
         </p:spPr>
         <p:txBody>
@@ -15821,8 +15493,13 @@
             </a:pPr>
             <a:r>
               <a:rPr lang="ru-RU" dirty="0" smtClean="0"/>
-              <a:t>Входные переменные</a:t>
-            </a:r>
+              <a:t>Входные </a:t>
+            </a:r>
+            <a:r>
+              <a:rPr lang="ru-RU" dirty="0" smtClean="0"/>
+              <a:t>переменные:</a:t>
+            </a:r>
+            <a:endParaRPr lang="ru-RU" dirty="0" smtClean="0"/>
           </a:p>
           <a:p>
             <a:pPr lvl="1">
@@ -15831,7 +15508,15 @@
             </a:pPr>
             <a:r>
               <a:rPr lang="ru-RU" dirty="0"/>
-              <a:t>Количество очков здоровья агента</a:t>
+              <a:t>к</a:t>
+            </a:r>
+            <a:r>
+              <a:rPr lang="ru-RU" dirty="0" smtClean="0"/>
+              <a:t>оличество </a:t>
+            </a:r>
+            <a:r>
+              <a:rPr lang="ru-RU" dirty="0"/>
+              <a:t>очков здоровья агента</a:t>
             </a:r>
             <a:r>
               <a:rPr lang="en-US" dirty="0"/>
@@ -15842,9 +15527,14 @@
               <a:t>а</a:t>
             </a:r>
             <a:r>
-              <a:rPr lang="en-US" dirty="0"/>
+              <a:rPr lang="en-US" dirty="0" smtClean="0"/>
               <a:t>)</a:t>
             </a:r>
+            <a:r>
+              <a:rPr lang="ru-RU" dirty="0" smtClean="0"/>
+              <a:t>;</a:t>
+            </a:r>
+            <a:endParaRPr lang="en-US" dirty="0"/>
           </a:p>
           <a:p>
             <a:pPr lvl="1">
@@ -15853,24 +15543,33 @@
             </a:pPr>
             <a:r>
               <a:rPr lang="ru-RU" dirty="0"/>
-              <a:t>Количество очков здоровья противника (</a:t>
+              <a:t>к</a:t>
+            </a:r>
+            <a:r>
+              <a:rPr lang="ru-RU" dirty="0" smtClean="0"/>
+              <a:t>оличество </a:t>
+            </a:r>
+            <a:r>
+              <a:rPr lang="ru-RU" dirty="0"/>
+              <a:t>очков здоровья противника (</a:t>
             </a:r>
             <a:r>
               <a:rPr lang="en-US" dirty="0"/>
               <a:t>HP</a:t>
             </a:r>
             <a:r>
-              <a:rPr lang="ru-RU" baseline="-25000" dirty="0"/>
+              <a:rPr lang="ru-RU" baseline="-25000" dirty="0" smtClean="0"/>
               <a:t>п</a:t>
             </a:r>
             <a:r>
-              <a:rPr lang="ru-RU" dirty="0"/>
-              <a:t>)</a:t>
-            </a:r>
-            <a:r>
-              <a:rPr lang="en-US" dirty="0"/>
+              <a:rPr lang="ru-RU" dirty="0" smtClean="0"/>
+              <a:t>);</a:t>
+            </a:r>
+            <a:r>
+              <a:rPr lang="en-US" dirty="0" smtClean="0"/>
               <a:t> </a:t>
             </a:r>
+            <a:endParaRPr lang="en-US" dirty="0"/>
           </a:p>
           <a:p>
             <a:pPr lvl="1">
@@ -15879,7 +15578,11 @@
             </a:pPr>
             <a:r>
               <a:rPr lang="ru-RU" dirty="0"/>
-              <a:t>Видимость противника </a:t>
+              <a:t>в</a:t>
+            </a:r>
+            <a:r>
+              <a:rPr lang="ru-RU" dirty="0" smtClean="0"/>
+              <a:t>идимость противника. </a:t>
             </a:r>
             <a:endParaRPr lang="en-US" dirty="0"/>
           </a:p>
@@ -15889,8 +15592,13 @@
             </a:pPr>
             <a:r>
               <a:rPr lang="ru-RU" dirty="0" smtClean="0"/>
-              <a:t>Выходные переменные</a:t>
-            </a:r>
+              <a:t>Выходные </a:t>
+            </a:r>
+            <a:r>
+              <a:rPr lang="ru-RU" dirty="0" smtClean="0"/>
+              <a:t>переменные:</a:t>
+            </a:r>
+            <a:endParaRPr lang="ru-RU" dirty="0" smtClean="0"/>
           </a:p>
           <a:p>
             <a:pPr lvl="1">
@@ -15899,8 +15607,17 @@
             </a:pPr>
             <a:r>
               <a:rPr lang="ru-RU" dirty="0" smtClean="0"/>
-              <a:t>Вес стратегии «Поиск противника»</a:t>
-            </a:r>
+              <a:t>вес </a:t>
+            </a:r>
+            <a:r>
+              <a:rPr lang="ru-RU" dirty="0" smtClean="0"/>
+              <a:t>стратегии «Поиск противника</a:t>
+            </a:r>
+            <a:r>
+              <a:rPr lang="ru-RU" dirty="0" smtClean="0"/>
+              <a:t>»;</a:t>
+            </a:r>
+            <a:endParaRPr lang="ru-RU" dirty="0" smtClean="0"/>
           </a:p>
           <a:p>
             <a:pPr lvl="1">
@@ -15909,12 +15626,25 @@
             </a:pPr>
             <a:r>
               <a:rPr lang="ru-RU" dirty="0"/>
-              <a:t>Вес стратегии </a:t>
+              <a:t>в</a:t>
             </a:r>
             <a:r>
               <a:rPr lang="ru-RU" dirty="0" smtClean="0"/>
-              <a:t>«Атака»</a:t>
-            </a:r>
+              <a:t>ес </a:t>
+            </a:r>
+            <a:r>
+              <a:rPr lang="ru-RU" dirty="0"/>
+              <a:t>стратегии </a:t>
+            </a:r>
+            <a:r>
+              <a:rPr lang="ru-RU" dirty="0" smtClean="0"/>
+              <a:t>«Атака</a:t>
+            </a:r>
+            <a:r>
+              <a:rPr lang="ru-RU" dirty="0" smtClean="0"/>
+              <a:t>»;</a:t>
+            </a:r>
+            <a:endParaRPr lang="ru-RU" dirty="0" smtClean="0"/>
           </a:p>
           <a:p>
             <a:pPr lvl="1">
@@ -15922,9 +15652,22 @@
               <a:buChar char="•"/>
             </a:pPr>
             <a:r>
+              <a:rPr lang="ru-RU" dirty="0"/>
+              <a:t>в</a:t>
+            </a:r>
+            <a:r>
               <a:rPr lang="ru-RU" dirty="0" smtClean="0"/>
-              <a:t>Вес стратегии «Защита»</a:t>
-            </a:r>
+              <a:t>ес </a:t>
+            </a:r>
+            <a:r>
+              <a:rPr lang="ru-RU" dirty="0" smtClean="0"/>
+              <a:t>стратегии «Защита</a:t>
+            </a:r>
+            <a:r>
+              <a:rPr lang="ru-RU" dirty="0" smtClean="0"/>
+              <a:t>»;</a:t>
+            </a:r>
+            <a:endParaRPr lang="ru-RU" dirty="0" smtClean="0"/>
           </a:p>
           <a:p>
             <a:pPr lvl="1">
@@ -15932,8 +15675,20 @@
               <a:buChar char="•"/>
             </a:pPr>
             <a:r>
+              <a:rPr lang="ru-RU" dirty="0"/>
+              <a:t>в</a:t>
+            </a:r>
+            <a:r>
               <a:rPr lang="ru-RU" dirty="0" smtClean="0"/>
-              <a:t>Вес стратегии «Отступление и поиск противника»</a:t>
+              <a:t>ес </a:t>
+            </a:r>
+            <a:r>
+              <a:rPr lang="ru-RU" dirty="0" smtClean="0"/>
+              <a:t>стратегии «Отступление и поиск противника</a:t>
+            </a:r>
+            <a:r>
+              <a:rPr lang="ru-RU" dirty="0" smtClean="0"/>
+              <a:t>».</a:t>
             </a:r>
             <a:endParaRPr lang="ru-RU" dirty="0"/>
           </a:p>
@@ -15987,8 +15742,70 @@
             <a:fld id="{E58024C2-D31D-4875-8231-7C9AE6162281}" type="slidenum">
               <a:rPr lang="ru-RU" smtClean="0"/>
               <a:pPr/>
-              <a:t>15</a:t>
+              <a:t>12</a:t>
             </a:fld>
+            <a:endParaRPr lang="ru-RU" dirty="0"/>
+          </a:p>
+        </p:txBody>
+      </p:sp>
+      <p:pic>
+        <p:nvPicPr>
+          <p:cNvPr id="7" name="Рисунок 6"/>
+          <p:cNvPicPr/>
+          <p:nvPr/>
+        </p:nvPicPr>
+        <p:blipFill>
+          <a:blip r:embed="rId2">
+            <a:extLst>
+              <a:ext uri="{28A0092B-C50C-407E-A947-70E740481C1C}">
+                <a14:useLocalDpi xmlns:a14="http://schemas.microsoft.com/office/drawing/2010/main" val="0"/>
+              </a:ext>
+            </a:extLst>
+          </a:blip>
+          <a:stretch>
+            <a:fillRect/>
+          </a:stretch>
+        </p:blipFill>
+        <p:spPr>
+          <a:xfrm>
+            <a:off x="7804087" y="1339915"/>
+            <a:ext cx="3769661" cy="3654732"/>
+          </a:xfrm>
+          <a:prstGeom prst="rect">
+            <a:avLst/>
+          </a:prstGeom>
+        </p:spPr>
+      </p:pic>
+      <p:sp>
+        <p:nvSpPr>
+          <p:cNvPr id="8" name="TextBox 7"/>
+          <p:cNvSpPr txBox="1"/>
+          <p:nvPr/>
+        </p:nvSpPr>
+        <p:spPr>
+          <a:xfrm>
+            <a:off x="8005160" y="5062538"/>
+            <a:ext cx="2916311" cy="369332"/>
+          </a:xfrm>
+          <a:prstGeom prst="rect">
+            <a:avLst/>
+          </a:prstGeom>
+          <a:noFill/>
+        </p:spPr>
+        <p:txBody>
+          <a:bodyPr wrap="none" rtlCol="0">
+            <a:spAutoFit/>
+          </a:bodyPr>
+          <a:lstStyle/>
+          <a:p>
+            <a:r>
+              <a:rPr lang="ru-RU" dirty="0" smtClean="0"/>
+              <a:t>Многослойный </a:t>
+            </a:r>
+            <a:r>
+              <a:rPr lang="ru-RU" dirty="0" err="1" smtClean="0"/>
+              <a:t>перцептрон</a:t>
+            </a:r>
             <a:endParaRPr lang="ru-RU" dirty="0"/>
           </a:p>
         </p:txBody>
@@ -16006,7 +15823,7 @@
 </p:sld>
 </file>
 
-<file path=ppt/slides/slide16.xml><?xml version="1.0" encoding="utf-8"?>
+<file path=ppt/slides/slide13.xml><?xml version="1.0" encoding="utf-8"?>
 <p:sld xmlns:a="http://schemas.openxmlformats.org/drawingml/2006/main" xmlns:r="http://schemas.openxmlformats.org/officeDocument/2006/relationships" xmlns:p="http://schemas.openxmlformats.org/presentationml/2006/main">
   <p:cSld>
     <p:spTree>
@@ -16053,8 +15870,8 @@
           </a:p>
         </p:txBody>
       </p:sp>
-      <mc:AlternateContent xmlns:mc="http://schemas.openxmlformats.org/markup-compatibility/2006" xmlns:a14="http://schemas.microsoft.com/office/drawing/2010/main">
-        <mc:Choice Requires="a14">
+      <mc:AlternateContent xmlns:mc="http://schemas.openxmlformats.org/markup-compatibility/2006">
+        <mc:Choice xmlns:a14="http://schemas.microsoft.com/office/drawing/2010/main" Requires="a14">
           <p:sp>
             <p:nvSpPr>
               <p:cNvPr id="3" name="Объект 2"/>
@@ -16067,7 +15884,7 @@
             </p:nvSpPr>
             <p:spPr>
               <a:xfrm>
-                <a:off x="161925" y="1076325"/>
+                <a:off x="161925" y="1085378"/>
                 <a:ext cx="12030075" cy="5124450"/>
               </a:xfrm>
             </p:spPr>
@@ -16177,8 +15994,13 @@
                 <a:pPr lvl="1"/>
                 <a:r>
                   <a:rPr lang="ru-RU" dirty="0" smtClean="0"/>
-                  <a:t>Можно использовать численные методы для поиска оптимальных параметров обучения</a:t>
+                  <a:t>Можно использовать численные методы для поиска оптимальных параметров </a:t>
                 </a:r>
+                <a:r>
+                  <a:rPr lang="ru-RU" dirty="0" smtClean="0"/>
+                  <a:t>обучения.</a:t>
+                </a:r>
+                <a:endParaRPr lang="ru-RU" dirty="0" smtClean="0"/>
               </a:p>
               <a:p>
                 <a:pPr marL="0" indent="0">
@@ -16186,28 +16008,63 @@
                 </a:pPr>
                 <a:r>
                   <a:rPr lang="ru-RU" dirty="0" smtClean="0"/>
-                  <a:t>Параметры, влияющие на обучение</a:t>
+                  <a:t>Параметры, влияющие на </a:t>
                 </a:r>
+                <a:r>
+                  <a:rPr lang="ru-RU" dirty="0" smtClean="0"/>
+                  <a:t>обучение:</a:t>
+                </a:r>
+                <a:endParaRPr lang="ru-RU" dirty="0" smtClean="0"/>
               </a:p>
               <a:p>
                 <a:pPr lvl="1"/>
                 <a:r>
+                  <a:rPr lang="ru-RU" dirty="0"/>
+                  <a:t>к</a:t>
+                </a:r>
+                <a:r>
                   <a:rPr lang="ru-RU" dirty="0" smtClean="0"/>
-                  <a:t>Количество скрытых слоев (1 или 2)</a:t>
+                  <a:t>оличество </a:t>
                 </a:r>
+                <a:r>
+                  <a:rPr lang="ru-RU" dirty="0" smtClean="0"/>
+                  <a:t>скрытых слоев (1 или 2</a:t>
+                </a:r>
+                <a:r>
+                  <a:rPr lang="ru-RU" dirty="0" smtClean="0"/>
+                  <a:t>);</a:t>
+                </a:r>
+                <a:endParaRPr lang="ru-RU" dirty="0" smtClean="0"/>
               </a:p>
               <a:p>
                 <a:pPr lvl="1"/>
                 <a:r>
+                  <a:rPr lang="ru-RU" dirty="0"/>
+                  <a:t>р</a:t>
+                </a:r>
+                <a:r>
                   <a:rPr lang="ru-RU" dirty="0" smtClean="0"/>
-                  <a:t>Размер скрытого слоя (если есть)</a:t>
+                  <a:t>азмер </a:t>
                 </a:r>
+                <a:r>
+                  <a:rPr lang="ru-RU" dirty="0" smtClean="0"/>
+                  <a:t>скрытого слоя (если есть</a:t>
+                </a:r>
+                <a:r>
+                  <a:rPr lang="ru-RU" dirty="0" smtClean="0"/>
+                  <a:t>);</a:t>
+                </a:r>
+                <a:endParaRPr lang="ru-RU" dirty="0" smtClean="0"/>
               </a:p>
               <a:p>
                 <a:pPr lvl="1"/>
                 <a:r>
+                  <a:rPr lang="ru-RU" dirty="0"/>
+                  <a:t>к</a:t>
+                </a:r>
+                <a:r>
                   <a:rPr lang="ru-RU" dirty="0" smtClean="0"/>
-                  <a:t>Коэффициент </a:t>
+                  <a:t>оэффициент </a:t>
                 </a:r>
                 <a:r>
                   <a:rPr lang="el-GR" dirty="0" smtClean="0">
@@ -16312,6 +16169,12 @@
                         </m:sSup>
                       </m:den>
                     </m:f>
+                    <m:r>
+                      <a:rPr lang="ru-RU" b="0" i="1" smtClean="0">
+                        <a:latin typeface="Cambria Math" panose="02040503050406030204" pitchFamily="18" charset="0"/>
+                      </a:rPr>
+                      <m:t>;</m:t>
+                    </m:r>
                   </m:oMath>
                 </a14:m>
                 <a:endParaRPr lang="ru-RU" dirty="0" smtClean="0"/>
@@ -16319,8 +16182,12 @@
               <a:p>
                 <a:pPr lvl="1"/>
                 <a:r>
+                  <a:rPr lang="ru-RU" dirty="0"/>
+                  <a:t>к</a:t>
+                </a:r>
+                <a:r>
                   <a:rPr lang="ru-RU" dirty="0" smtClean="0"/>
-                  <a:t>Коэффициент </a:t>
+                  <a:t>оэффициент </a:t>
                 </a:r>
                 <a:r>
                   <a:rPr lang="el-GR" dirty="0" smtClean="0">
@@ -16465,19 +16332,36 @@
                     </m:sSub>
                   </m:oMath>
                 </a14:m>
+                <a:r>
+                  <a:rPr lang="ru-RU" dirty="0" smtClean="0"/>
+                  <a:t>;</a:t>
+                </a:r>
                 <a:endParaRPr lang="ru-RU" dirty="0" smtClean="0"/>
               </a:p>
               <a:p>
                 <a:pPr lvl="1"/>
                 <a:r>
+                  <a:rPr lang="ru-RU" dirty="0"/>
+                  <a:t>к</a:t>
+                </a:r>
+                <a:r>
                   <a:rPr lang="ru-RU" dirty="0" smtClean="0"/>
-                  <a:t>Количество повторов обучения</a:t>
+                  <a:t>оличество </a:t>
                 </a:r>
+                <a:r>
+                  <a:rPr lang="ru-RU" dirty="0" smtClean="0"/>
+                  <a:t>повторов </a:t>
+                </a:r>
+                <a:r>
+                  <a:rPr lang="ru-RU" dirty="0" smtClean="0"/>
+                  <a:t>обучения.</a:t>
+                </a:r>
+                <a:endParaRPr lang="ru-RU" dirty="0" smtClean="0"/>
               </a:p>
             </p:txBody>
           </p:sp>
         </mc:Choice>
-        <mc:Fallback xmlns="">
+        <mc:Fallback>
           <p:sp>
             <p:nvSpPr>
               <p:cNvPr id="3" name="Объект 2"/>
@@ -16490,13 +16374,13 @@
             </p:nvSpPr>
             <p:spPr>
               <a:xfrm>
-                <a:off x="161925" y="1076325"/>
+                <a:off x="161925" y="1085378"/>
                 <a:ext cx="12030075" cy="5124450"/>
               </a:xfrm>
-              <a:blipFill rotWithShape="0">
+              <a:blipFill>
                 <a:blip r:embed="rId2"/>
                 <a:stretch>
-                  <a:fillRect l="-1064" t="-2024" b="-1905"/>
+                  <a:fillRect l="-1064" t="-1902" b="-1784"/>
                 </a:stretch>
               </a:blipFill>
             </p:spPr>
@@ -16556,7 +16440,7 @@
             <a:fld id="{E58024C2-D31D-4875-8231-7C9AE6162281}" type="slidenum">
               <a:rPr lang="ru-RU" smtClean="0"/>
               <a:pPr/>
-              <a:t>16</a:t>
+              <a:t>13</a:t>
             </a:fld>
             <a:endParaRPr lang="ru-RU" dirty="0" smtClean="0"/>
           </a:p>
@@ -16566,6 +16450,539 @@
     <p:extLst>
       <p:ext uri="{BB962C8B-B14F-4D97-AF65-F5344CB8AC3E}">
         <p14:creationId xmlns:p14="http://schemas.microsoft.com/office/powerpoint/2010/main" val="1159724514"/>
+      </p:ext>
+    </p:extLst>
+  </p:cSld>
+  <p:clrMapOvr>
+    <a:masterClrMapping/>
+  </p:clrMapOvr>
+</p:sld>
+</file>
+
+<file path=ppt/slides/slide14.xml><?xml version="1.0" encoding="utf-8"?>
+<p:sld xmlns:a="http://schemas.openxmlformats.org/drawingml/2006/main" xmlns:r="http://schemas.openxmlformats.org/officeDocument/2006/relationships" xmlns:p="http://schemas.openxmlformats.org/presentationml/2006/main">
+  <p:cSld>
+    <p:spTree>
+      <p:nvGrpSpPr>
+        <p:cNvPr id="1" name=""/>
+        <p:cNvGrpSpPr/>
+        <p:nvPr/>
+      </p:nvGrpSpPr>
+      <p:grpSpPr>
+        <a:xfrm>
+          <a:off x="0" y="0"/>
+          <a:ext cx="0" cy="0"/>
+          <a:chOff x="0" y="0"/>
+          <a:chExt cx="0" cy="0"/>
+        </a:xfrm>
+      </p:grpSpPr>
+      <p:sp>
+        <p:nvSpPr>
+          <p:cNvPr id="2" name="Заголовок 1"/>
+          <p:cNvSpPr>
+            <a:spLocks noGrp="1"/>
+          </p:cNvSpPr>
+          <p:nvPr>
+            <p:ph type="title"/>
+          </p:nvPr>
+        </p:nvSpPr>
+        <p:spPr>
+          <a:xfrm>
+            <a:off x="838200" y="365126"/>
+            <a:ext cx="10515600" cy="448707"/>
+          </a:xfrm>
+        </p:spPr>
+        <p:txBody>
+          <a:bodyPr>
+            <a:normAutofit fontScale="90000"/>
+          </a:bodyPr>
+          <a:lstStyle/>
+          <a:p>
+            <a:r>
+              <a:rPr lang="ru-RU" dirty="0" smtClean="0"/>
+              <a:t>Нейронные сети</a:t>
+            </a:r>
+            <a:endParaRPr lang="ru-RU" dirty="0"/>
+          </a:p>
+        </p:txBody>
+      </p:sp>
+      <p:sp>
+        <p:nvSpPr>
+          <p:cNvPr id="4" name="Нижний колонтитул 3"/>
+          <p:cNvSpPr>
+            <a:spLocks noGrp="1"/>
+          </p:cNvSpPr>
+          <p:nvPr>
+            <p:ph type="ftr" sz="quarter" idx="11"/>
+          </p:nvPr>
+        </p:nvSpPr>
+        <p:spPr/>
+        <p:txBody>
+          <a:bodyPr/>
+          <a:lstStyle/>
+          <a:p>
+            <a:r>
+              <a:rPr lang="ru-RU" smtClean="0"/>
+              <a:t>Приходько Е.В. Исследование методов моделирования принятия решений на примере ботов в компьютерной игре</a:t>
+            </a:r>
+            <a:endParaRPr lang="ru-RU"/>
+          </a:p>
+        </p:txBody>
+      </p:sp>
+      <p:sp>
+        <p:nvSpPr>
+          <p:cNvPr id="5" name="Номер слайда 4"/>
+          <p:cNvSpPr>
+            <a:spLocks noGrp="1"/>
+          </p:cNvSpPr>
+          <p:nvPr>
+            <p:ph type="sldNum" sz="quarter" idx="12"/>
+          </p:nvPr>
+        </p:nvSpPr>
+        <p:spPr/>
+        <p:txBody>
+          <a:bodyPr/>
+          <a:lstStyle/>
+          <a:p>
+            <a:fld id="{E58024C2-D31D-4875-8231-7C9AE6162281}" type="slidenum">
+              <a:rPr lang="ru-RU" smtClean="0"/>
+              <a:pPr/>
+              <a:t>14</a:t>
+            </a:fld>
+            <a:endParaRPr lang="ru-RU" dirty="0" smtClean="0"/>
+          </a:p>
+        </p:txBody>
+      </p:sp>
+      <p:graphicFrame>
+        <p:nvGraphicFramePr>
+          <p:cNvPr id="6" name="Диаграмма 5"/>
+          <p:cNvGraphicFramePr/>
+          <p:nvPr>
+            <p:extLst>
+              <p:ext uri="{D42A27DB-BD31-4B8C-83A1-F6EECF244321}">
+                <p14:modId xmlns:p14="http://schemas.microsoft.com/office/powerpoint/2010/main" val="984306226"/>
+              </p:ext>
+            </p:extLst>
+          </p:nvPr>
+        </p:nvGraphicFramePr>
+        <p:xfrm>
+          <a:off x="259882" y="1057275"/>
+          <a:ext cx="11675444" cy="4863067"/>
+        </p:xfrm>
+        <a:graphic>
+          <a:graphicData uri="http://schemas.openxmlformats.org/drawingml/2006/chart">
+            <c:chart xmlns:c="http://schemas.openxmlformats.org/drawingml/2006/chart" xmlns:r="http://schemas.openxmlformats.org/officeDocument/2006/relationships" r:id="rId2"/>
+          </a:graphicData>
+        </a:graphic>
+      </p:graphicFrame>
+      <p:sp>
+        <p:nvSpPr>
+          <p:cNvPr id="7" name="TextBox 6"/>
+          <p:cNvSpPr txBox="1"/>
+          <p:nvPr/>
+        </p:nvSpPr>
+        <p:spPr>
+          <a:xfrm>
+            <a:off x="1962208" y="5920343"/>
+            <a:ext cx="8267584" cy="369332"/>
+          </a:xfrm>
+          <a:prstGeom prst="rect">
+            <a:avLst/>
+          </a:prstGeom>
+          <a:noFill/>
+        </p:spPr>
+        <p:txBody>
+          <a:bodyPr wrap="none" rtlCol="0">
+            <a:spAutoFit/>
+          </a:bodyPr>
+          <a:lstStyle/>
+          <a:p>
+            <a:r>
+              <a:rPr lang="ru-RU" dirty="0" smtClean="0"/>
+              <a:t>Зависимость максимального качества обучения от количества повторов обучения</a:t>
+            </a:r>
+            <a:endParaRPr lang="ru-RU" dirty="0"/>
+          </a:p>
+        </p:txBody>
+      </p:sp>
+    </p:spTree>
+    <p:extLst>
+      <p:ext uri="{BB962C8B-B14F-4D97-AF65-F5344CB8AC3E}">
+        <p14:creationId xmlns:p14="http://schemas.microsoft.com/office/powerpoint/2010/main" val="3688600069"/>
+      </p:ext>
+    </p:extLst>
+  </p:cSld>
+  <p:clrMapOvr>
+    <a:masterClrMapping/>
+  </p:clrMapOvr>
+</p:sld>
+</file>
+
+<file path=ppt/slides/slide15.xml><?xml version="1.0" encoding="utf-8"?>
+<p:sld xmlns:a="http://schemas.openxmlformats.org/drawingml/2006/main" xmlns:r="http://schemas.openxmlformats.org/officeDocument/2006/relationships" xmlns:p="http://schemas.openxmlformats.org/presentationml/2006/main">
+  <p:cSld>
+    <p:spTree>
+      <p:nvGrpSpPr>
+        <p:cNvPr id="1" name=""/>
+        <p:cNvGrpSpPr/>
+        <p:nvPr/>
+      </p:nvGrpSpPr>
+      <p:grpSpPr>
+        <a:xfrm>
+          <a:off x="0" y="0"/>
+          <a:ext cx="0" cy="0"/>
+          <a:chOff x="0" y="0"/>
+          <a:chExt cx="0" cy="0"/>
+        </a:xfrm>
+      </p:grpSpPr>
+      <p:sp>
+        <p:nvSpPr>
+          <p:cNvPr id="2" name="Заголовок 1"/>
+          <p:cNvSpPr>
+            <a:spLocks noGrp="1"/>
+          </p:cNvSpPr>
+          <p:nvPr>
+            <p:ph type="title"/>
+          </p:nvPr>
+        </p:nvSpPr>
+        <p:spPr>
+          <a:xfrm>
+            <a:off x="838200" y="365125"/>
+            <a:ext cx="10515600" cy="854075"/>
+          </a:xfrm>
+        </p:spPr>
+        <p:txBody>
+          <a:bodyPr/>
+          <a:lstStyle/>
+          <a:p>
+            <a:r>
+              <a:rPr lang="ru-RU" dirty="0" smtClean="0"/>
+              <a:t>Нейронные сети (вывод)</a:t>
+            </a:r>
+            <a:endParaRPr lang="ru-RU" dirty="0"/>
+          </a:p>
+        </p:txBody>
+      </p:sp>
+      <p:sp>
+        <p:nvSpPr>
+          <p:cNvPr id="3" name="Объект 2"/>
+          <p:cNvSpPr>
+            <a:spLocks noGrp="1"/>
+          </p:cNvSpPr>
+          <p:nvPr>
+            <p:ph idx="1"/>
+          </p:nvPr>
+        </p:nvSpPr>
+        <p:spPr>
+          <a:xfrm>
+            <a:off x="838200" y="1295400"/>
+            <a:ext cx="10515600" cy="4881563"/>
+          </a:xfrm>
+        </p:spPr>
+        <p:txBody>
+          <a:bodyPr>
+            <a:normAutofit lnSpcReduction="10000"/>
+          </a:bodyPr>
+          <a:lstStyle/>
+          <a:p>
+            <a:pPr marL="0" indent="0">
+              <a:buNone/>
+            </a:pPr>
+            <a:r>
+              <a:rPr lang="ru-RU" dirty="0" smtClean="0"/>
+              <a:t>Преимущества</a:t>
+            </a:r>
+            <a:r>
+              <a:rPr lang="ru-RU" dirty="0"/>
+              <a:t>:</a:t>
+            </a:r>
+            <a:endParaRPr lang="ru-RU" dirty="0" smtClean="0"/>
+          </a:p>
+          <a:p>
+            <a:pPr lvl="1">
+              <a:buFont typeface="Arial" panose="020B0604020202020204" pitchFamily="34" charset="0"/>
+              <a:buChar char="•"/>
+            </a:pPr>
+            <a:r>
+              <a:rPr lang="ru-RU" dirty="0" smtClean="0"/>
+              <a:t>Аппроксимация функции принятия решений по нескольким </a:t>
+            </a:r>
+            <a:r>
+              <a:rPr lang="ru-RU" dirty="0" err="1" smtClean="0"/>
+              <a:t>известнрым</a:t>
+            </a:r>
+            <a:r>
+              <a:rPr lang="ru-RU" dirty="0" smtClean="0"/>
+              <a:t> решениям.</a:t>
+            </a:r>
+            <a:endParaRPr lang="ru-RU" dirty="0" smtClean="0"/>
+          </a:p>
+          <a:p>
+            <a:pPr lvl="1">
+              <a:buFont typeface="Arial" panose="020B0604020202020204" pitchFamily="34" charset="0"/>
+              <a:buChar char="•"/>
+            </a:pPr>
+            <a:r>
+              <a:rPr lang="ru-RU" dirty="0" smtClean="0"/>
+              <a:t>Агент может реагировать на состояние окружающего мира, не описанное разработчиком при </a:t>
+            </a:r>
+            <a:r>
+              <a:rPr lang="ru-RU" dirty="0" smtClean="0"/>
+              <a:t>проектировании.</a:t>
+            </a:r>
+            <a:endParaRPr lang="ru-RU" dirty="0" smtClean="0"/>
+          </a:p>
+          <a:p>
+            <a:pPr marL="0" indent="0">
+              <a:buNone/>
+            </a:pPr>
+            <a:r>
+              <a:rPr lang="ru-RU" dirty="0" smtClean="0"/>
+              <a:t>Недостатки:</a:t>
+            </a:r>
+            <a:endParaRPr lang="ru-RU" dirty="0" smtClean="0"/>
+          </a:p>
+          <a:p>
+            <a:pPr lvl="1">
+              <a:buFont typeface="Arial" panose="020B0604020202020204" pitchFamily="34" charset="0"/>
+              <a:buChar char="•"/>
+            </a:pPr>
+            <a:r>
+              <a:rPr lang="ru-RU" dirty="0" smtClean="0"/>
+              <a:t>Сложно отлаживать, т.к. нельзя определить, почему именно нейронная сеть выдала определенный </a:t>
+            </a:r>
+            <a:r>
+              <a:rPr lang="ru-RU" dirty="0" smtClean="0"/>
+              <a:t>результат.</a:t>
+            </a:r>
+            <a:endParaRPr lang="ru-RU" dirty="0" smtClean="0"/>
+          </a:p>
+          <a:p>
+            <a:pPr lvl="1">
+              <a:buFont typeface="Arial" panose="020B0604020202020204" pitchFamily="34" charset="0"/>
+              <a:buChar char="•"/>
+            </a:pPr>
+            <a:r>
+              <a:rPr lang="ru-RU" dirty="0" smtClean="0"/>
+              <a:t>Сложно корректировать поведение, т.к. для внесения изменений требуется </a:t>
+            </a:r>
+            <a:r>
+              <a:rPr lang="ru-RU" dirty="0" smtClean="0"/>
+              <a:t>переобучение.</a:t>
+            </a:r>
+            <a:endParaRPr lang="ru-RU" dirty="0" smtClean="0"/>
+          </a:p>
+          <a:p>
+            <a:pPr lvl="1">
+              <a:buFont typeface="Arial" panose="020B0604020202020204" pitchFamily="34" charset="0"/>
+              <a:buChar char="•"/>
+            </a:pPr>
+            <a:r>
+              <a:rPr lang="ru-RU" dirty="0" smtClean="0"/>
+              <a:t>Сложно реализовать реакцию на редкую ситуацию, т.к. для нее будет мало записей в обучающем </a:t>
+            </a:r>
+            <a:r>
+              <a:rPr lang="ru-RU" dirty="0" smtClean="0"/>
+              <a:t>множестве.</a:t>
+            </a:r>
+          </a:p>
+          <a:p>
+            <a:pPr lvl="1">
+              <a:buFont typeface="Arial" panose="020B0604020202020204" pitchFamily="34" charset="0"/>
+              <a:buChar char="•"/>
+            </a:pPr>
+            <a:r>
+              <a:rPr lang="ru-RU" dirty="0" smtClean="0"/>
+              <a:t>Реакцию агента на ситуацию, не учтенную при разработке, сложно предсказать. Иногда она оказывается неадекватной. </a:t>
+            </a:r>
+            <a:endParaRPr lang="ru-RU" dirty="0"/>
+          </a:p>
+        </p:txBody>
+      </p:sp>
+      <p:sp>
+        <p:nvSpPr>
+          <p:cNvPr id="5" name="Нижний колонтитул 4"/>
+          <p:cNvSpPr>
+            <a:spLocks noGrp="1"/>
+          </p:cNvSpPr>
+          <p:nvPr>
+            <p:ph type="ftr" sz="quarter" idx="11"/>
+          </p:nvPr>
+        </p:nvSpPr>
+        <p:spPr/>
+        <p:txBody>
+          <a:bodyPr/>
+          <a:lstStyle/>
+          <a:p>
+            <a:r>
+              <a:rPr lang="ru-RU" smtClean="0"/>
+              <a:t>Приходько Е.В. Исследование методов моделирования принятия решений на примере ботов в компьютерной игре</a:t>
+            </a:r>
+            <a:endParaRPr lang="ru-RU"/>
+          </a:p>
+        </p:txBody>
+      </p:sp>
+      <p:sp>
+        <p:nvSpPr>
+          <p:cNvPr id="6" name="Номер слайда 5"/>
+          <p:cNvSpPr>
+            <a:spLocks noGrp="1"/>
+          </p:cNvSpPr>
+          <p:nvPr>
+            <p:ph type="sldNum" sz="quarter" idx="12"/>
+          </p:nvPr>
+        </p:nvSpPr>
+        <p:spPr/>
+        <p:txBody>
+          <a:bodyPr/>
+          <a:lstStyle/>
+          <a:p>
+            <a:fld id="{E58024C2-D31D-4875-8231-7C9AE6162281}" type="slidenum">
+              <a:rPr lang="ru-RU" smtClean="0"/>
+              <a:pPr/>
+              <a:t>15</a:t>
+            </a:fld>
+            <a:endParaRPr lang="ru-RU" dirty="0" smtClean="0"/>
+          </a:p>
+        </p:txBody>
+      </p:sp>
+    </p:spTree>
+    <p:extLst>
+      <p:ext uri="{BB962C8B-B14F-4D97-AF65-F5344CB8AC3E}">
+        <p14:creationId xmlns:p14="http://schemas.microsoft.com/office/powerpoint/2010/main" val="4205147619"/>
+      </p:ext>
+    </p:extLst>
+  </p:cSld>
+  <p:clrMapOvr>
+    <a:masterClrMapping/>
+  </p:clrMapOvr>
+</p:sld>
+</file>
+
+<file path=ppt/slides/slide16.xml><?xml version="1.0" encoding="utf-8"?>
+<p:sld xmlns:a="http://schemas.openxmlformats.org/drawingml/2006/main" xmlns:r="http://schemas.openxmlformats.org/officeDocument/2006/relationships" xmlns:p="http://schemas.openxmlformats.org/presentationml/2006/main">
+  <p:cSld>
+    <p:spTree>
+      <p:nvGrpSpPr>
+        <p:cNvPr id="1" name=""/>
+        <p:cNvGrpSpPr/>
+        <p:nvPr/>
+      </p:nvGrpSpPr>
+      <p:grpSpPr>
+        <a:xfrm>
+          <a:off x="0" y="0"/>
+          <a:ext cx="0" cy="0"/>
+          <a:chOff x="0" y="0"/>
+          <a:chExt cx="0" cy="0"/>
+        </a:xfrm>
+      </p:grpSpPr>
+      <p:sp>
+        <p:nvSpPr>
+          <p:cNvPr id="2" name="Заголовок 1"/>
+          <p:cNvSpPr>
+            <a:spLocks noGrp="1"/>
+          </p:cNvSpPr>
+          <p:nvPr>
+            <p:ph type="title"/>
+          </p:nvPr>
+        </p:nvSpPr>
+        <p:spPr>
+          <a:xfrm>
+            <a:off x="838200" y="365125"/>
+            <a:ext cx="10515600" cy="549275"/>
+          </a:xfrm>
+        </p:spPr>
+        <p:txBody>
+          <a:bodyPr>
+            <a:normAutofit fontScale="90000"/>
+          </a:bodyPr>
+          <a:lstStyle/>
+          <a:p>
+            <a:r>
+              <a:rPr lang="ru-RU" dirty="0" smtClean="0"/>
+              <a:t>Программная реализация</a:t>
+            </a:r>
+            <a:endParaRPr lang="ru-RU" dirty="0"/>
+          </a:p>
+        </p:txBody>
+      </p:sp>
+      <p:sp>
+        <p:nvSpPr>
+          <p:cNvPr id="3" name="Объект 2"/>
+          <p:cNvSpPr>
+            <a:spLocks noGrp="1"/>
+          </p:cNvSpPr>
+          <p:nvPr>
+            <p:ph idx="1"/>
+          </p:nvPr>
+        </p:nvSpPr>
+        <p:spPr/>
+        <p:txBody>
+          <a:bodyPr/>
+          <a:lstStyle/>
+          <a:p>
+            <a:pPr marL="0" indent="0">
+              <a:buNone/>
+            </a:pPr>
+            <a:r>
+              <a:rPr lang="en-US" dirty="0" smtClean="0"/>
+              <a:t>TODO</a:t>
+            </a:r>
+            <a:endParaRPr lang="ru-RU" dirty="0"/>
+          </a:p>
+        </p:txBody>
+      </p:sp>
+      <p:sp>
+        <p:nvSpPr>
+          <p:cNvPr id="4" name="Нижний колонтитул 3"/>
+          <p:cNvSpPr>
+            <a:spLocks noGrp="1"/>
+          </p:cNvSpPr>
+          <p:nvPr>
+            <p:ph type="ftr" sz="quarter" idx="11"/>
+          </p:nvPr>
+        </p:nvSpPr>
+        <p:spPr/>
+        <p:txBody>
+          <a:bodyPr/>
+          <a:lstStyle/>
+          <a:p>
+            <a:r>
+              <a:rPr lang="ru-RU" smtClean="0"/>
+              <a:t>Приходько Е.В. Исследование методов моделирования принятия решений на примере ботов в компьютерной игре</a:t>
+            </a:r>
+            <a:endParaRPr lang="ru-RU"/>
+          </a:p>
+        </p:txBody>
+      </p:sp>
+      <p:sp>
+        <p:nvSpPr>
+          <p:cNvPr id="5" name="Номер слайда 4"/>
+          <p:cNvSpPr>
+            <a:spLocks noGrp="1"/>
+          </p:cNvSpPr>
+          <p:nvPr>
+            <p:ph type="sldNum" sz="quarter" idx="12"/>
+          </p:nvPr>
+        </p:nvSpPr>
+        <p:spPr/>
+        <p:txBody>
+          <a:bodyPr/>
+          <a:lstStyle/>
+          <a:p>
+            <a:fld id="{E58024C2-D31D-4875-8231-7C9AE6162281}" type="slidenum">
+              <a:rPr lang="ru-RU" smtClean="0"/>
+              <a:pPr/>
+              <a:t>16</a:t>
+            </a:fld>
+            <a:endParaRPr lang="ru-RU" dirty="0" smtClean="0"/>
+          </a:p>
+        </p:txBody>
+      </p:sp>
+    </p:spTree>
+    <p:extLst>
+      <p:ext uri="{BB962C8B-B14F-4D97-AF65-F5344CB8AC3E}">
+        <p14:creationId xmlns:p14="http://schemas.microsoft.com/office/powerpoint/2010/main" val="1465301624"/>
       </p:ext>
     </p:extLst>
   </p:cSld>
@@ -16604,8 +17021,8 @@
         </p:nvSpPr>
         <p:spPr>
           <a:xfrm>
-            <a:off x="838200" y="365126"/>
-            <a:ext cx="10515600" cy="692150"/>
+            <a:off x="838200" y="365125"/>
+            <a:ext cx="10515600" cy="549275"/>
           </a:xfrm>
         </p:spPr>
         <p:txBody>
@@ -16615,16 +17032,102 @@
           <a:lstStyle/>
           <a:p>
             <a:r>
-              <a:rPr lang="ru-RU" dirty="0" smtClean="0"/>
-              <a:t>Нейронные сети</a:t>
-            </a:r>
-            <a:endParaRPr lang="ru-RU" dirty="0"/>
+              <a:rPr lang="ru-RU" sz="4000" dirty="0" smtClean="0"/>
+              <a:t>Методика сравнения </a:t>
+            </a:r>
+            <a:r>
+              <a:rPr lang="ru-RU" sz="4000" dirty="0" smtClean="0"/>
+              <a:t>методов</a:t>
+            </a:r>
+            <a:endParaRPr lang="ru-RU" sz="4000" dirty="0"/>
           </a:p>
         </p:txBody>
       </p:sp>
       <p:sp>
         <p:nvSpPr>
-          <p:cNvPr id="4" name="Нижний колонтитул 3"/>
+          <p:cNvPr id="3" name="Объект 2"/>
+          <p:cNvSpPr>
+            <a:spLocks noGrp="1"/>
+          </p:cNvSpPr>
+          <p:nvPr>
+            <p:ph idx="1"/>
+          </p:nvPr>
+        </p:nvSpPr>
+        <p:spPr>
+          <a:xfrm>
+            <a:off x="838200" y="914400"/>
+            <a:ext cx="10515600" cy="1751798"/>
+          </a:xfrm>
+        </p:spPr>
+        <p:txBody>
+          <a:bodyPr/>
+          <a:lstStyle/>
+          <a:p>
+            <a:pPr>
+              <a:buFont typeface="Arial" panose="020B0604020202020204" pitchFamily="34" charset="0"/>
+              <a:buChar char="•"/>
+            </a:pPr>
+            <a:r>
+              <a:rPr lang="ru-RU" dirty="0" smtClean="0"/>
+              <a:t>Игра реализованных ботов друг против </a:t>
+            </a:r>
+            <a:r>
+              <a:rPr lang="ru-RU" dirty="0" smtClean="0"/>
+              <a:t>друга.</a:t>
+            </a:r>
+            <a:endParaRPr lang="ru-RU" dirty="0" smtClean="0"/>
+          </a:p>
+          <a:p>
+            <a:pPr>
+              <a:buFont typeface="Arial" panose="020B0604020202020204" pitchFamily="34" charset="0"/>
+              <a:buChar char="•"/>
+            </a:pPr>
+            <a:r>
+              <a:rPr lang="ru-RU" dirty="0" smtClean="0"/>
+              <a:t>Сбор данных в базу данных, под управлением СУБД </a:t>
+            </a:r>
+            <a:r>
+              <a:rPr lang="en-US" dirty="0" smtClean="0"/>
+              <a:t>SQLite</a:t>
+            </a:r>
+            <a:r>
+              <a:rPr lang="ru-RU" dirty="0" smtClean="0"/>
+              <a:t>.</a:t>
+            </a:r>
+            <a:endParaRPr lang="ru-RU" dirty="0" smtClean="0"/>
+          </a:p>
+          <a:p>
+            <a:pPr>
+              <a:buFont typeface="Arial" panose="020B0604020202020204" pitchFamily="34" charset="0"/>
+              <a:buChar char="•"/>
+            </a:pPr>
+            <a:r>
+              <a:rPr lang="ru-RU" dirty="0" smtClean="0"/>
+              <a:t>Обработка данных с помощью </a:t>
+            </a:r>
+            <a:r>
+              <a:rPr lang="en-US" dirty="0" smtClean="0"/>
+              <a:t>SQL</a:t>
+            </a:r>
+            <a:r>
+              <a:rPr lang="ru-RU" dirty="0" smtClean="0"/>
+              <a:t> и </a:t>
+            </a:r>
+            <a:r>
+              <a:rPr lang="en-US" dirty="0" smtClean="0"/>
+              <a:t>MATLAB</a:t>
+            </a:r>
+            <a:r>
+              <a:rPr lang="ru-RU" dirty="0" smtClean="0"/>
+              <a:t>.</a:t>
+            </a:r>
+            <a:endParaRPr lang="ru-RU" dirty="0" smtClean="0"/>
+          </a:p>
+        </p:txBody>
+      </p:sp>
+      <p:sp>
+        <p:nvSpPr>
+          <p:cNvPr id="5" name="Нижний колонтитул 4"/>
           <p:cNvSpPr>
             <a:spLocks noGrp="1"/>
           </p:cNvSpPr>
@@ -16647,7 +17150,7 @@
       </p:sp>
       <p:sp>
         <p:nvSpPr>
-          <p:cNvPr id="5" name="Номер слайда 4"/>
+          <p:cNvPr id="6" name="Номер слайда 5"/>
           <p:cNvSpPr>
             <a:spLocks noGrp="1"/>
           </p:cNvSpPr>
@@ -16669,68 +17172,308 @@
           </a:p>
         </p:txBody>
       </p:sp>
-      <p:graphicFrame>
-        <p:nvGraphicFramePr>
-          <p:cNvPr id="6" name="Диаграмма 5"/>
-          <p:cNvGraphicFramePr/>
-          <p:nvPr>
-            <p:extLst>
-              <p:ext uri="{D42A27DB-BD31-4B8C-83A1-F6EECF244321}">
-                <p14:modId xmlns:p14="http://schemas.microsoft.com/office/powerpoint/2010/main" val="2964769232"/>
-              </p:ext>
-            </p:extLst>
-          </p:nvPr>
-        </p:nvGraphicFramePr>
-        <p:xfrm>
-          <a:off x="523875" y="1333500"/>
-          <a:ext cx="11087100" cy="4343400"/>
-        </p:xfrm>
-        <a:graphic>
-          <a:graphicData uri="http://schemas.openxmlformats.org/drawingml/2006/chart">
-            <c:chart xmlns:c="http://schemas.openxmlformats.org/drawingml/2006/chart" xmlns:r="http://schemas.openxmlformats.org/officeDocument/2006/relationships" r:id="rId2"/>
-          </a:graphicData>
-        </a:graphic>
-      </p:graphicFrame>
       <p:sp>
         <p:nvSpPr>
-          <p:cNvPr id="7" name="TextBox 6"/>
-          <p:cNvSpPr txBox="1"/>
+          <p:cNvPr id="7" name="Объект 2"/>
+          <p:cNvSpPr txBox="1">
+            <a:spLocks/>
+          </p:cNvSpPr>
           <p:nvPr/>
         </p:nvSpPr>
         <p:spPr>
           <a:xfrm>
-            <a:off x="1962208" y="5743575"/>
-            <a:ext cx="8267584" cy="369332"/>
+            <a:off x="838200" y="3393223"/>
+            <a:ext cx="10668000" cy="2936140"/>
           </a:xfrm>
           <a:prstGeom prst="rect">
             <a:avLst/>
           </a:prstGeom>
-          <a:noFill/>
         </p:spPr>
         <p:txBody>
-          <a:bodyPr wrap="none" rtlCol="0">
-            <a:spAutoFit/>
+          <a:bodyPr vert="horz" lIns="91440" tIns="45720" rIns="91440" bIns="45720" rtlCol="0">
+            <a:noAutofit/>
           </a:bodyPr>
-          <a:lstStyle/>
+          <a:lstStyle>
+            <a:lvl1pPr marL="228600" indent="-228600" algn="l" defTabSz="914400" rtl="0" eaLnBrk="1" latinLnBrk="0" hangingPunct="1">
+              <a:lnSpc>
+                <a:spcPct val="90000"/>
+              </a:lnSpc>
+              <a:spcBef>
+                <a:spcPts val="1000"/>
+              </a:spcBef>
+              <a:buFont typeface="Arial" panose="020B0604020202020204" pitchFamily="34" charset="0"/>
+              <a:buChar char="•"/>
+              <a:defRPr sz="2800" kern="1200">
+                <a:solidFill>
+                  <a:schemeClr val="tx1"/>
+                </a:solidFill>
+                <a:latin typeface="+mn-lt"/>
+                <a:ea typeface="+mn-ea"/>
+                <a:cs typeface="+mn-cs"/>
+              </a:defRPr>
+            </a:lvl1pPr>
+            <a:lvl2pPr marL="685800" indent="-228600" algn="l" defTabSz="914400" rtl="0" eaLnBrk="1" latinLnBrk="0" hangingPunct="1">
+              <a:lnSpc>
+                <a:spcPct val="90000"/>
+              </a:lnSpc>
+              <a:spcBef>
+                <a:spcPts val="500"/>
+              </a:spcBef>
+              <a:buFont typeface="Arial" panose="020B0604020202020204" pitchFamily="34" charset="0"/>
+              <a:buChar char="•"/>
+              <a:defRPr sz="2400" kern="1200">
+                <a:solidFill>
+                  <a:schemeClr val="tx1"/>
+                </a:solidFill>
+                <a:latin typeface="+mn-lt"/>
+                <a:ea typeface="+mn-ea"/>
+                <a:cs typeface="+mn-cs"/>
+              </a:defRPr>
+            </a:lvl2pPr>
+            <a:lvl3pPr marL="1143000" indent="-228600" algn="l" defTabSz="914400" rtl="0" eaLnBrk="1" latinLnBrk="0" hangingPunct="1">
+              <a:lnSpc>
+                <a:spcPct val="90000"/>
+              </a:lnSpc>
+              <a:spcBef>
+                <a:spcPts val="500"/>
+              </a:spcBef>
+              <a:buFont typeface="Arial" panose="020B0604020202020204" pitchFamily="34" charset="0"/>
+              <a:buChar char="•"/>
+              <a:defRPr sz="2000" kern="1200">
+                <a:solidFill>
+                  <a:schemeClr val="tx1"/>
+                </a:solidFill>
+                <a:latin typeface="+mn-lt"/>
+                <a:ea typeface="+mn-ea"/>
+                <a:cs typeface="+mn-cs"/>
+              </a:defRPr>
+            </a:lvl3pPr>
+            <a:lvl4pPr marL="1600200" indent="-228600" algn="l" defTabSz="914400" rtl="0" eaLnBrk="1" latinLnBrk="0" hangingPunct="1">
+              <a:lnSpc>
+                <a:spcPct val="90000"/>
+              </a:lnSpc>
+              <a:spcBef>
+                <a:spcPts val="500"/>
+              </a:spcBef>
+              <a:buFont typeface="Arial" panose="020B0604020202020204" pitchFamily="34" charset="0"/>
+              <a:buChar char="•"/>
+              <a:defRPr sz="1800" kern="1200">
+                <a:solidFill>
+                  <a:schemeClr val="tx1"/>
+                </a:solidFill>
+                <a:latin typeface="+mn-lt"/>
+                <a:ea typeface="+mn-ea"/>
+                <a:cs typeface="+mn-cs"/>
+              </a:defRPr>
+            </a:lvl4pPr>
+            <a:lvl5pPr marL="2057400" indent="-228600" algn="l" defTabSz="914400" rtl="0" eaLnBrk="1" latinLnBrk="0" hangingPunct="1">
+              <a:lnSpc>
+                <a:spcPct val="90000"/>
+              </a:lnSpc>
+              <a:spcBef>
+                <a:spcPts val="500"/>
+              </a:spcBef>
+              <a:buFont typeface="Arial" panose="020B0604020202020204" pitchFamily="34" charset="0"/>
+              <a:buChar char="•"/>
+              <a:defRPr sz="1800" kern="1200">
+                <a:solidFill>
+                  <a:schemeClr val="tx1"/>
+                </a:solidFill>
+                <a:latin typeface="+mn-lt"/>
+                <a:ea typeface="+mn-ea"/>
+                <a:cs typeface="+mn-cs"/>
+              </a:defRPr>
+            </a:lvl5pPr>
+            <a:lvl6pPr marL="2514600" indent="-228600" algn="l" defTabSz="914400" rtl="0" eaLnBrk="1" latinLnBrk="0" hangingPunct="1">
+              <a:lnSpc>
+                <a:spcPct val="90000"/>
+              </a:lnSpc>
+              <a:spcBef>
+                <a:spcPts val="500"/>
+              </a:spcBef>
+              <a:buFont typeface="Arial" panose="020B0604020202020204" pitchFamily="34" charset="0"/>
+              <a:buChar char="•"/>
+              <a:defRPr sz="1800" kern="1200">
+                <a:solidFill>
+                  <a:schemeClr val="tx1"/>
+                </a:solidFill>
+                <a:latin typeface="+mn-lt"/>
+                <a:ea typeface="+mn-ea"/>
+                <a:cs typeface="+mn-cs"/>
+              </a:defRPr>
+            </a:lvl6pPr>
+            <a:lvl7pPr marL="2971800" indent="-228600" algn="l" defTabSz="914400" rtl="0" eaLnBrk="1" latinLnBrk="0" hangingPunct="1">
+              <a:lnSpc>
+                <a:spcPct val="90000"/>
+              </a:lnSpc>
+              <a:spcBef>
+                <a:spcPts val="500"/>
+              </a:spcBef>
+              <a:buFont typeface="Arial" panose="020B0604020202020204" pitchFamily="34" charset="0"/>
+              <a:buChar char="•"/>
+              <a:defRPr sz="1800" kern="1200">
+                <a:solidFill>
+                  <a:schemeClr val="tx1"/>
+                </a:solidFill>
+                <a:latin typeface="+mn-lt"/>
+                <a:ea typeface="+mn-ea"/>
+                <a:cs typeface="+mn-cs"/>
+              </a:defRPr>
+            </a:lvl7pPr>
+            <a:lvl8pPr marL="3429000" indent="-228600" algn="l" defTabSz="914400" rtl="0" eaLnBrk="1" latinLnBrk="0" hangingPunct="1">
+              <a:lnSpc>
+                <a:spcPct val="90000"/>
+              </a:lnSpc>
+              <a:spcBef>
+                <a:spcPts val="500"/>
+              </a:spcBef>
+              <a:buFont typeface="Arial" panose="020B0604020202020204" pitchFamily="34" charset="0"/>
+              <a:buChar char="•"/>
+              <a:defRPr sz="1800" kern="1200">
+                <a:solidFill>
+                  <a:schemeClr val="tx1"/>
+                </a:solidFill>
+                <a:latin typeface="+mn-lt"/>
+                <a:ea typeface="+mn-ea"/>
+                <a:cs typeface="+mn-cs"/>
+              </a:defRPr>
+            </a:lvl8pPr>
+            <a:lvl9pPr marL="3886200" indent="-228600" algn="l" defTabSz="914400" rtl="0" eaLnBrk="1" latinLnBrk="0" hangingPunct="1">
+              <a:lnSpc>
+                <a:spcPct val="90000"/>
+              </a:lnSpc>
+              <a:spcBef>
+                <a:spcPts val="500"/>
+              </a:spcBef>
+              <a:buFont typeface="Arial" panose="020B0604020202020204" pitchFamily="34" charset="0"/>
+              <a:buChar char="•"/>
+              <a:defRPr sz="1800" kern="1200">
+                <a:solidFill>
+                  <a:schemeClr val="tx1"/>
+                </a:solidFill>
+                <a:latin typeface="+mn-lt"/>
+                <a:ea typeface="+mn-ea"/>
+                <a:cs typeface="+mn-cs"/>
+              </a:defRPr>
+            </a:lvl9pPr>
+          </a:lstStyle>
           <a:p>
             <a:r>
               <a:rPr lang="ru-RU" dirty="0" smtClean="0"/>
-              <a:t>Зависимость максимального качества обучения от количества повторов обучения</a:t>
-            </a:r>
-            <a:endParaRPr lang="ru-RU" dirty="0"/>
+              <a:t>Основные метрики:</a:t>
+            </a:r>
+          </a:p>
+          <a:p>
+            <a:pPr lvl="1"/>
+            <a:r>
+              <a:rPr lang="ru-RU" sz="2800" dirty="0" smtClean="0"/>
+              <a:t>процент побед/поражений;</a:t>
+            </a:r>
+          </a:p>
+          <a:p>
+            <a:pPr lvl="1"/>
+            <a:r>
+              <a:rPr lang="ru-RU" sz="2800" dirty="0"/>
+              <a:t>с</a:t>
+            </a:r>
+            <a:r>
+              <a:rPr lang="ru-RU" sz="2800" dirty="0" smtClean="0"/>
+              <a:t>реднее время принятия решения.</a:t>
+            </a:r>
+          </a:p>
+          <a:p>
+            <a:r>
+              <a:rPr lang="ru-RU" dirty="0" smtClean="0"/>
+              <a:t>Дополнительные метрики:</a:t>
+            </a:r>
+          </a:p>
+          <a:p>
+            <a:pPr lvl="1"/>
+            <a:r>
+              <a:rPr lang="ru-RU" sz="2800" dirty="0" smtClean="0"/>
+              <a:t>количество нанесенного и полученного урона;</a:t>
+            </a:r>
+          </a:p>
+          <a:p>
+            <a:pPr lvl="1"/>
+            <a:r>
+              <a:rPr lang="ru-RU" sz="2800" dirty="0"/>
+              <a:t>в</a:t>
+            </a:r>
+            <a:r>
+              <a:rPr lang="ru-RU" sz="2800" dirty="0" smtClean="0"/>
+              <a:t>зята ли аптечка.</a:t>
+            </a:r>
+            <a:endParaRPr lang="ru-RU" sz="2800" dirty="0" smtClean="0"/>
+          </a:p>
+        </p:txBody>
+      </p:sp>
+      <p:sp>
+        <p:nvSpPr>
+          <p:cNvPr id="8" name="Заголовок 1"/>
+          <p:cNvSpPr txBox="1">
+            <a:spLocks/>
+          </p:cNvSpPr>
+          <p:nvPr/>
+        </p:nvSpPr>
+        <p:spPr>
+          <a:xfrm>
+            <a:off x="838200" y="2843948"/>
+            <a:ext cx="10515600" cy="549275"/>
+          </a:xfrm>
+          <a:prstGeom prst="rect">
+            <a:avLst/>
+          </a:prstGeom>
+        </p:spPr>
+        <p:txBody>
+          <a:bodyPr vert="horz" lIns="91440" tIns="45720" rIns="91440" bIns="45720" rtlCol="0" anchor="ctr">
+            <a:normAutofit fontScale="90000" lnSpcReduction="10000"/>
+          </a:bodyPr>
+          <a:lstStyle>
+            <a:lvl1pPr algn="l" defTabSz="914400" rtl="0" eaLnBrk="1" latinLnBrk="0" hangingPunct="1">
+              <a:lnSpc>
+                <a:spcPct val="90000"/>
+              </a:lnSpc>
+              <a:spcBef>
+                <a:spcPct val="0"/>
+              </a:spcBef>
+              <a:buNone/>
+              <a:defRPr sz="4400" kern="1200">
+                <a:solidFill>
+                  <a:schemeClr val="tx1"/>
+                </a:solidFill>
+                <a:latin typeface="+mj-lt"/>
+                <a:ea typeface="+mj-ea"/>
+                <a:cs typeface="+mj-cs"/>
+              </a:defRPr>
+            </a:lvl1pPr>
+          </a:lstStyle>
+          <a:p>
+            <a:r>
+              <a:rPr lang="ru-RU" sz="4000" dirty="0" smtClean="0"/>
+              <a:t>Критерии сравнения методов</a:t>
+            </a:r>
+            <a:endParaRPr lang="ru-RU" sz="4000" dirty="0"/>
           </a:p>
         </p:txBody>
       </p:sp>
     </p:spTree>
     <p:extLst>
       <p:ext uri="{BB962C8B-B14F-4D97-AF65-F5344CB8AC3E}">
-        <p14:creationId xmlns:p14="http://schemas.microsoft.com/office/powerpoint/2010/main" val="3688600069"/>
+        <p14:creationId xmlns:p14="http://schemas.microsoft.com/office/powerpoint/2010/main" val="343064278"/>
       </p:ext>
     </p:extLst>
   </p:cSld>
   <p:clrMapOvr>
     <a:masterClrMapping/>
   </p:clrMapOvr>
+  <p:timing>
+    <p:tnLst>
+      <p:par>
+        <p:cTn id="1" dur="indefinite" restart="never" nodeType="tmRoot"/>
+      </p:par>
+    </p:tnLst>
+  </p:timing>
 </p:sld>
 </file>
 
@@ -16764,35 +17507,7 @@
         <p:spPr>
           <a:xfrm>
             <a:off x="838200" y="365125"/>
-            <a:ext cx="10515600" cy="854075"/>
-          </a:xfrm>
-        </p:spPr>
-        <p:txBody>
-          <a:bodyPr/>
-          <a:lstStyle/>
-          <a:p>
-            <a:r>
-              <a:rPr lang="ru-RU" dirty="0" smtClean="0"/>
-              <a:t>Нейронные сети (вывод)</a:t>
-            </a:r>
-            <a:endParaRPr lang="ru-RU" dirty="0"/>
-          </a:p>
-        </p:txBody>
-      </p:sp>
-      <p:sp>
-        <p:nvSpPr>
-          <p:cNvPr id="3" name="Объект 2"/>
-          <p:cNvSpPr>
-            <a:spLocks noGrp="1"/>
-          </p:cNvSpPr>
-          <p:nvPr>
-            <p:ph idx="1"/>
-          </p:nvPr>
-        </p:nvSpPr>
-        <p:spPr>
-          <a:xfrm>
-            <a:off x="838200" y="1295400"/>
-            <a:ext cx="10515600" cy="4881563"/>
+            <a:ext cx="10515600" cy="654049"/>
           </a:xfrm>
         </p:spPr>
         <p:txBody>
@@ -16801,79 +17516,17 @@
           </a:bodyPr>
           <a:lstStyle/>
           <a:p>
-            <a:pPr marL="0" indent="0">
-              <a:buNone/>
-            </a:pPr>
-            <a:r>
-              <a:rPr lang="ru-RU" dirty="0" smtClean="0"/>
-              <a:t>Преимущества</a:t>
-            </a:r>
-          </a:p>
-          <a:p>
-            <a:pPr lvl="1">
-              <a:buFont typeface="Arial" panose="020B0604020202020204" pitchFamily="34" charset="0"/>
-              <a:buChar char="•"/>
-            </a:pPr>
-            <a:r>
-              <a:rPr lang="ru-RU" dirty="0" smtClean="0"/>
-              <a:t>Аппроксимация всего пространства значений входных переменных по нескольким известным значениям</a:t>
-            </a:r>
-          </a:p>
-          <a:p>
-            <a:pPr lvl="1">
-              <a:buFont typeface="Arial" panose="020B0604020202020204" pitchFamily="34" charset="0"/>
-              <a:buChar char="•"/>
-            </a:pPr>
-            <a:r>
-              <a:rPr lang="ru-RU" dirty="0" smtClean="0"/>
-              <a:t>Агент может реагировать на состояние окружающего мира, не описанное разработчиком при проектировании</a:t>
-            </a:r>
-          </a:p>
-          <a:p>
-            <a:pPr marL="0" indent="0">
-              <a:buNone/>
-            </a:pPr>
-            <a:r>
-              <a:rPr lang="ru-RU" dirty="0" smtClean="0"/>
-              <a:t>Недостатки</a:t>
-            </a:r>
-          </a:p>
-          <a:p>
-            <a:pPr lvl="1">
-              <a:buFont typeface="Arial" panose="020B0604020202020204" pitchFamily="34" charset="0"/>
-              <a:buChar char="•"/>
-            </a:pPr>
-            <a:r>
-              <a:rPr lang="ru-RU" dirty="0" smtClean="0"/>
-              <a:t>Сложно отлаживать, т.к. нельзя определить, почему именно нейронная сеть выдала определенный результат</a:t>
-            </a:r>
-          </a:p>
-          <a:p>
-            <a:pPr lvl="1">
-              <a:buFont typeface="Arial" panose="020B0604020202020204" pitchFamily="34" charset="0"/>
-              <a:buChar char="•"/>
-            </a:pPr>
-            <a:r>
-              <a:rPr lang="ru-RU" dirty="0" smtClean="0"/>
-              <a:t>Сложно корректировать поведение, т.к. для внесения изменений требуется переобучение</a:t>
-            </a:r>
-          </a:p>
-          <a:p>
-            <a:pPr lvl="1">
-              <a:buFont typeface="Arial" panose="020B0604020202020204" pitchFamily="34" charset="0"/>
-              <a:buChar char="•"/>
-            </a:pPr>
-            <a:r>
-              <a:rPr lang="ru-RU" dirty="0" smtClean="0"/>
-              <a:t>Сложно реализовать реакцию на редкую ситуацию, т.к. для нее будет мало записей в обучающем множестве</a:t>
-            </a:r>
-            <a:endParaRPr lang="ru-RU" dirty="0"/>
+            <a:r>
+              <a:rPr lang="ru-RU" sz="4000" dirty="0" smtClean="0"/>
+              <a:t>Сравнение агентов (основные критерии)</a:t>
+            </a:r>
+            <a:endParaRPr lang="ru-RU" sz="4000" dirty="0"/>
           </a:p>
         </p:txBody>
       </p:sp>
       <p:sp>
         <p:nvSpPr>
-          <p:cNvPr id="5" name="Нижний колонтитул 4"/>
+          <p:cNvPr id="3" name="Нижний колонтитул 2"/>
           <p:cNvSpPr>
             <a:spLocks noGrp="1"/>
           </p:cNvSpPr>
@@ -16887,16 +17540,16 @@
           <a:lstStyle/>
           <a:p>
             <a:r>
-              <a:rPr lang="ru-RU" smtClean="0"/>
+              <a:rPr lang="ru-RU" dirty="0" smtClean="0"/>
               <a:t>Приходько Е.В. Исследование методов моделирования принятия решений на примере ботов в компьютерной игре</a:t>
             </a:r>
-            <a:endParaRPr lang="ru-RU"/>
+            <a:endParaRPr lang="ru-RU" dirty="0"/>
           </a:p>
         </p:txBody>
       </p:sp>
       <p:sp>
         <p:nvSpPr>
-          <p:cNvPr id="6" name="Номер слайда 5"/>
+          <p:cNvPr id="4" name="Номер слайда 3"/>
           <p:cNvSpPr>
             <a:spLocks noGrp="1"/>
           </p:cNvSpPr>
@@ -16914,20 +17567,77 @@
               <a:pPr/>
               <a:t>18</a:t>
             </a:fld>
-            <a:endParaRPr lang="ru-RU" dirty="0" smtClean="0"/>
+            <a:endParaRPr lang="ru-RU" dirty="0"/>
           </a:p>
         </p:txBody>
       </p:sp>
+      <p:graphicFrame>
+        <p:nvGraphicFramePr>
+          <p:cNvPr id="8" name="Объект 7"/>
+          <p:cNvGraphicFramePr>
+            <a:graphicFrameLocks noGrp="1"/>
+          </p:cNvGraphicFramePr>
+          <p:nvPr>
+            <p:ph sz="half" idx="1"/>
+            <p:extLst>
+              <p:ext uri="{D42A27DB-BD31-4B8C-83A1-F6EECF244321}">
+                <p14:modId xmlns:p14="http://schemas.microsoft.com/office/powerpoint/2010/main" val="4076057179"/>
+              </p:ext>
+            </p:extLst>
+          </p:nvPr>
+        </p:nvGraphicFramePr>
+        <p:xfrm>
+          <a:off x="400594" y="1019174"/>
+          <a:ext cx="5619206" cy="5157789"/>
+        </p:xfrm>
+        <a:graphic>
+          <a:graphicData uri="http://schemas.openxmlformats.org/drawingml/2006/chart">
+            <c:chart xmlns:c="http://schemas.openxmlformats.org/drawingml/2006/chart" xmlns:r="http://schemas.openxmlformats.org/officeDocument/2006/relationships" r:id="rId3"/>
+          </a:graphicData>
+        </a:graphic>
+      </p:graphicFrame>
+      <p:graphicFrame>
+        <p:nvGraphicFramePr>
+          <p:cNvPr id="10" name="Объект 9"/>
+          <p:cNvGraphicFramePr>
+            <a:graphicFrameLocks noGrp="1"/>
+          </p:cNvGraphicFramePr>
+          <p:nvPr>
+            <p:ph sz="half" idx="2"/>
+            <p:extLst>
+              <p:ext uri="{D42A27DB-BD31-4B8C-83A1-F6EECF244321}">
+                <p14:modId xmlns:p14="http://schemas.microsoft.com/office/powerpoint/2010/main" val="3224039143"/>
+              </p:ext>
+            </p:extLst>
+          </p:nvPr>
+        </p:nvGraphicFramePr>
+        <p:xfrm>
+          <a:off x="6172199" y="957943"/>
+          <a:ext cx="5584371" cy="5219020"/>
+        </p:xfrm>
+        <a:graphic>
+          <a:graphicData uri="http://schemas.openxmlformats.org/drawingml/2006/chart">
+            <c:chart xmlns:c="http://schemas.openxmlformats.org/drawingml/2006/chart" xmlns:r="http://schemas.openxmlformats.org/officeDocument/2006/relationships" r:id="rId4"/>
+          </a:graphicData>
+        </a:graphic>
+      </p:graphicFrame>
     </p:spTree>
     <p:extLst>
       <p:ext uri="{BB962C8B-B14F-4D97-AF65-F5344CB8AC3E}">
-        <p14:creationId xmlns:p14="http://schemas.microsoft.com/office/powerpoint/2010/main" val="4205147619"/>
+        <p14:creationId xmlns:p14="http://schemas.microsoft.com/office/powerpoint/2010/main" val="3388700804"/>
       </p:ext>
     </p:extLst>
   </p:cSld>
   <p:clrMapOvr>
     <a:masterClrMapping/>
   </p:clrMapOvr>
+  <p:timing>
+    <p:tnLst>
+      <p:par>
+        <p:cTn id="1" dur="indefinite" restart="never" nodeType="tmRoot"/>
+      </p:par>
+    </p:tnLst>
+  </p:timing>
 </p:sld>
 </file>
 
@@ -16960,8 +17670,8 @@
         </p:nvSpPr>
         <p:spPr>
           <a:xfrm>
-            <a:off x="838200" y="365125"/>
-            <a:ext cx="10515600" cy="835025"/>
+            <a:off x="676275" y="286603"/>
+            <a:ext cx="10758079" cy="646847"/>
           </a:xfrm>
         </p:spPr>
         <p:txBody>
@@ -16972,7 +17682,7 @@
           <a:p>
             <a:r>
               <a:rPr lang="ru-RU" sz="4000" dirty="0" smtClean="0"/>
-              <a:t>Сравнение методов</a:t>
+              <a:t>Сравнение агентов (дополнительные критерии)</a:t>
             </a:r>
             <a:endParaRPr lang="ru-RU" sz="4000" dirty="0"/>
           </a:p>
@@ -16980,140 +17690,7 @@
       </p:sp>
       <p:sp>
         <p:nvSpPr>
-          <p:cNvPr id="3" name="Объект 2"/>
-          <p:cNvSpPr>
-            <a:spLocks noGrp="1"/>
-          </p:cNvSpPr>
-          <p:nvPr>
-            <p:ph idx="1"/>
-          </p:nvPr>
-        </p:nvSpPr>
-        <p:spPr>
-          <a:xfrm>
-            <a:off x="838200" y="1524000"/>
-            <a:ext cx="10515600" cy="4652963"/>
-          </a:xfrm>
-        </p:spPr>
-        <p:txBody>
-          <a:bodyPr/>
-          <a:lstStyle/>
-          <a:p>
-            <a:pPr>
-              <a:buFont typeface="Arial" panose="020B0604020202020204" pitchFamily="34" charset="0"/>
-              <a:buChar char="•"/>
-            </a:pPr>
-            <a:r>
-              <a:rPr lang="ru-RU" dirty="0" smtClean="0"/>
-              <a:t>Игра реализованных ботов друг против друга</a:t>
-            </a:r>
-          </a:p>
-          <a:p>
-            <a:pPr>
-              <a:buFont typeface="Arial" panose="020B0604020202020204" pitchFamily="34" charset="0"/>
-              <a:buChar char="•"/>
-            </a:pPr>
-            <a:r>
-              <a:rPr lang="ru-RU" dirty="0" smtClean="0"/>
-              <a:t>Сбор данных в базу данных, под управлением СУБД </a:t>
-            </a:r>
-            <a:r>
-              <a:rPr lang="en-US" dirty="0" smtClean="0"/>
-              <a:t>SQLite</a:t>
-            </a:r>
-            <a:endParaRPr lang="ru-RU" dirty="0" smtClean="0"/>
-          </a:p>
-          <a:p>
-            <a:pPr>
-              <a:buFont typeface="Arial" panose="020B0604020202020204" pitchFamily="34" charset="0"/>
-              <a:buChar char="•"/>
-            </a:pPr>
-            <a:r>
-              <a:rPr lang="ru-RU" dirty="0" smtClean="0"/>
-              <a:t>Обработка данных с помощью </a:t>
-            </a:r>
-            <a:r>
-              <a:rPr lang="en-US" dirty="0" smtClean="0"/>
-              <a:t>SQL</a:t>
-            </a:r>
-            <a:r>
-              <a:rPr lang="ru-RU" dirty="0" smtClean="0"/>
-              <a:t> и </a:t>
-            </a:r>
-            <a:r>
-              <a:rPr lang="en-US" dirty="0" smtClean="0"/>
-              <a:t>MATLAB</a:t>
-            </a:r>
-            <a:endParaRPr lang="ru-RU" dirty="0" smtClean="0"/>
-          </a:p>
-          <a:p>
-            <a:pPr>
-              <a:buFont typeface="Arial" panose="020B0604020202020204" pitchFamily="34" charset="0"/>
-              <a:buChar char="•"/>
-            </a:pPr>
-            <a:r>
-              <a:rPr lang="ru-RU" dirty="0" smtClean="0"/>
-              <a:t>Основные критерии сравнения</a:t>
-            </a:r>
-          </a:p>
-          <a:p>
-            <a:pPr lvl="1">
-              <a:buFont typeface="Arial" panose="020B0604020202020204" pitchFamily="34" charset="0"/>
-              <a:buChar char="•"/>
-            </a:pPr>
-            <a:r>
-              <a:rPr lang="ru-RU" dirty="0" smtClean="0"/>
-              <a:t>Процент побед/поражений/ничьих</a:t>
-            </a:r>
-          </a:p>
-          <a:p>
-            <a:pPr lvl="1">
-              <a:buFont typeface="Arial" panose="020B0604020202020204" pitchFamily="34" charset="0"/>
-              <a:buChar char="•"/>
-            </a:pPr>
-            <a:r>
-              <a:rPr lang="ru-RU" dirty="0"/>
-              <a:t>Среднее время принятия </a:t>
-            </a:r>
-            <a:r>
-              <a:rPr lang="ru-RU" dirty="0" smtClean="0"/>
-              <a:t>решения</a:t>
-            </a:r>
-          </a:p>
-          <a:p>
-            <a:pPr>
-              <a:buFont typeface="Arial" panose="020B0604020202020204" pitchFamily="34" charset="0"/>
-              <a:buChar char="•"/>
-            </a:pPr>
-            <a:r>
-              <a:rPr lang="ru-RU" dirty="0" smtClean="0"/>
-              <a:t>Дополнительные критерии сравнения</a:t>
-            </a:r>
-          </a:p>
-          <a:p>
-            <a:pPr lvl="1">
-              <a:buFont typeface="Arial" panose="020B0604020202020204" pitchFamily="34" charset="0"/>
-              <a:buChar char="•"/>
-            </a:pPr>
-            <a:r>
-              <a:rPr lang="ru-RU" dirty="0" smtClean="0"/>
-              <a:t>Количество нанесенного и полученного урона</a:t>
-            </a:r>
-          </a:p>
-          <a:p>
-            <a:pPr lvl="1">
-              <a:buFont typeface="Arial" panose="020B0604020202020204" pitchFamily="34" charset="0"/>
-              <a:buChar char="•"/>
-            </a:pPr>
-            <a:r>
-              <a:rPr lang="ru-RU" dirty="0" smtClean="0"/>
-              <a:t>Взята ли аптечка</a:t>
-            </a:r>
-          </a:p>
-        </p:txBody>
-      </p:sp>
-      <p:sp>
-        <p:nvSpPr>
-          <p:cNvPr id="5" name="Нижний колонтитул 4"/>
+          <p:cNvPr id="3" name="Нижний колонтитул 2"/>
           <p:cNvSpPr>
             <a:spLocks noGrp="1"/>
           </p:cNvSpPr>
@@ -17136,7 +17713,7 @@
       </p:sp>
       <p:sp>
         <p:nvSpPr>
-          <p:cNvPr id="6" name="Номер слайда 5"/>
+          <p:cNvPr id="4" name="Номер слайда 3"/>
           <p:cNvSpPr>
             <a:spLocks noGrp="1"/>
           </p:cNvSpPr>
@@ -17154,14 +17731,64 @@
               <a:pPr/>
               <a:t>19</a:t>
             </a:fld>
-            <a:endParaRPr lang="ru-RU" dirty="0" smtClean="0"/>
+            <a:endParaRPr lang="ru-RU" dirty="0"/>
           </a:p>
         </p:txBody>
       </p:sp>
+      <p:graphicFrame>
+        <p:nvGraphicFramePr>
+          <p:cNvPr id="8" name="Объект 7"/>
+          <p:cNvGraphicFramePr>
+            <a:graphicFrameLocks noGrp="1"/>
+          </p:cNvGraphicFramePr>
+          <p:nvPr>
+            <p:ph sz="half" idx="1"/>
+            <p:extLst>
+              <p:ext uri="{D42A27DB-BD31-4B8C-83A1-F6EECF244321}">
+                <p14:modId xmlns:p14="http://schemas.microsoft.com/office/powerpoint/2010/main" val="167844297"/>
+              </p:ext>
+            </p:extLst>
+          </p:nvPr>
+        </p:nvGraphicFramePr>
+        <p:xfrm>
+          <a:off x="383177" y="933450"/>
+          <a:ext cx="5636623" cy="5243513"/>
+        </p:xfrm>
+        <a:graphic>
+          <a:graphicData uri="http://schemas.openxmlformats.org/drawingml/2006/chart">
+            <c:chart xmlns:c="http://schemas.openxmlformats.org/drawingml/2006/chart" xmlns:r="http://schemas.openxmlformats.org/officeDocument/2006/relationships" r:id="rId3"/>
+          </a:graphicData>
+        </a:graphic>
+      </p:graphicFrame>
+      <p:graphicFrame>
+        <p:nvGraphicFramePr>
+          <p:cNvPr id="10" name="Объект 9"/>
+          <p:cNvGraphicFramePr>
+            <a:graphicFrameLocks noGrp="1"/>
+          </p:cNvGraphicFramePr>
+          <p:nvPr>
+            <p:ph sz="half" idx="2"/>
+            <p:extLst>
+              <p:ext uri="{D42A27DB-BD31-4B8C-83A1-F6EECF244321}">
+                <p14:modId xmlns:p14="http://schemas.microsoft.com/office/powerpoint/2010/main" val="377932824"/>
+              </p:ext>
+            </p:extLst>
+          </p:nvPr>
+        </p:nvGraphicFramePr>
+        <p:xfrm>
+          <a:off x="6172200" y="933450"/>
+          <a:ext cx="5610498" cy="5243513"/>
+        </p:xfrm>
+        <a:graphic>
+          <a:graphicData uri="http://schemas.openxmlformats.org/drawingml/2006/chart">
+            <c:chart xmlns:c="http://schemas.openxmlformats.org/drawingml/2006/chart" xmlns:r="http://schemas.openxmlformats.org/officeDocument/2006/relationships" r:id="rId4"/>
+          </a:graphicData>
+        </a:graphic>
+      </p:graphicFrame>
     </p:spTree>
     <p:extLst>
       <p:ext uri="{BB962C8B-B14F-4D97-AF65-F5344CB8AC3E}">
-        <p14:creationId xmlns:p14="http://schemas.microsoft.com/office/powerpoint/2010/main" val="343064278"/>
+        <p14:creationId xmlns:p14="http://schemas.microsoft.com/office/powerpoint/2010/main" val="496624848"/>
       </p:ext>
     </p:extLst>
   </p:cSld>
@@ -17236,8 +17863,8 @@
         </p:nvSpPr>
         <p:spPr>
           <a:xfrm>
-            <a:off x="418010" y="1123406"/>
-            <a:ext cx="6069875" cy="5232943"/>
+            <a:off x="108642" y="1123406"/>
+            <a:ext cx="6699564" cy="5232943"/>
           </a:xfrm>
         </p:spPr>
         <p:txBody>
@@ -17264,8 +17891,13 @@
             </a:pPr>
             <a:r>
               <a:rPr lang="ru-RU" sz="2800" dirty="0"/>
-              <a:t>Распознавание образов</a:t>
-            </a:r>
+              <a:t>р</a:t>
+            </a:r>
+            <a:r>
+              <a:rPr lang="ru-RU" sz="2800" dirty="0" smtClean="0"/>
+              <a:t>аспознавание образов;</a:t>
+            </a:r>
+            <a:endParaRPr lang="ru-RU" sz="2800" dirty="0"/>
           </a:p>
           <a:p>
             <a:pPr lvl="1">
@@ -17274,8 +17906,13 @@
             </a:pPr>
             <a:r>
               <a:rPr lang="ru-RU" sz="2800" dirty="0"/>
-              <a:t>Распознавание голоса</a:t>
-            </a:r>
+              <a:t>р</a:t>
+            </a:r>
+            <a:r>
+              <a:rPr lang="ru-RU" sz="2800" dirty="0" smtClean="0"/>
+              <a:t>аспознавание голоса;</a:t>
+            </a:r>
+            <a:endParaRPr lang="ru-RU" sz="2800" dirty="0"/>
           </a:p>
           <a:p>
             <a:pPr lvl="1">
@@ -17284,8 +17921,13 @@
             </a:pPr>
             <a:r>
               <a:rPr lang="ru-RU" sz="2800" dirty="0"/>
-              <a:t>Экспертные системы</a:t>
-            </a:r>
+              <a:t>э</a:t>
+            </a:r>
+            <a:r>
+              <a:rPr lang="ru-RU" sz="2800" dirty="0" smtClean="0"/>
+              <a:t>кспертные системы;</a:t>
+            </a:r>
+            <a:endParaRPr lang="ru-RU" sz="2800" dirty="0"/>
           </a:p>
           <a:p>
             <a:pPr lvl="1">
@@ -17294,8 +17936,13 @@
             </a:pPr>
             <a:r>
               <a:rPr lang="ru-RU" sz="2800" dirty="0"/>
-              <a:t>Промышленные контроллеры</a:t>
-            </a:r>
+              <a:t>п</a:t>
+            </a:r>
+            <a:r>
+              <a:rPr lang="ru-RU" sz="2800" dirty="0" smtClean="0"/>
+              <a:t>ромышленные контроллеры;</a:t>
+            </a:r>
+            <a:endParaRPr lang="ru-RU" sz="2800" dirty="0"/>
           </a:p>
           <a:p>
             <a:pPr lvl="1">
@@ -17304,8 +17951,21 @@
             </a:pPr>
             <a:r>
               <a:rPr lang="ru-RU" sz="2800" dirty="0"/>
-              <a:t>Системы «Умный дом»</a:t>
-            </a:r>
+              <a:t>с</a:t>
+            </a:r>
+            <a:r>
+              <a:rPr lang="ru-RU" sz="2800" dirty="0" smtClean="0"/>
+              <a:t>истемы </a:t>
+            </a:r>
+            <a:r>
+              <a:rPr lang="ru-RU" sz="2800" dirty="0"/>
+              <a:t>«Умный дом</a:t>
+            </a:r>
+            <a:r>
+              <a:rPr lang="ru-RU" sz="2800" dirty="0" smtClean="0"/>
+              <a:t>»;</a:t>
+            </a:r>
+            <a:endParaRPr lang="ru-RU" sz="2800" dirty="0"/>
           </a:p>
           <a:p>
             <a:pPr lvl="1">
@@ -17314,8 +17974,13 @@
             </a:pPr>
             <a:r>
               <a:rPr lang="ru-RU" sz="2800" dirty="0"/>
-              <a:t>Робототехника</a:t>
-            </a:r>
+              <a:t>р</a:t>
+            </a:r>
+            <a:r>
+              <a:rPr lang="ru-RU" sz="2800" dirty="0" smtClean="0"/>
+              <a:t>обототехника;</a:t>
+            </a:r>
+            <a:endParaRPr lang="ru-RU" sz="2800" dirty="0"/>
           </a:p>
           <a:p>
             <a:pPr lvl="1">
@@ -17324,18 +17989,13 @@
             </a:pPr>
             <a:r>
               <a:rPr lang="ru-RU" sz="2800" dirty="0"/>
-              <a:t>Игровые боты</a:t>
-            </a:r>
-          </a:p>
-          <a:p>
-            <a:pPr lvl="1">
-              <a:buFont typeface="Arial" panose="020B0604020202020204" pitchFamily="34" charset="0"/>
-              <a:buChar char="•"/>
-            </a:pPr>
-            <a:r>
-              <a:rPr lang="ru-RU" sz="2800" dirty="0"/>
-              <a:t>…</a:t>
-            </a:r>
+              <a:t>и</a:t>
+            </a:r>
+            <a:r>
+              <a:rPr lang="ru-RU" sz="2800" dirty="0" smtClean="0"/>
+              <a:t>гровые системы.</a:t>
+            </a:r>
+            <a:endParaRPr lang="ru-RU" sz="2800" dirty="0"/>
           </a:p>
         </p:txBody>
       </p:sp>
@@ -17363,8 +18023,8 @@
         </p:blipFill>
         <p:spPr>
           <a:xfrm>
-            <a:off x="6122126" y="1578725"/>
-            <a:ext cx="5547359" cy="3704403"/>
+            <a:off x="5640310" y="1421847"/>
+            <a:ext cx="6011069" cy="4014058"/>
           </a:xfrm>
           <a:prstGeom prst="rect">
             <a:avLst/>
@@ -17426,7 +18086,7 @@
         </p:nvSpPr>
         <p:spPr>
           <a:xfrm>
-            <a:off x="8131175" y="5464909"/>
+            <a:off x="7977266" y="5549680"/>
             <a:ext cx="1641475" cy="369332"/>
           </a:xfrm>
           <a:prstGeom prst="rect">
@@ -17497,340 +18157,14 @@
         </p:nvSpPr>
         <p:spPr>
           <a:xfrm>
-            <a:off x="838200" y="365125"/>
-            <a:ext cx="10515600" cy="654049"/>
+            <a:off x="838200" y="86627"/>
+            <a:ext cx="10515600" cy="755651"/>
           </a:xfrm>
         </p:spPr>
         <p:txBody>
           <a:bodyPr>
             <a:normAutofit/>
           </a:bodyPr>
-          <a:lstStyle/>
-          <a:p>
-            <a:r>
-              <a:rPr lang="ru-RU" sz="4000" dirty="0" smtClean="0"/>
-              <a:t>Сравнение агентов (основные критерии)</a:t>
-            </a:r>
-            <a:endParaRPr lang="ru-RU" sz="4000" dirty="0"/>
-          </a:p>
-        </p:txBody>
-      </p:sp>
-      <p:sp>
-        <p:nvSpPr>
-          <p:cNvPr id="3" name="Нижний колонтитул 2"/>
-          <p:cNvSpPr>
-            <a:spLocks noGrp="1"/>
-          </p:cNvSpPr>
-          <p:nvPr>
-            <p:ph type="ftr" sz="quarter" idx="11"/>
-          </p:nvPr>
-        </p:nvSpPr>
-        <p:spPr/>
-        <p:txBody>
-          <a:bodyPr/>
-          <a:lstStyle/>
-          <a:p>
-            <a:r>
-              <a:rPr lang="ru-RU" smtClean="0"/>
-              <a:t>Приходько Е.В. Исследование методов моделирования принятия решений на примере ботов в компьютерной игре</a:t>
-            </a:r>
-            <a:endParaRPr lang="ru-RU"/>
-          </a:p>
-        </p:txBody>
-      </p:sp>
-      <p:sp>
-        <p:nvSpPr>
-          <p:cNvPr id="4" name="Номер слайда 3"/>
-          <p:cNvSpPr>
-            <a:spLocks noGrp="1"/>
-          </p:cNvSpPr>
-          <p:nvPr>
-            <p:ph type="sldNum" sz="quarter" idx="12"/>
-          </p:nvPr>
-        </p:nvSpPr>
-        <p:spPr/>
-        <p:txBody>
-          <a:bodyPr/>
-          <a:lstStyle/>
-          <a:p>
-            <a:fld id="{E58024C2-D31D-4875-8231-7C9AE6162281}" type="slidenum">
-              <a:rPr lang="ru-RU" smtClean="0"/>
-              <a:pPr/>
-              <a:t>20</a:t>
-            </a:fld>
-            <a:endParaRPr lang="ru-RU" dirty="0"/>
-          </a:p>
-        </p:txBody>
-      </p:sp>
-      <p:graphicFrame>
-        <p:nvGraphicFramePr>
-          <p:cNvPr id="8" name="Объект 7"/>
-          <p:cNvGraphicFramePr>
-            <a:graphicFrameLocks noGrp="1"/>
-          </p:cNvGraphicFramePr>
-          <p:nvPr>
-            <p:ph sz="half" idx="1"/>
-            <p:extLst>
-              <p:ext uri="{D42A27DB-BD31-4B8C-83A1-F6EECF244321}">
-                <p14:modId xmlns:p14="http://schemas.microsoft.com/office/powerpoint/2010/main" val="2424277557"/>
-              </p:ext>
-            </p:extLst>
-          </p:nvPr>
-        </p:nvGraphicFramePr>
-        <p:xfrm>
-          <a:off x="400594" y="1019174"/>
-          <a:ext cx="5619206" cy="5157789"/>
-        </p:xfrm>
-        <a:graphic>
-          <a:graphicData uri="http://schemas.openxmlformats.org/drawingml/2006/chart">
-            <c:chart xmlns:c="http://schemas.openxmlformats.org/drawingml/2006/chart" xmlns:r="http://schemas.openxmlformats.org/officeDocument/2006/relationships" r:id="rId2"/>
-          </a:graphicData>
-        </a:graphic>
-      </p:graphicFrame>
-      <p:graphicFrame>
-        <p:nvGraphicFramePr>
-          <p:cNvPr id="10" name="Объект 9"/>
-          <p:cNvGraphicFramePr>
-            <a:graphicFrameLocks noGrp="1"/>
-          </p:cNvGraphicFramePr>
-          <p:nvPr>
-            <p:ph sz="half" idx="2"/>
-            <p:extLst>
-              <p:ext uri="{D42A27DB-BD31-4B8C-83A1-F6EECF244321}">
-                <p14:modId xmlns:p14="http://schemas.microsoft.com/office/powerpoint/2010/main" val="3921714113"/>
-              </p:ext>
-            </p:extLst>
-          </p:nvPr>
-        </p:nvGraphicFramePr>
-        <p:xfrm>
-          <a:off x="6172199" y="957943"/>
-          <a:ext cx="5584371" cy="5219020"/>
-        </p:xfrm>
-        <a:graphic>
-          <a:graphicData uri="http://schemas.openxmlformats.org/drawingml/2006/chart">
-            <c:chart xmlns:c="http://schemas.openxmlformats.org/drawingml/2006/chart" xmlns:r="http://schemas.openxmlformats.org/officeDocument/2006/relationships" r:id="rId3"/>
-          </a:graphicData>
-        </a:graphic>
-      </p:graphicFrame>
-    </p:spTree>
-    <p:extLst>
-      <p:ext uri="{BB962C8B-B14F-4D97-AF65-F5344CB8AC3E}">
-        <p14:creationId xmlns:p14="http://schemas.microsoft.com/office/powerpoint/2010/main" val="3388700804"/>
-      </p:ext>
-    </p:extLst>
-  </p:cSld>
-  <p:clrMapOvr>
-    <a:masterClrMapping/>
-  </p:clrMapOvr>
-  <p:timing>
-    <p:tnLst>
-      <p:par>
-        <p:cTn id="1" dur="indefinite" restart="never" nodeType="tmRoot"/>
-      </p:par>
-    </p:tnLst>
-  </p:timing>
-</p:sld>
-</file>
-
-<file path=ppt/slides/slide21.xml><?xml version="1.0" encoding="utf-8"?>
-<p:sld xmlns:a="http://schemas.openxmlformats.org/drawingml/2006/main" xmlns:r="http://schemas.openxmlformats.org/officeDocument/2006/relationships" xmlns:p="http://schemas.openxmlformats.org/presentationml/2006/main">
-  <p:cSld>
-    <p:spTree>
-      <p:nvGrpSpPr>
-        <p:cNvPr id="1" name=""/>
-        <p:cNvGrpSpPr/>
-        <p:nvPr/>
-      </p:nvGrpSpPr>
-      <p:grpSpPr>
-        <a:xfrm>
-          <a:off x="0" y="0"/>
-          <a:ext cx="0" cy="0"/>
-          <a:chOff x="0" y="0"/>
-          <a:chExt cx="0" cy="0"/>
-        </a:xfrm>
-      </p:grpSpPr>
-      <p:sp>
-        <p:nvSpPr>
-          <p:cNvPr id="2" name="Заголовок 1"/>
-          <p:cNvSpPr>
-            <a:spLocks noGrp="1"/>
-          </p:cNvSpPr>
-          <p:nvPr>
-            <p:ph type="title"/>
-          </p:nvPr>
-        </p:nvSpPr>
-        <p:spPr>
-          <a:xfrm>
-            <a:off x="676275" y="286603"/>
-            <a:ext cx="10758079" cy="646847"/>
-          </a:xfrm>
-        </p:spPr>
-        <p:txBody>
-          <a:bodyPr>
-            <a:normAutofit/>
-          </a:bodyPr>
-          <a:lstStyle/>
-          <a:p>
-            <a:r>
-              <a:rPr lang="ru-RU" sz="4000" dirty="0" smtClean="0"/>
-              <a:t>Сравнение агентов (дополнительные критерии)</a:t>
-            </a:r>
-            <a:endParaRPr lang="ru-RU" sz="4000" dirty="0"/>
-          </a:p>
-        </p:txBody>
-      </p:sp>
-      <p:sp>
-        <p:nvSpPr>
-          <p:cNvPr id="3" name="Нижний колонтитул 2"/>
-          <p:cNvSpPr>
-            <a:spLocks noGrp="1"/>
-          </p:cNvSpPr>
-          <p:nvPr>
-            <p:ph type="ftr" sz="quarter" idx="11"/>
-          </p:nvPr>
-        </p:nvSpPr>
-        <p:spPr/>
-        <p:txBody>
-          <a:bodyPr/>
-          <a:lstStyle/>
-          <a:p>
-            <a:r>
-              <a:rPr lang="ru-RU" smtClean="0"/>
-              <a:t>Приходько Е.В. Исследование методов моделирования принятия решений на примере ботов в компьютерной игре</a:t>
-            </a:r>
-            <a:endParaRPr lang="ru-RU"/>
-          </a:p>
-        </p:txBody>
-      </p:sp>
-      <p:sp>
-        <p:nvSpPr>
-          <p:cNvPr id="4" name="Номер слайда 3"/>
-          <p:cNvSpPr>
-            <a:spLocks noGrp="1"/>
-          </p:cNvSpPr>
-          <p:nvPr>
-            <p:ph type="sldNum" sz="quarter" idx="12"/>
-          </p:nvPr>
-        </p:nvSpPr>
-        <p:spPr/>
-        <p:txBody>
-          <a:bodyPr/>
-          <a:lstStyle/>
-          <a:p>
-            <a:fld id="{E58024C2-D31D-4875-8231-7C9AE6162281}" type="slidenum">
-              <a:rPr lang="ru-RU" smtClean="0"/>
-              <a:pPr/>
-              <a:t>21</a:t>
-            </a:fld>
-            <a:endParaRPr lang="ru-RU" dirty="0"/>
-          </a:p>
-        </p:txBody>
-      </p:sp>
-      <p:graphicFrame>
-        <p:nvGraphicFramePr>
-          <p:cNvPr id="8" name="Объект 7"/>
-          <p:cNvGraphicFramePr>
-            <a:graphicFrameLocks noGrp="1"/>
-          </p:cNvGraphicFramePr>
-          <p:nvPr>
-            <p:ph sz="half" idx="1"/>
-            <p:extLst>
-              <p:ext uri="{D42A27DB-BD31-4B8C-83A1-F6EECF244321}">
-                <p14:modId xmlns:p14="http://schemas.microsoft.com/office/powerpoint/2010/main" val="3919256543"/>
-              </p:ext>
-            </p:extLst>
-          </p:nvPr>
-        </p:nvGraphicFramePr>
-        <p:xfrm>
-          <a:off x="383177" y="933450"/>
-          <a:ext cx="5636623" cy="5243513"/>
-        </p:xfrm>
-        <a:graphic>
-          <a:graphicData uri="http://schemas.openxmlformats.org/drawingml/2006/chart">
-            <c:chart xmlns:c="http://schemas.openxmlformats.org/drawingml/2006/chart" xmlns:r="http://schemas.openxmlformats.org/officeDocument/2006/relationships" r:id="rId2"/>
-          </a:graphicData>
-        </a:graphic>
-      </p:graphicFrame>
-      <p:graphicFrame>
-        <p:nvGraphicFramePr>
-          <p:cNvPr id="10" name="Объект 9"/>
-          <p:cNvGraphicFramePr>
-            <a:graphicFrameLocks noGrp="1"/>
-          </p:cNvGraphicFramePr>
-          <p:nvPr>
-            <p:ph sz="half" idx="2"/>
-            <p:extLst>
-              <p:ext uri="{D42A27DB-BD31-4B8C-83A1-F6EECF244321}">
-                <p14:modId xmlns:p14="http://schemas.microsoft.com/office/powerpoint/2010/main" val="2559050455"/>
-              </p:ext>
-            </p:extLst>
-          </p:nvPr>
-        </p:nvGraphicFramePr>
-        <p:xfrm>
-          <a:off x="6172200" y="933450"/>
-          <a:ext cx="5610498" cy="5243513"/>
-        </p:xfrm>
-        <a:graphic>
-          <a:graphicData uri="http://schemas.openxmlformats.org/drawingml/2006/chart">
-            <c:chart xmlns:c="http://schemas.openxmlformats.org/drawingml/2006/chart" xmlns:r="http://schemas.openxmlformats.org/officeDocument/2006/relationships" r:id="rId3"/>
-          </a:graphicData>
-        </a:graphic>
-      </p:graphicFrame>
-    </p:spTree>
-    <p:extLst>
-      <p:ext uri="{BB962C8B-B14F-4D97-AF65-F5344CB8AC3E}">
-        <p14:creationId xmlns:p14="http://schemas.microsoft.com/office/powerpoint/2010/main" val="496624848"/>
-      </p:ext>
-    </p:extLst>
-  </p:cSld>
-  <p:clrMapOvr>
-    <a:masterClrMapping/>
-  </p:clrMapOvr>
-  <p:timing>
-    <p:tnLst>
-      <p:par>
-        <p:cTn id="1" dur="indefinite" restart="never" nodeType="tmRoot"/>
-      </p:par>
-    </p:tnLst>
-  </p:timing>
-</p:sld>
-</file>
-
-<file path=ppt/slides/slide22.xml><?xml version="1.0" encoding="utf-8"?>
-<p:sld xmlns:a="http://schemas.openxmlformats.org/drawingml/2006/main" xmlns:r="http://schemas.openxmlformats.org/officeDocument/2006/relationships" xmlns:p="http://schemas.openxmlformats.org/presentationml/2006/main">
-  <p:cSld>
-    <p:spTree>
-      <p:nvGrpSpPr>
-        <p:cNvPr id="1" name=""/>
-        <p:cNvGrpSpPr/>
-        <p:nvPr/>
-      </p:nvGrpSpPr>
-      <p:grpSpPr>
-        <a:xfrm>
-          <a:off x="0" y="0"/>
-          <a:ext cx="0" cy="0"/>
-          <a:chOff x="0" y="0"/>
-          <a:chExt cx="0" cy="0"/>
-        </a:xfrm>
-      </p:grpSpPr>
-      <p:sp>
-        <p:nvSpPr>
-          <p:cNvPr id="2" name="Заголовок 1"/>
-          <p:cNvSpPr>
-            <a:spLocks noGrp="1"/>
-          </p:cNvSpPr>
-          <p:nvPr>
-            <p:ph type="title"/>
-          </p:nvPr>
-        </p:nvSpPr>
-        <p:spPr>
-          <a:xfrm>
-            <a:off x="838200" y="365126"/>
-            <a:ext cx="10515600" cy="711200"/>
-          </a:xfrm>
-        </p:spPr>
-        <p:txBody>
-          <a:bodyPr/>
           <a:lstStyle/>
           <a:p>
             <a:r>
@@ -17853,13 +18187,13 @@
         </p:nvSpPr>
         <p:spPr>
           <a:xfrm>
-            <a:off x="838200" y="1076326"/>
-            <a:ext cx="10515600" cy="5100637"/>
+            <a:off x="288757" y="842278"/>
+            <a:ext cx="11713945" cy="5645149"/>
           </a:xfrm>
         </p:spPr>
         <p:txBody>
           <a:bodyPr>
-            <a:normAutofit fontScale="92500" lnSpcReduction="10000"/>
+            <a:normAutofit fontScale="85000" lnSpcReduction="20000"/>
           </a:bodyPr>
           <a:lstStyle/>
           <a:p>
@@ -17877,8 +18211,13 @@
             </a:r>
             <a:r>
               <a:rPr lang="ru-RU" dirty="0" smtClean="0"/>
-              <a:t>них. Определены состояния автомата и переходы между ними.</a:t>
-            </a:r>
+              <a:t>них</a:t>
+            </a:r>
+            <a:r>
+              <a:rPr lang="ru-RU" dirty="0" smtClean="0"/>
+              <a:t>. Реализованный автомат имеет 4 состояния и 7 переходов. </a:t>
+            </a:r>
+            <a:endParaRPr lang="ru-RU" dirty="0" smtClean="0"/>
           </a:p>
           <a:p>
             <a:pPr>
@@ -17899,7 +18238,11 @@
             </a:r>
             <a:r>
               <a:rPr lang="ru-RU" dirty="0" smtClean="0"/>
-              <a:t>них. Определены узлы дерева и его структура.</a:t>
+              <a:t>них</a:t>
+            </a:r>
+            <a:r>
+              <a:rPr lang="ru-RU" dirty="0" smtClean="0"/>
+              <a:t>. Выбрана структура дерева на основе последовательности. Выбрано дерево, состоящее из трех ветвей, соответствующих отдельным компонентам: управлению стрельбой, анализу местности и управлению движением.</a:t>
             </a:r>
             <a:endParaRPr lang="ru-RU" dirty="0"/>
           </a:p>
@@ -17918,7 +18261,11 @@
             </a:r>
             <a:r>
               <a:rPr lang="ru-RU" dirty="0" smtClean="0"/>
-              <a:t>ней. Определены входные и выходные переменные, сформулированы правила вывода.</a:t>
+              <a:t>ней. </a:t>
+            </a:r>
+            <a:r>
+              <a:rPr lang="ru-RU" dirty="0" smtClean="0"/>
+              <a:t>Реализованная система имеет 3 входных переменных, 8 выходных и 12 правил вывода.</a:t>
             </a:r>
             <a:endParaRPr lang="ru-RU" dirty="0"/>
           </a:p>
@@ -17941,7 +18288,11 @@
             </a:r>
             <a:r>
               <a:rPr lang="ru-RU" dirty="0" smtClean="0"/>
-              <a:t>них. Выбрана оптимальная архитектура нейронной сети.</a:t>
+              <a:t>них. </a:t>
+            </a:r>
+            <a:r>
+              <a:rPr lang="ru-RU" dirty="0" smtClean="0"/>
+              <a:t>Выбраны оптимальные параметры и структура сети по критерию максимума качества обучения. Выбранная сеть имеет 2 слоя, 3 входных переменных и 4 выходных.</a:t>
             </a:r>
             <a:endParaRPr lang="ru-RU" dirty="0"/>
           </a:p>
@@ -17952,17 +18303,74 @@
             </a:pPr>
             <a:r>
               <a:rPr lang="ru-RU" dirty="0" smtClean="0"/>
-              <a:t>Произведено сравнение методов и алгоритмов принятия решений.</a:t>
-            </a:r>
-          </a:p>
-          <a:p>
-            <a:pPr>
-              <a:buFont typeface="Arial" panose="020B0604020202020204" pitchFamily="34" charset="0"/>
-              <a:buChar char="•"/>
-            </a:pPr>
+              <a:t>Произведено сравнение методов и алгоритмов принятия </a:t>
+            </a:r>
             <a:r>
               <a:rPr lang="ru-RU" dirty="0" smtClean="0"/>
-              <a:t>Рекомендуемым методом принятия решений для рассматриваемой задачи выбора архитектуры бота для компьютерной игры являются деревья поведения.</a:t>
+              <a:t>решений</a:t>
+            </a:r>
+            <a:r>
+              <a:rPr lang="ru-RU" dirty="0"/>
+              <a:t> </a:t>
+            </a:r>
+            <a:r>
+              <a:rPr lang="ru-RU" dirty="0" smtClean="0"/>
+              <a:t>путем</a:t>
+            </a:r>
+            <a:r>
+              <a:rPr lang="ru-RU" dirty="0" smtClean="0"/>
+              <a:t> </a:t>
+            </a:r>
+            <a:r>
+              <a:rPr lang="ru-RU" dirty="0" smtClean="0"/>
+              <a:t>п</a:t>
+            </a:r>
+            <a:r>
+              <a:rPr lang="ru-RU" dirty="0" smtClean="0"/>
+              <a:t>роведения игр реализованных ботов друг против друга. Необходимые метрики записывались в базу </a:t>
+            </a:r>
+            <a:r>
+              <a:rPr lang="en-US" dirty="0" smtClean="0"/>
+              <a:t>SQLite</a:t>
+            </a:r>
+            <a:r>
+              <a:rPr lang="ru-RU" dirty="0" smtClean="0"/>
+              <a:t>, а затем обрабатывались с помощью </a:t>
+            </a:r>
+            <a:r>
+              <a:rPr lang="en-US" dirty="0" smtClean="0"/>
+              <a:t>SQL </a:t>
+            </a:r>
+            <a:r>
+              <a:rPr lang="ru-RU" dirty="0" smtClean="0"/>
+              <a:t>и </a:t>
+            </a:r>
+            <a:r>
+              <a:rPr lang="en-US" dirty="0" smtClean="0"/>
+              <a:t>MATLAB</a:t>
+            </a:r>
+            <a:r>
+              <a:rPr lang="ru-RU" dirty="0" smtClean="0"/>
+              <a:t>.</a:t>
+            </a:r>
+            <a:endParaRPr lang="ru-RU" dirty="0" smtClean="0"/>
+          </a:p>
+          <a:p>
+            <a:r>
+              <a:rPr lang="ru-RU" dirty="0" smtClean="0"/>
+              <a:t>Рекомендуемым методом принятия решений для рассматриваемой задачи выбора архитектуры бота для компьютерной игры являются деревья поведения</a:t>
+            </a:r>
+            <a:r>
+              <a:rPr lang="ru-RU" dirty="0"/>
+              <a:t>. Агенты, реализованные с использованием деревьев поведения имеют максимальный процент побед, минимальный процент поражений, </a:t>
+            </a:r>
+            <a:r>
+              <a:rPr lang="ru-RU" dirty="0" smtClean="0"/>
+              <a:t>максимальный </a:t>
+            </a:r>
+            <a:r>
+              <a:rPr lang="ru-RU" dirty="0"/>
+              <a:t>средний нанесенный урон и максимальную долю игр, в которых была взята аптечка.</a:t>
             </a:r>
             <a:endParaRPr lang="ru-RU" dirty="0"/>
           </a:p>
@@ -18009,7 +18417,7 @@
             <a:fld id="{E58024C2-D31D-4875-8231-7C9AE6162281}" type="slidenum">
               <a:rPr lang="ru-RU" smtClean="0"/>
               <a:pPr/>
-              <a:t>22</a:t>
+              <a:t>20</a:t>
             </a:fld>
             <a:endParaRPr lang="ru-RU" dirty="0" smtClean="0"/>
           </a:p>
@@ -18035,7 +18443,7 @@
 </p:sld>
 </file>
 
-<file path=ppt/slides/slide23.xml><?xml version="1.0" encoding="utf-8"?>
+<file path=ppt/slides/slide21.xml><?xml version="1.0" encoding="utf-8"?>
 <p:sld xmlns:a="http://schemas.openxmlformats.org/drawingml/2006/main" xmlns:r="http://schemas.openxmlformats.org/officeDocument/2006/relationships" xmlns:p="http://schemas.openxmlformats.org/presentationml/2006/main">
   <p:cSld>
     <p:spTree>
@@ -18154,7 +18562,7 @@
             <a:fld id="{E58024C2-D31D-4875-8231-7C9AE6162281}" type="slidenum">
               <a:rPr lang="ru-RU" smtClean="0"/>
               <a:pPr/>
-              <a:t>23</a:t>
+              <a:t>21</a:t>
             </a:fld>
             <a:endParaRPr lang="ru-RU" dirty="0"/>
           </a:p>
@@ -18178,7 +18586,7 @@
           <a:graphicData uri="http://schemas.openxmlformats.org/presentationml/2006/ole">
             <mc:AlternateContent xmlns:mc="http://schemas.openxmlformats.org/markup-compatibility/2006">
               <mc:Choice xmlns:v="urn:schemas-microsoft-com:vml" Requires="v">
-                <p:oleObj spid="_x0000_s7175" name="Visio" r:id="rId4" imgW="3190810" imgH="1952640" progId="Visio.Drawing.15">
+                <p:oleObj spid="_x0000_s7219" name="Visio" r:id="rId4" imgW="3190810" imgH="1952640" progId="Visio.Drawing.15">
                   <p:embed/>
                 </p:oleObj>
               </mc:Choice>
@@ -18471,7 +18879,7 @@
 </p:sld>
 </file>
 
-<file path=ppt/slides/slide24.xml><?xml version="1.0" encoding="utf-8"?>
+<file path=ppt/slides/slide22.xml><?xml version="1.0" encoding="utf-8"?>
 <p:sld xmlns:a="http://schemas.openxmlformats.org/drawingml/2006/main" xmlns:r="http://schemas.openxmlformats.org/officeDocument/2006/relationships" xmlns:p="http://schemas.openxmlformats.org/presentationml/2006/main">
   <p:cSld>
     <p:spTree>
@@ -18621,7 +19029,7 @@
             <a:fld id="{E58024C2-D31D-4875-8231-7C9AE6162281}" type="slidenum">
               <a:rPr lang="ru-RU" smtClean="0"/>
               <a:pPr/>
-              <a:t>24</a:t>
+              <a:t>22</a:t>
             </a:fld>
             <a:endParaRPr lang="ru-RU" dirty="0"/>
           </a:p>
@@ -18675,7 +19083,7 @@
 </p:sld>
 </file>
 
-<file path=ppt/slides/slide25.xml><?xml version="1.0" encoding="utf-8"?>
+<file path=ppt/slides/slide23.xml><?xml version="1.0" encoding="utf-8"?>
 <p:sld xmlns:a="http://schemas.openxmlformats.org/drawingml/2006/main" xmlns:r="http://schemas.openxmlformats.org/officeDocument/2006/relationships" xmlns:p="http://schemas.openxmlformats.org/presentationml/2006/main">
   <p:cSld>
     <p:spTree>
@@ -18874,7 +19282,7 @@
           <a:graphicData uri="http://schemas.openxmlformats.org/presentationml/2006/ole">
             <mc:AlternateContent xmlns:mc="http://schemas.openxmlformats.org/markup-compatibility/2006">
               <mc:Choice xmlns:v="urn:schemas-microsoft-com:vml" Requires="v">
-                <p:oleObj spid="_x0000_s8199" name="Visio" r:id="rId3" imgW="5133877" imgH="3171960" progId="Visio.Drawing.15">
+                <p:oleObj spid="_x0000_s8243" name="Visio" r:id="rId3" imgW="5133877" imgH="3171960" progId="Visio.Drawing.15">
                   <p:embed/>
                 </p:oleObj>
               </mc:Choice>
@@ -18960,7 +19368,7 @@
             <a:fld id="{E58024C2-D31D-4875-8231-7C9AE6162281}" type="slidenum">
               <a:rPr lang="ru-RU" smtClean="0"/>
               <a:pPr/>
-              <a:t>25</a:t>
+              <a:t>23</a:t>
             </a:fld>
             <a:endParaRPr lang="ru-RU" dirty="0"/>
           </a:p>
@@ -19017,1690 +19425,7 @@
 </p:sld>
 </file>
 
-<file path=ppt/slides/slide26.xml><?xml version="1.0" encoding="utf-8"?>
-<p:sld xmlns:a="http://schemas.openxmlformats.org/drawingml/2006/main" xmlns:r="http://schemas.openxmlformats.org/officeDocument/2006/relationships" xmlns:p="http://schemas.openxmlformats.org/presentationml/2006/main">
-  <p:cSld>
-    <p:spTree>
-      <p:nvGrpSpPr>
-        <p:cNvPr id="1" name=""/>
-        <p:cNvGrpSpPr/>
-        <p:nvPr/>
-      </p:nvGrpSpPr>
-      <p:grpSpPr>
-        <a:xfrm>
-          <a:off x="0" y="0"/>
-          <a:ext cx="0" cy="0"/>
-          <a:chOff x="0" y="0"/>
-          <a:chExt cx="0" cy="0"/>
-        </a:xfrm>
-      </p:grpSpPr>
-      <p:sp>
-        <p:nvSpPr>
-          <p:cNvPr id="2" name="Заголовок 1"/>
-          <p:cNvSpPr>
-            <a:spLocks noGrp="1"/>
-          </p:cNvSpPr>
-          <p:nvPr>
-            <p:ph type="title"/>
-          </p:nvPr>
-        </p:nvSpPr>
-        <p:spPr>
-          <a:xfrm>
-            <a:off x="838200" y="365126"/>
-            <a:ext cx="10515600" cy="825500"/>
-          </a:xfrm>
-        </p:spPr>
-        <p:txBody>
-          <a:bodyPr/>
-          <a:lstStyle/>
-          <a:p>
-            <a:r>
-              <a:rPr lang="ru-RU" dirty="0" smtClean="0"/>
-              <a:t>Нейронные сети (определение)</a:t>
-            </a:r>
-            <a:endParaRPr lang="ru-RU" dirty="0"/>
-          </a:p>
-        </p:txBody>
-      </p:sp>
-      <p:sp>
-        <p:nvSpPr>
-          <p:cNvPr id="3" name="Объект 2"/>
-          <p:cNvSpPr>
-            <a:spLocks noGrp="1"/>
-          </p:cNvSpPr>
-          <p:nvPr>
-            <p:ph sz="half" idx="1"/>
-          </p:nvPr>
-        </p:nvSpPr>
-        <p:spPr>
-          <a:xfrm>
-            <a:off x="323849" y="1520852"/>
-            <a:ext cx="7148611" cy="4656111"/>
-          </a:xfrm>
-        </p:spPr>
-        <p:txBody>
-          <a:bodyPr>
-            <a:normAutofit/>
-          </a:bodyPr>
-          <a:lstStyle/>
-          <a:p>
-            <a:pPr marL="0" indent="0">
-              <a:buNone/>
-            </a:pPr>
-            <a:r>
-              <a:rPr lang="ru-RU" sz="3200" dirty="0" smtClean="0"/>
-              <a:t>Основаны на упрощенной модели нейрона</a:t>
-            </a:r>
-          </a:p>
-          <a:p>
-            <a:pPr marL="0" indent="0">
-              <a:buNone/>
-            </a:pPr>
-            <a:r>
-              <a:rPr lang="ru-RU" sz="3200" dirty="0" smtClean="0"/>
-              <a:t>Обучение </a:t>
-            </a:r>
-            <a:r>
-              <a:rPr lang="ru-RU" sz="3200" dirty="0"/>
-              <a:t>за счет изменения весов </a:t>
-            </a:r>
-            <a:r>
-              <a:rPr lang="ru-RU" sz="3200" dirty="0" smtClean="0"/>
-              <a:t>входов</a:t>
-            </a:r>
-          </a:p>
-          <a:p>
-            <a:pPr marL="0" indent="0">
-              <a:buNone/>
-            </a:pPr>
-            <a:r>
-              <a:rPr lang="ru-RU" sz="3200" dirty="0" smtClean="0"/>
-              <a:t>Многослойный </a:t>
-            </a:r>
-            <a:r>
-              <a:rPr lang="ru-RU" sz="3200" dirty="0" err="1" smtClean="0"/>
-              <a:t>перцептрон</a:t>
-            </a:r>
-            <a:r>
-              <a:rPr lang="ru-RU" sz="3200" dirty="0" smtClean="0"/>
-              <a:t>:</a:t>
-            </a:r>
-          </a:p>
-          <a:p>
-            <a:pPr lvl="1">
-              <a:buFont typeface="Arial" panose="020B0604020202020204" pitchFamily="34" charset="0"/>
-              <a:buChar char="•"/>
-            </a:pPr>
-            <a:r>
-              <a:rPr lang="ru-RU" sz="2800" dirty="0" smtClean="0"/>
-              <a:t>Входной слой</a:t>
-            </a:r>
-          </a:p>
-          <a:p>
-            <a:pPr lvl="1">
-              <a:buFont typeface="Arial" panose="020B0604020202020204" pitchFamily="34" charset="0"/>
-              <a:buChar char="•"/>
-            </a:pPr>
-            <a:r>
-              <a:rPr lang="en-US" sz="2800" dirty="0" smtClean="0"/>
-              <a:t>N </a:t>
-            </a:r>
-            <a:r>
-              <a:rPr lang="ru-RU" sz="2800" dirty="0" smtClean="0"/>
-              <a:t>скрытых слоев (</a:t>
-            </a:r>
-            <a:r>
-              <a:rPr lang="en-US" sz="2800" dirty="0" smtClean="0"/>
-              <a:t>N &gt;= 0</a:t>
-            </a:r>
-            <a:r>
-              <a:rPr lang="ru-RU" sz="2800" dirty="0" smtClean="0"/>
-              <a:t>)</a:t>
-            </a:r>
-          </a:p>
-          <a:p>
-            <a:pPr lvl="1">
-              <a:buFont typeface="Arial" panose="020B0604020202020204" pitchFamily="34" charset="0"/>
-              <a:buChar char="•"/>
-            </a:pPr>
-            <a:r>
-              <a:rPr lang="ru-RU" sz="2800" dirty="0" smtClean="0"/>
-              <a:t>Выходной слой</a:t>
-            </a:r>
-            <a:endParaRPr lang="ru-RU" sz="2800" dirty="0"/>
-          </a:p>
-        </p:txBody>
-      </p:sp>
-      <p:pic>
-        <p:nvPicPr>
-          <p:cNvPr id="6" name="Рисунок 5"/>
-          <p:cNvPicPr/>
-          <p:nvPr/>
-        </p:nvPicPr>
-        <p:blipFill>
-          <a:blip r:embed="rId2">
-            <a:extLst>
-              <a:ext uri="{28A0092B-C50C-407E-A947-70E740481C1C}">
-                <a14:useLocalDpi xmlns:a14="http://schemas.microsoft.com/office/drawing/2010/main" val="0"/>
-              </a:ext>
-            </a:extLst>
-          </a:blip>
-          <a:stretch>
-            <a:fillRect/>
-          </a:stretch>
-        </p:blipFill>
-        <p:spPr>
-          <a:xfrm>
-            <a:off x="7030788" y="1050109"/>
-            <a:ext cx="4148561" cy="1753274"/>
-          </a:xfrm>
-          <a:prstGeom prst="rect">
-            <a:avLst/>
-          </a:prstGeom>
-        </p:spPr>
-      </p:pic>
-      <p:pic>
-        <p:nvPicPr>
-          <p:cNvPr id="7" name="Рисунок 6"/>
-          <p:cNvPicPr/>
-          <p:nvPr/>
-        </p:nvPicPr>
-        <p:blipFill>
-          <a:blip r:embed="rId3">
-            <a:extLst>
-              <a:ext uri="{28A0092B-C50C-407E-A947-70E740481C1C}">
-                <a14:useLocalDpi xmlns:a14="http://schemas.microsoft.com/office/drawing/2010/main" val="0"/>
-              </a:ext>
-            </a:extLst>
-          </a:blip>
-          <a:stretch>
-            <a:fillRect/>
-          </a:stretch>
-        </p:blipFill>
-        <p:spPr>
-          <a:xfrm>
-            <a:off x="7685670" y="3273877"/>
-            <a:ext cx="2838796" cy="2752247"/>
-          </a:xfrm>
-          <a:prstGeom prst="rect">
-            <a:avLst/>
-          </a:prstGeom>
-        </p:spPr>
-      </p:pic>
-      <p:sp>
-        <p:nvSpPr>
-          <p:cNvPr id="4" name="Нижний колонтитул 3"/>
-          <p:cNvSpPr>
-            <a:spLocks noGrp="1"/>
-          </p:cNvSpPr>
-          <p:nvPr>
-            <p:ph type="ftr" sz="quarter" idx="11"/>
-          </p:nvPr>
-        </p:nvSpPr>
-        <p:spPr/>
-        <p:txBody>
-          <a:bodyPr/>
-          <a:lstStyle/>
-          <a:p>
-            <a:r>
-              <a:rPr lang="ru-RU" dirty="0" smtClean="0"/>
-              <a:t>Приходько Е.В. Исследование методов моделирования принятия решений на примере ботов в компьютерной игре</a:t>
-            </a:r>
-            <a:endParaRPr lang="ru-RU" dirty="0"/>
-          </a:p>
-        </p:txBody>
-      </p:sp>
-      <p:sp>
-        <p:nvSpPr>
-          <p:cNvPr id="8" name="Номер слайда 7"/>
-          <p:cNvSpPr>
-            <a:spLocks noGrp="1"/>
-          </p:cNvSpPr>
-          <p:nvPr>
-            <p:ph type="sldNum" sz="quarter" idx="12"/>
-          </p:nvPr>
-        </p:nvSpPr>
-        <p:spPr/>
-        <p:txBody>
-          <a:bodyPr/>
-          <a:lstStyle/>
-          <a:p>
-            <a:fld id="{E58024C2-D31D-4875-8231-7C9AE6162281}" type="slidenum">
-              <a:rPr lang="ru-RU" smtClean="0"/>
-              <a:pPr/>
-              <a:t>26</a:t>
-            </a:fld>
-            <a:endParaRPr lang="ru-RU" dirty="0"/>
-          </a:p>
-        </p:txBody>
-      </p:sp>
-      <p:sp>
-        <p:nvSpPr>
-          <p:cNvPr id="9" name="TextBox 8"/>
-          <p:cNvSpPr txBox="1"/>
-          <p:nvPr/>
-        </p:nvSpPr>
-        <p:spPr>
-          <a:xfrm>
-            <a:off x="8177346" y="2835940"/>
-            <a:ext cx="1855444" cy="369332"/>
-          </a:xfrm>
-          <a:prstGeom prst="rect">
-            <a:avLst/>
-          </a:prstGeom>
-          <a:noFill/>
-        </p:spPr>
-        <p:txBody>
-          <a:bodyPr wrap="none" rtlCol="0">
-            <a:spAutoFit/>
-          </a:bodyPr>
-          <a:lstStyle/>
-          <a:p>
-            <a:r>
-              <a:rPr lang="ru-RU" dirty="0" smtClean="0"/>
-              <a:t>Модель нейрона</a:t>
-            </a:r>
-            <a:endParaRPr lang="ru-RU" dirty="0"/>
-          </a:p>
-        </p:txBody>
-      </p:sp>
-      <p:sp>
-        <p:nvSpPr>
-          <p:cNvPr id="10" name="TextBox 9"/>
-          <p:cNvSpPr txBox="1"/>
-          <p:nvPr/>
-        </p:nvSpPr>
-        <p:spPr>
-          <a:xfrm>
-            <a:off x="7646912" y="6026124"/>
-            <a:ext cx="2916311" cy="369332"/>
-          </a:xfrm>
-          <a:prstGeom prst="rect">
-            <a:avLst/>
-          </a:prstGeom>
-          <a:noFill/>
-        </p:spPr>
-        <p:txBody>
-          <a:bodyPr wrap="none" rtlCol="0">
-            <a:spAutoFit/>
-          </a:bodyPr>
-          <a:lstStyle/>
-          <a:p>
-            <a:r>
-              <a:rPr lang="ru-RU" dirty="0" smtClean="0"/>
-              <a:t>Многослойный </a:t>
-            </a:r>
-            <a:r>
-              <a:rPr lang="ru-RU" dirty="0" err="1" smtClean="0"/>
-              <a:t>перцептрон</a:t>
-            </a:r>
-            <a:endParaRPr lang="ru-RU" dirty="0"/>
-          </a:p>
-        </p:txBody>
-      </p:sp>
-    </p:spTree>
-    <p:extLst>
-      <p:ext uri="{BB962C8B-B14F-4D97-AF65-F5344CB8AC3E}">
-        <p14:creationId xmlns:p14="http://schemas.microsoft.com/office/powerpoint/2010/main" val="148765932"/>
-      </p:ext>
-    </p:extLst>
-  </p:cSld>
-  <p:clrMapOvr>
-    <a:masterClrMapping/>
-  </p:clrMapOvr>
-</p:sld>
-</file>
-
-<file path=ppt/slides/slide3.xml><?xml version="1.0" encoding="utf-8"?>
-<p:sld xmlns:a="http://schemas.openxmlformats.org/drawingml/2006/main" xmlns:r="http://schemas.openxmlformats.org/officeDocument/2006/relationships" xmlns:p="http://schemas.openxmlformats.org/presentationml/2006/main">
-  <p:cSld>
-    <p:spTree>
-      <p:nvGrpSpPr>
-        <p:cNvPr id="1" name=""/>
-        <p:cNvGrpSpPr/>
-        <p:nvPr/>
-      </p:nvGrpSpPr>
-      <p:grpSpPr>
-        <a:xfrm>
-          <a:off x="0" y="0"/>
-          <a:ext cx="0" cy="0"/>
-          <a:chOff x="0" y="0"/>
-          <a:chExt cx="0" cy="0"/>
-        </a:xfrm>
-      </p:grpSpPr>
-      <p:sp>
-        <p:nvSpPr>
-          <p:cNvPr id="2" name="Заголовок 1"/>
-          <p:cNvSpPr>
-            <a:spLocks noGrp="1"/>
-          </p:cNvSpPr>
-          <p:nvPr>
-            <p:ph type="title"/>
-          </p:nvPr>
-        </p:nvSpPr>
-        <p:spPr>
-          <a:xfrm>
-            <a:off x="838200" y="365126"/>
-            <a:ext cx="10515600" cy="653778"/>
-          </a:xfrm>
-        </p:spPr>
-        <p:txBody>
-          <a:bodyPr>
-            <a:normAutofit/>
-          </a:bodyPr>
-          <a:lstStyle/>
-          <a:p>
-            <a:r>
-              <a:rPr lang="ru-RU" sz="4000" dirty="0" smtClean="0"/>
-              <a:t>Актуальность и научный интерес работы</a:t>
-            </a:r>
-            <a:endParaRPr lang="ru-RU" sz="4000" dirty="0"/>
-          </a:p>
-        </p:txBody>
-      </p:sp>
-      <p:sp>
-        <p:nvSpPr>
-          <p:cNvPr id="3" name="Объект 2"/>
-          <p:cNvSpPr>
-            <a:spLocks noGrp="1"/>
-          </p:cNvSpPr>
-          <p:nvPr>
-            <p:ph idx="1"/>
-          </p:nvPr>
-        </p:nvSpPr>
-        <p:spPr>
-          <a:xfrm>
-            <a:off x="838200" y="1018904"/>
-            <a:ext cx="10515600" cy="5158059"/>
-          </a:xfrm>
-        </p:spPr>
-        <p:txBody>
-          <a:bodyPr>
-            <a:normAutofit/>
-          </a:bodyPr>
-          <a:lstStyle/>
-          <a:p>
-            <a:pPr>
-              <a:buFont typeface="Arial" panose="020B0604020202020204" pitchFamily="34" charset="0"/>
-              <a:buChar char="•"/>
-            </a:pPr>
-            <a:r>
-              <a:rPr lang="ru-RU" sz="3200" dirty="0" smtClean="0"/>
-              <a:t>Есть потребность в сравнении методов и алгоритмов принятия решений для обоснования их выбора при реализации новых интеллектуальных систем</a:t>
-            </a:r>
-          </a:p>
-          <a:p>
-            <a:pPr>
-              <a:buFont typeface="Arial" panose="020B0604020202020204" pitchFamily="34" charset="0"/>
-              <a:buChar char="•"/>
-            </a:pPr>
-            <a:r>
-              <a:rPr lang="ru-RU" sz="3200" dirty="0" smtClean="0"/>
-              <a:t>Сравнивать методы необходимо на примере конкретной задачи</a:t>
-            </a:r>
-          </a:p>
-          <a:p>
-            <a:pPr>
-              <a:buFont typeface="Arial" panose="020B0604020202020204" pitchFamily="34" charset="0"/>
-              <a:buChar char="•"/>
-            </a:pPr>
-            <a:r>
-              <a:rPr lang="ru-RU" sz="3200" dirty="0" smtClean="0"/>
-              <a:t>Задача, рассматриваемая в данной работе: выбор архитектуры для ботов в компьютерной игре</a:t>
-            </a:r>
-          </a:p>
-          <a:p>
-            <a:pPr>
-              <a:buFont typeface="Arial" panose="020B0604020202020204" pitchFamily="34" charset="0"/>
-              <a:buChar char="•"/>
-            </a:pPr>
-            <a:r>
-              <a:rPr lang="ru-RU" sz="3200" dirty="0" smtClean="0"/>
-              <a:t>Индустрия видеоигр – наукоемкая область, быстро развивающаяся как </a:t>
-            </a:r>
-            <a:r>
-              <a:rPr lang="ru-RU" sz="3200" dirty="0"/>
-              <a:t>в коммерческом </a:t>
-            </a:r>
-            <a:r>
-              <a:rPr lang="ru-RU" sz="3200" dirty="0" smtClean="0"/>
-              <a:t>плане, так и в плане технологий</a:t>
-            </a:r>
-            <a:endParaRPr lang="ru-RU" sz="3200" dirty="0"/>
-          </a:p>
-        </p:txBody>
-      </p:sp>
-      <p:sp>
-        <p:nvSpPr>
-          <p:cNvPr id="5" name="Нижний колонтитул 4"/>
-          <p:cNvSpPr>
-            <a:spLocks noGrp="1"/>
-          </p:cNvSpPr>
-          <p:nvPr>
-            <p:ph type="ftr" sz="quarter" idx="11"/>
-          </p:nvPr>
-        </p:nvSpPr>
-        <p:spPr/>
-        <p:txBody>
-          <a:bodyPr/>
-          <a:lstStyle/>
-          <a:p>
-            <a:r>
-              <a:rPr lang="ru-RU" smtClean="0"/>
-              <a:t>Приходько Е.В. Исследование методов моделирования принятия решений на примере ботов в компьютерной игре</a:t>
-            </a:r>
-            <a:endParaRPr lang="ru-RU"/>
-          </a:p>
-        </p:txBody>
-      </p:sp>
-      <p:sp>
-        <p:nvSpPr>
-          <p:cNvPr id="6" name="Номер слайда 5"/>
-          <p:cNvSpPr>
-            <a:spLocks noGrp="1"/>
-          </p:cNvSpPr>
-          <p:nvPr>
-            <p:ph type="sldNum" sz="quarter" idx="12"/>
-          </p:nvPr>
-        </p:nvSpPr>
-        <p:spPr/>
-        <p:txBody>
-          <a:bodyPr/>
-          <a:lstStyle/>
-          <a:p>
-            <a:fld id="{E58024C2-D31D-4875-8231-7C9AE6162281}" type="slidenum">
-              <a:rPr lang="ru-RU" smtClean="0"/>
-              <a:pPr/>
-              <a:t>3</a:t>
-            </a:fld>
-            <a:endParaRPr lang="ru-RU" dirty="0" smtClean="0"/>
-          </a:p>
-        </p:txBody>
-      </p:sp>
-    </p:spTree>
-    <p:extLst>
-      <p:ext uri="{BB962C8B-B14F-4D97-AF65-F5344CB8AC3E}">
-        <p14:creationId xmlns:p14="http://schemas.microsoft.com/office/powerpoint/2010/main" val="1062487083"/>
-      </p:ext>
-    </p:extLst>
-  </p:cSld>
-  <p:clrMapOvr>
-    <a:masterClrMapping/>
-  </p:clrMapOvr>
-  <p:timing>
-    <p:tnLst>
-      <p:par>
-        <p:cTn id="1" dur="indefinite" restart="never" nodeType="tmRoot"/>
-      </p:par>
-    </p:tnLst>
-  </p:timing>
-</p:sld>
-</file>
-
-<file path=ppt/slides/slide4.xml><?xml version="1.0" encoding="utf-8"?>
-<p:sld xmlns:a="http://schemas.openxmlformats.org/drawingml/2006/main" xmlns:r="http://schemas.openxmlformats.org/officeDocument/2006/relationships" xmlns:p="http://schemas.openxmlformats.org/presentationml/2006/main">
-  <p:cSld>
-    <p:spTree>
-      <p:nvGrpSpPr>
-        <p:cNvPr id="1" name=""/>
-        <p:cNvGrpSpPr/>
-        <p:nvPr/>
-      </p:nvGrpSpPr>
-      <p:grpSpPr>
-        <a:xfrm>
-          <a:off x="0" y="0"/>
-          <a:ext cx="0" cy="0"/>
-          <a:chOff x="0" y="0"/>
-          <a:chExt cx="0" cy="0"/>
-        </a:xfrm>
-      </p:grpSpPr>
-      <p:sp>
-        <p:nvSpPr>
-          <p:cNvPr id="2" name="Заголовок 1"/>
-          <p:cNvSpPr>
-            <a:spLocks noGrp="1"/>
-          </p:cNvSpPr>
-          <p:nvPr>
-            <p:ph type="title"/>
-          </p:nvPr>
-        </p:nvSpPr>
-        <p:spPr>
-          <a:xfrm>
-            <a:off x="838200" y="365126"/>
-            <a:ext cx="10515600" cy="662486"/>
-          </a:xfrm>
-        </p:spPr>
-        <p:txBody>
-          <a:bodyPr>
-            <a:normAutofit fontScale="90000"/>
-          </a:bodyPr>
-          <a:lstStyle/>
-          <a:p>
-            <a:r>
-              <a:rPr lang="ru-RU" dirty="0" smtClean="0"/>
-              <a:t>Цель и задачи</a:t>
-            </a:r>
-            <a:endParaRPr lang="ru-RU" dirty="0"/>
-          </a:p>
-        </p:txBody>
-      </p:sp>
-      <p:sp>
-        <p:nvSpPr>
-          <p:cNvPr id="3" name="Объект 2"/>
-          <p:cNvSpPr>
-            <a:spLocks noGrp="1"/>
-          </p:cNvSpPr>
-          <p:nvPr>
-            <p:ph idx="1"/>
-          </p:nvPr>
-        </p:nvSpPr>
-        <p:spPr>
-          <a:xfrm>
-            <a:off x="838200" y="1027612"/>
-            <a:ext cx="10515600" cy="5149351"/>
-          </a:xfrm>
-        </p:spPr>
-        <p:txBody>
-          <a:bodyPr>
-            <a:normAutofit/>
-          </a:bodyPr>
-          <a:lstStyle/>
-          <a:p>
-            <a:pPr marL="0" indent="0">
-              <a:lnSpc>
-                <a:spcPct val="150000"/>
-              </a:lnSpc>
-              <a:buNone/>
-            </a:pPr>
-            <a:r>
-              <a:rPr lang="ru-RU" dirty="0" smtClean="0"/>
-              <a:t>Цель работы: </a:t>
-            </a:r>
-            <a:r>
-              <a:rPr lang="ru-RU" dirty="0"/>
-              <a:t>исследование методов моделирования принятия решений на примере ботов в компьютерной </a:t>
-            </a:r>
-            <a:r>
-              <a:rPr lang="ru-RU" dirty="0" smtClean="0"/>
-              <a:t>игре.</a:t>
-            </a:r>
-            <a:endParaRPr lang="ru-RU" dirty="0"/>
-          </a:p>
-          <a:p>
-            <a:pPr marL="0" indent="0">
-              <a:buNone/>
-            </a:pPr>
-            <a:r>
-              <a:rPr lang="ru-RU" dirty="0" smtClean="0"/>
-              <a:t>Задачи:</a:t>
-            </a:r>
-          </a:p>
-          <a:p>
-            <a:pPr marL="635508" lvl="1" indent="-342900" algn="just">
-              <a:lnSpc>
-                <a:spcPct val="150000"/>
-              </a:lnSpc>
-              <a:spcAft>
-                <a:spcPts val="0"/>
-              </a:spcAft>
-              <a:buFont typeface="Symbol" panose="05050102010706020507" pitchFamily="18" charset="2"/>
-              <a:buChar char=""/>
-            </a:pPr>
-            <a:r>
-              <a:rPr lang="ru-RU" dirty="0" smtClean="0">
-                <a:ea typeface="Calibri" panose="020F0502020204030204" pitchFamily="34" charset="0"/>
-                <a:cs typeface="Times New Roman" panose="02020603050405020304" pitchFamily="18" charset="0"/>
-              </a:rPr>
-              <a:t>рассмотреть </a:t>
-            </a:r>
-            <a:r>
-              <a:rPr lang="ru-RU" dirty="0">
-                <a:ea typeface="Calibri" panose="020F0502020204030204" pitchFamily="34" charset="0"/>
-                <a:cs typeface="Times New Roman" panose="02020603050405020304" pitchFamily="18" charset="0"/>
-              </a:rPr>
-              <a:t>существующие методы и алгоритмы принятия решений</a:t>
-            </a:r>
-            <a:r>
-              <a:rPr lang="ru-RU" dirty="0" smtClean="0">
-                <a:ea typeface="Calibri" panose="020F0502020204030204" pitchFamily="34" charset="0"/>
-                <a:cs typeface="Times New Roman" panose="02020603050405020304" pitchFamily="18" charset="0"/>
-              </a:rPr>
-              <a:t>; </a:t>
-            </a:r>
-          </a:p>
-          <a:p>
-            <a:pPr marL="635508" lvl="1" indent="-342900" algn="just">
-              <a:lnSpc>
-                <a:spcPct val="150000"/>
-              </a:lnSpc>
-              <a:spcAft>
-                <a:spcPts val="0"/>
-              </a:spcAft>
-              <a:buFont typeface="Symbol" panose="05050102010706020507" pitchFamily="18" charset="2"/>
-              <a:buChar char=""/>
-            </a:pPr>
-            <a:r>
-              <a:rPr lang="ru-RU" dirty="0" smtClean="0">
-                <a:ea typeface="Calibri" panose="020F0502020204030204" pitchFamily="34" charset="0"/>
-                <a:cs typeface="Times New Roman" panose="02020603050405020304" pitchFamily="18" charset="0"/>
-              </a:rPr>
-              <a:t>реализовать игровых ботов, использующих рассмотренные </a:t>
-            </a:r>
-            <a:r>
-              <a:rPr lang="ru-RU" dirty="0">
-                <a:ea typeface="Calibri" panose="020F0502020204030204" pitchFamily="34" charset="0"/>
-                <a:cs typeface="Times New Roman" panose="02020603050405020304" pitchFamily="18" charset="0"/>
-              </a:rPr>
-              <a:t>алгоритмы</a:t>
-            </a:r>
-            <a:r>
-              <a:rPr lang="ru-RU" dirty="0" smtClean="0">
-                <a:ea typeface="Calibri" panose="020F0502020204030204" pitchFamily="34" charset="0"/>
-                <a:cs typeface="Times New Roman" panose="02020603050405020304" pitchFamily="18" charset="0"/>
-              </a:rPr>
-              <a:t>;</a:t>
-            </a:r>
-          </a:p>
-          <a:p>
-            <a:pPr marL="635508" lvl="1" indent="-342900" algn="just">
-              <a:lnSpc>
-                <a:spcPct val="150000"/>
-              </a:lnSpc>
-              <a:spcAft>
-                <a:spcPts val="0"/>
-              </a:spcAft>
-              <a:buFont typeface="Symbol" panose="05050102010706020507" pitchFamily="18" charset="2"/>
-              <a:buChar char=""/>
-            </a:pPr>
-            <a:r>
-              <a:rPr lang="ru-RU" dirty="0" smtClean="0">
-                <a:ea typeface="Calibri" panose="020F0502020204030204" pitchFamily="34" charset="0"/>
-                <a:cs typeface="Times New Roman" panose="02020603050405020304" pitchFamily="18" charset="0"/>
-              </a:rPr>
-              <a:t>сравнить полученные реализации по различным критериям;</a:t>
-            </a:r>
-            <a:endParaRPr lang="ru-RU" dirty="0">
-              <a:ea typeface="Calibri" panose="020F0502020204030204" pitchFamily="34" charset="0"/>
-              <a:cs typeface="Times New Roman" panose="02020603050405020304" pitchFamily="18" charset="0"/>
-            </a:endParaRPr>
-          </a:p>
-          <a:p>
-            <a:pPr marL="635508" lvl="1" indent="-342900" algn="just">
-              <a:lnSpc>
-                <a:spcPct val="150000"/>
-              </a:lnSpc>
-              <a:spcAft>
-                <a:spcPts val="0"/>
-              </a:spcAft>
-              <a:buFont typeface="Symbol" panose="05050102010706020507" pitchFamily="18" charset="2"/>
-              <a:buChar char=""/>
-            </a:pPr>
-            <a:r>
-              <a:rPr lang="ru-RU" dirty="0" smtClean="0">
-                <a:ea typeface="Calibri" panose="020F0502020204030204" pitchFamily="34" charset="0"/>
-                <a:cs typeface="Times New Roman" panose="02020603050405020304" pitchFamily="18" charset="0"/>
-              </a:rPr>
-              <a:t>сделать </a:t>
-            </a:r>
-            <a:r>
-              <a:rPr lang="ru-RU" dirty="0">
-                <a:ea typeface="Calibri" panose="020F0502020204030204" pitchFamily="34" charset="0"/>
-                <a:cs typeface="Times New Roman" panose="02020603050405020304" pitchFamily="18" charset="0"/>
-              </a:rPr>
-              <a:t>выводы об эффективности различных методов и алгоритмов для моделирования процесса принятия решений.</a:t>
-            </a:r>
-          </a:p>
-          <a:p>
-            <a:pPr lvl="1">
-              <a:buFont typeface="Arial" panose="020B0604020202020204" pitchFamily="34" charset="0"/>
-              <a:buChar char="•"/>
-            </a:pPr>
-            <a:endParaRPr lang="ru-RU" dirty="0"/>
-          </a:p>
-        </p:txBody>
-      </p:sp>
-      <p:sp>
-        <p:nvSpPr>
-          <p:cNvPr id="5" name="Нижний колонтитул 4"/>
-          <p:cNvSpPr>
-            <a:spLocks noGrp="1"/>
-          </p:cNvSpPr>
-          <p:nvPr>
-            <p:ph type="ftr" sz="quarter" idx="11"/>
-          </p:nvPr>
-        </p:nvSpPr>
-        <p:spPr/>
-        <p:txBody>
-          <a:bodyPr/>
-          <a:lstStyle/>
-          <a:p>
-            <a:r>
-              <a:rPr lang="ru-RU" smtClean="0"/>
-              <a:t>Приходько Е.В. Исследование методов моделирования принятия решений на примере ботов в компьютерной игре</a:t>
-            </a:r>
-            <a:endParaRPr lang="ru-RU"/>
-          </a:p>
-        </p:txBody>
-      </p:sp>
-      <p:sp>
-        <p:nvSpPr>
-          <p:cNvPr id="6" name="Номер слайда 5"/>
-          <p:cNvSpPr>
-            <a:spLocks noGrp="1"/>
-          </p:cNvSpPr>
-          <p:nvPr>
-            <p:ph type="sldNum" sz="quarter" idx="12"/>
-          </p:nvPr>
-        </p:nvSpPr>
-        <p:spPr/>
-        <p:txBody>
-          <a:bodyPr/>
-          <a:lstStyle/>
-          <a:p>
-            <a:fld id="{E58024C2-D31D-4875-8231-7C9AE6162281}" type="slidenum">
-              <a:rPr lang="ru-RU" smtClean="0"/>
-              <a:pPr/>
-              <a:t>4</a:t>
-            </a:fld>
-            <a:endParaRPr lang="ru-RU" dirty="0" smtClean="0"/>
-          </a:p>
-        </p:txBody>
-      </p:sp>
-    </p:spTree>
-    <p:extLst>
-      <p:ext uri="{BB962C8B-B14F-4D97-AF65-F5344CB8AC3E}">
-        <p14:creationId xmlns:p14="http://schemas.microsoft.com/office/powerpoint/2010/main" val="439179313"/>
-      </p:ext>
-    </p:extLst>
-  </p:cSld>
-  <p:clrMapOvr>
-    <a:masterClrMapping/>
-  </p:clrMapOvr>
-  <p:timing>
-    <p:tnLst>
-      <p:par>
-        <p:cTn id="1" dur="indefinite" restart="never" nodeType="tmRoot"/>
-      </p:par>
-    </p:tnLst>
-  </p:timing>
-</p:sld>
-</file>
-
-<file path=ppt/slides/slide5.xml><?xml version="1.0" encoding="utf-8"?>
-<p:sld xmlns:a="http://schemas.openxmlformats.org/drawingml/2006/main" xmlns:r="http://schemas.openxmlformats.org/officeDocument/2006/relationships" xmlns:p="http://schemas.openxmlformats.org/presentationml/2006/main">
-  <p:cSld>
-    <p:spTree>
-      <p:nvGrpSpPr>
-        <p:cNvPr id="1" name=""/>
-        <p:cNvGrpSpPr/>
-        <p:nvPr/>
-      </p:nvGrpSpPr>
-      <p:grpSpPr>
-        <a:xfrm>
-          <a:off x="0" y="0"/>
-          <a:ext cx="0" cy="0"/>
-          <a:chOff x="0" y="0"/>
-          <a:chExt cx="0" cy="0"/>
-        </a:xfrm>
-      </p:grpSpPr>
-      <p:sp>
-        <p:nvSpPr>
-          <p:cNvPr id="2" name="Заголовок 1"/>
-          <p:cNvSpPr>
-            <a:spLocks noGrp="1"/>
-          </p:cNvSpPr>
-          <p:nvPr>
-            <p:ph type="title"/>
-          </p:nvPr>
-        </p:nvSpPr>
-        <p:spPr>
-          <a:xfrm>
-            <a:off x="838200" y="200297"/>
-            <a:ext cx="10515600" cy="1299063"/>
-          </a:xfrm>
-        </p:spPr>
-        <p:txBody>
-          <a:bodyPr>
-            <a:normAutofit/>
-          </a:bodyPr>
-          <a:lstStyle/>
-          <a:p>
-            <a:r>
-              <a:rPr lang="ru-RU" sz="4000" dirty="0" smtClean="0"/>
-              <a:t>Платформа для исследования методов и алгоритмов принятия решений</a:t>
-            </a:r>
-            <a:endParaRPr lang="ru-RU" sz="4000" dirty="0"/>
-          </a:p>
-        </p:txBody>
-      </p:sp>
-      <p:sp>
-        <p:nvSpPr>
-          <p:cNvPr id="3" name="Объект 2"/>
-          <p:cNvSpPr>
-            <a:spLocks noGrp="1"/>
-          </p:cNvSpPr>
-          <p:nvPr>
-            <p:ph sz="half" idx="1"/>
-          </p:nvPr>
-        </p:nvSpPr>
-        <p:spPr>
-          <a:xfrm>
-            <a:off x="339633" y="1825625"/>
-            <a:ext cx="6505303" cy="4351338"/>
-          </a:xfrm>
-        </p:spPr>
-        <p:txBody>
-          <a:bodyPr>
-            <a:normAutofit fontScale="92500" lnSpcReduction="20000"/>
-          </a:bodyPr>
-          <a:lstStyle/>
-          <a:p>
-            <a:pPr>
-              <a:buFont typeface="Arial" panose="020B0604020202020204" pitchFamily="34" charset="0"/>
-              <a:buChar char="•"/>
-            </a:pPr>
-            <a:r>
-              <a:rPr lang="ru-RU" dirty="0" smtClean="0"/>
-              <a:t>Компьютерная игра</a:t>
-            </a:r>
-            <a:endParaRPr lang="en-US" dirty="0" smtClean="0"/>
-          </a:p>
-          <a:p>
-            <a:pPr>
-              <a:buFont typeface="Arial" panose="020B0604020202020204" pitchFamily="34" charset="0"/>
-              <a:buChar char="•"/>
-            </a:pPr>
-            <a:r>
-              <a:rPr lang="ru-RU" dirty="0" smtClean="0"/>
-              <a:t>Реализация: игровой движок </a:t>
-            </a:r>
-            <a:r>
-              <a:rPr lang="en-US" dirty="0" smtClean="0"/>
-              <a:t>Unity </a:t>
-            </a:r>
-            <a:r>
-              <a:rPr lang="ru-RU" dirty="0" smtClean="0"/>
-              <a:t>(</a:t>
-            </a:r>
-            <a:r>
-              <a:rPr lang="en-US" dirty="0" smtClean="0"/>
-              <a:t>C#</a:t>
-            </a:r>
-            <a:r>
-              <a:rPr lang="ru-RU" dirty="0" smtClean="0"/>
-              <a:t>)</a:t>
-            </a:r>
-          </a:p>
-          <a:p>
-            <a:pPr>
-              <a:buFont typeface="Arial" panose="020B0604020202020204" pitchFamily="34" charset="0"/>
-              <a:buChar char="•"/>
-            </a:pPr>
-            <a:r>
-              <a:rPr lang="ru-RU" dirty="0" smtClean="0"/>
-              <a:t>Жанр: </a:t>
-            </a:r>
-            <a:r>
-              <a:rPr lang="en-US" dirty="0" err="1" smtClean="0"/>
-              <a:t>Topdown</a:t>
-            </a:r>
-            <a:r>
-              <a:rPr lang="en-US" dirty="0" smtClean="0"/>
-              <a:t> shooter</a:t>
-            </a:r>
-            <a:endParaRPr lang="ru-RU" dirty="0" smtClean="0"/>
-          </a:p>
-          <a:p>
-            <a:pPr>
-              <a:buFont typeface="Arial" panose="020B0604020202020204" pitchFamily="34" charset="0"/>
-              <a:buChar char="•"/>
-            </a:pPr>
-            <a:r>
-              <a:rPr lang="ru-RU" dirty="0" smtClean="0"/>
-              <a:t>Правила:</a:t>
-            </a:r>
-          </a:p>
-          <a:p>
-            <a:pPr lvl="1">
-              <a:buFont typeface="Arial" panose="020B0604020202020204" pitchFamily="34" charset="0"/>
-              <a:buChar char="•"/>
-            </a:pPr>
-            <a:r>
-              <a:rPr lang="ru-RU" dirty="0" smtClean="0"/>
-              <a:t>У каждого агента 100 очков здоровья. Выстрелы уменьшают очки здоровья на 10. Если очков здоровья </a:t>
-            </a:r>
-            <a:r>
-              <a:rPr lang="en-US" dirty="0" smtClean="0"/>
-              <a:t>&lt;= 0</a:t>
-            </a:r>
-            <a:r>
-              <a:rPr lang="ru-RU" dirty="0" smtClean="0"/>
-              <a:t>, агент считается проигравшим</a:t>
-            </a:r>
-          </a:p>
-          <a:p>
-            <a:pPr lvl="1">
-              <a:buFont typeface="Arial" panose="020B0604020202020204" pitchFamily="34" charset="0"/>
-              <a:buChar char="•"/>
-            </a:pPr>
-            <a:r>
-              <a:rPr lang="ru-RU" dirty="0" smtClean="0"/>
-              <a:t>За стенами не видно противника</a:t>
-            </a:r>
-          </a:p>
-          <a:p>
-            <a:pPr lvl="1">
-              <a:buFont typeface="Arial" panose="020B0604020202020204" pitchFamily="34" charset="0"/>
-              <a:buChar char="•"/>
-            </a:pPr>
-            <a:r>
-              <a:rPr lang="ru-RU" dirty="0" smtClean="0"/>
-              <a:t>Укрытия блокируют половину выстрелов, если стрелок не стоит близко к нему</a:t>
-            </a:r>
-          </a:p>
-          <a:p>
-            <a:pPr lvl="1">
-              <a:buFont typeface="Arial" panose="020B0604020202020204" pitchFamily="34" charset="0"/>
-              <a:buChar char="•"/>
-            </a:pPr>
-            <a:r>
-              <a:rPr lang="ru-RU" dirty="0" smtClean="0"/>
-              <a:t>В углах расположены аптечки, восстанавливающие очки здоровья</a:t>
-            </a:r>
-            <a:endParaRPr lang="ru-RU" dirty="0"/>
-          </a:p>
-        </p:txBody>
-      </p:sp>
-      <p:pic>
-        <p:nvPicPr>
-          <p:cNvPr id="6" name="Объект 5"/>
-          <p:cNvPicPr>
-            <a:picLocks noGrp="1"/>
-          </p:cNvPicPr>
-          <p:nvPr>
-            <p:ph sz="half" idx="2"/>
-          </p:nvPr>
-        </p:nvPicPr>
-        <p:blipFill>
-          <a:blip r:embed="rId3">
-            <a:extLst>
-              <a:ext uri="{28A0092B-C50C-407E-A947-70E740481C1C}">
-                <a14:useLocalDpi xmlns:a14="http://schemas.microsoft.com/office/drawing/2010/main" val="0"/>
-              </a:ext>
-            </a:extLst>
-          </a:blip>
-          <a:stretch>
-            <a:fillRect/>
-          </a:stretch>
-        </p:blipFill>
-        <p:spPr>
-          <a:xfrm>
-            <a:off x="7008224" y="1499360"/>
-            <a:ext cx="4223656" cy="4204460"/>
-          </a:xfrm>
-          <a:prstGeom prst="rect">
-            <a:avLst/>
-          </a:prstGeom>
-        </p:spPr>
-      </p:pic>
-      <p:sp>
-        <p:nvSpPr>
-          <p:cNvPr id="4" name="Нижний колонтитул 3"/>
-          <p:cNvSpPr>
-            <a:spLocks noGrp="1"/>
-          </p:cNvSpPr>
-          <p:nvPr>
-            <p:ph type="ftr" sz="quarter" idx="11"/>
-          </p:nvPr>
-        </p:nvSpPr>
-        <p:spPr/>
-        <p:txBody>
-          <a:bodyPr/>
-          <a:lstStyle/>
-          <a:p>
-            <a:r>
-              <a:rPr lang="ru-RU" smtClean="0"/>
-              <a:t>Приходько Е.В. Исследование методов моделирования принятия решений на примере ботов в компьютерной игре</a:t>
-            </a:r>
-            <a:endParaRPr lang="ru-RU"/>
-          </a:p>
-        </p:txBody>
-      </p:sp>
-      <p:sp>
-        <p:nvSpPr>
-          <p:cNvPr id="7" name="Номер слайда 6"/>
-          <p:cNvSpPr>
-            <a:spLocks noGrp="1"/>
-          </p:cNvSpPr>
-          <p:nvPr>
-            <p:ph type="sldNum" sz="quarter" idx="12"/>
-          </p:nvPr>
-        </p:nvSpPr>
-        <p:spPr/>
-        <p:txBody>
-          <a:bodyPr/>
-          <a:lstStyle/>
-          <a:p>
-            <a:fld id="{E58024C2-D31D-4875-8231-7C9AE6162281}" type="slidenum">
-              <a:rPr lang="ru-RU" smtClean="0"/>
-              <a:pPr/>
-              <a:t>5</a:t>
-            </a:fld>
-            <a:endParaRPr lang="ru-RU" dirty="0"/>
-          </a:p>
-        </p:txBody>
-      </p:sp>
-      <p:sp>
-        <p:nvSpPr>
-          <p:cNvPr id="8" name="TextBox 7"/>
-          <p:cNvSpPr txBox="1"/>
-          <p:nvPr/>
-        </p:nvSpPr>
-        <p:spPr>
-          <a:xfrm>
-            <a:off x="8069924" y="5845419"/>
-            <a:ext cx="2100255" cy="369332"/>
-          </a:xfrm>
-          <a:prstGeom prst="rect">
-            <a:avLst/>
-          </a:prstGeom>
-          <a:noFill/>
-        </p:spPr>
-        <p:txBody>
-          <a:bodyPr wrap="none" rtlCol="0">
-            <a:spAutoFit/>
-          </a:bodyPr>
-          <a:lstStyle/>
-          <a:p>
-            <a:r>
-              <a:rPr lang="ru-RU" dirty="0" smtClean="0"/>
-              <a:t>Вид игровой арены</a:t>
-            </a:r>
-            <a:endParaRPr lang="ru-RU" dirty="0"/>
-          </a:p>
-        </p:txBody>
-      </p:sp>
-    </p:spTree>
-    <p:extLst>
-      <p:ext uri="{BB962C8B-B14F-4D97-AF65-F5344CB8AC3E}">
-        <p14:creationId xmlns:p14="http://schemas.microsoft.com/office/powerpoint/2010/main" val="230434280"/>
-      </p:ext>
-    </p:extLst>
-  </p:cSld>
-  <p:clrMapOvr>
-    <a:masterClrMapping/>
-  </p:clrMapOvr>
-  <p:timing>
-    <p:tnLst>
-      <p:par>
-        <p:cTn id="1" dur="indefinite" restart="never" nodeType="tmRoot"/>
-      </p:par>
-    </p:tnLst>
-  </p:timing>
-</p:sld>
-</file>
-
-<file path=ppt/slides/slide6.xml><?xml version="1.0" encoding="utf-8"?>
-<p:sld xmlns:a="http://schemas.openxmlformats.org/drawingml/2006/main" xmlns:r="http://schemas.openxmlformats.org/officeDocument/2006/relationships" xmlns:p="http://schemas.openxmlformats.org/presentationml/2006/main">
-  <p:cSld>
-    <p:spTree>
-      <p:nvGrpSpPr>
-        <p:cNvPr id="1" name=""/>
-        <p:cNvGrpSpPr/>
-        <p:nvPr/>
-      </p:nvGrpSpPr>
-      <p:grpSpPr>
-        <a:xfrm>
-          <a:off x="0" y="0"/>
-          <a:ext cx="0" cy="0"/>
-          <a:chOff x="0" y="0"/>
-          <a:chExt cx="0" cy="0"/>
-        </a:xfrm>
-      </p:grpSpPr>
-      <p:sp>
-        <p:nvSpPr>
-          <p:cNvPr id="2" name="Заголовок 1"/>
-          <p:cNvSpPr>
-            <a:spLocks noGrp="1"/>
-          </p:cNvSpPr>
-          <p:nvPr>
-            <p:ph type="title"/>
-          </p:nvPr>
-        </p:nvSpPr>
-        <p:spPr>
-          <a:xfrm>
-            <a:off x="838200" y="365125"/>
-            <a:ext cx="10515600" cy="1362685"/>
-          </a:xfrm>
-        </p:spPr>
-        <p:txBody>
-          <a:bodyPr/>
-          <a:lstStyle/>
-          <a:p>
-            <a:r>
-              <a:rPr lang="ru-RU" dirty="0" smtClean="0"/>
-              <a:t>Конечные автоматы</a:t>
-            </a:r>
-            <a:endParaRPr lang="ru-RU" dirty="0"/>
-          </a:p>
-        </p:txBody>
-      </p:sp>
-      <p:sp>
-        <p:nvSpPr>
-          <p:cNvPr id="3" name="Объект 2"/>
-          <p:cNvSpPr>
-            <a:spLocks noGrp="1"/>
-          </p:cNvSpPr>
-          <p:nvPr>
-            <p:ph sz="half" idx="1"/>
-          </p:nvPr>
-        </p:nvSpPr>
-        <p:spPr>
-          <a:xfrm>
-            <a:off x="496389" y="1845734"/>
-            <a:ext cx="4765351" cy="4023360"/>
-          </a:xfrm>
-        </p:spPr>
-        <p:txBody>
-          <a:bodyPr>
-            <a:normAutofit fontScale="92500"/>
-          </a:bodyPr>
-          <a:lstStyle/>
-          <a:p>
-            <a:pPr marL="0" indent="0">
-              <a:buNone/>
-            </a:pPr>
-            <a:r>
-              <a:rPr lang="ru-RU" dirty="0" smtClean="0"/>
-              <a:t>Каждое состояние представляет стратегию поведения агента:</a:t>
-            </a:r>
-          </a:p>
-          <a:p>
-            <a:pPr lvl="1">
-              <a:buFont typeface="Arial" panose="020B0604020202020204" pitchFamily="34" charset="0"/>
-              <a:buChar char="•"/>
-            </a:pPr>
-            <a:r>
-              <a:rPr lang="ru-RU" dirty="0" smtClean="0"/>
-              <a:t>Поиск противника</a:t>
-            </a:r>
-          </a:p>
-          <a:p>
-            <a:pPr lvl="1">
-              <a:buFont typeface="Arial" panose="020B0604020202020204" pitchFamily="34" charset="0"/>
-              <a:buChar char="•"/>
-            </a:pPr>
-            <a:r>
-              <a:rPr lang="ru-RU" dirty="0" smtClean="0"/>
-              <a:t>Атака</a:t>
-            </a:r>
-          </a:p>
-          <a:p>
-            <a:pPr lvl="1">
-              <a:buFont typeface="Arial" panose="020B0604020202020204" pitchFamily="34" charset="0"/>
-              <a:buChar char="•"/>
-            </a:pPr>
-            <a:r>
-              <a:rPr lang="ru-RU" dirty="0" smtClean="0"/>
-              <a:t>Защита</a:t>
-            </a:r>
-          </a:p>
-          <a:p>
-            <a:pPr lvl="1">
-              <a:buFont typeface="Arial" panose="020B0604020202020204" pitchFamily="34" charset="0"/>
-              <a:buChar char="•"/>
-            </a:pPr>
-            <a:r>
-              <a:rPr lang="ru-RU" dirty="0" smtClean="0"/>
-              <a:t>Отступление и поиск аптечек</a:t>
-            </a:r>
-          </a:p>
-          <a:p>
-            <a:pPr marL="0" indent="0">
-              <a:buNone/>
-            </a:pPr>
-            <a:r>
-              <a:rPr lang="ru-RU" dirty="0" smtClean="0"/>
-              <a:t>Переходы содержат условия – изменения окружающей среды, из-за которых агент должен сменить стратегию</a:t>
-            </a:r>
-            <a:endParaRPr lang="ru-RU" dirty="0"/>
-          </a:p>
-        </p:txBody>
-      </p:sp>
-      <p:sp>
-        <p:nvSpPr>
-          <p:cNvPr id="10" name="Rectangle 6"/>
-          <p:cNvSpPr>
-            <a:spLocks noChangeArrowheads="1"/>
-          </p:cNvSpPr>
-          <p:nvPr/>
-        </p:nvSpPr>
-        <p:spPr bwMode="auto">
-          <a:xfrm>
-            <a:off x="0" y="0"/>
-            <a:ext cx="12192000" cy="0"/>
-          </a:xfrm>
-          <a:prstGeom prst="rect">
-            <a:avLst/>
-          </a:prstGeom>
-          <a:noFill/>
-          <a:ln>
-            <a:noFill/>
-          </a:ln>
-          <a:effectLst/>
-          <a:extLst>
-            <a:ext uri="{909E8E84-426E-40DD-AFC4-6F175D3DCCD1}">
-              <a14:hiddenFill xmlns:a14="http://schemas.microsoft.com/office/drawing/2010/main">
-                <a:solidFill>
-                  <a:schemeClr val="accent1"/>
-                </a:solidFill>
-              </a14:hiddenFill>
-            </a:ext>
-            <a:ext uri="{91240B29-F687-4F45-9708-019B960494DF}">
-              <a14:hiddenLine xmlns:a14="http://schemas.microsoft.com/office/drawing/2010/main" w="9525">
-                <a:solidFill>
-                  <a:schemeClr val="tx1"/>
-                </a:solidFill>
-                <a:miter lim="800000"/>
-                <a:headEnd/>
-                <a:tailEnd/>
-              </a14:hiddenLine>
-            </a:ext>
-            <a:ext uri="{AF507438-7753-43E0-B8FC-AC1667EBCBE1}">
-              <a14:hiddenEffects xmlns:a14="http://schemas.microsoft.com/office/drawing/2010/main">
-                <a:effectLst>
-                  <a:outerShdw dist="35921" dir="2700000" algn="ctr" rotWithShape="0">
-                    <a:schemeClr val="bg2"/>
-                  </a:outerShdw>
-                </a:effectLst>
-              </a14:hiddenEffects>
-            </a:ext>
-          </a:extLst>
-        </p:spPr>
-        <p:txBody>
-          <a:bodyPr vert="horz" wrap="none" lIns="91440" tIns="45720" rIns="91440" bIns="45720" numCol="1" anchor="ctr" anchorCtr="0" compatLnSpc="1">
-            <a:prstTxWarp prst="textNoShape">
-              <a:avLst/>
-            </a:prstTxWarp>
-            <a:spAutoFit/>
-          </a:bodyPr>
-          <a:lstStyle/>
-          <a:p>
-            <a:endParaRPr lang="ru-RU"/>
-          </a:p>
-        </p:txBody>
-      </p:sp>
-      <p:graphicFrame>
-        <p:nvGraphicFramePr>
-          <p:cNvPr id="11" name="Объект 10"/>
-          <p:cNvGraphicFramePr>
-            <a:graphicFrameLocks noChangeAspect="1"/>
-          </p:cNvGraphicFramePr>
-          <p:nvPr>
-            <p:extLst>
-              <p:ext uri="{D42A27DB-BD31-4B8C-83A1-F6EECF244321}">
-                <p14:modId xmlns:p14="http://schemas.microsoft.com/office/powerpoint/2010/main" val="3386555243"/>
-              </p:ext>
-            </p:extLst>
-          </p:nvPr>
-        </p:nvGraphicFramePr>
-        <p:xfrm>
-          <a:off x="5403057" y="1845734"/>
-          <a:ext cx="5950743" cy="3607767"/>
-        </p:xfrm>
-        <a:graphic>
-          <a:graphicData uri="http://schemas.openxmlformats.org/presentationml/2006/ole">
-            <mc:AlternateContent xmlns:mc="http://schemas.openxmlformats.org/markup-compatibility/2006">
-              <mc:Choice xmlns:v="urn:schemas-microsoft-com:vml" Requires="v">
-                <p:oleObj spid="_x0000_s2090" name="Visio" r:id="rId3" imgW="5467221" imgH="3314790" progId="Visio.Drawing.15">
-                  <p:embed/>
-                </p:oleObj>
-              </mc:Choice>
-              <mc:Fallback>
-                <p:oleObj name="Visio" r:id="rId3" imgW="5467221" imgH="3314790" progId="Visio.Drawing.15">
-                  <p:embed/>
-                  <p:pic>
-                    <p:nvPicPr>
-                      <p:cNvPr id="0" name="Object 5"/>
-                      <p:cNvPicPr>
-                        <a:picLocks noChangeAspect="1" noChangeArrowheads="1"/>
-                      </p:cNvPicPr>
-                      <p:nvPr/>
-                    </p:nvPicPr>
-                    <p:blipFill>
-                      <a:blip r:embed="rId4">
-                        <a:extLst>
-                          <a:ext uri="{28A0092B-C50C-407E-A947-70E740481C1C}">
-                            <a14:useLocalDpi xmlns:a14="http://schemas.microsoft.com/office/drawing/2010/main" val="0"/>
-                          </a:ext>
-                        </a:extLst>
-                      </a:blip>
-                      <a:srcRect/>
-                      <a:stretch>
-                        <a:fillRect/>
-                      </a:stretch>
-                    </p:blipFill>
-                    <p:spPr bwMode="auto">
-                      <a:xfrm>
-                        <a:off x="5403057" y="1845734"/>
-                        <a:ext cx="5950743" cy="3607767"/>
-                      </a:xfrm>
-                      <a:prstGeom prst="rect">
-                        <a:avLst/>
-                      </a:prstGeom>
-                      <a:noFill/>
-                    </p:spPr>
-                  </p:pic>
-                </p:oleObj>
-              </mc:Fallback>
-            </mc:AlternateContent>
-          </a:graphicData>
-        </a:graphic>
-      </p:graphicFrame>
-      <p:sp>
-        <p:nvSpPr>
-          <p:cNvPr id="4" name="Нижний колонтитул 3"/>
-          <p:cNvSpPr>
-            <a:spLocks noGrp="1"/>
-          </p:cNvSpPr>
-          <p:nvPr>
-            <p:ph type="ftr" sz="quarter" idx="11"/>
-          </p:nvPr>
-        </p:nvSpPr>
-        <p:spPr/>
-        <p:txBody>
-          <a:bodyPr/>
-          <a:lstStyle/>
-          <a:p>
-            <a:r>
-              <a:rPr lang="ru-RU" smtClean="0"/>
-              <a:t>Приходько Е.В. Исследование методов моделирования принятия решений на примере ботов в компьютерной игре</a:t>
-            </a:r>
-            <a:endParaRPr lang="ru-RU"/>
-          </a:p>
-        </p:txBody>
-      </p:sp>
-      <p:sp>
-        <p:nvSpPr>
-          <p:cNvPr id="6" name="Номер слайда 5"/>
-          <p:cNvSpPr>
-            <a:spLocks noGrp="1"/>
-          </p:cNvSpPr>
-          <p:nvPr>
-            <p:ph type="sldNum" sz="quarter" idx="12"/>
-          </p:nvPr>
-        </p:nvSpPr>
-        <p:spPr/>
-        <p:txBody>
-          <a:bodyPr/>
-          <a:lstStyle/>
-          <a:p>
-            <a:fld id="{E58024C2-D31D-4875-8231-7C9AE6162281}" type="slidenum">
-              <a:rPr lang="ru-RU" smtClean="0"/>
-              <a:pPr/>
-              <a:t>6</a:t>
-            </a:fld>
-            <a:endParaRPr lang="ru-RU" dirty="0"/>
-          </a:p>
-        </p:txBody>
-      </p:sp>
-      <p:sp>
-        <p:nvSpPr>
-          <p:cNvPr id="7" name="TextBox 6"/>
-          <p:cNvSpPr txBox="1"/>
-          <p:nvPr/>
-        </p:nvSpPr>
-        <p:spPr>
-          <a:xfrm>
-            <a:off x="6096000" y="5684428"/>
-            <a:ext cx="4983287" cy="369332"/>
-          </a:xfrm>
-          <a:prstGeom prst="rect">
-            <a:avLst/>
-          </a:prstGeom>
-          <a:noFill/>
-        </p:spPr>
-        <p:txBody>
-          <a:bodyPr wrap="none" rtlCol="0">
-            <a:spAutoFit/>
-          </a:bodyPr>
-          <a:lstStyle/>
-          <a:p>
-            <a:r>
-              <a:rPr lang="ru-RU" dirty="0" smtClean="0"/>
-              <a:t>Изображение конечного автомата в виде графа</a:t>
-            </a:r>
-            <a:endParaRPr lang="ru-RU" dirty="0"/>
-          </a:p>
-        </p:txBody>
-      </p:sp>
-    </p:spTree>
-    <p:extLst>
-      <p:ext uri="{BB962C8B-B14F-4D97-AF65-F5344CB8AC3E}">
-        <p14:creationId xmlns:p14="http://schemas.microsoft.com/office/powerpoint/2010/main" val="932785340"/>
-      </p:ext>
-    </p:extLst>
-  </p:cSld>
-  <p:clrMapOvr>
-    <a:masterClrMapping/>
-  </p:clrMapOvr>
-</p:sld>
-</file>
-
-<file path=ppt/slides/slide7.xml><?xml version="1.0" encoding="utf-8"?>
-<p:sld xmlns:a="http://schemas.openxmlformats.org/drawingml/2006/main" xmlns:r="http://schemas.openxmlformats.org/officeDocument/2006/relationships" xmlns:p="http://schemas.openxmlformats.org/presentationml/2006/main">
-  <p:cSld>
-    <p:spTree>
-      <p:nvGrpSpPr>
-        <p:cNvPr id="1" name=""/>
-        <p:cNvGrpSpPr/>
-        <p:nvPr/>
-      </p:nvGrpSpPr>
-      <p:grpSpPr>
-        <a:xfrm>
-          <a:off x="0" y="0"/>
-          <a:ext cx="0" cy="0"/>
-          <a:chOff x="0" y="0"/>
-          <a:chExt cx="0" cy="0"/>
-        </a:xfrm>
-      </p:grpSpPr>
-      <p:sp>
-        <p:nvSpPr>
-          <p:cNvPr id="2" name="Заголовок 1"/>
-          <p:cNvSpPr>
-            <a:spLocks noGrp="1"/>
-          </p:cNvSpPr>
-          <p:nvPr>
-            <p:ph type="title"/>
-          </p:nvPr>
-        </p:nvSpPr>
-        <p:spPr>
-          <a:xfrm>
-            <a:off x="838200" y="365125"/>
-            <a:ext cx="10515600" cy="1333045"/>
-          </a:xfrm>
-        </p:spPr>
-        <p:txBody>
-          <a:bodyPr/>
-          <a:lstStyle/>
-          <a:p>
-            <a:r>
-              <a:rPr lang="ru-RU" dirty="0" smtClean="0"/>
-              <a:t>Конечные автоматы (выводы)</a:t>
-            </a:r>
-            <a:endParaRPr lang="ru-RU" dirty="0"/>
-          </a:p>
-        </p:txBody>
-      </p:sp>
-      <p:sp>
-        <p:nvSpPr>
-          <p:cNvPr id="3" name="Объект 2"/>
-          <p:cNvSpPr>
-            <a:spLocks noGrp="1"/>
-          </p:cNvSpPr>
-          <p:nvPr>
-            <p:ph idx="1"/>
-          </p:nvPr>
-        </p:nvSpPr>
-        <p:spPr>
-          <a:xfrm>
-            <a:off x="487680" y="1976845"/>
-            <a:ext cx="11094720" cy="4200117"/>
-          </a:xfrm>
-        </p:spPr>
-        <p:txBody>
-          <a:bodyPr>
-            <a:normAutofit/>
-          </a:bodyPr>
-          <a:lstStyle/>
-          <a:p>
-            <a:pPr marL="0" indent="0">
-              <a:buNone/>
-            </a:pPr>
-            <a:r>
-              <a:rPr lang="ru-RU" dirty="0" smtClean="0"/>
-              <a:t>Преимущества</a:t>
-            </a:r>
-          </a:p>
-          <a:p>
-            <a:pPr lvl="1">
-              <a:buFont typeface="Arial" panose="020B0604020202020204" pitchFamily="34" charset="0"/>
-              <a:buChar char="•"/>
-            </a:pPr>
-            <a:r>
-              <a:rPr lang="ru-RU" dirty="0" smtClean="0"/>
-              <a:t>Просты в разработке для агентов с небольшим количеством стратегий</a:t>
-            </a:r>
-          </a:p>
-          <a:p>
-            <a:pPr lvl="1">
-              <a:buFont typeface="Arial" panose="020B0604020202020204" pitchFamily="34" charset="0"/>
-              <a:buChar char="•"/>
-            </a:pPr>
-            <a:r>
-              <a:rPr lang="ru-RU" dirty="0" smtClean="0"/>
-              <a:t>Быстродействие: </a:t>
-            </a:r>
-            <a:r>
-              <a:rPr lang="en-US" dirty="0" smtClean="0"/>
-              <a:t>O(n)</a:t>
-            </a:r>
-            <a:r>
-              <a:rPr lang="ru-RU" dirty="0" smtClean="0"/>
-              <a:t>, где </a:t>
-            </a:r>
-            <a:r>
-              <a:rPr lang="en-US" dirty="0" smtClean="0"/>
-              <a:t>n – </a:t>
-            </a:r>
-            <a:r>
-              <a:rPr lang="ru-RU" dirty="0" smtClean="0"/>
-              <a:t>среднее количество исходящих переходов</a:t>
-            </a:r>
-          </a:p>
-          <a:p>
-            <a:pPr marL="0" indent="0">
-              <a:buNone/>
-            </a:pPr>
-            <a:r>
-              <a:rPr lang="ru-RU" dirty="0" smtClean="0"/>
-              <a:t>Недостатки</a:t>
-            </a:r>
-          </a:p>
-          <a:p>
-            <a:pPr lvl="1">
-              <a:buFont typeface="Arial" panose="020B0604020202020204" pitchFamily="34" charset="0"/>
-              <a:buChar char="•"/>
-            </a:pPr>
-            <a:r>
-              <a:rPr lang="ru-RU" dirty="0" smtClean="0"/>
-              <a:t>Не подходят для реализации сложных моделей поведения</a:t>
-            </a:r>
-          </a:p>
-          <a:p>
-            <a:pPr lvl="1">
-              <a:buFont typeface="Arial" panose="020B0604020202020204" pitchFamily="34" charset="0"/>
-              <a:buChar char="•"/>
-            </a:pPr>
-            <a:r>
-              <a:rPr lang="ru-RU" dirty="0" smtClean="0"/>
-              <a:t>Поведение </a:t>
-            </a:r>
-            <a:r>
-              <a:rPr lang="ru-RU" dirty="0"/>
-              <a:t>полностью определяется разработчиком. Агент может реагировать только на те условия окружающей среды, которые были учтены про проектировании.</a:t>
-            </a:r>
-          </a:p>
-          <a:p>
-            <a:pPr lvl="1">
-              <a:buFont typeface="Arial" panose="020B0604020202020204" pitchFamily="34" charset="0"/>
-              <a:buChar char="•"/>
-            </a:pPr>
-            <a:endParaRPr lang="ru-RU" dirty="0" smtClean="0"/>
-          </a:p>
-        </p:txBody>
-      </p:sp>
-      <p:sp>
-        <p:nvSpPr>
-          <p:cNvPr id="5" name="Нижний колонтитул 4"/>
-          <p:cNvSpPr>
-            <a:spLocks noGrp="1"/>
-          </p:cNvSpPr>
-          <p:nvPr>
-            <p:ph type="ftr" sz="quarter" idx="11"/>
-          </p:nvPr>
-        </p:nvSpPr>
-        <p:spPr/>
-        <p:txBody>
-          <a:bodyPr/>
-          <a:lstStyle/>
-          <a:p>
-            <a:r>
-              <a:rPr lang="ru-RU" smtClean="0"/>
-              <a:t>Приходько Е.В. Исследование методов моделирования принятия решений на примере ботов в компьютерной игре</a:t>
-            </a:r>
-            <a:endParaRPr lang="ru-RU"/>
-          </a:p>
-        </p:txBody>
-      </p:sp>
-      <p:sp>
-        <p:nvSpPr>
-          <p:cNvPr id="6" name="Номер слайда 5"/>
-          <p:cNvSpPr>
-            <a:spLocks noGrp="1"/>
-          </p:cNvSpPr>
-          <p:nvPr>
-            <p:ph type="sldNum" sz="quarter" idx="12"/>
-          </p:nvPr>
-        </p:nvSpPr>
-        <p:spPr/>
-        <p:txBody>
-          <a:bodyPr/>
-          <a:lstStyle/>
-          <a:p>
-            <a:fld id="{E58024C2-D31D-4875-8231-7C9AE6162281}" type="slidenum">
-              <a:rPr lang="ru-RU" smtClean="0"/>
-              <a:pPr/>
-              <a:t>7</a:t>
-            </a:fld>
-            <a:endParaRPr lang="ru-RU" dirty="0" smtClean="0"/>
-          </a:p>
-        </p:txBody>
-      </p:sp>
-    </p:spTree>
-    <p:extLst>
-      <p:ext uri="{BB962C8B-B14F-4D97-AF65-F5344CB8AC3E}">
-        <p14:creationId xmlns:p14="http://schemas.microsoft.com/office/powerpoint/2010/main" val="4245630726"/>
-      </p:ext>
-    </p:extLst>
-  </p:cSld>
-  <p:clrMapOvr>
-    <a:masterClrMapping/>
-  </p:clrMapOvr>
-</p:sld>
-</file>
-
-<file path=ppt/slides/slide8.xml><?xml version="1.0" encoding="utf-8"?>
+<file path=ppt/slides/slide24.xml><?xml version="1.0" encoding="utf-8"?>
 <p:sld xmlns:a="http://schemas.openxmlformats.org/drawingml/2006/main" xmlns:r="http://schemas.openxmlformats.org/officeDocument/2006/relationships" xmlns:p="http://schemas.openxmlformats.org/presentationml/2006/main">
   <p:cSld>
     <p:spTree>
@@ -20903,7 +19628,7 @@
             <a:fld id="{E58024C2-D31D-4875-8231-7C9AE6162281}" type="slidenum">
               <a:rPr lang="ru-RU" smtClean="0"/>
               <a:pPr/>
-              <a:t>8</a:t>
+              <a:t>24</a:t>
             </a:fld>
             <a:endParaRPr lang="ru-RU" dirty="0"/>
           </a:p>
@@ -20916,11 +19641,7 @@
             <a:graphicFrameLocks noChangeAspect="1"/>
           </p:cNvGraphicFramePr>
           <p:nvPr>
-            <p:extLst>
-              <p:ext uri="{D42A27DB-BD31-4B8C-83A1-F6EECF244321}">
-                <p14:modId xmlns:p14="http://schemas.microsoft.com/office/powerpoint/2010/main" val="2661003641"/>
-              </p:ext>
-            </p:extLst>
+            <p:extLst/>
           </p:nvPr>
         </p:nvGraphicFramePr>
         <p:xfrm>
@@ -20931,7 +19652,7 @@
           <a:graphicData uri="http://schemas.openxmlformats.org/presentationml/2006/ole">
             <mc:AlternateContent xmlns:mc="http://schemas.openxmlformats.org/markup-compatibility/2006">
               <mc:Choice xmlns:v="urn:schemas-microsoft-com:vml" Requires="v">
-                <p:oleObj spid="_x0000_s5180" name="Visio" r:id="rId3" imgW="6562610" imgH="3791070" progId="Visio.Drawing.15">
+                <p:oleObj spid="_x0000_s11335" name="Visio" r:id="rId3" imgW="6562610" imgH="3791070" progId="Visio.Drawing.15">
                   <p:embed/>
                 </p:oleObj>
               </mc:Choice>
@@ -20940,7 +19661,7 @@
                   <p:embed/>
                   <p:pic>
                     <p:nvPicPr>
-                      <p:cNvPr id="0" name=""/>
+                      <p:cNvPr id="9" name="Объект 8"/>
                       <p:cNvPicPr>
                         <a:picLocks noChangeAspect="1" noChangeArrowheads="1"/>
                       </p:cNvPicPr>
@@ -21040,11 +19761,7 @@
             <a:graphicFrameLocks noChangeAspect="1"/>
           </p:cNvGraphicFramePr>
           <p:nvPr>
-            <p:extLst>
-              <p:ext uri="{D42A27DB-BD31-4B8C-83A1-F6EECF244321}">
-                <p14:modId xmlns:p14="http://schemas.microsoft.com/office/powerpoint/2010/main" val="2105840015"/>
-              </p:ext>
-            </p:extLst>
+            <p:extLst/>
           </p:nvPr>
         </p:nvGraphicFramePr>
         <p:xfrm>
@@ -21055,7 +19772,7 @@
           <a:graphicData uri="http://schemas.openxmlformats.org/presentationml/2006/ole">
             <mc:AlternateContent xmlns:mc="http://schemas.openxmlformats.org/markup-compatibility/2006">
               <mc:Choice xmlns:v="urn:schemas-microsoft-com:vml" Requires="v">
-                <p:oleObj spid="_x0000_s5181" name="Visio" r:id="rId5" imgW="4695721" imgH="1276290" progId="Visio.Drawing.15">
+                <p:oleObj spid="_x0000_s11336" name="Visio" r:id="rId5" imgW="4695721" imgH="1276290" progId="Visio.Drawing.15">
                   <p:embed/>
                 </p:oleObj>
               </mc:Choice>
@@ -21064,7 +19781,7 @@
                   <p:embed/>
                   <p:pic>
                     <p:nvPicPr>
-                      <p:cNvPr id="0" name="Object 16"/>
+                      <p:cNvPr id="11" name="Объект 10"/>
                       <p:cNvPicPr>
                         <a:picLocks noChangeAspect="1" noChangeArrowheads="1"/>
                       </p:cNvPicPr>
@@ -21157,7 +19874,7 @@
     </p:spTree>
     <p:extLst>
       <p:ext uri="{BB962C8B-B14F-4D97-AF65-F5344CB8AC3E}">
-        <p14:creationId xmlns:p14="http://schemas.microsoft.com/office/powerpoint/2010/main" val="680956188"/>
+        <p14:creationId xmlns:p14="http://schemas.microsoft.com/office/powerpoint/2010/main" val="2495489241"/>
       </p:ext>
     </p:extLst>
   </p:cSld>
@@ -21167,7 +19884,7 @@
 </p:sld>
 </file>
 
-<file path=ppt/slides/slide9.xml><?xml version="1.0" encoding="utf-8"?>
+<file path=ppt/slides/slide25.xml><?xml version="1.0" encoding="utf-8"?>
 <p:sld xmlns:a="http://schemas.openxmlformats.org/drawingml/2006/main" xmlns:r="http://schemas.openxmlformats.org/officeDocument/2006/relationships" xmlns:p="http://schemas.openxmlformats.org/presentationml/2006/main">
   <p:cSld>
     <p:spTree>
@@ -21446,7 +20163,7 @@
             <a:fld id="{E58024C2-D31D-4875-8231-7C9AE6162281}" type="slidenum">
               <a:rPr lang="ru-RU" smtClean="0"/>
               <a:pPr/>
-              <a:t>9</a:t>
+              <a:t>25</a:t>
             </a:fld>
             <a:endParaRPr lang="ru-RU" dirty="0"/>
           </a:p>
@@ -21522,11 +20239,7 @@
             <a:graphicFrameLocks noChangeAspect="1"/>
           </p:cNvGraphicFramePr>
           <p:nvPr>
-            <p:extLst>
-              <p:ext uri="{D42A27DB-BD31-4B8C-83A1-F6EECF244321}">
-                <p14:modId xmlns:p14="http://schemas.microsoft.com/office/powerpoint/2010/main" val="1387982559"/>
-              </p:ext>
-            </p:extLst>
+            <p:extLst/>
           </p:nvPr>
         </p:nvGraphicFramePr>
         <p:xfrm>
@@ -21537,7 +20250,7 @@
           <a:graphicData uri="http://schemas.openxmlformats.org/presentationml/2006/ole">
             <mc:AlternateContent xmlns:mc="http://schemas.openxmlformats.org/markup-compatibility/2006">
               <mc:Choice xmlns:v="urn:schemas-microsoft-com:vml" Requires="v">
-                <p:oleObj spid="_x0000_s4160" name="Visio" r:id="rId3" imgW="3838589" imgH="2019330" progId="Visio.Drawing.15">
+                <p:oleObj spid="_x0000_s10276" name="Visio" r:id="rId3" imgW="3838589" imgH="2019330" progId="Visio.Drawing.15">
                   <p:embed/>
                 </p:oleObj>
               </mc:Choice>
@@ -21546,7 +20259,7 @@
                   <p:embed/>
                   <p:pic>
                     <p:nvPicPr>
-                      <p:cNvPr id="0" name="Object 41"/>
+                      <p:cNvPr id="7" name="Объект 6"/>
                       <p:cNvPicPr>
                         <a:picLocks noChangeAspect="1" noChangeArrowheads="1"/>
                       </p:cNvPicPr>
@@ -21663,7 +20376,2719 @@
     </p:spTree>
     <p:extLst>
       <p:ext uri="{BB962C8B-B14F-4D97-AF65-F5344CB8AC3E}">
-        <p14:creationId xmlns:p14="http://schemas.microsoft.com/office/powerpoint/2010/main" val="474409693"/>
+        <p14:creationId xmlns:p14="http://schemas.microsoft.com/office/powerpoint/2010/main" val="1805116652"/>
+      </p:ext>
+    </p:extLst>
+  </p:cSld>
+  <p:clrMapOvr>
+    <a:masterClrMapping/>
+  </p:clrMapOvr>
+</p:sld>
+</file>
+
+<file path=ppt/slides/slide26.xml><?xml version="1.0" encoding="utf-8"?>
+<p:sld xmlns:a="http://schemas.openxmlformats.org/drawingml/2006/main" xmlns:r="http://schemas.openxmlformats.org/officeDocument/2006/relationships" xmlns:p="http://schemas.openxmlformats.org/presentationml/2006/main">
+  <p:cSld>
+    <p:spTree>
+      <p:nvGrpSpPr>
+        <p:cNvPr id="1" name=""/>
+        <p:cNvGrpSpPr/>
+        <p:nvPr/>
+      </p:nvGrpSpPr>
+      <p:grpSpPr>
+        <a:xfrm>
+          <a:off x="0" y="0"/>
+          <a:ext cx="0" cy="0"/>
+          <a:chOff x="0" y="0"/>
+          <a:chExt cx="0" cy="0"/>
+        </a:xfrm>
+      </p:grpSpPr>
+      <p:sp>
+        <p:nvSpPr>
+          <p:cNvPr id="2" name="Заголовок 1"/>
+          <p:cNvSpPr>
+            <a:spLocks noGrp="1"/>
+          </p:cNvSpPr>
+          <p:nvPr>
+            <p:ph type="title"/>
+          </p:nvPr>
+        </p:nvSpPr>
+        <p:spPr>
+          <a:xfrm>
+            <a:off x="838200" y="365126"/>
+            <a:ext cx="10515600" cy="825500"/>
+          </a:xfrm>
+        </p:spPr>
+        <p:txBody>
+          <a:bodyPr/>
+          <a:lstStyle/>
+          <a:p>
+            <a:r>
+              <a:rPr lang="ru-RU" dirty="0" smtClean="0"/>
+              <a:t>Нейронные сети (определение)</a:t>
+            </a:r>
+            <a:endParaRPr lang="ru-RU" dirty="0"/>
+          </a:p>
+        </p:txBody>
+      </p:sp>
+      <p:sp>
+        <p:nvSpPr>
+          <p:cNvPr id="3" name="Объект 2"/>
+          <p:cNvSpPr>
+            <a:spLocks noGrp="1"/>
+          </p:cNvSpPr>
+          <p:nvPr>
+            <p:ph sz="half" idx="1"/>
+          </p:nvPr>
+        </p:nvSpPr>
+        <p:spPr>
+          <a:xfrm>
+            <a:off x="323849" y="1520852"/>
+            <a:ext cx="7148611" cy="4656111"/>
+          </a:xfrm>
+        </p:spPr>
+        <p:txBody>
+          <a:bodyPr>
+            <a:normAutofit/>
+          </a:bodyPr>
+          <a:lstStyle/>
+          <a:p>
+            <a:pPr marL="0" indent="0">
+              <a:buNone/>
+            </a:pPr>
+            <a:r>
+              <a:rPr lang="ru-RU" sz="3200" dirty="0" smtClean="0"/>
+              <a:t>Основаны на упрощенной модели нейрона</a:t>
+            </a:r>
+          </a:p>
+          <a:p>
+            <a:pPr marL="0" indent="0">
+              <a:buNone/>
+            </a:pPr>
+            <a:r>
+              <a:rPr lang="ru-RU" sz="3200" dirty="0" smtClean="0"/>
+              <a:t>Обучение </a:t>
+            </a:r>
+            <a:r>
+              <a:rPr lang="ru-RU" sz="3200" dirty="0"/>
+              <a:t>за счет изменения весов </a:t>
+            </a:r>
+            <a:r>
+              <a:rPr lang="ru-RU" sz="3200" dirty="0" smtClean="0"/>
+              <a:t>входов</a:t>
+            </a:r>
+          </a:p>
+          <a:p>
+            <a:pPr marL="0" indent="0">
+              <a:buNone/>
+            </a:pPr>
+            <a:r>
+              <a:rPr lang="ru-RU" sz="3200" dirty="0" smtClean="0"/>
+              <a:t>Многослойный </a:t>
+            </a:r>
+            <a:r>
+              <a:rPr lang="ru-RU" sz="3200" dirty="0" err="1" smtClean="0"/>
+              <a:t>перцептрон</a:t>
+            </a:r>
+            <a:r>
+              <a:rPr lang="ru-RU" sz="3200" dirty="0" smtClean="0"/>
+              <a:t>:</a:t>
+            </a:r>
+          </a:p>
+          <a:p>
+            <a:pPr lvl="1">
+              <a:buFont typeface="Arial" panose="020B0604020202020204" pitchFamily="34" charset="0"/>
+              <a:buChar char="•"/>
+            </a:pPr>
+            <a:r>
+              <a:rPr lang="ru-RU" sz="2800" dirty="0" smtClean="0"/>
+              <a:t>Входной слой</a:t>
+            </a:r>
+          </a:p>
+          <a:p>
+            <a:pPr lvl="1">
+              <a:buFont typeface="Arial" panose="020B0604020202020204" pitchFamily="34" charset="0"/>
+              <a:buChar char="•"/>
+            </a:pPr>
+            <a:r>
+              <a:rPr lang="en-US" sz="2800" dirty="0" smtClean="0"/>
+              <a:t>N </a:t>
+            </a:r>
+            <a:r>
+              <a:rPr lang="ru-RU" sz="2800" dirty="0" smtClean="0"/>
+              <a:t>скрытых слоев (</a:t>
+            </a:r>
+            <a:r>
+              <a:rPr lang="en-US" sz="2800" dirty="0" smtClean="0"/>
+              <a:t>N &gt;= 0</a:t>
+            </a:r>
+            <a:r>
+              <a:rPr lang="ru-RU" sz="2800" dirty="0" smtClean="0"/>
+              <a:t>)</a:t>
+            </a:r>
+          </a:p>
+          <a:p>
+            <a:pPr lvl="1">
+              <a:buFont typeface="Arial" panose="020B0604020202020204" pitchFamily="34" charset="0"/>
+              <a:buChar char="•"/>
+            </a:pPr>
+            <a:r>
+              <a:rPr lang="ru-RU" sz="2800" dirty="0" smtClean="0"/>
+              <a:t>Выходной слой</a:t>
+            </a:r>
+            <a:endParaRPr lang="ru-RU" sz="2800" dirty="0"/>
+          </a:p>
+        </p:txBody>
+      </p:sp>
+      <p:pic>
+        <p:nvPicPr>
+          <p:cNvPr id="6" name="Рисунок 5"/>
+          <p:cNvPicPr/>
+          <p:nvPr/>
+        </p:nvPicPr>
+        <p:blipFill>
+          <a:blip r:embed="rId2">
+            <a:extLst>
+              <a:ext uri="{28A0092B-C50C-407E-A947-70E740481C1C}">
+                <a14:useLocalDpi xmlns:a14="http://schemas.microsoft.com/office/drawing/2010/main" val="0"/>
+              </a:ext>
+            </a:extLst>
+          </a:blip>
+          <a:stretch>
+            <a:fillRect/>
+          </a:stretch>
+        </p:blipFill>
+        <p:spPr>
+          <a:xfrm>
+            <a:off x="7030788" y="1050109"/>
+            <a:ext cx="4148561" cy="1753274"/>
+          </a:xfrm>
+          <a:prstGeom prst="rect">
+            <a:avLst/>
+          </a:prstGeom>
+        </p:spPr>
+      </p:pic>
+      <p:pic>
+        <p:nvPicPr>
+          <p:cNvPr id="7" name="Рисунок 6"/>
+          <p:cNvPicPr/>
+          <p:nvPr/>
+        </p:nvPicPr>
+        <p:blipFill>
+          <a:blip r:embed="rId3">
+            <a:extLst>
+              <a:ext uri="{28A0092B-C50C-407E-A947-70E740481C1C}">
+                <a14:useLocalDpi xmlns:a14="http://schemas.microsoft.com/office/drawing/2010/main" val="0"/>
+              </a:ext>
+            </a:extLst>
+          </a:blip>
+          <a:stretch>
+            <a:fillRect/>
+          </a:stretch>
+        </p:blipFill>
+        <p:spPr>
+          <a:xfrm>
+            <a:off x="7685670" y="3273877"/>
+            <a:ext cx="2838796" cy="2752247"/>
+          </a:xfrm>
+          <a:prstGeom prst="rect">
+            <a:avLst/>
+          </a:prstGeom>
+        </p:spPr>
+      </p:pic>
+      <p:sp>
+        <p:nvSpPr>
+          <p:cNvPr id="4" name="Нижний колонтитул 3"/>
+          <p:cNvSpPr>
+            <a:spLocks noGrp="1"/>
+          </p:cNvSpPr>
+          <p:nvPr>
+            <p:ph type="ftr" sz="quarter" idx="11"/>
+          </p:nvPr>
+        </p:nvSpPr>
+        <p:spPr/>
+        <p:txBody>
+          <a:bodyPr/>
+          <a:lstStyle/>
+          <a:p>
+            <a:r>
+              <a:rPr lang="ru-RU" dirty="0" smtClean="0"/>
+              <a:t>Приходько Е.В. Исследование методов моделирования принятия решений на примере ботов в компьютерной игре</a:t>
+            </a:r>
+            <a:endParaRPr lang="ru-RU" dirty="0"/>
+          </a:p>
+        </p:txBody>
+      </p:sp>
+      <p:sp>
+        <p:nvSpPr>
+          <p:cNvPr id="8" name="Номер слайда 7"/>
+          <p:cNvSpPr>
+            <a:spLocks noGrp="1"/>
+          </p:cNvSpPr>
+          <p:nvPr>
+            <p:ph type="sldNum" sz="quarter" idx="12"/>
+          </p:nvPr>
+        </p:nvSpPr>
+        <p:spPr/>
+        <p:txBody>
+          <a:bodyPr/>
+          <a:lstStyle/>
+          <a:p>
+            <a:fld id="{E58024C2-D31D-4875-8231-7C9AE6162281}" type="slidenum">
+              <a:rPr lang="ru-RU" smtClean="0"/>
+              <a:pPr/>
+              <a:t>26</a:t>
+            </a:fld>
+            <a:endParaRPr lang="ru-RU" dirty="0"/>
+          </a:p>
+        </p:txBody>
+      </p:sp>
+      <p:sp>
+        <p:nvSpPr>
+          <p:cNvPr id="9" name="TextBox 8"/>
+          <p:cNvSpPr txBox="1"/>
+          <p:nvPr/>
+        </p:nvSpPr>
+        <p:spPr>
+          <a:xfrm>
+            <a:off x="8177346" y="2835940"/>
+            <a:ext cx="1855444" cy="369332"/>
+          </a:xfrm>
+          <a:prstGeom prst="rect">
+            <a:avLst/>
+          </a:prstGeom>
+          <a:noFill/>
+        </p:spPr>
+        <p:txBody>
+          <a:bodyPr wrap="none" rtlCol="0">
+            <a:spAutoFit/>
+          </a:bodyPr>
+          <a:lstStyle/>
+          <a:p>
+            <a:r>
+              <a:rPr lang="ru-RU" dirty="0" smtClean="0"/>
+              <a:t>Модель нейрона</a:t>
+            </a:r>
+            <a:endParaRPr lang="ru-RU" dirty="0"/>
+          </a:p>
+        </p:txBody>
+      </p:sp>
+      <p:sp>
+        <p:nvSpPr>
+          <p:cNvPr id="10" name="TextBox 9"/>
+          <p:cNvSpPr txBox="1"/>
+          <p:nvPr/>
+        </p:nvSpPr>
+        <p:spPr>
+          <a:xfrm>
+            <a:off x="7646912" y="6026124"/>
+            <a:ext cx="2916311" cy="369332"/>
+          </a:xfrm>
+          <a:prstGeom prst="rect">
+            <a:avLst/>
+          </a:prstGeom>
+          <a:noFill/>
+        </p:spPr>
+        <p:txBody>
+          <a:bodyPr wrap="none" rtlCol="0">
+            <a:spAutoFit/>
+          </a:bodyPr>
+          <a:lstStyle/>
+          <a:p>
+            <a:r>
+              <a:rPr lang="ru-RU" dirty="0" smtClean="0"/>
+              <a:t>Многослойный </a:t>
+            </a:r>
+            <a:r>
+              <a:rPr lang="ru-RU" dirty="0" err="1" smtClean="0"/>
+              <a:t>перцептрон</a:t>
+            </a:r>
+            <a:endParaRPr lang="ru-RU" dirty="0"/>
+          </a:p>
+        </p:txBody>
+      </p:sp>
+    </p:spTree>
+    <p:extLst>
+      <p:ext uri="{BB962C8B-B14F-4D97-AF65-F5344CB8AC3E}">
+        <p14:creationId xmlns:p14="http://schemas.microsoft.com/office/powerpoint/2010/main" val="148765932"/>
+      </p:ext>
+    </p:extLst>
+  </p:cSld>
+  <p:clrMapOvr>
+    <a:masterClrMapping/>
+  </p:clrMapOvr>
+</p:sld>
+</file>
+
+<file path=ppt/slides/slide3.xml><?xml version="1.0" encoding="utf-8"?>
+<p:sld xmlns:a="http://schemas.openxmlformats.org/drawingml/2006/main" xmlns:r="http://schemas.openxmlformats.org/officeDocument/2006/relationships" xmlns:p="http://schemas.openxmlformats.org/presentationml/2006/main">
+  <p:cSld>
+    <p:spTree>
+      <p:nvGrpSpPr>
+        <p:cNvPr id="1" name=""/>
+        <p:cNvGrpSpPr/>
+        <p:nvPr/>
+      </p:nvGrpSpPr>
+      <p:grpSpPr>
+        <a:xfrm>
+          <a:off x="0" y="0"/>
+          <a:ext cx="0" cy="0"/>
+          <a:chOff x="0" y="0"/>
+          <a:chExt cx="0" cy="0"/>
+        </a:xfrm>
+      </p:grpSpPr>
+      <p:sp>
+        <p:nvSpPr>
+          <p:cNvPr id="2" name="Заголовок 1"/>
+          <p:cNvSpPr>
+            <a:spLocks noGrp="1"/>
+          </p:cNvSpPr>
+          <p:nvPr>
+            <p:ph type="title"/>
+          </p:nvPr>
+        </p:nvSpPr>
+        <p:spPr>
+          <a:xfrm>
+            <a:off x="838200" y="365126"/>
+            <a:ext cx="10515600" cy="662486"/>
+          </a:xfrm>
+        </p:spPr>
+        <p:txBody>
+          <a:bodyPr>
+            <a:normAutofit fontScale="90000"/>
+          </a:bodyPr>
+          <a:lstStyle/>
+          <a:p>
+            <a:r>
+              <a:rPr lang="ru-RU" dirty="0" smtClean="0"/>
+              <a:t>Цель и задачи</a:t>
+            </a:r>
+            <a:endParaRPr lang="ru-RU" dirty="0"/>
+          </a:p>
+        </p:txBody>
+      </p:sp>
+      <p:sp>
+        <p:nvSpPr>
+          <p:cNvPr id="3" name="Объект 2"/>
+          <p:cNvSpPr>
+            <a:spLocks noGrp="1"/>
+          </p:cNvSpPr>
+          <p:nvPr>
+            <p:ph idx="1"/>
+          </p:nvPr>
+        </p:nvSpPr>
+        <p:spPr>
+          <a:xfrm>
+            <a:off x="838200" y="1027612"/>
+            <a:ext cx="10515600" cy="5149351"/>
+          </a:xfrm>
+        </p:spPr>
+        <p:txBody>
+          <a:bodyPr>
+            <a:normAutofit lnSpcReduction="10000"/>
+          </a:bodyPr>
+          <a:lstStyle/>
+          <a:p>
+            <a:pPr marL="0" indent="0">
+              <a:lnSpc>
+                <a:spcPct val="150000"/>
+              </a:lnSpc>
+              <a:buNone/>
+            </a:pPr>
+            <a:r>
+              <a:rPr lang="ru-RU" dirty="0" smtClean="0"/>
+              <a:t>Цель работы: сравнить эффективность методов моделирования принятия решений.</a:t>
+            </a:r>
+            <a:endParaRPr lang="ru-RU" dirty="0"/>
+          </a:p>
+          <a:p>
+            <a:pPr marL="0" indent="0">
+              <a:buNone/>
+            </a:pPr>
+            <a:r>
+              <a:rPr lang="ru-RU" dirty="0" smtClean="0"/>
+              <a:t>Задачи:</a:t>
+            </a:r>
+          </a:p>
+          <a:p>
+            <a:pPr marL="635508" lvl="1" indent="-342900" algn="just">
+              <a:lnSpc>
+                <a:spcPct val="150000"/>
+              </a:lnSpc>
+              <a:spcAft>
+                <a:spcPts val="0"/>
+              </a:spcAft>
+              <a:buFont typeface="Symbol" panose="05050102010706020507" pitchFamily="18" charset="2"/>
+              <a:buChar char=""/>
+            </a:pPr>
+            <a:r>
+              <a:rPr lang="ru-RU" dirty="0" smtClean="0">
+                <a:ea typeface="Calibri" panose="020F0502020204030204" pitchFamily="34" charset="0"/>
+                <a:cs typeface="Times New Roman" panose="02020603050405020304" pitchFamily="18" charset="0"/>
+              </a:rPr>
+              <a:t>рассмотреть </a:t>
+            </a:r>
+            <a:r>
+              <a:rPr lang="ru-RU" dirty="0">
+                <a:ea typeface="Calibri" panose="020F0502020204030204" pitchFamily="34" charset="0"/>
+                <a:cs typeface="Times New Roman" panose="02020603050405020304" pitchFamily="18" charset="0"/>
+              </a:rPr>
+              <a:t>существующие методы и алгоритмы принятия решений</a:t>
+            </a:r>
+            <a:r>
+              <a:rPr lang="ru-RU" dirty="0" smtClean="0">
+                <a:ea typeface="Calibri" panose="020F0502020204030204" pitchFamily="34" charset="0"/>
+                <a:cs typeface="Times New Roman" panose="02020603050405020304" pitchFamily="18" charset="0"/>
+              </a:rPr>
+              <a:t>; </a:t>
+            </a:r>
+          </a:p>
+          <a:p>
+            <a:pPr marL="635508" lvl="1" indent="-342900" algn="just">
+              <a:lnSpc>
+                <a:spcPct val="150000"/>
+              </a:lnSpc>
+              <a:spcAft>
+                <a:spcPts val="0"/>
+              </a:spcAft>
+              <a:buFont typeface="Symbol" panose="05050102010706020507" pitchFamily="18" charset="2"/>
+              <a:buChar char=""/>
+            </a:pPr>
+            <a:r>
+              <a:rPr lang="ru-RU" dirty="0" smtClean="0">
+                <a:ea typeface="Calibri" panose="020F0502020204030204" pitchFamily="34" charset="0"/>
+                <a:cs typeface="Times New Roman" panose="02020603050405020304" pitchFamily="18" charset="0"/>
+              </a:rPr>
+              <a:t>реализовать игровых ботов, использующих рассмотренные </a:t>
+            </a:r>
+            <a:r>
+              <a:rPr lang="ru-RU" dirty="0">
+                <a:ea typeface="Calibri" panose="020F0502020204030204" pitchFamily="34" charset="0"/>
+                <a:cs typeface="Times New Roman" panose="02020603050405020304" pitchFamily="18" charset="0"/>
+              </a:rPr>
+              <a:t>алгоритмы</a:t>
+            </a:r>
+            <a:r>
+              <a:rPr lang="ru-RU" dirty="0" smtClean="0">
+                <a:ea typeface="Calibri" panose="020F0502020204030204" pitchFamily="34" charset="0"/>
+                <a:cs typeface="Times New Roman" panose="02020603050405020304" pitchFamily="18" charset="0"/>
+              </a:rPr>
+              <a:t>;</a:t>
+            </a:r>
+          </a:p>
+          <a:p>
+            <a:pPr marL="635508" lvl="1" indent="-342900" algn="just">
+              <a:lnSpc>
+                <a:spcPct val="150000"/>
+              </a:lnSpc>
+              <a:spcAft>
+                <a:spcPts val="0"/>
+              </a:spcAft>
+              <a:buFont typeface="Symbol" panose="05050102010706020507" pitchFamily="18" charset="2"/>
+              <a:buChar char=""/>
+            </a:pPr>
+            <a:r>
+              <a:rPr lang="ru-RU" dirty="0" smtClean="0">
+                <a:ea typeface="Calibri" panose="020F0502020204030204" pitchFamily="34" charset="0"/>
+                <a:cs typeface="Times New Roman" panose="02020603050405020304" pitchFamily="18" charset="0"/>
+              </a:rPr>
+              <a:t>сравнить полученные реализации по различным критериям оценки эффективности;</a:t>
+            </a:r>
+            <a:endParaRPr lang="ru-RU" dirty="0">
+              <a:ea typeface="Calibri" panose="020F0502020204030204" pitchFamily="34" charset="0"/>
+              <a:cs typeface="Times New Roman" panose="02020603050405020304" pitchFamily="18" charset="0"/>
+            </a:endParaRPr>
+          </a:p>
+          <a:p>
+            <a:pPr marL="635508" lvl="1" indent="-342900" algn="just">
+              <a:lnSpc>
+                <a:spcPct val="150000"/>
+              </a:lnSpc>
+              <a:spcAft>
+                <a:spcPts val="0"/>
+              </a:spcAft>
+              <a:buFont typeface="Symbol" panose="05050102010706020507" pitchFamily="18" charset="2"/>
+              <a:buChar char=""/>
+            </a:pPr>
+            <a:r>
+              <a:rPr lang="ru-RU" dirty="0" smtClean="0">
+                <a:ea typeface="Calibri" panose="020F0502020204030204" pitchFamily="34" charset="0"/>
+                <a:cs typeface="Times New Roman" panose="02020603050405020304" pitchFamily="18" charset="0"/>
+              </a:rPr>
+              <a:t>сделать </a:t>
+            </a:r>
+            <a:r>
+              <a:rPr lang="ru-RU" dirty="0">
+                <a:ea typeface="Calibri" panose="020F0502020204030204" pitchFamily="34" charset="0"/>
+                <a:cs typeface="Times New Roman" panose="02020603050405020304" pitchFamily="18" charset="0"/>
+              </a:rPr>
+              <a:t>выводы об эффективности различных методов и алгоритмов для моделирования процесса принятия решений.</a:t>
+            </a:r>
+          </a:p>
+          <a:p>
+            <a:pPr lvl="1">
+              <a:buFont typeface="Arial" panose="020B0604020202020204" pitchFamily="34" charset="0"/>
+              <a:buChar char="•"/>
+            </a:pPr>
+            <a:endParaRPr lang="ru-RU" dirty="0"/>
+          </a:p>
+        </p:txBody>
+      </p:sp>
+      <p:sp>
+        <p:nvSpPr>
+          <p:cNvPr id="5" name="Нижний колонтитул 4"/>
+          <p:cNvSpPr>
+            <a:spLocks noGrp="1"/>
+          </p:cNvSpPr>
+          <p:nvPr>
+            <p:ph type="ftr" sz="quarter" idx="11"/>
+          </p:nvPr>
+        </p:nvSpPr>
+        <p:spPr/>
+        <p:txBody>
+          <a:bodyPr/>
+          <a:lstStyle/>
+          <a:p>
+            <a:r>
+              <a:rPr lang="ru-RU" smtClean="0"/>
+              <a:t>Приходько Е.В. Исследование методов моделирования принятия решений на примере ботов в компьютерной игре</a:t>
+            </a:r>
+            <a:endParaRPr lang="ru-RU"/>
+          </a:p>
+        </p:txBody>
+      </p:sp>
+      <p:sp>
+        <p:nvSpPr>
+          <p:cNvPr id="6" name="Номер слайда 5"/>
+          <p:cNvSpPr>
+            <a:spLocks noGrp="1"/>
+          </p:cNvSpPr>
+          <p:nvPr>
+            <p:ph type="sldNum" sz="quarter" idx="12"/>
+          </p:nvPr>
+        </p:nvSpPr>
+        <p:spPr/>
+        <p:txBody>
+          <a:bodyPr/>
+          <a:lstStyle/>
+          <a:p>
+            <a:fld id="{E58024C2-D31D-4875-8231-7C9AE6162281}" type="slidenum">
+              <a:rPr lang="ru-RU" smtClean="0"/>
+              <a:pPr/>
+              <a:t>3</a:t>
+            </a:fld>
+            <a:endParaRPr lang="ru-RU" dirty="0" smtClean="0"/>
+          </a:p>
+        </p:txBody>
+      </p:sp>
+    </p:spTree>
+    <p:extLst>
+      <p:ext uri="{BB962C8B-B14F-4D97-AF65-F5344CB8AC3E}">
+        <p14:creationId xmlns:p14="http://schemas.microsoft.com/office/powerpoint/2010/main" val="439179313"/>
+      </p:ext>
+    </p:extLst>
+  </p:cSld>
+  <p:clrMapOvr>
+    <a:masterClrMapping/>
+  </p:clrMapOvr>
+  <p:timing>
+    <p:tnLst>
+      <p:par>
+        <p:cTn id="1" dur="indefinite" restart="never" nodeType="tmRoot"/>
+      </p:par>
+    </p:tnLst>
+  </p:timing>
+</p:sld>
+</file>
+
+<file path=ppt/slides/slide4.xml><?xml version="1.0" encoding="utf-8"?>
+<p:sld xmlns:a="http://schemas.openxmlformats.org/drawingml/2006/main" xmlns:r="http://schemas.openxmlformats.org/officeDocument/2006/relationships" xmlns:p="http://schemas.openxmlformats.org/presentationml/2006/main">
+  <p:cSld>
+    <p:spTree>
+      <p:nvGrpSpPr>
+        <p:cNvPr id="1" name=""/>
+        <p:cNvGrpSpPr/>
+        <p:nvPr/>
+      </p:nvGrpSpPr>
+      <p:grpSpPr>
+        <a:xfrm>
+          <a:off x="0" y="0"/>
+          <a:ext cx="0" cy="0"/>
+          <a:chOff x="0" y="0"/>
+          <a:chExt cx="0" cy="0"/>
+        </a:xfrm>
+      </p:grpSpPr>
+      <p:sp>
+        <p:nvSpPr>
+          <p:cNvPr id="2" name="Заголовок 1"/>
+          <p:cNvSpPr>
+            <a:spLocks noGrp="1"/>
+          </p:cNvSpPr>
+          <p:nvPr>
+            <p:ph type="title"/>
+          </p:nvPr>
+        </p:nvSpPr>
+        <p:spPr>
+          <a:xfrm>
+            <a:off x="838200" y="200297"/>
+            <a:ext cx="10515600" cy="985707"/>
+          </a:xfrm>
+        </p:spPr>
+        <p:txBody>
+          <a:bodyPr>
+            <a:normAutofit fontScale="90000"/>
+          </a:bodyPr>
+          <a:lstStyle/>
+          <a:p>
+            <a:r>
+              <a:rPr lang="ru-RU" sz="4000" dirty="0" smtClean="0"/>
+              <a:t>Платформа для исследования методов и алгоритмов принятия решений</a:t>
+            </a:r>
+            <a:endParaRPr lang="ru-RU" sz="4000" dirty="0"/>
+          </a:p>
+        </p:txBody>
+      </p:sp>
+      <p:sp>
+        <p:nvSpPr>
+          <p:cNvPr id="3" name="Объект 2"/>
+          <p:cNvSpPr>
+            <a:spLocks noGrp="1"/>
+          </p:cNvSpPr>
+          <p:nvPr>
+            <p:ph sz="half" idx="1"/>
+          </p:nvPr>
+        </p:nvSpPr>
+        <p:spPr>
+          <a:xfrm>
+            <a:off x="117695" y="1225572"/>
+            <a:ext cx="7514376" cy="5130778"/>
+          </a:xfrm>
+        </p:spPr>
+        <p:txBody>
+          <a:bodyPr>
+            <a:normAutofit fontScale="85000" lnSpcReduction="10000"/>
+          </a:bodyPr>
+          <a:lstStyle/>
+          <a:p>
+            <a:pPr marL="0" indent="0">
+              <a:buNone/>
+            </a:pPr>
+            <a:r>
+              <a:rPr lang="ru-RU" dirty="0" smtClean="0"/>
+              <a:t>Компьютерная </a:t>
+            </a:r>
+            <a:r>
+              <a:rPr lang="ru-RU" dirty="0" smtClean="0"/>
+              <a:t>игра в </a:t>
+            </a:r>
+            <a:r>
+              <a:rPr lang="ru-RU" dirty="0" smtClean="0"/>
+              <a:t>ж</a:t>
+            </a:r>
+            <a:r>
+              <a:rPr lang="ru-RU" dirty="0" smtClean="0"/>
+              <a:t>анре </a:t>
+            </a:r>
+            <a:r>
+              <a:rPr lang="en-US" dirty="0" err="1" smtClean="0"/>
+              <a:t>topdown</a:t>
+            </a:r>
+            <a:r>
+              <a:rPr lang="en-US" dirty="0" smtClean="0"/>
+              <a:t> shooter</a:t>
+            </a:r>
+            <a:r>
+              <a:rPr lang="ru-RU" dirty="0" smtClean="0"/>
+              <a:t>.</a:t>
+            </a:r>
+            <a:endParaRPr lang="ru-RU" dirty="0" smtClean="0"/>
+          </a:p>
+          <a:p>
+            <a:pPr marL="0" indent="0">
+              <a:buNone/>
+            </a:pPr>
+            <a:r>
+              <a:rPr lang="ru-RU" dirty="0" smtClean="0"/>
+              <a:t>Правила</a:t>
+            </a:r>
+            <a:r>
+              <a:rPr lang="ru-RU" dirty="0" smtClean="0"/>
+              <a:t>:</a:t>
+            </a:r>
+          </a:p>
+          <a:p>
+            <a:pPr lvl="1"/>
+            <a:r>
+              <a:rPr lang="ru-RU" dirty="0" smtClean="0"/>
+              <a:t>Два персонажа двигаются по арене и стреляют друг в друга. </a:t>
+            </a:r>
+            <a:r>
+              <a:rPr lang="ru-RU" dirty="0" smtClean="0"/>
+              <a:t>У </a:t>
+            </a:r>
+            <a:r>
+              <a:rPr lang="ru-RU" dirty="0" smtClean="0"/>
+              <a:t>каждого </a:t>
+            </a:r>
+            <a:r>
+              <a:rPr lang="ru-RU" dirty="0" smtClean="0"/>
+              <a:t>персонажа </a:t>
+            </a:r>
+            <a:r>
+              <a:rPr lang="ru-RU" dirty="0" smtClean="0"/>
+              <a:t>100 очков здоровья (</a:t>
+            </a:r>
+            <a:r>
+              <a:rPr lang="en-US" dirty="0" smtClean="0"/>
+              <a:t>HP</a:t>
+            </a:r>
+            <a:r>
+              <a:rPr lang="ru-RU" dirty="0" smtClean="0"/>
+              <a:t>). </a:t>
+            </a:r>
+            <a:r>
+              <a:rPr lang="ru-RU" dirty="0" smtClean="0"/>
+              <a:t>Попадания </a:t>
+            </a:r>
+            <a:r>
+              <a:rPr lang="ru-RU" dirty="0" smtClean="0"/>
+              <a:t>уменьшают очки здоровья на 10. Если очков здоровья </a:t>
+            </a:r>
+            <a:r>
+              <a:rPr lang="en-US" dirty="0" smtClean="0"/>
+              <a:t>&lt;= 0</a:t>
+            </a:r>
+            <a:r>
+              <a:rPr lang="ru-RU" dirty="0" smtClean="0"/>
+              <a:t>, </a:t>
+            </a:r>
+            <a:r>
+              <a:rPr lang="ru-RU" dirty="0" smtClean="0"/>
+              <a:t>игрок </a:t>
+            </a:r>
+            <a:r>
+              <a:rPr lang="ru-RU" dirty="0" smtClean="0"/>
+              <a:t>считается проигравшим.</a:t>
+            </a:r>
+          </a:p>
+          <a:p>
+            <a:pPr lvl="1">
+              <a:buFont typeface="Arial" panose="020B0604020202020204" pitchFamily="34" charset="0"/>
+              <a:buChar char="•"/>
+            </a:pPr>
+            <a:r>
+              <a:rPr lang="ru-RU" dirty="0" smtClean="0"/>
+              <a:t>За стенами не видно противника</a:t>
+            </a:r>
+            <a:r>
+              <a:rPr lang="ru-RU" dirty="0" smtClean="0"/>
+              <a:t>. Укрытия </a:t>
+            </a:r>
+            <a:r>
+              <a:rPr lang="ru-RU" dirty="0" smtClean="0"/>
+              <a:t>блокируют половину выстрелов, если стрелок не стоит близко к нему.</a:t>
+            </a:r>
+          </a:p>
+          <a:p>
+            <a:pPr lvl="1">
+              <a:buFont typeface="Arial" panose="020B0604020202020204" pitchFamily="34" charset="0"/>
+              <a:buChar char="•"/>
+            </a:pPr>
+            <a:r>
+              <a:rPr lang="ru-RU" dirty="0" smtClean="0"/>
+              <a:t>В углах расположены аптечки, восстанавливающие очки здоровья</a:t>
+            </a:r>
+            <a:r>
+              <a:rPr lang="ru-RU" dirty="0" smtClean="0"/>
+              <a:t>.</a:t>
+            </a:r>
+          </a:p>
+          <a:p>
+            <a:pPr marL="0" indent="0">
+              <a:buNone/>
+            </a:pPr>
+            <a:r>
+              <a:rPr lang="ru-RU" dirty="0" smtClean="0"/>
+              <a:t>Задача – разработка бота для игры.</a:t>
+            </a:r>
+          </a:p>
+          <a:p>
+            <a:pPr marL="0" indent="0">
+              <a:buNone/>
+            </a:pPr>
+            <a:r>
+              <a:rPr lang="ru-RU" dirty="0" smtClean="0"/>
+              <a:t>Принятие решения – выбор стратегии, которая даст наибольшее игровое преимущество (поиск, атака, защита, отступление).</a:t>
+            </a:r>
+          </a:p>
+          <a:p>
+            <a:pPr marL="0" indent="0">
+              <a:buNone/>
+            </a:pPr>
+            <a:r>
+              <a:rPr lang="ru-RU" dirty="0" smtClean="0"/>
+              <a:t>Эффективность метода принятия решений определяется количеством выигрышей и проигрышей.</a:t>
+            </a:r>
+          </a:p>
+        </p:txBody>
+      </p:sp>
+      <p:pic>
+        <p:nvPicPr>
+          <p:cNvPr id="6" name="Объект 5"/>
+          <p:cNvPicPr>
+            <a:picLocks noGrp="1"/>
+          </p:cNvPicPr>
+          <p:nvPr>
+            <p:ph sz="half" idx="2"/>
+          </p:nvPr>
+        </p:nvPicPr>
+        <p:blipFill>
+          <a:blip r:embed="rId3">
+            <a:extLst>
+              <a:ext uri="{28A0092B-C50C-407E-A947-70E740481C1C}">
+                <a14:useLocalDpi xmlns:a14="http://schemas.microsoft.com/office/drawing/2010/main" val="0"/>
+              </a:ext>
+            </a:extLst>
+          </a:blip>
+          <a:stretch>
+            <a:fillRect/>
+          </a:stretch>
+        </p:blipFill>
+        <p:spPr>
+          <a:xfrm>
+            <a:off x="7787570" y="1513478"/>
+            <a:ext cx="4223656" cy="4204460"/>
+          </a:xfrm>
+          <a:prstGeom prst="rect">
+            <a:avLst/>
+          </a:prstGeom>
+        </p:spPr>
+      </p:pic>
+      <p:sp>
+        <p:nvSpPr>
+          <p:cNvPr id="4" name="Нижний колонтитул 3"/>
+          <p:cNvSpPr>
+            <a:spLocks noGrp="1"/>
+          </p:cNvSpPr>
+          <p:nvPr>
+            <p:ph type="ftr" sz="quarter" idx="11"/>
+          </p:nvPr>
+        </p:nvSpPr>
+        <p:spPr/>
+        <p:txBody>
+          <a:bodyPr/>
+          <a:lstStyle/>
+          <a:p>
+            <a:r>
+              <a:rPr lang="ru-RU" smtClean="0"/>
+              <a:t>Приходько Е.В. Исследование методов моделирования принятия решений на примере ботов в компьютерной игре</a:t>
+            </a:r>
+            <a:endParaRPr lang="ru-RU"/>
+          </a:p>
+        </p:txBody>
+      </p:sp>
+      <p:sp>
+        <p:nvSpPr>
+          <p:cNvPr id="7" name="Номер слайда 6"/>
+          <p:cNvSpPr>
+            <a:spLocks noGrp="1"/>
+          </p:cNvSpPr>
+          <p:nvPr>
+            <p:ph type="sldNum" sz="quarter" idx="12"/>
+          </p:nvPr>
+        </p:nvSpPr>
+        <p:spPr/>
+        <p:txBody>
+          <a:bodyPr/>
+          <a:lstStyle/>
+          <a:p>
+            <a:fld id="{E58024C2-D31D-4875-8231-7C9AE6162281}" type="slidenum">
+              <a:rPr lang="ru-RU" smtClean="0"/>
+              <a:pPr/>
+              <a:t>4</a:t>
+            </a:fld>
+            <a:endParaRPr lang="ru-RU" dirty="0"/>
+          </a:p>
+        </p:txBody>
+      </p:sp>
+      <p:sp>
+        <p:nvSpPr>
+          <p:cNvPr id="8" name="TextBox 7"/>
+          <p:cNvSpPr txBox="1"/>
+          <p:nvPr/>
+        </p:nvSpPr>
+        <p:spPr>
+          <a:xfrm>
+            <a:off x="8849270" y="5807632"/>
+            <a:ext cx="2100255" cy="369332"/>
+          </a:xfrm>
+          <a:prstGeom prst="rect">
+            <a:avLst/>
+          </a:prstGeom>
+          <a:noFill/>
+        </p:spPr>
+        <p:txBody>
+          <a:bodyPr wrap="none" rtlCol="0">
+            <a:spAutoFit/>
+          </a:bodyPr>
+          <a:lstStyle/>
+          <a:p>
+            <a:r>
+              <a:rPr lang="ru-RU" dirty="0" smtClean="0"/>
+              <a:t>Вид игровой арены</a:t>
+            </a:r>
+            <a:endParaRPr lang="ru-RU" dirty="0"/>
+          </a:p>
+        </p:txBody>
+      </p:sp>
+    </p:spTree>
+    <p:extLst>
+      <p:ext uri="{BB962C8B-B14F-4D97-AF65-F5344CB8AC3E}">
+        <p14:creationId xmlns:p14="http://schemas.microsoft.com/office/powerpoint/2010/main" val="230434280"/>
+      </p:ext>
+    </p:extLst>
+  </p:cSld>
+  <p:clrMapOvr>
+    <a:masterClrMapping/>
+  </p:clrMapOvr>
+  <p:timing>
+    <p:tnLst>
+      <p:par>
+        <p:cTn id="1" dur="indefinite" restart="never" nodeType="tmRoot"/>
+      </p:par>
+    </p:tnLst>
+  </p:timing>
+</p:sld>
+</file>
+
+<file path=ppt/slides/slide5.xml><?xml version="1.0" encoding="utf-8"?>
+<p:sld xmlns:a="http://schemas.openxmlformats.org/drawingml/2006/main" xmlns:r="http://schemas.openxmlformats.org/officeDocument/2006/relationships" xmlns:p="http://schemas.openxmlformats.org/presentationml/2006/main">
+  <p:cSld>
+    <p:spTree>
+      <p:nvGrpSpPr>
+        <p:cNvPr id="1" name=""/>
+        <p:cNvGrpSpPr/>
+        <p:nvPr/>
+      </p:nvGrpSpPr>
+      <p:grpSpPr>
+        <a:xfrm>
+          <a:off x="0" y="0"/>
+          <a:ext cx="0" cy="0"/>
+          <a:chOff x="0" y="0"/>
+          <a:chExt cx="0" cy="0"/>
+        </a:xfrm>
+      </p:grpSpPr>
+      <p:sp>
+        <p:nvSpPr>
+          <p:cNvPr id="2" name="Заголовок 1"/>
+          <p:cNvSpPr>
+            <a:spLocks noGrp="1"/>
+          </p:cNvSpPr>
+          <p:nvPr>
+            <p:ph type="title"/>
+          </p:nvPr>
+        </p:nvSpPr>
+        <p:spPr>
+          <a:xfrm>
+            <a:off x="838200" y="365126"/>
+            <a:ext cx="10515600" cy="541040"/>
+          </a:xfrm>
+        </p:spPr>
+        <p:txBody>
+          <a:bodyPr>
+            <a:normAutofit fontScale="90000"/>
+          </a:bodyPr>
+          <a:lstStyle/>
+          <a:p>
+            <a:r>
+              <a:rPr lang="ru-RU" dirty="0" smtClean="0"/>
+              <a:t>Конечные автоматы</a:t>
+            </a:r>
+            <a:endParaRPr lang="ru-RU" dirty="0"/>
+          </a:p>
+        </p:txBody>
+      </p:sp>
+      <p:sp>
+        <p:nvSpPr>
+          <p:cNvPr id="3" name="Объект 2"/>
+          <p:cNvSpPr>
+            <a:spLocks noGrp="1"/>
+          </p:cNvSpPr>
+          <p:nvPr>
+            <p:ph sz="half" idx="1"/>
+          </p:nvPr>
+        </p:nvSpPr>
+        <p:spPr>
+          <a:xfrm>
+            <a:off x="167845" y="1271291"/>
+            <a:ext cx="5599611" cy="4782469"/>
+          </a:xfrm>
+        </p:spPr>
+        <p:txBody>
+          <a:bodyPr>
+            <a:noAutofit/>
+          </a:bodyPr>
+          <a:lstStyle/>
+          <a:p>
+            <a:pPr marL="0" indent="0">
+              <a:buNone/>
+            </a:pPr>
+            <a:r>
+              <a:rPr lang="ru-RU" dirty="0" smtClean="0"/>
+              <a:t>Состояния – стратегии поведения.</a:t>
+            </a:r>
+          </a:p>
+          <a:p>
+            <a:pPr marL="0" indent="0">
+              <a:buNone/>
+            </a:pPr>
+            <a:r>
+              <a:rPr lang="ru-RU" dirty="0" smtClean="0"/>
+              <a:t>Переходы – состояния среды.</a:t>
+            </a:r>
+          </a:p>
+          <a:p>
+            <a:pPr marL="0" indent="0">
+              <a:buNone/>
+            </a:pPr>
+            <a:endParaRPr lang="ru-RU" dirty="0" smtClean="0"/>
+          </a:p>
+          <a:p>
+            <a:pPr marL="0" indent="0">
+              <a:buNone/>
+            </a:pPr>
+            <a:r>
+              <a:rPr lang="ru-RU" dirty="0" smtClean="0"/>
+              <a:t>Преимущества:</a:t>
+            </a:r>
+          </a:p>
+          <a:p>
+            <a:r>
+              <a:rPr lang="ru-RU" dirty="0"/>
+              <a:t>п</a:t>
+            </a:r>
+            <a:r>
+              <a:rPr lang="ru-RU" dirty="0" smtClean="0"/>
+              <a:t>росты в разработке при малом количестве состояний;</a:t>
+            </a:r>
+          </a:p>
+          <a:p>
+            <a:r>
+              <a:rPr lang="ru-RU" dirty="0" smtClean="0"/>
+              <a:t>высокое быстродействие.</a:t>
+            </a:r>
+          </a:p>
+          <a:p>
+            <a:pPr marL="0" indent="0">
+              <a:buNone/>
+            </a:pPr>
+            <a:r>
+              <a:rPr lang="ru-RU" dirty="0" smtClean="0"/>
+              <a:t>Недостатки:</a:t>
+            </a:r>
+          </a:p>
+          <a:p>
+            <a:r>
+              <a:rPr lang="ru-RU" dirty="0"/>
+              <a:t>н</a:t>
+            </a:r>
+            <a:r>
+              <a:rPr lang="ru-RU" dirty="0" smtClean="0"/>
+              <a:t>е походят для сложных моделей поведения.</a:t>
+            </a:r>
+            <a:endParaRPr lang="ru-RU" dirty="0"/>
+          </a:p>
+        </p:txBody>
+      </p:sp>
+      <p:sp>
+        <p:nvSpPr>
+          <p:cNvPr id="10" name="Rectangle 6"/>
+          <p:cNvSpPr>
+            <a:spLocks noChangeArrowheads="1"/>
+          </p:cNvSpPr>
+          <p:nvPr/>
+        </p:nvSpPr>
+        <p:spPr bwMode="auto">
+          <a:xfrm>
+            <a:off x="0" y="0"/>
+            <a:ext cx="12192000" cy="0"/>
+          </a:xfrm>
+          <a:prstGeom prst="rect">
+            <a:avLst/>
+          </a:prstGeom>
+          <a:noFill/>
+          <a:ln>
+            <a:noFill/>
+          </a:ln>
+          <a:effectLst/>
+          <a:extLst>
+            <a:ext uri="{909E8E84-426E-40DD-AFC4-6F175D3DCCD1}">
+              <a14:hiddenFill xmlns:a14="http://schemas.microsoft.com/office/drawing/2010/main">
+                <a:solidFill>
+                  <a:schemeClr val="accent1"/>
+                </a:solidFill>
+              </a14:hiddenFill>
+            </a:ext>
+            <a:ext uri="{91240B29-F687-4F45-9708-019B960494DF}">
+              <a14:hiddenLine xmlns:a14="http://schemas.microsoft.com/office/drawing/2010/main" w="9525">
+                <a:solidFill>
+                  <a:schemeClr val="tx1"/>
+                </a:solidFill>
+                <a:miter lim="800000"/>
+                <a:headEnd/>
+                <a:tailEnd/>
+              </a14:hiddenLine>
+            </a:ext>
+            <a:ext uri="{AF507438-7753-43E0-B8FC-AC1667EBCBE1}">
+              <a14:hiddenEffects xmlns:a14="http://schemas.microsoft.com/office/drawing/2010/main">
+                <a:effectLst>
+                  <a:outerShdw dist="35921" dir="2700000" algn="ctr" rotWithShape="0">
+                    <a:schemeClr val="bg2"/>
+                  </a:outerShdw>
+                </a:effectLst>
+              </a14:hiddenEffects>
+            </a:ext>
+          </a:extLst>
+        </p:spPr>
+        <p:txBody>
+          <a:bodyPr vert="horz" wrap="none" lIns="91440" tIns="45720" rIns="91440" bIns="45720" numCol="1" anchor="ctr" anchorCtr="0" compatLnSpc="1">
+            <a:prstTxWarp prst="textNoShape">
+              <a:avLst/>
+            </a:prstTxWarp>
+            <a:spAutoFit/>
+          </a:bodyPr>
+          <a:lstStyle/>
+          <a:p>
+            <a:endParaRPr lang="ru-RU"/>
+          </a:p>
+        </p:txBody>
+      </p:sp>
+      <p:sp>
+        <p:nvSpPr>
+          <p:cNvPr id="4" name="Нижний колонтитул 3"/>
+          <p:cNvSpPr>
+            <a:spLocks noGrp="1"/>
+          </p:cNvSpPr>
+          <p:nvPr>
+            <p:ph type="ftr" sz="quarter" idx="11"/>
+          </p:nvPr>
+        </p:nvSpPr>
+        <p:spPr/>
+        <p:txBody>
+          <a:bodyPr/>
+          <a:lstStyle/>
+          <a:p>
+            <a:r>
+              <a:rPr lang="ru-RU" dirty="0" smtClean="0"/>
+              <a:t>Приходько Е.В. Исследование методов моделирования принятия решений на примере ботов в компьютерной игре</a:t>
+            </a:r>
+            <a:endParaRPr lang="ru-RU" dirty="0"/>
+          </a:p>
+        </p:txBody>
+      </p:sp>
+      <p:sp>
+        <p:nvSpPr>
+          <p:cNvPr id="6" name="Номер слайда 5"/>
+          <p:cNvSpPr>
+            <a:spLocks noGrp="1"/>
+          </p:cNvSpPr>
+          <p:nvPr>
+            <p:ph type="sldNum" sz="quarter" idx="12"/>
+          </p:nvPr>
+        </p:nvSpPr>
+        <p:spPr/>
+        <p:txBody>
+          <a:bodyPr/>
+          <a:lstStyle/>
+          <a:p>
+            <a:fld id="{E58024C2-D31D-4875-8231-7C9AE6162281}" type="slidenum">
+              <a:rPr lang="ru-RU" smtClean="0"/>
+              <a:pPr/>
+              <a:t>5</a:t>
+            </a:fld>
+            <a:endParaRPr lang="ru-RU" dirty="0"/>
+          </a:p>
+        </p:txBody>
+      </p:sp>
+      <p:sp>
+        <p:nvSpPr>
+          <p:cNvPr id="7" name="TextBox 6"/>
+          <p:cNvSpPr txBox="1"/>
+          <p:nvPr/>
+        </p:nvSpPr>
+        <p:spPr>
+          <a:xfrm>
+            <a:off x="6370513" y="5388915"/>
+            <a:ext cx="4983287" cy="369332"/>
+          </a:xfrm>
+          <a:prstGeom prst="rect">
+            <a:avLst/>
+          </a:prstGeom>
+          <a:noFill/>
+        </p:spPr>
+        <p:txBody>
+          <a:bodyPr wrap="none" rtlCol="0">
+            <a:spAutoFit/>
+          </a:bodyPr>
+          <a:lstStyle/>
+          <a:p>
+            <a:r>
+              <a:rPr lang="ru-RU" dirty="0" smtClean="0"/>
+              <a:t>Изображение конечного автомата в виде графа</a:t>
+            </a:r>
+            <a:endParaRPr lang="ru-RU" dirty="0"/>
+          </a:p>
+        </p:txBody>
+      </p:sp>
+      <p:sp>
+        <p:nvSpPr>
+          <p:cNvPr id="5" name="Rectangle 45"/>
+          <p:cNvSpPr>
+            <a:spLocks noChangeArrowheads="1"/>
+          </p:cNvSpPr>
+          <p:nvPr/>
+        </p:nvSpPr>
+        <p:spPr bwMode="auto">
+          <a:xfrm>
+            <a:off x="5097101" y="1430448"/>
+            <a:ext cx="12192000" cy="0"/>
+          </a:xfrm>
+          <a:prstGeom prst="rect">
+            <a:avLst/>
+          </a:prstGeom>
+          <a:noFill/>
+          <a:ln>
+            <a:noFill/>
+          </a:ln>
+          <a:effectLst/>
+          <a:extLst>
+            <a:ext uri="{909E8E84-426E-40DD-AFC4-6F175D3DCCD1}">
+              <a14:hiddenFill xmlns:a14="http://schemas.microsoft.com/office/drawing/2010/main">
+                <a:solidFill>
+                  <a:schemeClr val="accent1"/>
+                </a:solidFill>
+              </a14:hiddenFill>
+            </a:ext>
+            <a:ext uri="{91240B29-F687-4F45-9708-019B960494DF}">
+              <a14:hiddenLine xmlns:a14="http://schemas.microsoft.com/office/drawing/2010/main" w="9525">
+                <a:solidFill>
+                  <a:schemeClr val="tx1"/>
+                </a:solidFill>
+                <a:miter lim="800000"/>
+                <a:headEnd/>
+                <a:tailEnd/>
+              </a14:hiddenLine>
+            </a:ext>
+            <a:ext uri="{AF507438-7753-43E0-B8FC-AC1667EBCBE1}">
+              <a14:hiddenEffects xmlns:a14="http://schemas.microsoft.com/office/drawing/2010/main">
+                <a:effectLst>
+                  <a:outerShdw dist="35921" dir="2700000" algn="ctr" rotWithShape="0">
+                    <a:schemeClr val="bg2"/>
+                  </a:outerShdw>
+                </a:effectLst>
+              </a14:hiddenEffects>
+            </a:ext>
+          </a:extLst>
+        </p:spPr>
+        <p:txBody>
+          <a:bodyPr vert="horz" wrap="none" lIns="91440" tIns="45720" rIns="91440" bIns="45720" numCol="1" anchor="ctr" anchorCtr="0" compatLnSpc="1">
+            <a:prstTxWarp prst="textNoShape">
+              <a:avLst/>
+            </a:prstTxWarp>
+            <a:spAutoFit/>
+          </a:bodyPr>
+          <a:lstStyle/>
+          <a:p>
+            <a:endParaRPr lang="ru-RU"/>
+          </a:p>
+        </p:txBody>
+      </p:sp>
+      <p:graphicFrame>
+        <p:nvGraphicFramePr>
+          <p:cNvPr id="8" name="Объект 7"/>
+          <p:cNvGraphicFramePr>
+            <a:graphicFrameLocks noChangeAspect="1"/>
+          </p:cNvGraphicFramePr>
+          <p:nvPr>
+            <p:extLst>
+              <p:ext uri="{D42A27DB-BD31-4B8C-83A1-F6EECF244321}">
+                <p14:modId xmlns:p14="http://schemas.microsoft.com/office/powerpoint/2010/main" val="678398286"/>
+              </p:ext>
+            </p:extLst>
+          </p:nvPr>
+        </p:nvGraphicFramePr>
+        <p:xfrm>
+          <a:off x="5384679" y="1271291"/>
+          <a:ext cx="6807321" cy="4065336"/>
+        </p:xfrm>
+        <a:graphic>
+          <a:graphicData uri="http://schemas.openxmlformats.org/presentationml/2006/ole">
+            <mc:AlternateContent xmlns:mc="http://schemas.openxmlformats.org/markup-compatibility/2006">
+              <mc:Choice xmlns:v="urn:schemas-microsoft-com:vml" Requires="v">
+                <p:oleObj spid="_x0000_s2136" name="Visio" r:id="rId3" imgW="7296021" imgH="4410180" progId="Visio.Drawing.15">
+                  <p:embed/>
+                </p:oleObj>
+              </mc:Choice>
+              <mc:Fallback>
+                <p:oleObj name="Visio" r:id="rId3" imgW="7296021" imgH="4410180" progId="Visio.Drawing.15">
+                  <p:embed/>
+                  <p:pic>
+                    <p:nvPicPr>
+                      <p:cNvPr id="0" name="Object 44"/>
+                      <p:cNvPicPr>
+                        <a:picLocks noChangeAspect="1" noChangeArrowheads="1"/>
+                      </p:cNvPicPr>
+                      <p:nvPr/>
+                    </p:nvPicPr>
+                    <p:blipFill>
+                      <a:blip r:embed="rId4">
+                        <a:extLst>
+                          <a:ext uri="{28A0092B-C50C-407E-A947-70E740481C1C}">
+                            <a14:useLocalDpi xmlns:a14="http://schemas.microsoft.com/office/drawing/2010/main" val="0"/>
+                          </a:ext>
+                        </a:extLst>
+                      </a:blip>
+                      <a:srcRect/>
+                      <a:stretch>
+                        <a:fillRect/>
+                      </a:stretch>
+                    </p:blipFill>
+                    <p:spPr bwMode="auto">
+                      <a:xfrm>
+                        <a:off x="5384679" y="1271291"/>
+                        <a:ext cx="6807321" cy="4065336"/>
+                      </a:xfrm>
+                      <a:prstGeom prst="rect">
+                        <a:avLst/>
+                      </a:prstGeom>
+                      <a:noFill/>
+                    </p:spPr>
+                  </p:pic>
+                </p:oleObj>
+              </mc:Fallback>
+            </mc:AlternateContent>
+          </a:graphicData>
+        </a:graphic>
+      </p:graphicFrame>
+    </p:spTree>
+    <p:extLst>
+      <p:ext uri="{BB962C8B-B14F-4D97-AF65-F5344CB8AC3E}">
+        <p14:creationId xmlns:p14="http://schemas.microsoft.com/office/powerpoint/2010/main" val="932785340"/>
+      </p:ext>
+    </p:extLst>
+  </p:cSld>
+  <p:clrMapOvr>
+    <a:masterClrMapping/>
+  </p:clrMapOvr>
+</p:sld>
+</file>
+
+<file path=ppt/slides/slide6.xml><?xml version="1.0" encoding="utf-8"?>
+<p:sld xmlns:a="http://schemas.openxmlformats.org/drawingml/2006/main" xmlns:r="http://schemas.openxmlformats.org/officeDocument/2006/relationships" xmlns:p="http://schemas.openxmlformats.org/presentationml/2006/main">
+  <p:cSld>
+    <p:spTree>
+      <p:nvGrpSpPr>
+        <p:cNvPr id="1" name=""/>
+        <p:cNvGrpSpPr/>
+        <p:nvPr/>
+      </p:nvGrpSpPr>
+      <p:grpSpPr>
+        <a:xfrm>
+          <a:off x="0" y="0"/>
+          <a:ext cx="0" cy="0"/>
+          <a:chOff x="0" y="0"/>
+          <a:chExt cx="0" cy="0"/>
+        </a:xfrm>
+      </p:grpSpPr>
+      <p:sp>
+        <p:nvSpPr>
+          <p:cNvPr id="2" name="Заголовок 1"/>
+          <p:cNvSpPr>
+            <a:spLocks noGrp="1"/>
+          </p:cNvSpPr>
+          <p:nvPr>
+            <p:ph type="title"/>
+          </p:nvPr>
+        </p:nvSpPr>
+        <p:spPr>
+          <a:xfrm>
+            <a:off x="838200" y="365125"/>
+            <a:ext cx="10515600" cy="277671"/>
+          </a:xfrm>
+        </p:spPr>
+        <p:txBody>
+          <a:bodyPr>
+            <a:normAutofit fontScale="90000"/>
+          </a:bodyPr>
+          <a:lstStyle/>
+          <a:p>
+            <a:r>
+              <a:rPr lang="ru-RU" dirty="0"/>
+              <a:t>Деревья поведения</a:t>
+            </a:r>
+          </a:p>
+        </p:txBody>
+      </p:sp>
+      <p:sp>
+        <p:nvSpPr>
+          <p:cNvPr id="3" name="Объект 2"/>
+          <p:cNvSpPr>
+            <a:spLocks noGrp="1"/>
+          </p:cNvSpPr>
+          <p:nvPr>
+            <p:ph sz="half" idx="1"/>
+          </p:nvPr>
+        </p:nvSpPr>
+        <p:spPr>
+          <a:xfrm>
+            <a:off x="226337" y="920828"/>
+            <a:ext cx="3856776" cy="5256135"/>
+          </a:xfrm>
+        </p:spPr>
+        <p:txBody>
+          <a:bodyPr/>
+          <a:lstStyle/>
+          <a:p>
+            <a:pPr marL="0" indent="0">
+              <a:buNone/>
+            </a:pPr>
+            <a:r>
+              <a:rPr lang="ru-RU" dirty="0" smtClean="0"/>
+              <a:t>На основе селектора:</a:t>
+            </a:r>
+          </a:p>
+          <a:p>
+            <a:r>
+              <a:rPr lang="ru-RU" dirty="0"/>
+              <a:t>в</a:t>
+            </a:r>
+            <a:r>
+              <a:rPr lang="ru-RU" dirty="0" smtClean="0"/>
+              <a:t>ыбор ветви;</a:t>
+            </a:r>
+          </a:p>
+          <a:p>
+            <a:r>
+              <a:rPr lang="ru-RU" dirty="0" smtClean="0"/>
+              <a:t>ветвь – состояние.</a:t>
+            </a:r>
+          </a:p>
+          <a:p>
+            <a:pPr marL="0" indent="0">
+              <a:buNone/>
+            </a:pPr>
+            <a:endParaRPr lang="ru-RU" dirty="0" smtClean="0"/>
+          </a:p>
+          <a:p>
+            <a:pPr marL="0" indent="0">
+              <a:buNone/>
+            </a:pPr>
+            <a:endParaRPr lang="ru-RU" dirty="0" smtClean="0"/>
+          </a:p>
+          <a:p>
+            <a:pPr marL="0" indent="0">
+              <a:buNone/>
+            </a:pPr>
+            <a:r>
+              <a:rPr lang="ru-RU" dirty="0" smtClean="0"/>
+              <a:t>На основе последовательности:</a:t>
+            </a:r>
+          </a:p>
+          <a:p>
+            <a:r>
+              <a:rPr lang="ru-RU" dirty="0" smtClean="0"/>
+              <a:t>обход ветвей;</a:t>
+            </a:r>
+          </a:p>
+          <a:p>
+            <a:r>
+              <a:rPr lang="ru-RU" dirty="0" smtClean="0"/>
+              <a:t>ветвь – компонент.</a:t>
+            </a:r>
+          </a:p>
+        </p:txBody>
+      </p:sp>
+      <p:sp>
+        <p:nvSpPr>
+          <p:cNvPr id="5" name="Нижний колонтитул 4"/>
+          <p:cNvSpPr>
+            <a:spLocks noGrp="1"/>
+          </p:cNvSpPr>
+          <p:nvPr>
+            <p:ph type="ftr" sz="quarter" idx="11"/>
+          </p:nvPr>
+        </p:nvSpPr>
+        <p:spPr/>
+        <p:txBody>
+          <a:bodyPr/>
+          <a:lstStyle/>
+          <a:p>
+            <a:r>
+              <a:rPr lang="ru-RU" smtClean="0"/>
+              <a:t>Приходько Е.В. Исследование методов моделирования принятия решений на примере ботов в компьютерной игре</a:t>
+            </a:r>
+            <a:endParaRPr lang="ru-RU"/>
+          </a:p>
+        </p:txBody>
+      </p:sp>
+      <p:sp>
+        <p:nvSpPr>
+          <p:cNvPr id="6" name="Номер слайда 5"/>
+          <p:cNvSpPr>
+            <a:spLocks noGrp="1"/>
+          </p:cNvSpPr>
+          <p:nvPr>
+            <p:ph type="sldNum" sz="quarter" idx="12"/>
+          </p:nvPr>
+        </p:nvSpPr>
+        <p:spPr/>
+        <p:txBody>
+          <a:bodyPr/>
+          <a:lstStyle/>
+          <a:p>
+            <a:fld id="{E58024C2-D31D-4875-8231-7C9AE6162281}" type="slidenum">
+              <a:rPr lang="ru-RU" smtClean="0"/>
+              <a:pPr/>
+              <a:t>6</a:t>
+            </a:fld>
+            <a:endParaRPr lang="ru-RU" dirty="0"/>
+          </a:p>
+        </p:txBody>
+      </p:sp>
+      <p:pic>
+        <p:nvPicPr>
+          <p:cNvPr id="7" name="Рисунок 6"/>
+          <p:cNvPicPr>
+            <a:picLocks noChangeAspect="1"/>
+          </p:cNvPicPr>
+          <p:nvPr/>
+        </p:nvPicPr>
+        <p:blipFill>
+          <a:blip r:embed="rId2"/>
+          <a:stretch>
+            <a:fillRect/>
+          </a:stretch>
+        </p:blipFill>
+        <p:spPr>
+          <a:xfrm>
+            <a:off x="3820004" y="920828"/>
+            <a:ext cx="8029373" cy="2061966"/>
+          </a:xfrm>
+          <a:prstGeom prst="rect">
+            <a:avLst/>
+          </a:prstGeom>
+        </p:spPr>
+      </p:pic>
+      <p:sp>
+        <p:nvSpPr>
+          <p:cNvPr id="8" name="TextBox 7"/>
+          <p:cNvSpPr txBox="1"/>
+          <p:nvPr/>
+        </p:nvSpPr>
+        <p:spPr>
+          <a:xfrm>
+            <a:off x="5818683" y="3140697"/>
+            <a:ext cx="4108176" cy="369332"/>
+          </a:xfrm>
+          <a:prstGeom prst="rect">
+            <a:avLst/>
+          </a:prstGeom>
+          <a:noFill/>
+        </p:spPr>
+        <p:txBody>
+          <a:bodyPr wrap="none" rtlCol="0">
+            <a:spAutoFit/>
+          </a:bodyPr>
+          <a:lstStyle/>
+          <a:p>
+            <a:r>
+              <a:rPr lang="ru-RU" dirty="0" smtClean="0"/>
+              <a:t>Дерево поведения на основе селектора</a:t>
+            </a:r>
+          </a:p>
+        </p:txBody>
+      </p:sp>
+      <p:sp>
+        <p:nvSpPr>
+          <p:cNvPr id="9" name="TextBox 8"/>
+          <p:cNvSpPr txBox="1"/>
+          <p:nvPr/>
+        </p:nvSpPr>
+        <p:spPr>
+          <a:xfrm>
+            <a:off x="5305425" y="5593073"/>
+            <a:ext cx="5138138" cy="369332"/>
+          </a:xfrm>
+          <a:prstGeom prst="rect">
+            <a:avLst/>
+          </a:prstGeom>
+          <a:noFill/>
+        </p:spPr>
+        <p:txBody>
+          <a:bodyPr wrap="none" rtlCol="0">
+            <a:spAutoFit/>
+          </a:bodyPr>
+          <a:lstStyle/>
+          <a:p>
+            <a:r>
+              <a:rPr lang="ru-RU" dirty="0" smtClean="0"/>
+              <a:t>Дерево поведения на основе последовательности</a:t>
+            </a:r>
+          </a:p>
+        </p:txBody>
+      </p:sp>
+      <p:pic>
+        <p:nvPicPr>
+          <p:cNvPr id="10" name="Рисунок 9"/>
+          <p:cNvPicPr>
+            <a:picLocks noChangeAspect="1"/>
+          </p:cNvPicPr>
+          <p:nvPr/>
+        </p:nvPicPr>
+        <p:blipFill>
+          <a:blip r:embed="rId3"/>
+          <a:stretch>
+            <a:fillRect/>
+          </a:stretch>
+        </p:blipFill>
+        <p:spPr>
+          <a:xfrm>
+            <a:off x="3820004" y="3803117"/>
+            <a:ext cx="8105535" cy="1681534"/>
+          </a:xfrm>
+          <a:prstGeom prst="rect">
+            <a:avLst/>
+          </a:prstGeom>
+        </p:spPr>
+      </p:pic>
+    </p:spTree>
+    <p:extLst>
+      <p:ext uri="{BB962C8B-B14F-4D97-AF65-F5344CB8AC3E}">
+        <p14:creationId xmlns:p14="http://schemas.microsoft.com/office/powerpoint/2010/main" val="1595875034"/>
+      </p:ext>
+    </p:extLst>
+  </p:cSld>
+  <p:clrMapOvr>
+    <a:masterClrMapping/>
+  </p:clrMapOvr>
+</p:sld>
+</file>
+
+<file path=ppt/slides/slide7.xml><?xml version="1.0" encoding="utf-8"?>
+<p:sld xmlns:a="http://schemas.openxmlformats.org/drawingml/2006/main" xmlns:r="http://schemas.openxmlformats.org/officeDocument/2006/relationships" xmlns:p="http://schemas.openxmlformats.org/presentationml/2006/main">
+  <p:cSld>
+    <p:spTree>
+      <p:nvGrpSpPr>
+        <p:cNvPr id="1" name=""/>
+        <p:cNvGrpSpPr/>
+        <p:nvPr/>
+      </p:nvGrpSpPr>
+      <p:grpSpPr>
+        <a:xfrm>
+          <a:off x="0" y="0"/>
+          <a:ext cx="0" cy="0"/>
+          <a:chOff x="0" y="0"/>
+          <a:chExt cx="0" cy="0"/>
+        </a:xfrm>
+      </p:grpSpPr>
+      <p:sp>
+        <p:nvSpPr>
+          <p:cNvPr id="2" name="Заголовок 1"/>
+          <p:cNvSpPr>
+            <a:spLocks noGrp="1"/>
+          </p:cNvSpPr>
+          <p:nvPr>
+            <p:ph type="title"/>
+          </p:nvPr>
+        </p:nvSpPr>
+        <p:spPr>
+          <a:xfrm>
+            <a:off x="838200" y="365125"/>
+            <a:ext cx="10515600" cy="820879"/>
+          </a:xfrm>
+        </p:spPr>
+        <p:txBody>
+          <a:bodyPr/>
+          <a:lstStyle/>
+          <a:p>
+            <a:r>
+              <a:rPr lang="ru-RU" dirty="0" smtClean="0"/>
+              <a:t>Деревья поведения (выводы)</a:t>
+            </a:r>
+            <a:endParaRPr lang="ru-RU" dirty="0"/>
+          </a:p>
+        </p:txBody>
+      </p:sp>
+      <p:sp>
+        <p:nvSpPr>
+          <p:cNvPr id="3" name="Объект 2"/>
+          <p:cNvSpPr>
+            <a:spLocks noGrp="1"/>
+          </p:cNvSpPr>
+          <p:nvPr>
+            <p:ph idx="1"/>
+          </p:nvPr>
+        </p:nvSpPr>
+        <p:spPr>
+          <a:xfrm>
+            <a:off x="506994" y="1294646"/>
+            <a:ext cx="10692143" cy="4882317"/>
+          </a:xfrm>
+        </p:spPr>
+        <p:txBody>
+          <a:bodyPr>
+            <a:normAutofit lnSpcReduction="10000"/>
+          </a:bodyPr>
+          <a:lstStyle/>
+          <a:p>
+            <a:pPr marL="0" indent="0">
+              <a:buNone/>
+            </a:pPr>
+            <a:r>
+              <a:rPr lang="ru-RU" sz="3200" dirty="0" smtClean="0"/>
+              <a:t>Преимущества:</a:t>
+            </a:r>
+            <a:endParaRPr lang="ru-RU" sz="3200" dirty="0" smtClean="0"/>
+          </a:p>
+          <a:p>
+            <a:pPr lvl="1">
+              <a:buFont typeface="Arial" panose="020B0604020202020204" pitchFamily="34" charset="0"/>
+              <a:buChar char="•"/>
+            </a:pPr>
+            <a:r>
+              <a:rPr lang="ru-RU" sz="2800" dirty="0" smtClean="0"/>
+              <a:t>Модульность: независимость узлов дерева друг от друга позволяет создавать более сложное поведение и </a:t>
+            </a:r>
+            <a:r>
+              <a:rPr lang="ru-RU" sz="2800" dirty="0" err="1" smtClean="0"/>
+              <a:t>переиспользовать</a:t>
+            </a:r>
+            <a:r>
+              <a:rPr lang="ru-RU" sz="2800" dirty="0" smtClean="0"/>
+              <a:t> узлы в </a:t>
+            </a:r>
+            <a:r>
+              <a:rPr lang="ru-RU" sz="2800" dirty="0" smtClean="0"/>
+              <a:t>разных ветвях одного дерева, в разных деревьях и в разных </a:t>
+            </a:r>
+            <a:r>
+              <a:rPr lang="ru-RU" sz="2800" dirty="0" smtClean="0"/>
+              <a:t>проектах.</a:t>
+            </a:r>
+          </a:p>
+          <a:p>
+            <a:pPr lvl="1">
+              <a:buFont typeface="Arial" panose="020B0604020202020204" pitchFamily="34" charset="0"/>
+              <a:buChar char="•"/>
+            </a:pPr>
+            <a:r>
+              <a:rPr lang="ru-RU" sz="2800" dirty="0" smtClean="0"/>
+              <a:t>Декомпозиция стратегий на отдельные компоненты: добавление новых компонентов и стратегий не требует изменения уже реализованного поведения.</a:t>
+            </a:r>
+            <a:endParaRPr lang="ru-RU" sz="2800" dirty="0" smtClean="0"/>
+          </a:p>
+          <a:p>
+            <a:pPr marL="0" indent="0">
+              <a:buNone/>
+            </a:pPr>
+            <a:r>
+              <a:rPr lang="ru-RU" sz="3200" dirty="0" smtClean="0"/>
+              <a:t>Недостатки:</a:t>
+            </a:r>
+            <a:endParaRPr lang="ru-RU" sz="3200" dirty="0" smtClean="0"/>
+          </a:p>
+          <a:p>
+            <a:pPr lvl="1">
+              <a:buFont typeface="Arial" panose="020B0604020202020204" pitchFamily="34" charset="0"/>
+              <a:buChar char="•"/>
+            </a:pPr>
+            <a:r>
+              <a:rPr lang="ru-RU" sz="2800" dirty="0" smtClean="0"/>
+              <a:t>Быстродействие</a:t>
+            </a:r>
+            <a:r>
+              <a:rPr lang="ru-RU" sz="2800" dirty="0" smtClean="0"/>
+              <a:t>: </a:t>
+            </a:r>
+            <a:r>
+              <a:rPr lang="en-US" sz="2800" dirty="0" smtClean="0"/>
+              <a:t>O(n)</a:t>
+            </a:r>
+            <a:r>
+              <a:rPr lang="ru-RU" sz="2800" dirty="0" smtClean="0"/>
+              <a:t>, где </a:t>
+            </a:r>
+            <a:r>
+              <a:rPr lang="en-US" sz="2800" dirty="0" smtClean="0"/>
+              <a:t>n – </a:t>
+            </a:r>
+            <a:r>
+              <a:rPr lang="ru-RU" sz="2800" dirty="0" smtClean="0"/>
+              <a:t>количество  узлов в дереве. В общем случае принятие решения – это полный обход графа в глубину.</a:t>
+            </a:r>
+            <a:endParaRPr lang="ru-RU" sz="2800" dirty="0"/>
+          </a:p>
+        </p:txBody>
+      </p:sp>
+      <p:sp>
+        <p:nvSpPr>
+          <p:cNvPr id="5" name="Нижний колонтитул 4"/>
+          <p:cNvSpPr>
+            <a:spLocks noGrp="1"/>
+          </p:cNvSpPr>
+          <p:nvPr>
+            <p:ph type="ftr" sz="quarter" idx="11"/>
+          </p:nvPr>
+        </p:nvSpPr>
+        <p:spPr/>
+        <p:txBody>
+          <a:bodyPr/>
+          <a:lstStyle/>
+          <a:p>
+            <a:r>
+              <a:rPr lang="ru-RU" smtClean="0"/>
+              <a:t>Приходько Е.В. Исследование методов моделирования принятия решений на примере ботов в компьютерной игре</a:t>
+            </a:r>
+            <a:endParaRPr lang="ru-RU"/>
+          </a:p>
+        </p:txBody>
+      </p:sp>
+      <p:sp>
+        <p:nvSpPr>
+          <p:cNvPr id="6" name="Номер слайда 5"/>
+          <p:cNvSpPr>
+            <a:spLocks noGrp="1"/>
+          </p:cNvSpPr>
+          <p:nvPr>
+            <p:ph type="sldNum" sz="quarter" idx="12"/>
+          </p:nvPr>
+        </p:nvSpPr>
+        <p:spPr/>
+        <p:txBody>
+          <a:bodyPr/>
+          <a:lstStyle/>
+          <a:p>
+            <a:fld id="{E58024C2-D31D-4875-8231-7C9AE6162281}" type="slidenum">
+              <a:rPr lang="ru-RU" smtClean="0"/>
+              <a:pPr/>
+              <a:t>7</a:t>
+            </a:fld>
+            <a:endParaRPr lang="ru-RU" dirty="0" smtClean="0"/>
+          </a:p>
+        </p:txBody>
+      </p:sp>
+    </p:spTree>
+    <p:extLst>
+      <p:ext uri="{BB962C8B-B14F-4D97-AF65-F5344CB8AC3E}">
+        <p14:creationId xmlns:p14="http://schemas.microsoft.com/office/powerpoint/2010/main" val="345715378"/>
+      </p:ext>
+    </p:extLst>
+  </p:cSld>
+  <p:clrMapOvr>
+    <a:masterClrMapping/>
+  </p:clrMapOvr>
+</p:sld>
+</file>
+
+<file path=ppt/slides/slide8.xml><?xml version="1.0" encoding="utf-8"?>
+<p:sld xmlns:a="http://schemas.openxmlformats.org/drawingml/2006/main" xmlns:r="http://schemas.openxmlformats.org/officeDocument/2006/relationships" xmlns:p="http://schemas.openxmlformats.org/presentationml/2006/main">
+  <p:cSld>
+    <p:spTree>
+      <p:nvGrpSpPr>
+        <p:cNvPr id="1" name=""/>
+        <p:cNvGrpSpPr/>
+        <p:nvPr/>
+      </p:nvGrpSpPr>
+      <p:grpSpPr>
+        <a:xfrm>
+          <a:off x="0" y="0"/>
+          <a:ext cx="0" cy="0"/>
+          <a:chOff x="0" y="0"/>
+          <a:chExt cx="0" cy="0"/>
+        </a:xfrm>
+      </p:grpSpPr>
+      <p:sp>
+        <p:nvSpPr>
+          <p:cNvPr id="2" name="Заголовок 1"/>
+          <p:cNvSpPr>
+            <a:spLocks noGrp="1"/>
+          </p:cNvSpPr>
+          <p:nvPr>
+            <p:ph type="title"/>
+          </p:nvPr>
+        </p:nvSpPr>
+        <p:spPr>
+          <a:xfrm>
+            <a:off x="838200" y="365126"/>
+            <a:ext cx="10515600" cy="494953"/>
+          </a:xfrm>
+        </p:spPr>
+        <p:txBody>
+          <a:bodyPr>
+            <a:normAutofit fontScale="90000"/>
+          </a:bodyPr>
+          <a:lstStyle/>
+          <a:p>
+            <a:r>
+              <a:rPr lang="ru-RU" dirty="0" smtClean="0"/>
+              <a:t>Нечеткая логика</a:t>
+            </a:r>
+            <a:endParaRPr lang="ru-RU" dirty="0"/>
+          </a:p>
+        </p:txBody>
+      </p:sp>
+      <p:sp>
+        <p:nvSpPr>
+          <p:cNvPr id="3" name="Объект 2"/>
+          <p:cNvSpPr>
+            <a:spLocks noGrp="1"/>
+          </p:cNvSpPr>
+          <p:nvPr>
+            <p:ph sz="half" idx="1"/>
+          </p:nvPr>
+        </p:nvSpPr>
+        <p:spPr>
+          <a:xfrm>
+            <a:off x="362139" y="950614"/>
+            <a:ext cx="11334938" cy="1846907"/>
+          </a:xfrm>
+        </p:spPr>
+        <p:txBody>
+          <a:bodyPr>
+            <a:normAutofit fontScale="92500" lnSpcReduction="10000"/>
+          </a:bodyPr>
+          <a:lstStyle/>
+          <a:p>
+            <a:pPr marL="0" indent="0">
+              <a:buNone/>
+            </a:pPr>
+            <a:r>
+              <a:rPr lang="ru-RU" sz="3600" dirty="0"/>
+              <a:t>Входные </a:t>
+            </a:r>
+            <a:r>
+              <a:rPr lang="ru-RU" sz="3600" dirty="0" smtClean="0"/>
+              <a:t>переменные:</a:t>
+            </a:r>
+            <a:endParaRPr lang="ru-RU" sz="3600" dirty="0"/>
+          </a:p>
+          <a:p>
+            <a:pPr lvl="1">
+              <a:buFont typeface="Arial" panose="020B0604020202020204" pitchFamily="34" charset="0"/>
+              <a:buChar char="•"/>
+            </a:pPr>
+            <a:r>
+              <a:rPr lang="ru-RU" sz="3100" dirty="0" smtClean="0"/>
+              <a:t>количество </a:t>
+            </a:r>
+            <a:r>
+              <a:rPr lang="ru-RU" sz="3100" dirty="0"/>
+              <a:t>очков здоровья </a:t>
+            </a:r>
+            <a:r>
+              <a:rPr lang="ru-RU" sz="3100" dirty="0" smtClean="0"/>
+              <a:t>агента = </a:t>
+            </a:r>
+            <a:r>
+              <a:rPr lang="en-US" sz="3100" dirty="0" smtClean="0"/>
+              <a:t>{</a:t>
+            </a:r>
+            <a:r>
+              <a:rPr lang="ru-RU" sz="3100" dirty="0" smtClean="0"/>
+              <a:t> Мало, Средне, Много </a:t>
+            </a:r>
+            <a:r>
+              <a:rPr lang="en-US" sz="3100" dirty="0" smtClean="0"/>
+              <a:t>}</a:t>
+            </a:r>
+            <a:r>
+              <a:rPr lang="ru-RU" sz="3100" dirty="0"/>
+              <a:t>;</a:t>
+            </a:r>
+            <a:endParaRPr lang="en-US" sz="3100" dirty="0" smtClean="0"/>
+          </a:p>
+          <a:p>
+            <a:pPr lvl="1"/>
+            <a:r>
+              <a:rPr lang="ru-RU" sz="3100" dirty="0"/>
+              <a:t>к</a:t>
+            </a:r>
+            <a:r>
+              <a:rPr lang="ru-RU" sz="3100" dirty="0" smtClean="0"/>
+              <a:t>оличество </a:t>
+            </a:r>
+            <a:r>
+              <a:rPr lang="ru-RU" sz="3100" dirty="0"/>
+              <a:t>очков здоровья </a:t>
+            </a:r>
+            <a:r>
+              <a:rPr lang="ru-RU" sz="3100" dirty="0" smtClean="0"/>
+              <a:t>противника = </a:t>
+            </a:r>
+            <a:r>
+              <a:rPr lang="en-US" sz="3100" dirty="0" smtClean="0"/>
+              <a:t>{</a:t>
+            </a:r>
+            <a:r>
+              <a:rPr lang="ru-RU" sz="3100" dirty="0" smtClean="0"/>
+              <a:t> Мало, Средне, Много </a:t>
+            </a:r>
+            <a:r>
+              <a:rPr lang="en-US" sz="3100" dirty="0" smtClean="0"/>
+              <a:t>}</a:t>
+            </a:r>
+            <a:r>
+              <a:rPr lang="ru-RU" sz="3100" dirty="0" smtClean="0"/>
+              <a:t>;</a:t>
+            </a:r>
+            <a:endParaRPr lang="en-US" sz="3100" dirty="0" smtClean="0"/>
+          </a:p>
+          <a:p>
+            <a:pPr lvl="1">
+              <a:buFont typeface="Arial" panose="020B0604020202020204" pitchFamily="34" charset="0"/>
+              <a:buChar char="•"/>
+            </a:pPr>
+            <a:r>
+              <a:rPr lang="ru-RU" sz="3100" dirty="0"/>
+              <a:t>в</a:t>
+            </a:r>
+            <a:r>
+              <a:rPr lang="ru-RU" sz="3100" dirty="0" smtClean="0"/>
+              <a:t>идимость </a:t>
+            </a:r>
+            <a:r>
+              <a:rPr lang="ru-RU" sz="3100" dirty="0" smtClean="0"/>
+              <a:t>противника = </a:t>
+            </a:r>
+            <a:r>
+              <a:rPr lang="en-US" sz="3100" dirty="0" smtClean="0"/>
+              <a:t>{</a:t>
+            </a:r>
+            <a:r>
+              <a:rPr lang="ru-RU" sz="3100" dirty="0" smtClean="0"/>
+              <a:t> Нет, Есть </a:t>
+            </a:r>
+            <a:r>
+              <a:rPr lang="en-US" sz="3100" dirty="0" smtClean="0"/>
+              <a:t>}</a:t>
+            </a:r>
+            <a:r>
+              <a:rPr lang="ru-RU" sz="3100" dirty="0" smtClean="0"/>
+              <a:t>.</a:t>
+            </a:r>
+            <a:endParaRPr lang="en-US" sz="3100" dirty="0" smtClean="0"/>
+          </a:p>
+          <a:p>
+            <a:pPr>
+              <a:buFont typeface="Arial" panose="020B0604020202020204" pitchFamily="34" charset="0"/>
+              <a:buChar char="•"/>
+            </a:pPr>
+            <a:endParaRPr lang="ru-RU" dirty="0"/>
+          </a:p>
+        </p:txBody>
+      </p:sp>
+      <p:sp>
+        <p:nvSpPr>
+          <p:cNvPr id="4" name="Нижний колонтитул 3"/>
+          <p:cNvSpPr>
+            <a:spLocks noGrp="1"/>
+          </p:cNvSpPr>
+          <p:nvPr>
+            <p:ph type="ftr" sz="quarter" idx="11"/>
+          </p:nvPr>
+        </p:nvSpPr>
+        <p:spPr/>
+        <p:txBody>
+          <a:bodyPr/>
+          <a:lstStyle/>
+          <a:p>
+            <a:r>
+              <a:rPr lang="ru-RU" smtClean="0"/>
+              <a:t>Приходько Е.В. Исследование методов моделирования принятия решений на примере ботов в компьютерной игре</a:t>
+            </a:r>
+            <a:endParaRPr lang="ru-RU"/>
+          </a:p>
+        </p:txBody>
+      </p:sp>
+      <p:sp>
+        <p:nvSpPr>
+          <p:cNvPr id="8" name="Номер слайда 7"/>
+          <p:cNvSpPr>
+            <a:spLocks noGrp="1"/>
+          </p:cNvSpPr>
+          <p:nvPr>
+            <p:ph type="sldNum" sz="quarter" idx="12"/>
+          </p:nvPr>
+        </p:nvSpPr>
+        <p:spPr/>
+        <p:txBody>
+          <a:bodyPr/>
+          <a:lstStyle/>
+          <a:p>
+            <a:fld id="{E58024C2-D31D-4875-8231-7C9AE6162281}" type="slidenum">
+              <a:rPr lang="ru-RU" smtClean="0"/>
+              <a:pPr/>
+              <a:t>8</a:t>
+            </a:fld>
+            <a:endParaRPr lang="ru-RU" dirty="0"/>
+          </a:p>
+        </p:txBody>
+      </p:sp>
+      <p:pic>
+        <p:nvPicPr>
+          <p:cNvPr id="6" name="Рисунок 5"/>
+          <p:cNvPicPr/>
+          <p:nvPr/>
+        </p:nvPicPr>
+        <p:blipFill>
+          <a:blip r:embed="rId2">
+            <a:extLst>
+              <a:ext uri="{28A0092B-C50C-407E-A947-70E740481C1C}">
+                <a14:useLocalDpi xmlns:a14="http://schemas.microsoft.com/office/drawing/2010/main" val="0"/>
+              </a:ext>
+            </a:extLst>
+          </a:blip>
+          <a:srcRect/>
+          <a:stretch>
+            <a:fillRect/>
+          </a:stretch>
+        </p:blipFill>
+        <p:spPr bwMode="auto">
+          <a:xfrm>
+            <a:off x="0" y="2646402"/>
+            <a:ext cx="5828663" cy="3161357"/>
+          </a:xfrm>
+          <a:prstGeom prst="rect">
+            <a:avLst/>
+          </a:prstGeom>
+          <a:noFill/>
+          <a:ln>
+            <a:noFill/>
+          </a:ln>
+        </p:spPr>
+      </p:pic>
+      <p:pic>
+        <p:nvPicPr>
+          <p:cNvPr id="7" name="Рисунок 6"/>
+          <p:cNvPicPr/>
+          <p:nvPr/>
+        </p:nvPicPr>
+        <p:blipFill>
+          <a:blip r:embed="rId3">
+            <a:extLst>
+              <a:ext uri="{28A0092B-C50C-407E-A947-70E740481C1C}">
+                <a14:useLocalDpi xmlns:a14="http://schemas.microsoft.com/office/drawing/2010/main" val="0"/>
+              </a:ext>
+            </a:extLst>
+          </a:blip>
+          <a:srcRect/>
+          <a:stretch>
+            <a:fillRect/>
+          </a:stretch>
+        </p:blipFill>
+        <p:spPr bwMode="auto">
+          <a:xfrm>
+            <a:off x="5753738" y="2646402"/>
+            <a:ext cx="5828662" cy="3161357"/>
+          </a:xfrm>
+          <a:prstGeom prst="rect">
+            <a:avLst/>
+          </a:prstGeom>
+          <a:noFill/>
+          <a:ln>
+            <a:noFill/>
+          </a:ln>
+        </p:spPr>
+      </p:pic>
+      <p:sp>
+        <p:nvSpPr>
+          <p:cNvPr id="5" name="TextBox 4"/>
+          <p:cNvSpPr txBox="1"/>
+          <p:nvPr/>
+        </p:nvSpPr>
+        <p:spPr>
+          <a:xfrm>
+            <a:off x="1040411" y="5710018"/>
+            <a:ext cx="4265014" cy="646331"/>
+          </a:xfrm>
+          <a:prstGeom prst="rect">
+            <a:avLst/>
+          </a:prstGeom>
+          <a:noFill/>
+        </p:spPr>
+        <p:txBody>
+          <a:bodyPr wrap="none" rtlCol="0">
+            <a:spAutoFit/>
+          </a:bodyPr>
+          <a:lstStyle/>
+          <a:p>
+            <a:pPr algn="ctr"/>
+            <a:r>
+              <a:rPr lang="ru-RU" dirty="0" smtClean="0"/>
+              <a:t>Графическое представление переменных</a:t>
+            </a:r>
+          </a:p>
+          <a:p>
+            <a:pPr algn="ctr"/>
+            <a:r>
+              <a:rPr lang="ru-RU" dirty="0" smtClean="0"/>
+              <a:t>«Количество очков здоровья»</a:t>
+            </a:r>
+            <a:endParaRPr lang="ru-RU" dirty="0"/>
+          </a:p>
+        </p:txBody>
+      </p:sp>
+      <p:sp>
+        <p:nvSpPr>
+          <p:cNvPr id="9" name="TextBox 8"/>
+          <p:cNvSpPr txBox="1"/>
+          <p:nvPr/>
+        </p:nvSpPr>
+        <p:spPr>
+          <a:xfrm>
+            <a:off x="6604661" y="5710018"/>
+            <a:ext cx="4258602" cy="646331"/>
+          </a:xfrm>
+          <a:prstGeom prst="rect">
+            <a:avLst/>
+          </a:prstGeom>
+          <a:noFill/>
+        </p:spPr>
+        <p:txBody>
+          <a:bodyPr wrap="none" rtlCol="0">
+            <a:spAutoFit/>
+          </a:bodyPr>
+          <a:lstStyle/>
+          <a:p>
+            <a:pPr algn="ctr"/>
+            <a:r>
+              <a:rPr lang="ru-RU" dirty="0" smtClean="0"/>
+              <a:t>Графическое представление переменной</a:t>
+            </a:r>
+          </a:p>
+          <a:p>
+            <a:pPr algn="ctr"/>
+            <a:r>
+              <a:rPr lang="ru-RU" dirty="0" smtClean="0"/>
+              <a:t>«Видимость противника»</a:t>
+            </a:r>
+            <a:endParaRPr lang="ru-RU" dirty="0"/>
+          </a:p>
+        </p:txBody>
+      </p:sp>
+    </p:spTree>
+    <p:extLst>
+      <p:ext uri="{BB962C8B-B14F-4D97-AF65-F5344CB8AC3E}">
+        <p14:creationId xmlns:p14="http://schemas.microsoft.com/office/powerpoint/2010/main" val="2618081646"/>
+      </p:ext>
+    </p:extLst>
+  </p:cSld>
+  <p:clrMapOvr>
+    <a:masterClrMapping/>
+  </p:clrMapOvr>
+</p:sld>
+</file>
+
+<file path=ppt/slides/slide9.xml><?xml version="1.0" encoding="utf-8"?>
+<p:sld xmlns:a="http://schemas.openxmlformats.org/drawingml/2006/main" xmlns:r="http://schemas.openxmlformats.org/officeDocument/2006/relationships" xmlns:p="http://schemas.openxmlformats.org/presentationml/2006/main">
+  <p:cSld>
+    <p:spTree>
+      <p:nvGrpSpPr>
+        <p:cNvPr id="1" name=""/>
+        <p:cNvGrpSpPr/>
+        <p:nvPr/>
+      </p:nvGrpSpPr>
+      <p:grpSpPr>
+        <a:xfrm>
+          <a:off x="0" y="0"/>
+          <a:ext cx="0" cy="0"/>
+          <a:chOff x="0" y="0"/>
+          <a:chExt cx="0" cy="0"/>
+        </a:xfrm>
+      </p:grpSpPr>
+      <p:sp>
+        <p:nvSpPr>
+          <p:cNvPr id="2" name="Заголовок 1"/>
+          <p:cNvSpPr>
+            <a:spLocks noGrp="1"/>
+          </p:cNvSpPr>
+          <p:nvPr>
+            <p:ph type="title"/>
+          </p:nvPr>
+        </p:nvSpPr>
+        <p:spPr>
+          <a:xfrm>
+            <a:off x="838200" y="365126"/>
+            <a:ext cx="10515600" cy="635000"/>
+          </a:xfrm>
+        </p:spPr>
+        <p:txBody>
+          <a:bodyPr>
+            <a:normAutofit fontScale="90000"/>
+          </a:bodyPr>
+          <a:lstStyle/>
+          <a:p>
+            <a:r>
+              <a:rPr lang="ru-RU" dirty="0" smtClean="0"/>
+              <a:t>Нечеткая логика</a:t>
+            </a:r>
+            <a:endParaRPr lang="ru-RU" dirty="0"/>
+          </a:p>
+        </p:txBody>
+      </p:sp>
+      <p:sp>
+        <p:nvSpPr>
+          <p:cNvPr id="3" name="Объект 2"/>
+          <p:cNvSpPr>
+            <a:spLocks noGrp="1"/>
+          </p:cNvSpPr>
+          <p:nvPr>
+            <p:ph sz="half" idx="1"/>
+          </p:nvPr>
+        </p:nvSpPr>
+        <p:spPr>
+          <a:xfrm>
+            <a:off x="208231" y="1358021"/>
+            <a:ext cx="11860038" cy="4998330"/>
+          </a:xfrm>
+        </p:spPr>
+        <p:txBody>
+          <a:bodyPr>
+            <a:normAutofit/>
+          </a:bodyPr>
+          <a:lstStyle/>
+          <a:p>
+            <a:pPr marL="0" indent="0">
+              <a:buNone/>
+            </a:pPr>
+            <a:r>
+              <a:rPr lang="ru-RU" sz="3200" dirty="0" smtClean="0"/>
+              <a:t>Выходные </a:t>
+            </a:r>
+            <a:r>
+              <a:rPr lang="ru-RU" sz="3200" dirty="0" smtClean="0"/>
+              <a:t>переменные:</a:t>
+            </a:r>
+            <a:endParaRPr lang="ru-RU" sz="3200" dirty="0" smtClean="0"/>
+          </a:p>
+          <a:p>
+            <a:pPr lvl="1"/>
+            <a:r>
+              <a:rPr lang="ru-RU" sz="2800" dirty="0" smtClean="0"/>
+              <a:t>дистанция </a:t>
+            </a:r>
+            <a:r>
+              <a:rPr lang="ru-RU" sz="2800" dirty="0" smtClean="0"/>
+              <a:t>до противника = </a:t>
+            </a:r>
+            <a:r>
+              <a:rPr lang="en-US" sz="2800" dirty="0" smtClean="0"/>
+              <a:t>{</a:t>
+            </a:r>
+            <a:r>
+              <a:rPr lang="ru-RU" sz="2800" dirty="0" smtClean="0"/>
+              <a:t> Близкая, Средняя, Дальняя </a:t>
+            </a:r>
+            <a:r>
+              <a:rPr lang="en-US" sz="2800" dirty="0" smtClean="0"/>
+              <a:t>}</a:t>
+            </a:r>
+            <a:r>
+              <a:rPr lang="ru-RU" sz="2800" dirty="0" smtClean="0"/>
+              <a:t>;</a:t>
+            </a:r>
+            <a:endParaRPr lang="ru-RU" sz="2800" dirty="0" smtClean="0"/>
+          </a:p>
+          <a:p>
+            <a:pPr lvl="1"/>
+            <a:r>
+              <a:rPr lang="ru-RU" sz="2800" dirty="0"/>
+              <a:t>р</a:t>
+            </a:r>
+            <a:r>
+              <a:rPr lang="ru-RU" sz="2800" dirty="0" smtClean="0"/>
+              <a:t>адиус </a:t>
+            </a:r>
+            <a:r>
+              <a:rPr lang="ru-RU" sz="2800" dirty="0" smtClean="0"/>
+              <a:t>поиска точки для движения = </a:t>
+            </a:r>
+            <a:r>
+              <a:rPr lang="en-US" sz="2800" dirty="0" smtClean="0"/>
+              <a:t>{</a:t>
+            </a:r>
+            <a:r>
+              <a:rPr lang="ru-RU" sz="2800" dirty="0" smtClean="0"/>
+              <a:t> Малый, Средний, Большой </a:t>
+            </a:r>
+            <a:r>
+              <a:rPr lang="en-US" sz="2800" dirty="0" smtClean="0"/>
+              <a:t>}</a:t>
+            </a:r>
+            <a:r>
+              <a:rPr lang="ru-RU" sz="2800" dirty="0" smtClean="0"/>
+              <a:t>;</a:t>
+            </a:r>
+            <a:endParaRPr lang="ru-RU" sz="2800" dirty="0" smtClean="0"/>
+          </a:p>
+          <a:p>
+            <a:pPr lvl="1">
+              <a:buFont typeface="Arial" panose="020B0604020202020204" pitchFamily="34" charset="0"/>
+              <a:buChar char="•"/>
+            </a:pPr>
+            <a:r>
+              <a:rPr lang="ru-RU" sz="2800" dirty="0" smtClean="0"/>
+              <a:t>вес </a:t>
+            </a:r>
+            <a:r>
+              <a:rPr lang="ru-RU" sz="2800" dirty="0" smtClean="0"/>
+              <a:t>дистанции до противника = </a:t>
+            </a:r>
+            <a:r>
+              <a:rPr lang="en-US" sz="2800" dirty="0" smtClean="0"/>
+              <a:t>{</a:t>
+            </a:r>
+            <a:r>
+              <a:rPr lang="ru-RU" sz="2800" dirty="0" smtClean="0"/>
+              <a:t> Низкий, Средний, Высокий </a:t>
+            </a:r>
+            <a:r>
+              <a:rPr lang="en-US" sz="2800" dirty="0" smtClean="0"/>
+              <a:t>}</a:t>
+            </a:r>
+            <a:r>
+              <a:rPr lang="ru-RU" sz="2800" dirty="0" smtClean="0"/>
+              <a:t>;</a:t>
+            </a:r>
+            <a:endParaRPr lang="ru-RU" sz="2800" dirty="0" smtClean="0"/>
+          </a:p>
+          <a:p>
+            <a:pPr lvl="1"/>
+            <a:r>
+              <a:rPr lang="ru-RU" sz="2800" dirty="0"/>
+              <a:t>в</a:t>
+            </a:r>
+            <a:r>
+              <a:rPr lang="ru-RU" sz="2800" dirty="0" smtClean="0"/>
+              <a:t>ес </a:t>
+            </a:r>
+            <a:r>
+              <a:rPr lang="ru-RU" sz="2800" dirty="0" smtClean="0"/>
+              <a:t>точек в укрытии = </a:t>
+            </a:r>
+            <a:r>
+              <a:rPr lang="en-US" sz="2800" dirty="0" smtClean="0"/>
+              <a:t>{</a:t>
+            </a:r>
+            <a:r>
+              <a:rPr lang="ru-RU" sz="2800" dirty="0" smtClean="0"/>
+              <a:t> Низкий, Средний, Высокий </a:t>
+            </a:r>
+            <a:r>
+              <a:rPr lang="en-US" sz="2800" dirty="0" smtClean="0"/>
+              <a:t>}</a:t>
+            </a:r>
+            <a:r>
+              <a:rPr lang="ru-RU" sz="2800" dirty="0" smtClean="0"/>
+              <a:t>;</a:t>
+            </a:r>
+            <a:endParaRPr lang="ru-RU" sz="2800" dirty="0" smtClean="0"/>
+          </a:p>
+          <a:p>
+            <a:pPr lvl="1"/>
+            <a:r>
+              <a:rPr lang="ru-RU" sz="2800" dirty="0"/>
+              <a:t>в</a:t>
+            </a:r>
+            <a:r>
+              <a:rPr lang="ru-RU" sz="2800" dirty="0" smtClean="0"/>
+              <a:t>ес </a:t>
+            </a:r>
+            <a:r>
+              <a:rPr lang="ru-RU" sz="2800" dirty="0" smtClean="0"/>
+              <a:t>точек за укрытием = </a:t>
+            </a:r>
+            <a:r>
+              <a:rPr lang="en-US" sz="2800" dirty="0" smtClean="0"/>
+              <a:t>{</a:t>
+            </a:r>
+            <a:r>
+              <a:rPr lang="ru-RU" sz="2800" dirty="0" smtClean="0"/>
+              <a:t> Низкий, Средний, Высокий </a:t>
+            </a:r>
+            <a:r>
+              <a:rPr lang="en-US" sz="2800" dirty="0" smtClean="0"/>
+              <a:t>}</a:t>
+            </a:r>
+            <a:r>
+              <a:rPr lang="ru-RU" sz="2800" dirty="0" smtClean="0"/>
+              <a:t>;</a:t>
+            </a:r>
+            <a:endParaRPr lang="ru-RU" sz="2800" dirty="0" smtClean="0"/>
+          </a:p>
+          <a:p>
+            <a:pPr lvl="1"/>
+            <a:r>
+              <a:rPr lang="ru-RU" sz="2800" dirty="0"/>
+              <a:t>в</a:t>
+            </a:r>
+            <a:r>
+              <a:rPr lang="ru-RU" sz="2800" dirty="0" smtClean="0"/>
+              <a:t>ес </a:t>
+            </a:r>
+            <a:r>
+              <a:rPr lang="ru-RU" sz="2800" dirty="0" smtClean="0"/>
+              <a:t>точек за стенами = </a:t>
+            </a:r>
+            <a:r>
+              <a:rPr lang="en-US" sz="2800" dirty="0" smtClean="0"/>
+              <a:t>{</a:t>
+            </a:r>
+            <a:r>
+              <a:rPr lang="ru-RU" sz="2800" dirty="0" smtClean="0"/>
+              <a:t> Низкий, Средний, Высокий </a:t>
+            </a:r>
+            <a:r>
+              <a:rPr lang="en-US" sz="2800" dirty="0" smtClean="0"/>
+              <a:t>}</a:t>
+            </a:r>
+            <a:r>
+              <a:rPr lang="ru-RU" sz="2800" dirty="0" smtClean="0"/>
+              <a:t>;</a:t>
+            </a:r>
+            <a:endParaRPr lang="ru-RU" sz="2800" dirty="0" smtClean="0"/>
+          </a:p>
+          <a:p>
+            <a:pPr lvl="1"/>
+            <a:r>
+              <a:rPr lang="ru-RU" sz="2800" dirty="0"/>
+              <a:t>в</a:t>
+            </a:r>
+            <a:r>
+              <a:rPr lang="ru-RU" sz="2800" dirty="0" smtClean="0"/>
+              <a:t>ес </a:t>
+            </a:r>
+            <a:r>
+              <a:rPr lang="ru-RU" sz="2800" dirty="0" smtClean="0"/>
+              <a:t>точек, содержащих аптечки = </a:t>
+            </a:r>
+            <a:r>
+              <a:rPr lang="en-US" sz="2800" dirty="0" smtClean="0"/>
+              <a:t>{</a:t>
+            </a:r>
+            <a:r>
+              <a:rPr lang="ru-RU" sz="2800" dirty="0" smtClean="0"/>
+              <a:t> Низкий, Средний, Высокий </a:t>
+            </a:r>
+            <a:r>
+              <a:rPr lang="en-US" sz="2800" dirty="0" smtClean="0"/>
+              <a:t>}</a:t>
+            </a:r>
+            <a:r>
+              <a:rPr lang="ru-RU" sz="2800" dirty="0" smtClean="0"/>
+              <a:t>;</a:t>
+            </a:r>
+            <a:endParaRPr lang="ru-RU" sz="2800" dirty="0" smtClean="0"/>
+          </a:p>
+          <a:p>
+            <a:pPr lvl="1"/>
+            <a:r>
+              <a:rPr lang="ru-RU" sz="2800" dirty="0"/>
+              <a:t>в</a:t>
+            </a:r>
+            <a:r>
+              <a:rPr lang="ru-RU" sz="2800" dirty="0" smtClean="0"/>
+              <a:t>ес </a:t>
+            </a:r>
+            <a:r>
+              <a:rPr lang="ru-RU" sz="2800" dirty="0" smtClean="0"/>
+              <a:t>точек с прямой видимостью = </a:t>
+            </a:r>
+            <a:r>
+              <a:rPr lang="en-US" sz="2800" dirty="0" smtClean="0"/>
+              <a:t>{</a:t>
+            </a:r>
+            <a:r>
+              <a:rPr lang="ru-RU" sz="2800" dirty="0" smtClean="0"/>
+              <a:t> Низкий, Средний, Высокий </a:t>
+            </a:r>
+            <a:r>
+              <a:rPr lang="en-US" sz="2800" dirty="0" smtClean="0"/>
+              <a:t>}</a:t>
+            </a:r>
+            <a:r>
+              <a:rPr lang="ru-RU" sz="2800" dirty="0" smtClean="0"/>
+              <a:t>.</a:t>
+            </a:r>
+            <a:endParaRPr lang="ru-RU" sz="2800" dirty="0" smtClean="0"/>
+          </a:p>
+          <a:p>
+            <a:pPr lvl="1">
+              <a:buFont typeface="Arial" panose="020B0604020202020204" pitchFamily="34" charset="0"/>
+              <a:buChar char="•"/>
+            </a:pPr>
+            <a:endParaRPr lang="ru-RU" dirty="0" smtClean="0"/>
+          </a:p>
+          <a:p>
+            <a:pPr>
+              <a:buFont typeface="Arial" panose="020B0604020202020204" pitchFamily="34" charset="0"/>
+              <a:buChar char="•"/>
+            </a:pPr>
+            <a:endParaRPr lang="ru-RU" dirty="0"/>
+          </a:p>
+        </p:txBody>
+      </p:sp>
+      <p:sp>
+        <p:nvSpPr>
+          <p:cNvPr id="4" name="Нижний колонтитул 3"/>
+          <p:cNvSpPr>
+            <a:spLocks noGrp="1"/>
+          </p:cNvSpPr>
+          <p:nvPr>
+            <p:ph type="ftr" sz="quarter" idx="11"/>
+          </p:nvPr>
+        </p:nvSpPr>
+        <p:spPr/>
+        <p:txBody>
+          <a:bodyPr/>
+          <a:lstStyle/>
+          <a:p>
+            <a:r>
+              <a:rPr lang="ru-RU" smtClean="0"/>
+              <a:t>Приходько Е.В. Исследование методов моделирования принятия решений на примере ботов в компьютерной игре</a:t>
+            </a:r>
+            <a:endParaRPr lang="ru-RU"/>
+          </a:p>
+        </p:txBody>
+      </p:sp>
+      <p:sp>
+        <p:nvSpPr>
+          <p:cNvPr id="8" name="Номер слайда 7"/>
+          <p:cNvSpPr>
+            <a:spLocks noGrp="1"/>
+          </p:cNvSpPr>
+          <p:nvPr>
+            <p:ph type="sldNum" sz="quarter" idx="12"/>
+          </p:nvPr>
+        </p:nvSpPr>
+        <p:spPr/>
+        <p:txBody>
+          <a:bodyPr/>
+          <a:lstStyle/>
+          <a:p>
+            <a:fld id="{E58024C2-D31D-4875-8231-7C9AE6162281}" type="slidenum">
+              <a:rPr lang="ru-RU" smtClean="0"/>
+              <a:pPr/>
+              <a:t>9</a:t>
+            </a:fld>
+            <a:endParaRPr lang="ru-RU" dirty="0"/>
+          </a:p>
+        </p:txBody>
+      </p:sp>
+    </p:spTree>
+    <p:extLst>
+      <p:ext uri="{BB962C8B-B14F-4D97-AF65-F5344CB8AC3E}">
+        <p14:creationId xmlns:p14="http://schemas.microsoft.com/office/powerpoint/2010/main" val="1646148939"/>
       </p:ext>
     </p:extLst>
   </p:cSld>

--- a/Презентация.pptx
+++ b/Презентация.pptx
@@ -144,7 +144,7 @@
 </file>
 
 <file path=ppt/charts/chart1.xml><?xml version="1.0" encoding="utf-8"?>
-<c:chartSpace xmlns:c="http://schemas.openxmlformats.org/drawingml/2006/chart" xmlns:a="http://schemas.openxmlformats.org/drawingml/2006/main" xmlns:r="http://schemas.openxmlformats.org/officeDocument/2006/relationships" xmlns:c16r2="http://schemas.microsoft.com/office/drawing/2015/06/chart">
+<c:chartSpace xmlns:c="http://schemas.openxmlformats.org/drawingml/2006/chart" xmlns:a="http://schemas.openxmlformats.org/drawingml/2006/main" xmlns:r="http://schemas.openxmlformats.org/officeDocument/2006/relationships">
   <c:date1904 val="0"/>
   <c:lang val="ru-RU"/>
   <c:roundedCorners val="0"/>
@@ -300,7 +300,7 @@
             </c:numRef>
           </c:val>
           <c:smooth val="0"/>
-          <c:extLst>
+          <c:extLst xmlns:c16r2="http://schemas.microsoft.com/office/drawing/2015/06/chart">
             <c:ext xmlns:c16="http://schemas.microsoft.com/office/drawing/2014/chart" uri="{C3380CC4-5D6E-409C-BE32-E72D297353CC}">
               <c16:uniqueId val="{00000000-198E-4D60-A70F-DB8295D8A8D4}"/>
             </c:ext>
@@ -379,7 +379,7 @@
             </c:numRef>
           </c:val>
           <c:smooth val="0"/>
-          <c:extLst>
+          <c:extLst xmlns:c16r2="http://schemas.microsoft.com/office/drawing/2015/06/chart">
             <c:ext xmlns:c16="http://schemas.microsoft.com/office/drawing/2014/chart" uri="{C3380CC4-5D6E-409C-BE32-E72D297353CC}">
               <c16:uniqueId val="{00000001-198E-4D60-A70F-DB8295D8A8D4}"/>
             </c:ext>
@@ -394,11 +394,11 @@
           <c:showBubbleSize val="0"/>
         </c:dLbls>
         <c:smooth val="0"/>
-        <c:axId val="180942640"/>
-        <c:axId val="180943200"/>
+        <c:axId val="185895136"/>
+        <c:axId val="185895696"/>
       </c:lineChart>
       <c:catAx>
-        <c:axId val="180942640"/>
+        <c:axId val="185895136"/>
         <c:scaling>
           <c:orientation val="minMax"/>
         </c:scaling>
@@ -497,7 +497,7 @@
             <a:endParaRPr lang="ru-RU"/>
           </a:p>
         </c:txPr>
-        <c:crossAx val="180943200"/>
+        <c:crossAx val="185895696"/>
         <c:crosses val="autoZero"/>
         <c:auto val="1"/>
         <c:lblAlgn val="ctr"/>
@@ -505,7 +505,7 @@
         <c:noMultiLvlLbl val="0"/>
       </c:catAx>
       <c:valAx>
-        <c:axId val="180943200"/>
+        <c:axId val="185895696"/>
         <c:scaling>
           <c:orientation val="minMax"/>
         </c:scaling>
@@ -612,7 +612,7 @@
             <a:endParaRPr lang="ru-RU"/>
           </a:p>
         </c:txPr>
-        <c:crossAx val="180942640"/>
+        <c:crossAx val="185895136"/>
         <c:crosses val="autoZero"/>
         <c:crossBetween val="between"/>
       </c:valAx>
@@ -693,7 +693,7 @@
 </file>
 
 <file path=ppt/charts/chart2.xml><?xml version="1.0" encoding="utf-8"?>
-<c:chartSpace xmlns:c="http://schemas.openxmlformats.org/drawingml/2006/chart" xmlns:a="http://schemas.openxmlformats.org/drawingml/2006/main" xmlns:r="http://schemas.openxmlformats.org/officeDocument/2006/relationships" xmlns:c16r2="http://schemas.microsoft.com/office/drawing/2015/06/chart">
+<c:chartSpace xmlns:c="http://schemas.openxmlformats.org/drawingml/2006/chart" xmlns:a="http://schemas.openxmlformats.org/drawingml/2006/main" xmlns:r="http://schemas.openxmlformats.org/officeDocument/2006/relationships">
   <c:date1904 val="0"/>
   <c:lang val="ru-RU"/>
   <c:roundedCorners val="0"/>
@@ -836,7 +836,7 @@
             <c:showPercent val="0"/>
             <c:showBubbleSize val="0"/>
             <c:showLeaderLines val="0"/>
-            <c:extLst>
+            <c:extLst xmlns:c16r2="http://schemas.microsoft.com/office/drawing/2015/06/chart">
               <c:ext xmlns:c15="http://schemas.microsoft.com/office/drawing/2012/chart" uri="{CE6537A1-D6FC-4f65-9D91-7224C49458BB}">
                 <c15:layout/>
                 <c15:showLeaderLines val="1"/>
@@ -958,7 +958,7 @@
               </c:numCache>
             </c:numRef>
           </c:val>
-          <c:extLst>
+          <c:extLst xmlns:c16r2="http://schemas.microsoft.com/office/drawing/2015/06/chart">
             <c:ext xmlns:c16="http://schemas.microsoft.com/office/drawing/2014/chart" uri="{C3380CC4-5D6E-409C-BE32-E72D297353CC}">
               <c16:uniqueId val="{00000000-496E-48DA-B721-115979DA631D}"/>
             </c:ext>
@@ -1026,7 +1026,7 @@
             <c:showPercent val="0"/>
             <c:showBubbleSize val="0"/>
             <c:showLeaderLines val="0"/>
-            <c:extLst>
+            <c:extLst xmlns:c16r2="http://schemas.microsoft.com/office/drawing/2015/06/chart">
               <c:ext xmlns:c15="http://schemas.microsoft.com/office/drawing/2012/chart" uri="{CE6537A1-D6FC-4f65-9D91-7224C49458BB}">
                 <c15:layout/>
                 <c15:showLeaderLines val="1"/>
@@ -1148,7 +1148,7 @@
               </c:numCache>
             </c:numRef>
           </c:val>
-          <c:extLst>
+          <c:extLst xmlns:c16r2="http://schemas.microsoft.com/office/drawing/2015/06/chart">
             <c:ext xmlns:c16="http://schemas.microsoft.com/office/drawing/2014/chart" uri="{C3380CC4-5D6E-409C-BE32-E72D297353CC}">
               <c16:uniqueId val="{00000001-496E-48DA-B721-115979DA631D}"/>
             </c:ext>
@@ -1216,7 +1216,7 @@
             <c:showPercent val="0"/>
             <c:showBubbleSize val="0"/>
             <c:showLeaderLines val="0"/>
-            <c:extLst>
+            <c:extLst xmlns:c16r2="http://schemas.microsoft.com/office/drawing/2015/06/chart">
               <c:ext xmlns:c15="http://schemas.microsoft.com/office/drawing/2012/chart" uri="{CE6537A1-D6FC-4f65-9D91-7224C49458BB}">
                 <c15:layout/>
                 <c15:showLeaderLines val="1"/>
@@ -1338,7 +1338,7 @@
               </c:numCache>
             </c:numRef>
           </c:val>
-          <c:extLst>
+          <c:extLst xmlns:c16r2="http://schemas.microsoft.com/office/drawing/2015/06/chart">
             <c:ext xmlns:c16="http://schemas.microsoft.com/office/drawing/2014/chart" uri="{C3380CC4-5D6E-409C-BE32-E72D297353CC}">
               <c16:uniqueId val="{00000002-496E-48DA-B721-115979DA631D}"/>
             </c:ext>
@@ -1355,11 +1355,11 @@
         </c:dLbls>
         <c:gapWidth val="219"/>
         <c:overlap val="-27"/>
-        <c:axId val="285887616"/>
-        <c:axId val="285888176"/>
+        <c:axId val="186008064"/>
+        <c:axId val="186008624"/>
       </c:barChart>
       <c:catAx>
-        <c:axId val="285887616"/>
+        <c:axId val="186008064"/>
         <c:scaling>
           <c:orientation val="minMax"/>
         </c:scaling>
@@ -1402,7 +1402,7 @@
             <a:endParaRPr lang="ru-RU"/>
           </a:p>
         </c:txPr>
-        <c:crossAx val="285888176"/>
+        <c:crossAx val="186008624"/>
         <c:crosses val="autoZero"/>
         <c:auto val="1"/>
         <c:lblAlgn val="ctr"/>
@@ -1410,7 +1410,7 @@
         <c:noMultiLvlLbl val="0"/>
       </c:catAx>
       <c:valAx>
-        <c:axId val="285888176"/>
+        <c:axId val="186008624"/>
         <c:scaling>
           <c:orientation val="minMax"/>
         </c:scaling>
@@ -1521,7 +1521,7 @@
             <a:endParaRPr lang="ru-RU"/>
           </a:p>
         </c:txPr>
-        <c:crossAx val="285887616"/>
+        <c:crossAx val="186008064"/>
         <c:crosses val="autoZero"/>
         <c:crossBetween val="between"/>
       </c:valAx>
@@ -1600,7 +1600,7 @@
 </file>
 
 <file path=ppt/charts/chart3.xml><?xml version="1.0" encoding="utf-8"?>
-<c:chartSpace xmlns:c="http://schemas.openxmlformats.org/drawingml/2006/chart" xmlns:a="http://schemas.openxmlformats.org/drawingml/2006/main" xmlns:r="http://schemas.openxmlformats.org/officeDocument/2006/relationships" xmlns:c16r2="http://schemas.microsoft.com/office/drawing/2015/06/chart">
+<c:chartSpace xmlns:c="http://schemas.openxmlformats.org/drawingml/2006/chart" xmlns:a="http://schemas.openxmlformats.org/drawingml/2006/main" xmlns:r="http://schemas.openxmlformats.org/officeDocument/2006/relationships">
   <c:date1904 val="0"/>
   <c:lang val="ru-RU"/>
   <c:roundedCorners val="0"/>
@@ -1713,7 +1713,7 @@
             <c:showPercent val="0"/>
             <c:showBubbleSize val="0"/>
             <c:showLeaderLines val="0"/>
-            <c:extLst>
+            <c:extLst xmlns:c16r2="http://schemas.microsoft.com/office/drawing/2015/06/chart">
               <c:ext xmlns:c15="http://schemas.microsoft.com/office/drawing/2012/chart" uri="{CE6537A1-D6FC-4f65-9D91-7224C49458BB}">
                 <c15:layout/>
                 <c15:showLeaderLines val="1"/>
@@ -1835,7 +1835,7 @@
               </c:numCache>
             </c:numRef>
           </c:val>
-          <c:extLst>
+          <c:extLst xmlns:c16r2="http://schemas.microsoft.com/office/drawing/2015/06/chart">
             <c:ext xmlns:c16="http://schemas.microsoft.com/office/drawing/2014/chart" uri="{C3380CC4-5D6E-409C-BE32-E72D297353CC}">
               <c16:uniqueId val="{00000000-E534-4BEB-8E24-0E180E181355}"/>
             </c:ext>
@@ -1852,11 +1852,11 @@
         </c:dLbls>
         <c:gapWidth val="219"/>
         <c:overlap val="-27"/>
-        <c:axId val="343806272"/>
-        <c:axId val="292016912"/>
+        <c:axId val="186011424"/>
+        <c:axId val="186433728"/>
       </c:barChart>
       <c:catAx>
-        <c:axId val="343806272"/>
+        <c:axId val="186011424"/>
         <c:scaling>
           <c:orientation val="minMax"/>
         </c:scaling>
@@ -1899,7 +1899,7 @@
             <a:endParaRPr lang="ru-RU"/>
           </a:p>
         </c:txPr>
-        <c:crossAx val="292016912"/>
+        <c:crossAx val="186433728"/>
         <c:crosses val="autoZero"/>
         <c:auto val="1"/>
         <c:lblAlgn val="ctr"/>
@@ -1907,7 +1907,7 @@
         <c:noMultiLvlLbl val="0"/>
       </c:catAx>
       <c:valAx>
-        <c:axId val="292016912"/>
+        <c:axId val="186433728"/>
         <c:scaling>
           <c:orientation val="minMax"/>
         </c:scaling>
@@ -2014,7 +2014,7 @@
             <a:endParaRPr lang="ru-RU"/>
           </a:p>
         </c:txPr>
-        <c:crossAx val="343806272"/>
+        <c:crossAx val="186011424"/>
         <c:crosses val="autoZero"/>
         <c:crossBetween val="between"/>
       </c:valAx>
@@ -2054,7 +2054,7 @@
 </file>
 
 <file path=ppt/charts/chart4.xml><?xml version="1.0" encoding="utf-8"?>
-<c:chartSpace xmlns:c="http://schemas.openxmlformats.org/drawingml/2006/chart" xmlns:a="http://schemas.openxmlformats.org/drawingml/2006/main" xmlns:r="http://schemas.openxmlformats.org/officeDocument/2006/relationships" xmlns:c16r2="http://schemas.microsoft.com/office/drawing/2015/06/chart">
+<c:chartSpace xmlns:c="http://schemas.openxmlformats.org/drawingml/2006/chart" xmlns:a="http://schemas.openxmlformats.org/drawingml/2006/main" xmlns:r="http://schemas.openxmlformats.org/officeDocument/2006/relationships">
   <c:date1904 val="0"/>
   <c:lang val="ru-RU"/>
   <c:roundedCorners val="0"/>
@@ -2197,7 +2197,7 @@
             <c:showPercent val="0"/>
             <c:showBubbleSize val="0"/>
             <c:showLeaderLines val="0"/>
-            <c:extLst>
+            <c:extLst xmlns:c16r2="http://schemas.microsoft.com/office/drawing/2015/06/chart">
               <c:ext xmlns:c15="http://schemas.microsoft.com/office/drawing/2012/chart" uri="{CE6537A1-D6FC-4f65-9D91-7224C49458BB}">
                 <c15:layout/>
                 <c15:showLeaderLines val="1"/>
@@ -2319,7 +2319,7 @@
               </c:numCache>
             </c:numRef>
           </c:val>
-          <c:extLst>
+          <c:extLst xmlns:c16r2="http://schemas.microsoft.com/office/drawing/2015/06/chart">
             <c:ext xmlns:c16="http://schemas.microsoft.com/office/drawing/2014/chart" uri="{C3380CC4-5D6E-409C-BE32-E72D297353CC}">
               <c16:uniqueId val="{00000000-5D1D-4A65-B4F0-1694F2F958DF}"/>
             </c:ext>
@@ -2387,7 +2387,7 @@
             <c:showPercent val="0"/>
             <c:showBubbleSize val="0"/>
             <c:showLeaderLines val="0"/>
-            <c:extLst>
+            <c:extLst xmlns:c16r2="http://schemas.microsoft.com/office/drawing/2015/06/chart">
               <c:ext xmlns:c15="http://schemas.microsoft.com/office/drawing/2012/chart" uri="{CE6537A1-D6FC-4f65-9D91-7224C49458BB}">
                 <c15:layout/>
                 <c15:showLeaderLines val="1"/>
@@ -2509,7 +2509,7 @@
               </c:numCache>
             </c:numRef>
           </c:val>
-          <c:extLst>
+          <c:extLst xmlns:c16r2="http://schemas.microsoft.com/office/drawing/2015/06/chart">
             <c:ext xmlns:c16="http://schemas.microsoft.com/office/drawing/2014/chart" uri="{C3380CC4-5D6E-409C-BE32-E72D297353CC}">
               <c16:uniqueId val="{00000001-5D1D-4A65-B4F0-1694F2F958DF}"/>
             </c:ext>
@@ -2526,11 +2526,11 @@
         </c:dLbls>
         <c:gapWidth val="219"/>
         <c:overlap val="-27"/>
-        <c:axId val="359194000"/>
-        <c:axId val="359194560"/>
+        <c:axId val="186436528"/>
+        <c:axId val="186437088"/>
       </c:barChart>
       <c:catAx>
-        <c:axId val="359194000"/>
+        <c:axId val="186436528"/>
         <c:scaling>
           <c:orientation val="minMax"/>
         </c:scaling>
@@ -2573,7 +2573,7 @@
             <a:endParaRPr lang="ru-RU"/>
           </a:p>
         </c:txPr>
-        <c:crossAx val="359194560"/>
+        <c:crossAx val="186437088"/>
         <c:crosses val="autoZero"/>
         <c:auto val="1"/>
         <c:lblAlgn val="ctr"/>
@@ -2581,7 +2581,7 @@
         <c:noMultiLvlLbl val="0"/>
       </c:catAx>
       <c:valAx>
-        <c:axId val="359194560"/>
+        <c:axId val="186437088"/>
         <c:scaling>
           <c:orientation val="minMax"/>
         </c:scaling>
@@ -2697,7 +2697,7 @@
             <a:endParaRPr lang="ru-RU"/>
           </a:p>
         </c:txPr>
-        <c:crossAx val="359194000"/>
+        <c:crossAx val="186436528"/>
         <c:crosses val="autoZero"/>
         <c:crossBetween val="between"/>
       </c:valAx>
@@ -2776,7 +2776,7 @@
 </file>
 
 <file path=ppt/charts/chart5.xml><?xml version="1.0" encoding="utf-8"?>
-<c:chartSpace xmlns:c="http://schemas.openxmlformats.org/drawingml/2006/chart" xmlns:a="http://schemas.openxmlformats.org/drawingml/2006/main" xmlns:r="http://schemas.openxmlformats.org/officeDocument/2006/relationships" xmlns:c16r2="http://schemas.microsoft.com/office/drawing/2015/06/chart">
+<c:chartSpace xmlns:c="http://schemas.openxmlformats.org/drawingml/2006/chart" xmlns:a="http://schemas.openxmlformats.org/drawingml/2006/main" xmlns:r="http://schemas.openxmlformats.org/officeDocument/2006/relationships">
   <c:date1904 val="0"/>
   <c:lang val="ru-RU"/>
   <c:roundedCorners val="0"/>
@@ -2915,7 +2915,7 @@
             <c:showPercent val="0"/>
             <c:showBubbleSize val="0"/>
             <c:showLeaderLines val="0"/>
-            <c:extLst>
+            <c:extLst xmlns:c16r2="http://schemas.microsoft.com/office/drawing/2015/06/chart">
               <c:ext xmlns:c15="http://schemas.microsoft.com/office/drawing/2012/chart" uri="{CE6537A1-D6FC-4f65-9D91-7224C49458BB}">
                 <c15:layout/>
                 <c15:showLeaderLines val="1"/>
@@ -3037,7 +3037,7 @@
               </c:numCache>
             </c:numRef>
           </c:val>
-          <c:extLst>
+          <c:extLst xmlns:c16r2="http://schemas.microsoft.com/office/drawing/2015/06/chart">
             <c:ext xmlns:c16="http://schemas.microsoft.com/office/drawing/2014/chart" uri="{C3380CC4-5D6E-409C-BE32-E72D297353CC}">
               <c16:uniqueId val="{00000000-F86D-40B4-A7A4-2F97391B4CB7}"/>
             </c:ext>
@@ -3054,11 +3054,11 @@
         </c:dLbls>
         <c:gapWidth val="219"/>
         <c:overlap val="-27"/>
-        <c:axId val="351876016"/>
-        <c:axId val="351874896"/>
+        <c:axId val="186957760"/>
+        <c:axId val="186958320"/>
       </c:barChart>
       <c:catAx>
-        <c:axId val="351876016"/>
+        <c:axId val="186957760"/>
         <c:scaling>
           <c:orientation val="minMax"/>
         </c:scaling>
@@ -3101,7 +3101,7 @@
             <a:endParaRPr lang="ru-RU"/>
           </a:p>
         </c:txPr>
-        <c:crossAx val="351874896"/>
+        <c:crossAx val="186958320"/>
         <c:crosses val="autoZero"/>
         <c:auto val="1"/>
         <c:lblAlgn val="ctr"/>
@@ -3109,7 +3109,7 @@
         <c:noMultiLvlLbl val="0"/>
       </c:catAx>
       <c:valAx>
-        <c:axId val="351874896"/>
+        <c:axId val="186958320"/>
         <c:scaling>
           <c:orientation val="minMax"/>
         </c:scaling>
@@ -3221,7 +3221,7 @@
             <a:endParaRPr lang="ru-RU"/>
           </a:p>
         </c:txPr>
-        <c:crossAx val="351876016"/>
+        <c:crossAx val="186957760"/>
         <c:crosses val="autoZero"/>
         <c:crossBetween val="between"/>
       </c:valAx>
@@ -6070,7 +6070,7 @@
           <a:p>
             <a:fld id="{AC251218-8D5F-4B44-930F-C0F788373CCB}" type="datetimeFigureOut">
               <a:rPr lang="ru-RU" smtClean="0"/>
-              <a:t>11.06.2017</a:t>
+              <a:t>12.06.2017</a:t>
             </a:fld>
             <a:endParaRPr lang="ru-RU"/>
           </a:p>
@@ -6981,7 +6981,7 @@
           <a:p>
             <a:fld id="{A4042B24-E289-4B03-B2D9-A46BE38FF6BB}" type="datetime1">
               <a:rPr lang="ru-RU" smtClean="0"/>
-              <a:t>11.06.2017</a:t>
+              <a:t>12.06.2017</a:t>
             </a:fld>
             <a:endParaRPr lang="ru-RU"/>
           </a:p>
@@ -7164,7 +7164,7 @@
           <a:p>
             <a:fld id="{81DDB41D-67F0-4914-9A46-989AFA64781D}" type="datetime1">
               <a:rPr lang="ru-RU" smtClean="0"/>
-              <a:t>11.06.2017</a:t>
+              <a:t>12.06.2017</a:t>
             </a:fld>
             <a:endParaRPr lang="ru-RU"/>
           </a:p>
@@ -7357,7 +7357,7 @@
           <a:p>
             <a:fld id="{03730833-C397-4618-A2E9-B0F1E843D526}" type="datetime1">
               <a:rPr lang="ru-RU" smtClean="0"/>
-              <a:t>11.06.2017</a:t>
+              <a:t>12.06.2017</a:t>
             </a:fld>
             <a:endParaRPr lang="ru-RU"/>
           </a:p>
@@ -7540,7 +7540,7 @@
           <a:p>
             <a:fld id="{BDE52A37-6815-412C-ABBB-9342FEC0109E}" type="datetime1">
               <a:rPr lang="ru-RU" smtClean="0"/>
-              <a:t>11.06.2017</a:t>
+              <a:t>12.06.2017</a:t>
             </a:fld>
             <a:endParaRPr lang="ru-RU"/>
           </a:p>
@@ -7799,7 +7799,7 @@
           <a:p>
             <a:fld id="{EB642820-EA47-4517-8B3F-F5999DC4B6C2}" type="datetime1">
               <a:rPr lang="ru-RU" smtClean="0"/>
-              <a:t>11.06.2017</a:t>
+              <a:t>12.06.2017</a:t>
             </a:fld>
             <a:endParaRPr lang="ru-RU"/>
           </a:p>
@@ -8044,7 +8044,7 @@
           <a:p>
             <a:fld id="{E31FF725-8E94-4B76-8CED-7D9DDD7A584F}" type="datetime1">
               <a:rPr lang="ru-RU" smtClean="0"/>
-              <a:t>11.06.2017</a:t>
+              <a:t>12.06.2017</a:t>
             </a:fld>
             <a:endParaRPr lang="ru-RU"/>
           </a:p>
@@ -8424,7 +8424,7 @@
           <a:p>
             <a:fld id="{AB72BB7B-AD67-4E21-ABB7-C19EFFFAFCFF}" type="datetime1">
               <a:rPr lang="ru-RU" smtClean="0"/>
-              <a:t>11.06.2017</a:t>
+              <a:t>12.06.2017</a:t>
             </a:fld>
             <a:endParaRPr lang="ru-RU"/>
           </a:p>
@@ -8555,7 +8555,7 @@
           <a:p>
             <a:fld id="{F2BA468E-7959-44C2-A5C6-26BFBF4902AC}" type="datetime1">
               <a:rPr lang="ru-RU" smtClean="0"/>
-              <a:t>11.06.2017</a:t>
+              <a:t>12.06.2017</a:t>
             </a:fld>
             <a:endParaRPr lang="ru-RU"/>
           </a:p>
@@ -8663,7 +8663,7 @@
           <a:p>
             <a:fld id="{56F3E22B-9012-4275-8DB1-B70C16EABBC3}" type="datetime1">
               <a:rPr lang="ru-RU" smtClean="0"/>
-              <a:t>11.06.2017</a:t>
+              <a:t>12.06.2017</a:t>
             </a:fld>
             <a:endParaRPr lang="ru-RU"/>
           </a:p>
@@ -8953,7 +8953,7 @@
           <a:p>
             <a:fld id="{57ECFAF3-56F0-4E0D-A0BC-CB72FFF50CD2}" type="datetime1">
               <a:rPr lang="ru-RU" smtClean="0"/>
-              <a:t>11.06.2017</a:t>
+              <a:t>12.06.2017</a:t>
             </a:fld>
             <a:endParaRPr lang="ru-RU"/>
           </a:p>
@@ -9219,7 +9219,7 @@
           <a:p>
             <a:fld id="{798FFA72-D039-4D6D-AFFF-62A023C7D550}" type="datetime1">
               <a:rPr lang="ru-RU" smtClean="0"/>
-              <a:t>11.06.2017</a:t>
+              <a:t>12.06.2017</a:t>
             </a:fld>
             <a:endParaRPr lang="ru-RU"/>
           </a:p>
@@ -10075,84 +10075,84 @@
                 <a:gridCol w="117876">
                   <a:extLst>
                     <a:ext uri="{9D8B030D-6E8A-4147-A177-3AD203B41FA5}">
-                      <a16:colId xmlns:a16="http://schemas.microsoft.com/office/drawing/2014/main" val="20000"/>
+                      <a16:colId xmlns:a16="http://schemas.microsoft.com/office/drawing/2014/main" xmlns="" val="20000"/>
                     </a:ext>
                   </a:extLst>
                 </a:gridCol>
                 <a:gridCol w="1027980">
                   <a:extLst>
                     <a:ext uri="{9D8B030D-6E8A-4147-A177-3AD203B41FA5}">
-                      <a16:colId xmlns:a16="http://schemas.microsoft.com/office/drawing/2014/main" val="20001"/>
+                      <a16:colId xmlns:a16="http://schemas.microsoft.com/office/drawing/2014/main" xmlns="" val="20001"/>
                     </a:ext>
                   </a:extLst>
                 </a:gridCol>
                 <a:gridCol w="1027980">
                   <a:extLst>
                     <a:ext uri="{9D8B030D-6E8A-4147-A177-3AD203B41FA5}">
-                      <a16:colId xmlns:a16="http://schemas.microsoft.com/office/drawing/2014/main" val="20002"/>
+                      <a16:colId xmlns:a16="http://schemas.microsoft.com/office/drawing/2014/main" xmlns="" val="20002"/>
                     </a:ext>
                   </a:extLst>
                 </a:gridCol>
                 <a:gridCol w="1027980">
                   <a:extLst>
                     <a:ext uri="{9D8B030D-6E8A-4147-A177-3AD203B41FA5}">
-                      <a16:colId xmlns:a16="http://schemas.microsoft.com/office/drawing/2014/main" val="20003"/>
+                      <a16:colId xmlns:a16="http://schemas.microsoft.com/office/drawing/2014/main" xmlns="" val="20003"/>
                     </a:ext>
                   </a:extLst>
                 </a:gridCol>
                 <a:gridCol w="1027980">
                   <a:extLst>
                     <a:ext uri="{9D8B030D-6E8A-4147-A177-3AD203B41FA5}">
-                      <a16:colId xmlns:a16="http://schemas.microsoft.com/office/drawing/2014/main" val="20004"/>
+                      <a16:colId xmlns:a16="http://schemas.microsoft.com/office/drawing/2014/main" xmlns="" val="20004"/>
                     </a:ext>
                   </a:extLst>
                 </a:gridCol>
                 <a:gridCol w="1027980">
                   <a:extLst>
                     <a:ext uri="{9D8B030D-6E8A-4147-A177-3AD203B41FA5}">
-                      <a16:colId xmlns:a16="http://schemas.microsoft.com/office/drawing/2014/main" val="20005"/>
+                      <a16:colId xmlns:a16="http://schemas.microsoft.com/office/drawing/2014/main" xmlns="" val="20005"/>
                     </a:ext>
                   </a:extLst>
                 </a:gridCol>
                 <a:gridCol w="1027980">
                   <a:extLst>
                     <a:ext uri="{9D8B030D-6E8A-4147-A177-3AD203B41FA5}">
-                      <a16:colId xmlns:a16="http://schemas.microsoft.com/office/drawing/2014/main" val="20006"/>
+                      <a16:colId xmlns:a16="http://schemas.microsoft.com/office/drawing/2014/main" xmlns="" val="20006"/>
                     </a:ext>
                   </a:extLst>
                 </a:gridCol>
                 <a:gridCol w="1027980">
                   <a:extLst>
                     <a:ext uri="{9D8B030D-6E8A-4147-A177-3AD203B41FA5}">
-                      <a16:colId xmlns:a16="http://schemas.microsoft.com/office/drawing/2014/main" val="20007"/>
+                      <a16:colId xmlns:a16="http://schemas.microsoft.com/office/drawing/2014/main" xmlns="" val="20007"/>
                     </a:ext>
                   </a:extLst>
                 </a:gridCol>
                 <a:gridCol w="1027980">
                   <a:extLst>
                     <a:ext uri="{9D8B030D-6E8A-4147-A177-3AD203B41FA5}">
-                      <a16:colId xmlns:a16="http://schemas.microsoft.com/office/drawing/2014/main" val="20008"/>
+                      <a16:colId xmlns:a16="http://schemas.microsoft.com/office/drawing/2014/main" xmlns="" val="20008"/>
                     </a:ext>
                   </a:extLst>
                 </a:gridCol>
                 <a:gridCol w="1027980">
                   <a:extLst>
                     <a:ext uri="{9D8B030D-6E8A-4147-A177-3AD203B41FA5}">
-                      <a16:colId xmlns:a16="http://schemas.microsoft.com/office/drawing/2014/main" val="20009"/>
+                      <a16:colId xmlns:a16="http://schemas.microsoft.com/office/drawing/2014/main" xmlns="" val="20009"/>
                     </a:ext>
                   </a:extLst>
                 </a:gridCol>
                 <a:gridCol w="1027980">
                   <a:extLst>
                     <a:ext uri="{9D8B030D-6E8A-4147-A177-3AD203B41FA5}">
-                      <a16:colId xmlns:a16="http://schemas.microsoft.com/office/drawing/2014/main" val="20010"/>
+                      <a16:colId xmlns:a16="http://schemas.microsoft.com/office/drawing/2014/main" xmlns="" val="20010"/>
                     </a:ext>
                   </a:extLst>
                 </a:gridCol>
                 <a:gridCol w="1027980">
                   <a:extLst>
                     <a:ext uri="{9D8B030D-6E8A-4147-A177-3AD203B41FA5}">
-                      <a16:colId xmlns:a16="http://schemas.microsoft.com/office/drawing/2014/main" val="20011"/>
+                      <a16:colId xmlns:a16="http://schemas.microsoft.com/office/drawing/2014/main" xmlns="" val="20011"/>
                     </a:ext>
                   </a:extLst>
                 </a:gridCol>
@@ -10331,7 +10331,7 @@
                 </a:tc>
                 <a:extLst>
                   <a:ext uri="{0D108BD9-81ED-4DB2-BD59-A6C34878D82A}">
-                    <a16:rowId xmlns:a16="http://schemas.microsoft.com/office/drawing/2014/main" val="10000"/>
+                    <a16:rowId xmlns:a16="http://schemas.microsoft.com/office/drawing/2014/main" xmlns="" val="10000"/>
                   </a:ext>
                 </a:extLst>
               </a:tr>
@@ -10680,7 +10680,7 @@
                 </a:tc>
                 <a:extLst>
                   <a:ext uri="{0D108BD9-81ED-4DB2-BD59-A6C34878D82A}">
-                    <a16:rowId xmlns:a16="http://schemas.microsoft.com/office/drawing/2014/main" val="10001"/>
+                    <a16:rowId xmlns:a16="http://schemas.microsoft.com/office/drawing/2014/main" xmlns="" val="10001"/>
                   </a:ext>
                 </a:extLst>
               </a:tr>
@@ -11029,7 +11029,7 @@
                 </a:tc>
                 <a:extLst>
                   <a:ext uri="{0D108BD9-81ED-4DB2-BD59-A6C34878D82A}">
-                    <a16:rowId xmlns:a16="http://schemas.microsoft.com/office/drawing/2014/main" val="10002"/>
+                    <a16:rowId xmlns:a16="http://schemas.microsoft.com/office/drawing/2014/main" xmlns="" val="10002"/>
                   </a:ext>
                 </a:extLst>
               </a:tr>
@@ -11378,7 +11378,7 @@
                 </a:tc>
                 <a:extLst>
                   <a:ext uri="{0D108BD9-81ED-4DB2-BD59-A6C34878D82A}">
-                    <a16:rowId xmlns:a16="http://schemas.microsoft.com/office/drawing/2014/main" val="10003"/>
+                    <a16:rowId xmlns:a16="http://schemas.microsoft.com/office/drawing/2014/main" xmlns="" val="10003"/>
                   </a:ext>
                 </a:extLst>
               </a:tr>
@@ -11727,7 +11727,7 @@
                 </a:tc>
                 <a:extLst>
                   <a:ext uri="{0D108BD9-81ED-4DB2-BD59-A6C34878D82A}">
-                    <a16:rowId xmlns:a16="http://schemas.microsoft.com/office/drawing/2014/main" val="10004"/>
+                    <a16:rowId xmlns:a16="http://schemas.microsoft.com/office/drawing/2014/main" xmlns="" val="10004"/>
                   </a:ext>
                 </a:extLst>
               </a:tr>
@@ -12076,7 +12076,7 @@
                 </a:tc>
                 <a:extLst>
                   <a:ext uri="{0D108BD9-81ED-4DB2-BD59-A6C34878D82A}">
-                    <a16:rowId xmlns:a16="http://schemas.microsoft.com/office/drawing/2014/main" val="10005"/>
+                    <a16:rowId xmlns:a16="http://schemas.microsoft.com/office/drawing/2014/main" xmlns="" val="10005"/>
                   </a:ext>
                 </a:extLst>
               </a:tr>
@@ -12425,7 +12425,7 @@
                 </a:tc>
                 <a:extLst>
                   <a:ext uri="{0D108BD9-81ED-4DB2-BD59-A6C34878D82A}">
-                    <a16:rowId xmlns:a16="http://schemas.microsoft.com/office/drawing/2014/main" val="10006"/>
+                    <a16:rowId xmlns:a16="http://schemas.microsoft.com/office/drawing/2014/main" xmlns="" val="10006"/>
                   </a:ext>
                 </a:extLst>
               </a:tr>
@@ -12774,7 +12774,7 @@
                 </a:tc>
                 <a:extLst>
                   <a:ext uri="{0D108BD9-81ED-4DB2-BD59-A6C34878D82A}">
-                    <a16:rowId xmlns:a16="http://schemas.microsoft.com/office/drawing/2014/main" val="10007"/>
+                    <a16:rowId xmlns:a16="http://schemas.microsoft.com/office/drawing/2014/main" xmlns="" val="10007"/>
                   </a:ext>
                 </a:extLst>
               </a:tr>
@@ -13123,7 +13123,7 @@
                 </a:tc>
                 <a:extLst>
                   <a:ext uri="{0D108BD9-81ED-4DB2-BD59-A6C34878D82A}">
-                    <a16:rowId xmlns:a16="http://schemas.microsoft.com/office/drawing/2014/main" val="10008"/>
+                    <a16:rowId xmlns:a16="http://schemas.microsoft.com/office/drawing/2014/main" xmlns="" val="10008"/>
                   </a:ext>
                 </a:extLst>
               </a:tr>
@@ -13472,7 +13472,7 @@
                 </a:tc>
                 <a:extLst>
                   <a:ext uri="{0D108BD9-81ED-4DB2-BD59-A6C34878D82A}">
-                    <a16:rowId xmlns:a16="http://schemas.microsoft.com/office/drawing/2014/main" val="10009"/>
+                    <a16:rowId xmlns:a16="http://schemas.microsoft.com/office/drawing/2014/main" xmlns="" val="10009"/>
                   </a:ext>
                 </a:extLst>
               </a:tr>
@@ -13821,7 +13821,7 @@
                 </a:tc>
                 <a:extLst>
                   <a:ext uri="{0D108BD9-81ED-4DB2-BD59-A6C34878D82A}">
-                    <a16:rowId xmlns:a16="http://schemas.microsoft.com/office/drawing/2014/main" val="10010"/>
+                    <a16:rowId xmlns:a16="http://schemas.microsoft.com/office/drawing/2014/main" xmlns="" val="10010"/>
                   </a:ext>
                 </a:extLst>
               </a:tr>
@@ -14170,7 +14170,7 @@
                 </a:tc>
                 <a:extLst>
                   <a:ext uri="{0D108BD9-81ED-4DB2-BD59-A6C34878D82A}">
-                    <a16:rowId xmlns:a16="http://schemas.microsoft.com/office/drawing/2014/main" val="10011"/>
+                    <a16:rowId xmlns:a16="http://schemas.microsoft.com/office/drawing/2014/main" xmlns="" val="10011"/>
                   </a:ext>
                 </a:extLst>
               </a:tr>
@@ -14519,7 +14519,7 @@
                 </a:tc>
                 <a:extLst>
                   <a:ext uri="{0D108BD9-81ED-4DB2-BD59-A6C34878D82A}">
-                    <a16:rowId xmlns:a16="http://schemas.microsoft.com/office/drawing/2014/main" val="10012"/>
+                    <a16:rowId xmlns:a16="http://schemas.microsoft.com/office/drawing/2014/main" xmlns="" val="10012"/>
                   </a:ext>
                 </a:extLst>
               </a:tr>
@@ -14868,7 +14868,7 @@
                 </a:tc>
                 <a:extLst>
                   <a:ext uri="{0D108BD9-81ED-4DB2-BD59-A6C34878D82A}">
-                    <a16:rowId xmlns:a16="http://schemas.microsoft.com/office/drawing/2014/main" val="10013"/>
+                    <a16:rowId xmlns:a16="http://schemas.microsoft.com/office/drawing/2014/main" xmlns="" val="10013"/>
                   </a:ext>
                 </a:extLst>
               </a:tr>
@@ -15089,8 +15089,8 @@
           </a:p>
         </p:txBody>
       </p:sp>
-      <mc:AlternateContent xmlns:mc="http://schemas.openxmlformats.org/markup-compatibility/2006">
-        <mc:Choice xmlns:a14="http://schemas.microsoft.com/office/drawing/2010/main" Requires="a14">
+      <mc:AlternateContent xmlns:mc="http://schemas.openxmlformats.org/markup-compatibility/2006" xmlns:a14="http://schemas.microsoft.com/office/drawing/2010/main">
+        <mc:Choice Requires="a14">
           <p:sp>
             <p:nvSpPr>
               <p:cNvPr id="3" name="Объект 2"/>
@@ -15120,7 +15120,6 @@
                   <a:rPr lang="ru-RU" dirty="0" smtClean="0"/>
                   <a:t>Преимущества:</a:t>
                 </a:r>
-                <a:endParaRPr lang="ru-RU" dirty="0" smtClean="0"/>
               </a:p>
               <a:p>
                 <a:pPr lvl="1">
@@ -15133,17 +15132,8 @@
                 </a:r>
                 <a:r>
                   <a:rPr lang="ru-RU" dirty="0" smtClean="0"/>
-                  <a:t>писание </a:t>
+                  <a:t>писание поведения агента предложениями естественного языка.</a:t>
                 </a:r>
-                <a:r>
-                  <a:rPr lang="ru-RU" dirty="0" smtClean="0"/>
-                  <a:t>поведения агента предложениями естественного </a:t>
-                </a:r>
-                <a:r>
-                  <a:rPr lang="ru-RU" dirty="0" smtClean="0"/>
-                  <a:t>языка.</a:t>
-                </a:r>
-                <a:endParaRPr lang="ru-RU" dirty="0" smtClean="0"/>
               </a:p>
               <a:p>
                 <a:pPr lvl="1">
@@ -15156,17 +15146,8 @@
                 </a:r>
                 <a:r>
                   <a:rPr lang="ru-RU" dirty="0" smtClean="0"/>
-                  <a:t>лавное </a:t>
+                  <a:t>лавное изменение выходных переменных.</a:t>
                 </a:r>
-                <a:r>
-                  <a:rPr lang="ru-RU" dirty="0" smtClean="0"/>
-                  <a:t>изменение выходных </a:t>
-                </a:r>
-                <a:r>
-                  <a:rPr lang="ru-RU" dirty="0" smtClean="0"/>
-                  <a:t>переменных.</a:t>
-                </a:r>
-                <a:endParaRPr lang="ru-RU" dirty="0" smtClean="0"/>
               </a:p>
               <a:p>
                 <a:pPr marL="0" indent="0">
@@ -15176,7 +15157,6 @@
                   <a:rPr lang="ru-RU" dirty="0" smtClean="0"/>
                   <a:t>Недостатки:</a:t>
                 </a:r>
-                <a:endParaRPr lang="ru-RU" dirty="0" smtClean="0"/>
               </a:p>
               <a:p>
                 <a:pPr lvl="1"/>
@@ -15330,7 +15310,7 @@
             </p:txBody>
           </p:sp>
         </mc:Choice>
-        <mc:Fallback>
+        <mc:Fallback xmlns="">
           <p:sp>
             <p:nvSpPr>
               <p:cNvPr id="3" name="Объект 2"/>
@@ -15493,13 +15473,8 @@
             </a:pPr>
             <a:r>
               <a:rPr lang="ru-RU" dirty="0" smtClean="0"/>
-              <a:t>Входные </a:t>
-            </a:r>
-            <a:r>
-              <a:rPr lang="ru-RU" dirty="0" smtClean="0"/>
-              <a:t>переменные:</a:t>
-            </a:r>
-            <a:endParaRPr lang="ru-RU" dirty="0" smtClean="0"/>
+              <a:t>Входные переменные:</a:t>
+            </a:r>
           </a:p>
           <a:p>
             <a:pPr lvl="1">
@@ -15592,13 +15567,8 @@
             </a:pPr>
             <a:r>
               <a:rPr lang="ru-RU" dirty="0" smtClean="0"/>
-              <a:t>Выходные </a:t>
-            </a:r>
-            <a:r>
-              <a:rPr lang="ru-RU" dirty="0" smtClean="0"/>
-              <a:t>переменные:</a:t>
-            </a:r>
-            <a:endParaRPr lang="ru-RU" dirty="0" smtClean="0"/>
+              <a:t>Выходные переменные:</a:t>
+            </a:r>
           </a:p>
           <a:p>
             <a:pPr lvl="1">
@@ -15607,17 +15577,8 @@
             </a:pPr>
             <a:r>
               <a:rPr lang="ru-RU" dirty="0" smtClean="0"/>
-              <a:t>вес </a:t>
-            </a:r>
-            <a:r>
-              <a:rPr lang="ru-RU" dirty="0" smtClean="0"/>
-              <a:t>стратегии «Поиск противника</a:t>
-            </a:r>
-            <a:r>
-              <a:rPr lang="ru-RU" dirty="0" smtClean="0"/>
-              <a:t>»;</a:t>
-            </a:r>
-            <a:endParaRPr lang="ru-RU" dirty="0" smtClean="0"/>
+              <a:t>вес стратегии «Поиск противника»;</a:t>
+            </a:r>
           </a:p>
           <a:p>
             <a:pPr lvl="1">
@@ -15638,13 +15599,8 @@
             </a:r>
             <a:r>
               <a:rPr lang="ru-RU" dirty="0" smtClean="0"/>
-              <a:t>«Атака</a:t>
-            </a:r>
-            <a:r>
-              <a:rPr lang="ru-RU" dirty="0" smtClean="0"/>
-              <a:t>»;</a:t>
-            </a:r>
-            <a:endParaRPr lang="ru-RU" dirty="0" smtClean="0"/>
+              <a:t>«Атака»;</a:t>
+            </a:r>
           </a:p>
           <a:p>
             <a:pPr lvl="1">
@@ -15657,17 +15613,8 @@
             </a:r>
             <a:r>
               <a:rPr lang="ru-RU" dirty="0" smtClean="0"/>
-              <a:t>ес </a:t>
-            </a:r>
-            <a:r>
-              <a:rPr lang="ru-RU" dirty="0" smtClean="0"/>
-              <a:t>стратегии «Защита</a:t>
-            </a:r>
-            <a:r>
-              <a:rPr lang="ru-RU" dirty="0" smtClean="0"/>
-              <a:t>»;</a:t>
-            </a:r>
-            <a:endParaRPr lang="ru-RU" dirty="0" smtClean="0"/>
+              <a:t>ес стратегии «Защита»;</a:t>
+            </a:r>
           </a:p>
           <a:p>
             <a:pPr lvl="1">
@@ -15680,15 +15627,7 @@
             </a:r>
             <a:r>
               <a:rPr lang="ru-RU" dirty="0" smtClean="0"/>
-              <a:t>ес </a:t>
-            </a:r>
-            <a:r>
-              <a:rPr lang="ru-RU" dirty="0" smtClean="0"/>
-              <a:t>стратегии «Отступление и поиск противника</a:t>
-            </a:r>
-            <a:r>
-              <a:rPr lang="ru-RU" dirty="0" smtClean="0"/>
-              <a:t>».</a:t>
+              <a:t>ес стратегии «Отступление и поиск противника».</a:t>
             </a:r>
             <a:endParaRPr lang="ru-RU" dirty="0"/>
           </a:p>
@@ -15907,114 +15846,9 @@
                   <a:buNone/>
                 </a:pPr>
                 <a:r>
-                  <a:rPr lang="ru-RU" dirty="0" smtClean="0"/>
-                  <a:t>Функция обучения</a:t>
+                  <a:rPr lang="ru-RU" dirty="0"/>
+                  <a:t>Параметры, влияющие на обучение:</a:t>
                 </a:r>
-              </a:p>
-              <a:p>
-                <a:pPr lvl="1"/>
-                <a:r>
-                  <a:rPr lang="en-US" dirty="0" smtClean="0"/>
-                  <a:t>y = f (x</a:t>
-                </a:r>
-                <a:r>
-                  <a:rPr lang="en-US" baseline="-25000" dirty="0" smtClean="0"/>
-                  <a:t>1</a:t>
-                </a:r>
-                <a:r>
-                  <a:rPr lang="en-US" dirty="0" smtClean="0"/>
-                  <a:t>, x</a:t>
-                </a:r>
-                <a:r>
-                  <a:rPr lang="en-US" baseline="-25000" dirty="0" smtClean="0"/>
-                  <a:t>2</a:t>
-                </a:r>
-                <a:r>
-                  <a:rPr lang="en-US" dirty="0" smtClean="0"/>
-                  <a:t>, …, </a:t>
-                </a:r>
-                <a:r>
-                  <a:rPr lang="en-US" dirty="0" err="1" smtClean="0"/>
-                  <a:t>x</a:t>
-                </a:r>
-                <a:r>
-                  <a:rPr lang="en-US" baseline="-25000" dirty="0" err="1" smtClean="0"/>
-                  <a:t>n</a:t>
-                </a:r>
-                <a:r>
-                  <a:rPr lang="en-US" dirty="0" smtClean="0"/>
-                  <a:t>)</a:t>
-                </a:r>
-                <a:r>
-                  <a:rPr lang="ru-RU" dirty="0" smtClean="0"/>
-                  <a:t>, где </a:t>
-                </a:r>
-                <a:r>
-                  <a:rPr lang="en-US" dirty="0" smtClean="0"/>
-                  <a:t>y – </a:t>
-                </a:r>
-                <a:r>
-                  <a:rPr lang="ru-RU" dirty="0" smtClean="0"/>
-                  <a:t>качество обучения, а </a:t>
-                </a:r>
-                <a:r>
-                  <a:rPr lang="en-US" dirty="0" smtClean="0"/>
-                  <a:t>x</a:t>
-                </a:r>
-                <a:r>
-                  <a:rPr lang="en-US" baseline="-25000" dirty="0" smtClean="0"/>
-                  <a:t>1</a:t>
-                </a:r>
-                <a:r>
-                  <a:rPr lang="en-US" dirty="0" smtClean="0"/>
-                  <a:t>, x</a:t>
-                </a:r>
-                <a:r>
-                  <a:rPr lang="en-US" baseline="-25000" dirty="0" smtClean="0"/>
-                  <a:t>2</a:t>
-                </a:r>
-                <a:r>
-                  <a:rPr lang="en-US" dirty="0" smtClean="0"/>
-                  <a:t>, …, </a:t>
-                </a:r>
-                <a:r>
-                  <a:rPr lang="en-US" dirty="0" err="1" smtClean="0"/>
-                  <a:t>x</a:t>
-                </a:r>
-                <a:r>
-                  <a:rPr lang="en-US" baseline="-25000" dirty="0" err="1" smtClean="0"/>
-                  <a:t>n</a:t>
-                </a:r>
-                <a:r>
-                  <a:rPr lang="ru-RU" dirty="0" smtClean="0"/>
-                  <a:t> – параметры, влияющие на него.</a:t>
-                </a:r>
-              </a:p>
-              <a:p>
-                <a:pPr lvl="1"/>
-                <a:r>
-                  <a:rPr lang="ru-RU" dirty="0" smtClean="0"/>
-                  <a:t>Можно использовать численные методы для поиска оптимальных параметров </a:t>
-                </a:r>
-                <a:r>
-                  <a:rPr lang="ru-RU" dirty="0" smtClean="0"/>
-                  <a:t>обучения.</a:t>
-                </a:r>
-                <a:endParaRPr lang="ru-RU" dirty="0" smtClean="0"/>
-              </a:p>
-              <a:p>
-                <a:pPr marL="0" indent="0">
-                  <a:buNone/>
-                </a:pPr>
-                <a:r>
-                  <a:rPr lang="ru-RU" dirty="0" smtClean="0"/>
-                  <a:t>Параметры, влияющие на </a:t>
-                </a:r>
-                <a:r>
-                  <a:rPr lang="ru-RU" dirty="0" smtClean="0"/>
-                  <a:t>обучение:</a:t>
-                </a:r>
-                <a:endParaRPr lang="ru-RU" dirty="0" smtClean="0"/>
               </a:p>
               <a:p>
                 <a:pPr lvl="1"/>
@@ -16023,18 +15857,9 @@
                   <a:t>к</a:t>
                 </a:r>
                 <a:r>
-                  <a:rPr lang="ru-RU" dirty="0" smtClean="0"/>
-                  <a:t>оличество </a:t>
+                  <a:rPr lang="ru-RU" dirty="0"/>
+                  <a:t>оличество скрытых слоев (1 или 2);</a:t>
                 </a:r>
-                <a:r>
-                  <a:rPr lang="ru-RU" dirty="0" smtClean="0"/>
-                  <a:t>скрытых слоев (1 или 2</a:t>
-                </a:r>
-                <a:r>
-                  <a:rPr lang="ru-RU" dirty="0" smtClean="0"/>
-                  <a:t>);</a:t>
-                </a:r>
-                <a:endParaRPr lang="ru-RU" dirty="0" smtClean="0"/>
               </a:p>
               <a:p>
                 <a:pPr lvl="1"/>
@@ -16043,18 +15868,9 @@
                   <a:t>р</a:t>
                 </a:r>
                 <a:r>
-                  <a:rPr lang="ru-RU" dirty="0" smtClean="0"/>
-                  <a:t>азмер </a:t>
+                  <a:rPr lang="ru-RU" dirty="0"/>
+                  <a:t>азмер скрытого слоя (если есть);</a:t>
                 </a:r>
-                <a:r>
-                  <a:rPr lang="ru-RU" dirty="0" smtClean="0"/>
-                  <a:t>скрытого слоя (если есть</a:t>
-                </a:r>
-                <a:r>
-                  <a:rPr lang="ru-RU" dirty="0" smtClean="0"/>
-                  <a:t>);</a:t>
-                </a:r>
-                <a:endParaRPr lang="ru-RU" dirty="0" smtClean="0"/>
               </a:p>
               <a:p>
                 <a:pPr lvl="1"/>
@@ -16063,17 +15879,17 @@
                   <a:t>к</a:t>
                 </a:r>
                 <a:r>
-                  <a:rPr lang="ru-RU" dirty="0" smtClean="0"/>
+                  <a:rPr lang="ru-RU" dirty="0"/>
                   <a:t>оэффициент </a:t>
                 </a:r>
                 <a:r>
-                  <a:rPr lang="el-GR" dirty="0" smtClean="0">
+                  <a:rPr lang="el-GR" dirty="0">
                     <a:latin typeface="Calibri" panose="020F0502020204030204" pitchFamily="34" charset="0"/>
                   </a:rPr>
                   <a:t>β</a:t>
                 </a:r>
                 <a:r>
-                  <a:rPr lang="ru-RU" dirty="0" smtClean="0"/>
+                  <a:rPr lang="ru-RU" dirty="0"/>
                   <a:t> крутизны функции активации: </a:t>
                 </a:r>
                 <a14:m>
@@ -16170,14 +15986,14 @@
                       </m:den>
                     </m:f>
                     <m:r>
-                      <a:rPr lang="ru-RU" b="0" i="1" smtClean="0">
+                      <a:rPr lang="ru-RU" i="1">
                         <a:latin typeface="Cambria Math" panose="02040503050406030204" pitchFamily="18" charset="0"/>
                       </a:rPr>
                       <m:t>;</m:t>
                     </m:r>
                   </m:oMath>
                 </a14:m>
-                <a:endParaRPr lang="ru-RU" dirty="0" smtClean="0"/>
+                <a:endParaRPr lang="ru-RU" dirty="0"/>
               </a:p>
               <a:p>
                 <a:pPr lvl="1"/>
@@ -16186,17 +16002,17 @@
                   <a:t>к</a:t>
                 </a:r>
                 <a:r>
-                  <a:rPr lang="ru-RU" dirty="0" smtClean="0"/>
+                  <a:rPr lang="ru-RU" dirty="0"/>
                   <a:t>оэффициент </a:t>
                 </a:r>
                 <a:r>
-                  <a:rPr lang="el-GR" dirty="0" smtClean="0">
+                  <a:rPr lang="el-GR" dirty="0">
                     <a:latin typeface="Calibri" panose="020F0502020204030204" pitchFamily="34" charset="0"/>
                   </a:rPr>
                   <a:t>η</a:t>
                 </a:r>
                 <a:r>
-                  <a:rPr lang="ru-RU" dirty="0" smtClean="0"/>
+                  <a:rPr lang="ru-RU" dirty="0"/>
                   <a:t> скорости обучения при пересчете весов: </a:t>
                 </a:r>
                 <a14:m>
@@ -16333,10 +16149,9 @@
                   </m:oMath>
                 </a14:m>
                 <a:r>
-                  <a:rPr lang="ru-RU" dirty="0" smtClean="0"/>
+                  <a:rPr lang="ru-RU" dirty="0"/>
                   <a:t>;</a:t>
                 </a:r>
-                <a:endParaRPr lang="ru-RU" dirty="0" smtClean="0"/>
               </a:p>
               <a:p>
                 <a:pPr lvl="1"/>
@@ -16345,16 +16160,116 @@
                   <a:t>к</a:t>
                 </a:r>
                 <a:r>
-                  <a:rPr lang="ru-RU" dirty="0" smtClean="0"/>
-                  <a:t>оличество </a:t>
+                  <a:rPr lang="ru-RU" dirty="0"/>
+                  <a:t>оличество повторов обучения</a:t>
                 </a:r>
                 <a:r>
                   <a:rPr lang="ru-RU" dirty="0" smtClean="0"/>
-                  <a:t>повторов </a:t>
+                  <a:t>.</a:t>
+                </a:r>
+                <a:endParaRPr lang="ru-RU" dirty="0" smtClean="0"/>
+              </a:p>
+              <a:p>
+                <a:pPr marL="0" indent="0">
+                  <a:buNone/>
+                </a:pPr>
+                <a:r>
+                  <a:rPr lang="ru-RU" dirty="0" smtClean="0"/>
+                  <a:t>Функция </a:t>
                 </a:r>
                 <a:r>
                   <a:rPr lang="ru-RU" dirty="0" smtClean="0"/>
-                  <a:t>обучения.</a:t>
+                  <a:t>обучения</a:t>
+                </a:r>
+              </a:p>
+              <a:p>
+                <a:pPr lvl="1"/>
+                <a:r>
+                  <a:rPr lang="en-US" dirty="0" smtClean="0"/>
+                  <a:t>y = f (x</a:t>
+                </a:r>
+                <a:r>
+                  <a:rPr lang="en-US" baseline="-25000" dirty="0" smtClean="0"/>
+                  <a:t>1</a:t>
+                </a:r>
+                <a:r>
+                  <a:rPr lang="en-US" dirty="0" smtClean="0"/>
+                  <a:t>, x</a:t>
+                </a:r>
+                <a:r>
+                  <a:rPr lang="en-US" baseline="-25000" dirty="0" smtClean="0"/>
+                  <a:t>2</a:t>
+                </a:r>
+                <a:r>
+                  <a:rPr lang="en-US" dirty="0" smtClean="0"/>
+                  <a:t>, …, </a:t>
+                </a:r>
+                <a:r>
+                  <a:rPr lang="en-US" dirty="0" err="1" smtClean="0"/>
+                  <a:t>x</a:t>
+                </a:r>
+                <a:r>
+                  <a:rPr lang="en-US" baseline="-25000" dirty="0" err="1" smtClean="0"/>
+                  <a:t>n</a:t>
+                </a:r>
+                <a:r>
+                  <a:rPr lang="en-US" dirty="0" smtClean="0"/>
+                  <a:t>)</a:t>
+                </a:r>
+                <a:r>
+                  <a:rPr lang="ru-RU" dirty="0" smtClean="0"/>
+                  <a:t>, где </a:t>
+                </a:r>
+                <a:r>
+                  <a:rPr lang="en-US" dirty="0" smtClean="0"/>
+                  <a:t>y – </a:t>
+                </a:r>
+                <a:r>
+                  <a:rPr lang="ru-RU" dirty="0" smtClean="0"/>
+                  <a:t>качество обучения, а </a:t>
+                </a:r>
+                <a:r>
+                  <a:rPr lang="en-US" dirty="0" smtClean="0"/>
+                  <a:t>x</a:t>
+                </a:r>
+                <a:r>
+                  <a:rPr lang="en-US" baseline="-25000" dirty="0" smtClean="0"/>
+                  <a:t>1</a:t>
+                </a:r>
+                <a:r>
+                  <a:rPr lang="en-US" dirty="0" smtClean="0"/>
+                  <a:t>, x</a:t>
+                </a:r>
+                <a:r>
+                  <a:rPr lang="en-US" baseline="-25000" dirty="0" smtClean="0"/>
+                  <a:t>2</a:t>
+                </a:r>
+                <a:r>
+                  <a:rPr lang="en-US" dirty="0" smtClean="0"/>
+                  <a:t>, …, </a:t>
+                </a:r>
+                <a:r>
+                  <a:rPr lang="en-US" dirty="0" err="1" smtClean="0"/>
+                  <a:t>x</a:t>
+                </a:r>
+                <a:r>
+                  <a:rPr lang="en-US" baseline="-25000" dirty="0" err="1" smtClean="0"/>
+                  <a:t>n</a:t>
+                </a:r>
+                <a:r>
+                  <a:rPr lang="ru-RU" dirty="0" smtClean="0"/>
+                  <a:t> – параметры, влияющие на него.</a:t>
+                </a:r>
+              </a:p>
+              <a:p>
+                <a:pPr lvl="1"/>
+                <a:r>
+                  <a:rPr lang="ru-RU" dirty="0" smtClean="0"/>
+                  <a:t>Можно использовать численные методы для поиска оптимальных параметров обучения</a:t>
+                </a:r>
+                <a:r>
+                  <a:rPr lang="ru-RU" dirty="0" smtClean="0"/>
+                  <a:t>.</a:t>
                 </a:r>
                 <a:endParaRPr lang="ru-RU" dirty="0" smtClean="0"/>
               </a:p>
@@ -16377,7 +16292,7 @@
                 <a:off x="161925" y="1085378"/>
                 <a:ext cx="12030075" cy="5124450"/>
               </a:xfrm>
-              <a:blipFill>
+              <a:blipFill rotWithShape="0">
                 <a:blip r:embed="rId2"/>
                 <a:stretch>
                   <a:fillRect l="-1064" t="-1902" b="-1784"/>
@@ -16715,7 +16630,6 @@
               <a:rPr lang="ru-RU" dirty="0" smtClean="0"/>
               <a:t> решениям.</a:t>
             </a:r>
-            <a:endParaRPr lang="ru-RU" dirty="0" smtClean="0"/>
           </a:p>
           <a:p>
             <a:pPr lvl="1">
@@ -16724,13 +16638,8 @@
             </a:pPr>
             <a:r>
               <a:rPr lang="ru-RU" dirty="0" smtClean="0"/>
-              <a:t>Агент может реагировать на состояние окружающего мира, не описанное разработчиком при </a:t>
-            </a:r>
-            <a:r>
-              <a:rPr lang="ru-RU" dirty="0" smtClean="0"/>
-              <a:t>проектировании.</a:t>
-            </a:r>
-            <a:endParaRPr lang="ru-RU" dirty="0" smtClean="0"/>
+              <a:t>Агент может реагировать на состояние окружающего мира, не описанное разработчиком при проектировании.</a:t>
+            </a:r>
           </a:p>
           <a:p>
             <a:pPr marL="0" indent="0">
@@ -16740,7 +16649,6 @@
               <a:rPr lang="ru-RU" dirty="0" smtClean="0"/>
               <a:t>Недостатки:</a:t>
             </a:r>
-            <a:endParaRPr lang="ru-RU" dirty="0" smtClean="0"/>
           </a:p>
           <a:p>
             <a:pPr lvl="1">
@@ -16749,13 +16657,8 @@
             </a:pPr>
             <a:r>
               <a:rPr lang="ru-RU" dirty="0" smtClean="0"/>
-              <a:t>Сложно отлаживать, т.к. нельзя определить, почему именно нейронная сеть выдала определенный </a:t>
-            </a:r>
-            <a:r>
-              <a:rPr lang="ru-RU" dirty="0" smtClean="0"/>
-              <a:t>результат.</a:t>
-            </a:r>
-            <a:endParaRPr lang="ru-RU" dirty="0" smtClean="0"/>
+              <a:t>Сложно отлаживать, т.к. нельзя определить, почему именно нейронная сеть выдала определенный результат.</a:t>
+            </a:r>
           </a:p>
           <a:p>
             <a:pPr lvl="1">
@@ -16764,13 +16667,8 @@
             </a:pPr>
             <a:r>
               <a:rPr lang="ru-RU" dirty="0" smtClean="0"/>
-              <a:t>Сложно корректировать поведение, т.к. для внесения изменений требуется </a:t>
-            </a:r>
-            <a:r>
-              <a:rPr lang="ru-RU" dirty="0" smtClean="0"/>
-              <a:t>переобучение.</a:t>
-            </a:r>
-            <a:endParaRPr lang="ru-RU" dirty="0" smtClean="0"/>
+              <a:t>Сложно корректировать поведение, т.к. для внесения изменений требуется переобучение.</a:t>
+            </a:r>
           </a:p>
           <a:p>
             <a:pPr lvl="1">
@@ -16779,11 +16677,7 @@
             </a:pPr>
             <a:r>
               <a:rPr lang="ru-RU" dirty="0" smtClean="0"/>
-              <a:t>Сложно реализовать реакцию на редкую ситуацию, т.к. для нее будет мало записей в обучающем </a:t>
-            </a:r>
-            <a:r>
-              <a:rPr lang="ru-RU" dirty="0" smtClean="0"/>
-              <a:t>множестве.</a:t>
+              <a:t>Сложно реализовать реакцию на редкую ситуацию, т.к. для нее будет мало записей в обучающем множестве.</a:t>
             </a:r>
           </a:p>
           <a:p>
@@ -16908,32 +16802,6 @@
       </p:sp>
       <p:sp>
         <p:nvSpPr>
-          <p:cNvPr id="3" name="Объект 2"/>
-          <p:cNvSpPr>
-            <a:spLocks noGrp="1"/>
-          </p:cNvSpPr>
-          <p:nvPr>
-            <p:ph idx="1"/>
-          </p:nvPr>
-        </p:nvSpPr>
-        <p:spPr/>
-        <p:txBody>
-          <a:bodyPr/>
-          <a:lstStyle/>
-          <a:p>
-            <a:pPr marL="0" indent="0">
-              <a:buNone/>
-            </a:pPr>
-            <a:r>
-              <a:rPr lang="en-US" dirty="0" smtClean="0"/>
-              <a:t>TODO</a:t>
-            </a:r>
-            <a:endParaRPr lang="ru-RU" dirty="0"/>
-          </a:p>
-        </p:txBody>
-      </p:sp>
-      <p:sp>
-        <p:nvSpPr>
           <p:cNvPr id="4" name="Нижний колонтитул 3"/>
           <p:cNvSpPr>
             <a:spLocks noGrp="1"/>
@@ -16979,6 +16847,249 @@
           </a:p>
         </p:txBody>
       </p:sp>
+      <p:sp>
+        <p:nvSpPr>
+          <p:cNvPr id="6" name="Объект 5"/>
+          <p:cNvSpPr>
+            <a:spLocks noGrp="1"/>
+          </p:cNvSpPr>
+          <p:nvPr>
+            <p:ph idx="1"/>
+          </p:nvPr>
+        </p:nvSpPr>
+        <p:spPr>
+          <a:xfrm>
+            <a:off x="217714" y="1062446"/>
+            <a:ext cx="4850675" cy="5114517"/>
+          </a:xfrm>
+        </p:spPr>
+        <p:txBody>
+          <a:bodyPr/>
+          <a:lstStyle/>
+          <a:p>
+            <a:pPr marL="0" indent="0">
+              <a:buNone/>
+            </a:pPr>
+            <a:r>
+              <a:rPr lang="ru-RU" dirty="0" smtClean="0"/>
+              <a:t>Игровой движок: </a:t>
+            </a:r>
+            <a:r>
+              <a:rPr lang="en-US" dirty="0" smtClean="0"/>
+              <a:t>Unity</a:t>
+            </a:r>
+            <a:endParaRPr lang="ru-RU" dirty="0"/>
+          </a:p>
+          <a:p>
+            <a:pPr marL="0" indent="0">
+              <a:buNone/>
+            </a:pPr>
+            <a:r>
+              <a:rPr lang="ru-RU" dirty="0" smtClean="0"/>
+              <a:t>Язык программирования: </a:t>
+            </a:r>
+            <a:r>
+              <a:rPr lang="en-US" dirty="0" smtClean="0"/>
+              <a:t>C#</a:t>
+            </a:r>
+            <a:endParaRPr lang="ru-RU" dirty="0" smtClean="0"/>
+          </a:p>
+          <a:p>
+            <a:pPr marL="0" indent="0">
+              <a:buNone/>
+            </a:pPr>
+            <a:endParaRPr lang="ru-RU" dirty="0" smtClean="0"/>
+          </a:p>
+          <a:p>
+            <a:pPr marL="0" indent="0">
+              <a:buNone/>
+            </a:pPr>
+            <a:r>
+              <a:rPr lang="ru-RU" dirty="0" smtClean="0"/>
+              <a:t>Игрок и агенты управляют персонажем через одинаковый интерфейс:</a:t>
+            </a:r>
+            <a:endParaRPr lang="ru-RU" dirty="0"/>
+          </a:p>
+        </p:txBody>
+      </p:sp>
+      <p:pic>
+        <p:nvPicPr>
+          <p:cNvPr id="7" name="Рисунок 6"/>
+          <p:cNvPicPr>
+            <a:picLocks noChangeAspect="1"/>
+          </p:cNvPicPr>
+          <p:nvPr/>
+        </p:nvPicPr>
+        <p:blipFill>
+          <a:blip r:embed="rId3"/>
+          <a:stretch>
+            <a:fillRect/>
+          </a:stretch>
+        </p:blipFill>
+        <p:spPr>
+          <a:xfrm>
+            <a:off x="5161700" y="1062446"/>
+            <a:ext cx="6867320" cy="4902201"/>
+          </a:xfrm>
+          <a:prstGeom prst="rect">
+            <a:avLst/>
+          </a:prstGeom>
+        </p:spPr>
+      </p:pic>
+      <p:sp>
+        <p:nvSpPr>
+          <p:cNvPr id="8" name="TextBox 7"/>
+          <p:cNvSpPr txBox="1"/>
+          <p:nvPr/>
+        </p:nvSpPr>
+        <p:spPr>
+          <a:xfrm>
+            <a:off x="6549511" y="5992297"/>
+            <a:ext cx="4091698" cy="369332"/>
+          </a:xfrm>
+          <a:prstGeom prst="rect">
+            <a:avLst/>
+          </a:prstGeom>
+          <a:noFill/>
+        </p:spPr>
+        <p:txBody>
+          <a:bodyPr wrap="none" rtlCol="0">
+            <a:spAutoFit/>
+          </a:bodyPr>
+          <a:lstStyle/>
+          <a:p>
+            <a:r>
+              <a:rPr lang="ru-RU" dirty="0" smtClean="0"/>
+              <a:t>Компоненты игры и их взаимодействие</a:t>
+            </a:r>
+            <a:endParaRPr lang="ru-RU" dirty="0"/>
+          </a:p>
+        </p:txBody>
+      </p:sp>
+      <p:sp>
+        <p:nvSpPr>
+          <p:cNvPr id="9" name="Rectangle 2"/>
+          <p:cNvSpPr>
+            <a:spLocks noChangeArrowheads="1"/>
+          </p:cNvSpPr>
+          <p:nvPr/>
+        </p:nvSpPr>
+        <p:spPr bwMode="auto">
+          <a:xfrm>
+            <a:off x="0" y="0"/>
+            <a:ext cx="12192000" cy="0"/>
+          </a:xfrm>
+          <a:prstGeom prst="rect">
+            <a:avLst/>
+          </a:prstGeom>
+          <a:noFill/>
+          <a:ln>
+            <a:noFill/>
+          </a:ln>
+          <a:effectLst/>
+          <a:extLst>
+            <a:ext uri="{909E8E84-426E-40DD-AFC4-6F175D3DCCD1}">
+              <a14:hiddenFill xmlns:a14="http://schemas.microsoft.com/office/drawing/2010/main">
+                <a:solidFill>
+                  <a:schemeClr val="accent1"/>
+                </a:solidFill>
+              </a14:hiddenFill>
+            </a:ext>
+            <a:ext uri="{91240B29-F687-4F45-9708-019B960494DF}">
+              <a14:hiddenLine xmlns:a14="http://schemas.microsoft.com/office/drawing/2010/main" w="9525">
+                <a:solidFill>
+                  <a:schemeClr val="tx1"/>
+                </a:solidFill>
+                <a:miter lim="800000"/>
+                <a:headEnd/>
+                <a:tailEnd/>
+              </a14:hiddenLine>
+            </a:ext>
+            <a:ext uri="{AF507438-7753-43E0-B8FC-AC1667EBCBE1}">
+              <a14:hiddenEffects xmlns:a14="http://schemas.microsoft.com/office/drawing/2010/main">
+                <a:effectLst>
+                  <a:outerShdw dist="35921" dir="2700000" algn="ctr" rotWithShape="0">
+                    <a:schemeClr val="bg2"/>
+                  </a:outerShdw>
+                </a:effectLst>
+              </a14:hiddenEffects>
+            </a:ext>
+          </a:extLst>
+        </p:spPr>
+        <p:txBody>
+          <a:bodyPr vert="horz" wrap="none" lIns="91440" tIns="45720" rIns="91440" bIns="45720" numCol="1" anchor="ctr" anchorCtr="0" compatLnSpc="1">
+            <a:prstTxWarp prst="textNoShape">
+              <a:avLst/>
+            </a:prstTxWarp>
+            <a:spAutoFit/>
+          </a:bodyPr>
+          <a:lstStyle/>
+          <a:p>
+            <a:endParaRPr lang="ru-RU"/>
+          </a:p>
+        </p:txBody>
+      </p:sp>
+      <p:graphicFrame>
+        <p:nvGraphicFramePr>
+          <p:cNvPr id="10" name="Объект 9"/>
+          <p:cNvGraphicFramePr>
+            <a:graphicFrameLocks noChangeAspect="1"/>
+          </p:cNvGraphicFramePr>
+          <p:nvPr>
+            <p:extLst>
+              <p:ext uri="{D42A27DB-BD31-4B8C-83A1-F6EECF244321}">
+                <p14:modId xmlns:p14="http://schemas.microsoft.com/office/powerpoint/2010/main" val="4023987344"/>
+              </p:ext>
+            </p:extLst>
+          </p:nvPr>
+        </p:nvGraphicFramePr>
+        <p:xfrm>
+          <a:off x="383177" y="4016785"/>
+          <a:ext cx="7213600" cy="1947862"/>
+        </p:xfrm>
+        <a:graphic>
+          <a:graphicData uri="http://schemas.openxmlformats.org/presentationml/2006/ole">
+            <mc:AlternateContent xmlns:mc="http://schemas.openxmlformats.org/markup-compatibility/2006">
+              <mc:Choice xmlns:v="urn:schemas-microsoft-com:vml" Requires="v">
+                <p:oleObj spid="_x0000_s12300" name="Документ" r:id="rId4" imgW="6152400" imgH="1665360" progId="Word.OpenDocumentText.12">
+                  <p:embed/>
+                </p:oleObj>
+              </mc:Choice>
+              <mc:Fallback>
+                <p:oleObj name="Документ" r:id="rId4" imgW="6152400" imgH="1665360" progId="Word.OpenDocumentText.12">
+                  <p:embed/>
+                  <p:pic>
+                    <p:nvPicPr>
+                      <p:cNvPr id="0" name="Object 1"/>
+                      <p:cNvPicPr>
+                        <a:picLocks noChangeAspect="1" noChangeArrowheads="1"/>
+                      </p:cNvPicPr>
+                      <p:nvPr/>
+                    </p:nvPicPr>
+                    <p:blipFill>
+                      <a:blip r:embed="rId5"/>
+                      <a:srcRect/>
+                      <a:stretch>
+                        <a:fillRect/>
+                      </a:stretch>
+                    </p:blipFill>
+                    <p:spPr bwMode="auto">
+                      <a:xfrm>
+                        <a:off x="383177" y="4016785"/>
+                        <a:ext cx="7213600" cy="1947862"/>
+                      </a:xfrm>
+                      <a:prstGeom prst="rect">
+                        <a:avLst/>
+                      </a:prstGeom>
+                      <a:noFill/>
+                    </p:spPr>
+                  </p:pic>
+                </p:oleObj>
+              </mc:Fallback>
+            </mc:AlternateContent>
+          </a:graphicData>
+        </a:graphic>
+      </p:graphicFrame>
     </p:spTree>
     <p:extLst>
       <p:ext uri="{BB962C8B-B14F-4D97-AF65-F5344CB8AC3E}">
@@ -17033,11 +17144,7 @@
           <a:p>
             <a:r>
               <a:rPr lang="ru-RU" sz="4000" dirty="0" smtClean="0"/>
-              <a:t>Методика сравнения </a:t>
-            </a:r>
-            <a:r>
-              <a:rPr lang="ru-RU" sz="4000" dirty="0" smtClean="0"/>
-              <a:t>методов</a:t>
+              <a:t>Методика сравнения методов</a:t>
             </a:r>
             <a:endParaRPr lang="ru-RU" sz="4000" dirty="0"/>
           </a:p>
@@ -17069,13 +17176,8 @@
             </a:pPr>
             <a:r>
               <a:rPr lang="ru-RU" dirty="0" smtClean="0"/>
-              <a:t>Игра реализованных ботов друг против </a:t>
-            </a:r>
-            <a:r>
-              <a:rPr lang="ru-RU" dirty="0" smtClean="0"/>
-              <a:t>друга.</a:t>
-            </a:r>
-            <a:endParaRPr lang="ru-RU" dirty="0" smtClean="0"/>
+              <a:t>Игра реализованных ботов друг против друга.</a:t>
+            </a:r>
           </a:p>
           <a:p>
             <a:pPr>
@@ -17094,7 +17196,6 @@
               <a:rPr lang="ru-RU" dirty="0" smtClean="0"/>
               <a:t>.</a:t>
             </a:r>
-            <a:endParaRPr lang="ru-RU" dirty="0" smtClean="0"/>
           </a:p>
           <a:p>
             <a:pPr>
@@ -17121,7 +17222,6 @@
               <a:rPr lang="ru-RU" dirty="0" smtClean="0"/>
               <a:t>.</a:t>
             </a:r>
-            <a:endParaRPr lang="ru-RU" dirty="0" smtClean="0"/>
           </a:p>
         </p:txBody>
       </p:sp>
@@ -17404,7 +17504,6 @@
               <a:rPr lang="ru-RU" sz="2800" dirty="0" smtClean="0"/>
               <a:t>зята ли аптечка.</a:t>
             </a:r>
-            <a:endParaRPr lang="ru-RU" sz="2800" dirty="0" smtClean="0"/>
           </a:p>
         </p:txBody>
       </p:sp>
@@ -18211,13 +18310,8 @@
             </a:r>
             <a:r>
               <a:rPr lang="ru-RU" dirty="0" smtClean="0"/>
-              <a:t>них</a:t>
-            </a:r>
-            <a:r>
-              <a:rPr lang="ru-RU" dirty="0" smtClean="0"/>
-              <a:t>. Реализованный автомат имеет 4 состояния и 7 переходов. </a:t>
-            </a:r>
-            <a:endParaRPr lang="ru-RU" dirty="0" smtClean="0"/>
+              <a:t>них. Реализованный автомат имеет 4 состояния и 7 переходов. </a:t>
+            </a:r>
           </a:p>
           <a:p>
             <a:pPr>
@@ -18238,11 +18332,7 @@
             </a:r>
             <a:r>
               <a:rPr lang="ru-RU" dirty="0" smtClean="0"/>
-              <a:t>них</a:t>
-            </a:r>
-            <a:r>
-              <a:rPr lang="ru-RU" dirty="0" smtClean="0"/>
-              <a:t>. Выбрана структура дерева на основе последовательности. Выбрано дерево, состоящее из трех ветвей, соответствующих отдельным компонентам: управлению стрельбой, анализу местности и управлению движением.</a:t>
+              <a:t>них. Выбрана структура дерева на основе последовательности. Выбрано дерево, состоящее из трех ветвей, соответствующих отдельным компонентам: управлению стрельбой, анализу местности и управлению движением.</a:t>
             </a:r>
             <a:endParaRPr lang="ru-RU" dirty="0"/>
           </a:p>
@@ -18261,11 +18351,7 @@
             </a:r>
             <a:r>
               <a:rPr lang="ru-RU" dirty="0" smtClean="0"/>
-              <a:t>ней. </a:t>
-            </a:r>
-            <a:r>
-              <a:rPr lang="ru-RU" dirty="0" smtClean="0"/>
-              <a:t>Реализованная система имеет 3 входных переменных, 8 выходных и 12 правил вывода.</a:t>
+              <a:t>ней. Реализованная система имеет 3 входных переменных, 8 выходных и 12 правил вывода.</a:t>
             </a:r>
             <a:endParaRPr lang="ru-RU" dirty="0"/>
           </a:p>
@@ -18288,11 +18374,7 @@
             </a:r>
             <a:r>
               <a:rPr lang="ru-RU" dirty="0" smtClean="0"/>
-              <a:t>них. </a:t>
-            </a:r>
-            <a:r>
-              <a:rPr lang="ru-RU" dirty="0" smtClean="0"/>
-              <a:t>Выбраны оптимальные параметры и структура сети по критерию максимума качества обучения. Выбранная сеть имеет 2 слоя, 3 входных переменных и 4 выходных.</a:t>
+              <a:t>них. Выбраны оптимальные параметры и структура сети по критерию максимума качества обучения. Выбранная сеть имеет 2 слоя, 3 входных переменных и 4 выходных.</a:t>
             </a:r>
             <a:endParaRPr lang="ru-RU" dirty="0"/>
           </a:p>
@@ -18303,11 +18385,7 @@
             </a:pPr>
             <a:r>
               <a:rPr lang="ru-RU" dirty="0" smtClean="0"/>
-              <a:t>Произведено сравнение методов и алгоритмов принятия </a:t>
-            </a:r>
-            <a:r>
-              <a:rPr lang="ru-RU" dirty="0" smtClean="0"/>
-              <a:t>решений</a:t>
+              <a:t>Произведено сравнение методов и алгоритмов принятия решений</a:t>
             </a:r>
             <a:r>
               <a:rPr lang="ru-RU" dirty="0"/>
@@ -18315,19 +18393,7 @@
             </a:r>
             <a:r>
               <a:rPr lang="ru-RU" dirty="0" smtClean="0"/>
-              <a:t>путем</a:t>
-            </a:r>
-            <a:r>
-              <a:rPr lang="ru-RU" dirty="0" smtClean="0"/>
-              <a:t> </a:t>
-            </a:r>
-            <a:r>
-              <a:rPr lang="ru-RU" dirty="0" smtClean="0"/>
-              <a:t>п</a:t>
-            </a:r>
-            <a:r>
-              <a:rPr lang="ru-RU" dirty="0" smtClean="0"/>
-              <a:t>роведения игр реализованных ботов друг против друга. Необходимые метрики записывались в базу </a:t>
+              <a:t>путем проведения игр реализованных ботов друг против друга. Необходимые метрики записывались в базу </a:t>
             </a:r>
             <a:r>
               <a:rPr lang="en-US" dirty="0" smtClean="0"/>
@@ -18353,7 +18419,6 @@
               <a:rPr lang="ru-RU" dirty="0" smtClean="0"/>
               <a:t>.</a:t>
             </a:r>
-            <a:endParaRPr lang="ru-RU" dirty="0" smtClean="0"/>
           </a:p>
           <a:p>
             <a:r>
@@ -18372,7 +18437,6 @@
               <a:rPr lang="ru-RU" dirty="0"/>
               <a:t>средний нанесенный урон и максимальную долю игр, в которых была взята аптечка.</a:t>
             </a:r>
-            <a:endParaRPr lang="ru-RU" dirty="0"/>
           </a:p>
         </p:txBody>
       </p:sp>
@@ -18586,7 +18650,7 @@
           <a:graphicData uri="http://schemas.openxmlformats.org/presentationml/2006/ole">
             <mc:AlternateContent xmlns:mc="http://schemas.openxmlformats.org/markup-compatibility/2006">
               <mc:Choice xmlns:v="urn:schemas-microsoft-com:vml" Requires="v">
-                <p:oleObj spid="_x0000_s7219" name="Visio" r:id="rId4" imgW="3190810" imgH="1952640" progId="Visio.Drawing.15">
+                <p:oleObj spid="_x0000_s7228" name="Visio" r:id="rId4" imgW="3190810" imgH="1952640" progId="Visio.Drawing.15">
                   <p:embed/>
                 </p:oleObj>
               </mc:Choice>
@@ -19282,7 +19346,7 @@
           <a:graphicData uri="http://schemas.openxmlformats.org/presentationml/2006/ole">
             <mc:AlternateContent xmlns:mc="http://schemas.openxmlformats.org/markup-compatibility/2006">
               <mc:Choice xmlns:v="urn:schemas-microsoft-com:vml" Requires="v">
-                <p:oleObj spid="_x0000_s8243" name="Visio" r:id="rId3" imgW="5133877" imgH="3171960" progId="Visio.Drawing.15">
+                <p:oleObj spid="_x0000_s8252" name="Visio" r:id="rId3" imgW="5133877" imgH="3171960" progId="Visio.Drawing.15">
                   <p:embed/>
                 </p:oleObj>
               </mc:Choice>
@@ -19652,7 +19716,7 @@
           <a:graphicData uri="http://schemas.openxmlformats.org/presentationml/2006/ole">
             <mc:AlternateContent xmlns:mc="http://schemas.openxmlformats.org/markup-compatibility/2006">
               <mc:Choice xmlns:v="urn:schemas-microsoft-com:vml" Requires="v">
-                <p:oleObj spid="_x0000_s11335" name="Visio" r:id="rId3" imgW="6562610" imgH="3791070" progId="Visio.Drawing.15">
+                <p:oleObj spid="_x0000_s11353" name="Visio" r:id="rId3" imgW="6562610" imgH="3791070" progId="Visio.Drawing.15">
                   <p:embed/>
                 </p:oleObj>
               </mc:Choice>
@@ -19772,7 +19836,7 @@
           <a:graphicData uri="http://schemas.openxmlformats.org/presentationml/2006/ole">
             <mc:AlternateContent xmlns:mc="http://schemas.openxmlformats.org/markup-compatibility/2006">
               <mc:Choice xmlns:v="urn:schemas-microsoft-com:vml" Requires="v">
-                <p:oleObj spid="_x0000_s11336" name="Visio" r:id="rId5" imgW="4695721" imgH="1276290" progId="Visio.Drawing.15">
+                <p:oleObj spid="_x0000_s11354" name="Visio" r:id="rId5" imgW="4695721" imgH="1276290" progId="Visio.Drawing.15">
                   <p:embed/>
                 </p:oleObj>
               </mc:Choice>
@@ -20250,7 +20314,7 @@
           <a:graphicData uri="http://schemas.openxmlformats.org/presentationml/2006/ole">
             <mc:AlternateContent xmlns:mc="http://schemas.openxmlformats.org/markup-compatibility/2006">
               <mc:Choice xmlns:v="urn:schemas-microsoft-com:vml" Requires="v">
-                <p:oleObj spid="_x0000_s10276" name="Visio" r:id="rId3" imgW="3838589" imgH="2019330" progId="Visio.Drawing.15">
+                <p:oleObj spid="_x0000_s10285" name="Visio" r:id="rId3" imgW="3838589" imgH="2019330" progId="Visio.Drawing.15">
                   <p:embed/>
                 </p:oleObj>
               </mc:Choice>
@@ -20859,7 +20923,21 @@
                 <a:ea typeface="Calibri" panose="020F0502020204030204" pitchFamily="34" charset="0"/>
                 <a:cs typeface="Times New Roman" panose="02020603050405020304" pitchFamily="18" charset="0"/>
               </a:rPr>
-              <a:t>реализовать игровых ботов, использующих рассмотренные </a:t>
+              <a:t>реализовать </a:t>
+            </a:r>
+            <a:r>
+              <a:rPr lang="ru-RU" dirty="0" smtClean="0">
+                <a:ea typeface="Calibri" panose="020F0502020204030204" pitchFamily="34" charset="0"/>
+                <a:cs typeface="Times New Roman" panose="02020603050405020304" pitchFamily="18" charset="0"/>
+              </a:rPr>
+              <a:t>агентов, </a:t>
+            </a:r>
+            <a:r>
+              <a:rPr lang="ru-RU" dirty="0" smtClean="0">
+                <a:ea typeface="Calibri" panose="020F0502020204030204" pitchFamily="34" charset="0"/>
+                <a:cs typeface="Times New Roman" panose="02020603050405020304" pitchFamily="18" charset="0"/>
+              </a:rPr>
+              <a:t>использующих рассмотренные </a:t>
             </a:r>
             <a:r>
               <a:rPr lang="ru-RU" dirty="0">
@@ -21066,7 +21144,7 @@
         </p:spPr>
         <p:txBody>
           <a:bodyPr>
-            <a:normAutofit fontScale="85000" lnSpcReduction="10000"/>
+            <a:normAutofit fontScale="92500" lnSpcReduction="20000"/>
           </a:bodyPr>
           <a:lstStyle/>
           <a:p>
@@ -21075,19 +21153,7 @@
             </a:pPr>
             <a:r>
               <a:rPr lang="ru-RU" dirty="0" smtClean="0"/>
-              <a:t>Компьютерная </a:t>
-            </a:r>
-            <a:r>
-              <a:rPr lang="ru-RU" dirty="0" smtClean="0"/>
-              <a:t>игра в </a:t>
-            </a:r>
-            <a:r>
-              <a:rPr lang="ru-RU" dirty="0" smtClean="0"/>
-              <a:t>ж</a:t>
-            </a:r>
-            <a:r>
-              <a:rPr lang="ru-RU" dirty="0" smtClean="0"/>
-              <a:t>анре </a:t>
+              <a:t>Компьютерная игра в жанре </a:t>
             </a:r>
             <a:r>
               <a:rPr lang="en-US" dirty="0" err="1" smtClean="0"/>
@@ -21101,7 +21167,6 @@
               <a:rPr lang="ru-RU" dirty="0" smtClean="0"/>
               <a:t>.</a:t>
             </a:r>
-            <a:endParaRPr lang="ru-RU" dirty="0" smtClean="0"/>
           </a:p>
           <a:p>
             <a:pPr marL="0" indent="0">
@@ -21109,34 +21174,14 @@
             </a:pPr>
             <a:r>
               <a:rPr lang="ru-RU" dirty="0" smtClean="0"/>
-              <a:t>Правила</a:t>
-            </a:r>
+              <a:t>Правила:</a:t>
+            </a:r>
+          </a:p>
+          <a:p>
+            <a:pPr lvl="1"/>
             <a:r>
               <a:rPr lang="ru-RU" dirty="0" smtClean="0"/>
-              <a:t>:</a:t>
-            </a:r>
-          </a:p>
-          <a:p>
-            <a:pPr lvl="1"/>
-            <a:r>
-              <a:rPr lang="ru-RU" dirty="0" smtClean="0"/>
-              <a:t>Два персонажа двигаются по арене и стреляют друг в друга. </a:t>
-            </a:r>
-            <a:r>
-              <a:rPr lang="ru-RU" dirty="0" smtClean="0"/>
-              <a:t>У </a:t>
-            </a:r>
-            <a:r>
-              <a:rPr lang="ru-RU" dirty="0" smtClean="0"/>
-              <a:t>каждого </a:t>
-            </a:r>
-            <a:r>
-              <a:rPr lang="ru-RU" dirty="0" smtClean="0"/>
-              <a:t>персонажа </a:t>
-            </a:r>
-            <a:r>
-              <a:rPr lang="ru-RU" dirty="0" smtClean="0"/>
-              <a:t>100 очков здоровья (</a:t>
+              <a:t>Два персонажа двигаются по арене и стреляют друг в друга. У каждого персонажа 100 очков здоровья (</a:t>
             </a:r>
             <a:r>
               <a:rPr lang="en-US" dirty="0" smtClean="0"/>
@@ -21144,15 +21189,7 @@
             </a:r>
             <a:r>
               <a:rPr lang="ru-RU" dirty="0" smtClean="0"/>
-              <a:t>). </a:t>
-            </a:r>
-            <a:r>
-              <a:rPr lang="ru-RU" dirty="0" smtClean="0"/>
-              <a:t>Попадания </a:t>
-            </a:r>
-            <a:r>
-              <a:rPr lang="ru-RU" dirty="0" smtClean="0"/>
-              <a:t>уменьшают очки здоровья на 10. Если очков здоровья </a:t>
+              <a:t>). Попадания уменьшают очки здоровья на 10. Если очков здоровья </a:t>
             </a:r>
             <a:r>
               <a:rPr lang="en-US" dirty="0" smtClean="0"/>
@@ -21160,15 +21197,7 @@
             </a:r>
             <a:r>
               <a:rPr lang="ru-RU" dirty="0" smtClean="0"/>
-              <a:t>, </a:t>
-            </a:r>
-            <a:r>
-              <a:rPr lang="ru-RU" dirty="0" smtClean="0"/>
-              <a:t>игрок </a:t>
-            </a:r>
-            <a:r>
-              <a:rPr lang="ru-RU" dirty="0" smtClean="0"/>
-              <a:t>считается проигравшим.</a:t>
+              <a:t>, игрок считается проигравшим.</a:t>
             </a:r>
           </a:p>
           <a:p>
@@ -21178,15 +21207,7 @@
             </a:pPr>
             <a:r>
               <a:rPr lang="ru-RU" dirty="0" smtClean="0"/>
-              <a:t>За стенами не видно противника</a:t>
-            </a:r>
-            <a:r>
-              <a:rPr lang="ru-RU" dirty="0" smtClean="0"/>
-              <a:t>. Укрытия </a:t>
-            </a:r>
-            <a:r>
-              <a:rPr lang="ru-RU" dirty="0" smtClean="0"/>
-              <a:t>блокируют половину выстрелов, если стрелок не стоит близко к нему.</a:t>
+              <a:t>За стенами не видно противника. Укрытия блокируют половину выстрелов, если стрелок не стоит близко к нему.</a:t>
             </a:r>
           </a:p>
           <a:p>
@@ -21196,11 +21217,7 @@
             </a:pPr>
             <a:r>
               <a:rPr lang="ru-RU" dirty="0" smtClean="0"/>
-              <a:t>В углах расположены аптечки, восстанавливающие очки здоровья</a:t>
-            </a:r>
-            <a:r>
-              <a:rPr lang="ru-RU" dirty="0" smtClean="0"/>
-              <a:t>.</a:t>
+              <a:t>В углах расположены аптечки, восстанавливающие очки здоровья.</a:t>
             </a:r>
           </a:p>
           <a:p>
@@ -21209,16 +21226,11 @@
             </a:pPr>
             <a:r>
               <a:rPr lang="ru-RU" dirty="0" smtClean="0"/>
-              <a:t>Задача – разработка бота для игры.</a:t>
-            </a:r>
-          </a:p>
-          <a:p>
-            <a:pPr marL="0" indent="0">
-              <a:buNone/>
-            </a:pPr>
+              <a:t>Принятие </a:t>
+            </a:r>
             <a:r>
               <a:rPr lang="ru-RU" dirty="0" smtClean="0"/>
-              <a:t>Принятие решения – выбор стратегии, которая даст наибольшее игровое преимущество (поиск, атака, защита, отступление).</a:t>
+              <a:t>решения – выбор стратегии, которая даст наибольшее игровое преимущество (поиск, атака, защита, отступление).</a:t>
             </a:r>
           </a:p>
           <a:p>
@@ -21725,7 +21737,7 @@
           <a:graphicData uri="http://schemas.openxmlformats.org/presentationml/2006/ole">
             <mc:AlternateContent xmlns:mc="http://schemas.openxmlformats.org/markup-compatibility/2006">
               <mc:Choice xmlns:v="urn:schemas-microsoft-com:vml" Requires="v">
-                <p:oleObj spid="_x0000_s2136" name="Visio" r:id="rId3" imgW="7296021" imgH="4410180" progId="Visio.Drawing.15">
+                <p:oleObj spid="_x0000_s2145" name="Visio" r:id="rId3" imgW="7296021" imgH="4410180" progId="Visio.Drawing.15">
                   <p:embed/>
                 </p:oleObj>
               </mc:Choice>
@@ -21870,8 +21882,13 @@
           <a:p>
             <a:r>
               <a:rPr lang="ru-RU" dirty="0" smtClean="0"/>
-              <a:t>ветвь – состояние.</a:t>
-            </a:r>
+              <a:t>ветвь – </a:t>
+            </a:r>
+            <a:r>
+              <a:rPr lang="ru-RU" dirty="0" smtClean="0"/>
+              <a:t>стратегия.</a:t>
+            </a:r>
+            <a:endParaRPr lang="ru-RU" dirty="0" smtClean="0"/>
           </a:p>
           <a:p>
             <a:pPr marL="0" indent="0">
@@ -22148,7 +22165,6 @@
               <a:rPr lang="ru-RU" sz="3200" dirty="0" smtClean="0"/>
               <a:t>Преимущества:</a:t>
             </a:r>
-            <a:endParaRPr lang="ru-RU" sz="3200" dirty="0" smtClean="0"/>
           </a:p>
           <a:p>
             <a:pPr lvl="1">
@@ -22165,15 +22181,7 @@
             </a:r>
             <a:r>
               <a:rPr lang="ru-RU" sz="2800" dirty="0" smtClean="0"/>
-              <a:t> узлы в </a:t>
-            </a:r>
-            <a:r>
-              <a:rPr lang="ru-RU" sz="2800" dirty="0" smtClean="0"/>
-              <a:t>разных ветвях одного дерева, в разных деревьях и в разных </a:t>
-            </a:r>
-            <a:r>
-              <a:rPr lang="ru-RU" sz="2800" dirty="0" smtClean="0"/>
-              <a:t>проектах.</a:t>
+              <a:t> узлы в разных ветвях одного дерева, в разных деревьях и в разных проектах.</a:t>
             </a:r>
           </a:p>
           <a:p>
@@ -22185,7 +22193,6 @@
               <a:rPr lang="ru-RU" sz="2800" dirty="0" smtClean="0"/>
               <a:t>Декомпозиция стратегий на отдельные компоненты: добавление новых компонентов и стратегий не требует изменения уже реализованного поведения.</a:t>
             </a:r>
-            <a:endParaRPr lang="ru-RU" sz="2800" dirty="0" smtClean="0"/>
           </a:p>
           <a:p>
             <a:pPr marL="0" indent="0">
@@ -22195,7 +22202,6 @@
               <a:rPr lang="ru-RU" sz="3200" dirty="0" smtClean="0"/>
               <a:t>Недостатки:</a:t>
             </a:r>
-            <a:endParaRPr lang="ru-RU" sz="3200" dirty="0" smtClean="0"/>
           </a:p>
           <a:p>
             <a:pPr lvl="1">
@@ -22204,11 +22210,7 @@
             </a:pPr>
             <a:r>
               <a:rPr lang="ru-RU" sz="2800" dirty="0" smtClean="0"/>
-              <a:t>Быстродействие</a:t>
-            </a:r>
-            <a:r>
-              <a:rPr lang="ru-RU" sz="2800" dirty="0" smtClean="0"/>
-              <a:t>: </a:t>
+              <a:t>Быстродействие: </a:t>
             </a:r>
             <a:r>
               <a:rPr lang="en-US" sz="2800" dirty="0" smtClean="0"/>
@@ -22454,11 +22456,7 @@
             </a:r>
             <a:r>
               <a:rPr lang="ru-RU" sz="3100" dirty="0" smtClean="0"/>
-              <a:t>идимость </a:t>
-            </a:r>
-            <a:r>
-              <a:rPr lang="ru-RU" sz="3100" dirty="0" smtClean="0"/>
-              <a:t>противника = </a:t>
+              <a:t>идимость противника = </a:t>
             </a:r>
             <a:r>
               <a:rPr lang="en-US" sz="3100" dirty="0" smtClean="0"/>
@@ -22763,23 +22761,14 @@
             </a:pPr>
             <a:r>
               <a:rPr lang="ru-RU" sz="3200" dirty="0" smtClean="0"/>
-              <a:t>Выходные </a:t>
-            </a:r>
-            <a:r>
-              <a:rPr lang="ru-RU" sz="3200" dirty="0" smtClean="0"/>
-              <a:t>переменные:</a:t>
-            </a:r>
-            <a:endParaRPr lang="ru-RU" sz="3200" dirty="0" smtClean="0"/>
+              <a:t>Выходные переменные:</a:t>
+            </a:r>
           </a:p>
           <a:p>
             <a:pPr lvl="1"/>
             <a:r>
               <a:rPr lang="ru-RU" sz="2800" dirty="0" smtClean="0"/>
-              <a:t>дистанция </a:t>
-            </a:r>
-            <a:r>
-              <a:rPr lang="ru-RU" sz="2800" dirty="0" smtClean="0"/>
-              <a:t>до противника = </a:t>
+              <a:t>дистанция до противника = </a:t>
             </a:r>
             <a:r>
               <a:rPr lang="en-US" sz="2800" dirty="0" smtClean="0"/>
@@ -22797,7 +22786,6 @@
               <a:rPr lang="ru-RU" sz="2800" dirty="0" smtClean="0"/>
               <a:t>;</a:t>
             </a:r>
-            <a:endParaRPr lang="ru-RU" sz="2800" dirty="0" smtClean="0"/>
           </a:p>
           <a:p>
             <a:pPr lvl="1"/>
@@ -22807,11 +22795,7 @@
             </a:r>
             <a:r>
               <a:rPr lang="ru-RU" sz="2800" dirty="0" smtClean="0"/>
-              <a:t>адиус </a:t>
-            </a:r>
-            <a:r>
-              <a:rPr lang="ru-RU" sz="2800" dirty="0" smtClean="0"/>
-              <a:t>поиска точки для движения = </a:t>
+              <a:t>адиус поиска точки для движения = </a:t>
             </a:r>
             <a:r>
               <a:rPr lang="en-US" sz="2800" dirty="0" smtClean="0"/>
@@ -22829,7 +22813,6 @@
               <a:rPr lang="ru-RU" sz="2800" dirty="0" smtClean="0"/>
               <a:t>;</a:t>
             </a:r>
-            <a:endParaRPr lang="ru-RU" sz="2800" dirty="0" smtClean="0"/>
           </a:p>
           <a:p>
             <a:pPr lvl="1">
@@ -22838,11 +22821,7 @@
             </a:pPr>
             <a:r>
               <a:rPr lang="ru-RU" sz="2800" dirty="0" smtClean="0"/>
-              <a:t>вес </a:t>
-            </a:r>
-            <a:r>
-              <a:rPr lang="ru-RU" sz="2800" dirty="0" smtClean="0"/>
-              <a:t>дистанции до противника = </a:t>
+              <a:t>вес дистанции до противника = </a:t>
             </a:r>
             <a:r>
               <a:rPr lang="en-US" sz="2800" dirty="0" smtClean="0"/>
@@ -22860,7 +22839,6 @@
               <a:rPr lang="ru-RU" sz="2800" dirty="0" smtClean="0"/>
               <a:t>;</a:t>
             </a:r>
-            <a:endParaRPr lang="ru-RU" sz="2800" dirty="0" smtClean="0"/>
           </a:p>
           <a:p>
             <a:pPr lvl="1"/>
@@ -22870,11 +22848,7 @@
             </a:r>
             <a:r>
               <a:rPr lang="ru-RU" sz="2800" dirty="0" smtClean="0"/>
-              <a:t>ес </a:t>
-            </a:r>
-            <a:r>
-              <a:rPr lang="ru-RU" sz="2800" dirty="0" smtClean="0"/>
-              <a:t>точек в укрытии = </a:t>
+              <a:t>ес точек в укрытии = </a:t>
             </a:r>
             <a:r>
               <a:rPr lang="en-US" sz="2800" dirty="0" smtClean="0"/>
@@ -22892,7 +22866,6 @@
               <a:rPr lang="ru-RU" sz="2800" dirty="0" smtClean="0"/>
               <a:t>;</a:t>
             </a:r>
-            <a:endParaRPr lang="ru-RU" sz="2800" dirty="0" smtClean="0"/>
           </a:p>
           <a:p>
             <a:pPr lvl="1"/>
@@ -22902,11 +22875,7 @@
             </a:r>
             <a:r>
               <a:rPr lang="ru-RU" sz="2800" dirty="0" smtClean="0"/>
-              <a:t>ес </a:t>
-            </a:r>
-            <a:r>
-              <a:rPr lang="ru-RU" sz="2800" dirty="0" smtClean="0"/>
-              <a:t>точек за укрытием = </a:t>
+              <a:t>ес точек за укрытием = </a:t>
             </a:r>
             <a:r>
               <a:rPr lang="en-US" sz="2800" dirty="0" smtClean="0"/>
@@ -22924,7 +22893,6 @@
               <a:rPr lang="ru-RU" sz="2800" dirty="0" smtClean="0"/>
               <a:t>;</a:t>
             </a:r>
-            <a:endParaRPr lang="ru-RU" sz="2800" dirty="0" smtClean="0"/>
           </a:p>
           <a:p>
             <a:pPr lvl="1"/>
@@ -22934,11 +22902,7 @@
             </a:r>
             <a:r>
               <a:rPr lang="ru-RU" sz="2800" dirty="0" smtClean="0"/>
-              <a:t>ес </a:t>
-            </a:r>
-            <a:r>
-              <a:rPr lang="ru-RU" sz="2800" dirty="0" smtClean="0"/>
-              <a:t>точек за стенами = </a:t>
+              <a:t>ес точек за стенами = </a:t>
             </a:r>
             <a:r>
               <a:rPr lang="en-US" sz="2800" dirty="0" smtClean="0"/>
@@ -22956,7 +22920,6 @@
               <a:rPr lang="ru-RU" sz="2800" dirty="0" smtClean="0"/>
               <a:t>;</a:t>
             </a:r>
-            <a:endParaRPr lang="ru-RU" sz="2800" dirty="0" smtClean="0"/>
           </a:p>
           <a:p>
             <a:pPr lvl="1"/>
@@ -22966,11 +22929,7 @@
             </a:r>
             <a:r>
               <a:rPr lang="ru-RU" sz="2800" dirty="0" smtClean="0"/>
-              <a:t>ес </a:t>
-            </a:r>
-            <a:r>
-              <a:rPr lang="ru-RU" sz="2800" dirty="0" smtClean="0"/>
-              <a:t>точек, содержащих аптечки = </a:t>
+              <a:t>ес точек, содержащих аптечки = </a:t>
             </a:r>
             <a:r>
               <a:rPr lang="en-US" sz="2800" dirty="0" smtClean="0"/>
@@ -22988,7 +22947,6 @@
               <a:rPr lang="ru-RU" sz="2800" dirty="0" smtClean="0"/>
               <a:t>;</a:t>
             </a:r>
-            <a:endParaRPr lang="ru-RU" sz="2800" dirty="0" smtClean="0"/>
           </a:p>
           <a:p>
             <a:pPr lvl="1"/>
@@ -22998,11 +22956,7 @@
             </a:r>
             <a:r>
               <a:rPr lang="ru-RU" sz="2800" dirty="0" smtClean="0"/>
-              <a:t>ес </a:t>
-            </a:r>
-            <a:r>
-              <a:rPr lang="ru-RU" sz="2800" dirty="0" smtClean="0"/>
-              <a:t>точек с прямой видимостью = </a:t>
+              <a:t>ес точек с прямой видимостью = </a:t>
             </a:r>
             <a:r>
               <a:rPr lang="en-US" sz="2800" dirty="0" smtClean="0"/>
@@ -23020,7 +22974,6 @@
               <a:rPr lang="ru-RU" sz="2800" dirty="0" smtClean="0"/>
               <a:t>.</a:t>
             </a:r>
-            <a:endParaRPr lang="ru-RU" sz="2800" dirty="0" smtClean="0"/>
           </a:p>
           <a:p>
             <a:pPr lvl="1">

--- a/Презентация.pptx
+++ b/Презентация.pptx
@@ -15041,6 +15041,13 @@
   <p:clrMapOvr>
     <a:masterClrMapping/>
   </p:clrMapOvr>
+  <p:timing>
+    <p:tnLst>
+      <p:par>
+        <p:cTn id="1" dur="indefinite" restart="never" nodeType="tmRoot"/>
+      </p:par>
+    </p:tnLst>
+  </p:timing>
 </p:sld>
 </file>
 
@@ -15405,6 +15412,13 @@
   <p:clrMapOvr>
     <a:masterClrMapping/>
   </p:clrMapOvr>
+  <p:timing>
+    <p:tnLst>
+      <p:par>
+        <p:cTn id="1" dur="indefinite" restart="never" nodeType="tmRoot"/>
+      </p:par>
+    </p:tnLst>
+  </p:timing>
 </p:sld>
 </file>
 
@@ -15759,6 +15773,13 @@
   <p:clrMapOvr>
     <a:masterClrMapping/>
   </p:clrMapOvr>
+  <p:timing>
+    <p:tnLst>
+      <p:par>
+        <p:cTn id="1" dur="indefinite" restart="never" nodeType="tmRoot"/>
+      </p:par>
+    </p:tnLst>
+  </p:timing>
 </p:sld>
 </file>
 
@@ -16371,6 +16392,13 @@
   <p:clrMapOvr>
     <a:masterClrMapping/>
   </p:clrMapOvr>
+  <p:timing>
+    <p:tnLst>
+      <p:par>
+        <p:cTn id="1" dur="indefinite" restart="never" nodeType="tmRoot"/>
+      </p:par>
+    </p:tnLst>
+  </p:timing>
 </p:sld>
 </file>
 
@@ -16530,6 +16558,13 @@
   <p:clrMapOvr>
     <a:masterClrMapping/>
   </p:clrMapOvr>
+  <p:timing>
+    <p:tnLst>
+      <p:par>
+        <p:cTn id="1" dur="indefinite" restart="never" nodeType="tmRoot"/>
+      </p:par>
+    </p:tnLst>
+  </p:timing>
 </p:sld>
 </file>
 
@@ -16620,15 +16655,19 @@
             </a:pPr>
             <a:r>
               <a:rPr lang="ru-RU" dirty="0" smtClean="0"/>
-              <a:t>Аппроксимация функции принятия решений по нескольким </a:t>
-            </a:r>
-            <a:r>
-              <a:rPr lang="ru-RU" dirty="0" err="1" smtClean="0"/>
-              <a:t>известнрым</a:t>
+              <a:t>Аппроксимация неизвестной </a:t>
             </a:r>
             <a:r>
               <a:rPr lang="ru-RU" dirty="0" smtClean="0"/>
-              <a:t> решениям.</a:t>
+              <a:t>функции принятия решений по нескольким </a:t>
+            </a:r>
+            <a:r>
+              <a:rPr lang="ru-RU" dirty="0" smtClean="0"/>
+              <a:t>известным </a:t>
+            </a:r>
+            <a:r>
+              <a:rPr lang="ru-RU" dirty="0" smtClean="0"/>
+              <a:t>решениям.</a:t>
             </a:r>
           </a:p>
           <a:p>
@@ -16750,6 +16789,13 @@
   <p:clrMapOvr>
     <a:masterClrMapping/>
   </p:clrMapOvr>
+  <p:timing>
+    <p:tnLst>
+      <p:par>
+        <p:cTn id="1" dur="indefinite" restart="never" nodeType="tmRoot"/>
+      </p:par>
+    </p:tnLst>
+  </p:timing>
 </p:sld>
 </file>
 
@@ -17051,7 +17097,7 @@
           <a:graphicData uri="http://schemas.openxmlformats.org/presentationml/2006/ole">
             <mc:AlternateContent xmlns:mc="http://schemas.openxmlformats.org/markup-compatibility/2006">
               <mc:Choice xmlns:v="urn:schemas-microsoft-com:vml" Requires="v">
-                <p:oleObj spid="_x0000_s12300" name="Документ" r:id="rId4" imgW="6152400" imgH="1665360" progId="Word.OpenDocumentText.12">
+                <p:oleObj spid="_x0000_s12301" name="Документ" r:id="rId4" imgW="6152400" imgH="1665360" progId="Word.OpenDocumentText.12">
                   <p:embed/>
                 </p:oleObj>
               </mc:Choice>
@@ -17100,6 +17146,13 @@
   <p:clrMapOvr>
     <a:masterClrMapping/>
   </p:clrMapOvr>
+  <p:timing>
+    <p:tnLst>
+      <p:par>
+        <p:cTn id="1" dur="indefinite" restart="never" nodeType="tmRoot"/>
+      </p:par>
+    </p:tnLst>
+  </p:timing>
 </p:sld>
 </file>
 
@@ -18650,7 +18703,7 @@
           <a:graphicData uri="http://schemas.openxmlformats.org/presentationml/2006/ole">
             <mc:AlternateContent xmlns:mc="http://schemas.openxmlformats.org/markup-compatibility/2006">
               <mc:Choice xmlns:v="urn:schemas-microsoft-com:vml" Requires="v">
-                <p:oleObj spid="_x0000_s7228" name="Visio" r:id="rId4" imgW="3190810" imgH="1952640" progId="Visio.Drawing.15">
+                <p:oleObj spid="_x0000_s7229" name="Visio" r:id="rId4" imgW="3190810" imgH="1952640" progId="Visio.Drawing.15">
                   <p:embed/>
                 </p:oleObj>
               </mc:Choice>
@@ -19346,7 +19399,7 @@
           <a:graphicData uri="http://schemas.openxmlformats.org/presentationml/2006/ole">
             <mc:AlternateContent xmlns:mc="http://schemas.openxmlformats.org/markup-compatibility/2006">
               <mc:Choice xmlns:v="urn:schemas-microsoft-com:vml" Requires="v">
-                <p:oleObj spid="_x0000_s8252" name="Visio" r:id="rId3" imgW="5133877" imgH="3171960" progId="Visio.Drawing.15">
+                <p:oleObj spid="_x0000_s8253" name="Visio" r:id="rId3" imgW="5133877" imgH="3171960" progId="Visio.Drawing.15">
                   <p:embed/>
                 </p:oleObj>
               </mc:Choice>
@@ -19716,7 +19769,7 @@
           <a:graphicData uri="http://schemas.openxmlformats.org/presentationml/2006/ole">
             <mc:AlternateContent xmlns:mc="http://schemas.openxmlformats.org/markup-compatibility/2006">
               <mc:Choice xmlns:v="urn:schemas-microsoft-com:vml" Requires="v">
-                <p:oleObj spid="_x0000_s11353" name="Visio" r:id="rId3" imgW="6562610" imgH="3791070" progId="Visio.Drawing.15">
+                <p:oleObj spid="_x0000_s11355" name="Visio" r:id="rId3" imgW="6562610" imgH="3791070" progId="Visio.Drawing.15">
                   <p:embed/>
                 </p:oleObj>
               </mc:Choice>
@@ -19836,7 +19889,7 @@
           <a:graphicData uri="http://schemas.openxmlformats.org/presentationml/2006/ole">
             <mc:AlternateContent xmlns:mc="http://schemas.openxmlformats.org/markup-compatibility/2006">
               <mc:Choice xmlns:v="urn:schemas-microsoft-com:vml" Requires="v">
-                <p:oleObj spid="_x0000_s11354" name="Visio" r:id="rId5" imgW="4695721" imgH="1276290" progId="Visio.Drawing.15">
+                <p:oleObj spid="_x0000_s11356" name="Visio" r:id="rId5" imgW="4695721" imgH="1276290" progId="Visio.Drawing.15">
                   <p:embed/>
                 </p:oleObj>
               </mc:Choice>
@@ -20314,7 +20367,7 @@
           <a:graphicData uri="http://schemas.openxmlformats.org/presentationml/2006/ole">
             <mc:AlternateContent xmlns:mc="http://schemas.openxmlformats.org/markup-compatibility/2006">
               <mc:Choice xmlns:v="urn:schemas-microsoft-com:vml" Requires="v">
-                <p:oleObj spid="_x0000_s10285" name="Visio" r:id="rId3" imgW="3838589" imgH="2019330" progId="Visio.Drawing.15">
+                <p:oleObj spid="_x0000_s10286" name="Visio" r:id="rId3" imgW="3838589" imgH="2019330" progId="Visio.Drawing.15">
                   <p:embed/>
                 </p:oleObj>
               </mc:Choice>
@@ -21737,7 +21790,7 @@
           <a:graphicData uri="http://schemas.openxmlformats.org/presentationml/2006/ole">
             <mc:AlternateContent xmlns:mc="http://schemas.openxmlformats.org/markup-compatibility/2006">
               <mc:Choice xmlns:v="urn:schemas-microsoft-com:vml" Requires="v">
-                <p:oleObj spid="_x0000_s2145" name="Visio" r:id="rId3" imgW="7296021" imgH="4410180" progId="Visio.Drawing.15">
+                <p:oleObj spid="_x0000_s2146" name="Visio" r:id="rId3" imgW="7296021" imgH="4410180" progId="Visio.Drawing.15">
                   <p:embed/>
                 </p:oleObj>
               </mc:Choice>
@@ -21792,6 +21845,13 @@
   <p:clrMapOvr>
     <a:masterClrMapping/>
   </p:clrMapOvr>
+  <p:timing>
+    <p:tnLst>
+      <p:par>
+        <p:cTn id="1" dur="indefinite" restart="never" nodeType="tmRoot"/>
+      </p:par>
+    </p:tnLst>
+  </p:timing>
 </p:sld>
 </file>
 
@@ -22088,6 +22148,13 @@
   <p:clrMapOvr>
     <a:masterClrMapping/>
   </p:clrMapOvr>
+  <p:timing>
+    <p:tnLst>
+      <p:par>
+        <p:cTn id="1" dur="indefinite" restart="never" nodeType="tmRoot"/>
+      </p:par>
+    </p:tnLst>
+  </p:timing>
 </p:sld>
 </file>
 
@@ -22289,6 +22356,13 @@
   <p:clrMapOvr>
     <a:masterClrMapping/>
   </p:clrMapOvr>
+  <p:timing>
+    <p:tnLst>
+      <p:par>
+        <p:cTn id="1" dur="indefinite" restart="never" nodeType="tmRoot"/>
+      </p:par>
+    </p:tnLst>
+  </p:timing>
 </p:sld>
 </file>
 
@@ -22684,6 +22758,13 @@
   <p:clrMapOvr>
     <a:masterClrMapping/>
   </p:clrMapOvr>
+  <p:timing>
+    <p:tnLst>
+      <p:par>
+        <p:cTn id="1" dur="indefinite" restart="never" nodeType="tmRoot"/>
+      </p:par>
+    </p:tnLst>
+  </p:timing>
 </p:sld>
 </file>
 
@@ -23048,6 +23129,13 @@
   <p:clrMapOvr>
     <a:masterClrMapping/>
   </p:clrMapOvr>
+  <p:timing>
+    <p:tnLst>
+      <p:par>
+        <p:cTn id="1" dur="indefinite" restart="never" nodeType="tmRoot"/>
+      </p:par>
+    </p:tnLst>
+  </p:timing>
 </p:sld>
 </file>
 

--- a/Презентация.pptx
+++ b/Презентация.pptx
@@ -394,11 +394,11 @@
           <c:showBubbleSize val="0"/>
         </c:dLbls>
         <c:smooth val="0"/>
-        <c:axId val="185895136"/>
-        <c:axId val="185895696"/>
+        <c:axId val="188319648"/>
+        <c:axId val="188320208"/>
       </c:lineChart>
       <c:catAx>
-        <c:axId val="185895136"/>
+        <c:axId val="188319648"/>
         <c:scaling>
           <c:orientation val="minMax"/>
         </c:scaling>
@@ -497,7 +497,7 @@
             <a:endParaRPr lang="ru-RU"/>
           </a:p>
         </c:txPr>
-        <c:crossAx val="185895696"/>
+        <c:crossAx val="188320208"/>
         <c:crosses val="autoZero"/>
         <c:auto val="1"/>
         <c:lblAlgn val="ctr"/>
@@ -505,7 +505,7 @@
         <c:noMultiLvlLbl val="0"/>
       </c:catAx>
       <c:valAx>
-        <c:axId val="185895696"/>
+        <c:axId val="188320208"/>
         <c:scaling>
           <c:orientation val="minMax"/>
         </c:scaling>
@@ -612,7 +612,7 @@
             <a:endParaRPr lang="ru-RU"/>
           </a:p>
         </c:txPr>
-        <c:crossAx val="185895136"/>
+        <c:crossAx val="188319648"/>
         <c:crosses val="autoZero"/>
         <c:crossBetween val="between"/>
       </c:valAx>
@@ -1355,11 +1355,11 @@
         </c:dLbls>
         <c:gapWidth val="219"/>
         <c:overlap val="-27"/>
-        <c:axId val="186008064"/>
-        <c:axId val="186008624"/>
+        <c:axId val="188323568"/>
+        <c:axId val="188324128"/>
       </c:barChart>
       <c:catAx>
-        <c:axId val="186008064"/>
+        <c:axId val="188323568"/>
         <c:scaling>
           <c:orientation val="minMax"/>
         </c:scaling>
@@ -1402,7 +1402,7 @@
             <a:endParaRPr lang="ru-RU"/>
           </a:p>
         </c:txPr>
-        <c:crossAx val="186008624"/>
+        <c:crossAx val="188324128"/>
         <c:crosses val="autoZero"/>
         <c:auto val="1"/>
         <c:lblAlgn val="ctr"/>
@@ -1410,7 +1410,7 @@
         <c:noMultiLvlLbl val="0"/>
       </c:catAx>
       <c:valAx>
-        <c:axId val="186008624"/>
+        <c:axId val="188324128"/>
         <c:scaling>
           <c:orientation val="minMax"/>
         </c:scaling>
@@ -1521,7 +1521,7 @@
             <a:endParaRPr lang="ru-RU"/>
           </a:p>
         </c:txPr>
-        <c:crossAx val="186008064"/>
+        <c:crossAx val="188323568"/>
         <c:crosses val="autoZero"/>
         <c:crossBetween val="between"/>
       </c:valAx>
@@ -1852,11 +1852,11 @@
         </c:dLbls>
         <c:gapWidth val="219"/>
         <c:overlap val="-27"/>
-        <c:axId val="186011424"/>
-        <c:axId val="186433728"/>
+        <c:axId val="188758640"/>
+        <c:axId val="188759200"/>
       </c:barChart>
       <c:catAx>
-        <c:axId val="186011424"/>
+        <c:axId val="188758640"/>
         <c:scaling>
           <c:orientation val="minMax"/>
         </c:scaling>
@@ -1899,7 +1899,7 @@
             <a:endParaRPr lang="ru-RU"/>
           </a:p>
         </c:txPr>
-        <c:crossAx val="186433728"/>
+        <c:crossAx val="188759200"/>
         <c:crosses val="autoZero"/>
         <c:auto val="1"/>
         <c:lblAlgn val="ctr"/>
@@ -1907,7 +1907,7 @@
         <c:noMultiLvlLbl val="0"/>
       </c:catAx>
       <c:valAx>
-        <c:axId val="186433728"/>
+        <c:axId val="188759200"/>
         <c:scaling>
           <c:orientation val="minMax"/>
         </c:scaling>
@@ -2014,7 +2014,7 @@
             <a:endParaRPr lang="ru-RU"/>
           </a:p>
         </c:txPr>
-        <c:crossAx val="186011424"/>
+        <c:crossAx val="188758640"/>
         <c:crosses val="autoZero"/>
         <c:crossBetween val="between"/>
       </c:valAx>
@@ -2088,11 +2088,27 @@
             </a:pPr>
             <a:r>
               <a:rPr lang="ru-RU" sz="1800" dirty="0" smtClean="0"/>
-              <a:t>Нанесенный</a:t>
+              <a:t>Средние</a:t>
             </a:r>
             <a:r>
               <a:rPr lang="ru-RU" sz="1800" baseline="0" dirty="0" smtClean="0"/>
-              <a:t> и полученный урон</a:t>
+              <a:t> значения н</a:t>
+            </a:r>
+            <a:r>
+              <a:rPr lang="ru-RU" sz="1800" dirty="0" smtClean="0"/>
+              <a:t>анесенного</a:t>
+            </a:r>
+            <a:r>
+              <a:rPr lang="ru-RU" sz="1800" baseline="0" dirty="0" smtClean="0"/>
+              <a:t> </a:t>
+            </a:r>
+            <a:r>
+              <a:rPr lang="ru-RU" sz="1800" baseline="0" dirty="0" smtClean="0"/>
+              <a:t>и </a:t>
+            </a:r>
+            <a:r>
+              <a:rPr lang="ru-RU" sz="1800" baseline="0" dirty="0" smtClean="0"/>
+              <a:t>полученного урона</a:t>
             </a:r>
             <a:endParaRPr lang="ru-RU" sz="1800" dirty="0"/>
           </a:p>
@@ -2526,11 +2542,11 @@
         </c:dLbls>
         <c:gapWidth val="219"/>
         <c:overlap val="-27"/>
-        <c:axId val="186436528"/>
-        <c:axId val="186437088"/>
+        <c:axId val="182309552"/>
+        <c:axId val="182311232"/>
       </c:barChart>
       <c:catAx>
-        <c:axId val="186436528"/>
+        <c:axId val="182309552"/>
         <c:scaling>
           <c:orientation val="minMax"/>
         </c:scaling>
@@ -2573,7 +2589,7 @@
             <a:endParaRPr lang="ru-RU"/>
           </a:p>
         </c:txPr>
-        <c:crossAx val="186437088"/>
+        <c:crossAx val="182311232"/>
         <c:crosses val="autoZero"/>
         <c:auto val="1"/>
         <c:lblAlgn val="ctr"/>
@@ -2581,7 +2597,7 @@
         <c:noMultiLvlLbl val="0"/>
       </c:catAx>
       <c:valAx>
-        <c:axId val="186437088"/>
+        <c:axId val="182311232"/>
         <c:scaling>
           <c:orientation val="minMax"/>
         </c:scaling>
@@ -2697,7 +2713,7 @@
             <a:endParaRPr lang="ru-RU"/>
           </a:p>
         </c:txPr>
-        <c:crossAx val="186436528"/>
+        <c:crossAx val="182309552"/>
         <c:crosses val="autoZero"/>
         <c:crossBetween val="between"/>
       </c:valAx>
@@ -3054,11 +3070,11 @@
         </c:dLbls>
         <c:gapWidth val="219"/>
         <c:overlap val="-27"/>
-        <c:axId val="186957760"/>
-        <c:axId val="186958320"/>
+        <c:axId val="187876736"/>
+        <c:axId val="187877296"/>
       </c:barChart>
       <c:catAx>
-        <c:axId val="186957760"/>
+        <c:axId val="187876736"/>
         <c:scaling>
           <c:orientation val="minMax"/>
         </c:scaling>
@@ -3101,7 +3117,7 @@
             <a:endParaRPr lang="ru-RU"/>
           </a:p>
         </c:txPr>
-        <c:crossAx val="186958320"/>
+        <c:crossAx val="187877296"/>
         <c:crosses val="autoZero"/>
         <c:auto val="1"/>
         <c:lblAlgn val="ctr"/>
@@ -3109,7 +3125,7 @@
         <c:noMultiLvlLbl val="0"/>
       </c:catAx>
       <c:valAx>
-        <c:axId val="186958320"/>
+        <c:axId val="187877296"/>
         <c:scaling>
           <c:orientation val="minMax"/>
         </c:scaling>
@@ -3221,7 +3237,7 @@
             <a:endParaRPr lang="ru-RU"/>
           </a:p>
         </c:txPr>
-        <c:crossAx val="186957760"/>
+        <c:crossAx val="187876736"/>
         <c:crosses val="autoZero"/>
         <c:crossBetween val="between"/>
       </c:valAx>
@@ -6070,7 +6086,7 @@
           <a:p>
             <a:fld id="{AC251218-8D5F-4B44-930F-C0F788373CCB}" type="datetimeFigureOut">
               <a:rPr lang="ru-RU" smtClean="0"/>
-              <a:t>12.06.2017</a:t>
+              <a:t>13.06.2017</a:t>
             </a:fld>
             <a:endParaRPr lang="ru-RU"/>
           </a:p>
@@ -6981,7 +6997,7 @@
           <a:p>
             <a:fld id="{A4042B24-E289-4B03-B2D9-A46BE38FF6BB}" type="datetime1">
               <a:rPr lang="ru-RU" smtClean="0"/>
-              <a:t>12.06.2017</a:t>
+              <a:t>13.06.2017</a:t>
             </a:fld>
             <a:endParaRPr lang="ru-RU"/>
           </a:p>
@@ -7164,7 +7180,7 @@
           <a:p>
             <a:fld id="{81DDB41D-67F0-4914-9A46-989AFA64781D}" type="datetime1">
               <a:rPr lang="ru-RU" smtClean="0"/>
-              <a:t>12.06.2017</a:t>
+              <a:t>13.06.2017</a:t>
             </a:fld>
             <a:endParaRPr lang="ru-RU"/>
           </a:p>
@@ -7214,6 +7230,130 @@
               <a:t>‹#›</a:t>
             </a:fld>
             <a:endParaRPr lang="ru-RU" dirty="0"/>
+          </a:p>
+        </p:txBody>
+      </p:sp>
+      <p:sp>
+        <p:nvSpPr>
+          <p:cNvPr id="7" name="Номер слайда 5"/>
+          <p:cNvSpPr txBox="1">
+            <a:spLocks/>
+          </p:cNvSpPr>
+          <p:nvPr userDrawn="1"/>
+        </p:nvSpPr>
+        <p:spPr>
+          <a:xfrm>
+            <a:off x="10556421" y="6364514"/>
+            <a:ext cx="797379" cy="365125"/>
+          </a:xfrm>
+          <a:prstGeom prst="rect">
+            <a:avLst/>
+          </a:prstGeom>
+        </p:spPr>
+        <p:txBody>
+          <a:bodyPr vert="horz" lIns="91440" tIns="45720" rIns="91440" bIns="45720" rtlCol="0" anchor="ctr"/>
+          <a:lstStyle>
+            <a:defPPr>
+              <a:defRPr lang="ru-RU"/>
+            </a:defPPr>
+            <a:lvl1pPr marL="0" algn="r" defTabSz="914400" rtl="0" eaLnBrk="1" latinLnBrk="0" hangingPunct="1">
+              <a:defRPr sz="2000" kern="1200">
+                <a:solidFill>
+                  <a:schemeClr val="tx1">
+                    <a:tint val="75000"/>
+                  </a:schemeClr>
+                </a:solidFill>
+                <a:latin typeface="+mn-lt"/>
+                <a:ea typeface="+mn-ea"/>
+                <a:cs typeface="+mn-cs"/>
+              </a:defRPr>
+            </a:lvl1pPr>
+            <a:lvl2pPr marL="457200" algn="l" defTabSz="914400" rtl="0" eaLnBrk="1" latinLnBrk="0" hangingPunct="1">
+              <a:defRPr sz="1800" kern="1200">
+                <a:solidFill>
+                  <a:schemeClr val="tx1"/>
+                </a:solidFill>
+                <a:latin typeface="+mn-lt"/>
+                <a:ea typeface="+mn-ea"/>
+                <a:cs typeface="+mn-cs"/>
+              </a:defRPr>
+            </a:lvl2pPr>
+            <a:lvl3pPr marL="914400" algn="l" defTabSz="914400" rtl="0" eaLnBrk="1" latinLnBrk="0" hangingPunct="1">
+              <a:defRPr sz="1800" kern="1200">
+                <a:solidFill>
+                  <a:schemeClr val="tx1"/>
+                </a:solidFill>
+                <a:latin typeface="+mn-lt"/>
+                <a:ea typeface="+mn-ea"/>
+                <a:cs typeface="+mn-cs"/>
+              </a:defRPr>
+            </a:lvl3pPr>
+            <a:lvl4pPr marL="1371600" algn="l" defTabSz="914400" rtl="0" eaLnBrk="1" latinLnBrk="0" hangingPunct="1">
+              <a:defRPr sz="1800" kern="1200">
+                <a:solidFill>
+                  <a:schemeClr val="tx1"/>
+                </a:solidFill>
+                <a:latin typeface="+mn-lt"/>
+                <a:ea typeface="+mn-ea"/>
+                <a:cs typeface="+mn-cs"/>
+              </a:defRPr>
+            </a:lvl4pPr>
+            <a:lvl5pPr marL="1828800" algn="l" defTabSz="914400" rtl="0" eaLnBrk="1" latinLnBrk="0" hangingPunct="1">
+              <a:defRPr sz="1800" kern="1200">
+                <a:solidFill>
+                  <a:schemeClr val="tx1"/>
+                </a:solidFill>
+                <a:latin typeface="+mn-lt"/>
+                <a:ea typeface="+mn-ea"/>
+                <a:cs typeface="+mn-cs"/>
+              </a:defRPr>
+            </a:lvl5pPr>
+            <a:lvl6pPr marL="2286000" algn="l" defTabSz="914400" rtl="0" eaLnBrk="1" latinLnBrk="0" hangingPunct="1">
+              <a:defRPr sz="1800" kern="1200">
+                <a:solidFill>
+                  <a:schemeClr val="tx1"/>
+                </a:solidFill>
+                <a:latin typeface="+mn-lt"/>
+                <a:ea typeface="+mn-ea"/>
+                <a:cs typeface="+mn-cs"/>
+              </a:defRPr>
+            </a:lvl6pPr>
+            <a:lvl7pPr marL="2743200" algn="l" defTabSz="914400" rtl="0" eaLnBrk="1" latinLnBrk="0" hangingPunct="1">
+              <a:defRPr sz="1800" kern="1200">
+                <a:solidFill>
+                  <a:schemeClr val="tx1"/>
+                </a:solidFill>
+                <a:latin typeface="+mn-lt"/>
+                <a:ea typeface="+mn-ea"/>
+                <a:cs typeface="+mn-cs"/>
+              </a:defRPr>
+            </a:lvl7pPr>
+            <a:lvl8pPr marL="3200400" algn="l" defTabSz="914400" rtl="0" eaLnBrk="1" latinLnBrk="0" hangingPunct="1">
+              <a:defRPr sz="1800" kern="1200">
+                <a:solidFill>
+                  <a:schemeClr val="tx1"/>
+                </a:solidFill>
+                <a:latin typeface="+mn-lt"/>
+                <a:ea typeface="+mn-ea"/>
+                <a:cs typeface="+mn-cs"/>
+              </a:defRPr>
+            </a:lvl8pPr>
+            <a:lvl9pPr marL="3657600" algn="l" defTabSz="914400" rtl="0" eaLnBrk="1" latinLnBrk="0" hangingPunct="1">
+              <a:defRPr sz="1800" kern="1200">
+                <a:solidFill>
+                  <a:schemeClr val="tx1"/>
+                </a:solidFill>
+                <a:latin typeface="+mn-lt"/>
+                <a:ea typeface="+mn-ea"/>
+                <a:cs typeface="+mn-cs"/>
+              </a:defRPr>
+            </a:lvl9pPr>
+          </a:lstStyle>
+          <a:p>
+            <a:r>
+              <a:rPr lang="ru-RU" dirty="0" smtClean="0"/>
+              <a:t>из 20</a:t>
+            </a:r>
           </a:p>
         </p:txBody>
       </p:sp>
@@ -7357,7 +7497,7 @@
           <a:p>
             <a:fld id="{03730833-C397-4618-A2E9-B0F1E843D526}" type="datetime1">
               <a:rPr lang="ru-RU" smtClean="0"/>
-              <a:t>12.06.2017</a:t>
+              <a:t>13.06.2017</a:t>
             </a:fld>
             <a:endParaRPr lang="ru-RU"/>
           </a:p>
@@ -7407,6 +7547,130 @@
               <a:t>‹#›</a:t>
             </a:fld>
             <a:endParaRPr lang="ru-RU" dirty="0"/>
+          </a:p>
+        </p:txBody>
+      </p:sp>
+      <p:sp>
+        <p:nvSpPr>
+          <p:cNvPr id="7" name="Номер слайда 5"/>
+          <p:cNvSpPr txBox="1">
+            <a:spLocks/>
+          </p:cNvSpPr>
+          <p:nvPr userDrawn="1"/>
+        </p:nvSpPr>
+        <p:spPr>
+          <a:xfrm>
+            <a:off x="10556421" y="6356350"/>
+            <a:ext cx="797379" cy="365125"/>
+          </a:xfrm>
+          <a:prstGeom prst="rect">
+            <a:avLst/>
+          </a:prstGeom>
+        </p:spPr>
+        <p:txBody>
+          <a:bodyPr vert="horz" lIns="91440" tIns="45720" rIns="91440" bIns="45720" rtlCol="0" anchor="ctr"/>
+          <a:lstStyle>
+            <a:defPPr>
+              <a:defRPr lang="ru-RU"/>
+            </a:defPPr>
+            <a:lvl1pPr marL="0" algn="r" defTabSz="914400" rtl="0" eaLnBrk="1" latinLnBrk="0" hangingPunct="1">
+              <a:defRPr sz="2000" kern="1200">
+                <a:solidFill>
+                  <a:schemeClr val="tx1">
+                    <a:tint val="75000"/>
+                  </a:schemeClr>
+                </a:solidFill>
+                <a:latin typeface="+mn-lt"/>
+                <a:ea typeface="+mn-ea"/>
+                <a:cs typeface="+mn-cs"/>
+              </a:defRPr>
+            </a:lvl1pPr>
+            <a:lvl2pPr marL="457200" algn="l" defTabSz="914400" rtl="0" eaLnBrk="1" latinLnBrk="0" hangingPunct="1">
+              <a:defRPr sz="1800" kern="1200">
+                <a:solidFill>
+                  <a:schemeClr val="tx1"/>
+                </a:solidFill>
+                <a:latin typeface="+mn-lt"/>
+                <a:ea typeface="+mn-ea"/>
+                <a:cs typeface="+mn-cs"/>
+              </a:defRPr>
+            </a:lvl2pPr>
+            <a:lvl3pPr marL="914400" algn="l" defTabSz="914400" rtl="0" eaLnBrk="1" latinLnBrk="0" hangingPunct="1">
+              <a:defRPr sz="1800" kern="1200">
+                <a:solidFill>
+                  <a:schemeClr val="tx1"/>
+                </a:solidFill>
+                <a:latin typeface="+mn-lt"/>
+                <a:ea typeface="+mn-ea"/>
+                <a:cs typeface="+mn-cs"/>
+              </a:defRPr>
+            </a:lvl3pPr>
+            <a:lvl4pPr marL="1371600" algn="l" defTabSz="914400" rtl="0" eaLnBrk="1" latinLnBrk="0" hangingPunct="1">
+              <a:defRPr sz="1800" kern="1200">
+                <a:solidFill>
+                  <a:schemeClr val="tx1"/>
+                </a:solidFill>
+                <a:latin typeface="+mn-lt"/>
+                <a:ea typeface="+mn-ea"/>
+                <a:cs typeface="+mn-cs"/>
+              </a:defRPr>
+            </a:lvl4pPr>
+            <a:lvl5pPr marL="1828800" algn="l" defTabSz="914400" rtl="0" eaLnBrk="1" latinLnBrk="0" hangingPunct="1">
+              <a:defRPr sz="1800" kern="1200">
+                <a:solidFill>
+                  <a:schemeClr val="tx1"/>
+                </a:solidFill>
+                <a:latin typeface="+mn-lt"/>
+                <a:ea typeface="+mn-ea"/>
+                <a:cs typeface="+mn-cs"/>
+              </a:defRPr>
+            </a:lvl5pPr>
+            <a:lvl6pPr marL="2286000" algn="l" defTabSz="914400" rtl="0" eaLnBrk="1" latinLnBrk="0" hangingPunct="1">
+              <a:defRPr sz="1800" kern="1200">
+                <a:solidFill>
+                  <a:schemeClr val="tx1"/>
+                </a:solidFill>
+                <a:latin typeface="+mn-lt"/>
+                <a:ea typeface="+mn-ea"/>
+                <a:cs typeface="+mn-cs"/>
+              </a:defRPr>
+            </a:lvl6pPr>
+            <a:lvl7pPr marL="2743200" algn="l" defTabSz="914400" rtl="0" eaLnBrk="1" latinLnBrk="0" hangingPunct="1">
+              <a:defRPr sz="1800" kern="1200">
+                <a:solidFill>
+                  <a:schemeClr val="tx1"/>
+                </a:solidFill>
+                <a:latin typeface="+mn-lt"/>
+                <a:ea typeface="+mn-ea"/>
+                <a:cs typeface="+mn-cs"/>
+              </a:defRPr>
+            </a:lvl7pPr>
+            <a:lvl8pPr marL="3200400" algn="l" defTabSz="914400" rtl="0" eaLnBrk="1" latinLnBrk="0" hangingPunct="1">
+              <a:defRPr sz="1800" kern="1200">
+                <a:solidFill>
+                  <a:schemeClr val="tx1"/>
+                </a:solidFill>
+                <a:latin typeface="+mn-lt"/>
+                <a:ea typeface="+mn-ea"/>
+                <a:cs typeface="+mn-cs"/>
+              </a:defRPr>
+            </a:lvl8pPr>
+            <a:lvl9pPr marL="3657600" algn="l" defTabSz="914400" rtl="0" eaLnBrk="1" latinLnBrk="0" hangingPunct="1">
+              <a:defRPr sz="1800" kern="1200">
+                <a:solidFill>
+                  <a:schemeClr val="tx1"/>
+                </a:solidFill>
+                <a:latin typeface="+mn-lt"/>
+                <a:ea typeface="+mn-ea"/>
+                <a:cs typeface="+mn-cs"/>
+              </a:defRPr>
+            </a:lvl9pPr>
+          </a:lstStyle>
+          <a:p>
+            <a:r>
+              <a:rPr lang="ru-RU" dirty="0" smtClean="0"/>
+              <a:t>из 20</a:t>
+            </a:r>
           </a:p>
         </p:txBody>
       </p:sp>
@@ -7540,7 +7804,7 @@
           <a:p>
             <a:fld id="{BDE52A37-6815-412C-ABBB-9342FEC0109E}" type="datetime1">
               <a:rPr lang="ru-RU" smtClean="0"/>
-              <a:t>12.06.2017</a:t>
+              <a:t>13.06.2017</a:t>
             </a:fld>
             <a:endParaRPr lang="ru-RU"/>
           </a:p>
@@ -7590,6 +7854,130 @@
               <a:t>‹#›</a:t>
             </a:fld>
             <a:endParaRPr lang="ru-RU" dirty="0" smtClean="0"/>
+          </a:p>
+        </p:txBody>
+      </p:sp>
+      <p:sp>
+        <p:nvSpPr>
+          <p:cNvPr id="7" name="Номер слайда 5"/>
+          <p:cNvSpPr txBox="1">
+            <a:spLocks/>
+          </p:cNvSpPr>
+          <p:nvPr userDrawn="1"/>
+        </p:nvSpPr>
+        <p:spPr>
+          <a:xfrm>
+            <a:off x="10556421" y="6356350"/>
+            <a:ext cx="797379" cy="365125"/>
+          </a:xfrm>
+          <a:prstGeom prst="rect">
+            <a:avLst/>
+          </a:prstGeom>
+        </p:spPr>
+        <p:txBody>
+          <a:bodyPr vert="horz" lIns="91440" tIns="45720" rIns="91440" bIns="45720" rtlCol="0" anchor="ctr"/>
+          <a:lstStyle>
+            <a:defPPr>
+              <a:defRPr lang="ru-RU"/>
+            </a:defPPr>
+            <a:lvl1pPr marL="0" algn="r" defTabSz="914400" rtl="0" eaLnBrk="1" latinLnBrk="0" hangingPunct="1">
+              <a:defRPr sz="2000" kern="1200">
+                <a:solidFill>
+                  <a:schemeClr val="tx1">
+                    <a:tint val="75000"/>
+                  </a:schemeClr>
+                </a:solidFill>
+                <a:latin typeface="+mn-lt"/>
+                <a:ea typeface="+mn-ea"/>
+                <a:cs typeface="+mn-cs"/>
+              </a:defRPr>
+            </a:lvl1pPr>
+            <a:lvl2pPr marL="457200" algn="l" defTabSz="914400" rtl="0" eaLnBrk="1" latinLnBrk="0" hangingPunct="1">
+              <a:defRPr sz="1800" kern="1200">
+                <a:solidFill>
+                  <a:schemeClr val="tx1"/>
+                </a:solidFill>
+                <a:latin typeface="+mn-lt"/>
+                <a:ea typeface="+mn-ea"/>
+                <a:cs typeface="+mn-cs"/>
+              </a:defRPr>
+            </a:lvl2pPr>
+            <a:lvl3pPr marL="914400" algn="l" defTabSz="914400" rtl="0" eaLnBrk="1" latinLnBrk="0" hangingPunct="1">
+              <a:defRPr sz="1800" kern="1200">
+                <a:solidFill>
+                  <a:schemeClr val="tx1"/>
+                </a:solidFill>
+                <a:latin typeface="+mn-lt"/>
+                <a:ea typeface="+mn-ea"/>
+                <a:cs typeface="+mn-cs"/>
+              </a:defRPr>
+            </a:lvl3pPr>
+            <a:lvl4pPr marL="1371600" algn="l" defTabSz="914400" rtl="0" eaLnBrk="1" latinLnBrk="0" hangingPunct="1">
+              <a:defRPr sz="1800" kern="1200">
+                <a:solidFill>
+                  <a:schemeClr val="tx1"/>
+                </a:solidFill>
+                <a:latin typeface="+mn-lt"/>
+                <a:ea typeface="+mn-ea"/>
+                <a:cs typeface="+mn-cs"/>
+              </a:defRPr>
+            </a:lvl4pPr>
+            <a:lvl5pPr marL="1828800" algn="l" defTabSz="914400" rtl="0" eaLnBrk="1" latinLnBrk="0" hangingPunct="1">
+              <a:defRPr sz="1800" kern="1200">
+                <a:solidFill>
+                  <a:schemeClr val="tx1"/>
+                </a:solidFill>
+                <a:latin typeface="+mn-lt"/>
+                <a:ea typeface="+mn-ea"/>
+                <a:cs typeface="+mn-cs"/>
+              </a:defRPr>
+            </a:lvl5pPr>
+            <a:lvl6pPr marL="2286000" algn="l" defTabSz="914400" rtl="0" eaLnBrk="1" latinLnBrk="0" hangingPunct="1">
+              <a:defRPr sz="1800" kern="1200">
+                <a:solidFill>
+                  <a:schemeClr val="tx1"/>
+                </a:solidFill>
+                <a:latin typeface="+mn-lt"/>
+                <a:ea typeface="+mn-ea"/>
+                <a:cs typeface="+mn-cs"/>
+              </a:defRPr>
+            </a:lvl6pPr>
+            <a:lvl7pPr marL="2743200" algn="l" defTabSz="914400" rtl="0" eaLnBrk="1" latinLnBrk="0" hangingPunct="1">
+              <a:defRPr sz="1800" kern="1200">
+                <a:solidFill>
+                  <a:schemeClr val="tx1"/>
+                </a:solidFill>
+                <a:latin typeface="+mn-lt"/>
+                <a:ea typeface="+mn-ea"/>
+                <a:cs typeface="+mn-cs"/>
+              </a:defRPr>
+            </a:lvl7pPr>
+            <a:lvl8pPr marL="3200400" algn="l" defTabSz="914400" rtl="0" eaLnBrk="1" latinLnBrk="0" hangingPunct="1">
+              <a:defRPr sz="1800" kern="1200">
+                <a:solidFill>
+                  <a:schemeClr val="tx1"/>
+                </a:solidFill>
+                <a:latin typeface="+mn-lt"/>
+                <a:ea typeface="+mn-ea"/>
+                <a:cs typeface="+mn-cs"/>
+              </a:defRPr>
+            </a:lvl8pPr>
+            <a:lvl9pPr marL="3657600" algn="l" defTabSz="914400" rtl="0" eaLnBrk="1" latinLnBrk="0" hangingPunct="1">
+              <a:defRPr sz="1800" kern="1200">
+                <a:solidFill>
+                  <a:schemeClr val="tx1"/>
+                </a:solidFill>
+                <a:latin typeface="+mn-lt"/>
+                <a:ea typeface="+mn-ea"/>
+                <a:cs typeface="+mn-cs"/>
+              </a:defRPr>
+            </a:lvl9pPr>
+          </a:lstStyle>
+          <a:p>
+            <a:r>
+              <a:rPr lang="ru-RU" dirty="0" smtClean="0"/>
+              <a:t>из 20</a:t>
+            </a:r>
           </a:p>
         </p:txBody>
       </p:sp>
@@ -7799,7 +8187,7 @@
           <a:p>
             <a:fld id="{EB642820-EA47-4517-8B3F-F5999DC4B6C2}" type="datetime1">
               <a:rPr lang="ru-RU" smtClean="0"/>
-              <a:t>12.06.2017</a:t>
+              <a:t>13.06.2017</a:t>
             </a:fld>
             <a:endParaRPr lang="ru-RU"/>
           </a:p>
@@ -7849,6 +8237,130 @@
               <a:t>‹#›</a:t>
             </a:fld>
             <a:endParaRPr lang="ru-RU" dirty="0"/>
+          </a:p>
+        </p:txBody>
+      </p:sp>
+      <p:sp>
+        <p:nvSpPr>
+          <p:cNvPr id="7" name="Номер слайда 5"/>
+          <p:cNvSpPr txBox="1">
+            <a:spLocks/>
+          </p:cNvSpPr>
+          <p:nvPr userDrawn="1"/>
+        </p:nvSpPr>
+        <p:spPr>
+          <a:xfrm>
+            <a:off x="10556421" y="6356350"/>
+            <a:ext cx="797379" cy="365125"/>
+          </a:xfrm>
+          <a:prstGeom prst="rect">
+            <a:avLst/>
+          </a:prstGeom>
+        </p:spPr>
+        <p:txBody>
+          <a:bodyPr vert="horz" lIns="91440" tIns="45720" rIns="91440" bIns="45720" rtlCol="0" anchor="ctr"/>
+          <a:lstStyle>
+            <a:defPPr>
+              <a:defRPr lang="ru-RU"/>
+            </a:defPPr>
+            <a:lvl1pPr marL="0" algn="r" defTabSz="914400" rtl="0" eaLnBrk="1" latinLnBrk="0" hangingPunct="1">
+              <a:defRPr sz="2000" kern="1200">
+                <a:solidFill>
+                  <a:schemeClr val="tx1">
+                    <a:tint val="75000"/>
+                  </a:schemeClr>
+                </a:solidFill>
+                <a:latin typeface="+mn-lt"/>
+                <a:ea typeface="+mn-ea"/>
+                <a:cs typeface="+mn-cs"/>
+              </a:defRPr>
+            </a:lvl1pPr>
+            <a:lvl2pPr marL="457200" algn="l" defTabSz="914400" rtl="0" eaLnBrk="1" latinLnBrk="0" hangingPunct="1">
+              <a:defRPr sz="1800" kern="1200">
+                <a:solidFill>
+                  <a:schemeClr val="tx1"/>
+                </a:solidFill>
+                <a:latin typeface="+mn-lt"/>
+                <a:ea typeface="+mn-ea"/>
+                <a:cs typeface="+mn-cs"/>
+              </a:defRPr>
+            </a:lvl2pPr>
+            <a:lvl3pPr marL="914400" algn="l" defTabSz="914400" rtl="0" eaLnBrk="1" latinLnBrk="0" hangingPunct="1">
+              <a:defRPr sz="1800" kern="1200">
+                <a:solidFill>
+                  <a:schemeClr val="tx1"/>
+                </a:solidFill>
+                <a:latin typeface="+mn-lt"/>
+                <a:ea typeface="+mn-ea"/>
+                <a:cs typeface="+mn-cs"/>
+              </a:defRPr>
+            </a:lvl3pPr>
+            <a:lvl4pPr marL="1371600" algn="l" defTabSz="914400" rtl="0" eaLnBrk="1" latinLnBrk="0" hangingPunct="1">
+              <a:defRPr sz="1800" kern="1200">
+                <a:solidFill>
+                  <a:schemeClr val="tx1"/>
+                </a:solidFill>
+                <a:latin typeface="+mn-lt"/>
+                <a:ea typeface="+mn-ea"/>
+                <a:cs typeface="+mn-cs"/>
+              </a:defRPr>
+            </a:lvl4pPr>
+            <a:lvl5pPr marL="1828800" algn="l" defTabSz="914400" rtl="0" eaLnBrk="1" latinLnBrk="0" hangingPunct="1">
+              <a:defRPr sz="1800" kern="1200">
+                <a:solidFill>
+                  <a:schemeClr val="tx1"/>
+                </a:solidFill>
+                <a:latin typeface="+mn-lt"/>
+                <a:ea typeface="+mn-ea"/>
+                <a:cs typeface="+mn-cs"/>
+              </a:defRPr>
+            </a:lvl5pPr>
+            <a:lvl6pPr marL="2286000" algn="l" defTabSz="914400" rtl="0" eaLnBrk="1" latinLnBrk="0" hangingPunct="1">
+              <a:defRPr sz="1800" kern="1200">
+                <a:solidFill>
+                  <a:schemeClr val="tx1"/>
+                </a:solidFill>
+                <a:latin typeface="+mn-lt"/>
+                <a:ea typeface="+mn-ea"/>
+                <a:cs typeface="+mn-cs"/>
+              </a:defRPr>
+            </a:lvl6pPr>
+            <a:lvl7pPr marL="2743200" algn="l" defTabSz="914400" rtl="0" eaLnBrk="1" latinLnBrk="0" hangingPunct="1">
+              <a:defRPr sz="1800" kern="1200">
+                <a:solidFill>
+                  <a:schemeClr val="tx1"/>
+                </a:solidFill>
+                <a:latin typeface="+mn-lt"/>
+                <a:ea typeface="+mn-ea"/>
+                <a:cs typeface="+mn-cs"/>
+              </a:defRPr>
+            </a:lvl7pPr>
+            <a:lvl8pPr marL="3200400" algn="l" defTabSz="914400" rtl="0" eaLnBrk="1" latinLnBrk="0" hangingPunct="1">
+              <a:defRPr sz="1800" kern="1200">
+                <a:solidFill>
+                  <a:schemeClr val="tx1"/>
+                </a:solidFill>
+                <a:latin typeface="+mn-lt"/>
+                <a:ea typeface="+mn-ea"/>
+                <a:cs typeface="+mn-cs"/>
+              </a:defRPr>
+            </a:lvl8pPr>
+            <a:lvl9pPr marL="3657600" algn="l" defTabSz="914400" rtl="0" eaLnBrk="1" latinLnBrk="0" hangingPunct="1">
+              <a:defRPr sz="1800" kern="1200">
+                <a:solidFill>
+                  <a:schemeClr val="tx1"/>
+                </a:solidFill>
+                <a:latin typeface="+mn-lt"/>
+                <a:ea typeface="+mn-ea"/>
+                <a:cs typeface="+mn-cs"/>
+              </a:defRPr>
+            </a:lvl9pPr>
+          </a:lstStyle>
+          <a:p>
+            <a:r>
+              <a:rPr lang="ru-RU" dirty="0" smtClean="0"/>
+              <a:t>из 20</a:t>
+            </a:r>
           </a:p>
         </p:txBody>
       </p:sp>
@@ -8044,7 +8556,7 @@
           <a:p>
             <a:fld id="{E31FF725-8E94-4B76-8CED-7D9DDD7A584F}" type="datetime1">
               <a:rPr lang="ru-RU" smtClean="0"/>
-              <a:t>12.06.2017</a:t>
+              <a:t>13.06.2017</a:t>
             </a:fld>
             <a:endParaRPr lang="ru-RU"/>
           </a:p>
@@ -8094,6 +8606,130 @@
               <a:t>‹#›</a:t>
             </a:fld>
             <a:endParaRPr lang="ru-RU" dirty="0"/>
+          </a:p>
+        </p:txBody>
+      </p:sp>
+      <p:sp>
+        <p:nvSpPr>
+          <p:cNvPr id="8" name="Номер слайда 5"/>
+          <p:cNvSpPr txBox="1">
+            <a:spLocks/>
+          </p:cNvSpPr>
+          <p:nvPr userDrawn="1"/>
+        </p:nvSpPr>
+        <p:spPr>
+          <a:xfrm>
+            <a:off x="10556421" y="6356350"/>
+            <a:ext cx="797379" cy="365125"/>
+          </a:xfrm>
+          <a:prstGeom prst="rect">
+            <a:avLst/>
+          </a:prstGeom>
+        </p:spPr>
+        <p:txBody>
+          <a:bodyPr vert="horz" lIns="91440" tIns="45720" rIns="91440" bIns="45720" rtlCol="0" anchor="ctr"/>
+          <a:lstStyle>
+            <a:defPPr>
+              <a:defRPr lang="ru-RU"/>
+            </a:defPPr>
+            <a:lvl1pPr marL="0" algn="r" defTabSz="914400" rtl="0" eaLnBrk="1" latinLnBrk="0" hangingPunct="1">
+              <a:defRPr sz="2000" kern="1200">
+                <a:solidFill>
+                  <a:schemeClr val="tx1">
+                    <a:tint val="75000"/>
+                  </a:schemeClr>
+                </a:solidFill>
+                <a:latin typeface="+mn-lt"/>
+                <a:ea typeface="+mn-ea"/>
+                <a:cs typeface="+mn-cs"/>
+              </a:defRPr>
+            </a:lvl1pPr>
+            <a:lvl2pPr marL="457200" algn="l" defTabSz="914400" rtl="0" eaLnBrk="1" latinLnBrk="0" hangingPunct="1">
+              <a:defRPr sz="1800" kern="1200">
+                <a:solidFill>
+                  <a:schemeClr val="tx1"/>
+                </a:solidFill>
+                <a:latin typeface="+mn-lt"/>
+                <a:ea typeface="+mn-ea"/>
+                <a:cs typeface="+mn-cs"/>
+              </a:defRPr>
+            </a:lvl2pPr>
+            <a:lvl3pPr marL="914400" algn="l" defTabSz="914400" rtl="0" eaLnBrk="1" latinLnBrk="0" hangingPunct="1">
+              <a:defRPr sz="1800" kern="1200">
+                <a:solidFill>
+                  <a:schemeClr val="tx1"/>
+                </a:solidFill>
+                <a:latin typeface="+mn-lt"/>
+                <a:ea typeface="+mn-ea"/>
+                <a:cs typeface="+mn-cs"/>
+              </a:defRPr>
+            </a:lvl3pPr>
+            <a:lvl4pPr marL="1371600" algn="l" defTabSz="914400" rtl="0" eaLnBrk="1" latinLnBrk="0" hangingPunct="1">
+              <a:defRPr sz="1800" kern="1200">
+                <a:solidFill>
+                  <a:schemeClr val="tx1"/>
+                </a:solidFill>
+                <a:latin typeface="+mn-lt"/>
+                <a:ea typeface="+mn-ea"/>
+                <a:cs typeface="+mn-cs"/>
+              </a:defRPr>
+            </a:lvl4pPr>
+            <a:lvl5pPr marL="1828800" algn="l" defTabSz="914400" rtl="0" eaLnBrk="1" latinLnBrk="0" hangingPunct="1">
+              <a:defRPr sz="1800" kern="1200">
+                <a:solidFill>
+                  <a:schemeClr val="tx1"/>
+                </a:solidFill>
+                <a:latin typeface="+mn-lt"/>
+                <a:ea typeface="+mn-ea"/>
+                <a:cs typeface="+mn-cs"/>
+              </a:defRPr>
+            </a:lvl5pPr>
+            <a:lvl6pPr marL="2286000" algn="l" defTabSz="914400" rtl="0" eaLnBrk="1" latinLnBrk="0" hangingPunct="1">
+              <a:defRPr sz="1800" kern="1200">
+                <a:solidFill>
+                  <a:schemeClr val="tx1"/>
+                </a:solidFill>
+                <a:latin typeface="+mn-lt"/>
+                <a:ea typeface="+mn-ea"/>
+                <a:cs typeface="+mn-cs"/>
+              </a:defRPr>
+            </a:lvl6pPr>
+            <a:lvl7pPr marL="2743200" algn="l" defTabSz="914400" rtl="0" eaLnBrk="1" latinLnBrk="0" hangingPunct="1">
+              <a:defRPr sz="1800" kern="1200">
+                <a:solidFill>
+                  <a:schemeClr val="tx1"/>
+                </a:solidFill>
+                <a:latin typeface="+mn-lt"/>
+                <a:ea typeface="+mn-ea"/>
+                <a:cs typeface="+mn-cs"/>
+              </a:defRPr>
+            </a:lvl7pPr>
+            <a:lvl8pPr marL="3200400" algn="l" defTabSz="914400" rtl="0" eaLnBrk="1" latinLnBrk="0" hangingPunct="1">
+              <a:defRPr sz="1800" kern="1200">
+                <a:solidFill>
+                  <a:schemeClr val="tx1"/>
+                </a:solidFill>
+                <a:latin typeface="+mn-lt"/>
+                <a:ea typeface="+mn-ea"/>
+                <a:cs typeface="+mn-cs"/>
+              </a:defRPr>
+            </a:lvl8pPr>
+            <a:lvl9pPr marL="3657600" algn="l" defTabSz="914400" rtl="0" eaLnBrk="1" latinLnBrk="0" hangingPunct="1">
+              <a:defRPr sz="1800" kern="1200">
+                <a:solidFill>
+                  <a:schemeClr val="tx1"/>
+                </a:solidFill>
+                <a:latin typeface="+mn-lt"/>
+                <a:ea typeface="+mn-ea"/>
+                <a:cs typeface="+mn-cs"/>
+              </a:defRPr>
+            </a:lvl9pPr>
+          </a:lstStyle>
+          <a:p>
+            <a:r>
+              <a:rPr lang="ru-RU" dirty="0" smtClean="0"/>
+              <a:t>из 20</a:t>
+            </a:r>
           </a:p>
         </p:txBody>
       </p:sp>
@@ -8424,7 +9060,7 @@
           <a:p>
             <a:fld id="{AB72BB7B-AD67-4E21-ABB7-C19EFFFAFCFF}" type="datetime1">
               <a:rPr lang="ru-RU" smtClean="0"/>
-              <a:t>12.06.2017</a:t>
+              <a:t>13.06.2017</a:t>
             </a:fld>
             <a:endParaRPr lang="ru-RU"/>
           </a:p>
@@ -8474,6 +9110,130 @@
               <a:t>‹#›</a:t>
             </a:fld>
             <a:endParaRPr lang="ru-RU" dirty="0"/>
+          </a:p>
+        </p:txBody>
+      </p:sp>
+      <p:sp>
+        <p:nvSpPr>
+          <p:cNvPr id="10" name="Номер слайда 5"/>
+          <p:cNvSpPr txBox="1">
+            <a:spLocks/>
+          </p:cNvSpPr>
+          <p:nvPr userDrawn="1"/>
+        </p:nvSpPr>
+        <p:spPr>
+          <a:xfrm>
+            <a:off x="10556421" y="6356350"/>
+            <a:ext cx="797379" cy="365125"/>
+          </a:xfrm>
+          <a:prstGeom prst="rect">
+            <a:avLst/>
+          </a:prstGeom>
+        </p:spPr>
+        <p:txBody>
+          <a:bodyPr vert="horz" lIns="91440" tIns="45720" rIns="91440" bIns="45720" rtlCol="0" anchor="ctr"/>
+          <a:lstStyle>
+            <a:defPPr>
+              <a:defRPr lang="ru-RU"/>
+            </a:defPPr>
+            <a:lvl1pPr marL="0" algn="r" defTabSz="914400" rtl="0" eaLnBrk="1" latinLnBrk="0" hangingPunct="1">
+              <a:defRPr sz="2000" kern="1200">
+                <a:solidFill>
+                  <a:schemeClr val="tx1">
+                    <a:tint val="75000"/>
+                  </a:schemeClr>
+                </a:solidFill>
+                <a:latin typeface="+mn-lt"/>
+                <a:ea typeface="+mn-ea"/>
+                <a:cs typeface="+mn-cs"/>
+              </a:defRPr>
+            </a:lvl1pPr>
+            <a:lvl2pPr marL="457200" algn="l" defTabSz="914400" rtl="0" eaLnBrk="1" latinLnBrk="0" hangingPunct="1">
+              <a:defRPr sz="1800" kern="1200">
+                <a:solidFill>
+                  <a:schemeClr val="tx1"/>
+                </a:solidFill>
+                <a:latin typeface="+mn-lt"/>
+                <a:ea typeface="+mn-ea"/>
+                <a:cs typeface="+mn-cs"/>
+              </a:defRPr>
+            </a:lvl2pPr>
+            <a:lvl3pPr marL="914400" algn="l" defTabSz="914400" rtl="0" eaLnBrk="1" latinLnBrk="0" hangingPunct="1">
+              <a:defRPr sz="1800" kern="1200">
+                <a:solidFill>
+                  <a:schemeClr val="tx1"/>
+                </a:solidFill>
+                <a:latin typeface="+mn-lt"/>
+                <a:ea typeface="+mn-ea"/>
+                <a:cs typeface="+mn-cs"/>
+              </a:defRPr>
+            </a:lvl3pPr>
+            <a:lvl4pPr marL="1371600" algn="l" defTabSz="914400" rtl="0" eaLnBrk="1" latinLnBrk="0" hangingPunct="1">
+              <a:defRPr sz="1800" kern="1200">
+                <a:solidFill>
+                  <a:schemeClr val="tx1"/>
+                </a:solidFill>
+                <a:latin typeface="+mn-lt"/>
+                <a:ea typeface="+mn-ea"/>
+                <a:cs typeface="+mn-cs"/>
+              </a:defRPr>
+            </a:lvl4pPr>
+            <a:lvl5pPr marL="1828800" algn="l" defTabSz="914400" rtl="0" eaLnBrk="1" latinLnBrk="0" hangingPunct="1">
+              <a:defRPr sz="1800" kern="1200">
+                <a:solidFill>
+                  <a:schemeClr val="tx1"/>
+                </a:solidFill>
+                <a:latin typeface="+mn-lt"/>
+                <a:ea typeface="+mn-ea"/>
+                <a:cs typeface="+mn-cs"/>
+              </a:defRPr>
+            </a:lvl5pPr>
+            <a:lvl6pPr marL="2286000" algn="l" defTabSz="914400" rtl="0" eaLnBrk="1" latinLnBrk="0" hangingPunct="1">
+              <a:defRPr sz="1800" kern="1200">
+                <a:solidFill>
+                  <a:schemeClr val="tx1"/>
+                </a:solidFill>
+                <a:latin typeface="+mn-lt"/>
+                <a:ea typeface="+mn-ea"/>
+                <a:cs typeface="+mn-cs"/>
+              </a:defRPr>
+            </a:lvl6pPr>
+            <a:lvl7pPr marL="2743200" algn="l" defTabSz="914400" rtl="0" eaLnBrk="1" latinLnBrk="0" hangingPunct="1">
+              <a:defRPr sz="1800" kern="1200">
+                <a:solidFill>
+                  <a:schemeClr val="tx1"/>
+                </a:solidFill>
+                <a:latin typeface="+mn-lt"/>
+                <a:ea typeface="+mn-ea"/>
+                <a:cs typeface="+mn-cs"/>
+              </a:defRPr>
+            </a:lvl7pPr>
+            <a:lvl8pPr marL="3200400" algn="l" defTabSz="914400" rtl="0" eaLnBrk="1" latinLnBrk="0" hangingPunct="1">
+              <a:defRPr sz="1800" kern="1200">
+                <a:solidFill>
+                  <a:schemeClr val="tx1"/>
+                </a:solidFill>
+                <a:latin typeface="+mn-lt"/>
+                <a:ea typeface="+mn-ea"/>
+                <a:cs typeface="+mn-cs"/>
+              </a:defRPr>
+            </a:lvl8pPr>
+            <a:lvl9pPr marL="3657600" algn="l" defTabSz="914400" rtl="0" eaLnBrk="1" latinLnBrk="0" hangingPunct="1">
+              <a:defRPr sz="1800" kern="1200">
+                <a:solidFill>
+                  <a:schemeClr val="tx1"/>
+                </a:solidFill>
+                <a:latin typeface="+mn-lt"/>
+                <a:ea typeface="+mn-ea"/>
+                <a:cs typeface="+mn-cs"/>
+              </a:defRPr>
+            </a:lvl9pPr>
+          </a:lstStyle>
+          <a:p>
+            <a:r>
+              <a:rPr lang="ru-RU" dirty="0" smtClean="0"/>
+              <a:t>из 20</a:t>
+            </a:r>
           </a:p>
         </p:txBody>
       </p:sp>
@@ -8555,7 +9315,7 @@
           <a:p>
             <a:fld id="{F2BA468E-7959-44C2-A5C6-26BFBF4902AC}" type="datetime1">
               <a:rPr lang="ru-RU" smtClean="0"/>
-              <a:t>12.06.2017</a:t>
+              <a:t>13.06.2017</a:t>
             </a:fld>
             <a:endParaRPr lang="ru-RU"/>
           </a:p>
@@ -8605,6 +9365,130 @@
               <a:t>‹#›</a:t>
             </a:fld>
             <a:endParaRPr lang="ru-RU" dirty="0"/>
+          </a:p>
+        </p:txBody>
+      </p:sp>
+      <p:sp>
+        <p:nvSpPr>
+          <p:cNvPr id="6" name="Номер слайда 5"/>
+          <p:cNvSpPr txBox="1">
+            <a:spLocks/>
+          </p:cNvSpPr>
+          <p:nvPr userDrawn="1"/>
+        </p:nvSpPr>
+        <p:spPr>
+          <a:xfrm>
+            <a:off x="10556421" y="6356350"/>
+            <a:ext cx="797379" cy="365125"/>
+          </a:xfrm>
+          <a:prstGeom prst="rect">
+            <a:avLst/>
+          </a:prstGeom>
+        </p:spPr>
+        <p:txBody>
+          <a:bodyPr vert="horz" lIns="91440" tIns="45720" rIns="91440" bIns="45720" rtlCol="0" anchor="ctr"/>
+          <a:lstStyle>
+            <a:defPPr>
+              <a:defRPr lang="ru-RU"/>
+            </a:defPPr>
+            <a:lvl1pPr marL="0" algn="r" defTabSz="914400" rtl="0" eaLnBrk="1" latinLnBrk="0" hangingPunct="1">
+              <a:defRPr sz="2000" kern="1200">
+                <a:solidFill>
+                  <a:schemeClr val="tx1">
+                    <a:tint val="75000"/>
+                  </a:schemeClr>
+                </a:solidFill>
+                <a:latin typeface="+mn-lt"/>
+                <a:ea typeface="+mn-ea"/>
+                <a:cs typeface="+mn-cs"/>
+              </a:defRPr>
+            </a:lvl1pPr>
+            <a:lvl2pPr marL="457200" algn="l" defTabSz="914400" rtl="0" eaLnBrk="1" latinLnBrk="0" hangingPunct="1">
+              <a:defRPr sz="1800" kern="1200">
+                <a:solidFill>
+                  <a:schemeClr val="tx1"/>
+                </a:solidFill>
+                <a:latin typeface="+mn-lt"/>
+                <a:ea typeface="+mn-ea"/>
+                <a:cs typeface="+mn-cs"/>
+              </a:defRPr>
+            </a:lvl2pPr>
+            <a:lvl3pPr marL="914400" algn="l" defTabSz="914400" rtl="0" eaLnBrk="1" latinLnBrk="0" hangingPunct="1">
+              <a:defRPr sz="1800" kern="1200">
+                <a:solidFill>
+                  <a:schemeClr val="tx1"/>
+                </a:solidFill>
+                <a:latin typeface="+mn-lt"/>
+                <a:ea typeface="+mn-ea"/>
+                <a:cs typeface="+mn-cs"/>
+              </a:defRPr>
+            </a:lvl3pPr>
+            <a:lvl4pPr marL="1371600" algn="l" defTabSz="914400" rtl="0" eaLnBrk="1" latinLnBrk="0" hangingPunct="1">
+              <a:defRPr sz="1800" kern="1200">
+                <a:solidFill>
+                  <a:schemeClr val="tx1"/>
+                </a:solidFill>
+                <a:latin typeface="+mn-lt"/>
+                <a:ea typeface="+mn-ea"/>
+                <a:cs typeface="+mn-cs"/>
+              </a:defRPr>
+            </a:lvl4pPr>
+            <a:lvl5pPr marL="1828800" algn="l" defTabSz="914400" rtl="0" eaLnBrk="1" latinLnBrk="0" hangingPunct="1">
+              <a:defRPr sz="1800" kern="1200">
+                <a:solidFill>
+                  <a:schemeClr val="tx1"/>
+                </a:solidFill>
+                <a:latin typeface="+mn-lt"/>
+                <a:ea typeface="+mn-ea"/>
+                <a:cs typeface="+mn-cs"/>
+              </a:defRPr>
+            </a:lvl5pPr>
+            <a:lvl6pPr marL="2286000" algn="l" defTabSz="914400" rtl="0" eaLnBrk="1" latinLnBrk="0" hangingPunct="1">
+              <a:defRPr sz="1800" kern="1200">
+                <a:solidFill>
+                  <a:schemeClr val="tx1"/>
+                </a:solidFill>
+                <a:latin typeface="+mn-lt"/>
+                <a:ea typeface="+mn-ea"/>
+                <a:cs typeface="+mn-cs"/>
+              </a:defRPr>
+            </a:lvl6pPr>
+            <a:lvl7pPr marL="2743200" algn="l" defTabSz="914400" rtl="0" eaLnBrk="1" latinLnBrk="0" hangingPunct="1">
+              <a:defRPr sz="1800" kern="1200">
+                <a:solidFill>
+                  <a:schemeClr val="tx1"/>
+                </a:solidFill>
+                <a:latin typeface="+mn-lt"/>
+                <a:ea typeface="+mn-ea"/>
+                <a:cs typeface="+mn-cs"/>
+              </a:defRPr>
+            </a:lvl7pPr>
+            <a:lvl8pPr marL="3200400" algn="l" defTabSz="914400" rtl="0" eaLnBrk="1" latinLnBrk="0" hangingPunct="1">
+              <a:defRPr sz="1800" kern="1200">
+                <a:solidFill>
+                  <a:schemeClr val="tx1"/>
+                </a:solidFill>
+                <a:latin typeface="+mn-lt"/>
+                <a:ea typeface="+mn-ea"/>
+                <a:cs typeface="+mn-cs"/>
+              </a:defRPr>
+            </a:lvl8pPr>
+            <a:lvl9pPr marL="3657600" algn="l" defTabSz="914400" rtl="0" eaLnBrk="1" latinLnBrk="0" hangingPunct="1">
+              <a:defRPr sz="1800" kern="1200">
+                <a:solidFill>
+                  <a:schemeClr val="tx1"/>
+                </a:solidFill>
+                <a:latin typeface="+mn-lt"/>
+                <a:ea typeface="+mn-ea"/>
+                <a:cs typeface="+mn-cs"/>
+              </a:defRPr>
+            </a:lvl9pPr>
+          </a:lstStyle>
+          <a:p>
+            <a:r>
+              <a:rPr lang="ru-RU" dirty="0" smtClean="0"/>
+              <a:t>из 20</a:t>
+            </a:r>
           </a:p>
         </p:txBody>
       </p:sp>
@@ -8663,7 +9547,7 @@
           <a:p>
             <a:fld id="{56F3E22B-9012-4275-8DB1-B70C16EABBC3}" type="datetime1">
               <a:rPr lang="ru-RU" smtClean="0"/>
-              <a:t>12.06.2017</a:t>
+              <a:t>13.06.2017</a:t>
             </a:fld>
             <a:endParaRPr lang="ru-RU"/>
           </a:p>
@@ -8713,6 +9597,130 @@
               <a:t>‹#›</a:t>
             </a:fld>
             <a:endParaRPr lang="ru-RU" dirty="0"/>
+          </a:p>
+        </p:txBody>
+      </p:sp>
+      <p:sp>
+        <p:nvSpPr>
+          <p:cNvPr id="5" name="Номер слайда 5"/>
+          <p:cNvSpPr txBox="1">
+            <a:spLocks/>
+          </p:cNvSpPr>
+          <p:nvPr userDrawn="1"/>
+        </p:nvSpPr>
+        <p:spPr>
+          <a:xfrm>
+            <a:off x="10556421" y="6356350"/>
+            <a:ext cx="797379" cy="365125"/>
+          </a:xfrm>
+          <a:prstGeom prst="rect">
+            <a:avLst/>
+          </a:prstGeom>
+        </p:spPr>
+        <p:txBody>
+          <a:bodyPr vert="horz" lIns="91440" tIns="45720" rIns="91440" bIns="45720" rtlCol="0" anchor="ctr"/>
+          <a:lstStyle>
+            <a:defPPr>
+              <a:defRPr lang="ru-RU"/>
+            </a:defPPr>
+            <a:lvl1pPr marL="0" algn="r" defTabSz="914400" rtl="0" eaLnBrk="1" latinLnBrk="0" hangingPunct="1">
+              <a:defRPr sz="2000" kern="1200">
+                <a:solidFill>
+                  <a:schemeClr val="tx1">
+                    <a:tint val="75000"/>
+                  </a:schemeClr>
+                </a:solidFill>
+                <a:latin typeface="+mn-lt"/>
+                <a:ea typeface="+mn-ea"/>
+                <a:cs typeface="+mn-cs"/>
+              </a:defRPr>
+            </a:lvl1pPr>
+            <a:lvl2pPr marL="457200" algn="l" defTabSz="914400" rtl="0" eaLnBrk="1" latinLnBrk="0" hangingPunct="1">
+              <a:defRPr sz="1800" kern="1200">
+                <a:solidFill>
+                  <a:schemeClr val="tx1"/>
+                </a:solidFill>
+                <a:latin typeface="+mn-lt"/>
+                <a:ea typeface="+mn-ea"/>
+                <a:cs typeface="+mn-cs"/>
+              </a:defRPr>
+            </a:lvl2pPr>
+            <a:lvl3pPr marL="914400" algn="l" defTabSz="914400" rtl="0" eaLnBrk="1" latinLnBrk="0" hangingPunct="1">
+              <a:defRPr sz="1800" kern="1200">
+                <a:solidFill>
+                  <a:schemeClr val="tx1"/>
+                </a:solidFill>
+                <a:latin typeface="+mn-lt"/>
+                <a:ea typeface="+mn-ea"/>
+                <a:cs typeface="+mn-cs"/>
+              </a:defRPr>
+            </a:lvl3pPr>
+            <a:lvl4pPr marL="1371600" algn="l" defTabSz="914400" rtl="0" eaLnBrk="1" latinLnBrk="0" hangingPunct="1">
+              <a:defRPr sz="1800" kern="1200">
+                <a:solidFill>
+                  <a:schemeClr val="tx1"/>
+                </a:solidFill>
+                <a:latin typeface="+mn-lt"/>
+                <a:ea typeface="+mn-ea"/>
+                <a:cs typeface="+mn-cs"/>
+              </a:defRPr>
+            </a:lvl4pPr>
+            <a:lvl5pPr marL="1828800" algn="l" defTabSz="914400" rtl="0" eaLnBrk="1" latinLnBrk="0" hangingPunct="1">
+              <a:defRPr sz="1800" kern="1200">
+                <a:solidFill>
+                  <a:schemeClr val="tx1"/>
+                </a:solidFill>
+                <a:latin typeface="+mn-lt"/>
+                <a:ea typeface="+mn-ea"/>
+                <a:cs typeface="+mn-cs"/>
+              </a:defRPr>
+            </a:lvl5pPr>
+            <a:lvl6pPr marL="2286000" algn="l" defTabSz="914400" rtl="0" eaLnBrk="1" latinLnBrk="0" hangingPunct="1">
+              <a:defRPr sz="1800" kern="1200">
+                <a:solidFill>
+                  <a:schemeClr val="tx1"/>
+                </a:solidFill>
+                <a:latin typeface="+mn-lt"/>
+                <a:ea typeface="+mn-ea"/>
+                <a:cs typeface="+mn-cs"/>
+              </a:defRPr>
+            </a:lvl6pPr>
+            <a:lvl7pPr marL="2743200" algn="l" defTabSz="914400" rtl="0" eaLnBrk="1" latinLnBrk="0" hangingPunct="1">
+              <a:defRPr sz="1800" kern="1200">
+                <a:solidFill>
+                  <a:schemeClr val="tx1"/>
+                </a:solidFill>
+                <a:latin typeface="+mn-lt"/>
+                <a:ea typeface="+mn-ea"/>
+                <a:cs typeface="+mn-cs"/>
+              </a:defRPr>
+            </a:lvl7pPr>
+            <a:lvl8pPr marL="3200400" algn="l" defTabSz="914400" rtl="0" eaLnBrk="1" latinLnBrk="0" hangingPunct="1">
+              <a:defRPr sz="1800" kern="1200">
+                <a:solidFill>
+                  <a:schemeClr val="tx1"/>
+                </a:solidFill>
+                <a:latin typeface="+mn-lt"/>
+                <a:ea typeface="+mn-ea"/>
+                <a:cs typeface="+mn-cs"/>
+              </a:defRPr>
+            </a:lvl8pPr>
+            <a:lvl9pPr marL="3657600" algn="l" defTabSz="914400" rtl="0" eaLnBrk="1" latinLnBrk="0" hangingPunct="1">
+              <a:defRPr sz="1800" kern="1200">
+                <a:solidFill>
+                  <a:schemeClr val="tx1"/>
+                </a:solidFill>
+                <a:latin typeface="+mn-lt"/>
+                <a:ea typeface="+mn-ea"/>
+                <a:cs typeface="+mn-cs"/>
+              </a:defRPr>
+            </a:lvl9pPr>
+          </a:lstStyle>
+          <a:p>
+            <a:r>
+              <a:rPr lang="ru-RU" dirty="0" smtClean="0"/>
+              <a:t>из 20</a:t>
+            </a:r>
           </a:p>
         </p:txBody>
       </p:sp>
@@ -8953,7 +9961,7 @@
           <a:p>
             <a:fld id="{57ECFAF3-56F0-4E0D-A0BC-CB72FFF50CD2}" type="datetime1">
               <a:rPr lang="ru-RU" smtClean="0"/>
-              <a:t>12.06.2017</a:t>
+              <a:t>13.06.2017</a:t>
             </a:fld>
             <a:endParaRPr lang="ru-RU"/>
           </a:p>
@@ -9003,6 +10011,130 @@
               <a:t>‹#›</a:t>
             </a:fld>
             <a:endParaRPr lang="ru-RU" dirty="0"/>
+          </a:p>
+        </p:txBody>
+      </p:sp>
+      <p:sp>
+        <p:nvSpPr>
+          <p:cNvPr id="8" name="Номер слайда 5"/>
+          <p:cNvSpPr txBox="1">
+            <a:spLocks/>
+          </p:cNvSpPr>
+          <p:nvPr userDrawn="1"/>
+        </p:nvSpPr>
+        <p:spPr>
+          <a:xfrm>
+            <a:off x="10556421" y="6356350"/>
+            <a:ext cx="797379" cy="365125"/>
+          </a:xfrm>
+          <a:prstGeom prst="rect">
+            <a:avLst/>
+          </a:prstGeom>
+        </p:spPr>
+        <p:txBody>
+          <a:bodyPr vert="horz" lIns="91440" tIns="45720" rIns="91440" bIns="45720" rtlCol="0" anchor="ctr"/>
+          <a:lstStyle>
+            <a:defPPr>
+              <a:defRPr lang="ru-RU"/>
+            </a:defPPr>
+            <a:lvl1pPr marL="0" algn="r" defTabSz="914400" rtl="0" eaLnBrk="1" latinLnBrk="0" hangingPunct="1">
+              <a:defRPr sz="2000" kern="1200">
+                <a:solidFill>
+                  <a:schemeClr val="tx1">
+                    <a:tint val="75000"/>
+                  </a:schemeClr>
+                </a:solidFill>
+                <a:latin typeface="+mn-lt"/>
+                <a:ea typeface="+mn-ea"/>
+                <a:cs typeface="+mn-cs"/>
+              </a:defRPr>
+            </a:lvl1pPr>
+            <a:lvl2pPr marL="457200" algn="l" defTabSz="914400" rtl="0" eaLnBrk="1" latinLnBrk="0" hangingPunct="1">
+              <a:defRPr sz="1800" kern="1200">
+                <a:solidFill>
+                  <a:schemeClr val="tx1"/>
+                </a:solidFill>
+                <a:latin typeface="+mn-lt"/>
+                <a:ea typeface="+mn-ea"/>
+                <a:cs typeface="+mn-cs"/>
+              </a:defRPr>
+            </a:lvl2pPr>
+            <a:lvl3pPr marL="914400" algn="l" defTabSz="914400" rtl="0" eaLnBrk="1" latinLnBrk="0" hangingPunct="1">
+              <a:defRPr sz="1800" kern="1200">
+                <a:solidFill>
+                  <a:schemeClr val="tx1"/>
+                </a:solidFill>
+                <a:latin typeface="+mn-lt"/>
+                <a:ea typeface="+mn-ea"/>
+                <a:cs typeface="+mn-cs"/>
+              </a:defRPr>
+            </a:lvl3pPr>
+            <a:lvl4pPr marL="1371600" algn="l" defTabSz="914400" rtl="0" eaLnBrk="1" latinLnBrk="0" hangingPunct="1">
+              <a:defRPr sz="1800" kern="1200">
+                <a:solidFill>
+                  <a:schemeClr val="tx1"/>
+                </a:solidFill>
+                <a:latin typeface="+mn-lt"/>
+                <a:ea typeface="+mn-ea"/>
+                <a:cs typeface="+mn-cs"/>
+              </a:defRPr>
+            </a:lvl4pPr>
+            <a:lvl5pPr marL="1828800" algn="l" defTabSz="914400" rtl="0" eaLnBrk="1" latinLnBrk="0" hangingPunct="1">
+              <a:defRPr sz="1800" kern="1200">
+                <a:solidFill>
+                  <a:schemeClr val="tx1"/>
+                </a:solidFill>
+                <a:latin typeface="+mn-lt"/>
+                <a:ea typeface="+mn-ea"/>
+                <a:cs typeface="+mn-cs"/>
+              </a:defRPr>
+            </a:lvl5pPr>
+            <a:lvl6pPr marL="2286000" algn="l" defTabSz="914400" rtl="0" eaLnBrk="1" latinLnBrk="0" hangingPunct="1">
+              <a:defRPr sz="1800" kern="1200">
+                <a:solidFill>
+                  <a:schemeClr val="tx1"/>
+                </a:solidFill>
+                <a:latin typeface="+mn-lt"/>
+                <a:ea typeface="+mn-ea"/>
+                <a:cs typeface="+mn-cs"/>
+              </a:defRPr>
+            </a:lvl6pPr>
+            <a:lvl7pPr marL="2743200" algn="l" defTabSz="914400" rtl="0" eaLnBrk="1" latinLnBrk="0" hangingPunct="1">
+              <a:defRPr sz="1800" kern="1200">
+                <a:solidFill>
+                  <a:schemeClr val="tx1"/>
+                </a:solidFill>
+                <a:latin typeface="+mn-lt"/>
+                <a:ea typeface="+mn-ea"/>
+                <a:cs typeface="+mn-cs"/>
+              </a:defRPr>
+            </a:lvl7pPr>
+            <a:lvl8pPr marL="3200400" algn="l" defTabSz="914400" rtl="0" eaLnBrk="1" latinLnBrk="0" hangingPunct="1">
+              <a:defRPr sz="1800" kern="1200">
+                <a:solidFill>
+                  <a:schemeClr val="tx1"/>
+                </a:solidFill>
+                <a:latin typeface="+mn-lt"/>
+                <a:ea typeface="+mn-ea"/>
+                <a:cs typeface="+mn-cs"/>
+              </a:defRPr>
+            </a:lvl8pPr>
+            <a:lvl9pPr marL="3657600" algn="l" defTabSz="914400" rtl="0" eaLnBrk="1" latinLnBrk="0" hangingPunct="1">
+              <a:defRPr sz="1800" kern="1200">
+                <a:solidFill>
+                  <a:schemeClr val="tx1"/>
+                </a:solidFill>
+                <a:latin typeface="+mn-lt"/>
+                <a:ea typeface="+mn-ea"/>
+                <a:cs typeface="+mn-cs"/>
+              </a:defRPr>
+            </a:lvl9pPr>
+          </a:lstStyle>
+          <a:p>
+            <a:r>
+              <a:rPr lang="ru-RU" dirty="0" smtClean="0"/>
+              <a:t>из 20</a:t>
+            </a:r>
           </a:p>
         </p:txBody>
       </p:sp>
@@ -9219,7 +10351,7 @@
           <a:p>
             <a:fld id="{798FFA72-D039-4D6D-AFFF-62A023C7D550}" type="datetime1">
               <a:rPr lang="ru-RU" smtClean="0"/>
-              <a:t>12.06.2017</a:t>
+              <a:t>13.06.2017</a:t>
             </a:fld>
             <a:endParaRPr lang="ru-RU"/>
           </a:p>
@@ -9269,6 +10401,130 @@
               <a:t>‹#›</a:t>
             </a:fld>
             <a:endParaRPr lang="ru-RU" dirty="0"/>
+          </a:p>
+        </p:txBody>
+      </p:sp>
+      <p:sp>
+        <p:nvSpPr>
+          <p:cNvPr id="8" name="Номер слайда 5"/>
+          <p:cNvSpPr txBox="1">
+            <a:spLocks/>
+          </p:cNvSpPr>
+          <p:nvPr userDrawn="1"/>
+        </p:nvSpPr>
+        <p:spPr>
+          <a:xfrm>
+            <a:off x="10556421" y="6356350"/>
+            <a:ext cx="797379" cy="365125"/>
+          </a:xfrm>
+          <a:prstGeom prst="rect">
+            <a:avLst/>
+          </a:prstGeom>
+        </p:spPr>
+        <p:txBody>
+          <a:bodyPr vert="horz" lIns="91440" tIns="45720" rIns="91440" bIns="45720" rtlCol="0" anchor="ctr"/>
+          <a:lstStyle>
+            <a:defPPr>
+              <a:defRPr lang="ru-RU"/>
+            </a:defPPr>
+            <a:lvl1pPr marL="0" algn="r" defTabSz="914400" rtl="0" eaLnBrk="1" latinLnBrk="0" hangingPunct="1">
+              <a:defRPr sz="2000" kern="1200">
+                <a:solidFill>
+                  <a:schemeClr val="tx1">
+                    <a:tint val="75000"/>
+                  </a:schemeClr>
+                </a:solidFill>
+                <a:latin typeface="+mn-lt"/>
+                <a:ea typeface="+mn-ea"/>
+                <a:cs typeface="+mn-cs"/>
+              </a:defRPr>
+            </a:lvl1pPr>
+            <a:lvl2pPr marL="457200" algn="l" defTabSz="914400" rtl="0" eaLnBrk="1" latinLnBrk="0" hangingPunct="1">
+              <a:defRPr sz="1800" kern="1200">
+                <a:solidFill>
+                  <a:schemeClr val="tx1"/>
+                </a:solidFill>
+                <a:latin typeface="+mn-lt"/>
+                <a:ea typeface="+mn-ea"/>
+                <a:cs typeface="+mn-cs"/>
+              </a:defRPr>
+            </a:lvl2pPr>
+            <a:lvl3pPr marL="914400" algn="l" defTabSz="914400" rtl="0" eaLnBrk="1" latinLnBrk="0" hangingPunct="1">
+              <a:defRPr sz="1800" kern="1200">
+                <a:solidFill>
+                  <a:schemeClr val="tx1"/>
+                </a:solidFill>
+                <a:latin typeface="+mn-lt"/>
+                <a:ea typeface="+mn-ea"/>
+                <a:cs typeface="+mn-cs"/>
+              </a:defRPr>
+            </a:lvl3pPr>
+            <a:lvl4pPr marL="1371600" algn="l" defTabSz="914400" rtl="0" eaLnBrk="1" latinLnBrk="0" hangingPunct="1">
+              <a:defRPr sz="1800" kern="1200">
+                <a:solidFill>
+                  <a:schemeClr val="tx1"/>
+                </a:solidFill>
+                <a:latin typeface="+mn-lt"/>
+                <a:ea typeface="+mn-ea"/>
+                <a:cs typeface="+mn-cs"/>
+              </a:defRPr>
+            </a:lvl4pPr>
+            <a:lvl5pPr marL="1828800" algn="l" defTabSz="914400" rtl="0" eaLnBrk="1" latinLnBrk="0" hangingPunct="1">
+              <a:defRPr sz="1800" kern="1200">
+                <a:solidFill>
+                  <a:schemeClr val="tx1"/>
+                </a:solidFill>
+                <a:latin typeface="+mn-lt"/>
+                <a:ea typeface="+mn-ea"/>
+                <a:cs typeface="+mn-cs"/>
+              </a:defRPr>
+            </a:lvl5pPr>
+            <a:lvl6pPr marL="2286000" algn="l" defTabSz="914400" rtl="0" eaLnBrk="1" latinLnBrk="0" hangingPunct="1">
+              <a:defRPr sz="1800" kern="1200">
+                <a:solidFill>
+                  <a:schemeClr val="tx1"/>
+                </a:solidFill>
+                <a:latin typeface="+mn-lt"/>
+                <a:ea typeface="+mn-ea"/>
+                <a:cs typeface="+mn-cs"/>
+              </a:defRPr>
+            </a:lvl6pPr>
+            <a:lvl7pPr marL="2743200" algn="l" defTabSz="914400" rtl="0" eaLnBrk="1" latinLnBrk="0" hangingPunct="1">
+              <a:defRPr sz="1800" kern="1200">
+                <a:solidFill>
+                  <a:schemeClr val="tx1"/>
+                </a:solidFill>
+                <a:latin typeface="+mn-lt"/>
+                <a:ea typeface="+mn-ea"/>
+                <a:cs typeface="+mn-cs"/>
+              </a:defRPr>
+            </a:lvl7pPr>
+            <a:lvl8pPr marL="3200400" algn="l" defTabSz="914400" rtl="0" eaLnBrk="1" latinLnBrk="0" hangingPunct="1">
+              <a:defRPr sz="1800" kern="1200">
+                <a:solidFill>
+                  <a:schemeClr val="tx1"/>
+                </a:solidFill>
+                <a:latin typeface="+mn-lt"/>
+                <a:ea typeface="+mn-ea"/>
+                <a:cs typeface="+mn-cs"/>
+              </a:defRPr>
+            </a:lvl8pPr>
+            <a:lvl9pPr marL="3657600" algn="l" defTabSz="914400" rtl="0" eaLnBrk="1" latinLnBrk="0" hangingPunct="1">
+              <a:defRPr sz="1800" kern="1200">
+                <a:solidFill>
+                  <a:schemeClr val="tx1"/>
+                </a:solidFill>
+                <a:latin typeface="+mn-lt"/>
+                <a:ea typeface="+mn-ea"/>
+                <a:cs typeface="+mn-cs"/>
+              </a:defRPr>
+            </a:lvl9pPr>
+          </a:lstStyle>
+          <a:p>
+            <a:r>
+              <a:rPr lang="ru-RU" dirty="0" smtClean="0"/>
+              <a:t>из 20</a:t>
+            </a:r>
           </a:p>
         </p:txBody>
       </p:sp>
@@ -9456,7 +10712,7 @@
         <p:spPr>
           <a:xfrm>
             <a:off x="10058400" y="6356350"/>
-            <a:ext cx="1295400" cy="365125"/>
+            <a:ext cx="620486" cy="365125"/>
           </a:xfrm>
           <a:prstGeom prst="rect">
             <a:avLst/>
@@ -9481,14 +10737,7 @@
               <a:pPr/>
               <a:t>‹#›</a:t>
             </a:fld>
-            <a:r>
-              <a:rPr lang="en-US" dirty="0" smtClean="0"/>
-              <a:t> </a:t>
-            </a:r>
-            <a:r>
-              <a:rPr lang="ru-RU" dirty="0" smtClean="0"/>
-              <a:t>из 30</a:t>
-            </a:r>
+            <a:endParaRPr lang="ru-RU" dirty="0" smtClean="0"/>
           </a:p>
         </p:txBody>
       </p:sp>
@@ -15300,7 +16549,7 @@
                 </a:r>
                 <a:r>
                   <a:rPr lang="ru-RU" dirty="0" smtClean="0"/>
-                  <a:t>.</a:t>
+                  <a:t>. 18 правил в текущей конфигурации. Если добавить еще одну входную переменную, правил было бы уже 54. Если еще одну – 162.</a:t>
                 </a:r>
               </a:p>
               <a:p>
@@ -15333,10 +16582,10 @@
                 <a:off x="838200" y="1485900"/>
                 <a:ext cx="10515600" cy="4691063"/>
               </a:xfrm>
-              <a:blipFill>
+              <a:blipFill rotWithShape="0">
                 <a:blip r:embed="rId2"/>
                 <a:stretch>
-                  <a:fillRect l="-1217" t="-2211"/>
+                  <a:fillRect l="-1217" t="-2211" r="-406"/>
                 </a:stretch>
               </a:blipFill>
             </p:spPr>
@@ -15830,8 +17079,8 @@
           </a:p>
         </p:txBody>
       </p:sp>
-      <mc:AlternateContent xmlns:mc="http://schemas.openxmlformats.org/markup-compatibility/2006">
-        <mc:Choice xmlns:a14="http://schemas.microsoft.com/office/drawing/2010/main" Requires="a14">
+      <mc:AlternateContent xmlns:mc="http://schemas.openxmlformats.org/markup-compatibility/2006" xmlns:a14="http://schemas.microsoft.com/office/drawing/2010/main">
+        <mc:Choice Requires="a14">
           <p:sp>
             <p:nvSpPr>
               <p:cNvPr id="3" name="Объект 2"/>
@@ -15875,33 +17124,21 @@
                 <a:pPr lvl="1"/>
                 <a:r>
                   <a:rPr lang="ru-RU" dirty="0"/>
-                  <a:t>к</a:t>
-                </a:r>
-                <a:r>
-                  <a:rPr lang="ru-RU" dirty="0"/>
-                  <a:t>оличество скрытых слоев (1 или 2);</a:t>
+                  <a:t>количество скрытых слоев (1 или 2);</a:t>
                 </a:r>
               </a:p>
               <a:p>
                 <a:pPr lvl="1"/>
                 <a:r>
                   <a:rPr lang="ru-RU" dirty="0"/>
-                  <a:t>р</a:t>
-                </a:r>
-                <a:r>
-                  <a:rPr lang="ru-RU" dirty="0"/>
-                  <a:t>азмер скрытого слоя (если есть);</a:t>
+                  <a:t>размер скрытого слоя (если есть);</a:t>
                 </a:r>
               </a:p>
               <a:p>
                 <a:pPr lvl="1"/>
                 <a:r>
                   <a:rPr lang="ru-RU" dirty="0"/>
-                  <a:t>к</a:t>
-                </a:r>
-                <a:r>
-                  <a:rPr lang="ru-RU" dirty="0"/>
-                  <a:t>оэффициент </a:t>
+                  <a:t>коэффициент </a:t>
                 </a:r>
                 <a:r>
                   <a:rPr lang="el-GR" dirty="0">
@@ -16020,11 +17257,7 @@
                 <a:pPr lvl="1"/>
                 <a:r>
                   <a:rPr lang="ru-RU" dirty="0"/>
-                  <a:t>к</a:t>
-                </a:r>
-                <a:r>
-                  <a:rPr lang="ru-RU" dirty="0"/>
-                  <a:t>оэффициент </a:t>
+                  <a:t>коэффициент </a:t>
                 </a:r>
                 <a:r>
                   <a:rPr lang="el-GR" dirty="0">
@@ -16178,17 +17411,12 @@
                 <a:pPr lvl="1"/>
                 <a:r>
                   <a:rPr lang="ru-RU" dirty="0"/>
-                  <a:t>к</a:t>
-                </a:r>
-                <a:r>
-                  <a:rPr lang="ru-RU" dirty="0"/>
-                  <a:t>оличество повторов обучения</a:t>
+                  <a:t>количество повторов обучения</a:t>
                 </a:r>
                 <a:r>
                   <a:rPr lang="ru-RU" dirty="0" smtClean="0"/>
                   <a:t>.</a:t>
                 </a:r>
-                <a:endParaRPr lang="ru-RU" dirty="0" smtClean="0"/>
               </a:p>
               <a:p>
                 <a:pPr marL="0" indent="0">
@@ -16196,11 +17424,7 @@
                 </a:pPr>
                 <a:r>
                   <a:rPr lang="ru-RU" dirty="0" smtClean="0"/>
-                  <a:t>Функция </a:t>
-                </a:r>
-                <a:r>
-                  <a:rPr lang="ru-RU" dirty="0" smtClean="0"/>
-                  <a:t>обучения</a:t>
+                  <a:t>Функция обучения</a:t>
                 </a:r>
               </a:p>
               <a:p>
@@ -16286,18 +17510,13 @@
                 <a:pPr lvl="1"/>
                 <a:r>
                   <a:rPr lang="ru-RU" dirty="0" smtClean="0"/>
-                  <a:t>Можно использовать численные методы для поиска оптимальных параметров обучения</a:t>
+                  <a:t>Можно использовать численные методы для поиска оптимальных параметров обучения.</a:t>
                 </a:r>
-                <a:r>
-                  <a:rPr lang="ru-RU" dirty="0" smtClean="0"/>
-                  <a:t>.</a:t>
-                </a:r>
-                <a:endParaRPr lang="ru-RU" dirty="0" smtClean="0"/>
               </a:p>
             </p:txBody>
           </p:sp>
         </mc:Choice>
-        <mc:Fallback>
+        <mc:Fallback xmlns="">
           <p:sp>
             <p:nvSpPr>
               <p:cNvPr id="3" name="Объект 2"/>
@@ -16631,7 +17850,7 @@
         </p:spPr>
         <p:txBody>
           <a:bodyPr>
-            <a:normAutofit lnSpcReduction="10000"/>
+            <a:normAutofit fontScale="92500" lnSpcReduction="20000"/>
           </a:bodyPr>
           <a:lstStyle/>
           <a:p>
@@ -16655,19 +17874,7 @@
             </a:pPr>
             <a:r>
               <a:rPr lang="ru-RU" dirty="0" smtClean="0"/>
-              <a:t>Аппроксимация неизвестной </a:t>
-            </a:r>
-            <a:r>
-              <a:rPr lang="ru-RU" dirty="0" smtClean="0"/>
-              <a:t>функции принятия решений по нескольким </a:t>
-            </a:r>
-            <a:r>
-              <a:rPr lang="ru-RU" dirty="0" smtClean="0"/>
-              <a:t>известным </a:t>
-            </a:r>
-            <a:r>
-              <a:rPr lang="ru-RU" dirty="0" smtClean="0"/>
-              <a:t>решениям.</a:t>
+              <a:t>Аппроксимация неизвестной функции принятия решений по нескольким известным решениям.</a:t>
             </a:r>
           </a:p>
           <a:p>
@@ -16706,7 +17913,7 @@
             </a:pPr>
             <a:r>
               <a:rPr lang="ru-RU" dirty="0" smtClean="0"/>
-              <a:t>Сложно корректировать поведение, т.к. для внесения изменений требуется переобучение.</a:t>
+              <a:t>Сложно корректировать поведение, т.к. для внесения изменений требуется переобучение. При этом может исказиться уже отлаженное поведение.</a:t>
             </a:r>
           </a:p>
           <a:p>
@@ -16716,7 +17923,7 @@
             </a:pPr>
             <a:r>
               <a:rPr lang="ru-RU" dirty="0" smtClean="0"/>
-              <a:t>Сложно реализовать реакцию на редкую ситуацию, т.к. для нее будет мало записей в обучающем множестве.</a:t>
+              <a:t>Сложно реализовать реакцию на редкую ситуацию, т.к. для нее будет мало записей в обучающем множестве. Например, стратегия защиты применяется реже, чем остальные. Из-за этого агент ведет себя более агрессивно.</a:t>
             </a:r>
           </a:p>
           <a:p>
@@ -16726,7 +17933,7 @@
             </a:pPr>
             <a:r>
               <a:rPr lang="ru-RU" dirty="0" smtClean="0"/>
-              <a:t>Реакцию агента на ситуацию, не учтенную при разработке, сложно предсказать. Иногда она оказывается неадекватной. </a:t>
+              <a:t>Реакцию агента на ситуацию, не учтенную при разработке, сложно предсказать. Иногда она оказывается неадекватной. Например, в некоторых случаях агент предпочитал атаку, даже если противника не было видно.</a:t>
             </a:r>
             <a:endParaRPr lang="ru-RU" dirty="0"/>
           </a:p>
@@ -16862,10 +18069,10 @@
           <a:lstStyle/>
           <a:p>
             <a:r>
-              <a:rPr lang="ru-RU" smtClean="0"/>
+              <a:rPr lang="ru-RU" dirty="0" smtClean="0"/>
               <a:t>Приходько Е.В. Исследование методов моделирования принятия решений на примере ботов в компьютерной игре</a:t>
             </a:r>
-            <a:endParaRPr lang="ru-RU"/>
+            <a:endParaRPr lang="ru-RU" dirty="0"/>
           </a:p>
         </p:txBody>
       </p:sp>
@@ -16958,30 +18165,6 @@
           </a:p>
         </p:txBody>
       </p:sp>
-      <p:pic>
-        <p:nvPicPr>
-          <p:cNvPr id="7" name="Рисунок 6"/>
-          <p:cNvPicPr>
-            <a:picLocks noChangeAspect="1"/>
-          </p:cNvPicPr>
-          <p:nvPr/>
-        </p:nvPicPr>
-        <p:blipFill>
-          <a:blip r:embed="rId3"/>
-          <a:stretch>
-            <a:fillRect/>
-          </a:stretch>
-        </p:blipFill>
-        <p:spPr>
-          <a:xfrm>
-            <a:off x="5161700" y="1062446"/>
-            <a:ext cx="6867320" cy="4902201"/>
-          </a:xfrm>
-          <a:prstGeom prst="rect">
-            <a:avLst/>
-          </a:prstGeom>
-        </p:spPr>
-      </p:pic>
       <p:sp>
         <p:nvSpPr>
           <p:cNvPr id="8" name="TextBox 7"/>
@@ -17097,12 +18280,12 @@
           <a:graphicData uri="http://schemas.openxmlformats.org/presentationml/2006/ole">
             <mc:AlternateContent xmlns:mc="http://schemas.openxmlformats.org/markup-compatibility/2006">
               <mc:Choice xmlns:v="urn:schemas-microsoft-com:vml" Requires="v">
-                <p:oleObj spid="_x0000_s12301" name="Документ" r:id="rId4" imgW="6152400" imgH="1665360" progId="Word.OpenDocumentText.12">
+                <p:oleObj spid="_x0000_s12313" name="Документ" r:id="rId3" imgW="6152400" imgH="1665360" progId="Word.OpenDocumentText.12">
                   <p:embed/>
                 </p:oleObj>
               </mc:Choice>
               <mc:Fallback>
-                <p:oleObj name="Документ" r:id="rId4" imgW="6152400" imgH="1665360" progId="Word.OpenDocumentText.12">
+                <p:oleObj name="Документ" r:id="rId3" imgW="6152400" imgH="1665360" progId="Word.OpenDocumentText.12">
                   <p:embed/>
                   <p:pic>
                     <p:nvPicPr>
@@ -17113,7 +18296,7 @@
                       <p:nvPr/>
                     </p:nvPicPr>
                     <p:blipFill>
-                      <a:blip r:embed="rId5"/>
+                      <a:blip r:embed="rId4"/>
                       <a:srcRect/>
                       <a:stretch>
                         <a:fillRect/>
@@ -17136,6 +18319,30 @@
           </a:graphicData>
         </a:graphic>
       </p:graphicFrame>
+      <p:pic>
+        <p:nvPicPr>
+          <p:cNvPr id="3" name="Рисунок 2"/>
+          <p:cNvPicPr>
+            <a:picLocks noChangeAspect="1"/>
+          </p:cNvPicPr>
+          <p:nvPr/>
+        </p:nvPicPr>
+        <p:blipFill>
+          <a:blip r:embed="rId5"/>
+          <a:stretch>
+            <a:fillRect/>
+          </a:stretch>
+        </p:blipFill>
+        <p:spPr>
+          <a:xfrm>
+            <a:off x="5161700" y="1090096"/>
+            <a:ext cx="6867320" cy="4902201"/>
+          </a:xfrm>
+          <a:prstGeom prst="rect">
+            <a:avLst/>
+          </a:prstGeom>
+        </p:spPr>
+      </p:pic>
     </p:spTree>
     <p:extLst>
       <p:ext uri="{BB962C8B-B14F-4D97-AF65-F5344CB8AC3E}">
@@ -17897,7 +19104,7 @@
             <p:ph sz="half" idx="1"/>
             <p:extLst>
               <p:ext uri="{D42A27DB-BD31-4B8C-83A1-F6EECF244321}">
-                <p14:modId xmlns:p14="http://schemas.microsoft.com/office/powerpoint/2010/main" val="167844297"/>
+                <p14:modId xmlns:p14="http://schemas.microsoft.com/office/powerpoint/2010/main" val="2983236004"/>
               </p:ext>
             </p:extLst>
           </p:nvPr>
@@ -18355,7 +19562,7 @@
             </a:pPr>
             <a:r>
               <a:rPr lang="ru-RU" dirty="0" smtClean="0"/>
-              <a:t>Рассмотрены конечные автоматы и реализован агент</a:t>
+              <a:t>Исследованы конечные автоматы и реализован агент</a:t>
             </a:r>
             <a:r>
               <a:rPr lang="ru-RU" dirty="0"/>
@@ -18367,17 +19574,13 @@
             </a:r>
           </a:p>
           <a:p>
-            <a:pPr>
-              <a:buFont typeface="Arial" panose="020B0604020202020204" pitchFamily="34" charset="0"/>
-              <a:buChar char="•"/>
-            </a:pPr>
             <a:r>
               <a:rPr lang="ru-RU" dirty="0"/>
-              <a:t>Рассмотрены </a:t>
+              <a:t>Исследованы деревья </a:t>
             </a:r>
             <a:r>
               <a:rPr lang="ru-RU" dirty="0" smtClean="0"/>
-              <a:t>деревья поведения </a:t>
+              <a:t>поведения </a:t>
             </a:r>
             <a:r>
               <a:rPr lang="ru-RU" dirty="0"/>
@@ -18390,13 +19593,9 @@
             <a:endParaRPr lang="ru-RU" dirty="0"/>
           </a:p>
           <a:p>
-            <a:pPr>
-              <a:buFont typeface="Arial" panose="020B0604020202020204" pitchFamily="34" charset="0"/>
-              <a:buChar char="•"/>
-            </a:pPr>
             <a:r>
               <a:rPr lang="ru-RU" dirty="0" smtClean="0"/>
-              <a:t>Рассмотрена нечеткая логика и </a:t>
+              <a:t>Исследована нечеткая логика и </a:t>
             </a:r>
             <a:r>
               <a:rPr lang="ru-RU" dirty="0"/>
@@ -18409,17 +19608,13 @@
             <a:endParaRPr lang="ru-RU" dirty="0"/>
           </a:p>
           <a:p>
-            <a:pPr>
-              <a:buFont typeface="Arial" panose="020B0604020202020204" pitchFamily="34" charset="0"/>
-              <a:buChar char="•"/>
-            </a:pPr>
             <a:r>
               <a:rPr lang="ru-RU" dirty="0"/>
-              <a:t>Рассмотрены </a:t>
+              <a:t>Исследованы нейронные </a:t>
             </a:r>
             <a:r>
               <a:rPr lang="ru-RU" dirty="0" smtClean="0"/>
-              <a:t>нейронные сети </a:t>
+              <a:t>сети </a:t>
             </a:r>
             <a:r>
               <a:rPr lang="ru-RU" dirty="0"/>
@@ -18703,7 +19898,7 @@
           <a:graphicData uri="http://schemas.openxmlformats.org/presentationml/2006/ole">
             <mc:AlternateContent xmlns:mc="http://schemas.openxmlformats.org/markup-compatibility/2006">
               <mc:Choice xmlns:v="urn:schemas-microsoft-com:vml" Requires="v">
-                <p:oleObj spid="_x0000_s7229" name="Visio" r:id="rId4" imgW="3190810" imgH="1952640" progId="Visio.Drawing.15">
+                <p:oleObj spid="_x0000_s7241" name="Visio" r:id="rId4" imgW="3190810" imgH="1952640" progId="Visio.Drawing.15">
                   <p:embed/>
                 </p:oleObj>
               </mc:Choice>
@@ -19399,7 +20594,7 @@
           <a:graphicData uri="http://schemas.openxmlformats.org/presentationml/2006/ole">
             <mc:AlternateContent xmlns:mc="http://schemas.openxmlformats.org/markup-compatibility/2006">
               <mc:Choice xmlns:v="urn:schemas-microsoft-com:vml" Requires="v">
-                <p:oleObj spid="_x0000_s8253" name="Visio" r:id="rId3" imgW="5133877" imgH="3171960" progId="Visio.Drawing.15">
+                <p:oleObj spid="_x0000_s8265" name="Visio" r:id="rId3" imgW="5133877" imgH="3171960" progId="Visio.Drawing.15">
                   <p:embed/>
                 </p:oleObj>
               </mc:Choice>
@@ -19769,7 +20964,7 @@
           <a:graphicData uri="http://schemas.openxmlformats.org/presentationml/2006/ole">
             <mc:AlternateContent xmlns:mc="http://schemas.openxmlformats.org/markup-compatibility/2006">
               <mc:Choice xmlns:v="urn:schemas-microsoft-com:vml" Requires="v">
-                <p:oleObj spid="_x0000_s11355" name="Visio" r:id="rId3" imgW="6562610" imgH="3791070" progId="Visio.Drawing.15">
+                <p:oleObj spid="_x0000_s11379" name="Visio" r:id="rId3" imgW="6562610" imgH="3791070" progId="Visio.Drawing.15">
                   <p:embed/>
                 </p:oleObj>
               </mc:Choice>
@@ -19889,7 +21084,7 @@
           <a:graphicData uri="http://schemas.openxmlformats.org/presentationml/2006/ole">
             <mc:AlternateContent xmlns:mc="http://schemas.openxmlformats.org/markup-compatibility/2006">
               <mc:Choice xmlns:v="urn:schemas-microsoft-com:vml" Requires="v">
-                <p:oleObj spid="_x0000_s11356" name="Visio" r:id="rId5" imgW="4695721" imgH="1276290" progId="Visio.Drawing.15">
+                <p:oleObj spid="_x0000_s11380" name="Visio" r:id="rId5" imgW="4695721" imgH="1276290" progId="Visio.Drawing.15">
                   <p:embed/>
                 </p:oleObj>
               </mc:Choice>
@@ -20367,7 +21562,7 @@
           <a:graphicData uri="http://schemas.openxmlformats.org/presentationml/2006/ole">
             <mc:AlternateContent xmlns:mc="http://schemas.openxmlformats.org/markup-compatibility/2006">
               <mc:Choice xmlns:v="urn:schemas-microsoft-com:vml" Requires="v">
-                <p:oleObj spid="_x0000_s10286" name="Visio" r:id="rId3" imgW="3838589" imgH="2019330" progId="Visio.Drawing.15">
+                <p:oleObj spid="_x0000_s10298" name="Visio" r:id="rId3" imgW="3838589" imgH="2019330" progId="Visio.Drawing.15">
                   <p:embed/>
                 </p:oleObj>
               </mc:Choice>
@@ -20943,14 +22138,14 @@
                 <a:ea typeface="Calibri" panose="020F0502020204030204" pitchFamily="34" charset="0"/>
                 <a:cs typeface="Times New Roman" panose="02020603050405020304" pitchFamily="18" charset="0"/>
               </a:rPr>
-              <a:t>рассмотреть </a:t>
+              <a:t>исследовать существующие </a:t>
             </a:r>
             <a:r>
               <a:rPr lang="ru-RU" dirty="0">
                 <a:ea typeface="Calibri" panose="020F0502020204030204" pitchFamily="34" charset="0"/>
                 <a:cs typeface="Times New Roman" panose="02020603050405020304" pitchFamily="18" charset="0"/>
               </a:rPr>
-              <a:t>существующие методы и алгоритмы принятия решений</a:t>
+              <a:t>методы и алгоритмы принятия решений</a:t>
             </a:r>
             <a:r>
               <a:rPr lang="ru-RU" dirty="0" smtClean="0">
@@ -20976,21 +22171,7 @@
                 <a:ea typeface="Calibri" panose="020F0502020204030204" pitchFamily="34" charset="0"/>
                 <a:cs typeface="Times New Roman" panose="02020603050405020304" pitchFamily="18" charset="0"/>
               </a:rPr>
-              <a:t>реализовать </a:t>
-            </a:r>
-            <a:r>
-              <a:rPr lang="ru-RU" dirty="0" smtClean="0">
-                <a:ea typeface="Calibri" panose="020F0502020204030204" pitchFamily="34" charset="0"/>
-                <a:cs typeface="Times New Roman" panose="02020603050405020304" pitchFamily="18" charset="0"/>
-              </a:rPr>
-              <a:t>агентов, </a:t>
-            </a:r>
-            <a:r>
-              <a:rPr lang="ru-RU" dirty="0" smtClean="0">
-                <a:ea typeface="Calibri" panose="020F0502020204030204" pitchFamily="34" charset="0"/>
-                <a:cs typeface="Times New Roman" panose="02020603050405020304" pitchFamily="18" charset="0"/>
-              </a:rPr>
-              <a:t>использующих рассмотренные </a:t>
+              <a:t>реализовать агентов, использующих рассмотренные </a:t>
             </a:r>
             <a:r>
               <a:rPr lang="ru-RU" dirty="0">
@@ -21279,11 +22460,7 @@
             </a:pPr>
             <a:r>
               <a:rPr lang="ru-RU" dirty="0" smtClean="0"/>
-              <a:t>Принятие </a:t>
-            </a:r>
-            <a:r>
-              <a:rPr lang="ru-RU" dirty="0" smtClean="0"/>
-              <a:t>решения – выбор стратегии, которая даст наибольшее игровое преимущество (поиск, атака, защита, отступление).</a:t>
+              <a:t>Принятие решения – выбор стратегии, которая даст наибольшее игровое преимущество (поиск, атака, защита, отступление).</a:t>
             </a:r>
           </a:p>
           <a:p>
@@ -21790,7 +22967,7 @@
           <a:graphicData uri="http://schemas.openxmlformats.org/presentationml/2006/ole">
             <mc:AlternateContent xmlns:mc="http://schemas.openxmlformats.org/markup-compatibility/2006">
               <mc:Choice xmlns:v="urn:schemas-microsoft-com:vml" Requires="v">
-                <p:oleObj spid="_x0000_s2146" name="Visio" r:id="rId3" imgW="7296021" imgH="4410180" progId="Visio.Drawing.15">
+                <p:oleObj spid="_x0000_s2158" name="Visio" r:id="rId3" imgW="7296021" imgH="4410180" progId="Visio.Drawing.15">
                   <p:embed/>
                 </p:oleObj>
               </mc:Choice>
@@ -21942,13 +23119,8 @@
           <a:p>
             <a:r>
               <a:rPr lang="ru-RU" dirty="0" smtClean="0"/>
-              <a:t>ветвь – </a:t>
-            </a:r>
-            <a:r>
-              <a:rPr lang="ru-RU" dirty="0" smtClean="0"/>
-              <a:t>стратегия.</a:t>
-            </a:r>
-            <a:endParaRPr lang="ru-RU" dirty="0" smtClean="0"/>
+              <a:t>ветвь – стратегия.</a:t>
+            </a:r>
           </a:p>
           <a:p>
             <a:pPr marL="0" indent="0">
